--- a/reports/2023_403_БогатыреваВО_slides.pptx
+++ b/reports/2023_403_БогатыреваВО_slides.pptx
@@ -214,7 +214,7 @@
           <a:p>
             <a:fld id="{7DEDA2BB-1C5C-4526-95E5-77A988EF9EA2}" type="datetimeFigureOut">
               <a:rPr lang="ru-RU" smtClean="0"/>
-              <a:t>11.05.2023</a:t>
+              <a:t>17.05.2023</a:t>
             </a:fld>
             <a:endParaRPr lang="ru-RU"/>
           </a:p>
@@ -882,7 +882,7 @@
           <a:p>
             <a:fld id="{9D1E7A46-1A4E-41C3-B23B-1269BF8B1FAC}" type="datetimeFigureOut">
               <a:rPr lang="ru-RU" smtClean="0"/>
-              <a:t>11.05.2023</a:t>
+              <a:t>17.05.2023</a:t>
             </a:fld>
             <a:endParaRPr lang="ru-RU"/>
           </a:p>
@@ -1052,7 +1052,7 @@
           <a:p>
             <a:fld id="{9D1E7A46-1A4E-41C3-B23B-1269BF8B1FAC}" type="datetimeFigureOut">
               <a:rPr lang="ru-RU" smtClean="0"/>
-              <a:t>11.05.2023</a:t>
+              <a:t>17.05.2023</a:t>
             </a:fld>
             <a:endParaRPr lang="ru-RU"/>
           </a:p>
@@ -1232,7 +1232,7 @@
           <a:p>
             <a:fld id="{9D1E7A46-1A4E-41C3-B23B-1269BF8B1FAC}" type="datetimeFigureOut">
               <a:rPr lang="ru-RU" smtClean="0"/>
-              <a:t>11.05.2023</a:t>
+              <a:t>17.05.2023</a:t>
             </a:fld>
             <a:endParaRPr lang="ru-RU"/>
           </a:p>
@@ -1402,7 +1402,7 @@
           <a:p>
             <a:fld id="{9D1E7A46-1A4E-41C3-B23B-1269BF8B1FAC}" type="datetimeFigureOut">
               <a:rPr lang="ru-RU" smtClean="0"/>
-              <a:t>11.05.2023</a:t>
+              <a:t>17.05.2023</a:t>
             </a:fld>
             <a:endParaRPr lang="ru-RU"/>
           </a:p>
@@ -1648,7 +1648,7 @@
           <a:p>
             <a:fld id="{9D1E7A46-1A4E-41C3-B23B-1269BF8B1FAC}" type="datetimeFigureOut">
               <a:rPr lang="ru-RU" smtClean="0"/>
-              <a:t>11.05.2023</a:t>
+              <a:t>17.05.2023</a:t>
             </a:fld>
             <a:endParaRPr lang="ru-RU"/>
           </a:p>
@@ -1880,7 +1880,7 @@
           <a:p>
             <a:fld id="{9D1E7A46-1A4E-41C3-B23B-1269BF8B1FAC}" type="datetimeFigureOut">
               <a:rPr lang="ru-RU" smtClean="0"/>
-              <a:t>11.05.2023</a:t>
+              <a:t>17.05.2023</a:t>
             </a:fld>
             <a:endParaRPr lang="ru-RU"/>
           </a:p>
@@ -2247,7 +2247,7 @@
           <a:p>
             <a:fld id="{9D1E7A46-1A4E-41C3-B23B-1269BF8B1FAC}" type="datetimeFigureOut">
               <a:rPr lang="ru-RU" smtClean="0"/>
-              <a:t>11.05.2023</a:t>
+              <a:t>17.05.2023</a:t>
             </a:fld>
             <a:endParaRPr lang="ru-RU"/>
           </a:p>
@@ -2365,7 +2365,7 @@
           <a:p>
             <a:fld id="{9D1E7A46-1A4E-41C3-B23B-1269BF8B1FAC}" type="datetimeFigureOut">
               <a:rPr lang="ru-RU" smtClean="0"/>
-              <a:t>11.05.2023</a:t>
+              <a:t>17.05.2023</a:t>
             </a:fld>
             <a:endParaRPr lang="ru-RU"/>
           </a:p>
@@ -2460,7 +2460,7 @@
           <a:p>
             <a:fld id="{9D1E7A46-1A4E-41C3-B23B-1269BF8B1FAC}" type="datetimeFigureOut">
               <a:rPr lang="ru-RU" smtClean="0"/>
-              <a:t>11.05.2023</a:t>
+              <a:t>17.05.2023</a:t>
             </a:fld>
             <a:endParaRPr lang="ru-RU"/>
           </a:p>
@@ -2737,7 +2737,7 @@
           <a:p>
             <a:fld id="{9D1E7A46-1A4E-41C3-B23B-1269BF8B1FAC}" type="datetimeFigureOut">
               <a:rPr lang="ru-RU" smtClean="0"/>
-              <a:t>11.05.2023</a:t>
+              <a:t>17.05.2023</a:t>
             </a:fld>
             <a:endParaRPr lang="ru-RU"/>
           </a:p>
@@ -2990,7 +2990,7 @@
           <a:p>
             <a:fld id="{9D1E7A46-1A4E-41C3-B23B-1269BF8B1FAC}" type="datetimeFigureOut">
               <a:rPr lang="ru-RU" smtClean="0"/>
-              <a:t>11.05.2023</a:t>
+              <a:t>17.05.2023</a:t>
             </a:fld>
             <a:endParaRPr lang="ru-RU"/>
           </a:p>
@@ -3203,7 +3203,7 @@
           <a:p>
             <a:fld id="{9D1E7A46-1A4E-41C3-B23B-1269BF8B1FAC}" type="datetimeFigureOut">
               <a:rPr lang="ru-RU" smtClean="0"/>
-              <a:t>11.05.2023</a:t>
+              <a:t>17.05.2023</a:t>
             </a:fld>
             <a:endParaRPr lang="ru-RU"/>
           </a:p>
@@ -4068,7 +4068,7 @@
           <p:cNvPr id="4" name="TextBox 5">
             <a:extLst>
               <a:ext uri="{FF2B5EF4-FFF2-40B4-BE49-F238E27FC236}">
-                <a16:creationId xmlns:a16="http://schemas.microsoft.com/office/drawing/2014/main" xmlns="" xmlns:lc="http://schemas.openxmlformats.org/drawingml/2006/lockedCanvas" id="{F7043567-4147-88C3-F094-05513D23DB95}"/>
+                <a16:creationId xmlns:lc="http://schemas.openxmlformats.org/drawingml/2006/lockedCanvas" xmlns="" xmlns:a16="http://schemas.microsoft.com/office/drawing/2014/main" id="{F7043567-4147-88C3-F094-05513D23DB95}"/>
               </a:ext>
             </a:extLst>
           </p:cNvPr>
@@ -4078,7 +4078,7 @@
         <p:spPr>
           <a:xfrm>
             <a:off x="11111345" y="6334780"/>
-            <a:ext cx="1080656" cy="523220"/>
+            <a:ext cx="1080656" cy="430887"/>
           </a:xfrm>
           <a:prstGeom prst="rect">
             <a:avLst/>
@@ -4186,16 +4186,47 @@
           </a:lstStyle>
           <a:p>
             <a:r>
-              <a:rPr lang="ru-RU" sz="2800" dirty="0" smtClean="0">
+              <a:rPr lang="ru-RU" sz="2200" dirty="0" smtClean="0">
                 <a:latin typeface="Times New Roman" panose="02020603050405020304" pitchFamily="18" charset="0"/>
                 <a:cs typeface="Times New Roman" panose="02020603050405020304" pitchFamily="18" charset="0"/>
               </a:rPr>
               <a:t>10/18</a:t>
             </a:r>
-            <a:endParaRPr lang="ru-RU" sz="2800" dirty="0">
+            <a:endParaRPr lang="ru-RU" sz="2200" dirty="0">
               <a:latin typeface="Times New Roman" panose="02020603050405020304" pitchFamily="18" charset="0"/>
               <a:cs typeface="Times New Roman" panose="02020603050405020304" pitchFamily="18" charset="0"/>
             </a:endParaRPr>
+          </a:p>
+        </p:txBody>
+      </p:sp>
+      <p:sp>
+        <p:nvSpPr>
+          <p:cNvPr id="7" name="Прямоугольник 6"/>
+          <p:cNvSpPr/>
+          <p:nvPr/>
+        </p:nvSpPr>
+        <p:spPr>
+          <a:xfrm>
+            <a:off x="117062" y="6334780"/>
+            <a:ext cx="3100529" cy="430887"/>
+          </a:xfrm>
+          <a:prstGeom prst="rect">
+            <a:avLst/>
+          </a:prstGeom>
+        </p:spPr>
+        <p:txBody>
+          <a:bodyPr wrap="none">
+            <a:spAutoFit/>
+          </a:bodyPr>
+          <a:lstStyle/>
+          <a:p>
+            <a:r>
+              <a:rPr lang="ru-RU" sz="2200" dirty="0">
+                <a:latin typeface="Times New Roman" panose="02020603050405020304" pitchFamily="18" charset="0"/>
+                <a:cs typeface="Times New Roman" panose="02020603050405020304" pitchFamily="18" charset="0"/>
+              </a:rPr>
+              <a:t>http://veronijo.beget.tech/</a:t>
+            </a:r>
           </a:p>
         </p:txBody>
       </p:sp>
@@ -4248,7 +4279,7 @@
         </p:nvSpPr>
         <p:spPr>
           <a:xfrm>
-            <a:off x="838198" y="77495"/>
+            <a:off x="838198" y="22077"/>
             <a:ext cx="10515600" cy="895639"/>
           </a:xfrm>
         </p:spPr>
@@ -4298,7 +4329,7 @@
         </p:blipFill>
         <p:spPr bwMode="auto">
           <a:xfrm>
-            <a:off x="1013423" y="973134"/>
+            <a:off x="1013423" y="800037"/>
             <a:ext cx="10165150" cy="5652423"/>
           </a:xfrm>
           <a:prstGeom prst="rect">
@@ -4315,7 +4346,7 @@
           <p:cNvPr id="4" name="TextBox 5">
             <a:extLst>
               <a:ext uri="{FF2B5EF4-FFF2-40B4-BE49-F238E27FC236}">
-                <a16:creationId xmlns:a16="http://schemas.microsoft.com/office/drawing/2014/main" xmlns="" xmlns:lc="http://schemas.openxmlformats.org/drawingml/2006/lockedCanvas" id="{F7043567-4147-88C3-F094-05513D23DB95}"/>
+                <a16:creationId xmlns:lc="http://schemas.openxmlformats.org/drawingml/2006/lockedCanvas" xmlns="" xmlns:a16="http://schemas.microsoft.com/office/drawing/2014/main" id="{F7043567-4147-88C3-F094-05513D23DB95}"/>
               </a:ext>
             </a:extLst>
           </p:cNvPr>
@@ -4324,8 +4355,8 @@
         </p:nvSpPr>
         <p:spPr>
           <a:xfrm>
-            <a:off x="11111345" y="6334780"/>
-            <a:ext cx="1080656" cy="523220"/>
+            <a:off x="11062851" y="6427112"/>
+            <a:ext cx="1080656" cy="430887"/>
           </a:xfrm>
           <a:prstGeom prst="rect">
             <a:avLst/>
@@ -4433,16 +4464,47 @@
           </a:lstStyle>
           <a:p>
             <a:r>
-              <a:rPr lang="ru-RU" sz="2800" dirty="0" smtClean="0">
+              <a:rPr lang="ru-RU" sz="2200" dirty="0" smtClean="0">
                 <a:latin typeface="Times New Roman" panose="02020603050405020304" pitchFamily="18" charset="0"/>
                 <a:cs typeface="Times New Roman" panose="02020603050405020304" pitchFamily="18" charset="0"/>
               </a:rPr>
               <a:t>11/18</a:t>
             </a:r>
-            <a:endParaRPr lang="ru-RU" sz="2800" dirty="0">
+            <a:endParaRPr lang="ru-RU" sz="2200" dirty="0">
               <a:latin typeface="Times New Roman" panose="02020603050405020304" pitchFamily="18" charset="0"/>
               <a:cs typeface="Times New Roman" panose="02020603050405020304" pitchFamily="18" charset="0"/>
             </a:endParaRPr>
+          </a:p>
+        </p:txBody>
+      </p:sp>
+      <p:sp>
+        <p:nvSpPr>
+          <p:cNvPr id="5" name="Прямоугольник 4"/>
+          <p:cNvSpPr/>
+          <p:nvPr/>
+        </p:nvSpPr>
+        <p:spPr>
+          <a:xfrm>
+            <a:off x="103208" y="6427113"/>
+            <a:ext cx="3100529" cy="430887"/>
+          </a:xfrm>
+          <a:prstGeom prst="rect">
+            <a:avLst/>
+          </a:prstGeom>
+        </p:spPr>
+        <p:txBody>
+          <a:bodyPr wrap="none">
+            <a:spAutoFit/>
+          </a:bodyPr>
+          <a:lstStyle/>
+          <a:p>
+            <a:r>
+              <a:rPr lang="ru-RU" sz="2200" dirty="0">
+                <a:latin typeface="Times New Roman" panose="02020603050405020304" pitchFamily="18" charset="0"/>
+                <a:cs typeface="Times New Roman" panose="02020603050405020304" pitchFamily="18" charset="0"/>
+              </a:rPr>
+              <a:t>http://veronijo.beget.tech/</a:t>
+            </a:r>
           </a:p>
         </p:txBody>
       </p:sp>
@@ -4532,7 +4594,7 @@
         </p:nvSpPr>
         <p:spPr>
           <a:xfrm>
-            <a:off x="838200" y="1039090"/>
+            <a:off x="838200" y="721096"/>
             <a:ext cx="10515600" cy="5611092"/>
           </a:xfrm>
         </p:spPr>
@@ -5007,7 +5069,7 @@
           <p:cNvPr id="5" name="TextBox 5">
             <a:extLst>
               <a:ext uri="{FF2B5EF4-FFF2-40B4-BE49-F238E27FC236}">
-                <a16:creationId xmlns:a16="http://schemas.microsoft.com/office/drawing/2014/main" xmlns="" xmlns:lc="http://schemas.openxmlformats.org/drawingml/2006/lockedCanvas" id="{F7043567-4147-88C3-F094-05513D23DB95}"/>
+                <a16:creationId xmlns:lc="http://schemas.openxmlformats.org/drawingml/2006/lockedCanvas" xmlns="" xmlns:a16="http://schemas.microsoft.com/office/drawing/2014/main" id="{F7043567-4147-88C3-F094-05513D23DB95}"/>
               </a:ext>
             </a:extLst>
           </p:cNvPr>
@@ -5016,8 +5078,8 @@
         </p:nvSpPr>
         <p:spPr>
           <a:xfrm>
-            <a:off x="11111345" y="6334780"/>
-            <a:ext cx="1080656" cy="523220"/>
+            <a:off x="11111344" y="6434737"/>
+            <a:ext cx="1080656" cy="430887"/>
           </a:xfrm>
           <a:prstGeom prst="rect">
             <a:avLst/>
@@ -5125,16 +5187,47 @@
           </a:lstStyle>
           <a:p>
             <a:r>
-              <a:rPr lang="ru-RU" sz="2800" dirty="0" smtClean="0">
+              <a:rPr lang="ru-RU" sz="2200" dirty="0" smtClean="0">
                 <a:latin typeface="Times New Roman" panose="02020603050405020304" pitchFamily="18" charset="0"/>
                 <a:cs typeface="Times New Roman" panose="02020603050405020304" pitchFamily="18" charset="0"/>
               </a:rPr>
               <a:t>12/18</a:t>
             </a:r>
-            <a:endParaRPr lang="ru-RU" sz="2800" dirty="0">
+            <a:endParaRPr lang="ru-RU" sz="2200" dirty="0">
               <a:latin typeface="Times New Roman" panose="02020603050405020304" pitchFamily="18" charset="0"/>
               <a:cs typeface="Times New Roman" panose="02020603050405020304" pitchFamily="18" charset="0"/>
             </a:endParaRPr>
+          </a:p>
+        </p:txBody>
+      </p:sp>
+      <p:sp>
+        <p:nvSpPr>
+          <p:cNvPr id="6" name="Прямоугольник 5"/>
+          <p:cNvSpPr/>
+          <p:nvPr/>
+        </p:nvSpPr>
+        <p:spPr>
+          <a:xfrm>
+            <a:off x="0" y="6434738"/>
+            <a:ext cx="3100529" cy="430887"/>
+          </a:xfrm>
+          <a:prstGeom prst="rect">
+            <a:avLst/>
+          </a:prstGeom>
+        </p:spPr>
+        <p:txBody>
+          <a:bodyPr wrap="none">
+            <a:spAutoFit/>
+          </a:bodyPr>
+          <a:lstStyle/>
+          <a:p>
+            <a:r>
+              <a:rPr lang="ru-RU" sz="2200" dirty="0">
+                <a:latin typeface="Times New Roman" panose="02020603050405020304" pitchFamily="18" charset="0"/>
+                <a:cs typeface="Times New Roman" panose="02020603050405020304" pitchFamily="18" charset="0"/>
+              </a:rPr>
+              <a:t>http://veronijo.beget.tech/</a:t>
+            </a:r>
           </a:p>
         </p:txBody>
       </p:sp>
@@ -5187,7 +5280,7 @@
         </p:nvSpPr>
         <p:spPr>
           <a:xfrm>
-            <a:off x="838200" y="365125"/>
+            <a:off x="838200" y="0"/>
             <a:ext cx="10515600" cy="895639"/>
           </a:xfrm>
         </p:spPr>
@@ -5230,8 +5323,8 @@
         </p:blipFill>
         <p:spPr>
           <a:xfrm>
-            <a:off x="1221658" y="1260764"/>
-            <a:ext cx="9748684" cy="4916199"/>
+            <a:off x="1041631" y="895639"/>
+            <a:ext cx="10312169" cy="5200361"/>
           </a:xfrm>
           <a:prstGeom prst="rect">
             <a:avLst/>
@@ -5248,7 +5341,7 @@
           <p:cNvPr id="5" name="TextBox 5">
             <a:extLst>
               <a:ext uri="{FF2B5EF4-FFF2-40B4-BE49-F238E27FC236}">
-                <a16:creationId xmlns:a16="http://schemas.microsoft.com/office/drawing/2014/main" xmlns="" xmlns:lc="http://schemas.openxmlformats.org/drawingml/2006/lockedCanvas" id="{F7043567-4147-88C3-F094-05513D23DB95}"/>
+                <a16:creationId xmlns:lc="http://schemas.openxmlformats.org/drawingml/2006/lockedCanvas" xmlns="" xmlns:a16="http://schemas.microsoft.com/office/drawing/2014/main" id="{F7043567-4147-88C3-F094-05513D23DB95}"/>
               </a:ext>
             </a:extLst>
           </p:cNvPr>
@@ -5258,7 +5351,7 @@
         <p:spPr>
           <a:xfrm>
             <a:off x="11111345" y="6334780"/>
-            <a:ext cx="1080656" cy="523220"/>
+            <a:ext cx="1080656" cy="430887"/>
           </a:xfrm>
           <a:prstGeom prst="rect">
             <a:avLst/>
@@ -5366,16 +5459,47 @@
           </a:lstStyle>
           <a:p>
             <a:r>
-              <a:rPr lang="ru-RU" sz="2800" dirty="0" smtClean="0">
+              <a:rPr lang="ru-RU" sz="2200" dirty="0" smtClean="0">
                 <a:latin typeface="Times New Roman" panose="02020603050405020304" pitchFamily="18" charset="0"/>
                 <a:cs typeface="Times New Roman" panose="02020603050405020304" pitchFamily="18" charset="0"/>
               </a:rPr>
               <a:t>13/18</a:t>
             </a:r>
-            <a:endParaRPr lang="ru-RU" sz="2800" dirty="0">
+            <a:endParaRPr lang="ru-RU" sz="2200" dirty="0">
               <a:latin typeface="Times New Roman" panose="02020603050405020304" pitchFamily="18" charset="0"/>
               <a:cs typeface="Times New Roman" panose="02020603050405020304" pitchFamily="18" charset="0"/>
             </a:endParaRPr>
+          </a:p>
+        </p:txBody>
+      </p:sp>
+      <p:sp>
+        <p:nvSpPr>
+          <p:cNvPr id="6" name="Прямоугольник 5"/>
+          <p:cNvSpPr/>
+          <p:nvPr/>
+        </p:nvSpPr>
+        <p:spPr>
+          <a:xfrm>
+            <a:off x="117062" y="6334780"/>
+            <a:ext cx="3100529" cy="430887"/>
+          </a:xfrm>
+          <a:prstGeom prst="rect">
+            <a:avLst/>
+          </a:prstGeom>
+        </p:spPr>
+        <p:txBody>
+          <a:bodyPr wrap="none">
+            <a:spAutoFit/>
+          </a:bodyPr>
+          <a:lstStyle/>
+          <a:p>
+            <a:r>
+              <a:rPr lang="ru-RU" sz="2200" dirty="0">
+                <a:latin typeface="Times New Roman" panose="02020603050405020304" pitchFamily="18" charset="0"/>
+                <a:cs typeface="Times New Roman" panose="02020603050405020304" pitchFamily="18" charset="0"/>
+              </a:rPr>
+              <a:t>http://veronijo.beget.tech/</a:t>
+            </a:r>
           </a:p>
         </p:txBody>
       </p:sp>
@@ -5428,7 +5552,7 @@
         </p:nvSpPr>
         <p:spPr>
           <a:xfrm>
-            <a:off x="838200" y="365125"/>
+            <a:off x="893619" y="0"/>
             <a:ext cx="10515600" cy="895639"/>
           </a:xfrm>
         </p:spPr>
@@ -5478,7 +5602,7 @@
         </p:blipFill>
         <p:spPr bwMode="auto">
           <a:xfrm>
-            <a:off x="1805503" y="1260764"/>
+            <a:off x="1805503" y="895639"/>
             <a:ext cx="4345916" cy="5073193"/>
           </a:xfrm>
           <a:prstGeom prst="rect">
@@ -5513,7 +5637,7 @@
         </p:blipFill>
         <p:spPr bwMode="auto">
           <a:xfrm>
-            <a:off x="6348196" y="1260764"/>
+            <a:off x="6389759" y="895639"/>
             <a:ext cx="4408964" cy="5073193"/>
           </a:xfrm>
           <a:prstGeom prst="rect">
@@ -5532,7 +5656,7 @@
           <p:cNvPr id="7" name="TextBox 5">
             <a:extLst>
               <a:ext uri="{FF2B5EF4-FFF2-40B4-BE49-F238E27FC236}">
-                <a16:creationId xmlns:a16="http://schemas.microsoft.com/office/drawing/2014/main" xmlns="" xmlns:lc="http://schemas.openxmlformats.org/drawingml/2006/lockedCanvas" id="{F7043567-4147-88C3-F094-05513D23DB95}"/>
+                <a16:creationId xmlns:lc="http://schemas.openxmlformats.org/drawingml/2006/lockedCanvas" xmlns="" xmlns:a16="http://schemas.microsoft.com/office/drawing/2014/main" id="{F7043567-4147-88C3-F094-05513D23DB95}"/>
               </a:ext>
             </a:extLst>
           </p:cNvPr>
@@ -5542,7 +5666,7 @@
         <p:spPr>
           <a:xfrm>
             <a:off x="11111345" y="6334780"/>
-            <a:ext cx="1080656" cy="523220"/>
+            <a:ext cx="1080656" cy="430887"/>
           </a:xfrm>
           <a:prstGeom prst="rect">
             <a:avLst/>
@@ -5650,16 +5774,47 @@
           </a:lstStyle>
           <a:p>
             <a:r>
-              <a:rPr lang="ru-RU" sz="2800" dirty="0" smtClean="0">
+              <a:rPr lang="ru-RU" sz="2200" dirty="0" smtClean="0">
                 <a:latin typeface="Times New Roman" panose="02020603050405020304" pitchFamily="18" charset="0"/>
                 <a:cs typeface="Times New Roman" panose="02020603050405020304" pitchFamily="18" charset="0"/>
               </a:rPr>
               <a:t>14/18</a:t>
             </a:r>
-            <a:endParaRPr lang="ru-RU" sz="2800" dirty="0">
+            <a:endParaRPr lang="ru-RU" sz="2200" dirty="0">
               <a:latin typeface="Times New Roman" panose="02020603050405020304" pitchFamily="18" charset="0"/>
               <a:cs typeface="Times New Roman" panose="02020603050405020304" pitchFamily="18" charset="0"/>
             </a:endParaRPr>
+          </a:p>
+        </p:txBody>
+      </p:sp>
+      <p:sp>
+        <p:nvSpPr>
+          <p:cNvPr id="8" name="Прямоугольник 7"/>
+          <p:cNvSpPr/>
+          <p:nvPr/>
+        </p:nvSpPr>
+        <p:spPr>
+          <a:xfrm>
+            <a:off x="117062" y="6334780"/>
+            <a:ext cx="3100529" cy="430887"/>
+          </a:xfrm>
+          <a:prstGeom prst="rect">
+            <a:avLst/>
+          </a:prstGeom>
+        </p:spPr>
+        <p:txBody>
+          <a:bodyPr wrap="none">
+            <a:spAutoFit/>
+          </a:bodyPr>
+          <a:lstStyle/>
+          <a:p>
+            <a:r>
+              <a:rPr lang="ru-RU" sz="2200" dirty="0">
+                <a:latin typeface="Times New Roman" panose="02020603050405020304" pitchFamily="18" charset="0"/>
+                <a:cs typeface="Times New Roman" panose="02020603050405020304" pitchFamily="18" charset="0"/>
+              </a:rPr>
+              <a:t>http://veronijo.beget.tech/</a:t>
+            </a:r>
           </a:p>
         </p:txBody>
       </p:sp>
@@ -5712,7 +5867,7 @@
         </p:nvSpPr>
         <p:spPr>
           <a:xfrm>
-            <a:off x="838200" y="365125"/>
+            <a:off x="838199" y="0"/>
             <a:ext cx="10515600" cy="895639"/>
           </a:xfrm>
         </p:spPr>
@@ -5755,8 +5910,8 @@
         </p:blipFill>
         <p:spPr>
           <a:xfrm>
-            <a:off x="1248399" y="1260764"/>
-            <a:ext cx="9695201" cy="4916199"/>
+            <a:off x="954540" y="895639"/>
+            <a:ext cx="10282918" cy="5214216"/>
           </a:xfrm>
           <a:prstGeom prst="rect">
             <a:avLst/>
@@ -5773,7 +5928,7 @@
           <p:cNvPr id="4" name="TextBox 5">
             <a:extLst>
               <a:ext uri="{FF2B5EF4-FFF2-40B4-BE49-F238E27FC236}">
-                <a16:creationId xmlns:a16="http://schemas.microsoft.com/office/drawing/2014/main" xmlns="" xmlns:lc="http://schemas.openxmlformats.org/drawingml/2006/lockedCanvas" id="{F7043567-4147-88C3-F094-05513D23DB95}"/>
+                <a16:creationId xmlns:lc="http://schemas.openxmlformats.org/drawingml/2006/lockedCanvas" xmlns="" xmlns:a16="http://schemas.microsoft.com/office/drawing/2014/main" id="{F7043567-4147-88C3-F094-05513D23DB95}"/>
               </a:ext>
             </a:extLst>
           </p:cNvPr>
@@ -5783,7 +5938,7 @@
         <p:spPr>
           <a:xfrm>
             <a:off x="11111345" y="6334780"/>
-            <a:ext cx="1080656" cy="523220"/>
+            <a:ext cx="1080656" cy="430887"/>
           </a:xfrm>
           <a:prstGeom prst="rect">
             <a:avLst/>
@@ -5891,16 +6046,47 @@
           </a:lstStyle>
           <a:p>
             <a:r>
-              <a:rPr lang="ru-RU" sz="2800" dirty="0" smtClean="0">
+              <a:rPr lang="ru-RU" sz="2200" dirty="0" smtClean="0">
                 <a:latin typeface="Times New Roman" panose="02020603050405020304" pitchFamily="18" charset="0"/>
                 <a:cs typeface="Times New Roman" panose="02020603050405020304" pitchFamily="18" charset="0"/>
               </a:rPr>
               <a:t>15/18</a:t>
             </a:r>
-            <a:endParaRPr lang="ru-RU" sz="2800" dirty="0">
+            <a:endParaRPr lang="ru-RU" sz="2200" dirty="0">
               <a:latin typeface="Times New Roman" panose="02020603050405020304" pitchFamily="18" charset="0"/>
               <a:cs typeface="Times New Roman" panose="02020603050405020304" pitchFamily="18" charset="0"/>
             </a:endParaRPr>
+          </a:p>
+        </p:txBody>
+      </p:sp>
+      <p:sp>
+        <p:nvSpPr>
+          <p:cNvPr id="5" name="Прямоугольник 4"/>
+          <p:cNvSpPr/>
+          <p:nvPr/>
+        </p:nvSpPr>
+        <p:spPr>
+          <a:xfrm>
+            <a:off x="117062" y="6334780"/>
+            <a:ext cx="3100529" cy="430887"/>
+          </a:xfrm>
+          <a:prstGeom prst="rect">
+            <a:avLst/>
+          </a:prstGeom>
+        </p:spPr>
+        <p:txBody>
+          <a:bodyPr wrap="none">
+            <a:spAutoFit/>
+          </a:bodyPr>
+          <a:lstStyle/>
+          <a:p>
+            <a:r>
+              <a:rPr lang="ru-RU" sz="2200" dirty="0">
+                <a:latin typeface="Times New Roman" panose="02020603050405020304" pitchFamily="18" charset="0"/>
+                <a:cs typeface="Times New Roman" panose="02020603050405020304" pitchFamily="18" charset="0"/>
+              </a:rPr>
+              <a:t>http://veronijo.beget.tech/</a:t>
+            </a:r>
           </a:p>
         </p:txBody>
       </p:sp>
@@ -5953,7 +6139,7 @@
         </p:nvSpPr>
         <p:spPr>
           <a:xfrm>
-            <a:off x="838200" y="365125"/>
+            <a:off x="838200" y="0"/>
             <a:ext cx="10515600" cy="895639"/>
           </a:xfrm>
         </p:spPr>
@@ -5996,8 +6182,8 @@
         </p:blipFill>
         <p:spPr>
           <a:xfrm>
-            <a:off x="1179801" y="1260764"/>
-            <a:ext cx="9832398" cy="4916199"/>
+            <a:off x="1089025" y="895639"/>
+            <a:ext cx="10562648" cy="5281324"/>
           </a:xfrm>
           <a:prstGeom prst="rect">
             <a:avLst/>
@@ -6014,7 +6200,7 @@
           <p:cNvPr id="4" name="TextBox 5">
             <a:extLst>
               <a:ext uri="{FF2B5EF4-FFF2-40B4-BE49-F238E27FC236}">
-                <a16:creationId xmlns:a16="http://schemas.microsoft.com/office/drawing/2014/main" xmlns="" xmlns:lc="http://schemas.openxmlformats.org/drawingml/2006/lockedCanvas" id="{F7043567-4147-88C3-F094-05513D23DB95}"/>
+                <a16:creationId xmlns:lc="http://schemas.openxmlformats.org/drawingml/2006/lockedCanvas" xmlns="" xmlns:a16="http://schemas.microsoft.com/office/drawing/2014/main" id="{F7043567-4147-88C3-F094-05513D23DB95}"/>
               </a:ext>
             </a:extLst>
           </p:cNvPr>
@@ -6024,7 +6210,7 @@
         <p:spPr>
           <a:xfrm>
             <a:off x="11111345" y="6334780"/>
-            <a:ext cx="1080656" cy="523220"/>
+            <a:ext cx="1080656" cy="430887"/>
           </a:xfrm>
           <a:prstGeom prst="rect">
             <a:avLst/>
@@ -6132,16 +6318,47 @@
           </a:lstStyle>
           <a:p>
             <a:r>
-              <a:rPr lang="ru-RU" sz="2800" dirty="0" smtClean="0">
+              <a:rPr lang="ru-RU" sz="2200" dirty="0" smtClean="0">
                 <a:latin typeface="Times New Roman" panose="02020603050405020304" pitchFamily="18" charset="0"/>
                 <a:cs typeface="Times New Roman" panose="02020603050405020304" pitchFamily="18" charset="0"/>
               </a:rPr>
               <a:t>16/18</a:t>
             </a:r>
-            <a:endParaRPr lang="ru-RU" sz="2800" dirty="0">
+            <a:endParaRPr lang="ru-RU" sz="2200" dirty="0">
               <a:latin typeface="Times New Roman" panose="02020603050405020304" pitchFamily="18" charset="0"/>
               <a:cs typeface="Times New Roman" panose="02020603050405020304" pitchFamily="18" charset="0"/>
             </a:endParaRPr>
+          </a:p>
+        </p:txBody>
+      </p:sp>
+      <p:sp>
+        <p:nvSpPr>
+          <p:cNvPr id="5" name="Прямоугольник 4"/>
+          <p:cNvSpPr/>
+          <p:nvPr/>
+        </p:nvSpPr>
+        <p:spPr>
+          <a:xfrm>
+            <a:off x="117062" y="6334780"/>
+            <a:ext cx="3100529" cy="430887"/>
+          </a:xfrm>
+          <a:prstGeom prst="rect">
+            <a:avLst/>
+          </a:prstGeom>
+        </p:spPr>
+        <p:txBody>
+          <a:bodyPr wrap="none">
+            <a:spAutoFit/>
+          </a:bodyPr>
+          <a:lstStyle/>
+          <a:p>
+            <a:r>
+              <a:rPr lang="ru-RU" sz="2200" dirty="0">
+                <a:latin typeface="Times New Roman" panose="02020603050405020304" pitchFamily="18" charset="0"/>
+                <a:cs typeface="Times New Roman" panose="02020603050405020304" pitchFamily="18" charset="0"/>
+              </a:rPr>
+              <a:t>http://veronijo.beget.tech/</a:t>
+            </a:r>
           </a:p>
         </p:txBody>
       </p:sp>
@@ -6346,10 +6563,6 @@
               </a:rPr>
               <a:t>Все полученные результаты соответствуют ожидаемым</a:t>
             </a:r>
-            <a:endParaRPr lang="ru-RU" dirty="0">
-              <a:latin typeface="Times New Roman" panose="02020603050405020304" pitchFamily="18" charset="0"/>
-              <a:cs typeface="Times New Roman" panose="02020603050405020304" pitchFamily="18" charset="0"/>
-            </a:endParaRPr>
           </a:p>
         </p:txBody>
       </p:sp>
@@ -6358,7 +6571,7 @@
           <p:cNvPr id="4" name="TextBox 5">
             <a:extLst>
               <a:ext uri="{FF2B5EF4-FFF2-40B4-BE49-F238E27FC236}">
-                <a16:creationId xmlns:a16="http://schemas.microsoft.com/office/drawing/2014/main" xmlns="" xmlns:lc="http://schemas.openxmlformats.org/drawingml/2006/lockedCanvas" id="{F7043567-4147-88C3-F094-05513D23DB95}"/>
+                <a16:creationId xmlns:lc="http://schemas.openxmlformats.org/drawingml/2006/lockedCanvas" xmlns="" xmlns:a16="http://schemas.microsoft.com/office/drawing/2014/main" id="{F7043567-4147-88C3-F094-05513D23DB95}"/>
               </a:ext>
             </a:extLst>
           </p:cNvPr>
@@ -6368,7 +6581,7 @@
         <p:spPr>
           <a:xfrm>
             <a:off x="11111345" y="6334780"/>
-            <a:ext cx="1080656" cy="523220"/>
+            <a:ext cx="1080656" cy="430887"/>
           </a:xfrm>
           <a:prstGeom prst="rect">
             <a:avLst/>
@@ -6476,16 +6689,47 @@
           </a:lstStyle>
           <a:p>
             <a:r>
-              <a:rPr lang="ru-RU" sz="2800" dirty="0" smtClean="0">
+              <a:rPr lang="ru-RU" sz="2200" dirty="0" smtClean="0">
                 <a:latin typeface="Times New Roman" panose="02020603050405020304" pitchFamily="18" charset="0"/>
                 <a:cs typeface="Times New Roman" panose="02020603050405020304" pitchFamily="18" charset="0"/>
               </a:rPr>
               <a:t>17/18</a:t>
             </a:r>
-            <a:endParaRPr lang="ru-RU" sz="2800" dirty="0">
+            <a:endParaRPr lang="ru-RU" sz="2200" dirty="0">
               <a:latin typeface="Times New Roman" panose="02020603050405020304" pitchFamily="18" charset="0"/>
               <a:cs typeface="Times New Roman" panose="02020603050405020304" pitchFamily="18" charset="0"/>
             </a:endParaRPr>
+          </a:p>
+        </p:txBody>
+      </p:sp>
+      <p:sp>
+        <p:nvSpPr>
+          <p:cNvPr id="5" name="Прямоугольник 4"/>
+          <p:cNvSpPr/>
+          <p:nvPr/>
+        </p:nvSpPr>
+        <p:spPr>
+          <a:xfrm>
+            <a:off x="117062" y="6334780"/>
+            <a:ext cx="3100529" cy="430887"/>
+          </a:xfrm>
+          <a:prstGeom prst="rect">
+            <a:avLst/>
+          </a:prstGeom>
+        </p:spPr>
+        <p:txBody>
+          <a:bodyPr wrap="none">
+            <a:spAutoFit/>
+          </a:bodyPr>
+          <a:lstStyle/>
+          <a:p>
+            <a:r>
+              <a:rPr lang="ru-RU" sz="2200" dirty="0">
+                <a:latin typeface="Times New Roman" panose="02020603050405020304" pitchFamily="18" charset="0"/>
+                <a:cs typeface="Times New Roman" panose="02020603050405020304" pitchFamily="18" charset="0"/>
+              </a:rPr>
+              <a:t>http://veronijo.beget.tech/</a:t>
+            </a:r>
           </a:p>
         </p:txBody>
       </p:sp>
@@ -6707,7 +6951,7 @@
           <p:cNvPr id="4" name="TextBox 5">
             <a:extLst>
               <a:ext uri="{FF2B5EF4-FFF2-40B4-BE49-F238E27FC236}">
-                <a16:creationId xmlns:a16="http://schemas.microsoft.com/office/drawing/2014/main" xmlns="" xmlns:lc="http://schemas.openxmlformats.org/drawingml/2006/lockedCanvas" id="{F7043567-4147-88C3-F094-05513D23DB95}"/>
+                <a16:creationId xmlns:lc="http://schemas.openxmlformats.org/drawingml/2006/lockedCanvas" xmlns="" xmlns:a16="http://schemas.microsoft.com/office/drawing/2014/main" id="{F7043567-4147-88C3-F094-05513D23DB95}"/>
               </a:ext>
             </a:extLst>
           </p:cNvPr>
@@ -6835,6 +7079,37 @@
               <a:latin typeface="Times New Roman" panose="02020603050405020304" pitchFamily="18" charset="0"/>
               <a:cs typeface="Times New Roman" panose="02020603050405020304" pitchFamily="18" charset="0"/>
             </a:endParaRPr>
+          </a:p>
+        </p:txBody>
+      </p:sp>
+      <p:sp>
+        <p:nvSpPr>
+          <p:cNvPr id="5" name="Прямоугольник 4"/>
+          <p:cNvSpPr/>
+          <p:nvPr/>
+        </p:nvSpPr>
+        <p:spPr>
+          <a:xfrm>
+            <a:off x="117062" y="6334780"/>
+            <a:ext cx="3100529" cy="430887"/>
+          </a:xfrm>
+          <a:prstGeom prst="rect">
+            <a:avLst/>
+          </a:prstGeom>
+        </p:spPr>
+        <p:txBody>
+          <a:bodyPr wrap="none">
+            <a:spAutoFit/>
+          </a:bodyPr>
+          <a:lstStyle/>
+          <a:p>
+            <a:r>
+              <a:rPr lang="ru-RU" sz="2200" dirty="0">
+                <a:latin typeface="Times New Roman" panose="02020603050405020304" pitchFamily="18" charset="0"/>
+                <a:cs typeface="Times New Roman" panose="02020603050405020304" pitchFamily="18" charset="0"/>
+              </a:rPr>
+              <a:t>http://veronijo.beget.tech/</a:t>
+            </a:r>
           </a:p>
         </p:txBody>
       </p:sp>
@@ -7030,7 +7305,7 @@
           <p:cNvPr id="5" name="TextBox 5">
             <a:extLst>
               <a:ext uri="{FF2B5EF4-FFF2-40B4-BE49-F238E27FC236}">
-                <a16:creationId xmlns:a16="http://schemas.microsoft.com/office/drawing/2014/main" xmlns="" xmlns:lc="http://schemas.openxmlformats.org/drawingml/2006/lockedCanvas" id="{F7043567-4147-88C3-F094-05513D23DB95}"/>
+                <a16:creationId xmlns:lc="http://schemas.openxmlformats.org/drawingml/2006/lockedCanvas" xmlns="" xmlns:a16="http://schemas.microsoft.com/office/drawing/2014/main" id="{F7043567-4147-88C3-F094-05513D23DB95}"/>
               </a:ext>
             </a:extLst>
           </p:cNvPr>
@@ -7040,7 +7315,7 @@
         <p:spPr>
           <a:xfrm>
             <a:off x="11288443" y="6334780"/>
-            <a:ext cx="903557" cy="523220"/>
+            <a:ext cx="903557" cy="430887"/>
           </a:xfrm>
           <a:prstGeom prst="rect">
             <a:avLst/>
@@ -7148,23 +7423,47 @@
           </a:lstStyle>
           <a:p>
             <a:r>
-              <a:rPr lang="ru-RU" sz="2800" dirty="0" smtClean="0">
-                <a:latin typeface="Times New Roman" panose="02020603050405020304" pitchFamily="18" charset="0"/>
-                <a:cs typeface="Times New Roman" panose="02020603050405020304" pitchFamily="18" charset="0"/>
-              </a:rPr>
-              <a:t>2</a:t>
-            </a:r>
-            <a:r>
-              <a:rPr lang="ru-RU" sz="2800" dirty="0" smtClean="0">
-                <a:latin typeface="Times New Roman" panose="02020603050405020304" pitchFamily="18" charset="0"/>
-                <a:cs typeface="Times New Roman" panose="02020603050405020304" pitchFamily="18" charset="0"/>
-              </a:rPr>
-              <a:t>/18</a:t>
-            </a:r>
-            <a:endParaRPr lang="ru-RU" sz="2800" dirty="0">
+              <a:rPr lang="ru-RU" sz="2200" dirty="0" smtClean="0">
+                <a:latin typeface="Times New Roman" panose="02020603050405020304" pitchFamily="18" charset="0"/>
+                <a:cs typeface="Times New Roman" panose="02020603050405020304" pitchFamily="18" charset="0"/>
+              </a:rPr>
+              <a:t>2/18</a:t>
+            </a:r>
+            <a:endParaRPr lang="ru-RU" sz="2200" dirty="0">
               <a:latin typeface="Times New Roman" panose="02020603050405020304" pitchFamily="18" charset="0"/>
               <a:cs typeface="Times New Roman" panose="02020603050405020304" pitchFamily="18" charset="0"/>
             </a:endParaRPr>
+          </a:p>
+        </p:txBody>
+      </p:sp>
+      <p:sp>
+        <p:nvSpPr>
+          <p:cNvPr id="4" name="Прямоугольник 3"/>
+          <p:cNvSpPr/>
+          <p:nvPr/>
+        </p:nvSpPr>
+        <p:spPr>
+          <a:xfrm>
+            <a:off x="117062" y="6334780"/>
+            <a:ext cx="3100529" cy="430887"/>
+          </a:xfrm>
+          <a:prstGeom prst="rect">
+            <a:avLst/>
+          </a:prstGeom>
+        </p:spPr>
+        <p:txBody>
+          <a:bodyPr wrap="none">
+            <a:spAutoFit/>
+          </a:bodyPr>
+          <a:lstStyle/>
+          <a:p>
+            <a:r>
+              <a:rPr lang="ru-RU" sz="2200" dirty="0">
+                <a:latin typeface="Times New Roman" panose="02020603050405020304" pitchFamily="18" charset="0"/>
+                <a:cs typeface="Times New Roman" panose="02020603050405020304" pitchFamily="18" charset="0"/>
+              </a:rPr>
+              <a:t>http://veronijo.beget.tech/</a:t>
+            </a:r>
           </a:p>
         </p:txBody>
       </p:sp>
@@ -7306,10 +7605,6 @@
               </a:rPr>
               <a:t>системы электронного голосования на основе технологии блокчейн</a:t>
             </a:r>
-            <a:endParaRPr lang="ru-RU" dirty="0">
-              <a:latin typeface="Times New Roman" panose="02020603050405020304" pitchFamily="18" charset="0"/>
-              <a:cs typeface="Times New Roman" panose="02020603050405020304" pitchFamily="18" charset="0"/>
-            </a:endParaRPr>
           </a:p>
           <a:p>
             <a:pPr marL="0" indent="0" algn="just">
@@ -7546,7 +7841,7 @@
           <p:cNvPr id="4" name="TextBox 5">
             <a:extLst>
               <a:ext uri="{FF2B5EF4-FFF2-40B4-BE49-F238E27FC236}">
-                <a16:creationId xmlns:a16="http://schemas.microsoft.com/office/drawing/2014/main" xmlns="" xmlns:lc="http://schemas.openxmlformats.org/drawingml/2006/lockedCanvas" id="{F7043567-4147-88C3-F094-05513D23DB95}"/>
+                <a16:creationId xmlns:lc="http://schemas.openxmlformats.org/drawingml/2006/lockedCanvas" xmlns="" xmlns:a16="http://schemas.microsoft.com/office/drawing/2014/main" id="{F7043567-4147-88C3-F094-05513D23DB95}"/>
               </a:ext>
             </a:extLst>
           </p:cNvPr>
@@ -7556,7 +7851,7 @@
         <p:spPr>
           <a:xfrm>
             <a:off x="11288443" y="6334780"/>
-            <a:ext cx="903557" cy="523220"/>
+            <a:ext cx="903557" cy="430887"/>
           </a:xfrm>
           <a:prstGeom prst="rect">
             <a:avLst/>
@@ -7664,23 +7959,47 @@
           </a:lstStyle>
           <a:p>
             <a:r>
-              <a:rPr lang="ru-RU" sz="2800" dirty="0" smtClean="0">
-                <a:latin typeface="Times New Roman" panose="02020603050405020304" pitchFamily="18" charset="0"/>
-                <a:cs typeface="Times New Roman" panose="02020603050405020304" pitchFamily="18" charset="0"/>
-              </a:rPr>
-              <a:t>3</a:t>
-            </a:r>
-            <a:r>
-              <a:rPr lang="ru-RU" sz="2800" dirty="0" smtClean="0">
-                <a:latin typeface="Times New Roman" panose="02020603050405020304" pitchFamily="18" charset="0"/>
-                <a:cs typeface="Times New Roman" panose="02020603050405020304" pitchFamily="18" charset="0"/>
-              </a:rPr>
-              <a:t>/18</a:t>
-            </a:r>
-            <a:endParaRPr lang="ru-RU" sz="2800" dirty="0">
+              <a:rPr lang="ru-RU" sz="2200" dirty="0" smtClean="0">
+                <a:latin typeface="Times New Roman" panose="02020603050405020304" pitchFamily="18" charset="0"/>
+                <a:cs typeface="Times New Roman" panose="02020603050405020304" pitchFamily="18" charset="0"/>
+              </a:rPr>
+              <a:t>3/18</a:t>
+            </a:r>
+            <a:endParaRPr lang="ru-RU" sz="2200" dirty="0">
               <a:latin typeface="Times New Roman" panose="02020603050405020304" pitchFamily="18" charset="0"/>
               <a:cs typeface="Times New Roman" panose="02020603050405020304" pitchFamily="18" charset="0"/>
             </a:endParaRPr>
+          </a:p>
+        </p:txBody>
+      </p:sp>
+      <p:sp>
+        <p:nvSpPr>
+          <p:cNvPr id="6" name="Прямоугольник 5"/>
+          <p:cNvSpPr/>
+          <p:nvPr/>
+        </p:nvSpPr>
+        <p:spPr>
+          <a:xfrm>
+            <a:off x="117062" y="6334780"/>
+            <a:ext cx="3100529" cy="430887"/>
+          </a:xfrm>
+          <a:prstGeom prst="rect">
+            <a:avLst/>
+          </a:prstGeom>
+        </p:spPr>
+        <p:txBody>
+          <a:bodyPr wrap="none">
+            <a:spAutoFit/>
+          </a:bodyPr>
+          <a:lstStyle/>
+          <a:p>
+            <a:r>
+              <a:rPr lang="ru-RU" sz="2200" dirty="0">
+                <a:latin typeface="Times New Roman" panose="02020603050405020304" pitchFamily="18" charset="0"/>
+                <a:cs typeface="Times New Roman" panose="02020603050405020304" pitchFamily="18" charset="0"/>
+              </a:rPr>
+              <a:t>http://veronijo.beget.tech/</a:t>
+            </a:r>
           </a:p>
         </p:txBody>
       </p:sp>
@@ -7792,7 +8111,7 @@
           <p:cNvPr id="8" name="TextBox 5">
             <a:extLst>
               <a:ext uri="{FF2B5EF4-FFF2-40B4-BE49-F238E27FC236}">
-                <a16:creationId xmlns:a16="http://schemas.microsoft.com/office/drawing/2014/main" xmlns="" xmlns:lc="http://schemas.openxmlformats.org/drawingml/2006/lockedCanvas" id="{F7043567-4147-88C3-F094-05513D23DB95}"/>
+                <a16:creationId xmlns:lc="http://schemas.openxmlformats.org/drawingml/2006/lockedCanvas" xmlns="" xmlns:a16="http://schemas.microsoft.com/office/drawing/2014/main" id="{F7043567-4147-88C3-F094-05513D23DB95}"/>
               </a:ext>
             </a:extLst>
           </p:cNvPr>
@@ -7801,8 +8120,8 @@
         </p:nvSpPr>
         <p:spPr>
           <a:xfrm>
-            <a:off x="11288443" y="6334780"/>
-            <a:ext cx="903557" cy="523220"/>
+            <a:off x="11288443" y="6334779"/>
+            <a:ext cx="903557" cy="430887"/>
           </a:xfrm>
           <a:prstGeom prst="rect">
             <a:avLst/>
@@ -7910,23 +8229,47 @@
           </a:lstStyle>
           <a:p>
             <a:r>
-              <a:rPr lang="ru-RU" sz="2800" dirty="0" smtClean="0">
-                <a:latin typeface="Times New Roman" panose="02020603050405020304" pitchFamily="18" charset="0"/>
-                <a:cs typeface="Times New Roman" panose="02020603050405020304" pitchFamily="18" charset="0"/>
-              </a:rPr>
-              <a:t>4</a:t>
-            </a:r>
-            <a:r>
-              <a:rPr lang="ru-RU" sz="2800" dirty="0" smtClean="0">
-                <a:latin typeface="Times New Roman" panose="02020603050405020304" pitchFamily="18" charset="0"/>
-                <a:cs typeface="Times New Roman" panose="02020603050405020304" pitchFamily="18" charset="0"/>
-              </a:rPr>
-              <a:t>/18</a:t>
-            </a:r>
-            <a:endParaRPr lang="ru-RU" sz="2800" dirty="0">
+              <a:rPr lang="ru-RU" sz="2200" dirty="0" smtClean="0">
+                <a:latin typeface="Times New Roman" panose="02020603050405020304" pitchFamily="18" charset="0"/>
+                <a:cs typeface="Times New Roman" panose="02020603050405020304" pitchFamily="18" charset="0"/>
+              </a:rPr>
+              <a:t>4/18</a:t>
+            </a:r>
+            <a:endParaRPr lang="ru-RU" sz="2200" dirty="0">
               <a:latin typeface="Times New Roman" panose="02020603050405020304" pitchFamily="18" charset="0"/>
               <a:cs typeface="Times New Roman" panose="02020603050405020304" pitchFamily="18" charset="0"/>
             </a:endParaRPr>
+          </a:p>
+        </p:txBody>
+      </p:sp>
+      <p:sp>
+        <p:nvSpPr>
+          <p:cNvPr id="5" name="Прямоугольник 4"/>
+          <p:cNvSpPr/>
+          <p:nvPr/>
+        </p:nvSpPr>
+        <p:spPr>
+          <a:xfrm>
+            <a:off x="117062" y="6334780"/>
+            <a:ext cx="3100529" cy="430887"/>
+          </a:xfrm>
+          <a:prstGeom prst="rect">
+            <a:avLst/>
+          </a:prstGeom>
+        </p:spPr>
+        <p:txBody>
+          <a:bodyPr wrap="none">
+            <a:spAutoFit/>
+          </a:bodyPr>
+          <a:lstStyle/>
+          <a:p>
+            <a:r>
+              <a:rPr lang="ru-RU" sz="2200" dirty="0">
+                <a:latin typeface="Times New Roman" panose="02020603050405020304" pitchFamily="18" charset="0"/>
+                <a:cs typeface="Times New Roman" panose="02020603050405020304" pitchFamily="18" charset="0"/>
+              </a:rPr>
+              <a:t>http://veronijo.beget.tech/</a:t>
+            </a:r>
           </a:p>
         </p:txBody>
       </p:sp>
@@ -7979,7 +8322,7 @@
         </p:nvSpPr>
         <p:spPr>
           <a:xfrm>
-            <a:off x="838200" y="163957"/>
+            <a:off x="967937" y="0"/>
             <a:ext cx="10515600" cy="895639"/>
           </a:xfrm>
         </p:spPr>
@@ -8022,8 +8365,8 @@
         </p:blipFill>
         <p:spPr>
           <a:xfrm>
-            <a:off x="967937" y="1059596"/>
-            <a:ext cx="10625291" cy="4993732"/>
+            <a:off x="452248" y="895639"/>
+            <a:ext cx="11287973" cy="5305183"/>
           </a:xfrm>
           <a:prstGeom prst="rect">
             <a:avLst/>
@@ -8040,7 +8383,7 @@
           <p:cNvPr id="6" name="TextBox 5">
             <a:extLst>
               <a:ext uri="{FF2B5EF4-FFF2-40B4-BE49-F238E27FC236}">
-                <a16:creationId xmlns:a16="http://schemas.microsoft.com/office/drawing/2014/main" xmlns="" xmlns:lc="http://schemas.openxmlformats.org/drawingml/2006/lockedCanvas" id="{F7043567-4147-88C3-F094-05513D23DB95}"/>
+                <a16:creationId xmlns:lc="http://schemas.openxmlformats.org/drawingml/2006/lockedCanvas" xmlns="" xmlns:a16="http://schemas.microsoft.com/office/drawing/2014/main" id="{F7043567-4147-88C3-F094-05513D23DB95}"/>
               </a:ext>
             </a:extLst>
           </p:cNvPr>
@@ -8050,7 +8393,7 @@
         <p:spPr>
           <a:xfrm>
             <a:off x="11288443" y="6334780"/>
-            <a:ext cx="903557" cy="523220"/>
+            <a:ext cx="903557" cy="430887"/>
           </a:xfrm>
           <a:prstGeom prst="rect">
             <a:avLst/>
@@ -8158,23 +8501,54 @@
           </a:lstStyle>
           <a:p>
             <a:r>
-              <a:rPr lang="ru-RU" sz="2800" dirty="0">
+              <a:rPr lang="ru-RU" sz="2200" dirty="0">
                 <a:latin typeface="Times New Roman" panose="02020603050405020304" pitchFamily="18" charset="0"/>
                 <a:cs typeface="Times New Roman" panose="02020603050405020304" pitchFamily="18" charset="0"/>
               </a:rPr>
               <a:t>5</a:t>
             </a:r>
             <a:r>
-              <a:rPr lang="ru-RU" sz="2800" dirty="0" smtClean="0">
+              <a:rPr lang="ru-RU" sz="2200" dirty="0" smtClean="0">
                 <a:latin typeface="Times New Roman" panose="02020603050405020304" pitchFamily="18" charset="0"/>
                 <a:cs typeface="Times New Roman" panose="02020603050405020304" pitchFamily="18" charset="0"/>
               </a:rPr>
               <a:t>/18</a:t>
             </a:r>
-            <a:endParaRPr lang="ru-RU" sz="2800" dirty="0">
+            <a:endParaRPr lang="ru-RU" sz="2200" dirty="0">
               <a:latin typeface="Times New Roman" panose="02020603050405020304" pitchFamily="18" charset="0"/>
               <a:cs typeface="Times New Roman" panose="02020603050405020304" pitchFamily="18" charset="0"/>
             </a:endParaRPr>
+          </a:p>
+        </p:txBody>
+      </p:sp>
+      <p:sp>
+        <p:nvSpPr>
+          <p:cNvPr id="5" name="Прямоугольник 4"/>
+          <p:cNvSpPr/>
+          <p:nvPr/>
+        </p:nvSpPr>
+        <p:spPr>
+          <a:xfrm>
+            <a:off x="117062" y="6334780"/>
+            <a:ext cx="3100529" cy="430887"/>
+          </a:xfrm>
+          <a:prstGeom prst="rect">
+            <a:avLst/>
+          </a:prstGeom>
+        </p:spPr>
+        <p:txBody>
+          <a:bodyPr wrap="none">
+            <a:spAutoFit/>
+          </a:bodyPr>
+          <a:lstStyle/>
+          <a:p>
+            <a:r>
+              <a:rPr lang="ru-RU" sz="2200" dirty="0">
+                <a:latin typeface="Times New Roman" panose="02020603050405020304" pitchFamily="18" charset="0"/>
+                <a:cs typeface="Times New Roman" panose="02020603050405020304" pitchFamily="18" charset="0"/>
+              </a:rPr>
+              <a:t>http://veronijo.beget.tech/</a:t>
+            </a:r>
           </a:p>
         </p:txBody>
       </p:sp>
@@ -8227,7 +8601,7 @@
         </p:nvSpPr>
         <p:spPr>
           <a:xfrm>
-            <a:off x="838200" y="163957"/>
+            <a:off x="838199" y="14751"/>
             <a:ext cx="10515600" cy="895639"/>
           </a:xfrm>
         </p:spPr>
@@ -8277,8 +8651,8 @@
         </p:blipFill>
         <p:spPr bwMode="auto">
           <a:xfrm>
-            <a:off x="1815486" y="927450"/>
-            <a:ext cx="9102449" cy="5603718"/>
+            <a:off x="1676670" y="893458"/>
+            <a:ext cx="8838659" cy="5441322"/>
           </a:xfrm>
           <a:prstGeom prst="rect">
             <a:avLst/>
@@ -8296,7 +8670,7 @@
           <p:cNvPr id="6" name="TextBox 5">
             <a:extLst>
               <a:ext uri="{FF2B5EF4-FFF2-40B4-BE49-F238E27FC236}">
-                <a16:creationId xmlns:a16="http://schemas.microsoft.com/office/drawing/2014/main" xmlns="" xmlns:lc="http://schemas.openxmlformats.org/drawingml/2006/lockedCanvas" id="{F7043567-4147-88C3-F094-05513D23DB95}"/>
+                <a16:creationId xmlns:lc="http://schemas.openxmlformats.org/drawingml/2006/lockedCanvas" xmlns="" xmlns:a16="http://schemas.microsoft.com/office/drawing/2014/main" id="{F7043567-4147-88C3-F094-05513D23DB95}"/>
               </a:ext>
             </a:extLst>
           </p:cNvPr>
@@ -8305,8 +8679,8 @@
         </p:nvSpPr>
         <p:spPr>
           <a:xfrm>
-            <a:off x="11288443" y="6334780"/>
-            <a:ext cx="903557" cy="523220"/>
+            <a:off x="11288443" y="6393451"/>
+            <a:ext cx="903557" cy="430887"/>
           </a:xfrm>
           <a:prstGeom prst="rect">
             <a:avLst/>
@@ -8414,23 +8788,54 @@
           </a:lstStyle>
           <a:p>
             <a:r>
-              <a:rPr lang="ru-RU" sz="2800" dirty="0">
+              <a:rPr lang="ru-RU" sz="2200" dirty="0">
                 <a:latin typeface="Times New Roman" panose="02020603050405020304" pitchFamily="18" charset="0"/>
                 <a:cs typeface="Times New Roman" panose="02020603050405020304" pitchFamily="18" charset="0"/>
               </a:rPr>
               <a:t>6</a:t>
             </a:r>
             <a:r>
-              <a:rPr lang="ru-RU" sz="2800" dirty="0" smtClean="0">
+              <a:rPr lang="ru-RU" sz="2200" dirty="0" smtClean="0">
                 <a:latin typeface="Times New Roman" panose="02020603050405020304" pitchFamily="18" charset="0"/>
                 <a:cs typeface="Times New Roman" panose="02020603050405020304" pitchFamily="18" charset="0"/>
               </a:rPr>
               <a:t>/18</a:t>
             </a:r>
-            <a:endParaRPr lang="ru-RU" sz="2800" dirty="0">
+            <a:endParaRPr lang="ru-RU" sz="2200" dirty="0">
               <a:latin typeface="Times New Roman" panose="02020603050405020304" pitchFamily="18" charset="0"/>
               <a:cs typeface="Times New Roman" panose="02020603050405020304" pitchFamily="18" charset="0"/>
             </a:endParaRPr>
+          </a:p>
+        </p:txBody>
+      </p:sp>
+      <p:sp>
+        <p:nvSpPr>
+          <p:cNvPr id="7" name="Прямоугольник 6"/>
+          <p:cNvSpPr/>
+          <p:nvPr/>
+        </p:nvSpPr>
+        <p:spPr>
+          <a:xfrm>
+            <a:off x="126405" y="6393451"/>
+            <a:ext cx="3100529" cy="430887"/>
+          </a:xfrm>
+          <a:prstGeom prst="rect">
+            <a:avLst/>
+          </a:prstGeom>
+        </p:spPr>
+        <p:txBody>
+          <a:bodyPr wrap="none">
+            <a:spAutoFit/>
+          </a:bodyPr>
+          <a:lstStyle/>
+          <a:p>
+            <a:r>
+              <a:rPr lang="ru-RU" sz="2200" dirty="0">
+                <a:latin typeface="Times New Roman" panose="02020603050405020304" pitchFamily="18" charset="0"/>
+                <a:cs typeface="Times New Roman" panose="02020603050405020304" pitchFamily="18" charset="0"/>
+              </a:rPr>
+              <a:t>http://veronijo.beget.tech/</a:t>
+            </a:r>
           </a:p>
         </p:txBody>
       </p:sp>
@@ -8533,7 +8938,7 @@
         </p:blipFill>
         <p:spPr bwMode="auto">
           <a:xfrm>
-            <a:off x="3023257" y="895639"/>
+            <a:off x="3023257" y="802783"/>
             <a:ext cx="6145483" cy="5624854"/>
           </a:xfrm>
           <a:prstGeom prst="rect">
@@ -8550,7 +8955,7 @@
           <p:cNvPr id="5" name="TextBox 5">
             <a:extLst>
               <a:ext uri="{FF2B5EF4-FFF2-40B4-BE49-F238E27FC236}">
-                <a16:creationId xmlns:a16="http://schemas.microsoft.com/office/drawing/2014/main" xmlns="" xmlns:lc="http://schemas.openxmlformats.org/drawingml/2006/lockedCanvas" id="{F7043567-4147-88C3-F094-05513D23DB95}"/>
+                <a16:creationId xmlns:lc="http://schemas.openxmlformats.org/drawingml/2006/lockedCanvas" xmlns="" xmlns:a16="http://schemas.microsoft.com/office/drawing/2014/main" id="{F7043567-4147-88C3-F094-05513D23DB95}"/>
               </a:ext>
             </a:extLst>
           </p:cNvPr>
@@ -8559,8 +8964,8 @@
         </p:nvSpPr>
         <p:spPr>
           <a:xfrm>
-            <a:off x="11288443" y="6334780"/>
-            <a:ext cx="903557" cy="523220"/>
+            <a:off x="11288443" y="6427637"/>
+            <a:ext cx="903557" cy="430887"/>
           </a:xfrm>
           <a:prstGeom prst="rect">
             <a:avLst/>
@@ -8668,23 +9073,54 @@
           </a:lstStyle>
           <a:p>
             <a:r>
-              <a:rPr lang="ru-RU" sz="2800" dirty="0">
+              <a:rPr lang="ru-RU" sz="2200" dirty="0">
                 <a:latin typeface="Times New Roman" panose="02020603050405020304" pitchFamily="18" charset="0"/>
                 <a:cs typeface="Times New Roman" panose="02020603050405020304" pitchFamily="18" charset="0"/>
               </a:rPr>
               <a:t>7</a:t>
             </a:r>
             <a:r>
-              <a:rPr lang="ru-RU" sz="2800" dirty="0" smtClean="0">
+              <a:rPr lang="ru-RU" sz="2200" dirty="0" smtClean="0">
                 <a:latin typeface="Times New Roman" panose="02020603050405020304" pitchFamily="18" charset="0"/>
                 <a:cs typeface="Times New Roman" panose="02020603050405020304" pitchFamily="18" charset="0"/>
               </a:rPr>
               <a:t>/18</a:t>
             </a:r>
-            <a:endParaRPr lang="ru-RU" sz="2800" dirty="0">
+            <a:endParaRPr lang="ru-RU" sz="2200" dirty="0">
               <a:latin typeface="Times New Roman" panose="02020603050405020304" pitchFamily="18" charset="0"/>
               <a:cs typeface="Times New Roman" panose="02020603050405020304" pitchFamily="18" charset="0"/>
             </a:endParaRPr>
+          </a:p>
+        </p:txBody>
+      </p:sp>
+      <p:sp>
+        <p:nvSpPr>
+          <p:cNvPr id="6" name="Прямоугольник 5"/>
+          <p:cNvSpPr/>
+          <p:nvPr/>
+        </p:nvSpPr>
+        <p:spPr>
+          <a:xfrm>
+            <a:off x="117062" y="6427637"/>
+            <a:ext cx="3100529" cy="430887"/>
+          </a:xfrm>
+          <a:prstGeom prst="rect">
+            <a:avLst/>
+          </a:prstGeom>
+        </p:spPr>
+        <p:txBody>
+          <a:bodyPr wrap="none">
+            <a:spAutoFit/>
+          </a:bodyPr>
+          <a:lstStyle/>
+          <a:p>
+            <a:r>
+              <a:rPr lang="ru-RU" sz="2200" dirty="0">
+                <a:latin typeface="Times New Roman" panose="02020603050405020304" pitchFamily="18" charset="0"/>
+                <a:cs typeface="Times New Roman" panose="02020603050405020304" pitchFamily="18" charset="0"/>
+              </a:rPr>
+              <a:t>http://veronijo.beget.tech/</a:t>
+            </a:r>
           </a:p>
         </p:txBody>
       </p:sp>
@@ -8804,7 +9240,7 @@
           <p:cNvPr id="4" name="TextBox 5">
             <a:extLst>
               <a:ext uri="{FF2B5EF4-FFF2-40B4-BE49-F238E27FC236}">
-                <a16:creationId xmlns:a16="http://schemas.microsoft.com/office/drawing/2014/main" xmlns="" xmlns:lc="http://schemas.openxmlformats.org/drawingml/2006/lockedCanvas" id="{F7043567-4147-88C3-F094-05513D23DB95}"/>
+                <a16:creationId xmlns:lc="http://schemas.openxmlformats.org/drawingml/2006/lockedCanvas" xmlns="" xmlns:a16="http://schemas.microsoft.com/office/drawing/2014/main" id="{F7043567-4147-88C3-F094-05513D23DB95}"/>
               </a:ext>
             </a:extLst>
           </p:cNvPr>
@@ -8814,7 +9250,7 @@
         <p:spPr>
           <a:xfrm>
             <a:off x="11288443" y="6334780"/>
-            <a:ext cx="903557" cy="523220"/>
+            <a:ext cx="903557" cy="430887"/>
           </a:xfrm>
           <a:prstGeom prst="rect">
             <a:avLst/>
@@ -8922,23 +9358,54 @@
           </a:lstStyle>
           <a:p>
             <a:r>
-              <a:rPr lang="ru-RU" sz="2800" dirty="0">
+              <a:rPr lang="ru-RU" sz="2200" dirty="0">
                 <a:latin typeface="Times New Roman" panose="02020603050405020304" pitchFamily="18" charset="0"/>
                 <a:cs typeface="Times New Roman" panose="02020603050405020304" pitchFamily="18" charset="0"/>
               </a:rPr>
               <a:t>8</a:t>
             </a:r>
             <a:r>
-              <a:rPr lang="ru-RU" sz="2800" dirty="0" smtClean="0">
+              <a:rPr lang="ru-RU" sz="2200" dirty="0" smtClean="0">
                 <a:latin typeface="Times New Roman" panose="02020603050405020304" pitchFamily="18" charset="0"/>
                 <a:cs typeface="Times New Roman" panose="02020603050405020304" pitchFamily="18" charset="0"/>
               </a:rPr>
               <a:t>/18</a:t>
             </a:r>
-            <a:endParaRPr lang="ru-RU" sz="2800" dirty="0">
+            <a:endParaRPr lang="ru-RU" sz="2200" dirty="0">
               <a:latin typeface="Times New Roman" panose="02020603050405020304" pitchFamily="18" charset="0"/>
               <a:cs typeface="Times New Roman" panose="02020603050405020304" pitchFamily="18" charset="0"/>
             </a:endParaRPr>
+          </a:p>
+        </p:txBody>
+      </p:sp>
+      <p:sp>
+        <p:nvSpPr>
+          <p:cNvPr id="6" name="Прямоугольник 5"/>
+          <p:cNvSpPr/>
+          <p:nvPr/>
+        </p:nvSpPr>
+        <p:spPr>
+          <a:xfrm>
+            <a:off x="117062" y="6334780"/>
+            <a:ext cx="3100529" cy="430887"/>
+          </a:xfrm>
+          <a:prstGeom prst="rect">
+            <a:avLst/>
+          </a:prstGeom>
+        </p:spPr>
+        <p:txBody>
+          <a:bodyPr wrap="none">
+            <a:spAutoFit/>
+          </a:bodyPr>
+          <a:lstStyle/>
+          <a:p>
+            <a:r>
+              <a:rPr lang="ru-RU" sz="2200" dirty="0">
+                <a:latin typeface="Times New Roman" panose="02020603050405020304" pitchFamily="18" charset="0"/>
+                <a:cs typeface="Times New Roman" panose="02020603050405020304" pitchFamily="18" charset="0"/>
+              </a:rPr>
+              <a:t>http://veronijo.beget.tech/</a:t>
+            </a:r>
           </a:p>
         </p:txBody>
       </p:sp>
@@ -8991,7 +9458,7 @@
         </p:nvSpPr>
         <p:spPr>
           <a:xfrm>
-            <a:off x="838198" y="221673"/>
+            <a:off x="838198" y="7593"/>
             <a:ext cx="10515600" cy="895639"/>
           </a:xfrm>
         </p:spPr>
@@ -9041,7 +9508,7 @@
         </p:blipFill>
         <p:spPr bwMode="auto">
           <a:xfrm>
-            <a:off x="2102857" y="1117312"/>
+            <a:off x="2102857" y="900505"/>
             <a:ext cx="7986282" cy="5434275"/>
           </a:xfrm>
           <a:prstGeom prst="rect">
@@ -9058,7 +9525,7 @@
           <p:cNvPr id="4" name="TextBox 5">
             <a:extLst>
               <a:ext uri="{FF2B5EF4-FFF2-40B4-BE49-F238E27FC236}">
-                <a16:creationId xmlns:a16="http://schemas.microsoft.com/office/drawing/2014/main" xmlns="" xmlns:lc="http://schemas.openxmlformats.org/drawingml/2006/lockedCanvas" id="{F7043567-4147-88C3-F094-05513D23DB95}"/>
+                <a16:creationId xmlns:lc="http://schemas.openxmlformats.org/drawingml/2006/lockedCanvas" xmlns="" xmlns:a16="http://schemas.microsoft.com/office/drawing/2014/main" id="{F7043567-4147-88C3-F094-05513D23DB95}"/>
               </a:ext>
             </a:extLst>
           </p:cNvPr>
@@ -9068,7 +9535,7 @@
         <p:spPr>
           <a:xfrm>
             <a:off x="11288443" y="6334780"/>
-            <a:ext cx="903557" cy="523220"/>
+            <a:ext cx="903557" cy="430887"/>
           </a:xfrm>
           <a:prstGeom prst="rect">
             <a:avLst/>
@@ -9176,23 +9643,54 @@
           </a:lstStyle>
           <a:p>
             <a:r>
-              <a:rPr lang="ru-RU" sz="2800" dirty="0">
+              <a:rPr lang="ru-RU" sz="2200" dirty="0">
                 <a:latin typeface="Times New Roman" panose="02020603050405020304" pitchFamily="18" charset="0"/>
                 <a:cs typeface="Times New Roman" panose="02020603050405020304" pitchFamily="18" charset="0"/>
               </a:rPr>
               <a:t>9</a:t>
             </a:r>
             <a:r>
-              <a:rPr lang="ru-RU" sz="2800" dirty="0" smtClean="0">
+              <a:rPr lang="ru-RU" sz="2200" dirty="0" smtClean="0">
                 <a:latin typeface="Times New Roman" panose="02020603050405020304" pitchFamily="18" charset="0"/>
                 <a:cs typeface="Times New Roman" panose="02020603050405020304" pitchFamily="18" charset="0"/>
               </a:rPr>
               <a:t>/18</a:t>
             </a:r>
-            <a:endParaRPr lang="ru-RU" sz="2800" dirty="0">
+            <a:endParaRPr lang="ru-RU" sz="2200" dirty="0">
               <a:latin typeface="Times New Roman" panose="02020603050405020304" pitchFamily="18" charset="0"/>
               <a:cs typeface="Times New Roman" panose="02020603050405020304" pitchFamily="18" charset="0"/>
             </a:endParaRPr>
+          </a:p>
+        </p:txBody>
+      </p:sp>
+      <p:sp>
+        <p:nvSpPr>
+          <p:cNvPr id="5" name="Прямоугольник 4"/>
+          <p:cNvSpPr/>
+          <p:nvPr/>
+        </p:nvSpPr>
+        <p:spPr>
+          <a:xfrm>
+            <a:off x="117062" y="6334780"/>
+            <a:ext cx="3100529" cy="430887"/>
+          </a:xfrm>
+          <a:prstGeom prst="rect">
+            <a:avLst/>
+          </a:prstGeom>
+        </p:spPr>
+        <p:txBody>
+          <a:bodyPr wrap="none">
+            <a:spAutoFit/>
+          </a:bodyPr>
+          <a:lstStyle/>
+          <a:p>
+            <a:r>
+              <a:rPr lang="ru-RU" sz="2200" dirty="0">
+                <a:latin typeface="Times New Roman" panose="02020603050405020304" pitchFamily="18" charset="0"/>
+                <a:cs typeface="Times New Roman" panose="02020603050405020304" pitchFamily="18" charset="0"/>
+              </a:rPr>
+              <a:t>http://veronijo.beget.tech/</a:t>
+            </a:r>
           </a:p>
         </p:txBody>
       </p:sp>

--- a/reports/2023_403_БогатыреваВО_slides.pptx
+++ b/reports/2023_403_БогатыреваВО_slides.pptx
@@ -2,7 +2,7 @@
 <file path=ppt/presentation.xml><?xml version="1.0" encoding="utf-8"?>
 <p:presentation xmlns:a="http://schemas.openxmlformats.org/drawingml/2006/main" xmlns:r="http://schemas.openxmlformats.org/officeDocument/2006/relationships" xmlns:p="http://schemas.openxmlformats.org/presentationml/2006/main" saveSubsetFonts="1">
   <p:sldMasterIdLst>
-    <p:sldMasterId id="2147483648" r:id="rId1"/>
+    <p:sldMasterId id="2147483660" r:id="rId1"/>
   </p:sldMasterIdLst>
   <p:notesMasterIdLst>
     <p:notesMasterId r:id="rId20"/>
@@ -27,7 +27,7 @@
     <p:sldId id="272" r:id="rId18"/>
     <p:sldId id="273" r:id="rId19"/>
   </p:sldIdLst>
-  <p:sldSz cx="12192000" cy="6858000"/>
+  <p:sldSz cx="9144000" cy="6858000" type="screen4x3"/>
   <p:notesSz cx="6858000" cy="9144000"/>
   <p:defaultTextStyle>
     <a:defPPr>
@@ -214,7 +214,7 @@
           <a:p>
             <a:fld id="{7DEDA2BB-1C5C-4526-95E5-77A988EF9EA2}" type="datetimeFigureOut">
               <a:rPr lang="ru-RU" smtClean="0"/>
-              <a:t>17.05.2023</a:t>
+              <a:t>23.05.2023</a:t>
             </a:fld>
             <a:endParaRPr lang="ru-RU"/>
           </a:p>
@@ -232,8 +232,8 @@
         </p:nvSpPr>
         <p:spPr>
           <a:xfrm>
-            <a:off x="685800" y="1143000"/>
-            <a:ext cx="5486400" cy="3086100"/>
+            <a:off x="1371600" y="1143000"/>
+            <a:ext cx="4114800" cy="3086100"/>
           </a:xfrm>
           <a:prstGeom prst="rect">
             <a:avLst/>
@@ -509,7 +509,12 @@
             <p:ph type="sldImg"/>
           </p:nvPr>
         </p:nvSpPr>
-        <p:spPr/>
+        <p:spPr>
+          <a:xfrm>
+            <a:off x="1371600" y="1143000"/>
+            <a:ext cx="4114800" cy="3086100"/>
+          </a:xfrm>
+        </p:spPr>
       </p:sp>
       <p:sp>
         <p:nvSpPr>
@@ -742,6 +747,90 @@
     <p:extLst>
       <p:ext uri="{BB962C8B-B14F-4D97-AF65-F5344CB8AC3E}">
         <p14:creationId xmlns:p14="http://schemas.microsoft.com/office/powerpoint/2010/main" val="3610655931"/>
+      </p:ext>
+    </p:extLst>
+  </p:cSld>
+  <p:clrMapOvr>
+    <a:masterClrMapping/>
+  </p:clrMapOvr>
+</p:notes>
+</file>
+
+<file path=ppt/notesSlides/notesSlide2.xml><?xml version="1.0" encoding="utf-8"?>
+<p:notes xmlns:a="http://schemas.openxmlformats.org/drawingml/2006/main" xmlns:r="http://schemas.openxmlformats.org/officeDocument/2006/relationships" xmlns:p="http://schemas.openxmlformats.org/presentationml/2006/main">
+  <p:cSld>
+    <p:spTree>
+      <p:nvGrpSpPr>
+        <p:cNvPr id="1" name=""/>
+        <p:cNvGrpSpPr/>
+        <p:nvPr/>
+      </p:nvGrpSpPr>
+      <p:grpSpPr>
+        <a:xfrm>
+          <a:off x="0" y="0"/>
+          <a:ext cx="0" cy="0"/>
+          <a:chOff x="0" y="0"/>
+          <a:chExt cx="0" cy="0"/>
+        </a:xfrm>
+      </p:grpSpPr>
+      <p:sp>
+        <p:nvSpPr>
+          <p:cNvPr id="2" name="Образ слайда 1"/>
+          <p:cNvSpPr>
+            <a:spLocks noGrp="1" noRot="1" noChangeAspect="1"/>
+          </p:cNvSpPr>
+          <p:nvPr>
+            <p:ph type="sldImg"/>
+          </p:nvPr>
+        </p:nvSpPr>
+        <p:spPr/>
+      </p:sp>
+      <p:sp>
+        <p:nvSpPr>
+          <p:cNvPr id="3" name="Заметки 2"/>
+          <p:cNvSpPr>
+            <a:spLocks noGrp="1"/>
+          </p:cNvSpPr>
+          <p:nvPr>
+            <p:ph type="body" idx="1"/>
+          </p:nvPr>
+        </p:nvSpPr>
+        <p:spPr/>
+        <p:txBody>
+          <a:bodyPr/>
+          <a:lstStyle/>
+          <a:p>
+            <a:endParaRPr lang="ru-RU" dirty="0"/>
+          </a:p>
+        </p:txBody>
+      </p:sp>
+      <p:sp>
+        <p:nvSpPr>
+          <p:cNvPr id="4" name="Номер слайда 3"/>
+          <p:cNvSpPr>
+            <a:spLocks noGrp="1"/>
+          </p:cNvSpPr>
+          <p:nvPr>
+            <p:ph type="sldNum" sz="quarter" idx="10"/>
+          </p:nvPr>
+        </p:nvSpPr>
+        <p:spPr/>
+        <p:txBody>
+          <a:bodyPr/>
+          <a:lstStyle/>
+          <a:p>
+            <a:fld id="{BEC7A95C-97CA-431A-AE49-B22A2B1CD0AD}" type="slidenum">
+              <a:rPr lang="ru-RU" smtClean="0"/>
+              <a:t>12</a:t>
+            </a:fld>
+            <a:endParaRPr lang="ru-RU"/>
+          </a:p>
+        </p:txBody>
+      </p:sp>
+    </p:spTree>
+    <p:extLst>
+      <p:ext uri="{BB962C8B-B14F-4D97-AF65-F5344CB8AC3E}">
+        <p14:creationId xmlns:p14="http://schemas.microsoft.com/office/powerpoint/2010/main" val="1352105269"/>
       </p:ext>
     </p:extLst>
   </p:cSld>
@@ -770,7 +859,7 @@
       </p:grpSpPr>
       <p:sp>
         <p:nvSpPr>
-          <p:cNvPr id="2" name="Заголовок 1"/>
+          <p:cNvPr id="2" name="Title 1"/>
           <p:cNvSpPr>
             <a:spLocks noGrp="1"/>
           </p:cNvSpPr>
@@ -780,8 +869,8 @@
         </p:nvSpPr>
         <p:spPr>
           <a:xfrm>
-            <a:off x="1524000" y="1122363"/>
-            <a:ext cx="9144000" cy="2387600"/>
+            <a:off x="685800" y="1122363"/>
+            <a:ext cx="7772400" cy="2387600"/>
           </a:xfrm>
         </p:spPr>
         <p:txBody>
@@ -796,13 +885,13 @@
               <a:rPr lang="ru-RU" smtClean="0"/>
               <a:t>Образец заголовка</a:t>
             </a:r>
-            <a:endParaRPr lang="ru-RU"/>
-          </a:p>
-        </p:txBody>
-      </p:sp>
-      <p:sp>
-        <p:nvSpPr>
-          <p:cNvPr id="3" name="Подзаголовок 2"/>
+            <a:endParaRPr lang="en-US" dirty="0"/>
+          </a:p>
+        </p:txBody>
+      </p:sp>
+      <p:sp>
+        <p:nvSpPr>
+          <p:cNvPr id="3" name="Subtitle 2"/>
           <p:cNvSpPr>
             <a:spLocks noGrp="1"/>
           </p:cNvSpPr>
@@ -812,8 +901,8 @@
         </p:nvSpPr>
         <p:spPr>
           <a:xfrm>
-            <a:off x="1524000" y="3602038"/>
-            <a:ext cx="9144000" cy="1655762"/>
+            <a:off x="1143000" y="3602038"/>
+            <a:ext cx="6858000" cy="1655762"/>
           </a:xfrm>
         </p:spPr>
         <p:txBody>
@@ -861,13 +950,13 @@
               <a:rPr lang="ru-RU" smtClean="0"/>
               <a:t>Образец подзаголовка</a:t>
             </a:r>
-            <a:endParaRPr lang="ru-RU"/>
-          </a:p>
-        </p:txBody>
-      </p:sp>
-      <p:sp>
-        <p:nvSpPr>
-          <p:cNvPr id="4" name="Дата 3"/>
+            <a:endParaRPr lang="en-US" dirty="0"/>
+          </a:p>
+        </p:txBody>
+      </p:sp>
+      <p:sp>
+        <p:nvSpPr>
+          <p:cNvPr id="4" name="Date Placeholder 3"/>
           <p:cNvSpPr>
             <a:spLocks noGrp="1"/>
           </p:cNvSpPr>
@@ -882,7 +971,7 @@
           <a:p>
             <a:fld id="{9D1E7A46-1A4E-41C3-B23B-1269BF8B1FAC}" type="datetimeFigureOut">
               <a:rPr lang="ru-RU" smtClean="0"/>
-              <a:t>17.05.2023</a:t>
+              <a:t>23.05.2023</a:t>
             </a:fld>
             <a:endParaRPr lang="ru-RU"/>
           </a:p>
@@ -890,7 +979,7 @@
       </p:sp>
       <p:sp>
         <p:nvSpPr>
-          <p:cNvPr id="5" name="Нижний колонтитул 4"/>
+          <p:cNvPr id="5" name="Footer Placeholder 4"/>
           <p:cNvSpPr>
             <a:spLocks noGrp="1"/>
           </p:cNvSpPr>
@@ -909,7 +998,7 @@
       </p:sp>
       <p:sp>
         <p:nvSpPr>
-          <p:cNvPr id="6" name="Номер слайда 5"/>
+          <p:cNvPr id="6" name="Slide Number Placeholder 5"/>
           <p:cNvSpPr>
             <a:spLocks noGrp="1"/>
           </p:cNvSpPr>
@@ -933,7 +1022,7 @@
     </p:spTree>
     <p:extLst>
       <p:ext uri="{BB962C8B-B14F-4D97-AF65-F5344CB8AC3E}">
-        <p14:creationId xmlns:p14="http://schemas.microsoft.com/office/powerpoint/2010/main" val="3773714683"/>
+        <p14:creationId xmlns:p14="http://schemas.microsoft.com/office/powerpoint/2010/main" val="2972186146"/>
       </p:ext>
     </p:extLst>
   </p:cSld>
@@ -962,7 +1051,7 @@
       </p:grpSpPr>
       <p:sp>
         <p:nvSpPr>
-          <p:cNvPr id="2" name="Заголовок 1"/>
+          <p:cNvPr id="2" name="Title 1"/>
           <p:cNvSpPr>
             <a:spLocks noGrp="1"/>
           </p:cNvSpPr>
@@ -979,13 +1068,13 @@
               <a:rPr lang="ru-RU" smtClean="0"/>
               <a:t>Образец заголовка</a:t>
             </a:r>
-            <a:endParaRPr lang="ru-RU"/>
-          </a:p>
-        </p:txBody>
-      </p:sp>
-      <p:sp>
-        <p:nvSpPr>
-          <p:cNvPr id="3" name="Вертикальный текст 2"/>
+            <a:endParaRPr lang="en-US" dirty="0"/>
+          </a:p>
+        </p:txBody>
+      </p:sp>
+      <p:sp>
+        <p:nvSpPr>
+          <p:cNvPr id="3" name="Vertical Text Placeholder 2"/>
           <p:cNvSpPr>
             <a:spLocks noGrp="1"/>
           </p:cNvSpPr>
@@ -1031,13 +1120,13 @@
               <a:rPr lang="ru-RU" smtClean="0"/>
               <a:t>Пятый уровень</a:t>
             </a:r>
-            <a:endParaRPr lang="ru-RU"/>
-          </a:p>
-        </p:txBody>
-      </p:sp>
-      <p:sp>
-        <p:nvSpPr>
-          <p:cNvPr id="4" name="Дата 3"/>
+            <a:endParaRPr lang="en-US" dirty="0"/>
+          </a:p>
+        </p:txBody>
+      </p:sp>
+      <p:sp>
+        <p:nvSpPr>
+          <p:cNvPr id="4" name="Date Placeholder 3"/>
           <p:cNvSpPr>
             <a:spLocks noGrp="1"/>
           </p:cNvSpPr>
@@ -1052,7 +1141,7 @@
           <a:p>
             <a:fld id="{9D1E7A46-1A4E-41C3-B23B-1269BF8B1FAC}" type="datetimeFigureOut">
               <a:rPr lang="ru-RU" smtClean="0"/>
-              <a:t>17.05.2023</a:t>
+              <a:t>23.05.2023</a:t>
             </a:fld>
             <a:endParaRPr lang="ru-RU"/>
           </a:p>
@@ -1060,7 +1149,7 @@
       </p:sp>
       <p:sp>
         <p:nvSpPr>
-          <p:cNvPr id="5" name="Нижний колонтитул 4"/>
+          <p:cNvPr id="5" name="Footer Placeholder 4"/>
           <p:cNvSpPr>
             <a:spLocks noGrp="1"/>
           </p:cNvSpPr>
@@ -1079,7 +1168,7 @@
       </p:sp>
       <p:sp>
         <p:nvSpPr>
-          <p:cNvPr id="6" name="Номер слайда 5"/>
+          <p:cNvPr id="6" name="Slide Number Placeholder 5"/>
           <p:cNvSpPr>
             <a:spLocks noGrp="1"/>
           </p:cNvSpPr>
@@ -1103,7 +1192,7 @@
     </p:spTree>
     <p:extLst>
       <p:ext uri="{BB962C8B-B14F-4D97-AF65-F5344CB8AC3E}">
-        <p14:creationId xmlns:p14="http://schemas.microsoft.com/office/powerpoint/2010/main" val="3903403361"/>
+        <p14:creationId xmlns:p14="http://schemas.microsoft.com/office/powerpoint/2010/main" val="40594672"/>
       </p:ext>
     </p:extLst>
   </p:cSld>
@@ -1132,7 +1221,7 @@
       </p:grpSpPr>
       <p:sp>
         <p:nvSpPr>
-          <p:cNvPr id="2" name="Вертикальный заголовок 1"/>
+          <p:cNvPr id="2" name="Vertical Title 1"/>
           <p:cNvSpPr>
             <a:spLocks noGrp="1"/>
           </p:cNvSpPr>
@@ -1142,8 +1231,8 @@
         </p:nvSpPr>
         <p:spPr>
           <a:xfrm>
-            <a:off x="8724900" y="365125"/>
-            <a:ext cx="2628900" cy="5811838"/>
+            <a:off x="6543675" y="365125"/>
+            <a:ext cx="1971675" cy="5811838"/>
           </a:xfrm>
         </p:spPr>
         <p:txBody>
@@ -1154,13 +1243,13 @@
               <a:rPr lang="ru-RU" smtClean="0"/>
               <a:t>Образец заголовка</a:t>
             </a:r>
-            <a:endParaRPr lang="ru-RU"/>
-          </a:p>
-        </p:txBody>
-      </p:sp>
-      <p:sp>
-        <p:nvSpPr>
-          <p:cNvPr id="3" name="Вертикальный текст 2"/>
+            <a:endParaRPr lang="en-US" dirty="0"/>
+          </a:p>
+        </p:txBody>
+      </p:sp>
+      <p:sp>
+        <p:nvSpPr>
+          <p:cNvPr id="3" name="Vertical Text Placeholder 2"/>
           <p:cNvSpPr>
             <a:spLocks noGrp="1"/>
           </p:cNvSpPr>
@@ -1170,8 +1259,8 @@
         </p:nvSpPr>
         <p:spPr>
           <a:xfrm>
-            <a:off x="838200" y="365125"/>
-            <a:ext cx="7734300" cy="5811838"/>
+            <a:off x="628650" y="365125"/>
+            <a:ext cx="5800725" cy="5811838"/>
           </a:xfrm>
         </p:spPr>
         <p:txBody>
@@ -1211,13 +1300,13 @@
               <a:rPr lang="ru-RU" smtClean="0"/>
               <a:t>Пятый уровень</a:t>
             </a:r>
-            <a:endParaRPr lang="ru-RU"/>
-          </a:p>
-        </p:txBody>
-      </p:sp>
-      <p:sp>
-        <p:nvSpPr>
-          <p:cNvPr id="4" name="Дата 3"/>
+            <a:endParaRPr lang="en-US" dirty="0"/>
+          </a:p>
+        </p:txBody>
+      </p:sp>
+      <p:sp>
+        <p:nvSpPr>
+          <p:cNvPr id="4" name="Date Placeholder 3"/>
           <p:cNvSpPr>
             <a:spLocks noGrp="1"/>
           </p:cNvSpPr>
@@ -1232,7 +1321,7 @@
           <a:p>
             <a:fld id="{9D1E7A46-1A4E-41C3-B23B-1269BF8B1FAC}" type="datetimeFigureOut">
               <a:rPr lang="ru-RU" smtClean="0"/>
-              <a:t>17.05.2023</a:t>
+              <a:t>23.05.2023</a:t>
             </a:fld>
             <a:endParaRPr lang="ru-RU"/>
           </a:p>
@@ -1240,7 +1329,7 @@
       </p:sp>
       <p:sp>
         <p:nvSpPr>
-          <p:cNvPr id="5" name="Нижний колонтитул 4"/>
+          <p:cNvPr id="5" name="Footer Placeholder 4"/>
           <p:cNvSpPr>
             <a:spLocks noGrp="1"/>
           </p:cNvSpPr>
@@ -1259,7 +1348,7 @@
       </p:sp>
       <p:sp>
         <p:nvSpPr>
-          <p:cNvPr id="6" name="Номер слайда 5"/>
+          <p:cNvPr id="6" name="Slide Number Placeholder 5"/>
           <p:cNvSpPr>
             <a:spLocks noGrp="1"/>
           </p:cNvSpPr>
@@ -1283,7 +1372,7 @@
     </p:spTree>
     <p:extLst>
       <p:ext uri="{BB962C8B-B14F-4D97-AF65-F5344CB8AC3E}">
-        <p14:creationId xmlns:p14="http://schemas.microsoft.com/office/powerpoint/2010/main" val="3542821332"/>
+        <p14:creationId xmlns:p14="http://schemas.microsoft.com/office/powerpoint/2010/main" val="3889425811"/>
       </p:ext>
     </p:extLst>
   </p:cSld>
@@ -1312,7 +1401,7 @@
       </p:grpSpPr>
       <p:sp>
         <p:nvSpPr>
-          <p:cNvPr id="2" name="Заголовок 1"/>
+          <p:cNvPr id="2" name="Title 1"/>
           <p:cNvSpPr>
             <a:spLocks noGrp="1"/>
           </p:cNvSpPr>
@@ -1329,13 +1418,13 @@
               <a:rPr lang="ru-RU" smtClean="0"/>
               <a:t>Образец заголовка</a:t>
             </a:r>
-            <a:endParaRPr lang="ru-RU"/>
-          </a:p>
-        </p:txBody>
-      </p:sp>
-      <p:sp>
-        <p:nvSpPr>
-          <p:cNvPr id="3" name="Объект 2"/>
+            <a:endParaRPr lang="en-US" dirty="0"/>
+          </a:p>
+        </p:txBody>
+      </p:sp>
+      <p:sp>
+        <p:nvSpPr>
+          <p:cNvPr id="3" name="Content Placeholder 2"/>
           <p:cNvSpPr>
             <a:spLocks noGrp="1"/>
           </p:cNvSpPr>
@@ -1381,13 +1470,13 @@
               <a:rPr lang="ru-RU" smtClean="0"/>
               <a:t>Пятый уровень</a:t>
             </a:r>
-            <a:endParaRPr lang="ru-RU"/>
-          </a:p>
-        </p:txBody>
-      </p:sp>
-      <p:sp>
-        <p:nvSpPr>
-          <p:cNvPr id="4" name="Дата 3"/>
+            <a:endParaRPr lang="en-US" dirty="0"/>
+          </a:p>
+        </p:txBody>
+      </p:sp>
+      <p:sp>
+        <p:nvSpPr>
+          <p:cNvPr id="4" name="Date Placeholder 3"/>
           <p:cNvSpPr>
             <a:spLocks noGrp="1"/>
           </p:cNvSpPr>
@@ -1402,7 +1491,7 @@
           <a:p>
             <a:fld id="{9D1E7A46-1A4E-41C3-B23B-1269BF8B1FAC}" type="datetimeFigureOut">
               <a:rPr lang="ru-RU" smtClean="0"/>
-              <a:t>17.05.2023</a:t>
+              <a:t>23.05.2023</a:t>
             </a:fld>
             <a:endParaRPr lang="ru-RU"/>
           </a:p>
@@ -1410,7 +1499,7 @@
       </p:sp>
       <p:sp>
         <p:nvSpPr>
-          <p:cNvPr id="5" name="Нижний колонтитул 4"/>
+          <p:cNvPr id="5" name="Footer Placeholder 4"/>
           <p:cNvSpPr>
             <a:spLocks noGrp="1"/>
           </p:cNvSpPr>
@@ -1429,7 +1518,7 @@
       </p:sp>
       <p:sp>
         <p:nvSpPr>
-          <p:cNvPr id="6" name="Номер слайда 5"/>
+          <p:cNvPr id="6" name="Slide Number Placeholder 5"/>
           <p:cNvSpPr>
             <a:spLocks noGrp="1"/>
           </p:cNvSpPr>
@@ -1453,7 +1542,7 @@
     </p:spTree>
     <p:extLst>
       <p:ext uri="{BB962C8B-B14F-4D97-AF65-F5344CB8AC3E}">
-        <p14:creationId xmlns:p14="http://schemas.microsoft.com/office/powerpoint/2010/main" val="3931965659"/>
+        <p14:creationId xmlns:p14="http://schemas.microsoft.com/office/powerpoint/2010/main" val="3521447968"/>
       </p:ext>
     </p:extLst>
   </p:cSld>
@@ -1482,7 +1571,7 @@
       </p:grpSpPr>
       <p:sp>
         <p:nvSpPr>
-          <p:cNvPr id="2" name="Заголовок 1"/>
+          <p:cNvPr id="2" name="Title 1"/>
           <p:cNvSpPr>
             <a:spLocks noGrp="1"/>
           </p:cNvSpPr>
@@ -1492,8 +1581,8 @@
         </p:nvSpPr>
         <p:spPr>
           <a:xfrm>
-            <a:off x="831850" y="1709738"/>
-            <a:ext cx="10515600" cy="2852737"/>
+            <a:off x="623888" y="1709739"/>
+            <a:ext cx="7886700" cy="2852737"/>
           </a:xfrm>
         </p:spPr>
         <p:txBody>
@@ -1508,13 +1597,13 @@
               <a:rPr lang="ru-RU" smtClean="0"/>
               <a:t>Образец заголовка</a:t>
             </a:r>
-            <a:endParaRPr lang="ru-RU"/>
-          </a:p>
-        </p:txBody>
-      </p:sp>
-      <p:sp>
-        <p:nvSpPr>
-          <p:cNvPr id="3" name="Текст 2"/>
+            <a:endParaRPr lang="en-US" dirty="0"/>
+          </a:p>
+        </p:txBody>
+      </p:sp>
+      <p:sp>
+        <p:nvSpPr>
+          <p:cNvPr id="3" name="Text Placeholder 2"/>
           <p:cNvSpPr>
             <a:spLocks noGrp="1"/>
           </p:cNvSpPr>
@@ -1524,8 +1613,8 @@
         </p:nvSpPr>
         <p:spPr>
           <a:xfrm>
-            <a:off x="831850" y="4589463"/>
-            <a:ext cx="10515600" cy="1500187"/>
+            <a:off x="623888" y="4589464"/>
+            <a:ext cx="7886700" cy="1500187"/>
           </a:xfrm>
         </p:spPr>
         <p:txBody>
@@ -1535,9 +1624,7 @@
               <a:buNone/>
               <a:defRPr sz="2400">
                 <a:solidFill>
-                  <a:schemeClr val="tx1">
-                    <a:tint val="75000"/>
-                  </a:schemeClr>
+                  <a:schemeClr val="tx1"/>
                 </a:solidFill>
               </a:defRPr>
             </a:lvl1pPr>
@@ -1633,7 +1720,7 @@
       </p:sp>
       <p:sp>
         <p:nvSpPr>
-          <p:cNvPr id="4" name="Дата 3"/>
+          <p:cNvPr id="4" name="Date Placeholder 3"/>
           <p:cNvSpPr>
             <a:spLocks noGrp="1"/>
           </p:cNvSpPr>
@@ -1648,7 +1735,7 @@
           <a:p>
             <a:fld id="{9D1E7A46-1A4E-41C3-B23B-1269BF8B1FAC}" type="datetimeFigureOut">
               <a:rPr lang="ru-RU" smtClean="0"/>
-              <a:t>17.05.2023</a:t>
+              <a:t>23.05.2023</a:t>
             </a:fld>
             <a:endParaRPr lang="ru-RU"/>
           </a:p>
@@ -1656,7 +1743,7 @@
       </p:sp>
       <p:sp>
         <p:nvSpPr>
-          <p:cNvPr id="5" name="Нижний колонтитул 4"/>
+          <p:cNvPr id="5" name="Footer Placeholder 4"/>
           <p:cNvSpPr>
             <a:spLocks noGrp="1"/>
           </p:cNvSpPr>
@@ -1675,7 +1762,7 @@
       </p:sp>
       <p:sp>
         <p:nvSpPr>
-          <p:cNvPr id="6" name="Номер слайда 5"/>
+          <p:cNvPr id="6" name="Slide Number Placeholder 5"/>
           <p:cNvSpPr>
             <a:spLocks noGrp="1"/>
           </p:cNvSpPr>
@@ -1699,7 +1786,7 @@
     </p:spTree>
     <p:extLst>
       <p:ext uri="{BB962C8B-B14F-4D97-AF65-F5344CB8AC3E}">
-        <p14:creationId xmlns:p14="http://schemas.microsoft.com/office/powerpoint/2010/main" val="708257254"/>
+        <p14:creationId xmlns:p14="http://schemas.microsoft.com/office/powerpoint/2010/main" val="3639578264"/>
       </p:ext>
     </p:extLst>
   </p:cSld>
@@ -1728,7 +1815,7 @@
       </p:grpSpPr>
       <p:sp>
         <p:nvSpPr>
-          <p:cNvPr id="2" name="Заголовок 1"/>
+          <p:cNvPr id="2" name="Title 1"/>
           <p:cNvSpPr>
             <a:spLocks noGrp="1"/>
           </p:cNvSpPr>
@@ -1745,13 +1832,13 @@
               <a:rPr lang="ru-RU" smtClean="0"/>
               <a:t>Образец заголовка</a:t>
             </a:r>
-            <a:endParaRPr lang="ru-RU"/>
-          </a:p>
-        </p:txBody>
-      </p:sp>
-      <p:sp>
-        <p:nvSpPr>
-          <p:cNvPr id="3" name="Объект 2"/>
+            <a:endParaRPr lang="en-US" dirty="0"/>
+          </a:p>
+        </p:txBody>
+      </p:sp>
+      <p:sp>
+        <p:nvSpPr>
+          <p:cNvPr id="3" name="Content Placeholder 2"/>
           <p:cNvSpPr>
             <a:spLocks noGrp="1"/>
           </p:cNvSpPr>
@@ -1761,8 +1848,8 @@
         </p:nvSpPr>
         <p:spPr>
           <a:xfrm>
-            <a:off x="838200" y="1825625"/>
-            <a:ext cx="5181600" cy="4351338"/>
+            <a:off x="628650" y="1825625"/>
+            <a:ext cx="3886200" cy="4351338"/>
           </a:xfrm>
         </p:spPr>
         <p:txBody>
@@ -1802,13 +1889,13 @@
               <a:rPr lang="ru-RU" smtClean="0"/>
               <a:t>Пятый уровень</a:t>
             </a:r>
-            <a:endParaRPr lang="ru-RU"/>
-          </a:p>
-        </p:txBody>
-      </p:sp>
-      <p:sp>
-        <p:nvSpPr>
-          <p:cNvPr id="4" name="Объект 3"/>
+            <a:endParaRPr lang="en-US" dirty="0"/>
+          </a:p>
+        </p:txBody>
+      </p:sp>
+      <p:sp>
+        <p:nvSpPr>
+          <p:cNvPr id="4" name="Content Placeholder 3"/>
           <p:cNvSpPr>
             <a:spLocks noGrp="1"/>
           </p:cNvSpPr>
@@ -1818,8 +1905,8 @@
         </p:nvSpPr>
         <p:spPr>
           <a:xfrm>
-            <a:off x="6172200" y="1825625"/>
-            <a:ext cx="5181600" cy="4351338"/>
+            <a:off x="4629150" y="1825625"/>
+            <a:ext cx="3886200" cy="4351338"/>
           </a:xfrm>
         </p:spPr>
         <p:txBody>
@@ -1859,13 +1946,13 @@
               <a:rPr lang="ru-RU" smtClean="0"/>
               <a:t>Пятый уровень</a:t>
             </a:r>
-            <a:endParaRPr lang="ru-RU"/>
-          </a:p>
-        </p:txBody>
-      </p:sp>
-      <p:sp>
-        <p:nvSpPr>
-          <p:cNvPr id="5" name="Дата 4"/>
+            <a:endParaRPr lang="en-US" dirty="0"/>
+          </a:p>
+        </p:txBody>
+      </p:sp>
+      <p:sp>
+        <p:nvSpPr>
+          <p:cNvPr id="5" name="Date Placeholder 4"/>
           <p:cNvSpPr>
             <a:spLocks noGrp="1"/>
           </p:cNvSpPr>
@@ -1880,7 +1967,7 @@
           <a:p>
             <a:fld id="{9D1E7A46-1A4E-41C3-B23B-1269BF8B1FAC}" type="datetimeFigureOut">
               <a:rPr lang="ru-RU" smtClean="0"/>
-              <a:t>17.05.2023</a:t>
+              <a:t>23.05.2023</a:t>
             </a:fld>
             <a:endParaRPr lang="ru-RU"/>
           </a:p>
@@ -1888,7 +1975,7 @@
       </p:sp>
       <p:sp>
         <p:nvSpPr>
-          <p:cNvPr id="6" name="Нижний колонтитул 5"/>
+          <p:cNvPr id="6" name="Footer Placeholder 5"/>
           <p:cNvSpPr>
             <a:spLocks noGrp="1"/>
           </p:cNvSpPr>
@@ -1907,7 +1994,7 @@
       </p:sp>
       <p:sp>
         <p:nvSpPr>
-          <p:cNvPr id="7" name="Номер слайда 6"/>
+          <p:cNvPr id="7" name="Slide Number Placeholder 6"/>
           <p:cNvSpPr>
             <a:spLocks noGrp="1"/>
           </p:cNvSpPr>
@@ -1931,7 +2018,7 @@
     </p:spTree>
     <p:extLst>
       <p:ext uri="{BB962C8B-B14F-4D97-AF65-F5344CB8AC3E}">
-        <p14:creationId xmlns:p14="http://schemas.microsoft.com/office/powerpoint/2010/main" val="3299448770"/>
+        <p14:creationId xmlns:p14="http://schemas.microsoft.com/office/powerpoint/2010/main" val="3190475"/>
       </p:ext>
     </p:extLst>
   </p:cSld>
@@ -1960,7 +2047,7 @@
       </p:grpSpPr>
       <p:sp>
         <p:nvSpPr>
-          <p:cNvPr id="2" name="Заголовок 1"/>
+          <p:cNvPr id="2" name="Title 1"/>
           <p:cNvSpPr>
             <a:spLocks noGrp="1"/>
           </p:cNvSpPr>
@@ -1970,8 +2057,8 @@
         </p:nvSpPr>
         <p:spPr>
           <a:xfrm>
-            <a:off x="839788" y="365125"/>
-            <a:ext cx="10515600" cy="1325563"/>
+            <a:off x="629841" y="365126"/>
+            <a:ext cx="7886700" cy="1325563"/>
           </a:xfrm>
         </p:spPr>
         <p:txBody>
@@ -1982,13 +2069,13 @@
               <a:rPr lang="ru-RU" smtClean="0"/>
               <a:t>Образец заголовка</a:t>
             </a:r>
-            <a:endParaRPr lang="ru-RU"/>
-          </a:p>
-        </p:txBody>
-      </p:sp>
-      <p:sp>
-        <p:nvSpPr>
-          <p:cNvPr id="3" name="Текст 2"/>
+            <a:endParaRPr lang="en-US" dirty="0"/>
+          </a:p>
+        </p:txBody>
+      </p:sp>
+      <p:sp>
+        <p:nvSpPr>
+          <p:cNvPr id="3" name="Text Placeholder 2"/>
           <p:cNvSpPr>
             <a:spLocks noGrp="1"/>
           </p:cNvSpPr>
@@ -1998,8 +2085,8 @@
         </p:nvSpPr>
         <p:spPr>
           <a:xfrm>
-            <a:off x="839788" y="1681163"/>
-            <a:ext cx="5157787" cy="823912"/>
+            <a:off x="629842" y="1681163"/>
+            <a:ext cx="3868340" cy="823912"/>
           </a:xfrm>
         </p:spPr>
         <p:txBody>
@@ -2053,7 +2140,7 @@
       </p:sp>
       <p:sp>
         <p:nvSpPr>
-          <p:cNvPr id="4" name="Объект 3"/>
+          <p:cNvPr id="4" name="Content Placeholder 3"/>
           <p:cNvSpPr>
             <a:spLocks noGrp="1"/>
           </p:cNvSpPr>
@@ -2063,8 +2150,8 @@
         </p:nvSpPr>
         <p:spPr>
           <a:xfrm>
-            <a:off x="839788" y="2505075"/>
-            <a:ext cx="5157787" cy="3684588"/>
+            <a:off x="629842" y="2505075"/>
+            <a:ext cx="3868340" cy="3684588"/>
           </a:xfrm>
         </p:spPr>
         <p:txBody>
@@ -2104,13 +2191,13 @@
               <a:rPr lang="ru-RU" smtClean="0"/>
               <a:t>Пятый уровень</a:t>
             </a:r>
-            <a:endParaRPr lang="ru-RU"/>
-          </a:p>
-        </p:txBody>
-      </p:sp>
-      <p:sp>
-        <p:nvSpPr>
-          <p:cNvPr id="5" name="Текст 4"/>
+            <a:endParaRPr lang="en-US" dirty="0"/>
+          </a:p>
+        </p:txBody>
+      </p:sp>
+      <p:sp>
+        <p:nvSpPr>
+          <p:cNvPr id="5" name="Text Placeholder 4"/>
           <p:cNvSpPr>
             <a:spLocks noGrp="1"/>
           </p:cNvSpPr>
@@ -2120,8 +2207,8 @@
         </p:nvSpPr>
         <p:spPr>
           <a:xfrm>
-            <a:off x="6172200" y="1681163"/>
-            <a:ext cx="5183188" cy="823912"/>
+            <a:off x="4629150" y="1681163"/>
+            <a:ext cx="3887391" cy="823912"/>
           </a:xfrm>
         </p:spPr>
         <p:txBody>
@@ -2175,7 +2262,7 @@
       </p:sp>
       <p:sp>
         <p:nvSpPr>
-          <p:cNvPr id="6" name="Объект 5"/>
+          <p:cNvPr id="6" name="Content Placeholder 5"/>
           <p:cNvSpPr>
             <a:spLocks noGrp="1"/>
           </p:cNvSpPr>
@@ -2185,8 +2272,8 @@
         </p:nvSpPr>
         <p:spPr>
           <a:xfrm>
-            <a:off x="6172200" y="2505075"/>
-            <a:ext cx="5183188" cy="3684588"/>
+            <a:off x="4629150" y="2505075"/>
+            <a:ext cx="3887391" cy="3684588"/>
           </a:xfrm>
         </p:spPr>
         <p:txBody>
@@ -2226,13 +2313,13 @@
               <a:rPr lang="ru-RU" smtClean="0"/>
               <a:t>Пятый уровень</a:t>
             </a:r>
-            <a:endParaRPr lang="ru-RU"/>
-          </a:p>
-        </p:txBody>
-      </p:sp>
-      <p:sp>
-        <p:nvSpPr>
-          <p:cNvPr id="7" name="Дата 6"/>
+            <a:endParaRPr lang="en-US" dirty="0"/>
+          </a:p>
+        </p:txBody>
+      </p:sp>
+      <p:sp>
+        <p:nvSpPr>
+          <p:cNvPr id="7" name="Date Placeholder 6"/>
           <p:cNvSpPr>
             <a:spLocks noGrp="1"/>
           </p:cNvSpPr>
@@ -2247,7 +2334,7 @@
           <a:p>
             <a:fld id="{9D1E7A46-1A4E-41C3-B23B-1269BF8B1FAC}" type="datetimeFigureOut">
               <a:rPr lang="ru-RU" smtClean="0"/>
-              <a:t>17.05.2023</a:t>
+              <a:t>23.05.2023</a:t>
             </a:fld>
             <a:endParaRPr lang="ru-RU"/>
           </a:p>
@@ -2255,7 +2342,7 @@
       </p:sp>
       <p:sp>
         <p:nvSpPr>
-          <p:cNvPr id="8" name="Нижний колонтитул 7"/>
+          <p:cNvPr id="8" name="Footer Placeholder 7"/>
           <p:cNvSpPr>
             <a:spLocks noGrp="1"/>
           </p:cNvSpPr>
@@ -2274,7 +2361,7 @@
       </p:sp>
       <p:sp>
         <p:nvSpPr>
-          <p:cNvPr id="9" name="Номер слайда 8"/>
+          <p:cNvPr id="9" name="Slide Number Placeholder 8"/>
           <p:cNvSpPr>
             <a:spLocks noGrp="1"/>
           </p:cNvSpPr>
@@ -2298,7 +2385,7 @@
     </p:spTree>
     <p:extLst>
       <p:ext uri="{BB962C8B-B14F-4D97-AF65-F5344CB8AC3E}">
-        <p14:creationId xmlns:p14="http://schemas.microsoft.com/office/powerpoint/2010/main" val="1832771838"/>
+        <p14:creationId xmlns:p14="http://schemas.microsoft.com/office/powerpoint/2010/main" val="4214737464"/>
       </p:ext>
     </p:extLst>
   </p:cSld>
@@ -2327,7 +2414,7 @@
       </p:grpSpPr>
       <p:sp>
         <p:nvSpPr>
-          <p:cNvPr id="2" name="Заголовок 1"/>
+          <p:cNvPr id="2" name="Title 1"/>
           <p:cNvSpPr>
             <a:spLocks noGrp="1"/>
           </p:cNvSpPr>
@@ -2344,13 +2431,13 @@
               <a:rPr lang="ru-RU" smtClean="0"/>
               <a:t>Образец заголовка</a:t>
             </a:r>
-            <a:endParaRPr lang="ru-RU"/>
-          </a:p>
-        </p:txBody>
-      </p:sp>
-      <p:sp>
-        <p:nvSpPr>
-          <p:cNvPr id="3" name="Дата 2"/>
+            <a:endParaRPr lang="en-US" dirty="0"/>
+          </a:p>
+        </p:txBody>
+      </p:sp>
+      <p:sp>
+        <p:nvSpPr>
+          <p:cNvPr id="3" name="Date Placeholder 2"/>
           <p:cNvSpPr>
             <a:spLocks noGrp="1"/>
           </p:cNvSpPr>
@@ -2365,7 +2452,7 @@
           <a:p>
             <a:fld id="{9D1E7A46-1A4E-41C3-B23B-1269BF8B1FAC}" type="datetimeFigureOut">
               <a:rPr lang="ru-RU" smtClean="0"/>
-              <a:t>17.05.2023</a:t>
+              <a:t>23.05.2023</a:t>
             </a:fld>
             <a:endParaRPr lang="ru-RU"/>
           </a:p>
@@ -2373,7 +2460,7 @@
       </p:sp>
       <p:sp>
         <p:nvSpPr>
-          <p:cNvPr id="4" name="Нижний колонтитул 3"/>
+          <p:cNvPr id="4" name="Footer Placeholder 3"/>
           <p:cNvSpPr>
             <a:spLocks noGrp="1"/>
           </p:cNvSpPr>
@@ -2392,7 +2479,7 @@
       </p:sp>
       <p:sp>
         <p:nvSpPr>
-          <p:cNvPr id="5" name="Номер слайда 4"/>
+          <p:cNvPr id="5" name="Slide Number Placeholder 4"/>
           <p:cNvSpPr>
             <a:spLocks noGrp="1"/>
           </p:cNvSpPr>
@@ -2416,7 +2503,7 @@
     </p:spTree>
     <p:extLst>
       <p:ext uri="{BB962C8B-B14F-4D97-AF65-F5344CB8AC3E}">
-        <p14:creationId xmlns:p14="http://schemas.microsoft.com/office/powerpoint/2010/main" val="425099468"/>
+        <p14:creationId xmlns:p14="http://schemas.microsoft.com/office/powerpoint/2010/main" val="1663398041"/>
       </p:ext>
     </p:extLst>
   </p:cSld>
@@ -2445,7 +2532,7 @@
       </p:grpSpPr>
       <p:sp>
         <p:nvSpPr>
-          <p:cNvPr id="2" name="Дата 1"/>
+          <p:cNvPr id="2" name="Date Placeholder 1"/>
           <p:cNvSpPr>
             <a:spLocks noGrp="1"/>
           </p:cNvSpPr>
@@ -2460,7 +2547,7 @@
           <a:p>
             <a:fld id="{9D1E7A46-1A4E-41C3-B23B-1269BF8B1FAC}" type="datetimeFigureOut">
               <a:rPr lang="ru-RU" smtClean="0"/>
-              <a:t>17.05.2023</a:t>
+              <a:t>23.05.2023</a:t>
             </a:fld>
             <a:endParaRPr lang="ru-RU"/>
           </a:p>
@@ -2468,7 +2555,7 @@
       </p:sp>
       <p:sp>
         <p:nvSpPr>
-          <p:cNvPr id="3" name="Нижний колонтитул 2"/>
+          <p:cNvPr id="3" name="Footer Placeholder 2"/>
           <p:cNvSpPr>
             <a:spLocks noGrp="1"/>
           </p:cNvSpPr>
@@ -2487,7 +2574,7 @@
       </p:sp>
       <p:sp>
         <p:nvSpPr>
-          <p:cNvPr id="4" name="Номер слайда 3"/>
+          <p:cNvPr id="4" name="Slide Number Placeholder 3"/>
           <p:cNvSpPr>
             <a:spLocks noGrp="1"/>
           </p:cNvSpPr>
@@ -2511,7 +2598,7 @@
     </p:spTree>
     <p:extLst>
       <p:ext uri="{BB962C8B-B14F-4D97-AF65-F5344CB8AC3E}">
-        <p14:creationId xmlns:p14="http://schemas.microsoft.com/office/powerpoint/2010/main" val="1438281047"/>
+        <p14:creationId xmlns:p14="http://schemas.microsoft.com/office/powerpoint/2010/main" val="1427329469"/>
       </p:ext>
     </p:extLst>
   </p:cSld>
@@ -2540,7 +2627,7 @@
       </p:grpSpPr>
       <p:sp>
         <p:nvSpPr>
-          <p:cNvPr id="2" name="Заголовок 1"/>
+          <p:cNvPr id="2" name="Title 1"/>
           <p:cNvSpPr>
             <a:spLocks noGrp="1"/>
           </p:cNvSpPr>
@@ -2550,8 +2637,8 @@
         </p:nvSpPr>
         <p:spPr>
           <a:xfrm>
-            <a:off x="839788" y="457200"/>
-            <a:ext cx="3932237" cy="1600200"/>
+            <a:off x="629841" y="457200"/>
+            <a:ext cx="2949178" cy="1600200"/>
           </a:xfrm>
         </p:spPr>
         <p:txBody>
@@ -2566,13 +2653,13 @@
               <a:rPr lang="ru-RU" smtClean="0"/>
               <a:t>Образец заголовка</a:t>
             </a:r>
-            <a:endParaRPr lang="ru-RU"/>
-          </a:p>
-        </p:txBody>
-      </p:sp>
-      <p:sp>
-        <p:nvSpPr>
-          <p:cNvPr id="3" name="Объект 2"/>
+            <a:endParaRPr lang="en-US" dirty="0"/>
+          </a:p>
+        </p:txBody>
+      </p:sp>
+      <p:sp>
+        <p:nvSpPr>
+          <p:cNvPr id="3" name="Content Placeholder 2"/>
           <p:cNvSpPr>
             <a:spLocks noGrp="1"/>
           </p:cNvSpPr>
@@ -2582,8 +2669,8 @@
         </p:nvSpPr>
         <p:spPr>
           <a:xfrm>
-            <a:off x="5183188" y="987425"/>
-            <a:ext cx="6172200" cy="4873625"/>
+            <a:off x="3887391" y="987426"/>
+            <a:ext cx="4629150" cy="4873625"/>
           </a:xfrm>
         </p:spPr>
         <p:txBody>
@@ -2651,13 +2738,13 @@
               <a:rPr lang="ru-RU" smtClean="0"/>
               <a:t>Пятый уровень</a:t>
             </a:r>
-            <a:endParaRPr lang="ru-RU"/>
-          </a:p>
-        </p:txBody>
-      </p:sp>
-      <p:sp>
-        <p:nvSpPr>
-          <p:cNvPr id="4" name="Текст 3"/>
+            <a:endParaRPr lang="en-US" dirty="0"/>
+          </a:p>
+        </p:txBody>
+      </p:sp>
+      <p:sp>
+        <p:nvSpPr>
+          <p:cNvPr id="4" name="Text Placeholder 3"/>
           <p:cNvSpPr>
             <a:spLocks noGrp="1"/>
           </p:cNvSpPr>
@@ -2667,8 +2754,8 @@
         </p:nvSpPr>
         <p:spPr>
           <a:xfrm>
-            <a:off x="839788" y="2057400"/>
-            <a:ext cx="3932237" cy="3811588"/>
+            <a:off x="629841" y="2057400"/>
+            <a:ext cx="2949178" cy="3811588"/>
           </a:xfrm>
         </p:spPr>
         <p:txBody>
@@ -2722,7 +2809,7 @@
       </p:sp>
       <p:sp>
         <p:nvSpPr>
-          <p:cNvPr id="5" name="Дата 4"/>
+          <p:cNvPr id="5" name="Date Placeholder 4"/>
           <p:cNvSpPr>
             <a:spLocks noGrp="1"/>
           </p:cNvSpPr>
@@ -2737,7 +2824,7 @@
           <a:p>
             <a:fld id="{9D1E7A46-1A4E-41C3-B23B-1269BF8B1FAC}" type="datetimeFigureOut">
               <a:rPr lang="ru-RU" smtClean="0"/>
-              <a:t>17.05.2023</a:t>
+              <a:t>23.05.2023</a:t>
             </a:fld>
             <a:endParaRPr lang="ru-RU"/>
           </a:p>
@@ -2745,7 +2832,7 @@
       </p:sp>
       <p:sp>
         <p:nvSpPr>
-          <p:cNvPr id="6" name="Нижний колонтитул 5"/>
+          <p:cNvPr id="6" name="Footer Placeholder 5"/>
           <p:cNvSpPr>
             <a:spLocks noGrp="1"/>
           </p:cNvSpPr>
@@ -2764,7 +2851,7 @@
       </p:sp>
       <p:sp>
         <p:nvSpPr>
-          <p:cNvPr id="7" name="Номер слайда 6"/>
+          <p:cNvPr id="7" name="Slide Number Placeholder 6"/>
           <p:cNvSpPr>
             <a:spLocks noGrp="1"/>
           </p:cNvSpPr>
@@ -2788,7 +2875,7 @@
     </p:spTree>
     <p:extLst>
       <p:ext uri="{BB962C8B-B14F-4D97-AF65-F5344CB8AC3E}">
-        <p14:creationId xmlns:p14="http://schemas.microsoft.com/office/powerpoint/2010/main" val="1360675765"/>
+        <p14:creationId xmlns:p14="http://schemas.microsoft.com/office/powerpoint/2010/main" val="3798297077"/>
       </p:ext>
     </p:extLst>
   </p:cSld>
@@ -2817,7 +2904,7 @@
       </p:grpSpPr>
       <p:sp>
         <p:nvSpPr>
-          <p:cNvPr id="2" name="Заголовок 1"/>
+          <p:cNvPr id="2" name="Title 1"/>
           <p:cNvSpPr>
             <a:spLocks noGrp="1"/>
           </p:cNvSpPr>
@@ -2827,8 +2914,8 @@
         </p:nvSpPr>
         <p:spPr>
           <a:xfrm>
-            <a:off x="839788" y="457200"/>
-            <a:ext cx="3932237" cy="1600200"/>
+            <a:off x="629841" y="457200"/>
+            <a:ext cx="2949178" cy="1600200"/>
           </a:xfrm>
         </p:spPr>
         <p:txBody>
@@ -2843,15 +2930,15 @@
               <a:rPr lang="ru-RU" smtClean="0"/>
               <a:t>Образец заголовка</a:t>
             </a:r>
-            <a:endParaRPr lang="ru-RU"/>
-          </a:p>
-        </p:txBody>
-      </p:sp>
-      <p:sp>
-        <p:nvSpPr>
-          <p:cNvPr id="3" name="Рисунок 2"/>
+            <a:endParaRPr lang="en-US" dirty="0"/>
+          </a:p>
+        </p:txBody>
+      </p:sp>
+      <p:sp>
+        <p:nvSpPr>
+          <p:cNvPr id="3" name="Picture Placeholder 2"/>
           <p:cNvSpPr>
-            <a:spLocks noGrp="1"/>
+            <a:spLocks noGrp="1" noChangeAspect="1"/>
           </p:cNvSpPr>
           <p:nvPr>
             <p:ph type="pic" idx="1"/>
@@ -2859,12 +2946,12 @@
         </p:nvSpPr>
         <p:spPr>
           <a:xfrm>
-            <a:off x="5183188" y="987425"/>
-            <a:ext cx="6172200" cy="4873625"/>
-          </a:xfrm>
-        </p:spPr>
-        <p:txBody>
-          <a:bodyPr/>
+            <a:off x="3887391" y="987426"/>
+            <a:ext cx="4629150" cy="4873625"/>
+          </a:xfrm>
+        </p:spPr>
+        <p:txBody>
+          <a:bodyPr anchor="t"/>
           <a:lstStyle>
             <a:lvl1pPr marL="0" indent="0">
               <a:buNone/>
@@ -2904,13 +2991,17 @@
             </a:lvl9pPr>
           </a:lstStyle>
           <a:p>
-            <a:endParaRPr lang="ru-RU"/>
-          </a:p>
-        </p:txBody>
-      </p:sp>
-      <p:sp>
-        <p:nvSpPr>
-          <p:cNvPr id="4" name="Текст 3"/>
+            <a:r>
+              <a:rPr lang="ru-RU" smtClean="0"/>
+              <a:t>Вставка рисунка</a:t>
+            </a:r>
+            <a:endParaRPr lang="en-US" dirty="0"/>
+          </a:p>
+        </p:txBody>
+      </p:sp>
+      <p:sp>
+        <p:nvSpPr>
+          <p:cNvPr id="4" name="Text Placeholder 3"/>
           <p:cNvSpPr>
             <a:spLocks noGrp="1"/>
           </p:cNvSpPr>
@@ -2920,8 +3011,8 @@
         </p:nvSpPr>
         <p:spPr>
           <a:xfrm>
-            <a:off x="839788" y="2057400"/>
-            <a:ext cx="3932237" cy="3811588"/>
+            <a:off x="629841" y="2057400"/>
+            <a:ext cx="2949178" cy="3811588"/>
           </a:xfrm>
         </p:spPr>
         <p:txBody>
@@ -2975,7 +3066,7 @@
       </p:sp>
       <p:sp>
         <p:nvSpPr>
-          <p:cNvPr id="5" name="Дата 4"/>
+          <p:cNvPr id="5" name="Date Placeholder 4"/>
           <p:cNvSpPr>
             <a:spLocks noGrp="1"/>
           </p:cNvSpPr>
@@ -2990,7 +3081,7 @@
           <a:p>
             <a:fld id="{9D1E7A46-1A4E-41C3-B23B-1269BF8B1FAC}" type="datetimeFigureOut">
               <a:rPr lang="ru-RU" smtClean="0"/>
-              <a:t>17.05.2023</a:t>
+              <a:t>23.05.2023</a:t>
             </a:fld>
             <a:endParaRPr lang="ru-RU"/>
           </a:p>
@@ -2998,7 +3089,7 @@
       </p:sp>
       <p:sp>
         <p:nvSpPr>
-          <p:cNvPr id="6" name="Нижний колонтитул 5"/>
+          <p:cNvPr id="6" name="Footer Placeholder 5"/>
           <p:cNvSpPr>
             <a:spLocks noGrp="1"/>
           </p:cNvSpPr>
@@ -3017,7 +3108,7 @@
       </p:sp>
       <p:sp>
         <p:nvSpPr>
-          <p:cNvPr id="7" name="Номер слайда 6"/>
+          <p:cNvPr id="7" name="Slide Number Placeholder 6"/>
           <p:cNvSpPr>
             <a:spLocks noGrp="1"/>
           </p:cNvSpPr>
@@ -3041,7 +3132,7 @@
     </p:spTree>
     <p:extLst>
       <p:ext uri="{BB962C8B-B14F-4D97-AF65-F5344CB8AC3E}">
-        <p14:creationId xmlns:p14="http://schemas.microsoft.com/office/powerpoint/2010/main" val="501224408"/>
+        <p14:creationId xmlns:p14="http://schemas.microsoft.com/office/powerpoint/2010/main" val="737244541"/>
       </p:ext>
     </p:extLst>
   </p:cSld>
@@ -3075,7 +3166,7 @@
       </p:grpSpPr>
       <p:sp>
         <p:nvSpPr>
-          <p:cNvPr id="2" name="Заголовок 1"/>
+          <p:cNvPr id="2" name="Title Placeholder 1"/>
           <p:cNvSpPr>
             <a:spLocks noGrp="1"/>
           </p:cNvSpPr>
@@ -3085,8 +3176,8 @@
         </p:nvSpPr>
         <p:spPr>
           <a:xfrm>
-            <a:off x="838200" y="365125"/>
-            <a:ext cx="10515600" cy="1325563"/>
+            <a:off x="628650" y="365126"/>
+            <a:ext cx="7886700" cy="1325563"/>
           </a:xfrm>
           <a:prstGeom prst="rect">
             <a:avLst/>
@@ -3102,13 +3193,13 @@
               <a:rPr lang="ru-RU" smtClean="0"/>
               <a:t>Образец заголовка</a:t>
             </a:r>
-            <a:endParaRPr lang="ru-RU"/>
-          </a:p>
-        </p:txBody>
-      </p:sp>
-      <p:sp>
-        <p:nvSpPr>
-          <p:cNvPr id="3" name="Текст 2"/>
+            <a:endParaRPr lang="en-US" dirty="0"/>
+          </a:p>
+        </p:txBody>
+      </p:sp>
+      <p:sp>
+        <p:nvSpPr>
+          <p:cNvPr id="3" name="Text Placeholder 2"/>
           <p:cNvSpPr>
             <a:spLocks noGrp="1"/>
           </p:cNvSpPr>
@@ -3118,8 +3209,8 @@
         </p:nvSpPr>
         <p:spPr>
           <a:xfrm>
-            <a:off x="838200" y="1825625"/>
-            <a:ext cx="10515600" cy="4351338"/>
+            <a:off x="628650" y="1825625"/>
+            <a:ext cx="7886700" cy="4351338"/>
           </a:xfrm>
           <a:prstGeom prst="rect">
             <a:avLst/>
@@ -3164,13 +3255,13 @@
               <a:rPr lang="ru-RU" smtClean="0"/>
               <a:t>Пятый уровень</a:t>
             </a:r>
-            <a:endParaRPr lang="ru-RU"/>
-          </a:p>
-        </p:txBody>
-      </p:sp>
-      <p:sp>
-        <p:nvSpPr>
-          <p:cNvPr id="4" name="Дата 3"/>
+            <a:endParaRPr lang="en-US" dirty="0"/>
+          </a:p>
+        </p:txBody>
+      </p:sp>
+      <p:sp>
+        <p:nvSpPr>
+          <p:cNvPr id="4" name="Date Placeholder 3"/>
           <p:cNvSpPr>
             <a:spLocks noGrp="1"/>
           </p:cNvSpPr>
@@ -3180,8 +3271,8 @@
         </p:nvSpPr>
         <p:spPr>
           <a:xfrm>
-            <a:off x="838200" y="6356350"/>
-            <a:ext cx="2743200" cy="365125"/>
+            <a:off x="628650" y="6356351"/>
+            <a:ext cx="2057400" cy="365125"/>
           </a:xfrm>
           <a:prstGeom prst="rect">
             <a:avLst/>
@@ -3203,7 +3294,7 @@
           <a:p>
             <a:fld id="{9D1E7A46-1A4E-41C3-B23B-1269BF8B1FAC}" type="datetimeFigureOut">
               <a:rPr lang="ru-RU" smtClean="0"/>
-              <a:t>17.05.2023</a:t>
+              <a:t>23.05.2023</a:t>
             </a:fld>
             <a:endParaRPr lang="ru-RU"/>
           </a:p>
@@ -3211,7 +3302,7 @@
       </p:sp>
       <p:sp>
         <p:nvSpPr>
-          <p:cNvPr id="5" name="Нижний колонтитул 4"/>
+          <p:cNvPr id="5" name="Footer Placeholder 4"/>
           <p:cNvSpPr>
             <a:spLocks noGrp="1"/>
           </p:cNvSpPr>
@@ -3221,8 +3312,8 @@
         </p:nvSpPr>
         <p:spPr>
           <a:xfrm>
-            <a:off x="4038600" y="6356350"/>
-            <a:ext cx="4114800" cy="365125"/>
+            <a:off x="3028950" y="6356351"/>
+            <a:ext cx="3086100" cy="365125"/>
           </a:xfrm>
           <a:prstGeom prst="rect">
             <a:avLst/>
@@ -3248,7 +3339,7 @@
       </p:sp>
       <p:sp>
         <p:nvSpPr>
-          <p:cNvPr id="6" name="Номер слайда 5"/>
+          <p:cNvPr id="6" name="Slide Number Placeholder 5"/>
           <p:cNvSpPr>
             <a:spLocks noGrp="1"/>
           </p:cNvSpPr>
@@ -3258,8 +3349,8 @@
         </p:nvSpPr>
         <p:spPr>
           <a:xfrm>
-            <a:off x="8610600" y="6356350"/>
-            <a:ext cx="2743200" cy="365125"/>
+            <a:off x="6457950" y="6356351"/>
+            <a:ext cx="2057400" cy="365125"/>
           </a:xfrm>
           <a:prstGeom prst="rect">
             <a:avLst/>
@@ -3290,23 +3381,23 @@
     </p:spTree>
     <p:extLst>
       <p:ext uri="{BB962C8B-B14F-4D97-AF65-F5344CB8AC3E}">
-        <p14:creationId xmlns:p14="http://schemas.microsoft.com/office/powerpoint/2010/main" val="4013787059"/>
+        <p14:creationId xmlns:p14="http://schemas.microsoft.com/office/powerpoint/2010/main" val="3535096941"/>
       </p:ext>
     </p:extLst>
   </p:cSld>
   <p:clrMap bg1="lt1" tx1="dk1" bg2="lt2" tx2="dk2" accent1="accent1" accent2="accent2" accent3="accent3" accent4="accent4" accent5="accent5" accent6="accent6" hlink="hlink" folHlink="folHlink"/>
   <p:sldLayoutIdLst>
-    <p:sldLayoutId id="2147483649" r:id="rId1"/>
-    <p:sldLayoutId id="2147483650" r:id="rId2"/>
-    <p:sldLayoutId id="2147483651" r:id="rId3"/>
-    <p:sldLayoutId id="2147483652" r:id="rId4"/>
-    <p:sldLayoutId id="2147483653" r:id="rId5"/>
-    <p:sldLayoutId id="2147483654" r:id="rId6"/>
-    <p:sldLayoutId id="2147483655" r:id="rId7"/>
-    <p:sldLayoutId id="2147483656" r:id="rId8"/>
-    <p:sldLayoutId id="2147483657" r:id="rId9"/>
-    <p:sldLayoutId id="2147483658" r:id="rId10"/>
-    <p:sldLayoutId id="2147483659" r:id="rId11"/>
+    <p:sldLayoutId id="2147483661" r:id="rId1"/>
+    <p:sldLayoutId id="2147483662" r:id="rId2"/>
+    <p:sldLayoutId id="2147483663" r:id="rId3"/>
+    <p:sldLayoutId id="2147483664" r:id="rId4"/>
+    <p:sldLayoutId id="2147483665" r:id="rId5"/>
+    <p:sldLayoutId id="2147483666" r:id="rId6"/>
+    <p:sldLayoutId id="2147483667" r:id="rId7"/>
+    <p:sldLayoutId id="2147483668" r:id="rId8"/>
+    <p:sldLayoutId id="2147483669" r:id="rId9"/>
+    <p:sldLayoutId id="2147483670" r:id="rId10"/>
+    <p:sldLayoutId id="2147483671" r:id="rId11"/>
   </p:sldLayoutIdLst>
   <p:txStyles>
     <p:titleStyle>
@@ -3494,7 +3585,7 @@
     </p:bodyStyle>
     <p:otherStyle>
       <a:defPPr>
-        <a:defRPr lang="ru-RU"/>
+        <a:defRPr lang="en-US"/>
       </a:defPPr>
       <a:lvl1pPr marL="0" algn="l" defTabSz="914400" rtl="0" eaLnBrk="1" latinLnBrk="0" hangingPunct="1">
         <a:defRPr sz="1800" kern="1200">
@@ -3620,107 +3711,103 @@
         </p:nvSpPr>
         <p:spPr>
           <a:xfrm>
-            <a:off x="1046018" y="180110"/>
-            <a:ext cx="10099964" cy="1385455"/>
+            <a:off x="0" y="123363"/>
+            <a:ext cx="9144000" cy="1314855"/>
           </a:xfrm>
         </p:spPr>
         <p:txBody>
           <a:bodyPr>
-            <a:normAutofit fontScale="90000"/>
+            <a:normAutofit/>
           </a:bodyPr>
           <a:lstStyle/>
           <a:p>
             <a:r>
-              <a:rPr lang="ru-RU" sz="2000" dirty="0" smtClean="0">
+              <a:rPr lang="ru-RU" sz="1600" dirty="0">
                 <a:latin typeface="Times New Roman" panose="02020603050405020304" pitchFamily="18" charset="0"/>
                 <a:cs typeface="Times New Roman" panose="02020603050405020304" pitchFamily="18" charset="0"/>
               </a:rPr>
               <a:t>МИНИСТЕРСТВО НАУКИ И ВЫСШЕГО ОБРАЗОВАНИЯ РОССИЙСКОЙ ФЕДЕРАЦИИ </a:t>
             </a:r>
             <a:r>
-              <a:rPr lang="en-US" sz="2000" dirty="0" smtClean="0">
+              <a:rPr lang="en-US" sz="1600" dirty="0">
                 <a:latin typeface="Times New Roman" panose="02020603050405020304" pitchFamily="18" charset="0"/>
                 <a:cs typeface="Times New Roman" panose="02020603050405020304" pitchFamily="18" charset="0"/>
               </a:rPr>
               <a:t/>
             </a:r>
             <a:br>
-              <a:rPr lang="en-US" sz="2000" dirty="0" smtClean="0">
+              <a:rPr lang="en-US" sz="1600" dirty="0">
                 <a:latin typeface="Times New Roman" panose="02020603050405020304" pitchFamily="18" charset="0"/>
                 <a:cs typeface="Times New Roman" panose="02020603050405020304" pitchFamily="18" charset="0"/>
               </a:rPr>
             </a:br>
             <a:r>
-              <a:rPr lang="ru-RU" sz="2000" dirty="0" smtClean="0">
+              <a:rPr lang="ru-RU" sz="1600" dirty="0">
                 <a:latin typeface="Times New Roman" panose="02020603050405020304" pitchFamily="18" charset="0"/>
                 <a:cs typeface="Times New Roman" panose="02020603050405020304" pitchFamily="18" charset="0"/>
               </a:rPr>
               <a:t>Федеральное государственное автономное образовательное учреждение высшего образования </a:t>
             </a:r>
             <a:r>
-              <a:rPr lang="en-US" sz="2000" dirty="0" smtClean="0">
+              <a:rPr lang="en-US" sz="1600" dirty="0">
                 <a:latin typeface="Times New Roman" panose="02020603050405020304" pitchFamily="18" charset="0"/>
                 <a:cs typeface="Times New Roman" panose="02020603050405020304" pitchFamily="18" charset="0"/>
               </a:rPr>
               <a:t/>
             </a:r>
             <a:br>
-              <a:rPr lang="en-US" sz="2000" dirty="0" smtClean="0">
+              <a:rPr lang="en-US" sz="1600" dirty="0">
                 <a:latin typeface="Times New Roman" panose="02020603050405020304" pitchFamily="18" charset="0"/>
                 <a:cs typeface="Times New Roman" panose="02020603050405020304" pitchFamily="18" charset="0"/>
               </a:rPr>
             </a:br>
             <a:r>
-              <a:rPr lang="ru-RU" sz="2000" dirty="0" smtClean="0">
+              <a:rPr lang="ru-RU" sz="1600" dirty="0">
                 <a:latin typeface="Times New Roman" panose="02020603050405020304" pitchFamily="18" charset="0"/>
                 <a:cs typeface="Times New Roman" panose="02020603050405020304" pitchFamily="18" charset="0"/>
               </a:rPr>
               <a:t>«Южно-Уральский государственный университет (национальный исследовательский университет)» </a:t>
             </a:r>
             <a:r>
-              <a:rPr lang="en-US" sz="2000" dirty="0" smtClean="0">
+              <a:rPr lang="en-US" sz="1600" dirty="0">
                 <a:latin typeface="Times New Roman" panose="02020603050405020304" pitchFamily="18" charset="0"/>
                 <a:cs typeface="Times New Roman" panose="02020603050405020304" pitchFamily="18" charset="0"/>
               </a:rPr>
               <a:t/>
             </a:r>
             <a:br>
-              <a:rPr lang="en-US" sz="2000" dirty="0" smtClean="0">
+              <a:rPr lang="en-US" sz="1600" dirty="0">
                 <a:latin typeface="Times New Roman" panose="02020603050405020304" pitchFamily="18" charset="0"/>
                 <a:cs typeface="Times New Roman" panose="02020603050405020304" pitchFamily="18" charset="0"/>
               </a:rPr>
             </a:br>
             <a:r>
-              <a:rPr lang="ru-RU" sz="2000" dirty="0" smtClean="0">
+              <a:rPr lang="ru-RU" sz="1600" dirty="0">
                 <a:latin typeface="Times New Roman" panose="02020603050405020304" pitchFamily="18" charset="0"/>
                 <a:cs typeface="Times New Roman" panose="02020603050405020304" pitchFamily="18" charset="0"/>
               </a:rPr>
               <a:t>Высшая школа электроники и компьютерных наук </a:t>
             </a:r>
             <a:r>
-              <a:rPr lang="en-US" sz="2000" dirty="0" smtClean="0">
+              <a:rPr lang="en-US" sz="1600" dirty="0">
                 <a:latin typeface="Times New Roman" panose="02020603050405020304" pitchFamily="18" charset="0"/>
                 <a:cs typeface="Times New Roman" panose="02020603050405020304" pitchFamily="18" charset="0"/>
               </a:rPr>
               <a:t/>
             </a:r>
             <a:br>
-              <a:rPr lang="en-US" sz="2000" dirty="0" smtClean="0">
+              <a:rPr lang="en-US" sz="1600" dirty="0">
                 <a:latin typeface="Times New Roman" panose="02020603050405020304" pitchFamily="18" charset="0"/>
                 <a:cs typeface="Times New Roman" panose="02020603050405020304" pitchFamily="18" charset="0"/>
               </a:rPr>
             </a:br>
             <a:r>
-              <a:rPr lang="ru-RU" sz="2000" dirty="0" smtClean="0">
+              <a:rPr lang="ru-RU" sz="1600" dirty="0">
                 <a:latin typeface="Times New Roman" panose="02020603050405020304" pitchFamily="18" charset="0"/>
                 <a:cs typeface="Times New Roman" panose="02020603050405020304" pitchFamily="18" charset="0"/>
               </a:rPr>
               <a:t>Кафедра системного программирования </a:t>
             </a:r>
-            <a:endParaRPr lang="ru-RU" sz="2000" dirty="0">
-              <a:latin typeface="Times New Roman" panose="02020603050405020304" pitchFamily="18" charset="0"/>
-              <a:cs typeface="Times New Roman" panose="02020603050405020304" pitchFamily="18" charset="0"/>
-            </a:endParaRPr>
           </a:p>
         </p:txBody>
       </p:sp>
@@ -3736,7 +3823,7 @@
         </p:nvSpPr>
         <p:spPr>
           <a:xfrm>
-            <a:off x="1524000" y="2410546"/>
+            <a:off x="0" y="2528973"/>
             <a:ext cx="9144000" cy="1454871"/>
           </a:xfrm>
         </p:spPr>
@@ -3747,7 +3834,7 @@
           <a:lstStyle/>
           <a:p>
             <a:r>
-              <a:rPr lang="ru-RU" sz="3000" b="1" dirty="0" smtClean="0">
+              <a:rPr lang="ru-RU" sz="3000" b="1" dirty="0">
                 <a:latin typeface="Times New Roman" panose="02020603050405020304" pitchFamily="18" charset="0"/>
                 <a:cs typeface="Times New Roman" panose="02020603050405020304" pitchFamily="18" charset="0"/>
               </a:rPr>
@@ -3768,7 +3855,7 @@
         </p:nvSpPr>
         <p:spPr>
           <a:xfrm>
-            <a:off x="1046018" y="4505236"/>
+            <a:off x="419100" y="4505236"/>
             <a:ext cx="3193473" cy="923330"/>
           </a:xfrm>
           <a:prstGeom prst="rect">
@@ -3783,8 +3870,7 @@
           <a:p>
             <a:pPr marL="22860"/>
             <a:r>
-              <a:rPr lang="ru-RU" dirty="0" smtClean="0">
-                <a:effectLst/>
+              <a:rPr lang="ru-RU" dirty="0">
                 <a:latin typeface="Times New Roman" panose="02020603050405020304" pitchFamily="18" charset="0"/>
                 <a:cs typeface="Times New Roman" panose="02020603050405020304" pitchFamily="18" charset="0"/>
               </a:rPr>
@@ -3794,16 +3880,14 @@
           <a:p>
             <a:pPr marL="22860"/>
             <a:r>
-              <a:rPr lang="ru-RU" dirty="0" smtClean="0">
-                <a:effectLst/>
+              <a:rPr lang="ru-RU" dirty="0">
                 <a:latin typeface="Times New Roman" panose="02020603050405020304" pitchFamily="18" charset="0"/>
                 <a:cs typeface="Times New Roman" panose="02020603050405020304" pitchFamily="18" charset="0"/>
               </a:rPr>
               <a:t>доцент кафедры СП, к.ф.-м.н.,</a:t>
             </a:r>
             <a:r>
-              <a:rPr lang="en-US" dirty="0" smtClean="0">
-                <a:effectLst/>
+              <a:rPr lang="en-US" dirty="0">
                 <a:latin typeface="Times New Roman" panose="02020603050405020304" pitchFamily="18" charset="0"/>
                 <a:cs typeface="Times New Roman" panose="02020603050405020304" pitchFamily="18" charset="0"/>
               </a:rPr>
@@ -3813,40 +3897,26 @@
           <a:p>
             <a:pPr marL="22860"/>
             <a:r>
-              <a:rPr lang="ru-RU" dirty="0" smtClean="0">
-                <a:latin typeface="Times New Roman" panose="02020603050405020304" pitchFamily="18" charset="0"/>
-                <a:cs typeface="Times New Roman" panose="02020603050405020304" pitchFamily="18" charset="0"/>
-              </a:rPr>
-              <a:t>д</a:t>
-            </a:r>
-            <a:r>
-              <a:rPr lang="ru-RU" dirty="0" smtClean="0">
-                <a:effectLst/>
-                <a:latin typeface="Times New Roman" panose="02020603050405020304" pitchFamily="18" charset="0"/>
-                <a:cs typeface="Times New Roman" panose="02020603050405020304" pitchFamily="18" charset="0"/>
-              </a:rPr>
-              <a:t>оцент</a:t>
-            </a:r>
-            <a:r>
-              <a:rPr lang="en-US" dirty="0" smtClean="0">
+              <a:rPr lang="ru-RU" dirty="0">
+                <a:latin typeface="Times New Roman" panose="02020603050405020304" pitchFamily="18" charset="0"/>
+                <a:cs typeface="Times New Roman" panose="02020603050405020304" pitchFamily="18" charset="0"/>
+              </a:rPr>
+              <a:t>доцент</a:t>
+            </a:r>
+            <a:r>
+              <a:rPr lang="en-US" dirty="0">
                 <a:latin typeface="Times New Roman" panose="02020603050405020304" pitchFamily="18" charset="0"/>
                 <a:cs typeface="Times New Roman" panose="02020603050405020304" pitchFamily="18" charset="0"/>
               </a:rPr>
               <a:t> </a:t>
             </a:r>
             <a:r>
-              <a:rPr lang="ru-RU" dirty="0" smtClean="0">
-                <a:effectLst/>
+              <a:rPr lang="ru-RU" dirty="0">
                 <a:latin typeface="Times New Roman" panose="02020603050405020304" pitchFamily="18" charset="0"/>
                 <a:cs typeface="Times New Roman" panose="02020603050405020304" pitchFamily="18" charset="0"/>
               </a:rPr>
               <a:t>Г.И. Радченко</a:t>
             </a:r>
-            <a:endParaRPr lang="ru-RU" dirty="0">
-              <a:effectLst/>
-              <a:latin typeface="Times New Roman" panose="02020603050405020304" pitchFamily="18" charset="0"/>
-              <a:cs typeface="Times New Roman" panose="02020603050405020304" pitchFamily="18" charset="0"/>
-            </a:endParaRPr>
           </a:p>
         </p:txBody>
       </p:sp>
@@ -3858,8 +3928,8 @@
         </p:nvSpPr>
         <p:spPr>
           <a:xfrm>
-            <a:off x="8451273" y="4505236"/>
-            <a:ext cx="3546764" cy="923330"/>
+            <a:off x="6123710" y="4505236"/>
+            <a:ext cx="2618508" cy="923330"/>
           </a:xfrm>
           <a:prstGeom prst="rect">
             <a:avLst/>
@@ -3873,23 +3943,20 @@
           <a:p>
             <a:pPr marL="22860"/>
             <a:r>
-              <a:rPr lang="ru-RU" dirty="0" smtClean="0">
-                <a:effectLst/>
+              <a:rPr lang="ru-RU" dirty="0">
                 <a:latin typeface="Times New Roman" panose="02020603050405020304" pitchFamily="18" charset="0"/>
                 <a:cs typeface="Times New Roman" panose="02020603050405020304" pitchFamily="18" charset="0"/>
               </a:rPr>
               <a:t>Автор:</a:t>
             </a:r>
             <a:br>
-              <a:rPr lang="ru-RU" dirty="0" smtClean="0">
-                <a:effectLst/>
+              <a:rPr lang="ru-RU" dirty="0">
                 <a:latin typeface="Times New Roman" panose="02020603050405020304" pitchFamily="18" charset="0"/>
                 <a:cs typeface="Times New Roman" panose="02020603050405020304" pitchFamily="18" charset="0"/>
               </a:rPr>
             </a:br>
             <a:r>
-              <a:rPr lang="ru-RU" dirty="0" smtClean="0">
-                <a:effectLst/>
+              <a:rPr lang="ru-RU" dirty="0">
                 <a:latin typeface="Times New Roman" panose="02020603050405020304" pitchFamily="18" charset="0"/>
                 <a:cs typeface="Times New Roman" panose="02020603050405020304" pitchFamily="18" charset="0"/>
               </a:rPr>
@@ -3899,18 +3966,12 @@
           <a:p>
             <a:pPr marL="22860"/>
             <a:r>
-              <a:rPr lang="ru-RU" dirty="0" smtClean="0">
-                <a:effectLst/>
+              <a:rPr lang="ru-RU" dirty="0">
                 <a:latin typeface="Times New Roman" panose="02020603050405020304" pitchFamily="18" charset="0"/>
                 <a:cs typeface="Times New Roman" panose="02020603050405020304" pitchFamily="18" charset="0"/>
               </a:rPr>
               <a:t>В.О. Богатырева</a:t>
             </a:r>
-            <a:endParaRPr lang="ru-RU" dirty="0">
-              <a:effectLst/>
-              <a:latin typeface="Times New Roman" panose="02020603050405020304" pitchFamily="18" charset="0"/>
-              <a:cs typeface="Times New Roman" panose="02020603050405020304" pitchFamily="18" charset="0"/>
-            </a:endParaRPr>
           </a:p>
         </p:txBody>
       </p:sp>
@@ -3922,7 +3983,7 @@
         </p:nvSpPr>
         <p:spPr>
           <a:xfrm>
-            <a:off x="5136572" y="6389454"/>
+            <a:off x="3612573" y="6389454"/>
             <a:ext cx="1918855" cy="338554"/>
           </a:xfrm>
           <a:prstGeom prst="rect">
@@ -3937,18 +3998,12 @@
           <a:p>
             <a:pPr marL="22860"/>
             <a:r>
-              <a:rPr lang="ru-RU" sz="1600" dirty="0" smtClean="0">
-                <a:effectLst/>
+              <a:rPr lang="ru-RU" sz="1600" dirty="0">
                 <a:latin typeface="Times New Roman" panose="02020603050405020304" pitchFamily="18" charset="0"/>
                 <a:cs typeface="Times New Roman" panose="02020603050405020304" pitchFamily="18" charset="0"/>
               </a:rPr>
               <a:t>Челябинск, 2023 г.</a:t>
             </a:r>
-            <a:endParaRPr lang="ru-RU" sz="1600" dirty="0">
-              <a:effectLst/>
-              <a:latin typeface="Times New Roman" panose="02020603050405020304" pitchFamily="18" charset="0"/>
-              <a:cs typeface="Times New Roman" panose="02020603050405020304" pitchFamily="18" charset="0"/>
-            </a:endParaRPr>
           </a:p>
         </p:txBody>
       </p:sp>
@@ -4001,25 +4056,45 @@
         </p:nvSpPr>
         <p:spPr>
           <a:xfrm>
-            <a:off x="838198" y="221673"/>
-            <a:ext cx="10515600" cy="895639"/>
+            <a:off x="0" y="221674"/>
+            <a:ext cx="9144000" cy="895639"/>
           </a:xfrm>
         </p:spPr>
         <p:txBody>
           <a:bodyPr>
-            <a:normAutofit fontScale="90000"/>
+            <a:noAutofit/>
           </a:bodyPr>
           <a:lstStyle/>
           <a:p>
             <a:pPr algn="ctr"/>
             <a:r>
-              <a:rPr lang="ru-RU" sz="3600" b="1" dirty="0" smtClean="0">
-                <a:latin typeface="Times New Roman" panose="02020603050405020304" pitchFamily="18" charset="0"/>
-                <a:cs typeface="Times New Roman" panose="02020603050405020304" pitchFamily="18" charset="0"/>
-              </a:rPr>
-              <a:t>ДИАГРАММА КОМПОНЕНТОВ ВЕБ-ИНТЕРФЕЙСА</a:t>
-            </a:r>
-            <a:endParaRPr lang="ru-RU" sz="3600" b="1" dirty="0">
+              <a:rPr lang="ru-RU" sz="3000" b="1" dirty="0">
+                <a:latin typeface="Times New Roman" panose="02020603050405020304" pitchFamily="18" charset="0"/>
+                <a:cs typeface="Times New Roman" panose="02020603050405020304" pitchFamily="18" charset="0"/>
+              </a:rPr>
+              <a:t>ДИАГРАММА КОМПОНЕНТОВ </a:t>
+            </a:r>
+            <a:r>
+              <a:rPr lang="ru-RU" sz="3000" b="1" dirty="0" smtClean="0">
+                <a:latin typeface="Times New Roman" panose="02020603050405020304" pitchFamily="18" charset="0"/>
+                <a:cs typeface="Times New Roman" panose="02020603050405020304" pitchFamily="18" charset="0"/>
+              </a:rPr>
+              <a:t/>
+            </a:r>
+            <a:br>
+              <a:rPr lang="ru-RU" sz="3000" b="1" dirty="0" smtClean="0">
+                <a:latin typeface="Times New Roman" panose="02020603050405020304" pitchFamily="18" charset="0"/>
+                <a:cs typeface="Times New Roman" panose="02020603050405020304" pitchFamily="18" charset="0"/>
+              </a:rPr>
+            </a:br>
+            <a:r>
+              <a:rPr lang="ru-RU" sz="3000" b="1" dirty="0" smtClean="0">
+                <a:latin typeface="Times New Roman" panose="02020603050405020304" pitchFamily="18" charset="0"/>
+                <a:cs typeface="Times New Roman" panose="02020603050405020304" pitchFamily="18" charset="0"/>
+              </a:rPr>
+              <a:t>ВЕБ-ИНТЕРФЕЙСА</a:t>
+            </a:r>
+            <a:endParaRPr lang="ru-RU" sz="3000" b="1" dirty="0">
               <a:latin typeface="Times New Roman" panose="02020603050405020304" pitchFamily="18" charset="0"/>
               <a:cs typeface="Times New Roman" panose="02020603050405020304" pitchFamily="18" charset="0"/>
             </a:endParaRPr>
@@ -4051,8 +4126,8 @@
         </p:blipFill>
         <p:spPr bwMode="auto">
           <a:xfrm>
-            <a:off x="2378000" y="1662968"/>
-            <a:ext cx="7435995" cy="3903456"/>
+            <a:off x="1057382" y="1881081"/>
+            <a:ext cx="7029235" cy="3689931"/>
           </a:xfrm>
           <a:prstGeom prst="rect">
             <a:avLst/>
@@ -4077,7 +4152,7 @@
         </p:nvSpPr>
         <p:spPr>
           <a:xfrm>
-            <a:off x="11111345" y="6334780"/>
+            <a:off x="7883236" y="6334781"/>
             <a:ext cx="1080656" cy="430887"/>
           </a:xfrm>
           <a:prstGeom prst="rect">
@@ -4186,29 +4261,25 @@
           </a:lstStyle>
           <a:p>
             <a:r>
-              <a:rPr lang="ru-RU" sz="2200" dirty="0" smtClean="0">
+              <a:rPr lang="ru-RU" sz="2200" dirty="0">
                 <a:latin typeface="Times New Roman" panose="02020603050405020304" pitchFamily="18" charset="0"/>
                 <a:cs typeface="Times New Roman" panose="02020603050405020304" pitchFamily="18" charset="0"/>
               </a:rPr>
               <a:t>10/18</a:t>
             </a:r>
-            <a:endParaRPr lang="ru-RU" sz="2200" dirty="0">
-              <a:latin typeface="Times New Roman" panose="02020603050405020304" pitchFamily="18" charset="0"/>
-              <a:cs typeface="Times New Roman" panose="02020603050405020304" pitchFamily="18" charset="0"/>
-            </a:endParaRPr>
-          </a:p>
-        </p:txBody>
-      </p:sp>
-      <p:sp>
-        <p:nvSpPr>
-          <p:cNvPr id="7" name="Прямоугольник 6"/>
+          </a:p>
+        </p:txBody>
+      </p:sp>
+      <p:sp>
+        <p:nvSpPr>
+          <p:cNvPr id="6" name="Прямоугольник 5"/>
           <p:cNvSpPr/>
           <p:nvPr/>
         </p:nvSpPr>
         <p:spPr>
           <a:xfrm>
-            <a:off x="117062" y="6334780"/>
-            <a:ext cx="3100529" cy="430887"/>
+            <a:off x="0" y="5981495"/>
+            <a:ext cx="2826415" cy="400110"/>
           </a:xfrm>
           <a:prstGeom prst="rect">
             <a:avLst/>
@@ -4221,11 +4292,42 @@
           <a:lstStyle/>
           <a:p>
             <a:r>
-              <a:rPr lang="ru-RU" sz="2200" dirty="0">
+              <a:rPr lang="ru-RU" sz="2000" dirty="0">
                 <a:latin typeface="Times New Roman" panose="02020603050405020304" pitchFamily="18" charset="0"/>
                 <a:cs typeface="Times New Roman" panose="02020603050405020304" pitchFamily="18" charset="0"/>
               </a:rPr>
               <a:t>http://veronijo.beget.tech/</a:t>
+            </a:r>
+          </a:p>
+        </p:txBody>
+      </p:sp>
+      <p:sp>
+        <p:nvSpPr>
+          <p:cNvPr id="8" name="Прямоугольник 7"/>
+          <p:cNvSpPr/>
+          <p:nvPr/>
+        </p:nvSpPr>
+        <p:spPr>
+          <a:xfrm>
+            <a:off x="0" y="6362992"/>
+            <a:ext cx="4410759" cy="400110"/>
+          </a:xfrm>
+          <a:prstGeom prst="rect">
+            <a:avLst/>
+          </a:prstGeom>
+        </p:spPr>
+        <p:txBody>
+          <a:bodyPr wrap="none">
+            <a:spAutoFit/>
+          </a:bodyPr>
+          <a:lstStyle/>
+          <a:p>
+            <a:r>
+              <a:rPr lang="ru-RU" sz="2000" dirty="0">
+                <a:latin typeface="Times New Roman" panose="02020603050405020304" pitchFamily="18" charset="0"/>
+                <a:cs typeface="Times New Roman" panose="02020603050405020304" pitchFamily="18" charset="0"/>
+              </a:rPr>
+              <a:t>https://github.com/wbogatyrewa/EVoting</a:t>
             </a:r>
           </a:p>
         </p:txBody>
@@ -4279,8 +4381,8 @@
         </p:nvSpPr>
         <p:spPr>
           <a:xfrm>
-            <a:off x="838198" y="22077"/>
-            <a:ext cx="10515600" cy="895639"/>
+            <a:off x="0" y="22078"/>
+            <a:ext cx="9144000" cy="895639"/>
           </a:xfrm>
         </p:spPr>
         <p:txBody>
@@ -4291,16 +4393,12 @@
           <a:p>
             <a:pPr algn="ctr"/>
             <a:r>
-              <a:rPr lang="ru-RU" sz="3600" b="1" dirty="0" smtClean="0">
+              <a:rPr lang="ru-RU" sz="3600" b="1" dirty="0">
                 <a:latin typeface="Times New Roman" panose="02020603050405020304" pitchFamily="18" charset="0"/>
                 <a:cs typeface="Times New Roman" panose="02020603050405020304" pitchFamily="18" charset="0"/>
               </a:rPr>
               <a:t>СОЗДАНИЕ ГОЛОСОВАНИЯ</a:t>
             </a:r>
-            <a:endParaRPr lang="ru-RU" sz="3600" b="1" dirty="0">
-              <a:latin typeface="Times New Roman" panose="02020603050405020304" pitchFamily="18" charset="0"/>
-              <a:cs typeface="Times New Roman" panose="02020603050405020304" pitchFamily="18" charset="0"/>
-            </a:endParaRPr>
           </a:p>
         </p:txBody>
       </p:sp>
@@ -4329,8 +4427,8 @@
         </p:blipFill>
         <p:spPr bwMode="auto">
           <a:xfrm>
-            <a:off x="1013423" y="800037"/>
-            <a:ext cx="10165150" cy="5652423"/>
+            <a:off x="165316" y="917717"/>
+            <a:ext cx="8813367" cy="4900752"/>
           </a:xfrm>
           <a:prstGeom prst="rect">
             <a:avLst/>
@@ -4355,7 +4453,7 @@
         </p:nvSpPr>
         <p:spPr>
           <a:xfrm>
-            <a:off x="11062851" y="6427112"/>
+            <a:off x="8063344" y="6351098"/>
             <a:ext cx="1080656" cy="430887"/>
           </a:xfrm>
           <a:prstGeom prst="rect">
@@ -4464,29 +4562,25 @@
           </a:lstStyle>
           <a:p>
             <a:r>
-              <a:rPr lang="ru-RU" sz="2200" dirty="0" smtClean="0">
+              <a:rPr lang="ru-RU" sz="2200" dirty="0">
                 <a:latin typeface="Times New Roman" panose="02020603050405020304" pitchFamily="18" charset="0"/>
                 <a:cs typeface="Times New Roman" panose="02020603050405020304" pitchFamily="18" charset="0"/>
               </a:rPr>
               <a:t>11/18</a:t>
             </a:r>
-            <a:endParaRPr lang="ru-RU" sz="2200" dirty="0">
-              <a:latin typeface="Times New Roman" panose="02020603050405020304" pitchFamily="18" charset="0"/>
-              <a:cs typeface="Times New Roman" panose="02020603050405020304" pitchFamily="18" charset="0"/>
-            </a:endParaRPr>
-          </a:p>
-        </p:txBody>
-      </p:sp>
-      <p:sp>
-        <p:nvSpPr>
-          <p:cNvPr id="5" name="Прямоугольник 4"/>
+          </a:p>
+        </p:txBody>
+      </p:sp>
+      <p:sp>
+        <p:nvSpPr>
+          <p:cNvPr id="7" name="Прямоугольник 6"/>
           <p:cNvSpPr/>
           <p:nvPr/>
         </p:nvSpPr>
         <p:spPr>
           <a:xfrm>
-            <a:off x="103208" y="6427113"/>
-            <a:ext cx="3100529" cy="430887"/>
+            <a:off x="0" y="5981495"/>
+            <a:ext cx="2826415" cy="400110"/>
           </a:xfrm>
           <a:prstGeom prst="rect">
             <a:avLst/>
@@ -4499,11 +4593,42 @@
           <a:lstStyle/>
           <a:p>
             <a:r>
-              <a:rPr lang="ru-RU" sz="2200" dirty="0">
+              <a:rPr lang="ru-RU" sz="2000" dirty="0">
                 <a:latin typeface="Times New Roman" panose="02020603050405020304" pitchFamily="18" charset="0"/>
                 <a:cs typeface="Times New Roman" panose="02020603050405020304" pitchFamily="18" charset="0"/>
               </a:rPr>
               <a:t>http://veronijo.beget.tech/</a:t>
+            </a:r>
+          </a:p>
+        </p:txBody>
+      </p:sp>
+      <p:sp>
+        <p:nvSpPr>
+          <p:cNvPr id="8" name="Прямоугольник 7"/>
+          <p:cNvSpPr/>
+          <p:nvPr/>
+        </p:nvSpPr>
+        <p:spPr>
+          <a:xfrm>
+            <a:off x="0" y="6362992"/>
+            <a:ext cx="4410759" cy="400110"/>
+          </a:xfrm>
+          <a:prstGeom prst="rect">
+            <a:avLst/>
+          </a:prstGeom>
+        </p:spPr>
+        <p:txBody>
+          <a:bodyPr wrap="none">
+            <a:spAutoFit/>
+          </a:bodyPr>
+          <a:lstStyle/>
+          <a:p>
+            <a:r>
+              <a:rPr lang="ru-RU" sz="2000" dirty="0">
+                <a:latin typeface="Times New Roman" panose="02020603050405020304" pitchFamily="18" charset="0"/>
+                <a:cs typeface="Times New Roman" panose="02020603050405020304" pitchFamily="18" charset="0"/>
+              </a:rPr>
+              <a:t>https://github.com/wbogatyrewa/EVoting</a:t>
             </a:r>
           </a:p>
         </p:txBody>
@@ -4557,8 +4682,8 @@
         </p:nvSpPr>
         <p:spPr>
           <a:xfrm>
-            <a:off x="838200" y="0"/>
-            <a:ext cx="10515600" cy="895639"/>
+            <a:off x="0" y="1"/>
+            <a:ext cx="9144000" cy="895639"/>
           </a:xfrm>
         </p:spPr>
         <p:txBody>
@@ -4569,16 +4694,12 @@
           <a:p>
             <a:pPr algn="ctr"/>
             <a:r>
-              <a:rPr lang="ru-RU" sz="3600" b="1" dirty="0" smtClean="0">
+              <a:rPr lang="ru-RU" sz="3600" b="1" dirty="0">
                 <a:latin typeface="Times New Roman" panose="02020603050405020304" pitchFamily="18" charset="0"/>
                 <a:cs typeface="Times New Roman" panose="02020603050405020304" pitchFamily="18" charset="0"/>
               </a:rPr>
               <a:t>СРЕДСТВА РЕАЛИЗАЦИИ</a:t>
             </a:r>
-            <a:endParaRPr lang="ru-RU" sz="3600" b="1" dirty="0">
-              <a:latin typeface="Times New Roman" panose="02020603050405020304" pitchFamily="18" charset="0"/>
-              <a:cs typeface="Times New Roman" panose="02020603050405020304" pitchFamily="18" charset="0"/>
-            </a:endParaRPr>
           </a:p>
         </p:txBody>
       </p:sp>
@@ -4594,13 +4715,13 @@
         </p:nvSpPr>
         <p:spPr>
           <a:xfrm>
-            <a:off x="838200" y="721096"/>
-            <a:ext cx="10515600" cy="5611092"/>
+            <a:off x="332508" y="721096"/>
+            <a:ext cx="8215747" cy="5611092"/>
           </a:xfrm>
         </p:spPr>
         <p:txBody>
           <a:bodyPr>
-            <a:normAutofit fontScale="70000" lnSpcReduction="20000"/>
+            <a:normAutofit fontScale="62500" lnSpcReduction="20000"/>
           </a:bodyPr>
           <a:lstStyle/>
           <a:p>
@@ -5078,7 +5199,7 @@
         </p:nvSpPr>
         <p:spPr>
           <a:xfrm>
-            <a:off x="11111344" y="6434737"/>
+            <a:off x="8063344" y="6427113"/>
             <a:ext cx="1080656" cy="430887"/>
           </a:xfrm>
           <a:prstGeom prst="rect">
@@ -5187,47 +5308,85 @@
           </a:lstStyle>
           <a:p>
             <a:r>
-              <a:rPr lang="ru-RU" sz="2200" dirty="0" smtClean="0">
+              <a:rPr lang="ru-RU" sz="2200" dirty="0">
                 <a:latin typeface="Times New Roman" panose="02020603050405020304" pitchFamily="18" charset="0"/>
                 <a:cs typeface="Times New Roman" panose="02020603050405020304" pitchFamily="18" charset="0"/>
               </a:rPr>
               <a:t>12/18</a:t>
             </a:r>
-            <a:endParaRPr lang="ru-RU" sz="2200" dirty="0">
+          </a:p>
+        </p:txBody>
+      </p:sp>
+      <p:sp>
+        <p:nvSpPr>
+          <p:cNvPr id="7" name="Прямоугольник 6"/>
+          <p:cNvSpPr/>
+          <p:nvPr/>
+        </p:nvSpPr>
+        <p:spPr>
+          <a:xfrm>
+            <a:off x="0" y="6194985"/>
+            <a:ext cx="2569934" cy="369332"/>
+          </a:xfrm>
+          <a:prstGeom prst="rect">
+            <a:avLst/>
+          </a:prstGeom>
+        </p:spPr>
+        <p:txBody>
+          <a:bodyPr wrap="none">
+            <a:spAutoFit/>
+          </a:bodyPr>
+          <a:lstStyle/>
+          <a:p>
+            <a:r>
+              <a:rPr lang="ru-RU" dirty="0">
+                <a:latin typeface="Times New Roman" panose="02020603050405020304" pitchFamily="18" charset="0"/>
+                <a:cs typeface="Times New Roman" panose="02020603050405020304" pitchFamily="18" charset="0"/>
+              </a:rPr>
+              <a:t>http://veronijo.beget.tech/</a:t>
+            </a:r>
+          </a:p>
+        </p:txBody>
+      </p:sp>
+      <p:sp>
+        <p:nvSpPr>
+          <p:cNvPr id="8" name="Прямоугольник 7"/>
+          <p:cNvSpPr/>
+          <p:nvPr/>
+        </p:nvSpPr>
+        <p:spPr>
+          <a:xfrm>
+            <a:off x="0" y="6513630"/>
+            <a:ext cx="4063035" cy="400110"/>
+          </a:xfrm>
+          <a:prstGeom prst="rect">
+            <a:avLst/>
+          </a:prstGeom>
+        </p:spPr>
+        <p:txBody>
+          <a:bodyPr wrap="none">
+            <a:spAutoFit/>
+          </a:bodyPr>
+          <a:lstStyle/>
+          <a:p>
+            <a:r>
+              <a:rPr lang="ru-RU" sz="2000" dirty="0">
+                <a:latin typeface="Times New Roman" panose="02020603050405020304" pitchFamily="18" charset="0"/>
+                <a:cs typeface="Times New Roman" panose="02020603050405020304" pitchFamily="18" charset="0"/>
+              </a:rPr>
+              <a:t>https://</a:t>
+            </a:r>
+            <a:r>
+              <a:rPr lang="ru-RU" dirty="0">
+                <a:latin typeface="Times New Roman" panose="02020603050405020304" pitchFamily="18" charset="0"/>
+                <a:cs typeface="Times New Roman" panose="02020603050405020304" pitchFamily="18" charset="0"/>
+              </a:rPr>
+              <a:t>github.com/wbogatyrewa/EVoting</a:t>
+            </a:r>
+            <a:endParaRPr lang="ru-RU" sz="2000" dirty="0">
               <a:latin typeface="Times New Roman" panose="02020603050405020304" pitchFamily="18" charset="0"/>
               <a:cs typeface="Times New Roman" panose="02020603050405020304" pitchFamily="18" charset="0"/>
             </a:endParaRPr>
-          </a:p>
-        </p:txBody>
-      </p:sp>
-      <p:sp>
-        <p:nvSpPr>
-          <p:cNvPr id="6" name="Прямоугольник 5"/>
-          <p:cNvSpPr/>
-          <p:nvPr/>
-        </p:nvSpPr>
-        <p:spPr>
-          <a:xfrm>
-            <a:off x="0" y="6434738"/>
-            <a:ext cx="3100529" cy="430887"/>
-          </a:xfrm>
-          <a:prstGeom prst="rect">
-            <a:avLst/>
-          </a:prstGeom>
-        </p:spPr>
-        <p:txBody>
-          <a:bodyPr wrap="none">
-            <a:spAutoFit/>
-          </a:bodyPr>
-          <a:lstStyle/>
-          <a:p>
-            <a:r>
-              <a:rPr lang="ru-RU" sz="2200" dirty="0">
-                <a:latin typeface="Times New Roman" panose="02020603050405020304" pitchFamily="18" charset="0"/>
-                <a:cs typeface="Times New Roman" panose="02020603050405020304" pitchFamily="18" charset="0"/>
-              </a:rPr>
-              <a:t>http://veronijo.beget.tech/</a:t>
-            </a:r>
           </a:p>
         </p:txBody>
       </p:sp>
@@ -5280,8 +5439,8 @@
         </p:nvSpPr>
         <p:spPr>
           <a:xfrm>
-            <a:off x="838200" y="0"/>
-            <a:ext cx="10515600" cy="895639"/>
+            <a:off x="0" y="1"/>
+            <a:ext cx="9144000" cy="895639"/>
           </a:xfrm>
         </p:spPr>
         <p:txBody>
@@ -5292,16 +5451,12 @@
           <a:p>
             <a:pPr algn="ctr"/>
             <a:r>
-              <a:rPr lang="ru-RU" sz="3600" b="1" dirty="0" smtClean="0">
+              <a:rPr lang="ru-RU" sz="3600" b="1" dirty="0">
                 <a:latin typeface="Times New Roman" panose="02020603050405020304" pitchFamily="18" charset="0"/>
                 <a:cs typeface="Times New Roman" panose="02020603050405020304" pitchFamily="18" charset="0"/>
               </a:rPr>
               <a:t>ГЛАВНАЯ СТРАНИЦА</a:t>
             </a:r>
-            <a:endParaRPr lang="ru-RU" sz="3600" b="1" dirty="0">
-              <a:latin typeface="Times New Roman" panose="02020603050405020304" pitchFamily="18" charset="0"/>
-              <a:cs typeface="Times New Roman" panose="02020603050405020304" pitchFamily="18" charset="0"/>
-            </a:endParaRPr>
           </a:p>
         </p:txBody>
       </p:sp>
@@ -5323,8 +5478,8 @@
         </p:blipFill>
         <p:spPr>
           <a:xfrm>
-            <a:off x="1041631" y="895639"/>
-            <a:ext cx="10312169" cy="5200361"/>
+            <a:off x="286934" y="992623"/>
+            <a:ext cx="8581358" cy="4327524"/>
           </a:xfrm>
           <a:prstGeom prst="rect">
             <a:avLst/>
@@ -5350,7 +5505,7 @@
         </p:nvSpPr>
         <p:spPr>
           <a:xfrm>
-            <a:off x="11111345" y="6334780"/>
+            <a:off x="7924799" y="6334781"/>
             <a:ext cx="1080656" cy="430887"/>
           </a:xfrm>
           <a:prstGeom prst="rect">
@@ -5459,29 +5614,25 @@
           </a:lstStyle>
           <a:p>
             <a:r>
-              <a:rPr lang="ru-RU" sz="2200" dirty="0" smtClean="0">
+              <a:rPr lang="ru-RU" sz="2200" dirty="0">
                 <a:latin typeface="Times New Roman" panose="02020603050405020304" pitchFamily="18" charset="0"/>
                 <a:cs typeface="Times New Roman" panose="02020603050405020304" pitchFamily="18" charset="0"/>
               </a:rPr>
               <a:t>13/18</a:t>
             </a:r>
-            <a:endParaRPr lang="ru-RU" sz="2200" dirty="0">
-              <a:latin typeface="Times New Roman" panose="02020603050405020304" pitchFamily="18" charset="0"/>
-              <a:cs typeface="Times New Roman" panose="02020603050405020304" pitchFamily="18" charset="0"/>
-            </a:endParaRPr>
-          </a:p>
-        </p:txBody>
-      </p:sp>
-      <p:sp>
-        <p:nvSpPr>
-          <p:cNvPr id="6" name="Прямоугольник 5"/>
+          </a:p>
+        </p:txBody>
+      </p:sp>
+      <p:sp>
+        <p:nvSpPr>
+          <p:cNvPr id="7" name="Прямоугольник 6"/>
           <p:cNvSpPr/>
           <p:nvPr/>
         </p:nvSpPr>
         <p:spPr>
           <a:xfrm>
-            <a:off x="117062" y="6334780"/>
-            <a:ext cx="3100529" cy="430887"/>
+            <a:off x="0" y="5981495"/>
+            <a:ext cx="2826415" cy="400110"/>
           </a:xfrm>
           <a:prstGeom prst="rect">
             <a:avLst/>
@@ -5494,11 +5645,42 @@
           <a:lstStyle/>
           <a:p>
             <a:r>
-              <a:rPr lang="ru-RU" sz="2200" dirty="0">
+              <a:rPr lang="ru-RU" sz="2000" dirty="0">
                 <a:latin typeface="Times New Roman" panose="02020603050405020304" pitchFamily="18" charset="0"/>
                 <a:cs typeface="Times New Roman" panose="02020603050405020304" pitchFamily="18" charset="0"/>
               </a:rPr>
               <a:t>http://veronijo.beget.tech/</a:t>
+            </a:r>
+          </a:p>
+        </p:txBody>
+      </p:sp>
+      <p:sp>
+        <p:nvSpPr>
+          <p:cNvPr id="8" name="Прямоугольник 7"/>
+          <p:cNvSpPr/>
+          <p:nvPr/>
+        </p:nvSpPr>
+        <p:spPr>
+          <a:xfrm>
+            <a:off x="0" y="6362992"/>
+            <a:ext cx="4410759" cy="400110"/>
+          </a:xfrm>
+          <a:prstGeom prst="rect">
+            <a:avLst/>
+          </a:prstGeom>
+        </p:spPr>
+        <p:txBody>
+          <a:bodyPr wrap="none">
+            <a:spAutoFit/>
+          </a:bodyPr>
+          <a:lstStyle/>
+          <a:p>
+            <a:r>
+              <a:rPr lang="ru-RU" sz="2000" dirty="0">
+                <a:latin typeface="Times New Roman" panose="02020603050405020304" pitchFamily="18" charset="0"/>
+                <a:cs typeface="Times New Roman" panose="02020603050405020304" pitchFamily="18" charset="0"/>
+              </a:rPr>
+              <a:t>https://github.com/wbogatyrewa/EVoting</a:t>
             </a:r>
           </a:p>
         </p:txBody>
@@ -5552,8 +5734,8 @@
         </p:nvSpPr>
         <p:spPr>
           <a:xfrm>
-            <a:off x="893619" y="0"/>
-            <a:ext cx="10515600" cy="895639"/>
+            <a:off x="-1" y="1"/>
+            <a:ext cx="9144001" cy="895639"/>
           </a:xfrm>
         </p:spPr>
         <p:txBody>
@@ -5564,16 +5746,12 @@
           <a:p>
             <a:pPr algn="ctr"/>
             <a:r>
-              <a:rPr lang="ru-RU" sz="3600" b="1" dirty="0" smtClean="0">
+              <a:rPr lang="ru-RU" sz="3600" b="1" dirty="0">
                 <a:latin typeface="Times New Roman" panose="02020603050405020304" pitchFamily="18" charset="0"/>
                 <a:cs typeface="Times New Roman" panose="02020603050405020304" pitchFamily="18" charset="0"/>
               </a:rPr>
               <a:t>АВТОРИЗАЦИЯ</a:t>
             </a:r>
-            <a:endParaRPr lang="ru-RU" sz="3600" b="1" dirty="0">
-              <a:latin typeface="Times New Roman" panose="02020603050405020304" pitchFamily="18" charset="0"/>
-              <a:cs typeface="Times New Roman" panose="02020603050405020304" pitchFamily="18" charset="0"/>
-            </a:endParaRPr>
           </a:p>
         </p:txBody>
       </p:sp>
@@ -5602,8 +5780,8 @@
         </p:blipFill>
         <p:spPr bwMode="auto">
           <a:xfrm>
-            <a:off x="1805503" y="895639"/>
-            <a:ext cx="4345916" cy="5073193"/>
+            <a:off x="669431" y="1096842"/>
+            <a:ext cx="3888715" cy="4539481"/>
           </a:xfrm>
           <a:prstGeom prst="rect">
             <a:avLst/>
@@ -5637,8 +5815,8 @@
         </p:blipFill>
         <p:spPr bwMode="auto">
           <a:xfrm>
-            <a:off x="6389759" y="895639"/>
-            <a:ext cx="4408964" cy="5073193"/>
+            <a:off x="4782631" y="1094508"/>
+            <a:ext cx="3947159" cy="4541815"/>
           </a:xfrm>
           <a:prstGeom prst="rect">
             <a:avLst/>
@@ -5665,7 +5843,7 @@
         </p:nvSpPr>
         <p:spPr>
           <a:xfrm>
-            <a:off x="11111345" y="6334780"/>
+            <a:off x="7938654" y="6334781"/>
             <a:ext cx="1080656" cy="430887"/>
           </a:xfrm>
           <a:prstGeom prst="rect">
@@ -5774,29 +5952,25 @@
           </a:lstStyle>
           <a:p>
             <a:r>
-              <a:rPr lang="ru-RU" sz="2200" dirty="0" smtClean="0">
+              <a:rPr lang="ru-RU" sz="2200" dirty="0">
                 <a:latin typeface="Times New Roman" panose="02020603050405020304" pitchFamily="18" charset="0"/>
                 <a:cs typeface="Times New Roman" panose="02020603050405020304" pitchFamily="18" charset="0"/>
               </a:rPr>
               <a:t>14/18</a:t>
             </a:r>
-            <a:endParaRPr lang="ru-RU" sz="2200" dirty="0">
-              <a:latin typeface="Times New Roman" panose="02020603050405020304" pitchFamily="18" charset="0"/>
-              <a:cs typeface="Times New Roman" panose="02020603050405020304" pitchFamily="18" charset="0"/>
-            </a:endParaRPr>
-          </a:p>
-        </p:txBody>
-      </p:sp>
-      <p:sp>
-        <p:nvSpPr>
-          <p:cNvPr id="8" name="Прямоугольник 7"/>
+          </a:p>
+        </p:txBody>
+      </p:sp>
+      <p:sp>
+        <p:nvSpPr>
+          <p:cNvPr id="9" name="Прямоугольник 8"/>
           <p:cNvSpPr/>
           <p:nvPr/>
         </p:nvSpPr>
         <p:spPr>
           <a:xfrm>
-            <a:off x="117062" y="6334780"/>
-            <a:ext cx="3100529" cy="430887"/>
+            <a:off x="0" y="5981495"/>
+            <a:ext cx="2826415" cy="400110"/>
           </a:xfrm>
           <a:prstGeom prst="rect">
             <a:avLst/>
@@ -5809,11 +5983,42 @@
           <a:lstStyle/>
           <a:p>
             <a:r>
-              <a:rPr lang="ru-RU" sz="2200" dirty="0">
+              <a:rPr lang="ru-RU" sz="2000" dirty="0">
                 <a:latin typeface="Times New Roman" panose="02020603050405020304" pitchFamily="18" charset="0"/>
                 <a:cs typeface="Times New Roman" panose="02020603050405020304" pitchFamily="18" charset="0"/>
               </a:rPr>
               <a:t>http://veronijo.beget.tech/</a:t>
+            </a:r>
+          </a:p>
+        </p:txBody>
+      </p:sp>
+      <p:sp>
+        <p:nvSpPr>
+          <p:cNvPr id="10" name="Прямоугольник 9"/>
+          <p:cNvSpPr/>
+          <p:nvPr/>
+        </p:nvSpPr>
+        <p:spPr>
+          <a:xfrm>
+            <a:off x="0" y="6362992"/>
+            <a:ext cx="4410759" cy="400110"/>
+          </a:xfrm>
+          <a:prstGeom prst="rect">
+            <a:avLst/>
+          </a:prstGeom>
+        </p:spPr>
+        <p:txBody>
+          <a:bodyPr wrap="none">
+            <a:spAutoFit/>
+          </a:bodyPr>
+          <a:lstStyle/>
+          <a:p>
+            <a:r>
+              <a:rPr lang="ru-RU" sz="2000" dirty="0">
+                <a:latin typeface="Times New Roman" panose="02020603050405020304" pitchFamily="18" charset="0"/>
+                <a:cs typeface="Times New Roman" panose="02020603050405020304" pitchFamily="18" charset="0"/>
+              </a:rPr>
+              <a:t>https://github.com/wbogatyrewa/EVoting</a:t>
             </a:r>
           </a:p>
         </p:txBody>
@@ -5867,28 +6072,24 @@
         </p:nvSpPr>
         <p:spPr>
           <a:xfrm>
-            <a:off x="838199" y="0"/>
-            <a:ext cx="10515600" cy="895639"/>
+            <a:off x="-1" y="1"/>
+            <a:ext cx="9144001" cy="895639"/>
           </a:xfrm>
         </p:spPr>
         <p:txBody>
           <a:bodyPr>
-            <a:normAutofit/>
+            <a:normAutofit fontScale="90000"/>
           </a:bodyPr>
           <a:lstStyle/>
           <a:p>
             <a:pPr algn="ctr"/>
             <a:r>
-              <a:rPr lang="ru-RU" sz="3600" b="1" dirty="0" smtClean="0">
+              <a:rPr lang="ru-RU" sz="3600" b="1" dirty="0">
                 <a:latin typeface="Times New Roman" panose="02020603050405020304" pitchFamily="18" charset="0"/>
                 <a:cs typeface="Times New Roman" panose="02020603050405020304" pitchFamily="18" charset="0"/>
               </a:rPr>
               <a:t>СТРАНИЦА СОЗДАНИЯ ГОЛОСОВАНИЯ</a:t>
             </a:r>
-            <a:endParaRPr lang="ru-RU" sz="3600" b="1" dirty="0">
-              <a:latin typeface="Times New Roman" panose="02020603050405020304" pitchFamily="18" charset="0"/>
-              <a:cs typeface="Times New Roman" panose="02020603050405020304" pitchFamily="18" charset="0"/>
-            </a:endParaRPr>
           </a:p>
         </p:txBody>
       </p:sp>
@@ -5910,8 +6111,8 @@
         </p:blipFill>
         <p:spPr>
           <a:xfrm>
-            <a:off x="954540" y="895639"/>
-            <a:ext cx="10282918" cy="5214216"/>
+            <a:off x="152399" y="1184366"/>
+            <a:ext cx="8839200" cy="4482143"/>
           </a:xfrm>
           <a:prstGeom prst="rect">
             <a:avLst/>
@@ -5937,7 +6138,7 @@
         </p:nvSpPr>
         <p:spPr>
           <a:xfrm>
-            <a:off x="11111345" y="6334780"/>
+            <a:off x="7910943" y="6334781"/>
             <a:ext cx="1080656" cy="430887"/>
           </a:xfrm>
           <a:prstGeom prst="rect">
@@ -6046,29 +6247,25 @@
           </a:lstStyle>
           <a:p>
             <a:r>
-              <a:rPr lang="ru-RU" sz="2200" dirty="0" smtClean="0">
+              <a:rPr lang="ru-RU" sz="2200" dirty="0">
                 <a:latin typeface="Times New Roman" panose="02020603050405020304" pitchFamily="18" charset="0"/>
                 <a:cs typeface="Times New Roman" panose="02020603050405020304" pitchFamily="18" charset="0"/>
               </a:rPr>
               <a:t>15/18</a:t>
             </a:r>
-            <a:endParaRPr lang="ru-RU" sz="2200" dirty="0">
-              <a:latin typeface="Times New Roman" panose="02020603050405020304" pitchFamily="18" charset="0"/>
-              <a:cs typeface="Times New Roman" panose="02020603050405020304" pitchFamily="18" charset="0"/>
-            </a:endParaRPr>
-          </a:p>
-        </p:txBody>
-      </p:sp>
-      <p:sp>
-        <p:nvSpPr>
-          <p:cNvPr id="5" name="Прямоугольник 4"/>
+          </a:p>
+        </p:txBody>
+      </p:sp>
+      <p:sp>
+        <p:nvSpPr>
+          <p:cNvPr id="6" name="Прямоугольник 5"/>
           <p:cNvSpPr/>
           <p:nvPr/>
         </p:nvSpPr>
         <p:spPr>
           <a:xfrm>
-            <a:off x="117062" y="6334780"/>
-            <a:ext cx="3100529" cy="430887"/>
+            <a:off x="0" y="5981495"/>
+            <a:ext cx="2826415" cy="400110"/>
           </a:xfrm>
           <a:prstGeom prst="rect">
             <a:avLst/>
@@ -6081,11 +6278,42 @@
           <a:lstStyle/>
           <a:p>
             <a:r>
-              <a:rPr lang="ru-RU" sz="2200" dirty="0">
+              <a:rPr lang="ru-RU" sz="2000" dirty="0">
                 <a:latin typeface="Times New Roman" panose="02020603050405020304" pitchFamily="18" charset="0"/>
                 <a:cs typeface="Times New Roman" panose="02020603050405020304" pitchFamily="18" charset="0"/>
               </a:rPr>
               <a:t>http://veronijo.beget.tech/</a:t>
+            </a:r>
+          </a:p>
+        </p:txBody>
+      </p:sp>
+      <p:sp>
+        <p:nvSpPr>
+          <p:cNvPr id="8" name="Прямоугольник 7"/>
+          <p:cNvSpPr/>
+          <p:nvPr/>
+        </p:nvSpPr>
+        <p:spPr>
+          <a:xfrm>
+            <a:off x="0" y="6362992"/>
+            <a:ext cx="4410759" cy="400110"/>
+          </a:xfrm>
+          <a:prstGeom prst="rect">
+            <a:avLst/>
+          </a:prstGeom>
+        </p:spPr>
+        <p:txBody>
+          <a:bodyPr wrap="none">
+            <a:spAutoFit/>
+          </a:bodyPr>
+          <a:lstStyle/>
+          <a:p>
+            <a:r>
+              <a:rPr lang="ru-RU" sz="2000" dirty="0">
+                <a:latin typeface="Times New Roman" panose="02020603050405020304" pitchFamily="18" charset="0"/>
+                <a:cs typeface="Times New Roman" panose="02020603050405020304" pitchFamily="18" charset="0"/>
+              </a:rPr>
+              <a:t>https://github.com/wbogatyrewa/EVoting</a:t>
             </a:r>
           </a:p>
         </p:txBody>
@@ -6139,8 +6367,8 @@
         </p:nvSpPr>
         <p:spPr>
           <a:xfrm>
-            <a:off x="838200" y="0"/>
-            <a:ext cx="10515600" cy="895639"/>
+            <a:off x="0" y="1"/>
+            <a:ext cx="9144000" cy="895639"/>
           </a:xfrm>
         </p:spPr>
         <p:txBody>
@@ -6151,16 +6379,12 @@
           <a:p>
             <a:pPr algn="ctr"/>
             <a:r>
-              <a:rPr lang="ru-RU" sz="3600" b="1" dirty="0" smtClean="0">
+              <a:rPr lang="ru-RU" sz="3600" b="1" dirty="0">
                 <a:latin typeface="Times New Roman" panose="02020603050405020304" pitchFamily="18" charset="0"/>
                 <a:cs typeface="Times New Roman" panose="02020603050405020304" pitchFamily="18" charset="0"/>
               </a:rPr>
               <a:t>СТРАНИЦА ГОЛОСОВАНИЯ</a:t>
             </a:r>
-            <a:endParaRPr lang="ru-RU" sz="3600" b="1" dirty="0">
-              <a:latin typeface="Times New Roman" panose="02020603050405020304" pitchFamily="18" charset="0"/>
-              <a:cs typeface="Times New Roman" panose="02020603050405020304" pitchFamily="18" charset="0"/>
-            </a:endParaRPr>
           </a:p>
         </p:txBody>
       </p:sp>
@@ -6182,8 +6406,8 @@
         </p:blipFill>
         <p:spPr>
           <a:xfrm>
-            <a:off x="1089025" y="895639"/>
-            <a:ext cx="10562648" cy="5281324"/>
+            <a:off x="256309" y="1210107"/>
+            <a:ext cx="8631382" cy="4315691"/>
           </a:xfrm>
           <a:prstGeom prst="rect">
             <a:avLst/>
@@ -6209,7 +6433,7 @@
         </p:nvSpPr>
         <p:spPr>
           <a:xfrm>
-            <a:off x="11111345" y="6334780"/>
+            <a:off x="7807035" y="6334781"/>
             <a:ext cx="1080656" cy="430887"/>
           </a:xfrm>
           <a:prstGeom prst="rect">
@@ -6318,29 +6542,25 @@
           </a:lstStyle>
           <a:p>
             <a:r>
-              <a:rPr lang="ru-RU" sz="2200" dirty="0" smtClean="0">
+              <a:rPr lang="ru-RU" sz="2200" dirty="0">
                 <a:latin typeface="Times New Roman" panose="02020603050405020304" pitchFamily="18" charset="0"/>
                 <a:cs typeface="Times New Roman" panose="02020603050405020304" pitchFamily="18" charset="0"/>
               </a:rPr>
               <a:t>16/18</a:t>
             </a:r>
-            <a:endParaRPr lang="ru-RU" sz="2200" dirty="0">
-              <a:latin typeface="Times New Roman" panose="02020603050405020304" pitchFamily="18" charset="0"/>
-              <a:cs typeface="Times New Roman" panose="02020603050405020304" pitchFamily="18" charset="0"/>
-            </a:endParaRPr>
-          </a:p>
-        </p:txBody>
-      </p:sp>
-      <p:sp>
-        <p:nvSpPr>
-          <p:cNvPr id="5" name="Прямоугольник 4"/>
+          </a:p>
+        </p:txBody>
+      </p:sp>
+      <p:sp>
+        <p:nvSpPr>
+          <p:cNvPr id="7" name="Прямоугольник 6"/>
           <p:cNvSpPr/>
           <p:nvPr/>
         </p:nvSpPr>
         <p:spPr>
           <a:xfrm>
-            <a:off x="117062" y="6334780"/>
-            <a:ext cx="3100529" cy="430887"/>
+            <a:off x="0" y="5981495"/>
+            <a:ext cx="2826415" cy="400110"/>
           </a:xfrm>
           <a:prstGeom prst="rect">
             <a:avLst/>
@@ -6353,11 +6573,42 @@
           <a:lstStyle/>
           <a:p>
             <a:r>
-              <a:rPr lang="ru-RU" sz="2200" dirty="0">
+              <a:rPr lang="ru-RU" sz="2000" dirty="0">
                 <a:latin typeface="Times New Roman" panose="02020603050405020304" pitchFamily="18" charset="0"/>
                 <a:cs typeface="Times New Roman" panose="02020603050405020304" pitchFamily="18" charset="0"/>
               </a:rPr>
               <a:t>http://veronijo.beget.tech/</a:t>
+            </a:r>
+          </a:p>
+        </p:txBody>
+      </p:sp>
+      <p:sp>
+        <p:nvSpPr>
+          <p:cNvPr id="8" name="Прямоугольник 7"/>
+          <p:cNvSpPr/>
+          <p:nvPr/>
+        </p:nvSpPr>
+        <p:spPr>
+          <a:xfrm>
+            <a:off x="0" y="6362992"/>
+            <a:ext cx="4410759" cy="400110"/>
+          </a:xfrm>
+          <a:prstGeom prst="rect">
+            <a:avLst/>
+          </a:prstGeom>
+        </p:spPr>
+        <p:txBody>
+          <a:bodyPr wrap="none">
+            <a:spAutoFit/>
+          </a:bodyPr>
+          <a:lstStyle/>
+          <a:p>
+            <a:r>
+              <a:rPr lang="ru-RU" sz="2000" dirty="0">
+                <a:latin typeface="Times New Roman" panose="02020603050405020304" pitchFamily="18" charset="0"/>
+                <a:cs typeface="Times New Roman" panose="02020603050405020304" pitchFamily="18" charset="0"/>
+              </a:rPr>
+              <a:t>https://github.com/wbogatyrewa/EVoting</a:t>
             </a:r>
           </a:p>
         </p:txBody>
@@ -6411,8 +6662,8 @@
         </p:nvSpPr>
         <p:spPr>
           <a:xfrm>
-            <a:off x="838200" y="365125"/>
-            <a:ext cx="10515600" cy="895639"/>
+            <a:off x="0" y="365126"/>
+            <a:ext cx="9144000" cy="895639"/>
           </a:xfrm>
         </p:spPr>
         <p:txBody>
@@ -6423,16 +6674,12 @@
           <a:p>
             <a:pPr algn="ctr"/>
             <a:r>
-              <a:rPr lang="ru-RU" sz="3600" b="1" dirty="0" smtClean="0">
+              <a:rPr lang="ru-RU" sz="3600" b="1" dirty="0">
                 <a:latin typeface="Times New Roman" panose="02020603050405020304" pitchFamily="18" charset="0"/>
                 <a:cs typeface="Times New Roman" panose="02020603050405020304" pitchFamily="18" charset="0"/>
               </a:rPr>
               <a:t>ТЕСТИРОВАНИЕ</a:t>
             </a:r>
-            <a:endParaRPr lang="ru-RU" sz="3600" b="1" dirty="0">
-              <a:latin typeface="Times New Roman" panose="02020603050405020304" pitchFamily="18" charset="0"/>
-              <a:cs typeface="Times New Roman" panose="02020603050405020304" pitchFamily="18" charset="0"/>
-            </a:endParaRPr>
           </a:p>
         </p:txBody>
       </p:sp>
@@ -6448,8 +6695,8 @@
         </p:nvSpPr>
         <p:spPr>
           <a:xfrm>
-            <a:off x="838200" y="1423843"/>
-            <a:ext cx="10515600" cy="4351338"/>
+            <a:off x="581891" y="1423843"/>
+            <a:ext cx="8229600" cy="4351338"/>
           </a:xfrm>
         </p:spPr>
         <p:txBody>
@@ -6580,7 +6827,7 @@
         </p:nvSpPr>
         <p:spPr>
           <a:xfrm>
-            <a:off x="11111345" y="6334780"/>
+            <a:off x="7910946" y="6334781"/>
             <a:ext cx="1080656" cy="430887"/>
           </a:xfrm>
           <a:prstGeom prst="rect">
@@ -6689,29 +6936,25 @@
           </a:lstStyle>
           <a:p>
             <a:r>
-              <a:rPr lang="ru-RU" sz="2200" dirty="0" smtClean="0">
+              <a:rPr lang="ru-RU" sz="2200" dirty="0">
                 <a:latin typeface="Times New Roman" panose="02020603050405020304" pitchFamily="18" charset="0"/>
                 <a:cs typeface="Times New Roman" panose="02020603050405020304" pitchFamily="18" charset="0"/>
               </a:rPr>
               <a:t>17/18</a:t>
             </a:r>
-            <a:endParaRPr lang="ru-RU" sz="2200" dirty="0">
-              <a:latin typeface="Times New Roman" panose="02020603050405020304" pitchFamily="18" charset="0"/>
-              <a:cs typeface="Times New Roman" panose="02020603050405020304" pitchFamily="18" charset="0"/>
-            </a:endParaRPr>
-          </a:p>
-        </p:txBody>
-      </p:sp>
-      <p:sp>
-        <p:nvSpPr>
-          <p:cNvPr id="5" name="Прямоугольник 4"/>
+          </a:p>
+        </p:txBody>
+      </p:sp>
+      <p:sp>
+        <p:nvSpPr>
+          <p:cNvPr id="6" name="Прямоугольник 5"/>
           <p:cNvSpPr/>
           <p:nvPr/>
         </p:nvSpPr>
         <p:spPr>
           <a:xfrm>
-            <a:off x="117062" y="6334780"/>
-            <a:ext cx="3100529" cy="430887"/>
+            <a:off x="0" y="5981495"/>
+            <a:ext cx="2826415" cy="400110"/>
           </a:xfrm>
           <a:prstGeom prst="rect">
             <a:avLst/>
@@ -6724,11 +6967,42 @@
           <a:lstStyle/>
           <a:p>
             <a:r>
-              <a:rPr lang="ru-RU" sz="2200" dirty="0">
+              <a:rPr lang="ru-RU" sz="2000" dirty="0">
                 <a:latin typeface="Times New Roman" panose="02020603050405020304" pitchFamily="18" charset="0"/>
                 <a:cs typeface="Times New Roman" panose="02020603050405020304" pitchFamily="18" charset="0"/>
               </a:rPr>
               <a:t>http://veronijo.beget.tech/</a:t>
+            </a:r>
+          </a:p>
+        </p:txBody>
+      </p:sp>
+      <p:sp>
+        <p:nvSpPr>
+          <p:cNvPr id="7" name="Прямоугольник 6"/>
+          <p:cNvSpPr/>
+          <p:nvPr/>
+        </p:nvSpPr>
+        <p:spPr>
+          <a:xfrm>
+            <a:off x="0" y="6362992"/>
+            <a:ext cx="4410759" cy="400110"/>
+          </a:xfrm>
+          <a:prstGeom prst="rect">
+            <a:avLst/>
+          </a:prstGeom>
+        </p:spPr>
+        <p:txBody>
+          <a:bodyPr wrap="none">
+            <a:spAutoFit/>
+          </a:bodyPr>
+          <a:lstStyle/>
+          <a:p>
+            <a:r>
+              <a:rPr lang="ru-RU" sz="2000" dirty="0">
+                <a:latin typeface="Times New Roman" panose="02020603050405020304" pitchFamily="18" charset="0"/>
+                <a:cs typeface="Times New Roman" panose="02020603050405020304" pitchFamily="18" charset="0"/>
+              </a:rPr>
+              <a:t>https://github.com/wbogatyrewa/EVoting</a:t>
             </a:r>
           </a:p>
         </p:txBody>
@@ -6782,8 +7056,8 @@
         </p:nvSpPr>
         <p:spPr>
           <a:xfrm>
-            <a:off x="838200" y="365125"/>
-            <a:ext cx="10515600" cy="895639"/>
+            <a:off x="0" y="365126"/>
+            <a:ext cx="9144000" cy="895639"/>
           </a:xfrm>
         </p:spPr>
         <p:txBody>
@@ -6794,16 +7068,12 @@
           <a:p>
             <a:pPr algn="ctr"/>
             <a:r>
-              <a:rPr lang="ru-RU" sz="3600" b="1" smtClean="0">
+              <a:rPr lang="ru-RU" sz="3600" b="1" dirty="0">
                 <a:latin typeface="Times New Roman" panose="02020603050405020304" pitchFamily="18" charset="0"/>
                 <a:cs typeface="Times New Roman" panose="02020603050405020304" pitchFamily="18" charset="0"/>
               </a:rPr>
               <a:t>ОСНОВНЫЕ РЕЗУЛЬТАТЫ</a:t>
             </a:r>
-            <a:endParaRPr lang="ru-RU" sz="3600" b="1" dirty="0">
-              <a:latin typeface="Times New Roman" panose="02020603050405020304" pitchFamily="18" charset="0"/>
-              <a:cs typeface="Times New Roman" panose="02020603050405020304" pitchFamily="18" charset="0"/>
-            </a:endParaRPr>
           </a:p>
         </p:txBody>
       </p:sp>
@@ -6819,15 +7089,17 @@
         </p:nvSpPr>
         <p:spPr>
           <a:xfrm>
-            <a:off x="838200" y="1493116"/>
-            <a:ext cx="10515600" cy="4351338"/>
-          </a:xfrm>
-        </p:spPr>
-        <p:txBody>
-          <a:bodyPr/>
-          <a:lstStyle/>
-          <a:p>
-            <a:pPr marL="514350" lvl="0" indent="-514350">
+            <a:off x="304800" y="1493116"/>
+            <a:ext cx="8534400" cy="4351338"/>
+          </a:xfrm>
+        </p:spPr>
+        <p:txBody>
+          <a:bodyPr>
+            <a:normAutofit fontScale="92500" lnSpcReduction="10000"/>
+          </a:bodyPr>
+          <a:lstStyle/>
+          <a:p>
+            <a:pPr marL="514350" indent="-514350">
               <a:lnSpc>
                 <a:spcPct val="120000"/>
               </a:lnSpc>
@@ -6850,7 +7122,7 @@
             </a:r>
           </a:p>
           <a:p>
-            <a:pPr marL="514350" lvl="0" indent="-514350">
+            <a:pPr marL="514350" indent="-514350">
               <a:lnSpc>
                 <a:spcPct val="120000"/>
               </a:lnSpc>
@@ -6873,7 +7145,7 @@
             </a:r>
           </a:p>
           <a:p>
-            <a:pPr marL="514350" lvl="0" indent="-514350">
+            <a:pPr marL="514350" indent="-514350">
               <a:lnSpc>
                 <a:spcPct val="120000"/>
               </a:lnSpc>
@@ -6896,7 +7168,7 @@
             </a:r>
           </a:p>
           <a:p>
-            <a:pPr marL="514350" lvl="0" indent="-514350">
+            <a:pPr marL="514350" indent="-514350">
               <a:lnSpc>
                 <a:spcPct val="120000"/>
               </a:lnSpc>
@@ -6919,7 +7191,7 @@
             </a:r>
           </a:p>
           <a:p>
-            <a:pPr marL="514350" lvl="0" indent="-514350">
+            <a:pPr marL="514350" indent="-514350">
               <a:lnSpc>
                 <a:spcPct val="120000"/>
               </a:lnSpc>
@@ -6960,8 +7232,8 @@
         </p:nvSpPr>
         <p:spPr>
           <a:xfrm>
-            <a:off x="11111345" y="6334780"/>
-            <a:ext cx="1080656" cy="523220"/>
+            <a:off x="7952508" y="6334780"/>
+            <a:ext cx="1080656" cy="430887"/>
           </a:xfrm>
           <a:prstGeom prst="rect">
             <a:avLst/>
@@ -7069,29 +7341,25 @@
           </a:lstStyle>
           <a:p>
             <a:r>
-              <a:rPr lang="ru-RU" sz="2800" dirty="0" smtClean="0">
+              <a:rPr lang="ru-RU" sz="2200" dirty="0">
                 <a:latin typeface="Times New Roman" panose="02020603050405020304" pitchFamily="18" charset="0"/>
                 <a:cs typeface="Times New Roman" panose="02020603050405020304" pitchFamily="18" charset="0"/>
               </a:rPr>
               <a:t>18/18</a:t>
             </a:r>
-            <a:endParaRPr lang="ru-RU" sz="2800" dirty="0">
-              <a:latin typeface="Times New Roman" panose="02020603050405020304" pitchFamily="18" charset="0"/>
-              <a:cs typeface="Times New Roman" panose="02020603050405020304" pitchFamily="18" charset="0"/>
-            </a:endParaRPr>
-          </a:p>
-        </p:txBody>
-      </p:sp>
-      <p:sp>
-        <p:nvSpPr>
-          <p:cNvPr id="5" name="Прямоугольник 4"/>
+          </a:p>
+        </p:txBody>
+      </p:sp>
+      <p:sp>
+        <p:nvSpPr>
+          <p:cNvPr id="6" name="Прямоугольник 5"/>
           <p:cNvSpPr/>
           <p:nvPr/>
         </p:nvSpPr>
         <p:spPr>
           <a:xfrm>
-            <a:off x="117062" y="6334780"/>
-            <a:ext cx="3100529" cy="430887"/>
+            <a:off x="0" y="5981495"/>
+            <a:ext cx="2826415" cy="400110"/>
           </a:xfrm>
           <a:prstGeom prst="rect">
             <a:avLst/>
@@ -7104,11 +7372,42 @@
           <a:lstStyle/>
           <a:p>
             <a:r>
-              <a:rPr lang="ru-RU" sz="2200" dirty="0">
+              <a:rPr lang="ru-RU" sz="2000" dirty="0">
                 <a:latin typeface="Times New Roman" panose="02020603050405020304" pitchFamily="18" charset="0"/>
                 <a:cs typeface="Times New Roman" panose="02020603050405020304" pitchFamily="18" charset="0"/>
               </a:rPr>
               <a:t>http://veronijo.beget.tech/</a:t>
+            </a:r>
+          </a:p>
+        </p:txBody>
+      </p:sp>
+      <p:sp>
+        <p:nvSpPr>
+          <p:cNvPr id="7" name="Прямоугольник 6"/>
+          <p:cNvSpPr/>
+          <p:nvPr/>
+        </p:nvSpPr>
+        <p:spPr>
+          <a:xfrm>
+            <a:off x="0" y="6362992"/>
+            <a:ext cx="4410759" cy="400110"/>
+          </a:xfrm>
+          <a:prstGeom prst="rect">
+            <a:avLst/>
+          </a:prstGeom>
+        </p:spPr>
+        <p:txBody>
+          <a:bodyPr wrap="none">
+            <a:spAutoFit/>
+          </a:bodyPr>
+          <a:lstStyle/>
+          <a:p>
+            <a:r>
+              <a:rPr lang="ru-RU" sz="2000" dirty="0">
+                <a:latin typeface="Times New Roman" panose="02020603050405020304" pitchFamily="18" charset="0"/>
+                <a:cs typeface="Times New Roman" panose="02020603050405020304" pitchFamily="18" charset="0"/>
+              </a:rPr>
+              <a:t>https://github.com/wbogatyrewa/EVoting</a:t>
             </a:r>
           </a:p>
         </p:txBody>
@@ -7162,8 +7461,8 @@
         </p:nvSpPr>
         <p:spPr>
           <a:xfrm>
-            <a:off x="838200" y="365125"/>
-            <a:ext cx="10515600" cy="895639"/>
+            <a:off x="0" y="365126"/>
+            <a:ext cx="9144000" cy="895639"/>
           </a:xfrm>
         </p:spPr>
         <p:txBody>
@@ -7174,16 +7473,12 @@
           <a:p>
             <a:pPr algn="ctr"/>
             <a:r>
-              <a:rPr lang="ru-RU" sz="3600" b="1" dirty="0" smtClean="0">
+              <a:rPr lang="ru-RU" sz="3600" b="1" dirty="0">
                 <a:latin typeface="Times New Roman" panose="02020603050405020304" pitchFamily="18" charset="0"/>
                 <a:cs typeface="Times New Roman" panose="02020603050405020304" pitchFamily="18" charset="0"/>
               </a:rPr>
               <a:t>АКТУАЛЬНОСТЬ</a:t>
             </a:r>
-            <a:endParaRPr lang="ru-RU" sz="3600" b="1" dirty="0">
-              <a:latin typeface="Times New Roman" panose="02020603050405020304" pitchFamily="18" charset="0"/>
-              <a:cs typeface="Times New Roman" panose="02020603050405020304" pitchFamily="18" charset="0"/>
-            </a:endParaRPr>
           </a:p>
         </p:txBody>
       </p:sp>
@@ -7199,8 +7494,8 @@
         </p:nvSpPr>
         <p:spPr>
           <a:xfrm>
-            <a:off x="838200" y="1645516"/>
-            <a:ext cx="10515600" cy="4351338"/>
+            <a:off x="255606" y="1645516"/>
+            <a:ext cx="8639011" cy="4351338"/>
           </a:xfrm>
         </p:spPr>
         <p:txBody>
@@ -7314,7 +7609,7 @@
         </p:nvSpPr>
         <p:spPr>
           <a:xfrm>
-            <a:off x="11288443" y="6334780"/>
+            <a:off x="8129607" y="6334781"/>
             <a:ext cx="903557" cy="430887"/>
           </a:xfrm>
           <a:prstGeom prst="rect">
@@ -7423,16 +7718,12 @@
           </a:lstStyle>
           <a:p>
             <a:r>
-              <a:rPr lang="ru-RU" sz="2200" dirty="0" smtClean="0">
+              <a:rPr lang="ru-RU" sz="2200" dirty="0">
                 <a:latin typeface="Times New Roman" panose="02020603050405020304" pitchFamily="18" charset="0"/>
                 <a:cs typeface="Times New Roman" panose="02020603050405020304" pitchFamily="18" charset="0"/>
               </a:rPr>
               <a:t>2/18</a:t>
             </a:r>
-            <a:endParaRPr lang="ru-RU" sz="2200" dirty="0">
-              <a:latin typeface="Times New Roman" panose="02020603050405020304" pitchFamily="18" charset="0"/>
-              <a:cs typeface="Times New Roman" panose="02020603050405020304" pitchFamily="18" charset="0"/>
-            </a:endParaRPr>
           </a:p>
         </p:txBody>
       </p:sp>
@@ -7444,8 +7735,8 @@
         </p:nvSpPr>
         <p:spPr>
           <a:xfrm>
-            <a:off x="117062" y="6334780"/>
-            <a:ext cx="3100529" cy="430887"/>
+            <a:off x="0" y="5981495"/>
+            <a:ext cx="2826415" cy="400110"/>
           </a:xfrm>
           <a:prstGeom prst="rect">
             <a:avLst/>
@@ -7458,11 +7749,42 @@
           <a:lstStyle/>
           <a:p>
             <a:r>
-              <a:rPr lang="ru-RU" sz="2200" dirty="0">
+              <a:rPr lang="ru-RU" sz="2000" dirty="0">
                 <a:latin typeface="Times New Roman" panose="02020603050405020304" pitchFamily="18" charset="0"/>
                 <a:cs typeface="Times New Roman" panose="02020603050405020304" pitchFamily="18" charset="0"/>
               </a:rPr>
               <a:t>http://veronijo.beget.tech/</a:t>
+            </a:r>
+          </a:p>
+        </p:txBody>
+      </p:sp>
+      <p:sp>
+        <p:nvSpPr>
+          <p:cNvPr id="6" name="Прямоугольник 5"/>
+          <p:cNvSpPr/>
+          <p:nvPr/>
+        </p:nvSpPr>
+        <p:spPr>
+          <a:xfrm>
+            <a:off x="0" y="6362992"/>
+            <a:ext cx="4410759" cy="400110"/>
+          </a:xfrm>
+          <a:prstGeom prst="rect">
+            <a:avLst/>
+          </a:prstGeom>
+        </p:spPr>
+        <p:txBody>
+          <a:bodyPr wrap="none">
+            <a:spAutoFit/>
+          </a:bodyPr>
+          <a:lstStyle/>
+          <a:p>
+            <a:r>
+              <a:rPr lang="ru-RU" sz="2000" dirty="0">
+                <a:latin typeface="Times New Roman" panose="02020603050405020304" pitchFamily="18" charset="0"/>
+                <a:cs typeface="Times New Roman" panose="02020603050405020304" pitchFamily="18" charset="0"/>
+              </a:rPr>
+              <a:t>https://github.com/wbogatyrewa/EVoting</a:t>
             </a:r>
           </a:p>
         </p:txBody>
@@ -7516,8 +7838,8 @@
         </p:nvSpPr>
         <p:spPr>
           <a:xfrm>
-            <a:off x="838200" y="365125"/>
-            <a:ext cx="10515600" cy="895639"/>
+            <a:off x="0" y="169656"/>
+            <a:ext cx="9144000" cy="895639"/>
           </a:xfrm>
         </p:spPr>
         <p:txBody>
@@ -7528,16 +7850,12 @@
           <a:p>
             <a:pPr algn="ctr"/>
             <a:r>
-              <a:rPr lang="ru-RU" sz="3600" b="1" dirty="0" smtClean="0">
+              <a:rPr lang="ru-RU" sz="3600" b="1" dirty="0">
                 <a:latin typeface="Times New Roman" panose="02020603050405020304" pitchFamily="18" charset="0"/>
                 <a:cs typeface="Times New Roman" panose="02020603050405020304" pitchFamily="18" charset="0"/>
               </a:rPr>
               <a:t>ЦЕЛЬ И ЗАДАЧИ ИССЛЕДОВАНИЯ</a:t>
             </a:r>
-            <a:endParaRPr lang="ru-RU" sz="3600" b="1" dirty="0">
-              <a:latin typeface="Times New Roman" panose="02020603050405020304" pitchFamily="18" charset="0"/>
-              <a:cs typeface="Times New Roman" panose="02020603050405020304" pitchFamily="18" charset="0"/>
-            </a:endParaRPr>
           </a:p>
         </p:txBody>
       </p:sp>
@@ -7553,13 +7871,13 @@
         </p:nvSpPr>
         <p:spPr>
           <a:xfrm>
-            <a:off x="838200" y="1524000"/>
-            <a:ext cx="10515600" cy="4916199"/>
+            <a:off x="159327" y="1061952"/>
+            <a:ext cx="8825346" cy="4916199"/>
           </a:xfrm>
         </p:spPr>
         <p:txBody>
           <a:bodyPr>
-            <a:normAutofit fontScale="85000" lnSpcReduction="20000"/>
+            <a:normAutofit fontScale="77500" lnSpcReduction="20000"/>
           </a:bodyPr>
           <a:lstStyle/>
           <a:p>
@@ -7622,7 +7940,7 @@
             </a:r>
           </a:p>
           <a:p>
-            <a:pPr marL="514350" lvl="0" indent="-514350">
+            <a:pPr marL="514350" indent="-514350">
               <a:lnSpc>
                 <a:spcPct val="120000"/>
               </a:lnSpc>
@@ -7663,7 +7981,7 @@
             </a:endParaRPr>
           </a:p>
           <a:p>
-            <a:pPr marL="514350" lvl="0" indent="-514350">
+            <a:pPr marL="514350" indent="-514350">
               <a:lnSpc>
                 <a:spcPct val="120000"/>
               </a:lnSpc>
@@ -7704,7 +8022,7 @@
             </a:endParaRPr>
           </a:p>
           <a:p>
-            <a:pPr marL="514350" lvl="0" indent="-514350">
+            <a:pPr marL="514350" indent="-514350">
               <a:lnSpc>
                 <a:spcPct val="120000"/>
               </a:lnSpc>
@@ -7745,7 +8063,7 @@
             </a:endParaRPr>
           </a:p>
           <a:p>
-            <a:pPr marL="514350" lvl="0" indent="-514350">
+            <a:pPr marL="514350" indent="-514350">
               <a:lnSpc>
                 <a:spcPct val="120000"/>
               </a:lnSpc>
@@ -7786,7 +8104,7 @@
             </a:endParaRPr>
           </a:p>
           <a:p>
-            <a:pPr marL="514350" lvl="0" indent="-514350">
+            <a:pPr marL="514350" indent="-514350">
               <a:lnSpc>
                 <a:spcPct val="120000"/>
               </a:lnSpc>
@@ -7850,7 +8168,7 @@
         </p:nvSpPr>
         <p:spPr>
           <a:xfrm>
-            <a:off x="11288443" y="6334780"/>
+            <a:off x="8240443" y="6338034"/>
             <a:ext cx="903557" cy="430887"/>
           </a:xfrm>
           <a:prstGeom prst="rect">
@@ -7959,29 +8277,25 @@
           </a:lstStyle>
           <a:p>
             <a:r>
-              <a:rPr lang="ru-RU" sz="2200" dirty="0" smtClean="0">
+              <a:rPr lang="ru-RU" sz="2200" dirty="0">
                 <a:latin typeface="Times New Roman" panose="02020603050405020304" pitchFamily="18" charset="0"/>
                 <a:cs typeface="Times New Roman" panose="02020603050405020304" pitchFamily="18" charset="0"/>
               </a:rPr>
               <a:t>3/18</a:t>
             </a:r>
-            <a:endParaRPr lang="ru-RU" sz="2200" dirty="0">
-              <a:latin typeface="Times New Roman" panose="02020603050405020304" pitchFamily="18" charset="0"/>
-              <a:cs typeface="Times New Roman" panose="02020603050405020304" pitchFamily="18" charset="0"/>
-            </a:endParaRPr>
-          </a:p>
-        </p:txBody>
-      </p:sp>
-      <p:sp>
-        <p:nvSpPr>
-          <p:cNvPr id="6" name="Прямоугольник 5"/>
+          </a:p>
+        </p:txBody>
+      </p:sp>
+      <p:sp>
+        <p:nvSpPr>
+          <p:cNvPr id="7" name="Прямоугольник 6"/>
           <p:cNvSpPr/>
           <p:nvPr/>
         </p:nvSpPr>
         <p:spPr>
           <a:xfrm>
-            <a:off x="117062" y="6334780"/>
-            <a:ext cx="3100529" cy="430887"/>
+            <a:off x="0" y="5981495"/>
+            <a:ext cx="2826415" cy="400110"/>
           </a:xfrm>
           <a:prstGeom prst="rect">
             <a:avLst/>
@@ -7994,11 +8308,42 @@
           <a:lstStyle/>
           <a:p>
             <a:r>
-              <a:rPr lang="ru-RU" sz="2200" dirty="0">
+              <a:rPr lang="ru-RU" sz="2000" dirty="0">
                 <a:latin typeface="Times New Roman" panose="02020603050405020304" pitchFamily="18" charset="0"/>
                 <a:cs typeface="Times New Roman" panose="02020603050405020304" pitchFamily="18" charset="0"/>
               </a:rPr>
               <a:t>http://veronijo.beget.tech/</a:t>
+            </a:r>
+          </a:p>
+        </p:txBody>
+      </p:sp>
+      <p:sp>
+        <p:nvSpPr>
+          <p:cNvPr id="8" name="Прямоугольник 7"/>
+          <p:cNvSpPr/>
+          <p:nvPr/>
+        </p:nvSpPr>
+        <p:spPr>
+          <a:xfrm>
+            <a:off x="0" y="6362992"/>
+            <a:ext cx="4410759" cy="400110"/>
+          </a:xfrm>
+          <a:prstGeom prst="rect">
+            <a:avLst/>
+          </a:prstGeom>
+        </p:spPr>
+        <p:txBody>
+          <a:bodyPr wrap="none">
+            <a:spAutoFit/>
+          </a:bodyPr>
+          <a:lstStyle/>
+          <a:p>
+            <a:r>
+              <a:rPr lang="ru-RU" sz="2000" dirty="0">
+                <a:latin typeface="Times New Roman" panose="02020603050405020304" pitchFamily="18" charset="0"/>
+                <a:cs typeface="Times New Roman" panose="02020603050405020304" pitchFamily="18" charset="0"/>
+              </a:rPr>
+              <a:t>https://github.com/wbogatyrewa/EVoting</a:t>
             </a:r>
           </a:p>
         </p:txBody>
@@ -8052,8 +8397,8 @@
         </p:nvSpPr>
         <p:spPr>
           <a:xfrm>
-            <a:off x="838200" y="365125"/>
-            <a:ext cx="10515600" cy="895639"/>
+            <a:off x="-1" y="143453"/>
+            <a:ext cx="9144001" cy="895639"/>
           </a:xfrm>
         </p:spPr>
         <p:txBody>
@@ -8064,16 +8409,12 @@
           <a:p>
             <a:pPr algn="ctr"/>
             <a:r>
-              <a:rPr lang="ru-RU" sz="3600" b="1" dirty="0" smtClean="0">
+              <a:rPr lang="ru-RU" sz="3600" b="1" dirty="0">
                 <a:latin typeface="Times New Roman" panose="02020603050405020304" pitchFamily="18" charset="0"/>
                 <a:cs typeface="Times New Roman" panose="02020603050405020304" pitchFamily="18" charset="0"/>
               </a:rPr>
               <a:t>БЛОКЧЕЙН</a:t>
             </a:r>
-            <a:endParaRPr lang="ru-RU" sz="3600" b="1" dirty="0">
-              <a:latin typeface="Times New Roman" panose="02020603050405020304" pitchFamily="18" charset="0"/>
-              <a:cs typeface="Times New Roman" panose="02020603050405020304" pitchFamily="18" charset="0"/>
-            </a:endParaRPr>
           </a:p>
         </p:txBody>
       </p:sp>
@@ -8101,8 +8442,8 @@
         </p:blipFill>
         <p:spPr>
           <a:xfrm>
-            <a:off x="3114458" y="1432143"/>
-            <a:ext cx="5963083" cy="4743015"/>
+            <a:off x="1979792" y="1420589"/>
+            <a:ext cx="5184415" cy="4123665"/>
           </a:xfrm>
         </p:spPr>
       </p:pic>
@@ -8120,7 +8461,7 @@
         </p:nvSpPr>
         <p:spPr>
           <a:xfrm>
-            <a:off x="11288443" y="6334779"/>
+            <a:off x="8115753" y="6334780"/>
             <a:ext cx="903557" cy="430887"/>
           </a:xfrm>
           <a:prstGeom prst="rect">
@@ -8229,29 +8570,25 @@
           </a:lstStyle>
           <a:p>
             <a:r>
-              <a:rPr lang="ru-RU" sz="2200" dirty="0" smtClean="0">
+              <a:rPr lang="ru-RU" sz="2200" dirty="0">
                 <a:latin typeface="Times New Roman" panose="02020603050405020304" pitchFamily="18" charset="0"/>
                 <a:cs typeface="Times New Roman" panose="02020603050405020304" pitchFamily="18" charset="0"/>
               </a:rPr>
               <a:t>4/18</a:t>
             </a:r>
-            <a:endParaRPr lang="ru-RU" sz="2200" dirty="0">
-              <a:latin typeface="Times New Roman" panose="02020603050405020304" pitchFamily="18" charset="0"/>
-              <a:cs typeface="Times New Roman" panose="02020603050405020304" pitchFamily="18" charset="0"/>
-            </a:endParaRPr>
-          </a:p>
-        </p:txBody>
-      </p:sp>
-      <p:sp>
-        <p:nvSpPr>
-          <p:cNvPr id="5" name="Прямоугольник 4"/>
+          </a:p>
+        </p:txBody>
+      </p:sp>
+      <p:sp>
+        <p:nvSpPr>
+          <p:cNvPr id="6" name="Прямоугольник 5"/>
           <p:cNvSpPr/>
           <p:nvPr/>
         </p:nvSpPr>
         <p:spPr>
           <a:xfrm>
-            <a:off x="117062" y="6334780"/>
-            <a:ext cx="3100529" cy="430887"/>
+            <a:off x="0" y="5981495"/>
+            <a:ext cx="2826415" cy="400110"/>
           </a:xfrm>
           <a:prstGeom prst="rect">
             <a:avLst/>
@@ -8264,11 +8601,42 @@
           <a:lstStyle/>
           <a:p>
             <a:r>
-              <a:rPr lang="ru-RU" sz="2200" dirty="0">
+              <a:rPr lang="ru-RU" sz="2000" dirty="0">
                 <a:latin typeface="Times New Roman" panose="02020603050405020304" pitchFamily="18" charset="0"/>
                 <a:cs typeface="Times New Roman" panose="02020603050405020304" pitchFamily="18" charset="0"/>
               </a:rPr>
               <a:t>http://veronijo.beget.tech/</a:t>
+            </a:r>
+          </a:p>
+        </p:txBody>
+      </p:sp>
+      <p:sp>
+        <p:nvSpPr>
+          <p:cNvPr id="9" name="Прямоугольник 8"/>
+          <p:cNvSpPr/>
+          <p:nvPr/>
+        </p:nvSpPr>
+        <p:spPr>
+          <a:xfrm>
+            <a:off x="0" y="6362992"/>
+            <a:ext cx="4410759" cy="400110"/>
+          </a:xfrm>
+          <a:prstGeom prst="rect">
+            <a:avLst/>
+          </a:prstGeom>
+        </p:spPr>
+        <p:txBody>
+          <a:bodyPr wrap="none">
+            <a:spAutoFit/>
+          </a:bodyPr>
+          <a:lstStyle/>
+          <a:p>
+            <a:r>
+              <a:rPr lang="ru-RU" sz="2000" dirty="0">
+                <a:latin typeface="Times New Roman" panose="02020603050405020304" pitchFamily="18" charset="0"/>
+                <a:cs typeface="Times New Roman" panose="02020603050405020304" pitchFamily="18" charset="0"/>
+              </a:rPr>
+              <a:t>https://github.com/wbogatyrewa/EVoting</a:t>
             </a:r>
           </a:p>
         </p:txBody>
@@ -8322,8 +8690,8 @@
         </p:nvSpPr>
         <p:spPr>
           <a:xfrm>
-            <a:off x="967937" y="0"/>
-            <a:ext cx="10515600" cy="895639"/>
+            <a:off x="-1" y="1"/>
+            <a:ext cx="9144001" cy="895639"/>
           </a:xfrm>
         </p:spPr>
         <p:txBody>
@@ -8334,16 +8702,12 @@
           <a:p>
             <a:pPr algn="ctr"/>
             <a:r>
-              <a:rPr lang="ru-RU" sz="3600" b="1" dirty="0" smtClean="0">
+              <a:rPr lang="ru-RU" sz="3600" b="1" dirty="0">
                 <a:latin typeface="Times New Roman" panose="02020603050405020304" pitchFamily="18" charset="0"/>
                 <a:cs typeface="Times New Roman" panose="02020603050405020304" pitchFamily="18" charset="0"/>
               </a:rPr>
               <a:t>ОБЗОР АНАЛОГОВ</a:t>
             </a:r>
-            <a:endParaRPr lang="ru-RU" sz="3600" b="1" dirty="0">
-              <a:latin typeface="Times New Roman" panose="02020603050405020304" pitchFamily="18" charset="0"/>
-              <a:cs typeface="Times New Roman" panose="02020603050405020304" pitchFamily="18" charset="0"/>
-            </a:endParaRPr>
           </a:p>
         </p:txBody>
       </p:sp>
@@ -8365,8 +8729,8 @@
         </p:blipFill>
         <p:spPr>
           <a:xfrm>
-            <a:off x="452248" y="895639"/>
-            <a:ext cx="11287973" cy="5305183"/>
+            <a:off x="290944" y="1277137"/>
+            <a:ext cx="8562112" cy="4024068"/>
           </a:xfrm>
           <a:prstGeom prst="rect">
             <a:avLst/>
@@ -8392,7 +8756,7 @@
         </p:nvSpPr>
         <p:spPr>
           <a:xfrm>
-            <a:off x="11288443" y="6334780"/>
+            <a:off x="8101899" y="6334781"/>
             <a:ext cx="903557" cy="430887"/>
           </a:xfrm>
           <a:prstGeom prst="rect">
@@ -8505,32 +8869,21 @@
                 <a:latin typeface="Times New Roman" panose="02020603050405020304" pitchFamily="18" charset="0"/>
                 <a:cs typeface="Times New Roman" panose="02020603050405020304" pitchFamily="18" charset="0"/>
               </a:rPr>
-              <a:t>5</a:t>
-            </a:r>
-            <a:r>
-              <a:rPr lang="ru-RU" sz="2200" dirty="0" smtClean="0">
-                <a:latin typeface="Times New Roman" panose="02020603050405020304" pitchFamily="18" charset="0"/>
-                <a:cs typeface="Times New Roman" panose="02020603050405020304" pitchFamily="18" charset="0"/>
-              </a:rPr>
-              <a:t>/18</a:t>
-            </a:r>
-            <a:endParaRPr lang="ru-RU" sz="2200" dirty="0">
-              <a:latin typeface="Times New Roman" panose="02020603050405020304" pitchFamily="18" charset="0"/>
-              <a:cs typeface="Times New Roman" panose="02020603050405020304" pitchFamily="18" charset="0"/>
-            </a:endParaRPr>
-          </a:p>
-        </p:txBody>
-      </p:sp>
-      <p:sp>
-        <p:nvSpPr>
-          <p:cNvPr id="5" name="Прямоугольник 4"/>
+              <a:t>5/18</a:t>
+            </a:r>
+          </a:p>
+        </p:txBody>
+      </p:sp>
+      <p:sp>
+        <p:nvSpPr>
+          <p:cNvPr id="7" name="Прямоугольник 6"/>
           <p:cNvSpPr/>
           <p:nvPr/>
         </p:nvSpPr>
         <p:spPr>
           <a:xfrm>
-            <a:off x="117062" y="6334780"/>
-            <a:ext cx="3100529" cy="430887"/>
+            <a:off x="0" y="5981495"/>
+            <a:ext cx="2826415" cy="400110"/>
           </a:xfrm>
           <a:prstGeom prst="rect">
             <a:avLst/>
@@ -8543,11 +8896,42 @@
           <a:lstStyle/>
           <a:p>
             <a:r>
-              <a:rPr lang="ru-RU" sz="2200" dirty="0">
+              <a:rPr lang="ru-RU" sz="2000" dirty="0">
                 <a:latin typeface="Times New Roman" panose="02020603050405020304" pitchFamily="18" charset="0"/>
                 <a:cs typeface="Times New Roman" panose="02020603050405020304" pitchFamily="18" charset="0"/>
               </a:rPr>
               <a:t>http://veronijo.beget.tech/</a:t>
+            </a:r>
+          </a:p>
+        </p:txBody>
+      </p:sp>
+      <p:sp>
+        <p:nvSpPr>
+          <p:cNvPr id="8" name="Прямоугольник 7"/>
+          <p:cNvSpPr/>
+          <p:nvPr/>
+        </p:nvSpPr>
+        <p:spPr>
+          <a:xfrm>
+            <a:off x="0" y="6362992"/>
+            <a:ext cx="4410759" cy="400110"/>
+          </a:xfrm>
+          <a:prstGeom prst="rect">
+            <a:avLst/>
+          </a:prstGeom>
+        </p:spPr>
+        <p:txBody>
+          <a:bodyPr wrap="none">
+            <a:spAutoFit/>
+          </a:bodyPr>
+          <a:lstStyle/>
+          <a:p>
+            <a:r>
+              <a:rPr lang="ru-RU" sz="2000" dirty="0">
+                <a:latin typeface="Times New Roman" panose="02020603050405020304" pitchFamily="18" charset="0"/>
+                <a:cs typeface="Times New Roman" panose="02020603050405020304" pitchFamily="18" charset="0"/>
+              </a:rPr>
+              <a:t>https://github.com/wbogatyrewa/EVoting</a:t>
             </a:r>
           </a:p>
         </p:txBody>
@@ -8601,8 +8985,8 @@
         </p:nvSpPr>
         <p:spPr>
           <a:xfrm>
-            <a:off x="838199" y="14751"/>
-            <a:ext cx="10515600" cy="895639"/>
+            <a:off x="152671" y="14752"/>
+            <a:ext cx="8838659" cy="895639"/>
           </a:xfrm>
         </p:spPr>
         <p:txBody>
@@ -8613,16 +8997,12 @@
           <a:p>
             <a:pPr algn="ctr"/>
             <a:r>
-              <a:rPr lang="ru-RU" sz="3600" b="1" dirty="0" smtClean="0">
+              <a:rPr lang="ru-RU" sz="3600" b="1" dirty="0">
                 <a:latin typeface="Times New Roman" panose="02020603050405020304" pitchFamily="18" charset="0"/>
                 <a:cs typeface="Times New Roman" panose="02020603050405020304" pitchFamily="18" charset="0"/>
               </a:rPr>
               <a:t>ОБЗОР АНАЛОГОВ</a:t>
             </a:r>
-            <a:endParaRPr lang="ru-RU" sz="3600" b="1" dirty="0">
-              <a:latin typeface="Times New Roman" panose="02020603050405020304" pitchFamily="18" charset="0"/>
-              <a:cs typeface="Times New Roman" panose="02020603050405020304" pitchFamily="18" charset="0"/>
-            </a:endParaRPr>
           </a:p>
         </p:txBody>
       </p:sp>
@@ -8651,8 +9031,8 @@
         </p:blipFill>
         <p:spPr bwMode="auto">
           <a:xfrm>
-            <a:off x="1676670" y="893458"/>
-            <a:ext cx="8838659" cy="5441322"/>
+            <a:off x="518039" y="910391"/>
+            <a:ext cx="8021512" cy="4938264"/>
           </a:xfrm>
           <a:prstGeom prst="rect">
             <a:avLst/>
@@ -8679,7 +9059,7 @@
         </p:nvSpPr>
         <p:spPr>
           <a:xfrm>
-            <a:off x="11288443" y="6393451"/>
+            <a:off x="8087773" y="6393452"/>
             <a:ext cx="903557" cy="430887"/>
           </a:xfrm>
           <a:prstGeom prst="rect">
@@ -8792,32 +9172,21 @@
                 <a:latin typeface="Times New Roman" panose="02020603050405020304" pitchFamily="18" charset="0"/>
                 <a:cs typeface="Times New Roman" panose="02020603050405020304" pitchFamily="18" charset="0"/>
               </a:rPr>
-              <a:t>6</a:t>
-            </a:r>
-            <a:r>
-              <a:rPr lang="ru-RU" sz="2200" dirty="0" smtClean="0">
-                <a:latin typeface="Times New Roman" panose="02020603050405020304" pitchFamily="18" charset="0"/>
-                <a:cs typeface="Times New Roman" panose="02020603050405020304" pitchFamily="18" charset="0"/>
-              </a:rPr>
-              <a:t>/18</a:t>
-            </a:r>
-            <a:endParaRPr lang="ru-RU" sz="2200" dirty="0">
-              <a:latin typeface="Times New Roman" panose="02020603050405020304" pitchFamily="18" charset="0"/>
-              <a:cs typeface="Times New Roman" panose="02020603050405020304" pitchFamily="18" charset="0"/>
-            </a:endParaRPr>
-          </a:p>
-        </p:txBody>
-      </p:sp>
-      <p:sp>
-        <p:nvSpPr>
-          <p:cNvPr id="7" name="Прямоугольник 6"/>
+              <a:t>6/18</a:t>
+            </a:r>
+          </a:p>
+        </p:txBody>
+      </p:sp>
+      <p:sp>
+        <p:nvSpPr>
+          <p:cNvPr id="8" name="Прямоугольник 7"/>
           <p:cNvSpPr/>
           <p:nvPr/>
         </p:nvSpPr>
         <p:spPr>
           <a:xfrm>
-            <a:off x="126405" y="6393451"/>
-            <a:ext cx="3100529" cy="430887"/>
+            <a:off x="0" y="5981495"/>
+            <a:ext cx="2826415" cy="400110"/>
           </a:xfrm>
           <a:prstGeom prst="rect">
             <a:avLst/>
@@ -8830,11 +9199,42 @@
           <a:lstStyle/>
           <a:p>
             <a:r>
-              <a:rPr lang="ru-RU" sz="2200" dirty="0">
+              <a:rPr lang="ru-RU" sz="2000" dirty="0">
                 <a:latin typeface="Times New Roman" panose="02020603050405020304" pitchFamily="18" charset="0"/>
                 <a:cs typeface="Times New Roman" panose="02020603050405020304" pitchFamily="18" charset="0"/>
               </a:rPr>
               <a:t>http://veronijo.beget.tech/</a:t>
+            </a:r>
+          </a:p>
+        </p:txBody>
+      </p:sp>
+      <p:sp>
+        <p:nvSpPr>
+          <p:cNvPr id="9" name="Прямоугольник 8"/>
+          <p:cNvSpPr/>
+          <p:nvPr/>
+        </p:nvSpPr>
+        <p:spPr>
+          <a:xfrm>
+            <a:off x="0" y="6362992"/>
+            <a:ext cx="4410759" cy="400110"/>
+          </a:xfrm>
+          <a:prstGeom prst="rect">
+            <a:avLst/>
+          </a:prstGeom>
+        </p:spPr>
+        <p:txBody>
+          <a:bodyPr wrap="none">
+            <a:spAutoFit/>
+          </a:bodyPr>
+          <a:lstStyle/>
+          <a:p>
+            <a:r>
+              <a:rPr lang="ru-RU" sz="2000" dirty="0">
+                <a:latin typeface="Times New Roman" panose="02020603050405020304" pitchFamily="18" charset="0"/>
+                <a:cs typeface="Times New Roman" panose="02020603050405020304" pitchFamily="18" charset="0"/>
+              </a:rPr>
+              <a:t>https://github.com/wbogatyrewa/EVoting</a:t>
             </a:r>
           </a:p>
         </p:txBody>
@@ -8888,28 +9288,24 @@
         </p:nvSpPr>
         <p:spPr>
           <a:xfrm>
-            <a:off x="838199" y="0"/>
-            <a:ext cx="10515600" cy="895639"/>
+            <a:off x="96981" y="1"/>
+            <a:ext cx="9047019" cy="895639"/>
           </a:xfrm>
         </p:spPr>
         <p:txBody>
           <a:bodyPr>
-            <a:normAutofit fontScale="90000"/>
+            <a:normAutofit/>
           </a:bodyPr>
           <a:lstStyle/>
           <a:p>
             <a:pPr algn="ctr"/>
             <a:r>
-              <a:rPr lang="ru-RU" sz="3600" b="1" dirty="0" smtClean="0">
+              <a:rPr lang="ru-RU" sz="3000" b="1" dirty="0">
                 <a:latin typeface="Times New Roman" panose="02020603050405020304" pitchFamily="18" charset="0"/>
                 <a:cs typeface="Times New Roman" panose="02020603050405020304" pitchFamily="18" charset="0"/>
               </a:rPr>
               <a:t>ДИАГРАММА ВАРИАНТОВ ИСПОЛЬЗОВАНИЯ</a:t>
             </a:r>
-            <a:endParaRPr lang="ru-RU" sz="3600" b="1" dirty="0">
-              <a:latin typeface="Times New Roman" panose="02020603050405020304" pitchFamily="18" charset="0"/>
-              <a:cs typeface="Times New Roman" panose="02020603050405020304" pitchFamily="18" charset="0"/>
-            </a:endParaRPr>
           </a:p>
         </p:txBody>
       </p:sp>
@@ -8938,8 +9334,8 @@
         </p:blipFill>
         <p:spPr bwMode="auto">
           <a:xfrm>
-            <a:off x="3023257" y="802783"/>
-            <a:ext cx="6145483" cy="5624854"/>
+            <a:off x="1747156" y="721669"/>
+            <a:ext cx="5746668" cy="5259826"/>
           </a:xfrm>
           <a:prstGeom prst="rect">
             <a:avLst/>
@@ -8964,7 +9360,7 @@
         </p:nvSpPr>
         <p:spPr>
           <a:xfrm>
-            <a:off x="11288443" y="6427637"/>
+            <a:off x="8143461" y="6427638"/>
             <a:ext cx="903557" cy="430887"/>
           </a:xfrm>
           <a:prstGeom prst="rect">
@@ -9077,32 +9473,21 @@
                 <a:latin typeface="Times New Roman" panose="02020603050405020304" pitchFamily="18" charset="0"/>
                 <a:cs typeface="Times New Roman" panose="02020603050405020304" pitchFamily="18" charset="0"/>
               </a:rPr>
-              <a:t>7</a:t>
-            </a:r>
-            <a:r>
-              <a:rPr lang="ru-RU" sz="2200" dirty="0" smtClean="0">
-                <a:latin typeface="Times New Roman" panose="02020603050405020304" pitchFamily="18" charset="0"/>
-                <a:cs typeface="Times New Roman" panose="02020603050405020304" pitchFamily="18" charset="0"/>
-              </a:rPr>
-              <a:t>/18</a:t>
-            </a:r>
-            <a:endParaRPr lang="ru-RU" sz="2200" dirty="0">
-              <a:latin typeface="Times New Roman" panose="02020603050405020304" pitchFamily="18" charset="0"/>
-              <a:cs typeface="Times New Roman" panose="02020603050405020304" pitchFamily="18" charset="0"/>
-            </a:endParaRPr>
-          </a:p>
-        </p:txBody>
-      </p:sp>
-      <p:sp>
-        <p:nvSpPr>
-          <p:cNvPr id="6" name="Прямоугольник 5"/>
+              <a:t>7/18</a:t>
+            </a:r>
+          </a:p>
+        </p:txBody>
+      </p:sp>
+      <p:sp>
+        <p:nvSpPr>
+          <p:cNvPr id="7" name="Прямоугольник 6"/>
           <p:cNvSpPr/>
           <p:nvPr/>
         </p:nvSpPr>
         <p:spPr>
           <a:xfrm>
-            <a:off x="117062" y="6427637"/>
-            <a:ext cx="3100529" cy="430887"/>
+            <a:off x="0" y="5981495"/>
+            <a:ext cx="2826415" cy="400110"/>
           </a:xfrm>
           <a:prstGeom prst="rect">
             <a:avLst/>
@@ -9115,11 +9500,42 @@
           <a:lstStyle/>
           <a:p>
             <a:r>
-              <a:rPr lang="ru-RU" sz="2200" dirty="0">
+              <a:rPr lang="ru-RU" sz="2000" dirty="0">
                 <a:latin typeface="Times New Roman" panose="02020603050405020304" pitchFamily="18" charset="0"/>
                 <a:cs typeface="Times New Roman" panose="02020603050405020304" pitchFamily="18" charset="0"/>
               </a:rPr>
               <a:t>http://veronijo.beget.tech/</a:t>
+            </a:r>
+          </a:p>
+        </p:txBody>
+      </p:sp>
+      <p:sp>
+        <p:nvSpPr>
+          <p:cNvPr id="8" name="Прямоугольник 7"/>
+          <p:cNvSpPr/>
+          <p:nvPr/>
+        </p:nvSpPr>
+        <p:spPr>
+          <a:xfrm>
+            <a:off x="0" y="6362992"/>
+            <a:ext cx="4410759" cy="400110"/>
+          </a:xfrm>
+          <a:prstGeom prst="rect">
+            <a:avLst/>
+          </a:prstGeom>
+        </p:spPr>
+        <p:txBody>
+          <a:bodyPr wrap="none">
+            <a:spAutoFit/>
+          </a:bodyPr>
+          <a:lstStyle/>
+          <a:p>
+            <a:r>
+              <a:rPr lang="ru-RU" sz="2000" dirty="0">
+                <a:latin typeface="Times New Roman" panose="02020603050405020304" pitchFamily="18" charset="0"/>
+                <a:cs typeface="Times New Roman" panose="02020603050405020304" pitchFamily="18" charset="0"/>
+              </a:rPr>
+              <a:t>https://github.com/wbogatyrewa/EVoting</a:t>
             </a:r>
           </a:p>
         </p:txBody>
@@ -9173,8 +9589,8 @@
         </p:nvSpPr>
         <p:spPr>
           <a:xfrm>
-            <a:off x="838198" y="221673"/>
-            <a:ext cx="10515600" cy="895639"/>
+            <a:off x="0" y="221674"/>
+            <a:ext cx="9144000" cy="895639"/>
           </a:xfrm>
         </p:spPr>
         <p:txBody>
@@ -9185,16 +9601,12 @@
           <a:p>
             <a:pPr algn="ctr"/>
             <a:r>
-              <a:rPr lang="ru-RU" sz="3600" b="1" dirty="0" smtClean="0">
+              <a:rPr lang="ru-RU" sz="3600" b="1" dirty="0">
                 <a:latin typeface="Times New Roman" panose="02020603050405020304" pitchFamily="18" charset="0"/>
                 <a:cs typeface="Times New Roman" panose="02020603050405020304" pitchFamily="18" charset="0"/>
               </a:rPr>
               <a:t>ДИАГРАММА КОМПОНЕНТОВ</a:t>
             </a:r>
-            <a:endParaRPr lang="ru-RU" sz="3600" b="1" dirty="0">
-              <a:latin typeface="Times New Roman" panose="02020603050405020304" pitchFamily="18" charset="0"/>
-              <a:cs typeface="Times New Roman" panose="02020603050405020304" pitchFamily="18" charset="0"/>
-            </a:endParaRPr>
           </a:p>
         </p:txBody>
       </p:sp>
@@ -9223,8 +9635,8 @@
         </p:blipFill>
         <p:spPr bwMode="auto">
           <a:xfrm>
-            <a:off x="1648334" y="1333396"/>
-            <a:ext cx="8895327" cy="4610203"/>
+            <a:off x="657912" y="1387711"/>
+            <a:ext cx="7828171" cy="4057125"/>
           </a:xfrm>
           <a:prstGeom prst="rect">
             <a:avLst/>
@@ -9249,7 +9661,7 @@
         </p:nvSpPr>
         <p:spPr>
           <a:xfrm>
-            <a:off x="11288443" y="6334780"/>
+            <a:off x="8034304" y="6334781"/>
             <a:ext cx="903557" cy="430887"/>
           </a:xfrm>
           <a:prstGeom prst="rect">
@@ -9362,32 +9774,21 @@
                 <a:latin typeface="Times New Roman" panose="02020603050405020304" pitchFamily="18" charset="0"/>
                 <a:cs typeface="Times New Roman" panose="02020603050405020304" pitchFamily="18" charset="0"/>
               </a:rPr>
-              <a:t>8</a:t>
-            </a:r>
-            <a:r>
-              <a:rPr lang="ru-RU" sz="2200" dirty="0" smtClean="0">
-                <a:latin typeface="Times New Roman" panose="02020603050405020304" pitchFamily="18" charset="0"/>
-                <a:cs typeface="Times New Roman" panose="02020603050405020304" pitchFamily="18" charset="0"/>
-              </a:rPr>
-              <a:t>/18</a:t>
-            </a:r>
-            <a:endParaRPr lang="ru-RU" sz="2200" dirty="0">
-              <a:latin typeface="Times New Roman" panose="02020603050405020304" pitchFamily="18" charset="0"/>
-              <a:cs typeface="Times New Roman" panose="02020603050405020304" pitchFamily="18" charset="0"/>
-            </a:endParaRPr>
-          </a:p>
-        </p:txBody>
-      </p:sp>
-      <p:sp>
-        <p:nvSpPr>
-          <p:cNvPr id="6" name="Прямоугольник 5"/>
+              <a:t>8/18</a:t>
+            </a:r>
+          </a:p>
+        </p:txBody>
+      </p:sp>
+      <p:sp>
+        <p:nvSpPr>
+          <p:cNvPr id="7" name="Прямоугольник 6"/>
           <p:cNvSpPr/>
           <p:nvPr/>
         </p:nvSpPr>
         <p:spPr>
           <a:xfrm>
-            <a:off x="117062" y="6334780"/>
-            <a:ext cx="3100529" cy="430887"/>
+            <a:off x="0" y="5981495"/>
+            <a:ext cx="2826415" cy="400110"/>
           </a:xfrm>
           <a:prstGeom prst="rect">
             <a:avLst/>
@@ -9400,11 +9801,42 @@
           <a:lstStyle/>
           <a:p>
             <a:r>
-              <a:rPr lang="ru-RU" sz="2200" dirty="0">
+              <a:rPr lang="ru-RU" sz="2000" dirty="0">
                 <a:latin typeface="Times New Roman" panose="02020603050405020304" pitchFamily="18" charset="0"/>
                 <a:cs typeface="Times New Roman" panose="02020603050405020304" pitchFamily="18" charset="0"/>
               </a:rPr>
               <a:t>http://veronijo.beget.tech/</a:t>
+            </a:r>
+          </a:p>
+        </p:txBody>
+      </p:sp>
+      <p:sp>
+        <p:nvSpPr>
+          <p:cNvPr id="8" name="Прямоугольник 7"/>
+          <p:cNvSpPr/>
+          <p:nvPr/>
+        </p:nvSpPr>
+        <p:spPr>
+          <a:xfrm>
+            <a:off x="0" y="6362992"/>
+            <a:ext cx="4410759" cy="400110"/>
+          </a:xfrm>
+          <a:prstGeom prst="rect">
+            <a:avLst/>
+          </a:prstGeom>
+        </p:spPr>
+        <p:txBody>
+          <a:bodyPr wrap="none">
+            <a:spAutoFit/>
+          </a:bodyPr>
+          <a:lstStyle/>
+          <a:p>
+            <a:r>
+              <a:rPr lang="ru-RU" sz="2000" dirty="0">
+                <a:latin typeface="Times New Roman" panose="02020603050405020304" pitchFamily="18" charset="0"/>
+                <a:cs typeface="Times New Roman" panose="02020603050405020304" pitchFamily="18" charset="0"/>
+              </a:rPr>
+              <a:t>https://github.com/wbogatyrewa/EVoting</a:t>
             </a:r>
           </a:p>
         </p:txBody>
@@ -9458,8 +9890,8 @@
         </p:nvSpPr>
         <p:spPr>
           <a:xfrm>
-            <a:off x="838198" y="7593"/>
-            <a:ext cx="10515600" cy="895639"/>
+            <a:off x="0" y="7594"/>
+            <a:ext cx="9144000" cy="895639"/>
           </a:xfrm>
         </p:spPr>
         <p:txBody>
@@ -9470,16 +9902,12 @@
           <a:p>
             <a:pPr algn="ctr"/>
             <a:r>
-              <a:rPr lang="ru-RU" sz="3600" b="1" dirty="0" smtClean="0">
+              <a:rPr lang="ru-RU" sz="3600" b="1" dirty="0">
                 <a:latin typeface="Times New Roman" panose="02020603050405020304" pitchFamily="18" charset="0"/>
                 <a:cs typeface="Times New Roman" panose="02020603050405020304" pitchFamily="18" charset="0"/>
               </a:rPr>
               <a:t>ДИАГРАММА СМАРТ-КОНТРАКТОВ</a:t>
             </a:r>
-            <a:endParaRPr lang="ru-RU" sz="3600" b="1" dirty="0">
-              <a:latin typeface="Times New Roman" panose="02020603050405020304" pitchFamily="18" charset="0"/>
-              <a:cs typeface="Times New Roman" panose="02020603050405020304" pitchFamily="18" charset="0"/>
-            </a:endParaRPr>
           </a:p>
         </p:txBody>
       </p:sp>
@@ -9508,8 +9936,8 @@
         </p:blipFill>
         <p:spPr bwMode="auto">
           <a:xfrm>
-            <a:off x="2102857" y="900505"/>
-            <a:ext cx="7986282" cy="5434275"/>
+            <a:off x="892103" y="903233"/>
+            <a:ext cx="7359794" cy="5007981"/>
           </a:xfrm>
           <a:prstGeom prst="rect">
             <a:avLst/>
@@ -9534,7 +9962,7 @@
         </p:nvSpPr>
         <p:spPr>
           <a:xfrm>
-            <a:off x="11288443" y="6334780"/>
+            <a:off x="8129607" y="6334781"/>
             <a:ext cx="903557" cy="430887"/>
           </a:xfrm>
           <a:prstGeom prst="rect">
@@ -9647,32 +10075,21 @@
                 <a:latin typeface="Times New Roman" panose="02020603050405020304" pitchFamily="18" charset="0"/>
                 <a:cs typeface="Times New Roman" panose="02020603050405020304" pitchFamily="18" charset="0"/>
               </a:rPr>
-              <a:t>9</a:t>
-            </a:r>
-            <a:r>
-              <a:rPr lang="ru-RU" sz="2200" dirty="0" smtClean="0">
-                <a:latin typeface="Times New Roman" panose="02020603050405020304" pitchFamily="18" charset="0"/>
-                <a:cs typeface="Times New Roman" panose="02020603050405020304" pitchFamily="18" charset="0"/>
-              </a:rPr>
-              <a:t>/18</a:t>
-            </a:r>
-            <a:endParaRPr lang="ru-RU" sz="2200" dirty="0">
-              <a:latin typeface="Times New Roman" panose="02020603050405020304" pitchFamily="18" charset="0"/>
-              <a:cs typeface="Times New Roman" panose="02020603050405020304" pitchFamily="18" charset="0"/>
-            </a:endParaRPr>
-          </a:p>
-        </p:txBody>
-      </p:sp>
-      <p:sp>
-        <p:nvSpPr>
-          <p:cNvPr id="5" name="Прямоугольник 4"/>
+              <a:t>9/18</a:t>
+            </a:r>
+          </a:p>
+        </p:txBody>
+      </p:sp>
+      <p:sp>
+        <p:nvSpPr>
+          <p:cNvPr id="7" name="Прямоугольник 6"/>
           <p:cNvSpPr/>
           <p:nvPr/>
         </p:nvSpPr>
         <p:spPr>
           <a:xfrm>
-            <a:off x="117062" y="6334780"/>
-            <a:ext cx="3100529" cy="430887"/>
+            <a:off x="0" y="5981495"/>
+            <a:ext cx="2826415" cy="400110"/>
           </a:xfrm>
           <a:prstGeom prst="rect">
             <a:avLst/>
@@ -9685,11 +10102,42 @@
           <a:lstStyle/>
           <a:p>
             <a:r>
-              <a:rPr lang="ru-RU" sz="2200" dirty="0">
+              <a:rPr lang="ru-RU" sz="2000" dirty="0">
                 <a:latin typeface="Times New Roman" panose="02020603050405020304" pitchFamily="18" charset="0"/>
                 <a:cs typeface="Times New Roman" panose="02020603050405020304" pitchFamily="18" charset="0"/>
               </a:rPr>
               <a:t>http://veronijo.beget.tech/</a:t>
+            </a:r>
+          </a:p>
+        </p:txBody>
+      </p:sp>
+      <p:sp>
+        <p:nvSpPr>
+          <p:cNvPr id="8" name="Прямоугольник 7"/>
+          <p:cNvSpPr/>
+          <p:nvPr/>
+        </p:nvSpPr>
+        <p:spPr>
+          <a:xfrm>
+            <a:off x="0" y="6362992"/>
+            <a:ext cx="4410759" cy="400110"/>
+          </a:xfrm>
+          <a:prstGeom prst="rect">
+            <a:avLst/>
+          </a:prstGeom>
+        </p:spPr>
+        <p:txBody>
+          <a:bodyPr wrap="none">
+            <a:spAutoFit/>
+          </a:bodyPr>
+          <a:lstStyle/>
+          <a:p>
+            <a:r>
+              <a:rPr lang="ru-RU" sz="2000" dirty="0">
+                <a:latin typeface="Times New Roman" panose="02020603050405020304" pitchFamily="18" charset="0"/>
+                <a:cs typeface="Times New Roman" panose="02020603050405020304" pitchFamily="18" charset="0"/>
+              </a:rPr>
+              <a:t>https://github.com/wbogatyrewa/EVoting</a:t>
             </a:r>
           </a:p>
         </p:txBody>
@@ -9717,7 +10165,7 @@
 <file path=ppt/theme/theme1.xml><?xml version="1.0" encoding="utf-8"?>
 <a:theme xmlns:a="http://schemas.openxmlformats.org/drawingml/2006/main" name="Тема Office">
   <a:themeElements>
-    <a:clrScheme name="Стандартная">
+    <a:clrScheme name="Тема Office">
       <a:dk1>
         <a:sysClr val="windowText" lastClr="000000"/>
       </a:dk1>
@@ -9755,7 +10203,7 @@
         <a:srgbClr val="954F72"/>
       </a:folHlink>
     </a:clrScheme>
-    <a:fontScheme name="Стандартная">
+    <a:fontScheme name="Тема Office">
       <a:majorFont>
         <a:latin typeface="Calibri Light" panose="020F0302020204030204"/>
         <a:ea typeface=""/>
@@ -9827,7 +10275,7 @@
         <a:font script="Geor" typeface="Sylfaen"/>
       </a:minorFont>
     </a:fontScheme>
-    <a:fmtScheme name="Стандартная">
+    <a:fmtScheme name="Тема Office">
       <a:fillStyleLst>
         <a:solidFill>
           <a:schemeClr val="phClr"/>

--- a/reports/2023_403_БогатыреваВО_slides.pptx
+++ b/reports/2023_403_БогатыреваВО_slides.pptx
@@ -214,7 +214,7 @@
           <a:p>
             <a:fld id="{7DEDA2BB-1C5C-4526-95E5-77A988EF9EA2}" type="datetimeFigureOut">
               <a:rPr lang="ru-RU" smtClean="0"/>
-              <a:t>23.05.2023</a:t>
+              <a:t>29.05.2023</a:t>
             </a:fld>
             <a:endParaRPr lang="ru-RU"/>
           </a:p>
@@ -971,7 +971,7 @@
           <a:p>
             <a:fld id="{9D1E7A46-1A4E-41C3-B23B-1269BF8B1FAC}" type="datetimeFigureOut">
               <a:rPr lang="ru-RU" smtClean="0"/>
-              <a:t>23.05.2023</a:t>
+              <a:t>29.05.2023</a:t>
             </a:fld>
             <a:endParaRPr lang="ru-RU"/>
           </a:p>
@@ -1141,7 +1141,7 @@
           <a:p>
             <a:fld id="{9D1E7A46-1A4E-41C3-B23B-1269BF8B1FAC}" type="datetimeFigureOut">
               <a:rPr lang="ru-RU" smtClean="0"/>
-              <a:t>23.05.2023</a:t>
+              <a:t>29.05.2023</a:t>
             </a:fld>
             <a:endParaRPr lang="ru-RU"/>
           </a:p>
@@ -1321,7 +1321,7 @@
           <a:p>
             <a:fld id="{9D1E7A46-1A4E-41C3-B23B-1269BF8B1FAC}" type="datetimeFigureOut">
               <a:rPr lang="ru-RU" smtClean="0"/>
-              <a:t>23.05.2023</a:t>
+              <a:t>29.05.2023</a:t>
             </a:fld>
             <a:endParaRPr lang="ru-RU"/>
           </a:p>
@@ -1491,7 +1491,7 @@
           <a:p>
             <a:fld id="{9D1E7A46-1A4E-41C3-B23B-1269BF8B1FAC}" type="datetimeFigureOut">
               <a:rPr lang="ru-RU" smtClean="0"/>
-              <a:t>23.05.2023</a:t>
+              <a:t>29.05.2023</a:t>
             </a:fld>
             <a:endParaRPr lang="ru-RU"/>
           </a:p>
@@ -1735,7 +1735,7 @@
           <a:p>
             <a:fld id="{9D1E7A46-1A4E-41C3-B23B-1269BF8B1FAC}" type="datetimeFigureOut">
               <a:rPr lang="ru-RU" smtClean="0"/>
-              <a:t>23.05.2023</a:t>
+              <a:t>29.05.2023</a:t>
             </a:fld>
             <a:endParaRPr lang="ru-RU"/>
           </a:p>
@@ -1967,7 +1967,7 @@
           <a:p>
             <a:fld id="{9D1E7A46-1A4E-41C3-B23B-1269BF8B1FAC}" type="datetimeFigureOut">
               <a:rPr lang="ru-RU" smtClean="0"/>
-              <a:t>23.05.2023</a:t>
+              <a:t>29.05.2023</a:t>
             </a:fld>
             <a:endParaRPr lang="ru-RU"/>
           </a:p>
@@ -2334,7 +2334,7 @@
           <a:p>
             <a:fld id="{9D1E7A46-1A4E-41C3-B23B-1269BF8B1FAC}" type="datetimeFigureOut">
               <a:rPr lang="ru-RU" smtClean="0"/>
-              <a:t>23.05.2023</a:t>
+              <a:t>29.05.2023</a:t>
             </a:fld>
             <a:endParaRPr lang="ru-RU"/>
           </a:p>
@@ -2452,7 +2452,7 @@
           <a:p>
             <a:fld id="{9D1E7A46-1A4E-41C3-B23B-1269BF8B1FAC}" type="datetimeFigureOut">
               <a:rPr lang="ru-RU" smtClean="0"/>
-              <a:t>23.05.2023</a:t>
+              <a:t>29.05.2023</a:t>
             </a:fld>
             <a:endParaRPr lang="ru-RU"/>
           </a:p>
@@ -2547,7 +2547,7 @@
           <a:p>
             <a:fld id="{9D1E7A46-1A4E-41C3-B23B-1269BF8B1FAC}" type="datetimeFigureOut">
               <a:rPr lang="ru-RU" smtClean="0"/>
-              <a:t>23.05.2023</a:t>
+              <a:t>29.05.2023</a:t>
             </a:fld>
             <a:endParaRPr lang="ru-RU"/>
           </a:p>
@@ -2824,7 +2824,7 @@
           <a:p>
             <a:fld id="{9D1E7A46-1A4E-41C3-B23B-1269BF8B1FAC}" type="datetimeFigureOut">
               <a:rPr lang="ru-RU" smtClean="0"/>
-              <a:t>23.05.2023</a:t>
+              <a:t>29.05.2023</a:t>
             </a:fld>
             <a:endParaRPr lang="ru-RU"/>
           </a:p>
@@ -3081,7 +3081,7 @@
           <a:p>
             <a:fld id="{9D1E7A46-1A4E-41C3-B23B-1269BF8B1FAC}" type="datetimeFigureOut">
               <a:rPr lang="ru-RU" smtClean="0"/>
-              <a:t>23.05.2023</a:t>
+              <a:t>29.05.2023</a:t>
             </a:fld>
             <a:endParaRPr lang="ru-RU"/>
           </a:p>
@@ -3294,7 +3294,7 @@
           <a:p>
             <a:fld id="{9D1E7A46-1A4E-41C3-B23B-1269BF8B1FAC}" type="datetimeFigureOut">
               <a:rPr lang="ru-RU" smtClean="0"/>
-              <a:t>23.05.2023</a:t>
+              <a:t>29.05.2023</a:t>
             </a:fld>
             <a:endParaRPr lang="ru-RU"/>
           </a:p>
@@ -4143,7 +4143,7 @@
           <p:cNvPr id="4" name="TextBox 5">
             <a:extLst>
               <a:ext uri="{FF2B5EF4-FFF2-40B4-BE49-F238E27FC236}">
-                <a16:creationId xmlns:lc="http://schemas.openxmlformats.org/drawingml/2006/lockedCanvas" xmlns="" xmlns:a16="http://schemas.microsoft.com/office/drawing/2014/main" id="{F7043567-4147-88C3-F094-05513D23DB95}"/>
+                <a16:creationId xmlns:a16="http://schemas.microsoft.com/office/drawing/2014/main" xmlns="" xmlns:lc="http://schemas.openxmlformats.org/drawingml/2006/lockedCanvas" id="{F7043567-4147-88C3-F094-05513D23DB95}"/>
               </a:ext>
             </a:extLst>
           </p:cNvPr>
@@ -4444,7 +4444,7 @@
           <p:cNvPr id="4" name="TextBox 5">
             <a:extLst>
               <a:ext uri="{FF2B5EF4-FFF2-40B4-BE49-F238E27FC236}">
-                <a16:creationId xmlns:lc="http://schemas.openxmlformats.org/drawingml/2006/lockedCanvas" xmlns="" xmlns:a16="http://schemas.microsoft.com/office/drawing/2014/main" id="{F7043567-4147-88C3-F094-05513D23DB95}"/>
+                <a16:creationId xmlns:a16="http://schemas.microsoft.com/office/drawing/2014/main" xmlns="" xmlns:lc="http://schemas.openxmlformats.org/drawingml/2006/lockedCanvas" id="{F7043567-4147-88C3-F094-05513D23DB95}"/>
               </a:ext>
             </a:extLst>
           </p:cNvPr>
@@ -5190,7 +5190,7 @@
           <p:cNvPr id="5" name="TextBox 5">
             <a:extLst>
               <a:ext uri="{FF2B5EF4-FFF2-40B4-BE49-F238E27FC236}">
-                <a16:creationId xmlns:lc="http://schemas.openxmlformats.org/drawingml/2006/lockedCanvas" xmlns="" xmlns:a16="http://schemas.microsoft.com/office/drawing/2014/main" id="{F7043567-4147-88C3-F094-05513D23DB95}"/>
+                <a16:creationId xmlns:a16="http://schemas.microsoft.com/office/drawing/2014/main" xmlns="" xmlns:lc="http://schemas.openxmlformats.org/drawingml/2006/lockedCanvas" id="{F7043567-4147-88C3-F094-05513D23DB95}"/>
               </a:ext>
             </a:extLst>
           </p:cNvPr>
@@ -5439,7 +5439,7 @@
         </p:nvSpPr>
         <p:spPr>
           <a:xfrm>
-            <a:off x="0" y="1"/>
+            <a:off x="-529" y="140222"/>
             <a:ext cx="9144000" cy="895639"/>
           </a:xfrm>
         </p:spPr>
@@ -5460,11 +5460,205 @@
           </a:p>
         </p:txBody>
       </p:sp>
+      <p:sp>
+        <p:nvSpPr>
+          <p:cNvPr id="5" name="TextBox 5">
+            <a:extLst>
+              <a:ext uri="{FF2B5EF4-FFF2-40B4-BE49-F238E27FC236}">
+                <a16:creationId xmlns:a16="http://schemas.microsoft.com/office/drawing/2014/main" xmlns="" xmlns:lc="http://schemas.openxmlformats.org/drawingml/2006/lockedCanvas" id="{F7043567-4147-88C3-F094-05513D23DB95}"/>
+              </a:ext>
+            </a:extLst>
+          </p:cNvPr>
+          <p:cNvSpPr txBox="1"/>
+          <p:nvPr/>
+        </p:nvSpPr>
+        <p:spPr>
+          <a:xfrm>
+            <a:off x="7924799" y="6334781"/>
+            <a:ext cx="1080656" cy="430887"/>
+          </a:xfrm>
+          <a:prstGeom prst="rect">
+            <a:avLst/>
+          </a:prstGeom>
+          <a:noFill/>
+        </p:spPr>
+        <p:txBody>
+          <a:bodyPr wrap="square" rtlCol="0">
+            <a:spAutoFit/>
+          </a:bodyPr>
+          <a:lstStyle>
+            <a:defPPr>
+              <a:defRPr lang="ru-RU"/>
+            </a:defPPr>
+            <a:lvl1pPr marL="0" algn="l" defTabSz="914400" rtl="0" eaLnBrk="1" latinLnBrk="0" hangingPunct="1">
+              <a:defRPr sz="1800" kern="1200">
+                <a:solidFill>
+                  <a:schemeClr val="tx1"/>
+                </a:solidFill>
+                <a:latin typeface="+mn-lt"/>
+                <a:ea typeface="+mn-ea"/>
+                <a:cs typeface="+mn-cs"/>
+              </a:defRPr>
+            </a:lvl1pPr>
+            <a:lvl2pPr marL="457200" algn="l" defTabSz="914400" rtl="0" eaLnBrk="1" latinLnBrk="0" hangingPunct="1">
+              <a:defRPr sz="1800" kern="1200">
+                <a:solidFill>
+                  <a:schemeClr val="tx1"/>
+                </a:solidFill>
+                <a:latin typeface="+mn-lt"/>
+                <a:ea typeface="+mn-ea"/>
+                <a:cs typeface="+mn-cs"/>
+              </a:defRPr>
+            </a:lvl2pPr>
+            <a:lvl3pPr marL="914400" algn="l" defTabSz="914400" rtl="0" eaLnBrk="1" latinLnBrk="0" hangingPunct="1">
+              <a:defRPr sz="1800" kern="1200">
+                <a:solidFill>
+                  <a:schemeClr val="tx1"/>
+                </a:solidFill>
+                <a:latin typeface="+mn-lt"/>
+                <a:ea typeface="+mn-ea"/>
+                <a:cs typeface="+mn-cs"/>
+              </a:defRPr>
+            </a:lvl3pPr>
+            <a:lvl4pPr marL="1371600" algn="l" defTabSz="914400" rtl="0" eaLnBrk="1" latinLnBrk="0" hangingPunct="1">
+              <a:defRPr sz="1800" kern="1200">
+                <a:solidFill>
+                  <a:schemeClr val="tx1"/>
+                </a:solidFill>
+                <a:latin typeface="+mn-lt"/>
+                <a:ea typeface="+mn-ea"/>
+                <a:cs typeface="+mn-cs"/>
+              </a:defRPr>
+            </a:lvl4pPr>
+            <a:lvl5pPr marL="1828800" algn="l" defTabSz="914400" rtl="0" eaLnBrk="1" latinLnBrk="0" hangingPunct="1">
+              <a:defRPr sz="1800" kern="1200">
+                <a:solidFill>
+                  <a:schemeClr val="tx1"/>
+                </a:solidFill>
+                <a:latin typeface="+mn-lt"/>
+                <a:ea typeface="+mn-ea"/>
+                <a:cs typeface="+mn-cs"/>
+              </a:defRPr>
+            </a:lvl5pPr>
+            <a:lvl6pPr marL="2286000" algn="l" defTabSz="914400" rtl="0" eaLnBrk="1" latinLnBrk="0" hangingPunct="1">
+              <a:defRPr sz="1800" kern="1200">
+                <a:solidFill>
+                  <a:schemeClr val="tx1"/>
+                </a:solidFill>
+                <a:latin typeface="+mn-lt"/>
+                <a:ea typeface="+mn-ea"/>
+                <a:cs typeface="+mn-cs"/>
+              </a:defRPr>
+            </a:lvl6pPr>
+            <a:lvl7pPr marL="2743200" algn="l" defTabSz="914400" rtl="0" eaLnBrk="1" latinLnBrk="0" hangingPunct="1">
+              <a:defRPr sz="1800" kern="1200">
+                <a:solidFill>
+                  <a:schemeClr val="tx1"/>
+                </a:solidFill>
+                <a:latin typeface="+mn-lt"/>
+                <a:ea typeface="+mn-ea"/>
+                <a:cs typeface="+mn-cs"/>
+              </a:defRPr>
+            </a:lvl7pPr>
+            <a:lvl8pPr marL="3200400" algn="l" defTabSz="914400" rtl="0" eaLnBrk="1" latinLnBrk="0" hangingPunct="1">
+              <a:defRPr sz="1800" kern="1200">
+                <a:solidFill>
+                  <a:schemeClr val="tx1"/>
+                </a:solidFill>
+                <a:latin typeface="+mn-lt"/>
+                <a:ea typeface="+mn-ea"/>
+                <a:cs typeface="+mn-cs"/>
+              </a:defRPr>
+            </a:lvl8pPr>
+            <a:lvl9pPr marL="3657600" algn="l" defTabSz="914400" rtl="0" eaLnBrk="1" latinLnBrk="0" hangingPunct="1">
+              <a:defRPr sz="1800" kern="1200">
+                <a:solidFill>
+                  <a:schemeClr val="tx1"/>
+                </a:solidFill>
+                <a:latin typeface="+mn-lt"/>
+                <a:ea typeface="+mn-ea"/>
+                <a:cs typeface="+mn-cs"/>
+              </a:defRPr>
+            </a:lvl9pPr>
+          </a:lstStyle>
+          <a:p>
+            <a:r>
+              <a:rPr lang="ru-RU" sz="2200" dirty="0">
+                <a:latin typeface="Times New Roman" panose="02020603050405020304" pitchFamily="18" charset="0"/>
+                <a:cs typeface="Times New Roman" panose="02020603050405020304" pitchFamily="18" charset="0"/>
+              </a:rPr>
+              <a:t>13/18</a:t>
+            </a:r>
+          </a:p>
+        </p:txBody>
+      </p:sp>
+      <p:sp>
+        <p:nvSpPr>
+          <p:cNvPr id="7" name="Прямоугольник 6"/>
+          <p:cNvSpPr/>
+          <p:nvPr/>
+        </p:nvSpPr>
+        <p:spPr>
+          <a:xfrm>
+            <a:off x="0" y="5981495"/>
+            <a:ext cx="2826415" cy="400110"/>
+          </a:xfrm>
+          <a:prstGeom prst="rect">
+            <a:avLst/>
+          </a:prstGeom>
+        </p:spPr>
+        <p:txBody>
+          <a:bodyPr wrap="none">
+            <a:spAutoFit/>
+          </a:bodyPr>
+          <a:lstStyle/>
+          <a:p>
+            <a:r>
+              <a:rPr lang="ru-RU" sz="2000" dirty="0">
+                <a:latin typeface="Times New Roman" panose="02020603050405020304" pitchFamily="18" charset="0"/>
+                <a:cs typeface="Times New Roman" panose="02020603050405020304" pitchFamily="18" charset="0"/>
+              </a:rPr>
+              <a:t>http://veronijo.beget.tech/</a:t>
+            </a:r>
+          </a:p>
+        </p:txBody>
+      </p:sp>
+      <p:sp>
+        <p:nvSpPr>
+          <p:cNvPr id="8" name="Прямоугольник 7"/>
+          <p:cNvSpPr/>
+          <p:nvPr/>
+        </p:nvSpPr>
+        <p:spPr>
+          <a:xfrm>
+            <a:off x="0" y="6362992"/>
+            <a:ext cx="4410759" cy="400110"/>
+          </a:xfrm>
+          <a:prstGeom prst="rect">
+            <a:avLst/>
+          </a:prstGeom>
+        </p:spPr>
+        <p:txBody>
+          <a:bodyPr wrap="none">
+            <a:spAutoFit/>
+          </a:bodyPr>
+          <a:lstStyle/>
+          <a:p>
+            <a:r>
+              <a:rPr lang="ru-RU" sz="2000" dirty="0">
+                <a:latin typeface="Times New Roman" panose="02020603050405020304" pitchFamily="18" charset="0"/>
+                <a:cs typeface="Times New Roman" panose="02020603050405020304" pitchFamily="18" charset="0"/>
+              </a:rPr>
+              <a:t>https://github.com/wbogatyrewa/EVoting</a:t>
+            </a:r>
+          </a:p>
+        </p:txBody>
+      </p:sp>
       <p:pic>
         <p:nvPicPr>
-          <p:cNvPr id="4" name="Объект 3"/>
+          <p:cNvPr id="9" name="Объект 8"/>
           <p:cNvPicPr>
-            <a:picLocks noGrp="1"/>
+            <a:picLocks noGrp="1" noChangeAspect="1"/>
           </p:cNvPicPr>
           <p:nvPr>
             <p:ph idx="1"/>
@@ -5478,8 +5672,8 @@
         </p:blipFill>
         <p:spPr>
           <a:xfrm>
-            <a:off x="286934" y="992623"/>
-            <a:ext cx="8581358" cy="4327524"/>
+            <a:off x="296140" y="1277137"/>
+            <a:ext cx="8550663" cy="4221806"/>
           </a:xfrm>
           <a:prstGeom prst="rect">
             <a:avLst/>
@@ -5491,200 +5685,6 @@
           </a:ln>
         </p:spPr>
       </p:pic>
-      <p:sp>
-        <p:nvSpPr>
-          <p:cNvPr id="5" name="TextBox 5">
-            <a:extLst>
-              <a:ext uri="{FF2B5EF4-FFF2-40B4-BE49-F238E27FC236}">
-                <a16:creationId xmlns:lc="http://schemas.openxmlformats.org/drawingml/2006/lockedCanvas" xmlns="" xmlns:a16="http://schemas.microsoft.com/office/drawing/2014/main" id="{F7043567-4147-88C3-F094-05513D23DB95}"/>
-              </a:ext>
-            </a:extLst>
-          </p:cNvPr>
-          <p:cNvSpPr txBox="1"/>
-          <p:nvPr/>
-        </p:nvSpPr>
-        <p:spPr>
-          <a:xfrm>
-            <a:off x="7924799" y="6334781"/>
-            <a:ext cx="1080656" cy="430887"/>
-          </a:xfrm>
-          <a:prstGeom prst="rect">
-            <a:avLst/>
-          </a:prstGeom>
-          <a:noFill/>
-        </p:spPr>
-        <p:txBody>
-          <a:bodyPr wrap="square" rtlCol="0">
-            <a:spAutoFit/>
-          </a:bodyPr>
-          <a:lstStyle>
-            <a:defPPr>
-              <a:defRPr lang="ru-RU"/>
-            </a:defPPr>
-            <a:lvl1pPr marL="0" algn="l" defTabSz="914400" rtl="0" eaLnBrk="1" latinLnBrk="0" hangingPunct="1">
-              <a:defRPr sz="1800" kern="1200">
-                <a:solidFill>
-                  <a:schemeClr val="tx1"/>
-                </a:solidFill>
-                <a:latin typeface="+mn-lt"/>
-                <a:ea typeface="+mn-ea"/>
-                <a:cs typeface="+mn-cs"/>
-              </a:defRPr>
-            </a:lvl1pPr>
-            <a:lvl2pPr marL="457200" algn="l" defTabSz="914400" rtl="0" eaLnBrk="1" latinLnBrk="0" hangingPunct="1">
-              <a:defRPr sz="1800" kern="1200">
-                <a:solidFill>
-                  <a:schemeClr val="tx1"/>
-                </a:solidFill>
-                <a:latin typeface="+mn-lt"/>
-                <a:ea typeface="+mn-ea"/>
-                <a:cs typeface="+mn-cs"/>
-              </a:defRPr>
-            </a:lvl2pPr>
-            <a:lvl3pPr marL="914400" algn="l" defTabSz="914400" rtl="0" eaLnBrk="1" latinLnBrk="0" hangingPunct="1">
-              <a:defRPr sz="1800" kern="1200">
-                <a:solidFill>
-                  <a:schemeClr val="tx1"/>
-                </a:solidFill>
-                <a:latin typeface="+mn-lt"/>
-                <a:ea typeface="+mn-ea"/>
-                <a:cs typeface="+mn-cs"/>
-              </a:defRPr>
-            </a:lvl3pPr>
-            <a:lvl4pPr marL="1371600" algn="l" defTabSz="914400" rtl="0" eaLnBrk="1" latinLnBrk="0" hangingPunct="1">
-              <a:defRPr sz="1800" kern="1200">
-                <a:solidFill>
-                  <a:schemeClr val="tx1"/>
-                </a:solidFill>
-                <a:latin typeface="+mn-lt"/>
-                <a:ea typeface="+mn-ea"/>
-                <a:cs typeface="+mn-cs"/>
-              </a:defRPr>
-            </a:lvl4pPr>
-            <a:lvl5pPr marL="1828800" algn="l" defTabSz="914400" rtl="0" eaLnBrk="1" latinLnBrk="0" hangingPunct="1">
-              <a:defRPr sz="1800" kern="1200">
-                <a:solidFill>
-                  <a:schemeClr val="tx1"/>
-                </a:solidFill>
-                <a:latin typeface="+mn-lt"/>
-                <a:ea typeface="+mn-ea"/>
-                <a:cs typeface="+mn-cs"/>
-              </a:defRPr>
-            </a:lvl5pPr>
-            <a:lvl6pPr marL="2286000" algn="l" defTabSz="914400" rtl="0" eaLnBrk="1" latinLnBrk="0" hangingPunct="1">
-              <a:defRPr sz="1800" kern="1200">
-                <a:solidFill>
-                  <a:schemeClr val="tx1"/>
-                </a:solidFill>
-                <a:latin typeface="+mn-lt"/>
-                <a:ea typeface="+mn-ea"/>
-                <a:cs typeface="+mn-cs"/>
-              </a:defRPr>
-            </a:lvl6pPr>
-            <a:lvl7pPr marL="2743200" algn="l" defTabSz="914400" rtl="0" eaLnBrk="1" latinLnBrk="0" hangingPunct="1">
-              <a:defRPr sz="1800" kern="1200">
-                <a:solidFill>
-                  <a:schemeClr val="tx1"/>
-                </a:solidFill>
-                <a:latin typeface="+mn-lt"/>
-                <a:ea typeface="+mn-ea"/>
-                <a:cs typeface="+mn-cs"/>
-              </a:defRPr>
-            </a:lvl7pPr>
-            <a:lvl8pPr marL="3200400" algn="l" defTabSz="914400" rtl="0" eaLnBrk="1" latinLnBrk="0" hangingPunct="1">
-              <a:defRPr sz="1800" kern="1200">
-                <a:solidFill>
-                  <a:schemeClr val="tx1"/>
-                </a:solidFill>
-                <a:latin typeface="+mn-lt"/>
-                <a:ea typeface="+mn-ea"/>
-                <a:cs typeface="+mn-cs"/>
-              </a:defRPr>
-            </a:lvl8pPr>
-            <a:lvl9pPr marL="3657600" algn="l" defTabSz="914400" rtl="0" eaLnBrk="1" latinLnBrk="0" hangingPunct="1">
-              <a:defRPr sz="1800" kern="1200">
-                <a:solidFill>
-                  <a:schemeClr val="tx1"/>
-                </a:solidFill>
-                <a:latin typeface="+mn-lt"/>
-                <a:ea typeface="+mn-ea"/>
-                <a:cs typeface="+mn-cs"/>
-              </a:defRPr>
-            </a:lvl9pPr>
-          </a:lstStyle>
-          <a:p>
-            <a:r>
-              <a:rPr lang="ru-RU" sz="2200" dirty="0">
-                <a:latin typeface="Times New Roman" panose="02020603050405020304" pitchFamily="18" charset="0"/>
-                <a:cs typeface="Times New Roman" panose="02020603050405020304" pitchFamily="18" charset="0"/>
-              </a:rPr>
-              <a:t>13/18</a:t>
-            </a:r>
-          </a:p>
-        </p:txBody>
-      </p:sp>
-      <p:sp>
-        <p:nvSpPr>
-          <p:cNvPr id="7" name="Прямоугольник 6"/>
-          <p:cNvSpPr/>
-          <p:nvPr/>
-        </p:nvSpPr>
-        <p:spPr>
-          <a:xfrm>
-            <a:off x="0" y="5981495"/>
-            <a:ext cx="2826415" cy="400110"/>
-          </a:xfrm>
-          <a:prstGeom prst="rect">
-            <a:avLst/>
-          </a:prstGeom>
-        </p:spPr>
-        <p:txBody>
-          <a:bodyPr wrap="none">
-            <a:spAutoFit/>
-          </a:bodyPr>
-          <a:lstStyle/>
-          <a:p>
-            <a:r>
-              <a:rPr lang="ru-RU" sz="2000" dirty="0">
-                <a:latin typeface="Times New Roman" panose="02020603050405020304" pitchFamily="18" charset="0"/>
-                <a:cs typeface="Times New Roman" panose="02020603050405020304" pitchFamily="18" charset="0"/>
-              </a:rPr>
-              <a:t>http://veronijo.beget.tech/</a:t>
-            </a:r>
-          </a:p>
-        </p:txBody>
-      </p:sp>
-      <p:sp>
-        <p:nvSpPr>
-          <p:cNvPr id="8" name="Прямоугольник 7"/>
-          <p:cNvSpPr/>
-          <p:nvPr/>
-        </p:nvSpPr>
-        <p:spPr>
-          <a:xfrm>
-            <a:off x="0" y="6362992"/>
-            <a:ext cx="4410759" cy="400110"/>
-          </a:xfrm>
-          <a:prstGeom prst="rect">
-            <a:avLst/>
-          </a:prstGeom>
-        </p:spPr>
-        <p:txBody>
-          <a:bodyPr wrap="none">
-            <a:spAutoFit/>
-          </a:bodyPr>
-          <a:lstStyle/>
-          <a:p>
-            <a:r>
-              <a:rPr lang="ru-RU" sz="2000" dirty="0">
-                <a:latin typeface="Times New Roman" panose="02020603050405020304" pitchFamily="18" charset="0"/>
-                <a:cs typeface="Times New Roman" panose="02020603050405020304" pitchFamily="18" charset="0"/>
-              </a:rPr>
-              <a:t>https://github.com/wbogatyrewa/EVoting</a:t>
-            </a:r>
-          </a:p>
-        </p:txBody>
-      </p:sp>
     </p:spTree>
     <p:extLst>
       <p:ext uri="{BB962C8B-B14F-4D97-AF65-F5344CB8AC3E}">
@@ -5834,7 +5834,7 @@
           <p:cNvPr id="7" name="TextBox 5">
             <a:extLst>
               <a:ext uri="{FF2B5EF4-FFF2-40B4-BE49-F238E27FC236}">
-                <a16:creationId xmlns:lc="http://schemas.openxmlformats.org/drawingml/2006/lockedCanvas" xmlns="" xmlns:a16="http://schemas.microsoft.com/office/drawing/2014/main" id="{F7043567-4147-88C3-F094-05513D23DB95}"/>
+                <a16:creationId xmlns:a16="http://schemas.microsoft.com/office/drawing/2014/main" xmlns="" xmlns:lc="http://schemas.openxmlformats.org/drawingml/2006/lockedCanvas" id="{F7043567-4147-88C3-F094-05513D23DB95}"/>
               </a:ext>
             </a:extLst>
           </p:cNvPr>
@@ -6129,7 +6129,7 @@
           <p:cNvPr id="4" name="TextBox 5">
             <a:extLst>
               <a:ext uri="{FF2B5EF4-FFF2-40B4-BE49-F238E27FC236}">
-                <a16:creationId xmlns:lc="http://schemas.openxmlformats.org/drawingml/2006/lockedCanvas" xmlns="" xmlns:a16="http://schemas.microsoft.com/office/drawing/2014/main" id="{F7043567-4147-88C3-F094-05513D23DB95}"/>
+                <a16:creationId xmlns:a16="http://schemas.microsoft.com/office/drawing/2014/main" xmlns="" xmlns:lc="http://schemas.openxmlformats.org/drawingml/2006/lockedCanvas" id="{F7043567-4147-88C3-F094-05513D23DB95}"/>
               </a:ext>
             </a:extLst>
           </p:cNvPr>
@@ -6424,7 +6424,7 @@
           <p:cNvPr id="4" name="TextBox 5">
             <a:extLst>
               <a:ext uri="{FF2B5EF4-FFF2-40B4-BE49-F238E27FC236}">
-                <a16:creationId xmlns:lc="http://schemas.openxmlformats.org/drawingml/2006/lockedCanvas" xmlns="" xmlns:a16="http://schemas.microsoft.com/office/drawing/2014/main" id="{F7043567-4147-88C3-F094-05513D23DB95}"/>
+                <a16:creationId xmlns:a16="http://schemas.microsoft.com/office/drawing/2014/main" xmlns="" xmlns:lc="http://schemas.openxmlformats.org/drawingml/2006/lockedCanvas" id="{F7043567-4147-88C3-F094-05513D23DB95}"/>
               </a:ext>
             </a:extLst>
           </p:cNvPr>
@@ -6818,7 +6818,7 @@
           <p:cNvPr id="4" name="TextBox 5">
             <a:extLst>
               <a:ext uri="{FF2B5EF4-FFF2-40B4-BE49-F238E27FC236}">
-                <a16:creationId xmlns:lc="http://schemas.openxmlformats.org/drawingml/2006/lockedCanvas" xmlns="" xmlns:a16="http://schemas.microsoft.com/office/drawing/2014/main" id="{F7043567-4147-88C3-F094-05513D23DB95}"/>
+                <a16:creationId xmlns:a16="http://schemas.microsoft.com/office/drawing/2014/main" xmlns="" xmlns:lc="http://schemas.openxmlformats.org/drawingml/2006/lockedCanvas" id="{F7043567-4147-88C3-F094-05513D23DB95}"/>
               </a:ext>
             </a:extLst>
           </p:cNvPr>
@@ -7223,7 +7223,7 @@
           <p:cNvPr id="4" name="TextBox 5">
             <a:extLst>
               <a:ext uri="{FF2B5EF4-FFF2-40B4-BE49-F238E27FC236}">
-                <a16:creationId xmlns:lc="http://schemas.openxmlformats.org/drawingml/2006/lockedCanvas" xmlns="" xmlns:a16="http://schemas.microsoft.com/office/drawing/2014/main" id="{F7043567-4147-88C3-F094-05513D23DB95}"/>
+                <a16:creationId xmlns:a16="http://schemas.microsoft.com/office/drawing/2014/main" xmlns="" xmlns:lc="http://schemas.openxmlformats.org/drawingml/2006/lockedCanvas" id="{F7043567-4147-88C3-F094-05513D23DB95}"/>
               </a:ext>
             </a:extLst>
           </p:cNvPr>
@@ -7600,7 +7600,7 @@
           <p:cNvPr id="5" name="TextBox 5">
             <a:extLst>
               <a:ext uri="{FF2B5EF4-FFF2-40B4-BE49-F238E27FC236}">
-                <a16:creationId xmlns:lc="http://schemas.openxmlformats.org/drawingml/2006/lockedCanvas" xmlns="" xmlns:a16="http://schemas.microsoft.com/office/drawing/2014/main" id="{F7043567-4147-88C3-F094-05513D23DB95}"/>
+                <a16:creationId xmlns:a16="http://schemas.microsoft.com/office/drawing/2014/main" xmlns="" xmlns:lc="http://schemas.openxmlformats.org/drawingml/2006/lockedCanvas" id="{F7043567-4147-88C3-F094-05513D23DB95}"/>
               </a:ext>
             </a:extLst>
           </p:cNvPr>
@@ -8159,7 +8159,7 @@
           <p:cNvPr id="4" name="TextBox 5">
             <a:extLst>
               <a:ext uri="{FF2B5EF4-FFF2-40B4-BE49-F238E27FC236}">
-                <a16:creationId xmlns:lc="http://schemas.openxmlformats.org/drawingml/2006/lockedCanvas" xmlns="" xmlns:a16="http://schemas.microsoft.com/office/drawing/2014/main" id="{F7043567-4147-88C3-F094-05513D23DB95}"/>
+                <a16:creationId xmlns:a16="http://schemas.microsoft.com/office/drawing/2014/main" xmlns="" xmlns:lc="http://schemas.openxmlformats.org/drawingml/2006/lockedCanvas" id="{F7043567-4147-88C3-F094-05513D23DB95}"/>
               </a:ext>
             </a:extLst>
           </p:cNvPr>
@@ -8452,7 +8452,7 @@
           <p:cNvPr id="8" name="TextBox 5">
             <a:extLst>
               <a:ext uri="{FF2B5EF4-FFF2-40B4-BE49-F238E27FC236}">
-                <a16:creationId xmlns:lc="http://schemas.openxmlformats.org/drawingml/2006/lockedCanvas" xmlns="" xmlns:a16="http://schemas.microsoft.com/office/drawing/2014/main" id="{F7043567-4147-88C3-F094-05513D23DB95}"/>
+                <a16:creationId xmlns:a16="http://schemas.microsoft.com/office/drawing/2014/main" xmlns="" xmlns:lc="http://schemas.openxmlformats.org/drawingml/2006/lockedCanvas" id="{F7043567-4147-88C3-F094-05513D23DB95}"/>
               </a:ext>
             </a:extLst>
           </p:cNvPr>
@@ -8747,7 +8747,7 @@
           <p:cNvPr id="6" name="TextBox 5">
             <a:extLst>
               <a:ext uri="{FF2B5EF4-FFF2-40B4-BE49-F238E27FC236}">
-                <a16:creationId xmlns:lc="http://schemas.openxmlformats.org/drawingml/2006/lockedCanvas" xmlns="" xmlns:a16="http://schemas.microsoft.com/office/drawing/2014/main" id="{F7043567-4147-88C3-F094-05513D23DB95}"/>
+                <a16:creationId xmlns:a16="http://schemas.microsoft.com/office/drawing/2014/main" xmlns="" xmlns:lc="http://schemas.openxmlformats.org/drawingml/2006/lockedCanvas" id="{F7043567-4147-88C3-F094-05513D23DB95}"/>
               </a:ext>
             </a:extLst>
           </p:cNvPr>
@@ -9050,7 +9050,7 @@
           <p:cNvPr id="6" name="TextBox 5">
             <a:extLst>
               <a:ext uri="{FF2B5EF4-FFF2-40B4-BE49-F238E27FC236}">
-                <a16:creationId xmlns:lc="http://schemas.openxmlformats.org/drawingml/2006/lockedCanvas" xmlns="" xmlns:a16="http://schemas.microsoft.com/office/drawing/2014/main" id="{F7043567-4147-88C3-F094-05513D23DB95}"/>
+                <a16:creationId xmlns:a16="http://schemas.microsoft.com/office/drawing/2014/main" xmlns="" xmlns:lc="http://schemas.openxmlformats.org/drawingml/2006/lockedCanvas" id="{F7043567-4147-88C3-F094-05513D23DB95}"/>
               </a:ext>
             </a:extLst>
           </p:cNvPr>
@@ -9351,7 +9351,7 @@
           <p:cNvPr id="5" name="TextBox 5">
             <a:extLst>
               <a:ext uri="{FF2B5EF4-FFF2-40B4-BE49-F238E27FC236}">
-                <a16:creationId xmlns:lc="http://schemas.openxmlformats.org/drawingml/2006/lockedCanvas" xmlns="" xmlns:a16="http://schemas.microsoft.com/office/drawing/2014/main" id="{F7043567-4147-88C3-F094-05513D23DB95}"/>
+                <a16:creationId xmlns:a16="http://schemas.microsoft.com/office/drawing/2014/main" xmlns="" xmlns:lc="http://schemas.openxmlformats.org/drawingml/2006/lockedCanvas" id="{F7043567-4147-88C3-F094-05513D23DB95}"/>
               </a:ext>
             </a:extLst>
           </p:cNvPr>
@@ -9652,7 +9652,7 @@
           <p:cNvPr id="4" name="TextBox 5">
             <a:extLst>
               <a:ext uri="{FF2B5EF4-FFF2-40B4-BE49-F238E27FC236}">
-                <a16:creationId xmlns:lc="http://schemas.openxmlformats.org/drawingml/2006/lockedCanvas" xmlns="" xmlns:a16="http://schemas.microsoft.com/office/drawing/2014/main" id="{F7043567-4147-88C3-F094-05513D23DB95}"/>
+                <a16:creationId xmlns:a16="http://schemas.microsoft.com/office/drawing/2014/main" xmlns="" xmlns:lc="http://schemas.openxmlformats.org/drawingml/2006/lockedCanvas" id="{F7043567-4147-88C3-F094-05513D23DB95}"/>
               </a:ext>
             </a:extLst>
           </p:cNvPr>
@@ -9953,7 +9953,7 @@
           <p:cNvPr id="4" name="TextBox 5">
             <a:extLst>
               <a:ext uri="{FF2B5EF4-FFF2-40B4-BE49-F238E27FC236}">
-                <a16:creationId xmlns:lc="http://schemas.openxmlformats.org/drawingml/2006/lockedCanvas" xmlns="" xmlns:a16="http://schemas.microsoft.com/office/drawing/2014/main" id="{F7043567-4147-88C3-F094-05513D23DB95}"/>
+                <a16:creationId xmlns:a16="http://schemas.microsoft.com/office/drawing/2014/main" xmlns="" xmlns:lc="http://schemas.openxmlformats.org/drawingml/2006/lockedCanvas" id="{F7043567-4147-88C3-F094-05513D23DB95}"/>
               </a:ext>
             </a:extLst>
           </p:cNvPr>

--- a/reports/2023_403_БогатыреваВО_slides.pptx
+++ b/reports/2023_403_БогатыреваВО_slides.pptx
@@ -214,7 +214,7 @@
           <a:p>
             <a:fld id="{7DEDA2BB-1C5C-4526-95E5-77A988EF9EA2}" type="datetimeFigureOut">
               <a:rPr lang="ru-RU" smtClean="0"/>
-              <a:t>29.05.2023</a:t>
+              <a:t>30.05.2023</a:t>
             </a:fld>
             <a:endParaRPr lang="ru-RU"/>
           </a:p>
@@ -509,12 +509,930 @@
             <p:ph type="sldImg"/>
           </p:nvPr>
         </p:nvSpPr>
-        <p:spPr>
-          <a:xfrm>
-            <a:off x="1371600" y="1143000"/>
-            <a:ext cx="4114800" cy="3086100"/>
-          </a:xfrm>
-        </p:spPr>
+        <p:spPr/>
+      </p:sp>
+      <p:sp>
+        <p:nvSpPr>
+          <p:cNvPr id="3" name="Заметки 2"/>
+          <p:cNvSpPr>
+            <a:spLocks noGrp="1"/>
+          </p:cNvSpPr>
+          <p:nvPr>
+            <p:ph type="body" idx="1"/>
+          </p:nvPr>
+        </p:nvSpPr>
+        <p:spPr/>
+        <p:txBody>
+          <a:bodyPr/>
+          <a:lstStyle/>
+          <a:p>
+            <a:r>
+              <a:rPr lang="ru-RU" dirty="0" smtClean="0"/>
+              <a:t>Здравствуйте, уважаемая комиссия! На защиту выносится выпускная квалификационная</a:t>
+            </a:r>
+            <a:r>
+              <a:rPr lang="ru-RU" baseline="0" dirty="0" smtClean="0"/>
+              <a:t> </a:t>
+            </a:r>
+            <a:r>
+              <a:rPr lang="ru-RU" dirty="0" smtClean="0"/>
+              <a:t>работа по тема: Разработка системы</a:t>
+            </a:r>
+            <a:r>
+              <a:rPr lang="ru-RU" baseline="0" dirty="0" smtClean="0"/>
+              <a:t> </a:t>
+            </a:r>
+            <a:r>
+              <a:rPr lang="ru-RU" dirty="0" smtClean="0"/>
+              <a:t>электронного голосования на основе технологии блокчейн.</a:t>
+            </a:r>
+            <a:endParaRPr lang="ru-RU" dirty="0"/>
+          </a:p>
+        </p:txBody>
+      </p:sp>
+      <p:sp>
+        <p:nvSpPr>
+          <p:cNvPr id="4" name="Номер слайда 3"/>
+          <p:cNvSpPr>
+            <a:spLocks noGrp="1"/>
+          </p:cNvSpPr>
+          <p:nvPr>
+            <p:ph type="sldNum" sz="quarter" idx="10"/>
+          </p:nvPr>
+        </p:nvSpPr>
+        <p:spPr/>
+        <p:txBody>
+          <a:bodyPr/>
+          <a:lstStyle/>
+          <a:p>
+            <a:fld id="{BEC7A95C-97CA-431A-AE49-B22A2B1CD0AD}" type="slidenum">
+              <a:rPr lang="ru-RU" smtClean="0"/>
+              <a:t>1</a:t>
+            </a:fld>
+            <a:endParaRPr lang="ru-RU"/>
+          </a:p>
+        </p:txBody>
+      </p:sp>
+    </p:spTree>
+    <p:extLst>
+      <p:ext uri="{BB962C8B-B14F-4D97-AF65-F5344CB8AC3E}">
+        <p14:creationId xmlns:p14="http://schemas.microsoft.com/office/powerpoint/2010/main" val="1552465999"/>
+      </p:ext>
+    </p:extLst>
+  </p:cSld>
+  <p:clrMapOvr>
+    <a:masterClrMapping/>
+  </p:clrMapOvr>
+</p:notes>
+</file>
+
+<file path=ppt/notesSlides/notesSlide10.xml><?xml version="1.0" encoding="utf-8"?>
+<p:notes xmlns:a="http://schemas.openxmlformats.org/drawingml/2006/main" xmlns:r="http://schemas.openxmlformats.org/officeDocument/2006/relationships" xmlns:p="http://schemas.openxmlformats.org/presentationml/2006/main">
+  <p:cSld>
+    <p:spTree>
+      <p:nvGrpSpPr>
+        <p:cNvPr id="1" name=""/>
+        <p:cNvGrpSpPr/>
+        <p:nvPr/>
+      </p:nvGrpSpPr>
+      <p:grpSpPr>
+        <a:xfrm>
+          <a:off x="0" y="0"/>
+          <a:ext cx="0" cy="0"/>
+          <a:chOff x="0" y="0"/>
+          <a:chExt cx="0" cy="0"/>
+        </a:xfrm>
+      </p:grpSpPr>
+      <p:sp>
+        <p:nvSpPr>
+          <p:cNvPr id="2" name="Образ слайда 1"/>
+          <p:cNvSpPr>
+            <a:spLocks noGrp="1" noRot="1" noChangeAspect="1"/>
+          </p:cNvSpPr>
+          <p:nvPr>
+            <p:ph type="sldImg"/>
+          </p:nvPr>
+        </p:nvSpPr>
+        <p:spPr/>
+      </p:sp>
+      <p:sp>
+        <p:nvSpPr>
+          <p:cNvPr id="3" name="Заметки 2"/>
+          <p:cNvSpPr>
+            <a:spLocks noGrp="1"/>
+          </p:cNvSpPr>
+          <p:nvPr>
+            <p:ph type="body" idx="1"/>
+          </p:nvPr>
+        </p:nvSpPr>
+        <p:spPr/>
+        <p:txBody>
+          <a:bodyPr/>
+          <a:lstStyle/>
+          <a:p>
+            <a:r>
+              <a:rPr lang="ru-RU" sz="1200" kern="1200" dirty="0" smtClean="0">
+                <a:solidFill>
+                  <a:schemeClr val="tx1"/>
+                </a:solidFill>
+                <a:effectLst/>
+                <a:latin typeface="+mn-lt"/>
+                <a:ea typeface="+mn-ea"/>
+                <a:cs typeface="+mn-cs"/>
+              </a:rPr>
+              <a:t>Архитектура веб-интерфейса </a:t>
+            </a:r>
+            <a:r>
+              <a:rPr lang="en-US" sz="1200" kern="1200" dirty="0" smtClean="0">
+                <a:solidFill>
+                  <a:schemeClr val="tx1"/>
+                </a:solidFill>
+                <a:effectLst/>
+                <a:latin typeface="+mn-lt"/>
+                <a:ea typeface="+mn-ea"/>
+                <a:cs typeface="+mn-cs"/>
+              </a:rPr>
+              <a:t>EVoting </a:t>
+            </a:r>
+            <a:r>
+              <a:rPr lang="ru-RU" sz="1200" kern="1200" dirty="0" smtClean="0">
+                <a:solidFill>
+                  <a:schemeClr val="tx1"/>
+                </a:solidFill>
+                <a:effectLst/>
+                <a:latin typeface="+mn-lt"/>
+                <a:ea typeface="+mn-ea"/>
+                <a:cs typeface="+mn-cs"/>
+              </a:rPr>
+              <a:t>состоит из следующих компонентов.</a:t>
+            </a:r>
+          </a:p>
+          <a:p>
+            <a:r>
+              <a:rPr lang="ru-RU" sz="1200" kern="1200" dirty="0" smtClean="0">
+                <a:solidFill>
+                  <a:schemeClr val="tx1"/>
+                </a:solidFill>
+                <a:effectLst/>
+                <a:latin typeface="+mn-lt"/>
+                <a:ea typeface="+mn-ea"/>
+                <a:cs typeface="+mn-cs"/>
+              </a:rPr>
+              <a:t>Компонент отображения голосований, который получает данные о голосованиях с помощью веб-сервера и представляет их на главной странице веб-приложения.</a:t>
+            </a:r>
+          </a:p>
+          <a:p>
+            <a:r>
+              <a:rPr lang="ru-RU" sz="1200" kern="1200" dirty="0" smtClean="0">
+                <a:solidFill>
+                  <a:schemeClr val="tx1"/>
+                </a:solidFill>
+                <a:effectLst/>
+                <a:latin typeface="+mn-lt"/>
+                <a:ea typeface="+mn-ea"/>
+                <a:cs typeface="+mn-cs"/>
+              </a:rPr>
+              <a:t>Компонент подключения веб3-провайдера </a:t>
+            </a:r>
+            <a:r>
+              <a:rPr lang="en-US" sz="1200" kern="1200" dirty="0" err="1" smtClean="0">
+                <a:solidFill>
+                  <a:schemeClr val="tx1"/>
+                </a:solidFill>
+                <a:effectLst/>
+                <a:latin typeface="+mn-lt"/>
+                <a:ea typeface="+mn-ea"/>
+                <a:cs typeface="+mn-cs"/>
+              </a:rPr>
+              <a:t>MeaMask</a:t>
+            </a:r>
+            <a:r>
+              <a:rPr lang="ru-RU" sz="1200" kern="1200" dirty="0" smtClean="0">
+                <a:solidFill>
+                  <a:schemeClr val="tx1"/>
+                </a:solidFill>
+                <a:effectLst/>
+                <a:latin typeface="+mn-lt"/>
+                <a:ea typeface="+mn-ea"/>
+                <a:cs typeface="+mn-cs"/>
+              </a:rPr>
+              <a:t> необходимый для авторизации пользователя в системе.</a:t>
+            </a:r>
+          </a:p>
+          <a:p>
+            <a:r>
+              <a:rPr lang="ru-RU" sz="1200" kern="1200" dirty="0" smtClean="0">
+                <a:solidFill>
+                  <a:schemeClr val="tx1"/>
+                </a:solidFill>
+                <a:effectLst/>
+                <a:latin typeface="+mn-lt"/>
+                <a:ea typeface="+mn-ea"/>
+                <a:cs typeface="+mn-cs"/>
+              </a:rPr>
+              <a:t>Компонент голосования, в котором отображается информация о голосовании, его результаты, а также предоставляется возможность пользователю проголосовать, если данный пользователь </a:t>
+            </a:r>
+            <a:r>
+              <a:rPr lang="ru-RU" sz="1200" kern="1200" dirty="0" err="1" smtClean="0">
+                <a:solidFill>
+                  <a:schemeClr val="tx1"/>
+                </a:solidFill>
+                <a:effectLst/>
+                <a:latin typeface="+mn-lt"/>
+                <a:ea typeface="+mn-ea"/>
+                <a:cs typeface="+mn-cs"/>
+              </a:rPr>
+              <a:t>учавствует</a:t>
+            </a:r>
+            <a:r>
+              <a:rPr lang="ru-RU" sz="1200" kern="1200" dirty="0" smtClean="0">
+                <a:solidFill>
+                  <a:schemeClr val="tx1"/>
+                </a:solidFill>
+                <a:effectLst/>
+                <a:latin typeface="+mn-lt"/>
+                <a:ea typeface="+mn-ea"/>
+                <a:cs typeface="+mn-cs"/>
+              </a:rPr>
+              <a:t> в голосовании.</a:t>
+            </a:r>
+          </a:p>
+          <a:p>
+            <a:r>
+              <a:rPr lang="ru-RU" sz="1200" kern="1200" dirty="0" smtClean="0">
+                <a:solidFill>
+                  <a:schemeClr val="tx1"/>
+                </a:solidFill>
+                <a:effectLst/>
+                <a:latin typeface="+mn-lt"/>
+                <a:ea typeface="+mn-ea"/>
+                <a:cs typeface="+mn-cs"/>
+              </a:rPr>
+              <a:t>Компонент создания голосования, в котором пользователь может заполнить необходимые поля и создать голосование в блокчейне.</a:t>
+            </a:r>
+          </a:p>
+          <a:p>
+            <a:endParaRPr lang="ru-RU" dirty="0"/>
+          </a:p>
+        </p:txBody>
+      </p:sp>
+      <p:sp>
+        <p:nvSpPr>
+          <p:cNvPr id="4" name="Номер слайда 3"/>
+          <p:cNvSpPr>
+            <a:spLocks noGrp="1"/>
+          </p:cNvSpPr>
+          <p:nvPr>
+            <p:ph type="sldNum" sz="quarter" idx="10"/>
+          </p:nvPr>
+        </p:nvSpPr>
+        <p:spPr/>
+        <p:txBody>
+          <a:bodyPr/>
+          <a:lstStyle/>
+          <a:p>
+            <a:fld id="{BEC7A95C-97CA-431A-AE49-B22A2B1CD0AD}" type="slidenum">
+              <a:rPr lang="ru-RU" smtClean="0"/>
+              <a:t>10</a:t>
+            </a:fld>
+            <a:endParaRPr lang="ru-RU"/>
+          </a:p>
+        </p:txBody>
+      </p:sp>
+    </p:spTree>
+    <p:extLst>
+      <p:ext uri="{BB962C8B-B14F-4D97-AF65-F5344CB8AC3E}">
+        <p14:creationId xmlns:p14="http://schemas.microsoft.com/office/powerpoint/2010/main" val="2017272939"/>
+      </p:ext>
+    </p:extLst>
+  </p:cSld>
+  <p:clrMapOvr>
+    <a:masterClrMapping/>
+  </p:clrMapOvr>
+</p:notes>
+</file>
+
+<file path=ppt/notesSlides/notesSlide11.xml><?xml version="1.0" encoding="utf-8"?>
+<p:notes xmlns:a="http://schemas.openxmlformats.org/drawingml/2006/main" xmlns:r="http://schemas.openxmlformats.org/officeDocument/2006/relationships" xmlns:p="http://schemas.openxmlformats.org/presentationml/2006/main">
+  <p:cSld>
+    <p:spTree>
+      <p:nvGrpSpPr>
+        <p:cNvPr id="1" name=""/>
+        <p:cNvGrpSpPr/>
+        <p:nvPr/>
+      </p:nvGrpSpPr>
+      <p:grpSpPr>
+        <a:xfrm>
+          <a:off x="0" y="0"/>
+          <a:ext cx="0" cy="0"/>
+          <a:chOff x="0" y="0"/>
+          <a:chExt cx="0" cy="0"/>
+        </a:xfrm>
+      </p:grpSpPr>
+      <p:sp>
+        <p:nvSpPr>
+          <p:cNvPr id="2" name="Образ слайда 1"/>
+          <p:cNvSpPr>
+            <a:spLocks noGrp="1" noRot="1" noChangeAspect="1"/>
+          </p:cNvSpPr>
+          <p:nvPr>
+            <p:ph type="sldImg"/>
+          </p:nvPr>
+        </p:nvSpPr>
+        <p:spPr/>
+      </p:sp>
+      <p:sp>
+        <p:nvSpPr>
+          <p:cNvPr id="3" name="Заметки 2"/>
+          <p:cNvSpPr>
+            <a:spLocks noGrp="1"/>
+          </p:cNvSpPr>
+          <p:nvPr>
+            <p:ph type="body" idx="1"/>
+          </p:nvPr>
+        </p:nvSpPr>
+        <p:spPr/>
+        <p:txBody>
+          <a:bodyPr/>
+          <a:lstStyle/>
+          <a:p>
+            <a:r>
+              <a:rPr lang="ru-RU" sz="1200" kern="1200" dirty="0" smtClean="0">
+                <a:solidFill>
+                  <a:schemeClr val="tx1"/>
+                </a:solidFill>
+                <a:effectLst/>
+                <a:latin typeface="+mn-lt"/>
+                <a:ea typeface="+mn-ea"/>
+                <a:cs typeface="+mn-cs"/>
+              </a:rPr>
+              <a:t>В представленной диаграмме деятельности пользователь заполняет поля формы создания голосования: название, сроки голосования, варианты ответов и публичные идентификаторы избирателей, созданные в </a:t>
+            </a:r>
+            <a:r>
+              <a:rPr lang="en-US" sz="1200" kern="1200" dirty="0" smtClean="0">
+                <a:solidFill>
+                  <a:schemeClr val="tx1"/>
+                </a:solidFill>
+                <a:effectLst/>
+                <a:latin typeface="+mn-lt"/>
+                <a:ea typeface="+mn-ea"/>
+                <a:cs typeface="+mn-cs"/>
+              </a:rPr>
+              <a:t>MetaMask</a:t>
+            </a:r>
+            <a:r>
+              <a:rPr lang="ru-RU" sz="1200" kern="1200" dirty="0" smtClean="0">
+                <a:solidFill>
+                  <a:schemeClr val="tx1"/>
+                </a:solidFill>
+                <a:effectLst/>
+                <a:latin typeface="+mn-lt"/>
+                <a:ea typeface="+mn-ea"/>
+                <a:cs typeface="+mn-cs"/>
+              </a:rPr>
+              <a:t>. Затем пользователь нажимает кнопку «Создать голосование». После этого веб‑интерфейс формирует запрос для развертывания смарт-контракта голосования. Пользователю нужно подписать транзакцию создания смарт-контракта голосования с помощью </a:t>
+            </a:r>
+            <a:r>
+              <a:rPr lang="en-US" sz="1200" kern="1200" dirty="0" smtClean="0">
+                <a:solidFill>
+                  <a:schemeClr val="tx1"/>
+                </a:solidFill>
+                <a:effectLst/>
+                <a:latin typeface="+mn-lt"/>
+                <a:ea typeface="+mn-ea"/>
+                <a:cs typeface="+mn-cs"/>
+              </a:rPr>
+              <a:t>MetaMask</a:t>
+            </a:r>
+            <a:r>
+              <a:rPr lang="ru-RU" sz="1200" kern="1200" dirty="0" smtClean="0">
+                <a:solidFill>
+                  <a:schemeClr val="tx1"/>
+                </a:solidFill>
+                <a:effectLst/>
+                <a:latin typeface="+mn-lt"/>
+                <a:ea typeface="+mn-ea"/>
+                <a:cs typeface="+mn-cs"/>
+              </a:rPr>
+              <a:t>. </a:t>
+            </a:r>
+          </a:p>
+          <a:p>
+            <a:r>
+              <a:rPr lang="ru-RU" sz="1200" kern="1200" dirty="0" smtClean="0">
+                <a:solidFill>
+                  <a:schemeClr val="tx1"/>
+                </a:solidFill>
+                <a:effectLst/>
+                <a:latin typeface="+mn-lt"/>
+                <a:ea typeface="+mn-ea"/>
+                <a:cs typeface="+mn-cs"/>
+              </a:rPr>
+              <a:t>На веб-сервере системы выполняется развертывание смарт-контракта голосования в блокчейне. После развертывания смарт-контракт производит начисление токенов (голосов) на публичные идентификаторы участников голосования. После этого веб-сервер выполняет транзакцию добавления нового адреса только что созданного смарт-контракта голосования в блокчейн. В свою очередь, веб-интерфейс переводит пользователя на страницу со всеми голосованиями.</a:t>
+            </a:r>
+            <a:endParaRPr lang="ru-RU" dirty="0"/>
+          </a:p>
+        </p:txBody>
+      </p:sp>
+      <p:sp>
+        <p:nvSpPr>
+          <p:cNvPr id="4" name="Номер слайда 3"/>
+          <p:cNvSpPr>
+            <a:spLocks noGrp="1"/>
+          </p:cNvSpPr>
+          <p:nvPr>
+            <p:ph type="sldNum" sz="quarter" idx="10"/>
+          </p:nvPr>
+        </p:nvSpPr>
+        <p:spPr/>
+        <p:txBody>
+          <a:bodyPr/>
+          <a:lstStyle/>
+          <a:p>
+            <a:fld id="{BEC7A95C-97CA-431A-AE49-B22A2B1CD0AD}" type="slidenum">
+              <a:rPr lang="ru-RU" smtClean="0"/>
+              <a:t>11</a:t>
+            </a:fld>
+            <a:endParaRPr lang="ru-RU"/>
+          </a:p>
+        </p:txBody>
+      </p:sp>
+    </p:spTree>
+    <p:extLst>
+      <p:ext uri="{BB962C8B-B14F-4D97-AF65-F5344CB8AC3E}">
+        <p14:creationId xmlns:p14="http://schemas.microsoft.com/office/powerpoint/2010/main" val="1383776166"/>
+      </p:ext>
+    </p:extLst>
+  </p:cSld>
+  <p:clrMapOvr>
+    <a:masterClrMapping/>
+  </p:clrMapOvr>
+</p:notes>
+</file>
+
+<file path=ppt/notesSlides/notesSlide12.xml><?xml version="1.0" encoding="utf-8"?>
+<p:notes xmlns:a="http://schemas.openxmlformats.org/drawingml/2006/main" xmlns:r="http://schemas.openxmlformats.org/officeDocument/2006/relationships" xmlns:p="http://schemas.openxmlformats.org/presentationml/2006/main">
+  <p:cSld>
+    <p:spTree>
+      <p:nvGrpSpPr>
+        <p:cNvPr id="1" name=""/>
+        <p:cNvGrpSpPr/>
+        <p:nvPr/>
+      </p:nvGrpSpPr>
+      <p:grpSpPr>
+        <a:xfrm>
+          <a:off x="0" y="0"/>
+          <a:ext cx="0" cy="0"/>
+          <a:chOff x="0" y="0"/>
+          <a:chExt cx="0" cy="0"/>
+        </a:xfrm>
+      </p:grpSpPr>
+      <p:sp>
+        <p:nvSpPr>
+          <p:cNvPr id="2" name="Образ слайда 1"/>
+          <p:cNvSpPr>
+            <a:spLocks noGrp="1" noRot="1" noChangeAspect="1"/>
+          </p:cNvSpPr>
+          <p:nvPr>
+            <p:ph type="sldImg"/>
+          </p:nvPr>
+        </p:nvSpPr>
+        <p:spPr/>
+      </p:sp>
+      <p:sp>
+        <p:nvSpPr>
+          <p:cNvPr id="3" name="Заметки 2"/>
+          <p:cNvSpPr>
+            <a:spLocks noGrp="1"/>
+          </p:cNvSpPr>
+          <p:nvPr>
+            <p:ph type="body" idx="1"/>
+          </p:nvPr>
+        </p:nvSpPr>
+        <p:spPr/>
+        <p:txBody>
+          <a:bodyPr/>
+          <a:lstStyle/>
+          <a:p>
+            <a:r>
+              <a:rPr lang="ru-RU" dirty="0" smtClean="0"/>
+              <a:t>На слайде представлены средства</a:t>
+            </a:r>
+            <a:r>
+              <a:rPr lang="ru-RU" baseline="0" dirty="0" smtClean="0"/>
+              <a:t> реализации системы.</a:t>
+            </a:r>
+            <a:endParaRPr lang="ru-RU" dirty="0"/>
+          </a:p>
+        </p:txBody>
+      </p:sp>
+      <p:sp>
+        <p:nvSpPr>
+          <p:cNvPr id="4" name="Номер слайда 3"/>
+          <p:cNvSpPr>
+            <a:spLocks noGrp="1"/>
+          </p:cNvSpPr>
+          <p:nvPr>
+            <p:ph type="sldNum" sz="quarter" idx="10"/>
+          </p:nvPr>
+        </p:nvSpPr>
+        <p:spPr/>
+        <p:txBody>
+          <a:bodyPr/>
+          <a:lstStyle/>
+          <a:p>
+            <a:fld id="{BEC7A95C-97CA-431A-AE49-B22A2B1CD0AD}" type="slidenum">
+              <a:rPr lang="ru-RU" smtClean="0"/>
+              <a:t>12</a:t>
+            </a:fld>
+            <a:endParaRPr lang="ru-RU"/>
+          </a:p>
+        </p:txBody>
+      </p:sp>
+    </p:spTree>
+    <p:extLst>
+      <p:ext uri="{BB962C8B-B14F-4D97-AF65-F5344CB8AC3E}">
+        <p14:creationId xmlns:p14="http://schemas.microsoft.com/office/powerpoint/2010/main" val="1352105269"/>
+      </p:ext>
+    </p:extLst>
+  </p:cSld>
+  <p:clrMapOvr>
+    <a:masterClrMapping/>
+  </p:clrMapOvr>
+</p:notes>
+</file>
+
+<file path=ppt/notesSlides/notesSlide13.xml><?xml version="1.0" encoding="utf-8"?>
+<p:notes xmlns:a="http://schemas.openxmlformats.org/drawingml/2006/main" xmlns:r="http://schemas.openxmlformats.org/officeDocument/2006/relationships" xmlns:p="http://schemas.openxmlformats.org/presentationml/2006/main">
+  <p:cSld>
+    <p:spTree>
+      <p:nvGrpSpPr>
+        <p:cNvPr id="1" name=""/>
+        <p:cNvGrpSpPr/>
+        <p:nvPr/>
+      </p:nvGrpSpPr>
+      <p:grpSpPr>
+        <a:xfrm>
+          <a:off x="0" y="0"/>
+          <a:ext cx="0" cy="0"/>
+          <a:chOff x="0" y="0"/>
+          <a:chExt cx="0" cy="0"/>
+        </a:xfrm>
+      </p:grpSpPr>
+      <p:sp>
+        <p:nvSpPr>
+          <p:cNvPr id="2" name="Образ слайда 1"/>
+          <p:cNvSpPr>
+            <a:spLocks noGrp="1" noRot="1" noChangeAspect="1"/>
+          </p:cNvSpPr>
+          <p:nvPr>
+            <p:ph type="sldImg"/>
+          </p:nvPr>
+        </p:nvSpPr>
+        <p:spPr/>
+      </p:sp>
+      <p:sp>
+        <p:nvSpPr>
+          <p:cNvPr id="3" name="Заметки 2"/>
+          <p:cNvSpPr>
+            <a:spLocks noGrp="1"/>
+          </p:cNvSpPr>
+          <p:nvPr>
+            <p:ph type="body" idx="1"/>
+          </p:nvPr>
+        </p:nvSpPr>
+        <p:spPr/>
+        <p:txBody>
+          <a:bodyPr/>
+          <a:lstStyle/>
+          <a:p>
+            <a:r>
+              <a:rPr lang="ru-RU" dirty="0" smtClean="0"/>
+              <a:t>На главной странице</a:t>
+            </a:r>
+            <a:r>
+              <a:rPr lang="ru-RU" baseline="0" dirty="0" smtClean="0"/>
+              <a:t> разработанного приложения отображается список карточек голосований, которые можно отфильтровать по статусу и названию. </a:t>
+            </a:r>
+            <a:r>
+              <a:rPr lang="ru-RU" sz="1200" kern="1200" dirty="0" smtClean="0">
+                <a:solidFill>
+                  <a:schemeClr val="tx1"/>
+                </a:solidFill>
+                <a:effectLst/>
+                <a:latin typeface="+mn-lt"/>
+                <a:ea typeface="+mn-ea"/>
+                <a:cs typeface="+mn-cs"/>
+              </a:rPr>
+              <a:t>Компонент также позволяет авторизованному пользователю создать новое голосование, нажав кнопку для перехода на страницу создания голосования.</a:t>
+            </a:r>
+            <a:endParaRPr lang="ru-RU" dirty="0"/>
+          </a:p>
+        </p:txBody>
+      </p:sp>
+      <p:sp>
+        <p:nvSpPr>
+          <p:cNvPr id="4" name="Номер слайда 3"/>
+          <p:cNvSpPr>
+            <a:spLocks noGrp="1"/>
+          </p:cNvSpPr>
+          <p:nvPr>
+            <p:ph type="sldNum" sz="quarter" idx="10"/>
+          </p:nvPr>
+        </p:nvSpPr>
+        <p:spPr/>
+        <p:txBody>
+          <a:bodyPr/>
+          <a:lstStyle/>
+          <a:p>
+            <a:fld id="{BEC7A95C-97CA-431A-AE49-B22A2B1CD0AD}" type="slidenum">
+              <a:rPr lang="ru-RU" smtClean="0"/>
+              <a:t>13</a:t>
+            </a:fld>
+            <a:endParaRPr lang="ru-RU"/>
+          </a:p>
+        </p:txBody>
+      </p:sp>
+    </p:spTree>
+    <p:extLst>
+      <p:ext uri="{BB962C8B-B14F-4D97-AF65-F5344CB8AC3E}">
+        <p14:creationId xmlns:p14="http://schemas.microsoft.com/office/powerpoint/2010/main" val="3676423845"/>
+      </p:ext>
+    </p:extLst>
+  </p:cSld>
+  <p:clrMapOvr>
+    <a:masterClrMapping/>
+  </p:clrMapOvr>
+</p:notes>
+</file>
+
+<file path=ppt/notesSlides/notesSlide14.xml><?xml version="1.0" encoding="utf-8"?>
+<p:notes xmlns:a="http://schemas.openxmlformats.org/drawingml/2006/main" xmlns:r="http://schemas.openxmlformats.org/officeDocument/2006/relationships" xmlns:p="http://schemas.openxmlformats.org/presentationml/2006/main">
+  <p:cSld>
+    <p:spTree>
+      <p:nvGrpSpPr>
+        <p:cNvPr id="1" name=""/>
+        <p:cNvGrpSpPr/>
+        <p:nvPr/>
+      </p:nvGrpSpPr>
+      <p:grpSpPr>
+        <a:xfrm>
+          <a:off x="0" y="0"/>
+          <a:ext cx="0" cy="0"/>
+          <a:chOff x="0" y="0"/>
+          <a:chExt cx="0" cy="0"/>
+        </a:xfrm>
+      </p:grpSpPr>
+      <p:sp>
+        <p:nvSpPr>
+          <p:cNvPr id="2" name="Образ слайда 1"/>
+          <p:cNvSpPr>
+            <a:spLocks noGrp="1" noRot="1" noChangeAspect="1"/>
+          </p:cNvSpPr>
+          <p:nvPr>
+            <p:ph type="sldImg"/>
+          </p:nvPr>
+        </p:nvSpPr>
+        <p:spPr/>
+      </p:sp>
+      <p:sp>
+        <p:nvSpPr>
+          <p:cNvPr id="3" name="Заметки 2"/>
+          <p:cNvSpPr>
+            <a:spLocks noGrp="1"/>
+          </p:cNvSpPr>
+          <p:nvPr>
+            <p:ph type="body" idx="1"/>
+          </p:nvPr>
+        </p:nvSpPr>
+        <p:spPr/>
+        <p:txBody>
+          <a:bodyPr/>
+          <a:lstStyle/>
+          <a:p>
+            <a:r>
+              <a:rPr lang="ru-RU" sz="1200" kern="1200" dirty="0" smtClean="0">
+                <a:solidFill>
+                  <a:schemeClr val="tx1"/>
+                </a:solidFill>
+                <a:effectLst/>
+                <a:latin typeface="+mn-lt"/>
+                <a:ea typeface="+mn-ea"/>
+                <a:cs typeface="+mn-cs"/>
+              </a:rPr>
+              <a:t>Для авторизации</a:t>
+            </a:r>
+            <a:r>
+              <a:rPr lang="ru-RU" sz="1200" kern="1200" baseline="0" dirty="0" smtClean="0">
+                <a:solidFill>
+                  <a:schemeClr val="tx1"/>
+                </a:solidFill>
+                <a:effectLst/>
+                <a:latin typeface="+mn-lt"/>
+                <a:ea typeface="+mn-ea"/>
+                <a:cs typeface="+mn-cs"/>
+              </a:rPr>
+              <a:t> </a:t>
+            </a:r>
+            <a:r>
+              <a:rPr lang="ru-RU" sz="1200" kern="1200" dirty="0" smtClean="0">
+                <a:solidFill>
+                  <a:schemeClr val="tx1"/>
+                </a:solidFill>
+                <a:effectLst/>
+                <a:latin typeface="+mn-lt"/>
+                <a:ea typeface="+mn-ea"/>
+                <a:cs typeface="+mn-cs"/>
+              </a:rPr>
+              <a:t>пользователю нужно выбрать аккаунт в </a:t>
+            </a:r>
+            <a:r>
+              <a:rPr lang="en-US" sz="1200" kern="1200" dirty="0" smtClean="0">
+                <a:solidFill>
+                  <a:schemeClr val="tx1"/>
+                </a:solidFill>
+                <a:effectLst/>
+                <a:latin typeface="+mn-lt"/>
+                <a:ea typeface="+mn-ea"/>
+                <a:cs typeface="+mn-cs"/>
+              </a:rPr>
+              <a:t>MetaMask</a:t>
+            </a:r>
+            <a:r>
+              <a:rPr lang="ru-RU" sz="1200" kern="1200" dirty="0" smtClean="0">
+                <a:solidFill>
+                  <a:schemeClr val="tx1"/>
+                </a:solidFill>
+                <a:effectLst/>
+                <a:latin typeface="+mn-lt"/>
+                <a:ea typeface="+mn-ea"/>
+                <a:cs typeface="+mn-cs"/>
+              </a:rPr>
+              <a:t>, а затем нажать кнопку «Подключиться».</a:t>
+            </a:r>
+          </a:p>
+        </p:txBody>
+      </p:sp>
+      <p:sp>
+        <p:nvSpPr>
+          <p:cNvPr id="4" name="Номер слайда 3"/>
+          <p:cNvSpPr>
+            <a:spLocks noGrp="1"/>
+          </p:cNvSpPr>
+          <p:nvPr>
+            <p:ph type="sldNum" sz="quarter" idx="10"/>
+          </p:nvPr>
+        </p:nvSpPr>
+        <p:spPr/>
+        <p:txBody>
+          <a:bodyPr/>
+          <a:lstStyle/>
+          <a:p>
+            <a:fld id="{BEC7A95C-97CA-431A-AE49-B22A2B1CD0AD}" type="slidenum">
+              <a:rPr lang="ru-RU" smtClean="0"/>
+              <a:t>14</a:t>
+            </a:fld>
+            <a:endParaRPr lang="ru-RU"/>
+          </a:p>
+        </p:txBody>
+      </p:sp>
+    </p:spTree>
+    <p:extLst>
+      <p:ext uri="{BB962C8B-B14F-4D97-AF65-F5344CB8AC3E}">
+        <p14:creationId xmlns:p14="http://schemas.microsoft.com/office/powerpoint/2010/main" val="1294022964"/>
+      </p:ext>
+    </p:extLst>
+  </p:cSld>
+  <p:clrMapOvr>
+    <a:masterClrMapping/>
+  </p:clrMapOvr>
+</p:notes>
+</file>
+
+<file path=ppt/notesSlides/notesSlide15.xml><?xml version="1.0" encoding="utf-8"?>
+<p:notes xmlns:a="http://schemas.openxmlformats.org/drawingml/2006/main" xmlns:r="http://schemas.openxmlformats.org/officeDocument/2006/relationships" xmlns:p="http://schemas.openxmlformats.org/presentationml/2006/main">
+  <p:cSld>
+    <p:spTree>
+      <p:nvGrpSpPr>
+        <p:cNvPr id="1" name=""/>
+        <p:cNvGrpSpPr/>
+        <p:nvPr/>
+      </p:nvGrpSpPr>
+      <p:grpSpPr>
+        <a:xfrm>
+          <a:off x="0" y="0"/>
+          <a:ext cx="0" cy="0"/>
+          <a:chOff x="0" y="0"/>
+          <a:chExt cx="0" cy="0"/>
+        </a:xfrm>
+      </p:grpSpPr>
+      <p:sp>
+        <p:nvSpPr>
+          <p:cNvPr id="2" name="Образ слайда 1"/>
+          <p:cNvSpPr>
+            <a:spLocks noGrp="1" noRot="1" noChangeAspect="1"/>
+          </p:cNvSpPr>
+          <p:nvPr>
+            <p:ph type="sldImg"/>
+          </p:nvPr>
+        </p:nvSpPr>
+        <p:spPr/>
+      </p:sp>
+      <p:sp>
+        <p:nvSpPr>
+          <p:cNvPr id="3" name="Заметки 2"/>
+          <p:cNvSpPr>
+            <a:spLocks noGrp="1"/>
+          </p:cNvSpPr>
+          <p:nvPr>
+            <p:ph type="body" idx="1"/>
+          </p:nvPr>
+        </p:nvSpPr>
+        <p:spPr/>
+        <p:txBody>
+          <a:bodyPr/>
+          <a:lstStyle/>
+          <a:p>
+            <a:r>
+              <a:rPr lang="ru-RU" sz="1200" kern="1200" dirty="0" smtClean="0">
+                <a:solidFill>
+                  <a:schemeClr val="tx1"/>
+                </a:solidFill>
+                <a:effectLst/>
+                <a:latin typeface="+mn-lt"/>
+                <a:ea typeface="+mn-ea"/>
+                <a:cs typeface="+mn-cs"/>
+              </a:rPr>
+              <a:t>Форма на странице «Создание голосования» включает поля ввода для названия голосования, даты и времени начала и окончания голосования, списка участников и списка вариантов ответов.</a:t>
+            </a:r>
+            <a:endParaRPr lang="ru-RU" dirty="0"/>
+          </a:p>
+        </p:txBody>
+      </p:sp>
+      <p:sp>
+        <p:nvSpPr>
+          <p:cNvPr id="4" name="Номер слайда 3"/>
+          <p:cNvSpPr>
+            <a:spLocks noGrp="1"/>
+          </p:cNvSpPr>
+          <p:nvPr>
+            <p:ph type="sldNum" sz="quarter" idx="10"/>
+          </p:nvPr>
+        </p:nvSpPr>
+        <p:spPr/>
+        <p:txBody>
+          <a:bodyPr/>
+          <a:lstStyle/>
+          <a:p>
+            <a:fld id="{BEC7A95C-97CA-431A-AE49-B22A2B1CD0AD}" type="slidenum">
+              <a:rPr lang="ru-RU" smtClean="0"/>
+              <a:t>15</a:t>
+            </a:fld>
+            <a:endParaRPr lang="ru-RU"/>
+          </a:p>
+        </p:txBody>
+      </p:sp>
+    </p:spTree>
+    <p:extLst>
+      <p:ext uri="{BB962C8B-B14F-4D97-AF65-F5344CB8AC3E}">
+        <p14:creationId xmlns:p14="http://schemas.microsoft.com/office/powerpoint/2010/main" val="2305915203"/>
+      </p:ext>
+    </p:extLst>
+  </p:cSld>
+  <p:clrMapOvr>
+    <a:masterClrMapping/>
+  </p:clrMapOvr>
+</p:notes>
+</file>
+
+<file path=ppt/notesSlides/notesSlide16.xml><?xml version="1.0" encoding="utf-8"?>
+<p:notes xmlns:a="http://schemas.openxmlformats.org/drawingml/2006/main" xmlns:r="http://schemas.openxmlformats.org/officeDocument/2006/relationships" xmlns:p="http://schemas.openxmlformats.org/presentationml/2006/main">
+  <p:cSld>
+    <p:spTree>
+      <p:nvGrpSpPr>
+        <p:cNvPr id="1" name=""/>
+        <p:cNvGrpSpPr/>
+        <p:nvPr/>
+      </p:nvGrpSpPr>
+      <p:grpSpPr>
+        <a:xfrm>
+          <a:off x="0" y="0"/>
+          <a:ext cx="0" cy="0"/>
+          <a:chOff x="0" y="0"/>
+          <a:chExt cx="0" cy="0"/>
+        </a:xfrm>
+      </p:grpSpPr>
+      <p:sp>
+        <p:nvSpPr>
+          <p:cNvPr id="2" name="Образ слайда 1"/>
+          <p:cNvSpPr>
+            <a:spLocks noGrp="1" noRot="1" noChangeAspect="1"/>
+          </p:cNvSpPr>
+          <p:nvPr>
+            <p:ph type="sldImg"/>
+          </p:nvPr>
+        </p:nvSpPr>
+        <p:spPr/>
       </p:sp>
       <p:sp>
         <p:nvSpPr>
@@ -549,173 +1467,23 @@
               <a:defRPr/>
             </a:pPr>
             <a:r>
+              <a:rPr lang="ru-RU" sz="1200" kern="1200" dirty="0" smtClean="0">
+                <a:solidFill>
+                  <a:schemeClr val="tx1"/>
+                </a:solidFill>
+                <a:effectLst/>
+                <a:latin typeface="+mn-lt"/>
+                <a:ea typeface="+mn-ea"/>
+                <a:cs typeface="+mn-cs"/>
+              </a:rPr>
+              <a:t>Компонент проведения голосования отображает данные о голосовании: его название, сроки и статус, варианты ответа и позволяет пользователю голосовать. В данном компоненте также отслеживается, проголосовал ли пользователь или нет, и отключает возможность нажать на кнопку голосования, если пользователь уже проголосовал или если голосование в данный момент не началось.</a:t>
+            </a:r>
+          </a:p>
+          <a:p>
+            <a:r>
               <a:rPr lang="ru-RU" dirty="0" smtClean="0"/>
-              <a:t>Блокчейн – это </a:t>
-            </a:r>
-            <a:r>
-              <a:rPr lang="ru-RU" sz="1200" kern="1200" dirty="0" smtClean="0">
-                <a:solidFill>
-                  <a:schemeClr val="tx1"/>
-                </a:solidFill>
-                <a:effectLst/>
-                <a:latin typeface="+mn-lt"/>
-                <a:ea typeface="+mn-ea"/>
-                <a:cs typeface="+mn-cs"/>
-              </a:rPr>
-              <a:t>цифровой реестр, где все совершенные транзакции хранятся в списке блоков. Все блоки соединяются в цепочку.</a:t>
-            </a:r>
-            <a:r>
-              <a:rPr lang="ru-RU" sz="1200" kern="1200" baseline="0" dirty="0" smtClean="0">
-                <a:solidFill>
-                  <a:schemeClr val="tx1"/>
-                </a:solidFill>
-                <a:effectLst/>
-                <a:latin typeface="+mn-lt"/>
-                <a:ea typeface="+mn-ea"/>
-                <a:cs typeface="+mn-cs"/>
-              </a:rPr>
-              <a:t> </a:t>
-            </a:r>
-          </a:p>
-          <a:p>
-            <a:r>
-              <a:rPr lang="ru-RU" sz="1200" kern="1200" baseline="0" dirty="0" smtClean="0">
-                <a:solidFill>
-                  <a:schemeClr val="tx1"/>
-                </a:solidFill>
-                <a:effectLst/>
-                <a:latin typeface="+mn-lt"/>
-                <a:ea typeface="+mn-ea"/>
-                <a:cs typeface="+mn-cs"/>
-              </a:rPr>
-              <a:t>Для данной системы был выбран блокчейн </a:t>
-            </a:r>
-            <a:r>
-              <a:rPr lang="ru-RU" sz="1200" kern="1200" baseline="0" dirty="0" err="1" smtClean="0">
-                <a:solidFill>
-                  <a:schemeClr val="tx1"/>
-                </a:solidFill>
-                <a:effectLst/>
-                <a:latin typeface="+mn-lt"/>
-                <a:ea typeface="+mn-ea"/>
-                <a:cs typeface="+mn-cs"/>
-              </a:rPr>
-              <a:t>Эфириум</a:t>
-            </a:r>
-            <a:r>
-              <a:rPr lang="ru-RU" sz="1200" kern="1200" baseline="0" dirty="0" smtClean="0">
-                <a:solidFill>
-                  <a:schemeClr val="tx1"/>
-                </a:solidFill>
-                <a:effectLst/>
-                <a:latin typeface="+mn-lt"/>
-                <a:ea typeface="+mn-ea"/>
-                <a:cs typeface="+mn-cs"/>
-              </a:rPr>
-              <a:t>, так как он поддерживает создание децентрализованных приложений и смарт-контрактов. </a:t>
-            </a:r>
-          </a:p>
-          <a:p>
-            <a:r>
-              <a:rPr lang="ru-RU" sz="1200" kern="1200" baseline="0" dirty="0" smtClean="0">
-                <a:solidFill>
-                  <a:schemeClr val="tx1"/>
-                </a:solidFill>
-                <a:effectLst/>
-                <a:latin typeface="+mn-lt"/>
-                <a:ea typeface="+mn-ea"/>
-                <a:cs typeface="+mn-cs"/>
-              </a:rPr>
-              <a:t>Смарт-контрактом является программа, </a:t>
-            </a:r>
-            <a:r>
-              <a:rPr lang="ru-RU" sz="1200" b="0" i="0" kern="1200" dirty="0" smtClean="0">
-                <a:solidFill>
-                  <a:schemeClr val="tx1"/>
-                </a:solidFill>
-                <a:effectLst/>
-                <a:latin typeface="+mn-lt"/>
-                <a:ea typeface="+mn-ea"/>
-                <a:cs typeface="+mn-cs"/>
-              </a:rPr>
-              <a:t>которая хранится в блокчейне и исполняется при выполнении</a:t>
-            </a:r>
-            <a:r>
-              <a:rPr lang="ru-RU" sz="1200" b="0" i="0" kern="1200" baseline="0" dirty="0" smtClean="0">
-                <a:solidFill>
-                  <a:schemeClr val="tx1"/>
-                </a:solidFill>
-                <a:effectLst/>
-                <a:latin typeface="+mn-lt"/>
-                <a:ea typeface="+mn-ea"/>
-                <a:cs typeface="+mn-cs"/>
-              </a:rPr>
-              <a:t> определенных условий</a:t>
-            </a:r>
-            <a:r>
-              <a:rPr lang="ru-RU" sz="1200" b="0" i="0" kern="1200" dirty="0" smtClean="0">
-                <a:solidFill>
-                  <a:schemeClr val="tx1"/>
-                </a:solidFill>
-                <a:effectLst/>
-                <a:latin typeface="+mn-lt"/>
-                <a:ea typeface="+mn-ea"/>
-                <a:cs typeface="+mn-cs"/>
-              </a:rPr>
-              <a:t>.</a:t>
-            </a:r>
-            <a:endParaRPr lang="ru-RU" dirty="0" smtClean="0"/>
-          </a:p>
-          <a:p>
-            <a:endParaRPr lang="ru-RU" sz="1200" kern="1200" baseline="0" dirty="0" smtClean="0">
-              <a:solidFill>
-                <a:schemeClr val="tx1"/>
-              </a:solidFill>
-              <a:effectLst/>
-              <a:latin typeface="+mn-lt"/>
-              <a:ea typeface="+mn-ea"/>
-              <a:cs typeface="+mn-cs"/>
-            </a:endParaRPr>
-          </a:p>
-          <a:p>
-            <a:r>
-              <a:rPr lang="ru-RU" sz="1200" kern="1200" baseline="0" dirty="0" smtClean="0">
-                <a:solidFill>
-                  <a:schemeClr val="tx1"/>
-                </a:solidFill>
-                <a:effectLst/>
-                <a:latin typeface="+mn-lt"/>
-                <a:ea typeface="+mn-ea"/>
-                <a:cs typeface="+mn-cs"/>
-              </a:rPr>
-              <a:t>Узлы блокчейн-сети используют алгоритмы консенсуса для согласования содержимого блоков и транзакций, а также алгоритмы </a:t>
-            </a:r>
-            <a:r>
-              <a:rPr lang="ru-RU" sz="1200" kern="1200" baseline="0" dirty="0" err="1" smtClean="0">
-                <a:solidFill>
-                  <a:schemeClr val="tx1"/>
-                </a:solidFill>
-                <a:effectLst/>
-                <a:latin typeface="+mn-lt"/>
-                <a:ea typeface="+mn-ea"/>
-                <a:cs typeface="+mn-cs"/>
-              </a:rPr>
-              <a:t>хэширования</a:t>
-            </a:r>
-            <a:r>
-              <a:rPr lang="ru-RU" sz="1200" kern="1200" baseline="0" dirty="0" smtClean="0">
-                <a:solidFill>
-                  <a:schemeClr val="tx1"/>
-                </a:solidFill>
-                <a:effectLst/>
-                <a:latin typeface="+mn-lt"/>
-                <a:ea typeface="+mn-ea"/>
-                <a:cs typeface="+mn-cs"/>
-              </a:rPr>
-              <a:t> и публичные/приватные ключи для обеспечения целостности транзакции. </a:t>
-            </a:r>
-          </a:p>
-          <a:p>
+              <a:t>На этой странице также отображаются результаты голосования.</a:t>
+            </a:r>
             <a:endParaRPr lang="ru-RU" dirty="0"/>
           </a:p>
         </p:txBody>
@@ -737,7 +1505,7 @@
           <a:p>
             <a:fld id="{BEC7A95C-97CA-431A-AE49-B22A2B1CD0AD}" type="slidenum">
               <a:rPr lang="ru-RU" smtClean="0"/>
-              <a:t>4</a:t>
+              <a:t>16</a:t>
             </a:fld>
             <a:endParaRPr lang="ru-RU"/>
           </a:p>
@@ -746,7 +1514,313 @@
     </p:spTree>
     <p:extLst>
       <p:ext uri="{BB962C8B-B14F-4D97-AF65-F5344CB8AC3E}">
-        <p14:creationId xmlns:p14="http://schemas.microsoft.com/office/powerpoint/2010/main" val="3610655931"/>
+        <p14:creationId xmlns:p14="http://schemas.microsoft.com/office/powerpoint/2010/main" val="4045906646"/>
+      </p:ext>
+    </p:extLst>
+  </p:cSld>
+  <p:clrMapOvr>
+    <a:masterClrMapping/>
+  </p:clrMapOvr>
+</p:notes>
+</file>
+
+<file path=ppt/notesSlides/notesSlide17.xml><?xml version="1.0" encoding="utf-8"?>
+<p:notes xmlns:a="http://schemas.openxmlformats.org/drawingml/2006/main" xmlns:r="http://schemas.openxmlformats.org/officeDocument/2006/relationships" xmlns:p="http://schemas.openxmlformats.org/presentationml/2006/main">
+  <p:cSld>
+    <p:spTree>
+      <p:nvGrpSpPr>
+        <p:cNvPr id="1" name=""/>
+        <p:cNvGrpSpPr/>
+        <p:nvPr/>
+      </p:nvGrpSpPr>
+      <p:grpSpPr>
+        <a:xfrm>
+          <a:off x="0" y="0"/>
+          <a:ext cx="0" cy="0"/>
+          <a:chOff x="0" y="0"/>
+          <a:chExt cx="0" cy="0"/>
+        </a:xfrm>
+      </p:grpSpPr>
+      <p:sp>
+        <p:nvSpPr>
+          <p:cNvPr id="2" name="Образ слайда 1"/>
+          <p:cNvSpPr>
+            <a:spLocks noGrp="1" noRot="1" noChangeAspect="1"/>
+          </p:cNvSpPr>
+          <p:nvPr>
+            <p:ph type="sldImg"/>
+          </p:nvPr>
+        </p:nvSpPr>
+        <p:spPr/>
+      </p:sp>
+      <p:sp>
+        <p:nvSpPr>
+          <p:cNvPr id="3" name="Заметки 2"/>
+          <p:cNvSpPr>
+            <a:spLocks noGrp="1"/>
+          </p:cNvSpPr>
+          <p:nvPr>
+            <p:ph type="body" idx="1"/>
+          </p:nvPr>
+        </p:nvSpPr>
+        <p:spPr/>
+        <p:txBody>
+          <a:bodyPr/>
+          <a:lstStyle/>
+          <a:p>
+            <a:pPr marL="0" marR="0" lvl="0" indent="0" algn="l" defTabSz="914400" rtl="0" eaLnBrk="1" fontAlgn="auto" latinLnBrk="0" hangingPunct="1">
+              <a:lnSpc>
+                <a:spcPct val="100000"/>
+              </a:lnSpc>
+              <a:spcBef>
+                <a:spcPts val="0"/>
+              </a:spcBef>
+              <a:spcAft>
+                <a:spcPts val="0"/>
+              </a:spcAft>
+              <a:buClrTx/>
+              <a:buSzTx/>
+              <a:buFontTx/>
+              <a:buNone/>
+              <a:tabLst/>
+              <a:defRPr/>
+            </a:pPr>
+            <a:r>
+              <a:rPr lang="ru-RU" dirty="0" smtClean="0"/>
+              <a:t>Было проведено функциональное тестирование.</a:t>
+            </a:r>
+            <a:r>
+              <a:rPr lang="ru-RU" baseline="0" dirty="0" smtClean="0"/>
+              <a:t> Оно состояло из 17 тестов. Все тесты пройдены успешно.</a:t>
+            </a:r>
+            <a:endParaRPr lang="ru-RU" dirty="0" smtClean="0"/>
+          </a:p>
+          <a:p>
+            <a:endParaRPr lang="ru-RU" dirty="0"/>
+          </a:p>
+        </p:txBody>
+      </p:sp>
+      <p:sp>
+        <p:nvSpPr>
+          <p:cNvPr id="4" name="Номер слайда 3"/>
+          <p:cNvSpPr>
+            <a:spLocks noGrp="1"/>
+          </p:cNvSpPr>
+          <p:nvPr>
+            <p:ph type="sldNum" sz="quarter" idx="10"/>
+          </p:nvPr>
+        </p:nvSpPr>
+        <p:spPr/>
+        <p:txBody>
+          <a:bodyPr/>
+          <a:lstStyle/>
+          <a:p>
+            <a:fld id="{BEC7A95C-97CA-431A-AE49-B22A2B1CD0AD}" type="slidenum">
+              <a:rPr lang="ru-RU" smtClean="0"/>
+              <a:t>17</a:t>
+            </a:fld>
+            <a:endParaRPr lang="ru-RU"/>
+          </a:p>
+        </p:txBody>
+      </p:sp>
+    </p:spTree>
+    <p:extLst>
+      <p:ext uri="{BB962C8B-B14F-4D97-AF65-F5344CB8AC3E}">
+        <p14:creationId xmlns:p14="http://schemas.microsoft.com/office/powerpoint/2010/main" val="3984722938"/>
+      </p:ext>
+    </p:extLst>
+  </p:cSld>
+  <p:clrMapOvr>
+    <a:masterClrMapping/>
+  </p:clrMapOvr>
+</p:notes>
+</file>
+
+<file path=ppt/notesSlides/notesSlide18.xml><?xml version="1.0" encoding="utf-8"?>
+<p:notes xmlns:a="http://schemas.openxmlformats.org/drawingml/2006/main" xmlns:r="http://schemas.openxmlformats.org/officeDocument/2006/relationships" xmlns:p="http://schemas.openxmlformats.org/presentationml/2006/main">
+  <p:cSld>
+    <p:spTree>
+      <p:nvGrpSpPr>
+        <p:cNvPr id="1" name=""/>
+        <p:cNvGrpSpPr/>
+        <p:nvPr/>
+      </p:nvGrpSpPr>
+      <p:grpSpPr>
+        <a:xfrm>
+          <a:off x="0" y="0"/>
+          <a:ext cx="0" cy="0"/>
+          <a:chOff x="0" y="0"/>
+          <a:chExt cx="0" cy="0"/>
+        </a:xfrm>
+      </p:grpSpPr>
+      <p:sp>
+        <p:nvSpPr>
+          <p:cNvPr id="2" name="Образ слайда 1"/>
+          <p:cNvSpPr>
+            <a:spLocks noGrp="1" noRot="1" noChangeAspect="1"/>
+          </p:cNvSpPr>
+          <p:nvPr>
+            <p:ph type="sldImg"/>
+          </p:nvPr>
+        </p:nvSpPr>
+        <p:spPr/>
+      </p:sp>
+      <p:sp>
+        <p:nvSpPr>
+          <p:cNvPr id="3" name="Заметки 2"/>
+          <p:cNvSpPr>
+            <a:spLocks noGrp="1"/>
+          </p:cNvSpPr>
+          <p:nvPr>
+            <p:ph type="body" idx="1"/>
+          </p:nvPr>
+        </p:nvSpPr>
+        <p:spPr/>
+        <p:txBody>
+          <a:bodyPr/>
+          <a:lstStyle/>
+          <a:p>
+            <a:pPr marL="0" indent="0">
+              <a:lnSpc>
+                <a:spcPct val="120000"/>
+              </a:lnSpc>
+              <a:buFont typeface="+mj-lt"/>
+              <a:buNone/>
+            </a:pPr>
+            <a:r>
+              <a:rPr lang="ru-RU" dirty="0" smtClean="0"/>
+              <a:t>В результате данной работы был </a:t>
+            </a:r>
+          </a:p>
+          <a:p>
+            <a:pPr marL="0" indent="0">
+              <a:lnSpc>
+                <a:spcPct val="120000"/>
+              </a:lnSpc>
+              <a:buFont typeface="+mj-lt"/>
+              <a:buNone/>
+            </a:pPr>
+            <a:r>
+              <a:rPr lang="ru-RU" smtClean="0">
+                <a:latin typeface="+mn-lt"/>
+                <a:cs typeface="+mn-cs"/>
+              </a:rPr>
+              <a:t>В</a:t>
+            </a:r>
+            <a:r>
+              <a:rPr lang="ru-RU" smtClean="0">
+                <a:latin typeface="Times New Roman" panose="02020603050405020304" pitchFamily="18" charset="0"/>
+                <a:cs typeface="Times New Roman" panose="02020603050405020304" pitchFamily="18" charset="0"/>
+              </a:rPr>
+              <a:t>ыполнен </a:t>
+            </a:r>
+            <a:r>
+              <a:rPr lang="ru-RU" dirty="0" smtClean="0">
+                <a:latin typeface="Times New Roman" panose="02020603050405020304" pitchFamily="18" charset="0"/>
+                <a:cs typeface="Times New Roman" panose="02020603050405020304" pitchFamily="18" charset="0"/>
+              </a:rPr>
+              <a:t>обзор литературы и существующих аналогов</a:t>
+            </a:r>
+          </a:p>
+          <a:p>
+            <a:pPr marL="0" indent="0">
+              <a:lnSpc>
+                <a:spcPct val="120000"/>
+              </a:lnSpc>
+              <a:buFont typeface="+mj-lt"/>
+              <a:buNone/>
+            </a:pPr>
+            <a:r>
+              <a:rPr lang="ru-RU" dirty="0" smtClean="0">
+                <a:latin typeface="Times New Roman" panose="02020603050405020304" pitchFamily="18" charset="0"/>
+                <a:cs typeface="Times New Roman" panose="02020603050405020304" pitchFamily="18" charset="0"/>
+              </a:rPr>
+              <a:t>Спроектированы смарт-контракты для электронного голосования на основе технологии блокчейн</a:t>
+            </a:r>
+          </a:p>
+          <a:p>
+            <a:pPr marL="0" indent="0">
+              <a:lnSpc>
+                <a:spcPct val="120000"/>
+              </a:lnSpc>
+              <a:buFont typeface="+mj-lt"/>
+              <a:buNone/>
+            </a:pPr>
+            <a:r>
+              <a:rPr lang="ru-RU" dirty="0" smtClean="0">
+                <a:latin typeface="Times New Roman" panose="02020603050405020304" pitchFamily="18" charset="0"/>
+                <a:cs typeface="Times New Roman" panose="02020603050405020304" pitchFamily="18" charset="0"/>
+              </a:rPr>
+              <a:t>Спроектировано веб-приложение для электронного голосования на основе технологии блокчейн</a:t>
+            </a:r>
+          </a:p>
+          <a:p>
+            <a:pPr marL="0" indent="0">
+              <a:lnSpc>
+                <a:spcPct val="120000"/>
+              </a:lnSpc>
+              <a:buFont typeface="+mj-lt"/>
+              <a:buNone/>
+            </a:pPr>
+            <a:r>
+              <a:rPr lang="ru-RU" dirty="0" smtClean="0">
+                <a:latin typeface="Times New Roman" panose="02020603050405020304" pitchFamily="18" charset="0"/>
+                <a:cs typeface="Times New Roman" panose="02020603050405020304" pitchFamily="18" charset="0"/>
+              </a:rPr>
+              <a:t>Реализованы смарт-контракты и веб-приложение</a:t>
+            </a:r>
+          </a:p>
+          <a:p>
+            <a:pPr marL="0" indent="0">
+              <a:lnSpc>
+                <a:spcPct val="120000"/>
+              </a:lnSpc>
+              <a:buFont typeface="+mj-lt"/>
+              <a:buNone/>
+            </a:pPr>
+            <a:r>
+              <a:rPr lang="ru-RU" dirty="0" smtClean="0">
+                <a:latin typeface="Times New Roman" panose="02020603050405020304" pitchFamily="18" charset="0"/>
+                <a:cs typeface="Times New Roman" panose="02020603050405020304" pitchFamily="18" charset="0"/>
+              </a:rPr>
+              <a:t>Проведено тестирование работы приложения</a:t>
+            </a:r>
+          </a:p>
+          <a:p>
+            <a:endParaRPr lang="ru-RU" dirty="0" smtClean="0"/>
+          </a:p>
+          <a:p>
+            <a:endParaRPr lang="ru-RU" dirty="0"/>
+          </a:p>
+        </p:txBody>
+      </p:sp>
+      <p:sp>
+        <p:nvSpPr>
+          <p:cNvPr id="4" name="Номер слайда 3"/>
+          <p:cNvSpPr>
+            <a:spLocks noGrp="1"/>
+          </p:cNvSpPr>
+          <p:nvPr>
+            <p:ph type="sldNum" sz="quarter" idx="10"/>
+          </p:nvPr>
+        </p:nvSpPr>
+        <p:spPr/>
+        <p:txBody>
+          <a:bodyPr/>
+          <a:lstStyle/>
+          <a:p>
+            <a:fld id="{BEC7A95C-97CA-431A-AE49-B22A2B1CD0AD}" type="slidenum">
+              <a:rPr lang="ru-RU" smtClean="0"/>
+              <a:t>18</a:t>
+            </a:fld>
+            <a:endParaRPr lang="ru-RU"/>
+          </a:p>
+        </p:txBody>
+      </p:sp>
+    </p:spTree>
+    <p:extLst>
+      <p:ext uri="{BB962C8B-B14F-4D97-AF65-F5344CB8AC3E}">
+        <p14:creationId xmlns:p14="http://schemas.microsoft.com/office/powerpoint/2010/main" val="1611155878"/>
       </p:ext>
     </p:extLst>
   </p:cSld>
@@ -800,6 +1874,10 @@
           <a:bodyPr/>
           <a:lstStyle/>
           <a:p>
+            <a:r>
+              <a:rPr lang="ru-RU" dirty="0" smtClean="0"/>
+              <a:t>Электронное голосование актуально, так как традиционные системы голосования часто дают сбои, многие страны мира переходят на блокчейн-голосование, а также электронное голосование решает проблему явки избирателей.</a:t>
+            </a:r>
             <a:endParaRPr lang="ru-RU" dirty="0"/>
           </a:p>
         </p:txBody>
@@ -821,7 +1899,7 @@
           <a:p>
             <a:fld id="{BEC7A95C-97CA-431A-AE49-B22A2B1CD0AD}" type="slidenum">
               <a:rPr lang="ru-RU" smtClean="0"/>
-              <a:t>12</a:t>
+              <a:t>2</a:t>
             </a:fld>
             <a:endParaRPr lang="ru-RU"/>
           </a:p>
@@ -830,7 +1908,1538 @@
     </p:spTree>
     <p:extLst>
       <p:ext uri="{BB962C8B-B14F-4D97-AF65-F5344CB8AC3E}">
-        <p14:creationId xmlns:p14="http://schemas.microsoft.com/office/powerpoint/2010/main" val="1352105269"/>
+        <p14:creationId xmlns:p14="http://schemas.microsoft.com/office/powerpoint/2010/main" val="3923826091"/>
+      </p:ext>
+    </p:extLst>
+  </p:cSld>
+  <p:clrMapOvr>
+    <a:masterClrMapping/>
+  </p:clrMapOvr>
+</p:notes>
+</file>
+
+<file path=ppt/notesSlides/notesSlide3.xml><?xml version="1.0" encoding="utf-8"?>
+<p:notes xmlns:a="http://schemas.openxmlformats.org/drawingml/2006/main" xmlns:r="http://schemas.openxmlformats.org/officeDocument/2006/relationships" xmlns:p="http://schemas.openxmlformats.org/presentationml/2006/main">
+  <p:cSld>
+    <p:spTree>
+      <p:nvGrpSpPr>
+        <p:cNvPr id="1" name=""/>
+        <p:cNvGrpSpPr/>
+        <p:nvPr/>
+      </p:nvGrpSpPr>
+      <p:grpSpPr>
+        <a:xfrm>
+          <a:off x="0" y="0"/>
+          <a:ext cx="0" cy="0"/>
+          <a:chOff x="0" y="0"/>
+          <a:chExt cx="0" cy="0"/>
+        </a:xfrm>
+      </p:grpSpPr>
+      <p:sp>
+        <p:nvSpPr>
+          <p:cNvPr id="2" name="Образ слайда 1"/>
+          <p:cNvSpPr>
+            <a:spLocks noGrp="1" noRot="1" noChangeAspect="1"/>
+          </p:cNvSpPr>
+          <p:nvPr>
+            <p:ph type="sldImg"/>
+          </p:nvPr>
+        </p:nvSpPr>
+        <p:spPr/>
+      </p:sp>
+      <p:sp>
+        <p:nvSpPr>
+          <p:cNvPr id="3" name="Заметки 2"/>
+          <p:cNvSpPr>
+            <a:spLocks noGrp="1"/>
+          </p:cNvSpPr>
+          <p:nvPr>
+            <p:ph type="body" idx="1"/>
+          </p:nvPr>
+        </p:nvSpPr>
+        <p:spPr/>
+        <p:txBody>
+          <a:bodyPr/>
+          <a:lstStyle/>
+          <a:p>
+            <a:r>
+              <a:rPr lang="ru-RU" dirty="0" smtClean="0"/>
+              <a:t>Целью данной</a:t>
+            </a:r>
+            <a:r>
+              <a:rPr lang="ru-RU" baseline="0" dirty="0" smtClean="0"/>
+              <a:t> работы является разработка системы электронного голосования на основе технологии блокчейн.</a:t>
+            </a:r>
+          </a:p>
+          <a:p>
+            <a:r>
+              <a:rPr lang="ru-RU" baseline="0" dirty="0" smtClean="0"/>
+              <a:t>В рамках данной работы были поставлены следующие задачи.</a:t>
+            </a:r>
+          </a:p>
+          <a:p>
+            <a:pPr marL="0" indent="0">
+              <a:lnSpc>
+                <a:spcPct val="120000"/>
+              </a:lnSpc>
+              <a:buFont typeface="+mj-lt"/>
+              <a:buNone/>
+            </a:pPr>
+            <a:r>
+              <a:rPr lang="ru-RU" dirty="0" smtClean="0">
+                <a:latin typeface="Times New Roman" panose="02020603050405020304" pitchFamily="18" charset="0"/>
+                <a:cs typeface="Times New Roman" panose="02020603050405020304" pitchFamily="18" charset="0"/>
+              </a:rPr>
+              <a:t>Выполнить обзор литературы и существующих аналогов</a:t>
+            </a:r>
+          </a:p>
+          <a:p>
+            <a:pPr marL="0" indent="0">
+              <a:lnSpc>
+                <a:spcPct val="120000"/>
+              </a:lnSpc>
+              <a:buFont typeface="+mj-lt"/>
+              <a:buNone/>
+            </a:pPr>
+            <a:r>
+              <a:rPr lang="ru-RU" dirty="0" smtClean="0">
+                <a:latin typeface="Times New Roman" panose="02020603050405020304" pitchFamily="18" charset="0"/>
+                <a:cs typeface="Times New Roman" panose="02020603050405020304" pitchFamily="18" charset="0"/>
+              </a:rPr>
+              <a:t>Спроектировать смарт-контракты для электронного голосования на основе технологии блокчейн</a:t>
+            </a:r>
+          </a:p>
+          <a:p>
+            <a:pPr marL="0" indent="0">
+              <a:lnSpc>
+                <a:spcPct val="120000"/>
+              </a:lnSpc>
+              <a:buFont typeface="+mj-lt"/>
+              <a:buNone/>
+            </a:pPr>
+            <a:r>
+              <a:rPr lang="ru-RU" dirty="0" smtClean="0">
+                <a:latin typeface="Times New Roman" panose="02020603050405020304" pitchFamily="18" charset="0"/>
+                <a:cs typeface="Times New Roman" panose="02020603050405020304" pitchFamily="18" charset="0"/>
+              </a:rPr>
+              <a:t>Спроектировать веб-приложение для электронного голосования на основе технологии блокчейн</a:t>
+            </a:r>
+          </a:p>
+          <a:p>
+            <a:pPr marL="0" indent="0">
+              <a:lnSpc>
+                <a:spcPct val="120000"/>
+              </a:lnSpc>
+              <a:buFont typeface="+mj-lt"/>
+              <a:buNone/>
+            </a:pPr>
+            <a:r>
+              <a:rPr lang="ru-RU" dirty="0" smtClean="0">
+                <a:latin typeface="Times New Roman" panose="02020603050405020304" pitchFamily="18" charset="0"/>
+                <a:cs typeface="Times New Roman" panose="02020603050405020304" pitchFamily="18" charset="0"/>
+              </a:rPr>
+              <a:t>Реализовать смарт-контракты и веб-приложение</a:t>
+            </a:r>
+          </a:p>
+          <a:p>
+            <a:pPr marL="0" indent="0">
+              <a:lnSpc>
+                <a:spcPct val="120000"/>
+              </a:lnSpc>
+              <a:buFont typeface="+mj-lt"/>
+              <a:buNone/>
+            </a:pPr>
+            <a:r>
+              <a:rPr lang="ru-RU" dirty="0" smtClean="0">
+                <a:latin typeface="Times New Roman" panose="02020603050405020304" pitchFamily="18" charset="0"/>
+                <a:cs typeface="Times New Roman" panose="02020603050405020304" pitchFamily="18" charset="0"/>
+              </a:rPr>
+              <a:t>Провести тестирование работы приложения.</a:t>
+            </a:r>
+          </a:p>
+          <a:p>
+            <a:pPr marL="0" indent="0">
+              <a:lnSpc>
+                <a:spcPct val="120000"/>
+              </a:lnSpc>
+              <a:buFont typeface="+mj-lt"/>
+              <a:buNone/>
+            </a:pPr>
+            <a:endParaRPr lang="ru-RU" dirty="0" smtClean="0">
+              <a:latin typeface="Times New Roman" panose="02020603050405020304" pitchFamily="18" charset="0"/>
+              <a:cs typeface="Times New Roman" panose="02020603050405020304" pitchFamily="18" charset="0"/>
+            </a:endParaRPr>
+          </a:p>
+          <a:p>
+            <a:endParaRPr lang="ru-RU" dirty="0"/>
+          </a:p>
+        </p:txBody>
+      </p:sp>
+      <p:sp>
+        <p:nvSpPr>
+          <p:cNvPr id="4" name="Номер слайда 3"/>
+          <p:cNvSpPr>
+            <a:spLocks noGrp="1"/>
+          </p:cNvSpPr>
+          <p:nvPr>
+            <p:ph type="sldNum" sz="quarter" idx="10"/>
+          </p:nvPr>
+        </p:nvSpPr>
+        <p:spPr/>
+        <p:txBody>
+          <a:bodyPr/>
+          <a:lstStyle/>
+          <a:p>
+            <a:fld id="{BEC7A95C-97CA-431A-AE49-B22A2B1CD0AD}" type="slidenum">
+              <a:rPr lang="ru-RU" smtClean="0"/>
+              <a:t>3</a:t>
+            </a:fld>
+            <a:endParaRPr lang="ru-RU"/>
+          </a:p>
+        </p:txBody>
+      </p:sp>
+    </p:spTree>
+    <p:extLst>
+      <p:ext uri="{BB962C8B-B14F-4D97-AF65-F5344CB8AC3E}">
+        <p14:creationId xmlns:p14="http://schemas.microsoft.com/office/powerpoint/2010/main" val="4038201148"/>
+      </p:ext>
+    </p:extLst>
+  </p:cSld>
+  <p:clrMapOvr>
+    <a:masterClrMapping/>
+  </p:clrMapOvr>
+</p:notes>
+</file>
+
+<file path=ppt/notesSlides/notesSlide4.xml><?xml version="1.0" encoding="utf-8"?>
+<p:notes xmlns:a="http://schemas.openxmlformats.org/drawingml/2006/main" xmlns:r="http://schemas.openxmlformats.org/officeDocument/2006/relationships" xmlns:p="http://schemas.openxmlformats.org/presentationml/2006/main">
+  <p:cSld>
+    <p:spTree>
+      <p:nvGrpSpPr>
+        <p:cNvPr id="1" name=""/>
+        <p:cNvGrpSpPr/>
+        <p:nvPr/>
+      </p:nvGrpSpPr>
+      <p:grpSpPr>
+        <a:xfrm>
+          <a:off x="0" y="0"/>
+          <a:ext cx="0" cy="0"/>
+          <a:chOff x="0" y="0"/>
+          <a:chExt cx="0" cy="0"/>
+        </a:xfrm>
+      </p:grpSpPr>
+      <p:sp>
+        <p:nvSpPr>
+          <p:cNvPr id="2" name="Образ слайда 1"/>
+          <p:cNvSpPr>
+            <a:spLocks noGrp="1" noRot="1" noChangeAspect="1"/>
+          </p:cNvSpPr>
+          <p:nvPr>
+            <p:ph type="sldImg"/>
+          </p:nvPr>
+        </p:nvSpPr>
+        <p:spPr>
+          <a:xfrm>
+            <a:off x="1371600" y="1143000"/>
+            <a:ext cx="4114800" cy="3086100"/>
+          </a:xfrm>
+        </p:spPr>
+      </p:sp>
+      <p:sp>
+        <p:nvSpPr>
+          <p:cNvPr id="3" name="Заметки 2"/>
+          <p:cNvSpPr>
+            <a:spLocks noGrp="1"/>
+          </p:cNvSpPr>
+          <p:nvPr>
+            <p:ph type="body" idx="1"/>
+          </p:nvPr>
+        </p:nvSpPr>
+        <p:spPr/>
+        <p:txBody>
+          <a:bodyPr/>
+          <a:lstStyle/>
+          <a:p>
+            <a:pPr marL="0" marR="0" lvl="0" indent="0" algn="l" defTabSz="914400" rtl="0" eaLnBrk="1" fontAlgn="auto" latinLnBrk="0" hangingPunct="1">
+              <a:lnSpc>
+                <a:spcPct val="100000"/>
+              </a:lnSpc>
+              <a:spcBef>
+                <a:spcPts val="0"/>
+              </a:spcBef>
+              <a:spcAft>
+                <a:spcPts val="0"/>
+              </a:spcAft>
+              <a:buClrTx/>
+              <a:buSzTx/>
+              <a:buFontTx/>
+              <a:buNone/>
+              <a:tabLst/>
+              <a:defRPr/>
+            </a:pPr>
+            <a:r>
+              <a:rPr lang="ru-RU" dirty="0" smtClean="0"/>
+              <a:t>Блокчейн – это </a:t>
+            </a:r>
+            <a:r>
+              <a:rPr lang="ru-RU" sz="1200" kern="1200" dirty="0" smtClean="0">
+                <a:solidFill>
+                  <a:schemeClr val="tx1"/>
+                </a:solidFill>
+                <a:effectLst/>
+                <a:latin typeface="+mn-lt"/>
+                <a:ea typeface="+mn-ea"/>
+                <a:cs typeface="+mn-cs"/>
+              </a:rPr>
+              <a:t>цифровой реестр, где все совершенные транзакции хранятся в списке блоков. Все блоки соединяются в цепочку.</a:t>
+            </a:r>
+            <a:r>
+              <a:rPr lang="ru-RU" sz="1200" kern="1200" baseline="0" dirty="0" smtClean="0">
+                <a:solidFill>
+                  <a:schemeClr val="tx1"/>
+                </a:solidFill>
+                <a:effectLst/>
+                <a:latin typeface="+mn-lt"/>
+                <a:ea typeface="+mn-ea"/>
+                <a:cs typeface="+mn-cs"/>
+              </a:rPr>
+              <a:t> </a:t>
+            </a:r>
+          </a:p>
+          <a:p>
+            <a:r>
+              <a:rPr lang="ru-RU" sz="1200" kern="1200" baseline="0" dirty="0" smtClean="0">
+                <a:solidFill>
+                  <a:schemeClr val="tx1"/>
+                </a:solidFill>
+                <a:effectLst/>
+                <a:latin typeface="+mn-lt"/>
+                <a:ea typeface="+mn-ea"/>
+                <a:cs typeface="+mn-cs"/>
+              </a:rPr>
+              <a:t>Для </a:t>
+            </a:r>
+            <a:r>
+              <a:rPr lang="ru-RU" sz="1200" kern="1200" baseline="0" dirty="0" smtClean="0">
+                <a:solidFill>
+                  <a:schemeClr val="tx1"/>
+                </a:solidFill>
+                <a:effectLst/>
+                <a:latin typeface="+mn-lt"/>
+                <a:ea typeface="+mn-ea"/>
+                <a:cs typeface="+mn-cs"/>
+              </a:rPr>
+              <a:t>разрабатываемой системы </a:t>
+            </a:r>
+            <a:r>
+              <a:rPr lang="ru-RU" sz="1200" kern="1200" baseline="0" dirty="0" smtClean="0">
+                <a:solidFill>
+                  <a:schemeClr val="tx1"/>
+                </a:solidFill>
+                <a:effectLst/>
+                <a:latin typeface="+mn-lt"/>
+                <a:ea typeface="+mn-ea"/>
+                <a:cs typeface="+mn-cs"/>
+              </a:rPr>
+              <a:t>был выбран блокчейн </a:t>
+            </a:r>
+            <a:r>
+              <a:rPr lang="ru-RU" sz="1200" kern="1200" baseline="0" dirty="0" err="1" smtClean="0">
+                <a:solidFill>
+                  <a:schemeClr val="tx1"/>
+                </a:solidFill>
+                <a:effectLst/>
+                <a:latin typeface="+mn-lt"/>
+                <a:ea typeface="+mn-ea"/>
+                <a:cs typeface="+mn-cs"/>
+              </a:rPr>
+              <a:t>Эфириум</a:t>
+            </a:r>
+            <a:r>
+              <a:rPr lang="ru-RU" sz="1200" kern="1200" baseline="0" dirty="0" smtClean="0">
+                <a:solidFill>
+                  <a:schemeClr val="tx1"/>
+                </a:solidFill>
+                <a:effectLst/>
+                <a:latin typeface="+mn-lt"/>
+                <a:ea typeface="+mn-ea"/>
+                <a:cs typeface="+mn-cs"/>
+              </a:rPr>
+              <a:t>, так как он поддерживает создание децентрализованных приложений и смарт-контрактов. </a:t>
+            </a:r>
+          </a:p>
+          <a:p>
+            <a:r>
+              <a:rPr lang="ru-RU" sz="1200" kern="1200" baseline="0" dirty="0" smtClean="0">
+                <a:solidFill>
+                  <a:schemeClr val="tx1"/>
+                </a:solidFill>
+                <a:effectLst/>
+                <a:latin typeface="+mn-lt"/>
+                <a:ea typeface="+mn-ea"/>
+                <a:cs typeface="+mn-cs"/>
+              </a:rPr>
+              <a:t>Смарт-контрактом является программа, </a:t>
+            </a:r>
+            <a:r>
+              <a:rPr lang="ru-RU" sz="1200" b="0" i="0" kern="1200" dirty="0" smtClean="0">
+                <a:solidFill>
+                  <a:schemeClr val="tx1"/>
+                </a:solidFill>
+                <a:effectLst/>
+                <a:latin typeface="+mn-lt"/>
+                <a:ea typeface="+mn-ea"/>
+                <a:cs typeface="+mn-cs"/>
+              </a:rPr>
+              <a:t>которая хранится в блокчейне и исполняется при выполнении</a:t>
+            </a:r>
+            <a:r>
+              <a:rPr lang="ru-RU" sz="1200" b="0" i="0" kern="1200" baseline="0" dirty="0" smtClean="0">
+                <a:solidFill>
+                  <a:schemeClr val="tx1"/>
+                </a:solidFill>
+                <a:effectLst/>
+                <a:latin typeface="+mn-lt"/>
+                <a:ea typeface="+mn-ea"/>
+                <a:cs typeface="+mn-cs"/>
+              </a:rPr>
+              <a:t> определенных условий</a:t>
+            </a:r>
+            <a:r>
+              <a:rPr lang="ru-RU" sz="1200" b="0" i="0" kern="1200" dirty="0" smtClean="0">
+                <a:solidFill>
+                  <a:schemeClr val="tx1"/>
+                </a:solidFill>
+                <a:effectLst/>
+                <a:latin typeface="+mn-lt"/>
+                <a:ea typeface="+mn-ea"/>
+                <a:cs typeface="+mn-cs"/>
+              </a:rPr>
+              <a:t>.</a:t>
+            </a:r>
+            <a:endParaRPr lang="ru-RU" dirty="0" smtClean="0"/>
+          </a:p>
+          <a:p>
+            <a:endParaRPr lang="ru-RU" sz="1200" kern="1200" baseline="0" dirty="0" smtClean="0">
+              <a:solidFill>
+                <a:schemeClr val="tx1"/>
+              </a:solidFill>
+              <a:effectLst/>
+              <a:latin typeface="+mn-lt"/>
+              <a:ea typeface="+mn-ea"/>
+              <a:cs typeface="+mn-cs"/>
+            </a:endParaRPr>
+          </a:p>
+          <a:p>
+            <a:r>
+              <a:rPr lang="ru-RU" sz="1200" kern="1200" baseline="0" dirty="0" smtClean="0">
+                <a:solidFill>
+                  <a:schemeClr val="tx1"/>
+                </a:solidFill>
+                <a:effectLst/>
+                <a:latin typeface="+mn-lt"/>
+                <a:ea typeface="+mn-ea"/>
+                <a:cs typeface="+mn-cs"/>
+              </a:rPr>
+              <a:t>Узлы блокчейн-сети используют алгоритмы консенсуса для согласования содержимого блоков и транзакций, а также алгоритмы </a:t>
+            </a:r>
+            <a:r>
+              <a:rPr lang="ru-RU" sz="1200" kern="1200" baseline="0" dirty="0" err="1" smtClean="0">
+                <a:solidFill>
+                  <a:schemeClr val="tx1"/>
+                </a:solidFill>
+                <a:effectLst/>
+                <a:latin typeface="+mn-lt"/>
+                <a:ea typeface="+mn-ea"/>
+                <a:cs typeface="+mn-cs"/>
+              </a:rPr>
+              <a:t>хэширования</a:t>
+            </a:r>
+            <a:r>
+              <a:rPr lang="ru-RU" sz="1200" kern="1200" baseline="0" dirty="0" smtClean="0">
+                <a:solidFill>
+                  <a:schemeClr val="tx1"/>
+                </a:solidFill>
+                <a:effectLst/>
+                <a:latin typeface="+mn-lt"/>
+                <a:ea typeface="+mn-ea"/>
+                <a:cs typeface="+mn-cs"/>
+              </a:rPr>
+              <a:t> и публичные/приватные ключи для обеспечения целостности транзакции. </a:t>
+            </a:r>
+          </a:p>
+          <a:p>
+            <a:endParaRPr lang="ru-RU" dirty="0"/>
+          </a:p>
+        </p:txBody>
+      </p:sp>
+      <p:sp>
+        <p:nvSpPr>
+          <p:cNvPr id="4" name="Номер слайда 3"/>
+          <p:cNvSpPr>
+            <a:spLocks noGrp="1"/>
+          </p:cNvSpPr>
+          <p:nvPr>
+            <p:ph type="sldNum" sz="quarter" idx="10"/>
+          </p:nvPr>
+        </p:nvSpPr>
+        <p:spPr/>
+        <p:txBody>
+          <a:bodyPr/>
+          <a:lstStyle/>
+          <a:p>
+            <a:fld id="{BEC7A95C-97CA-431A-AE49-B22A2B1CD0AD}" type="slidenum">
+              <a:rPr lang="ru-RU" smtClean="0"/>
+              <a:t>4</a:t>
+            </a:fld>
+            <a:endParaRPr lang="ru-RU"/>
+          </a:p>
+        </p:txBody>
+      </p:sp>
+    </p:spTree>
+    <p:extLst>
+      <p:ext uri="{BB962C8B-B14F-4D97-AF65-F5344CB8AC3E}">
+        <p14:creationId xmlns:p14="http://schemas.microsoft.com/office/powerpoint/2010/main" val="3610655931"/>
+      </p:ext>
+    </p:extLst>
+  </p:cSld>
+  <p:clrMapOvr>
+    <a:masterClrMapping/>
+  </p:clrMapOvr>
+</p:notes>
+</file>
+
+<file path=ppt/notesSlides/notesSlide5.xml><?xml version="1.0" encoding="utf-8"?>
+<p:notes xmlns:a="http://schemas.openxmlformats.org/drawingml/2006/main" xmlns:r="http://schemas.openxmlformats.org/officeDocument/2006/relationships" xmlns:p="http://schemas.openxmlformats.org/presentationml/2006/main">
+  <p:cSld>
+    <p:spTree>
+      <p:nvGrpSpPr>
+        <p:cNvPr id="1" name=""/>
+        <p:cNvGrpSpPr/>
+        <p:nvPr/>
+      </p:nvGrpSpPr>
+      <p:grpSpPr>
+        <a:xfrm>
+          <a:off x="0" y="0"/>
+          <a:ext cx="0" cy="0"/>
+          <a:chOff x="0" y="0"/>
+          <a:chExt cx="0" cy="0"/>
+        </a:xfrm>
+      </p:grpSpPr>
+      <p:sp>
+        <p:nvSpPr>
+          <p:cNvPr id="2" name="Образ слайда 1"/>
+          <p:cNvSpPr>
+            <a:spLocks noGrp="1" noRot="1" noChangeAspect="1"/>
+          </p:cNvSpPr>
+          <p:nvPr>
+            <p:ph type="sldImg"/>
+          </p:nvPr>
+        </p:nvSpPr>
+        <p:spPr/>
+      </p:sp>
+      <p:sp>
+        <p:nvSpPr>
+          <p:cNvPr id="3" name="Заметки 2"/>
+          <p:cNvSpPr>
+            <a:spLocks noGrp="1"/>
+          </p:cNvSpPr>
+          <p:nvPr>
+            <p:ph type="body" idx="1"/>
+          </p:nvPr>
+        </p:nvSpPr>
+        <p:spPr/>
+        <p:txBody>
+          <a:bodyPr/>
+          <a:lstStyle/>
+          <a:p>
+            <a:r>
+              <a:rPr lang="ru-RU" dirty="0" smtClean="0"/>
+              <a:t>Рассмотрим аналоги к разрабатываемой системе. Polys – система блокчейн-голосований, созданная на базе лаборатории Касперского. На слайде представлена панель администратора голосования, также существуют панели для избирателя и наблюдателя.</a:t>
+            </a:r>
+            <a:endParaRPr lang="ru-RU" dirty="0"/>
+          </a:p>
+        </p:txBody>
+      </p:sp>
+      <p:sp>
+        <p:nvSpPr>
+          <p:cNvPr id="4" name="Номер слайда 3"/>
+          <p:cNvSpPr>
+            <a:spLocks noGrp="1"/>
+          </p:cNvSpPr>
+          <p:nvPr>
+            <p:ph type="sldNum" sz="quarter" idx="10"/>
+          </p:nvPr>
+        </p:nvSpPr>
+        <p:spPr/>
+        <p:txBody>
+          <a:bodyPr/>
+          <a:lstStyle/>
+          <a:p>
+            <a:fld id="{BEC7A95C-97CA-431A-AE49-B22A2B1CD0AD}" type="slidenum">
+              <a:rPr lang="ru-RU" smtClean="0"/>
+              <a:t>5</a:t>
+            </a:fld>
+            <a:endParaRPr lang="ru-RU"/>
+          </a:p>
+        </p:txBody>
+      </p:sp>
+    </p:spTree>
+    <p:extLst>
+      <p:ext uri="{BB962C8B-B14F-4D97-AF65-F5344CB8AC3E}">
+        <p14:creationId xmlns:p14="http://schemas.microsoft.com/office/powerpoint/2010/main" val="2928895022"/>
+      </p:ext>
+    </p:extLst>
+  </p:cSld>
+  <p:clrMapOvr>
+    <a:masterClrMapping/>
+  </p:clrMapOvr>
+</p:notes>
+</file>
+
+<file path=ppt/notesSlides/notesSlide6.xml><?xml version="1.0" encoding="utf-8"?>
+<p:notes xmlns:a="http://schemas.openxmlformats.org/drawingml/2006/main" xmlns:r="http://schemas.openxmlformats.org/officeDocument/2006/relationships" xmlns:p="http://schemas.openxmlformats.org/presentationml/2006/main">
+  <p:cSld>
+    <p:spTree>
+      <p:nvGrpSpPr>
+        <p:cNvPr id="1" name=""/>
+        <p:cNvGrpSpPr/>
+        <p:nvPr/>
+      </p:nvGrpSpPr>
+      <p:grpSpPr>
+        <a:xfrm>
+          <a:off x="0" y="0"/>
+          <a:ext cx="0" cy="0"/>
+          <a:chOff x="0" y="0"/>
+          <a:chExt cx="0" cy="0"/>
+        </a:xfrm>
+      </p:grpSpPr>
+      <p:sp>
+        <p:nvSpPr>
+          <p:cNvPr id="2" name="Образ слайда 1"/>
+          <p:cNvSpPr>
+            <a:spLocks noGrp="1" noRot="1" noChangeAspect="1"/>
+          </p:cNvSpPr>
+          <p:nvPr>
+            <p:ph type="sldImg"/>
+          </p:nvPr>
+        </p:nvSpPr>
+        <p:spPr/>
+      </p:sp>
+      <p:sp>
+        <p:nvSpPr>
+          <p:cNvPr id="3" name="Заметки 2"/>
+          <p:cNvSpPr>
+            <a:spLocks noGrp="1"/>
+          </p:cNvSpPr>
+          <p:nvPr>
+            <p:ph type="body" idx="1"/>
+          </p:nvPr>
+        </p:nvSpPr>
+        <p:spPr/>
+        <p:txBody>
+          <a:bodyPr/>
+          <a:lstStyle/>
+          <a:p>
+            <a:r>
+              <a:rPr lang="en-US" sz="1200" kern="1200" dirty="0" smtClean="0">
+                <a:solidFill>
+                  <a:schemeClr val="tx1"/>
+                </a:solidFill>
+                <a:effectLst/>
+                <a:latin typeface="+mn-lt"/>
+                <a:ea typeface="+mn-ea"/>
+                <a:cs typeface="+mn-cs"/>
+              </a:rPr>
+              <a:t>WE</a:t>
+            </a:r>
+            <a:r>
+              <a:rPr lang="ru-RU" sz="1200" kern="1200" dirty="0" smtClean="0">
+                <a:solidFill>
+                  <a:schemeClr val="tx1"/>
+                </a:solidFill>
+                <a:effectLst/>
+                <a:latin typeface="+mn-lt"/>
+                <a:ea typeface="+mn-ea"/>
+                <a:cs typeface="+mn-cs"/>
+              </a:rPr>
+              <a:t>.</a:t>
+            </a:r>
+            <a:r>
+              <a:rPr lang="en-US" sz="1200" kern="1200" dirty="0" smtClean="0">
+                <a:solidFill>
+                  <a:schemeClr val="tx1"/>
+                </a:solidFill>
+                <a:effectLst/>
+                <a:latin typeface="+mn-lt"/>
+                <a:ea typeface="+mn-ea"/>
+                <a:cs typeface="+mn-cs"/>
+              </a:rPr>
+              <a:t>Vote</a:t>
+            </a:r>
+            <a:r>
+              <a:rPr lang="ru-RU" sz="1200" kern="1200" dirty="0" smtClean="0">
+                <a:solidFill>
+                  <a:schemeClr val="tx1"/>
+                </a:solidFill>
+                <a:effectLst/>
+                <a:latin typeface="+mn-lt"/>
+                <a:ea typeface="+mn-ea"/>
+                <a:cs typeface="+mn-cs"/>
+              </a:rPr>
+              <a:t> – сервис блокчейн-голосований, который основан на блокчейн-сети </a:t>
+            </a:r>
+            <a:r>
+              <a:rPr lang="ru-RU" sz="1200" kern="1200" dirty="0" err="1" smtClean="0">
+                <a:solidFill>
+                  <a:schemeClr val="tx1"/>
+                </a:solidFill>
+                <a:effectLst/>
+                <a:latin typeface="+mn-lt"/>
+                <a:ea typeface="+mn-ea"/>
+                <a:cs typeface="+mn-cs"/>
+              </a:rPr>
+              <a:t>Waves</a:t>
+            </a:r>
+            <a:r>
+              <a:rPr lang="ru-RU" sz="1200" kern="1200" dirty="0" smtClean="0">
+                <a:solidFill>
+                  <a:schemeClr val="tx1"/>
+                </a:solidFill>
+                <a:effectLst/>
+                <a:latin typeface="+mn-lt"/>
+                <a:ea typeface="+mn-ea"/>
+                <a:cs typeface="+mn-cs"/>
+              </a:rPr>
+              <a:t> </a:t>
+            </a:r>
+            <a:r>
+              <a:rPr lang="ru-RU" sz="1200" kern="1200" dirty="0" err="1" smtClean="0">
+                <a:solidFill>
+                  <a:schemeClr val="tx1"/>
+                </a:solidFill>
+                <a:effectLst/>
+                <a:latin typeface="+mn-lt"/>
+                <a:ea typeface="+mn-ea"/>
+                <a:cs typeface="+mn-cs"/>
+              </a:rPr>
+              <a:t>Enterprise</a:t>
+            </a:r>
+            <a:r>
+              <a:rPr lang="ru-RU" sz="1200" kern="1200" dirty="0" smtClean="0">
+                <a:solidFill>
+                  <a:schemeClr val="tx1"/>
+                </a:solidFill>
+                <a:effectLst/>
+                <a:latin typeface="+mn-lt"/>
+                <a:ea typeface="+mn-ea"/>
+                <a:cs typeface="+mn-cs"/>
+              </a:rPr>
+              <a:t>. На слайде изображена главная страница, на которой отображаются все голосования пользователя.</a:t>
+            </a:r>
+            <a:endParaRPr lang="ru-RU" dirty="0"/>
+          </a:p>
+        </p:txBody>
+      </p:sp>
+      <p:sp>
+        <p:nvSpPr>
+          <p:cNvPr id="4" name="Номер слайда 3"/>
+          <p:cNvSpPr>
+            <a:spLocks noGrp="1"/>
+          </p:cNvSpPr>
+          <p:nvPr>
+            <p:ph type="sldNum" sz="quarter" idx="10"/>
+          </p:nvPr>
+        </p:nvSpPr>
+        <p:spPr/>
+        <p:txBody>
+          <a:bodyPr/>
+          <a:lstStyle/>
+          <a:p>
+            <a:fld id="{BEC7A95C-97CA-431A-AE49-B22A2B1CD0AD}" type="slidenum">
+              <a:rPr lang="ru-RU" smtClean="0"/>
+              <a:t>6</a:t>
+            </a:fld>
+            <a:endParaRPr lang="ru-RU"/>
+          </a:p>
+        </p:txBody>
+      </p:sp>
+    </p:spTree>
+    <p:extLst>
+      <p:ext uri="{BB962C8B-B14F-4D97-AF65-F5344CB8AC3E}">
+        <p14:creationId xmlns:p14="http://schemas.microsoft.com/office/powerpoint/2010/main" val="1115018580"/>
+      </p:ext>
+    </p:extLst>
+  </p:cSld>
+  <p:clrMapOvr>
+    <a:masterClrMapping/>
+  </p:clrMapOvr>
+</p:notes>
+</file>
+
+<file path=ppt/notesSlides/notesSlide7.xml><?xml version="1.0" encoding="utf-8"?>
+<p:notes xmlns:a="http://schemas.openxmlformats.org/drawingml/2006/main" xmlns:r="http://schemas.openxmlformats.org/officeDocument/2006/relationships" xmlns:p="http://schemas.openxmlformats.org/presentationml/2006/main">
+  <p:cSld>
+    <p:spTree>
+      <p:nvGrpSpPr>
+        <p:cNvPr id="1" name=""/>
+        <p:cNvGrpSpPr/>
+        <p:nvPr/>
+      </p:nvGrpSpPr>
+      <p:grpSpPr>
+        <a:xfrm>
+          <a:off x="0" y="0"/>
+          <a:ext cx="0" cy="0"/>
+          <a:chOff x="0" y="0"/>
+          <a:chExt cx="0" cy="0"/>
+        </a:xfrm>
+      </p:grpSpPr>
+      <p:sp>
+        <p:nvSpPr>
+          <p:cNvPr id="2" name="Образ слайда 1"/>
+          <p:cNvSpPr>
+            <a:spLocks noGrp="1" noRot="1" noChangeAspect="1"/>
+          </p:cNvSpPr>
+          <p:nvPr>
+            <p:ph type="sldImg"/>
+          </p:nvPr>
+        </p:nvSpPr>
+        <p:spPr/>
+      </p:sp>
+      <p:sp>
+        <p:nvSpPr>
+          <p:cNvPr id="3" name="Заметки 2"/>
+          <p:cNvSpPr>
+            <a:spLocks noGrp="1"/>
+          </p:cNvSpPr>
+          <p:nvPr>
+            <p:ph type="body" idx="1"/>
+          </p:nvPr>
+        </p:nvSpPr>
+        <p:spPr/>
+        <p:txBody>
+          <a:bodyPr/>
+          <a:lstStyle/>
+          <a:p>
+            <a:r>
+              <a:rPr lang="ru-RU" dirty="0" smtClean="0"/>
+              <a:t>В ходе проектирования было выделено 2 актера. </a:t>
+            </a:r>
+          </a:p>
+          <a:p>
+            <a:r>
+              <a:rPr lang="ru-RU" dirty="0" smtClean="0"/>
+              <a:t>Гость</a:t>
+            </a:r>
+            <a:r>
+              <a:rPr lang="ru-RU" baseline="0" dirty="0" smtClean="0"/>
+              <a:t> </a:t>
+            </a:r>
+            <a:r>
+              <a:rPr lang="ru-RU" dirty="0" smtClean="0"/>
+              <a:t>может</a:t>
+            </a:r>
+            <a:r>
+              <a:rPr lang="ru-RU" baseline="0" dirty="0" smtClean="0"/>
+              <a:t> авторизоваться в системе с помощью </a:t>
+            </a:r>
+            <a:r>
+              <a:rPr lang="ru-RU" baseline="0" dirty="0" err="1" smtClean="0"/>
+              <a:t>браузерного</a:t>
+            </a:r>
+            <a:r>
+              <a:rPr lang="ru-RU" baseline="0" dirty="0" smtClean="0"/>
+              <a:t> расширения </a:t>
+            </a:r>
+            <a:r>
+              <a:rPr lang="en-US" baseline="0" dirty="0" smtClean="0"/>
+              <a:t>MetaMask</a:t>
+            </a:r>
+            <a:endParaRPr lang="ru-RU" baseline="0" dirty="0" smtClean="0"/>
+          </a:p>
+          <a:p>
+            <a:r>
+              <a:rPr lang="ru-RU" baseline="0" dirty="0" smtClean="0"/>
+              <a:t>Гость и Авторизованный пользователь могут просмотреть список всех голосований, найти голосование по названию, отфильтровать их и просмотреть подробности голосования.</a:t>
+            </a:r>
+          </a:p>
+          <a:p>
+            <a:r>
+              <a:rPr lang="ru-RU" baseline="0" dirty="0" smtClean="0"/>
+              <a:t>Авторизованный пользователь дополнительно может создать голосование </a:t>
+            </a:r>
+            <a:r>
+              <a:rPr lang="ru-RU" baseline="0" dirty="0" err="1" smtClean="0"/>
+              <a:t>роголосовать</a:t>
+            </a:r>
+            <a:r>
+              <a:rPr lang="ru-RU" baseline="0" dirty="0" smtClean="0"/>
+              <a:t> и после этого просмотреть транзакцию своего голоса в блокчейн обозревателе </a:t>
+            </a:r>
+            <a:r>
+              <a:rPr lang="en-US" baseline="0" dirty="0" smtClean="0"/>
+              <a:t>Etherscan</a:t>
+            </a:r>
+            <a:r>
+              <a:rPr lang="ru-RU" baseline="0" dirty="0" smtClean="0"/>
+              <a:t>.</a:t>
+            </a:r>
+            <a:endParaRPr lang="en-US" baseline="0" dirty="0" smtClean="0"/>
+          </a:p>
+        </p:txBody>
+      </p:sp>
+      <p:sp>
+        <p:nvSpPr>
+          <p:cNvPr id="4" name="Номер слайда 3"/>
+          <p:cNvSpPr>
+            <a:spLocks noGrp="1"/>
+          </p:cNvSpPr>
+          <p:nvPr>
+            <p:ph type="sldNum" sz="quarter" idx="10"/>
+          </p:nvPr>
+        </p:nvSpPr>
+        <p:spPr/>
+        <p:txBody>
+          <a:bodyPr/>
+          <a:lstStyle/>
+          <a:p>
+            <a:fld id="{BEC7A95C-97CA-431A-AE49-B22A2B1CD0AD}" type="slidenum">
+              <a:rPr lang="ru-RU" smtClean="0"/>
+              <a:t>7</a:t>
+            </a:fld>
+            <a:endParaRPr lang="ru-RU"/>
+          </a:p>
+        </p:txBody>
+      </p:sp>
+    </p:spTree>
+    <p:extLst>
+      <p:ext uri="{BB962C8B-B14F-4D97-AF65-F5344CB8AC3E}">
+        <p14:creationId xmlns:p14="http://schemas.microsoft.com/office/powerpoint/2010/main" val="1058383467"/>
+      </p:ext>
+    </p:extLst>
+  </p:cSld>
+  <p:clrMapOvr>
+    <a:masterClrMapping/>
+  </p:clrMapOvr>
+</p:notes>
+</file>
+
+<file path=ppt/notesSlides/notesSlide8.xml><?xml version="1.0" encoding="utf-8"?>
+<p:notes xmlns:a="http://schemas.openxmlformats.org/drawingml/2006/main" xmlns:r="http://schemas.openxmlformats.org/officeDocument/2006/relationships" xmlns:p="http://schemas.openxmlformats.org/presentationml/2006/main">
+  <p:cSld>
+    <p:spTree>
+      <p:nvGrpSpPr>
+        <p:cNvPr id="1" name=""/>
+        <p:cNvGrpSpPr/>
+        <p:nvPr/>
+      </p:nvGrpSpPr>
+      <p:grpSpPr>
+        <a:xfrm>
+          <a:off x="0" y="0"/>
+          <a:ext cx="0" cy="0"/>
+          <a:chOff x="0" y="0"/>
+          <a:chExt cx="0" cy="0"/>
+        </a:xfrm>
+      </p:grpSpPr>
+      <p:sp>
+        <p:nvSpPr>
+          <p:cNvPr id="2" name="Образ слайда 1"/>
+          <p:cNvSpPr>
+            <a:spLocks noGrp="1" noRot="1" noChangeAspect="1"/>
+          </p:cNvSpPr>
+          <p:nvPr>
+            <p:ph type="sldImg"/>
+          </p:nvPr>
+        </p:nvSpPr>
+        <p:spPr/>
+      </p:sp>
+      <p:sp>
+        <p:nvSpPr>
+          <p:cNvPr id="3" name="Заметки 2"/>
+          <p:cNvSpPr>
+            <a:spLocks noGrp="1"/>
+          </p:cNvSpPr>
+          <p:nvPr>
+            <p:ph type="body" idx="1"/>
+          </p:nvPr>
+        </p:nvSpPr>
+        <p:spPr/>
+        <p:txBody>
+          <a:bodyPr/>
+          <a:lstStyle/>
+          <a:p>
+            <a:r>
+              <a:rPr lang="ru-RU" dirty="0" smtClean="0"/>
+              <a:t>Данная диаграмма состоит из следующих компонентов. </a:t>
+            </a:r>
+          </a:p>
+          <a:p>
+            <a:r>
+              <a:rPr lang="ru-RU" sz="1200" kern="1200" dirty="0" smtClean="0">
+                <a:solidFill>
+                  <a:schemeClr val="tx1"/>
+                </a:solidFill>
+                <a:effectLst/>
+                <a:latin typeface="+mn-lt"/>
+                <a:ea typeface="+mn-ea"/>
+                <a:cs typeface="+mn-cs"/>
+              </a:rPr>
+              <a:t>Веб-интерфейс определяет логику пользовательского интерфейса и взаимодействует с блокчейном  с помощью веб3 провайдера </a:t>
+            </a:r>
+            <a:r>
+              <a:rPr lang="en-US" sz="1200" kern="1200" dirty="0" smtClean="0">
+                <a:solidFill>
+                  <a:schemeClr val="tx1"/>
+                </a:solidFill>
+                <a:effectLst/>
+                <a:latin typeface="+mn-lt"/>
+                <a:ea typeface="+mn-ea"/>
+                <a:cs typeface="+mn-cs"/>
+              </a:rPr>
+              <a:t>MetaMask</a:t>
+            </a:r>
+            <a:r>
+              <a:rPr lang="ru-RU" sz="1200" kern="1200" dirty="0" smtClean="0">
+                <a:solidFill>
+                  <a:schemeClr val="tx1"/>
+                </a:solidFill>
+                <a:effectLst/>
+                <a:latin typeface="+mn-lt"/>
+                <a:ea typeface="+mn-ea"/>
+                <a:cs typeface="+mn-cs"/>
+              </a:rPr>
+              <a:t>. В веб-интерфейсе системы авторизация пользователя осуществляется через </a:t>
+            </a:r>
+            <a:r>
+              <a:rPr lang="en-US" sz="1200" kern="1200" dirty="0" smtClean="0">
+                <a:solidFill>
+                  <a:schemeClr val="tx1"/>
+                </a:solidFill>
+                <a:effectLst/>
+                <a:latin typeface="+mn-lt"/>
+                <a:ea typeface="+mn-ea"/>
+                <a:cs typeface="+mn-cs"/>
+              </a:rPr>
+              <a:t>MetaMask</a:t>
+            </a:r>
+            <a:r>
+              <a:rPr lang="ru-RU" sz="1200" kern="1200" dirty="0" smtClean="0">
+                <a:solidFill>
+                  <a:schemeClr val="tx1"/>
+                </a:solidFill>
+                <a:effectLst/>
+                <a:latin typeface="+mn-lt"/>
+                <a:ea typeface="+mn-ea"/>
+                <a:cs typeface="+mn-cs"/>
+              </a:rPr>
+              <a:t>, так как </a:t>
+            </a:r>
+            <a:r>
+              <a:rPr lang="en-US" sz="1200" kern="1200" dirty="0" smtClean="0">
+                <a:solidFill>
+                  <a:schemeClr val="tx1"/>
+                </a:solidFill>
+                <a:effectLst/>
+                <a:latin typeface="+mn-lt"/>
+                <a:ea typeface="+mn-ea"/>
+                <a:cs typeface="+mn-cs"/>
+              </a:rPr>
+              <a:t>MetaMask </a:t>
+            </a:r>
+            <a:r>
+              <a:rPr lang="ru-RU" sz="1200" kern="1200" dirty="0" smtClean="0">
+                <a:solidFill>
+                  <a:schemeClr val="tx1"/>
+                </a:solidFill>
+                <a:effectLst/>
+                <a:latin typeface="+mn-lt"/>
+                <a:ea typeface="+mn-ea"/>
+                <a:cs typeface="+mn-cs"/>
+              </a:rPr>
+              <a:t>является </a:t>
+            </a:r>
+            <a:r>
+              <a:rPr lang="ru-RU" sz="1200" kern="1200" dirty="0" err="1" smtClean="0">
+                <a:solidFill>
+                  <a:schemeClr val="tx1"/>
+                </a:solidFill>
+                <a:effectLst/>
+                <a:latin typeface="+mn-lt"/>
+                <a:ea typeface="+mn-ea"/>
+                <a:cs typeface="+mn-cs"/>
+              </a:rPr>
+              <a:t>браузерным</a:t>
+            </a:r>
+            <a:r>
+              <a:rPr lang="ru-RU" sz="1200" kern="1200" dirty="0" smtClean="0">
+                <a:solidFill>
+                  <a:schemeClr val="tx1"/>
+                </a:solidFill>
+                <a:effectLst/>
+                <a:latin typeface="+mn-lt"/>
+                <a:ea typeface="+mn-ea"/>
+                <a:cs typeface="+mn-cs"/>
+              </a:rPr>
+              <a:t> расширением.</a:t>
+            </a:r>
+          </a:p>
+          <a:p>
+            <a:r>
+              <a:rPr lang="ru-RU" sz="1200" kern="1200" dirty="0" smtClean="0">
+                <a:solidFill>
+                  <a:schemeClr val="tx1"/>
+                </a:solidFill>
+                <a:effectLst/>
+                <a:latin typeface="+mn-lt"/>
+                <a:ea typeface="+mn-ea"/>
+                <a:cs typeface="+mn-cs"/>
+              </a:rPr>
+              <a:t>Веб3 провайдер </a:t>
+            </a:r>
+            <a:r>
+              <a:rPr lang="en-US" sz="1200" kern="1200" dirty="0" smtClean="0">
+                <a:solidFill>
+                  <a:schemeClr val="tx1"/>
+                </a:solidFill>
+                <a:effectLst/>
+                <a:latin typeface="+mn-lt"/>
+                <a:ea typeface="+mn-ea"/>
+                <a:cs typeface="+mn-cs"/>
+              </a:rPr>
+              <a:t>MetaMask </a:t>
+            </a:r>
+            <a:r>
+              <a:rPr lang="ru-RU" sz="1200" kern="1200" dirty="0" smtClean="0">
+                <a:solidFill>
+                  <a:schemeClr val="tx1"/>
+                </a:solidFill>
+                <a:effectLst/>
+                <a:latin typeface="+mn-lt"/>
+                <a:ea typeface="+mn-ea"/>
+                <a:cs typeface="+mn-cs"/>
+              </a:rPr>
+              <a:t>– узел сети, к которому подключается веб-интерфейс для авторизации и взаимодействия с блокчейном.</a:t>
+            </a:r>
+          </a:p>
+          <a:p>
+            <a:r>
+              <a:rPr lang="ru-RU" sz="1200" kern="1200" dirty="0" smtClean="0">
+                <a:solidFill>
+                  <a:schemeClr val="tx1"/>
+                </a:solidFill>
+                <a:effectLst/>
+                <a:latin typeface="+mn-lt"/>
+                <a:ea typeface="+mn-ea"/>
+                <a:cs typeface="+mn-cs"/>
+              </a:rPr>
+              <a:t>Веб-сервер обрабатывает логику приложения, определенную в смарт-контрактах. Также на веб-сервере собирает данные о голосованиях из блокчейна и записывает в него данные о </a:t>
+            </a:r>
+            <a:r>
+              <a:rPr lang="ru-RU" sz="1200" kern="1200" dirty="0" err="1" smtClean="0">
+                <a:solidFill>
+                  <a:schemeClr val="tx1"/>
+                </a:solidFill>
+                <a:effectLst/>
+                <a:latin typeface="+mn-lt"/>
+                <a:ea typeface="+mn-ea"/>
+                <a:cs typeface="+mn-cs"/>
+              </a:rPr>
+              <a:t>созданых</a:t>
+            </a:r>
+            <a:r>
+              <a:rPr lang="ru-RU" sz="1200" kern="1200" dirty="0" smtClean="0">
+                <a:solidFill>
+                  <a:schemeClr val="tx1"/>
+                </a:solidFill>
+                <a:effectLst/>
+                <a:latin typeface="+mn-lt"/>
+                <a:ea typeface="+mn-ea"/>
+                <a:cs typeface="+mn-cs"/>
+              </a:rPr>
+              <a:t> голосованиях. Для данного взаимодействия необходим «серверный» веб3 провайдер </a:t>
+            </a:r>
+            <a:r>
+              <a:rPr lang="en-US" sz="1200" kern="1200" dirty="0" smtClean="0">
+                <a:solidFill>
+                  <a:schemeClr val="tx1"/>
+                </a:solidFill>
+                <a:effectLst/>
+                <a:latin typeface="+mn-lt"/>
+                <a:ea typeface="+mn-ea"/>
+                <a:cs typeface="+mn-cs"/>
+              </a:rPr>
+              <a:t>Alchemy.</a:t>
+            </a:r>
+            <a:endParaRPr lang="ru-RU" sz="1200" kern="1200" dirty="0" smtClean="0">
+              <a:solidFill>
+                <a:schemeClr val="tx1"/>
+              </a:solidFill>
+              <a:effectLst/>
+              <a:latin typeface="+mn-lt"/>
+              <a:ea typeface="+mn-ea"/>
+              <a:cs typeface="+mn-cs"/>
+            </a:endParaRPr>
+          </a:p>
+          <a:p>
+            <a:r>
+              <a:rPr lang="ru-RU" sz="1200" kern="1200" dirty="0" smtClean="0">
+                <a:solidFill>
+                  <a:schemeClr val="tx1"/>
+                </a:solidFill>
+                <a:effectLst/>
+                <a:latin typeface="+mn-lt"/>
+                <a:ea typeface="+mn-ea"/>
+                <a:cs typeface="+mn-cs"/>
+              </a:rPr>
+              <a:t>Веб3 провайдер </a:t>
+            </a:r>
+            <a:r>
+              <a:rPr lang="en-US" sz="1200" kern="1200" dirty="0" smtClean="0">
+                <a:solidFill>
+                  <a:schemeClr val="tx1"/>
+                </a:solidFill>
+                <a:effectLst/>
+                <a:latin typeface="+mn-lt"/>
+                <a:ea typeface="+mn-ea"/>
+                <a:cs typeface="+mn-cs"/>
+              </a:rPr>
+              <a:t>Alchemy</a:t>
+            </a:r>
+            <a:r>
+              <a:rPr lang="ru-RU" sz="1200" kern="1200" dirty="0" smtClean="0">
+                <a:solidFill>
+                  <a:schemeClr val="tx1"/>
+                </a:solidFill>
+                <a:effectLst/>
+                <a:latin typeface="+mn-lt"/>
+                <a:ea typeface="+mn-ea"/>
+                <a:cs typeface="+mn-cs"/>
+              </a:rPr>
+              <a:t> – узел сети, к которому подключается веб-сервер для взаимодействия с блокчейном и смарт-контрактами.</a:t>
+            </a:r>
+            <a:endParaRPr lang="ru-RU" dirty="0" smtClean="0"/>
+          </a:p>
+          <a:p>
+            <a:r>
+              <a:rPr lang="ru-RU" dirty="0" smtClean="0"/>
+              <a:t>Блокчейн</a:t>
+            </a:r>
+            <a:r>
+              <a:rPr lang="ru-RU" baseline="0" dirty="0" smtClean="0"/>
+              <a:t> </a:t>
+            </a:r>
+            <a:r>
+              <a:rPr lang="en-US" baseline="0" dirty="0" smtClean="0"/>
+              <a:t>Ethereum</a:t>
+            </a:r>
+            <a:r>
+              <a:rPr lang="ru-RU" baseline="0" dirty="0" smtClean="0"/>
+              <a:t>, в котором хранятся смарт-контракты голосования.</a:t>
+            </a:r>
+          </a:p>
+          <a:p>
+            <a:endParaRPr lang="ru-RU" dirty="0"/>
+          </a:p>
+        </p:txBody>
+      </p:sp>
+      <p:sp>
+        <p:nvSpPr>
+          <p:cNvPr id="4" name="Номер слайда 3"/>
+          <p:cNvSpPr>
+            <a:spLocks noGrp="1"/>
+          </p:cNvSpPr>
+          <p:nvPr>
+            <p:ph type="sldNum" sz="quarter" idx="10"/>
+          </p:nvPr>
+        </p:nvSpPr>
+        <p:spPr/>
+        <p:txBody>
+          <a:bodyPr/>
+          <a:lstStyle/>
+          <a:p>
+            <a:fld id="{BEC7A95C-97CA-431A-AE49-B22A2B1CD0AD}" type="slidenum">
+              <a:rPr lang="ru-RU" smtClean="0"/>
+              <a:t>8</a:t>
+            </a:fld>
+            <a:endParaRPr lang="ru-RU"/>
+          </a:p>
+        </p:txBody>
+      </p:sp>
+    </p:spTree>
+    <p:extLst>
+      <p:ext uri="{BB962C8B-B14F-4D97-AF65-F5344CB8AC3E}">
+        <p14:creationId xmlns:p14="http://schemas.microsoft.com/office/powerpoint/2010/main" val="92007959"/>
+      </p:ext>
+    </p:extLst>
+  </p:cSld>
+  <p:clrMapOvr>
+    <a:masterClrMapping/>
+  </p:clrMapOvr>
+</p:notes>
+</file>
+
+<file path=ppt/notesSlides/notesSlide9.xml><?xml version="1.0" encoding="utf-8"?>
+<p:notes xmlns:a="http://schemas.openxmlformats.org/drawingml/2006/main" xmlns:r="http://schemas.openxmlformats.org/officeDocument/2006/relationships" xmlns:p="http://schemas.openxmlformats.org/presentationml/2006/main">
+  <p:cSld>
+    <p:spTree>
+      <p:nvGrpSpPr>
+        <p:cNvPr id="1" name=""/>
+        <p:cNvGrpSpPr/>
+        <p:nvPr/>
+      </p:nvGrpSpPr>
+      <p:grpSpPr>
+        <a:xfrm>
+          <a:off x="0" y="0"/>
+          <a:ext cx="0" cy="0"/>
+          <a:chOff x="0" y="0"/>
+          <a:chExt cx="0" cy="0"/>
+        </a:xfrm>
+      </p:grpSpPr>
+      <p:sp>
+        <p:nvSpPr>
+          <p:cNvPr id="2" name="Образ слайда 1"/>
+          <p:cNvSpPr>
+            <a:spLocks noGrp="1" noRot="1" noChangeAspect="1"/>
+          </p:cNvSpPr>
+          <p:nvPr>
+            <p:ph type="sldImg"/>
+          </p:nvPr>
+        </p:nvSpPr>
+        <p:spPr/>
+      </p:sp>
+      <p:sp>
+        <p:nvSpPr>
+          <p:cNvPr id="3" name="Заметки 2"/>
+          <p:cNvSpPr>
+            <a:spLocks noGrp="1"/>
+          </p:cNvSpPr>
+          <p:nvPr>
+            <p:ph type="body" idx="1"/>
+          </p:nvPr>
+        </p:nvSpPr>
+        <p:spPr/>
+        <p:txBody>
+          <a:bodyPr/>
+          <a:lstStyle/>
+          <a:p>
+            <a:r>
+              <a:rPr lang="ru-RU" dirty="0" smtClean="0"/>
+              <a:t>Диаграмма</a:t>
+            </a:r>
+            <a:r>
+              <a:rPr lang="ru-RU" baseline="0" dirty="0" smtClean="0"/>
+              <a:t> смарт-контрактов, которые хранятся в блокчейне состоит из следующих частей.</a:t>
+            </a:r>
+          </a:p>
+          <a:p>
+            <a:r>
+              <a:rPr lang="ru-RU" sz="1200" kern="1200" dirty="0" smtClean="0">
+                <a:solidFill>
+                  <a:schemeClr val="tx1"/>
+                </a:solidFill>
+                <a:effectLst/>
+                <a:latin typeface="+mn-lt"/>
+                <a:ea typeface="+mn-ea"/>
+                <a:cs typeface="+mn-cs"/>
+              </a:rPr>
+              <a:t>В управляющем смарт-контракте </a:t>
+            </a:r>
+            <a:r>
+              <a:rPr lang="en-US" sz="1200" kern="1200" dirty="0" err="1" smtClean="0">
+                <a:solidFill>
+                  <a:schemeClr val="tx1"/>
+                </a:solidFill>
+                <a:effectLst/>
+                <a:latin typeface="+mn-lt"/>
+                <a:ea typeface="+mn-ea"/>
+                <a:cs typeface="+mn-cs"/>
+              </a:rPr>
+              <a:t>EVotingManager</a:t>
+            </a:r>
+            <a:r>
+              <a:rPr lang="ru-RU" sz="1200" kern="1200" dirty="0" smtClean="0">
+                <a:solidFill>
+                  <a:schemeClr val="tx1"/>
+                </a:solidFill>
+                <a:effectLst/>
+                <a:latin typeface="+mn-lt"/>
+                <a:ea typeface="+mn-ea"/>
+                <a:cs typeface="+mn-cs"/>
+              </a:rPr>
+              <a:t> хранятся публичные ключи всех созданных смарт-контрактов голосований.</a:t>
+            </a:r>
+          </a:p>
+          <a:p>
+            <a:pPr marL="0" marR="0" lvl="0" indent="0" algn="l" defTabSz="914400" rtl="0" eaLnBrk="1" fontAlgn="auto" latinLnBrk="0" hangingPunct="1">
+              <a:lnSpc>
+                <a:spcPct val="100000"/>
+              </a:lnSpc>
+              <a:spcBef>
+                <a:spcPts val="0"/>
+              </a:spcBef>
+              <a:spcAft>
+                <a:spcPts val="0"/>
+              </a:spcAft>
+              <a:buClrTx/>
+              <a:buSzTx/>
+              <a:buFontTx/>
+              <a:buNone/>
+              <a:tabLst/>
+              <a:defRPr/>
+            </a:pPr>
+            <a:r>
+              <a:rPr lang="ru-RU" sz="1200" kern="1200" dirty="0" smtClean="0">
+                <a:solidFill>
+                  <a:schemeClr val="tx1"/>
+                </a:solidFill>
+                <a:effectLst/>
+                <a:latin typeface="+mn-lt"/>
+                <a:ea typeface="+mn-ea"/>
+                <a:cs typeface="+mn-cs"/>
+              </a:rPr>
+              <a:t>Программная логика каждого голосования находится в смарт-контракте для голосования </a:t>
+            </a:r>
+            <a:r>
+              <a:rPr lang="en-US" sz="1200" kern="1200" dirty="0" smtClean="0">
+                <a:solidFill>
+                  <a:schemeClr val="tx1"/>
+                </a:solidFill>
+                <a:effectLst/>
+                <a:latin typeface="+mn-lt"/>
+                <a:ea typeface="+mn-ea"/>
+                <a:cs typeface="+mn-cs"/>
+              </a:rPr>
+              <a:t>EVoting</a:t>
+            </a:r>
+            <a:r>
+              <a:rPr lang="ru-RU" sz="1200" kern="1200" dirty="0" smtClean="0">
+                <a:solidFill>
+                  <a:schemeClr val="tx1"/>
+                </a:solidFill>
+                <a:effectLst/>
+                <a:latin typeface="+mn-lt"/>
+                <a:ea typeface="+mn-ea"/>
+                <a:cs typeface="+mn-cs"/>
+              </a:rPr>
+              <a:t>. Данный смарт-контракт содержит поля, определяющие голосование: его название, дату и время начала и окончания, список публичных ключей избирателей, список вариантов ответов. За начисление голоса конкретному выбору избирателя отвечает метод </a:t>
+            </a:r>
+            <a:r>
+              <a:rPr lang="en-US" sz="1200" kern="1200" dirty="0" smtClean="0">
+                <a:solidFill>
+                  <a:schemeClr val="tx1"/>
+                </a:solidFill>
+                <a:effectLst/>
+                <a:latin typeface="+mn-lt"/>
+                <a:ea typeface="+mn-ea"/>
+                <a:cs typeface="+mn-cs"/>
+              </a:rPr>
+              <a:t>vote</a:t>
+            </a:r>
+            <a:r>
+              <a:rPr lang="ru-RU" sz="1200" kern="1200" dirty="0" smtClean="0">
+                <a:solidFill>
+                  <a:schemeClr val="tx1"/>
+                </a:solidFill>
+                <a:effectLst/>
+                <a:latin typeface="+mn-lt"/>
+                <a:ea typeface="+mn-ea"/>
+                <a:cs typeface="+mn-cs"/>
+              </a:rPr>
+              <a:t>. Для подсчета голосов представлен метод </a:t>
+            </a:r>
+            <a:r>
+              <a:rPr lang="en-US" sz="1200" kern="1200" dirty="0" err="1" smtClean="0">
+                <a:solidFill>
+                  <a:schemeClr val="tx1"/>
+                </a:solidFill>
+                <a:effectLst/>
+                <a:latin typeface="+mn-lt"/>
+                <a:ea typeface="+mn-ea"/>
+                <a:cs typeface="+mn-cs"/>
+              </a:rPr>
+              <a:t>totalVotesFor</a:t>
+            </a:r>
+            <a:r>
+              <a:rPr lang="ru-RU" sz="1200" kern="1200" dirty="0" smtClean="0">
+                <a:solidFill>
+                  <a:schemeClr val="tx1"/>
+                </a:solidFill>
+                <a:effectLst/>
+                <a:latin typeface="+mn-lt"/>
+                <a:ea typeface="+mn-ea"/>
+                <a:cs typeface="+mn-cs"/>
+              </a:rPr>
+              <a:t>.</a:t>
+            </a:r>
+          </a:p>
+          <a:p>
+            <a:r>
+              <a:rPr lang="ru-RU" sz="1200" kern="1200" dirty="0" smtClean="0">
+                <a:solidFill>
+                  <a:schemeClr val="tx1"/>
+                </a:solidFill>
+                <a:effectLst/>
+                <a:latin typeface="+mn-lt"/>
+                <a:ea typeface="+mn-ea"/>
+                <a:cs typeface="+mn-cs"/>
+              </a:rPr>
+              <a:t>В голосованиях используется токен </a:t>
+            </a:r>
+            <a:r>
+              <a:rPr lang="en-US" sz="1200" kern="1200" dirty="0" err="1" smtClean="0">
+                <a:solidFill>
+                  <a:schemeClr val="tx1"/>
+                </a:solidFill>
+                <a:effectLst/>
+                <a:latin typeface="+mn-lt"/>
+                <a:ea typeface="+mn-ea"/>
+                <a:cs typeface="+mn-cs"/>
+              </a:rPr>
+              <a:t>EVotingToken</a:t>
+            </a:r>
+            <a:r>
+              <a:rPr lang="ru-RU" sz="1200" kern="1200" dirty="0" smtClean="0">
+                <a:solidFill>
+                  <a:schemeClr val="tx1"/>
+                </a:solidFill>
+                <a:effectLst/>
+                <a:latin typeface="+mn-lt"/>
+                <a:ea typeface="+mn-ea"/>
+                <a:cs typeface="+mn-cs"/>
+              </a:rPr>
+              <a:t>, который отвечает за начисление токена избирателю на адрес кошелька и перевод этого токена на адрес кошелька кандидата. </a:t>
+            </a:r>
+            <a:endParaRPr lang="ru-RU" dirty="0"/>
+          </a:p>
+        </p:txBody>
+      </p:sp>
+      <p:sp>
+        <p:nvSpPr>
+          <p:cNvPr id="4" name="Номер слайда 3"/>
+          <p:cNvSpPr>
+            <a:spLocks noGrp="1"/>
+          </p:cNvSpPr>
+          <p:nvPr>
+            <p:ph type="sldNum" sz="quarter" idx="10"/>
+          </p:nvPr>
+        </p:nvSpPr>
+        <p:spPr/>
+        <p:txBody>
+          <a:bodyPr/>
+          <a:lstStyle/>
+          <a:p>
+            <a:fld id="{BEC7A95C-97CA-431A-AE49-B22A2B1CD0AD}" type="slidenum">
+              <a:rPr lang="ru-RU" smtClean="0"/>
+              <a:t>9</a:t>
+            </a:fld>
+            <a:endParaRPr lang="ru-RU"/>
+          </a:p>
+        </p:txBody>
+      </p:sp>
+    </p:spTree>
+    <p:extLst>
+      <p:ext uri="{BB962C8B-B14F-4D97-AF65-F5344CB8AC3E}">
+        <p14:creationId xmlns:p14="http://schemas.microsoft.com/office/powerpoint/2010/main" val="656319083"/>
       </p:ext>
     </p:extLst>
   </p:cSld>
@@ -971,7 +3580,7 @@
           <a:p>
             <a:fld id="{9D1E7A46-1A4E-41C3-B23B-1269BF8B1FAC}" type="datetimeFigureOut">
               <a:rPr lang="ru-RU" smtClean="0"/>
-              <a:t>29.05.2023</a:t>
+              <a:t>30.05.2023</a:t>
             </a:fld>
             <a:endParaRPr lang="ru-RU"/>
           </a:p>
@@ -1141,7 +3750,7 @@
           <a:p>
             <a:fld id="{9D1E7A46-1A4E-41C3-B23B-1269BF8B1FAC}" type="datetimeFigureOut">
               <a:rPr lang="ru-RU" smtClean="0"/>
-              <a:t>29.05.2023</a:t>
+              <a:t>30.05.2023</a:t>
             </a:fld>
             <a:endParaRPr lang="ru-RU"/>
           </a:p>
@@ -1321,7 +3930,7 @@
           <a:p>
             <a:fld id="{9D1E7A46-1A4E-41C3-B23B-1269BF8B1FAC}" type="datetimeFigureOut">
               <a:rPr lang="ru-RU" smtClean="0"/>
-              <a:t>29.05.2023</a:t>
+              <a:t>30.05.2023</a:t>
             </a:fld>
             <a:endParaRPr lang="ru-RU"/>
           </a:p>
@@ -1491,7 +4100,7 @@
           <a:p>
             <a:fld id="{9D1E7A46-1A4E-41C3-B23B-1269BF8B1FAC}" type="datetimeFigureOut">
               <a:rPr lang="ru-RU" smtClean="0"/>
-              <a:t>29.05.2023</a:t>
+              <a:t>30.05.2023</a:t>
             </a:fld>
             <a:endParaRPr lang="ru-RU"/>
           </a:p>
@@ -1735,7 +4344,7 @@
           <a:p>
             <a:fld id="{9D1E7A46-1A4E-41C3-B23B-1269BF8B1FAC}" type="datetimeFigureOut">
               <a:rPr lang="ru-RU" smtClean="0"/>
-              <a:t>29.05.2023</a:t>
+              <a:t>30.05.2023</a:t>
             </a:fld>
             <a:endParaRPr lang="ru-RU"/>
           </a:p>
@@ -1967,7 +4576,7 @@
           <a:p>
             <a:fld id="{9D1E7A46-1A4E-41C3-B23B-1269BF8B1FAC}" type="datetimeFigureOut">
               <a:rPr lang="ru-RU" smtClean="0"/>
-              <a:t>29.05.2023</a:t>
+              <a:t>30.05.2023</a:t>
             </a:fld>
             <a:endParaRPr lang="ru-RU"/>
           </a:p>
@@ -2334,7 +4943,7 @@
           <a:p>
             <a:fld id="{9D1E7A46-1A4E-41C3-B23B-1269BF8B1FAC}" type="datetimeFigureOut">
               <a:rPr lang="ru-RU" smtClean="0"/>
-              <a:t>29.05.2023</a:t>
+              <a:t>30.05.2023</a:t>
             </a:fld>
             <a:endParaRPr lang="ru-RU"/>
           </a:p>
@@ -2452,7 +5061,7 @@
           <a:p>
             <a:fld id="{9D1E7A46-1A4E-41C3-B23B-1269BF8B1FAC}" type="datetimeFigureOut">
               <a:rPr lang="ru-RU" smtClean="0"/>
-              <a:t>29.05.2023</a:t>
+              <a:t>30.05.2023</a:t>
             </a:fld>
             <a:endParaRPr lang="ru-RU"/>
           </a:p>
@@ -2547,7 +5156,7 @@
           <a:p>
             <a:fld id="{9D1E7A46-1A4E-41C3-B23B-1269BF8B1FAC}" type="datetimeFigureOut">
               <a:rPr lang="ru-RU" smtClean="0"/>
-              <a:t>29.05.2023</a:t>
+              <a:t>30.05.2023</a:t>
             </a:fld>
             <a:endParaRPr lang="ru-RU"/>
           </a:p>
@@ -2824,7 +5433,7 @@
           <a:p>
             <a:fld id="{9D1E7A46-1A4E-41C3-B23B-1269BF8B1FAC}" type="datetimeFigureOut">
               <a:rPr lang="ru-RU" smtClean="0"/>
-              <a:t>29.05.2023</a:t>
+              <a:t>30.05.2023</a:t>
             </a:fld>
             <a:endParaRPr lang="ru-RU"/>
           </a:p>
@@ -3081,7 +5690,7 @@
           <a:p>
             <a:fld id="{9D1E7A46-1A4E-41C3-B23B-1269BF8B1FAC}" type="datetimeFigureOut">
               <a:rPr lang="ru-RU" smtClean="0"/>
-              <a:t>29.05.2023</a:t>
+              <a:t>30.05.2023</a:t>
             </a:fld>
             <a:endParaRPr lang="ru-RU"/>
           </a:p>
@@ -3294,7 +5903,7 @@
           <a:p>
             <a:fld id="{9D1E7A46-1A4E-41C3-B23B-1269BF8B1FAC}" type="datetimeFigureOut">
               <a:rPr lang="ru-RU" smtClean="0"/>
-              <a:t>29.05.2023</a:t>
+              <a:t>30.05.2023</a:t>
             </a:fld>
             <a:endParaRPr lang="ru-RU"/>
           </a:p>
@@ -4112,7 +6721,7 @@
           </p:nvPr>
         </p:nvPicPr>
         <p:blipFill>
-          <a:blip r:embed="rId2">
+          <a:blip r:embed="rId3">
             <a:extLst>
               <a:ext uri="{28A0092B-C50C-407E-A947-70E740481C1C}">
                 <a14:useLocalDpi xmlns:a14="http://schemas.microsoft.com/office/drawing/2010/main" val="0"/>
@@ -4143,7 +6752,7 @@
           <p:cNvPr id="4" name="TextBox 5">
             <a:extLst>
               <a:ext uri="{FF2B5EF4-FFF2-40B4-BE49-F238E27FC236}">
-                <a16:creationId xmlns:a16="http://schemas.microsoft.com/office/drawing/2014/main" xmlns="" xmlns:lc="http://schemas.openxmlformats.org/drawingml/2006/lockedCanvas" id="{F7043567-4147-88C3-F094-05513D23DB95}"/>
+                <a16:creationId xmlns:lc="http://schemas.openxmlformats.org/drawingml/2006/lockedCanvas" xmlns="" xmlns:a16="http://schemas.microsoft.com/office/drawing/2014/main" id="{F7043567-4147-88C3-F094-05513D23DB95}"/>
               </a:ext>
             </a:extLst>
           </p:cNvPr>
@@ -4413,7 +7022,7 @@
           </p:nvPr>
         </p:nvPicPr>
         <p:blipFill>
-          <a:blip r:embed="rId2">
+          <a:blip r:embed="rId3">
             <a:extLst>
               <a:ext uri="{28A0092B-C50C-407E-A947-70E740481C1C}">
                 <a14:useLocalDpi xmlns:a14="http://schemas.microsoft.com/office/drawing/2010/main" val="0"/>
@@ -4444,7 +7053,7 @@
           <p:cNvPr id="4" name="TextBox 5">
             <a:extLst>
               <a:ext uri="{FF2B5EF4-FFF2-40B4-BE49-F238E27FC236}">
-                <a16:creationId xmlns:a16="http://schemas.microsoft.com/office/drawing/2014/main" xmlns="" xmlns:lc="http://schemas.openxmlformats.org/drawingml/2006/lockedCanvas" id="{F7043567-4147-88C3-F094-05513D23DB95}"/>
+                <a16:creationId xmlns:lc="http://schemas.openxmlformats.org/drawingml/2006/lockedCanvas" xmlns="" xmlns:a16="http://schemas.microsoft.com/office/drawing/2014/main" id="{F7043567-4147-88C3-F094-05513D23DB95}"/>
               </a:ext>
             </a:extLst>
           </p:cNvPr>
@@ -5190,7 +7799,7 @@
           <p:cNvPr id="5" name="TextBox 5">
             <a:extLst>
               <a:ext uri="{FF2B5EF4-FFF2-40B4-BE49-F238E27FC236}">
-                <a16:creationId xmlns:a16="http://schemas.microsoft.com/office/drawing/2014/main" xmlns="" xmlns:lc="http://schemas.openxmlformats.org/drawingml/2006/lockedCanvas" id="{F7043567-4147-88C3-F094-05513D23DB95}"/>
+                <a16:creationId xmlns:lc="http://schemas.openxmlformats.org/drawingml/2006/lockedCanvas" xmlns="" xmlns:a16="http://schemas.microsoft.com/office/drawing/2014/main" id="{F7043567-4147-88C3-F094-05513D23DB95}"/>
               </a:ext>
             </a:extLst>
           </p:cNvPr>
@@ -5465,7 +8074,7 @@
           <p:cNvPr id="5" name="TextBox 5">
             <a:extLst>
               <a:ext uri="{FF2B5EF4-FFF2-40B4-BE49-F238E27FC236}">
-                <a16:creationId xmlns:a16="http://schemas.microsoft.com/office/drawing/2014/main" xmlns="" xmlns:lc="http://schemas.openxmlformats.org/drawingml/2006/lockedCanvas" id="{F7043567-4147-88C3-F094-05513D23DB95}"/>
+                <a16:creationId xmlns:lc="http://schemas.openxmlformats.org/drawingml/2006/lockedCanvas" xmlns="" xmlns:a16="http://schemas.microsoft.com/office/drawing/2014/main" id="{F7043567-4147-88C3-F094-05513D23DB95}"/>
               </a:ext>
             </a:extLst>
           </p:cNvPr>
@@ -5665,7 +8274,7 @@
           </p:nvPr>
         </p:nvPicPr>
         <p:blipFill>
-          <a:blip r:embed="rId2"/>
+          <a:blip r:embed="rId3"/>
           <a:stretch>
             <a:fillRect/>
           </a:stretch>
@@ -5766,7 +8375,7 @@
           </p:nvPr>
         </p:nvPicPr>
         <p:blipFill>
-          <a:blip r:embed="rId2">
+          <a:blip r:embed="rId3">
             <a:extLst>
               <a:ext uri="{28A0092B-C50C-407E-A947-70E740481C1C}">
                 <a14:useLocalDpi xmlns:a14="http://schemas.microsoft.com/office/drawing/2010/main" val="0"/>
@@ -5801,7 +8410,7 @@
           <p:nvPr/>
         </p:nvPicPr>
         <p:blipFill>
-          <a:blip r:embed="rId3">
+          <a:blip r:embed="rId4">
             <a:extLst>
               <a:ext uri="{28A0092B-C50C-407E-A947-70E740481C1C}">
                 <a14:useLocalDpi xmlns:a14="http://schemas.microsoft.com/office/drawing/2010/main" val="0"/>
@@ -5834,7 +8443,7 @@
           <p:cNvPr id="7" name="TextBox 5">
             <a:extLst>
               <a:ext uri="{FF2B5EF4-FFF2-40B4-BE49-F238E27FC236}">
-                <a16:creationId xmlns:a16="http://schemas.microsoft.com/office/drawing/2014/main" xmlns="" xmlns:lc="http://schemas.openxmlformats.org/drawingml/2006/lockedCanvas" id="{F7043567-4147-88C3-F094-05513D23DB95}"/>
+                <a16:creationId xmlns:lc="http://schemas.openxmlformats.org/drawingml/2006/lockedCanvas" xmlns="" xmlns:a16="http://schemas.microsoft.com/office/drawing/2014/main" id="{F7043567-4147-88C3-F094-05513D23DB95}"/>
               </a:ext>
             </a:extLst>
           </p:cNvPr>
@@ -6104,7 +8713,7 @@
           </p:nvPr>
         </p:nvPicPr>
         <p:blipFill>
-          <a:blip r:embed="rId2"/>
+          <a:blip r:embed="rId3"/>
           <a:stretch>
             <a:fillRect/>
           </a:stretch>
@@ -6129,7 +8738,7 @@
           <p:cNvPr id="4" name="TextBox 5">
             <a:extLst>
               <a:ext uri="{FF2B5EF4-FFF2-40B4-BE49-F238E27FC236}">
-                <a16:creationId xmlns:a16="http://schemas.microsoft.com/office/drawing/2014/main" xmlns="" xmlns:lc="http://schemas.openxmlformats.org/drawingml/2006/lockedCanvas" id="{F7043567-4147-88C3-F094-05513D23DB95}"/>
+                <a16:creationId xmlns:lc="http://schemas.openxmlformats.org/drawingml/2006/lockedCanvas" xmlns="" xmlns:a16="http://schemas.microsoft.com/office/drawing/2014/main" id="{F7043567-4147-88C3-F094-05513D23DB95}"/>
               </a:ext>
             </a:extLst>
           </p:cNvPr>
@@ -6399,7 +9008,7 @@
           </p:nvPr>
         </p:nvPicPr>
         <p:blipFill>
-          <a:blip r:embed="rId2"/>
+          <a:blip r:embed="rId3"/>
           <a:stretch>
             <a:fillRect/>
           </a:stretch>
@@ -6424,7 +9033,7 @@
           <p:cNvPr id="4" name="TextBox 5">
             <a:extLst>
               <a:ext uri="{FF2B5EF4-FFF2-40B4-BE49-F238E27FC236}">
-                <a16:creationId xmlns:a16="http://schemas.microsoft.com/office/drawing/2014/main" xmlns="" xmlns:lc="http://schemas.openxmlformats.org/drawingml/2006/lockedCanvas" id="{F7043567-4147-88C3-F094-05513D23DB95}"/>
+                <a16:creationId xmlns:lc="http://schemas.openxmlformats.org/drawingml/2006/lockedCanvas" xmlns="" xmlns:a16="http://schemas.microsoft.com/office/drawing/2014/main" id="{F7043567-4147-88C3-F094-05513D23DB95}"/>
               </a:ext>
             </a:extLst>
           </p:cNvPr>
@@ -6818,7 +9427,7 @@
           <p:cNvPr id="4" name="TextBox 5">
             <a:extLst>
               <a:ext uri="{FF2B5EF4-FFF2-40B4-BE49-F238E27FC236}">
-                <a16:creationId xmlns:a16="http://schemas.microsoft.com/office/drawing/2014/main" xmlns="" xmlns:lc="http://schemas.openxmlformats.org/drawingml/2006/lockedCanvas" id="{F7043567-4147-88C3-F094-05513D23DB95}"/>
+                <a16:creationId xmlns:lc="http://schemas.openxmlformats.org/drawingml/2006/lockedCanvas" xmlns="" xmlns:a16="http://schemas.microsoft.com/office/drawing/2014/main" id="{F7043567-4147-88C3-F094-05513D23DB95}"/>
               </a:ext>
             </a:extLst>
           </p:cNvPr>
@@ -7223,7 +9832,7 @@
           <p:cNvPr id="4" name="TextBox 5">
             <a:extLst>
               <a:ext uri="{FF2B5EF4-FFF2-40B4-BE49-F238E27FC236}">
-                <a16:creationId xmlns:a16="http://schemas.microsoft.com/office/drawing/2014/main" xmlns="" xmlns:lc="http://schemas.openxmlformats.org/drawingml/2006/lockedCanvas" id="{F7043567-4147-88C3-F094-05513D23DB95}"/>
+                <a16:creationId xmlns:lc="http://schemas.openxmlformats.org/drawingml/2006/lockedCanvas" xmlns="" xmlns:a16="http://schemas.microsoft.com/office/drawing/2014/main" id="{F7043567-4147-88C3-F094-05513D23DB95}"/>
               </a:ext>
             </a:extLst>
           </p:cNvPr>
@@ -7600,7 +10209,7 @@
           <p:cNvPr id="5" name="TextBox 5">
             <a:extLst>
               <a:ext uri="{FF2B5EF4-FFF2-40B4-BE49-F238E27FC236}">
-                <a16:creationId xmlns:a16="http://schemas.microsoft.com/office/drawing/2014/main" xmlns="" xmlns:lc="http://schemas.openxmlformats.org/drawingml/2006/lockedCanvas" id="{F7043567-4147-88C3-F094-05513D23DB95}"/>
+                <a16:creationId xmlns:lc="http://schemas.openxmlformats.org/drawingml/2006/lockedCanvas" xmlns="" xmlns:a16="http://schemas.microsoft.com/office/drawing/2014/main" id="{F7043567-4147-88C3-F094-05513D23DB95}"/>
               </a:ext>
             </a:extLst>
           </p:cNvPr>
@@ -8159,7 +10768,7 @@
           <p:cNvPr id="4" name="TextBox 5">
             <a:extLst>
               <a:ext uri="{FF2B5EF4-FFF2-40B4-BE49-F238E27FC236}">
-                <a16:creationId xmlns:a16="http://schemas.microsoft.com/office/drawing/2014/main" xmlns="" xmlns:lc="http://schemas.openxmlformats.org/drawingml/2006/lockedCanvas" id="{F7043567-4147-88C3-F094-05513D23DB95}"/>
+                <a16:creationId xmlns:lc="http://schemas.openxmlformats.org/drawingml/2006/lockedCanvas" xmlns="" xmlns:a16="http://schemas.microsoft.com/office/drawing/2014/main" id="{F7043567-4147-88C3-F094-05513D23DB95}"/>
               </a:ext>
             </a:extLst>
           </p:cNvPr>
@@ -8452,7 +11061,7 @@
           <p:cNvPr id="8" name="TextBox 5">
             <a:extLst>
               <a:ext uri="{FF2B5EF4-FFF2-40B4-BE49-F238E27FC236}">
-                <a16:creationId xmlns:a16="http://schemas.microsoft.com/office/drawing/2014/main" xmlns="" xmlns:lc="http://schemas.openxmlformats.org/drawingml/2006/lockedCanvas" id="{F7043567-4147-88C3-F094-05513D23DB95}"/>
+                <a16:creationId xmlns:lc="http://schemas.openxmlformats.org/drawingml/2006/lockedCanvas" xmlns="" xmlns:a16="http://schemas.microsoft.com/office/drawing/2014/main" id="{F7043567-4147-88C3-F094-05513D23DB95}"/>
               </a:ext>
             </a:extLst>
           </p:cNvPr>
@@ -8722,7 +11331,7 @@
           </p:nvPr>
         </p:nvPicPr>
         <p:blipFill>
-          <a:blip r:embed="rId2"/>
+          <a:blip r:embed="rId3"/>
           <a:stretch>
             <a:fillRect/>
           </a:stretch>
@@ -8747,7 +11356,7 @@
           <p:cNvPr id="6" name="TextBox 5">
             <a:extLst>
               <a:ext uri="{FF2B5EF4-FFF2-40B4-BE49-F238E27FC236}">
-                <a16:creationId xmlns:a16="http://schemas.microsoft.com/office/drawing/2014/main" xmlns="" xmlns:lc="http://schemas.openxmlformats.org/drawingml/2006/lockedCanvas" id="{F7043567-4147-88C3-F094-05513D23DB95}"/>
+                <a16:creationId xmlns:lc="http://schemas.openxmlformats.org/drawingml/2006/lockedCanvas" xmlns="" xmlns:a16="http://schemas.microsoft.com/office/drawing/2014/main" id="{F7043567-4147-88C3-F094-05513D23DB95}"/>
               </a:ext>
             </a:extLst>
           </p:cNvPr>
@@ -9017,7 +11626,7 @@
           </p:nvPr>
         </p:nvPicPr>
         <p:blipFill>
-          <a:blip r:embed="rId2" cstate="print">
+          <a:blip r:embed="rId3" cstate="print">
             <a:extLst>
               <a:ext uri="{28A0092B-C50C-407E-A947-70E740481C1C}">
                 <a14:useLocalDpi xmlns:a14="http://schemas.microsoft.com/office/drawing/2010/main" val="0"/>
@@ -9050,7 +11659,7 @@
           <p:cNvPr id="6" name="TextBox 5">
             <a:extLst>
               <a:ext uri="{FF2B5EF4-FFF2-40B4-BE49-F238E27FC236}">
-                <a16:creationId xmlns:a16="http://schemas.microsoft.com/office/drawing/2014/main" xmlns="" xmlns:lc="http://schemas.openxmlformats.org/drawingml/2006/lockedCanvas" id="{F7043567-4147-88C3-F094-05513D23DB95}"/>
+                <a16:creationId xmlns:lc="http://schemas.openxmlformats.org/drawingml/2006/lockedCanvas" xmlns="" xmlns:a16="http://schemas.microsoft.com/office/drawing/2014/main" id="{F7043567-4147-88C3-F094-05513D23DB95}"/>
               </a:ext>
             </a:extLst>
           </p:cNvPr>
@@ -9320,7 +11929,7 @@
           </p:nvPr>
         </p:nvPicPr>
         <p:blipFill>
-          <a:blip r:embed="rId2">
+          <a:blip r:embed="rId3">
             <a:extLst>
               <a:ext uri="{28A0092B-C50C-407E-A947-70E740481C1C}">
                 <a14:useLocalDpi xmlns:a14="http://schemas.microsoft.com/office/drawing/2010/main" val="0"/>
@@ -9351,7 +11960,7 @@
           <p:cNvPr id="5" name="TextBox 5">
             <a:extLst>
               <a:ext uri="{FF2B5EF4-FFF2-40B4-BE49-F238E27FC236}">
-                <a16:creationId xmlns:a16="http://schemas.microsoft.com/office/drawing/2014/main" xmlns="" xmlns:lc="http://schemas.openxmlformats.org/drawingml/2006/lockedCanvas" id="{F7043567-4147-88C3-F094-05513D23DB95}"/>
+                <a16:creationId xmlns:lc="http://schemas.openxmlformats.org/drawingml/2006/lockedCanvas" xmlns="" xmlns:a16="http://schemas.microsoft.com/office/drawing/2014/main" id="{F7043567-4147-88C3-F094-05513D23DB95}"/>
               </a:ext>
             </a:extLst>
           </p:cNvPr>
@@ -9621,7 +12230,7 @@
           </p:nvPr>
         </p:nvPicPr>
         <p:blipFill>
-          <a:blip r:embed="rId2">
+          <a:blip r:embed="rId3">
             <a:extLst>
               <a:ext uri="{28A0092B-C50C-407E-A947-70E740481C1C}">
                 <a14:useLocalDpi xmlns:a14="http://schemas.microsoft.com/office/drawing/2010/main" val="0"/>
@@ -9652,7 +12261,7 @@
           <p:cNvPr id="4" name="TextBox 5">
             <a:extLst>
               <a:ext uri="{FF2B5EF4-FFF2-40B4-BE49-F238E27FC236}">
-                <a16:creationId xmlns:a16="http://schemas.microsoft.com/office/drawing/2014/main" xmlns="" xmlns:lc="http://schemas.openxmlformats.org/drawingml/2006/lockedCanvas" id="{F7043567-4147-88C3-F094-05513D23DB95}"/>
+                <a16:creationId xmlns:lc="http://schemas.openxmlformats.org/drawingml/2006/lockedCanvas" xmlns="" xmlns:a16="http://schemas.microsoft.com/office/drawing/2014/main" id="{F7043567-4147-88C3-F094-05513D23DB95}"/>
               </a:ext>
             </a:extLst>
           </p:cNvPr>
@@ -9922,7 +12531,7 @@
           </p:nvPr>
         </p:nvPicPr>
         <p:blipFill>
-          <a:blip r:embed="rId2">
+          <a:blip r:embed="rId3">
             <a:extLst>
               <a:ext uri="{28A0092B-C50C-407E-A947-70E740481C1C}">
                 <a14:useLocalDpi xmlns:a14="http://schemas.microsoft.com/office/drawing/2010/main" val="0"/>
@@ -9953,7 +12562,7 @@
           <p:cNvPr id="4" name="TextBox 5">
             <a:extLst>
               <a:ext uri="{FF2B5EF4-FFF2-40B4-BE49-F238E27FC236}">
-                <a16:creationId xmlns:a16="http://schemas.microsoft.com/office/drawing/2014/main" xmlns="" xmlns:lc="http://schemas.openxmlformats.org/drawingml/2006/lockedCanvas" id="{F7043567-4147-88C3-F094-05513D23DB95}"/>
+                <a16:creationId xmlns:lc="http://schemas.openxmlformats.org/drawingml/2006/lockedCanvas" xmlns="" xmlns:a16="http://schemas.microsoft.com/office/drawing/2014/main" id="{F7043567-4147-88C3-F094-05513D23DB95}"/>
               </a:ext>
             </a:extLst>
           </p:cNvPr>

--- a/reports/2023_403_БогатыреваВО_slides.pptx
+++ b/reports/2023_403_БогатыреваВО_slides.pptx
@@ -214,7 +214,7 @@
           <a:p>
             <a:fld id="{7DEDA2BB-1C5C-4526-95E5-77A988EF9EA2}" type="datetimeFigureOut">
               <a:rPr lang="ru-RU" smtClean="0"/>
-              <a:t>30.05.2023</a:t>
+              <a:t>02.06.2023</a:t>
             </a:fld>
             <a:endParaRPr lang="ru-RU"/>
           </a:p>
@@ -528,15 +528,23 @@
           <a:p>
             <a:r>
               <a:rPr lang="ru-RU" dirty="0" smtClean="0"/>
-              <a:t>Здравствуйте, уважаемая комиссия! На защиту выносится выпускная квалификационная</a:t>
+              <a:t>Здравствуйте, уважаемая комиссия! </a:t>
+            </a:r>
+            <a:r>
+              <a:rPr lang="ru-RU" dirty="0" smtClean="0"/>
+              <a:t>Тема</a:t>
             </a:r>
             <a:r>
               <a:rPr lang="ru-RU" baseline="0" dirty="0" smtClean="0"/>
-              <a:t> </a:t>
+              <a:t> моей работы</a:t>
             </a:r>
             <a:r>
               <a:rPr lang="ru-RU" dirty="0" smtClean="0"/>
-              <a:t>работа по тема: Разработка системы</a:t>
+              <a:t>: </a:t>
+            </a:r>
+            <a:r>
+              <a:rPr lang="ru-RU" dirty="0" smtClean="0"/>
+              <a:t>Разработка системы</a:t>
             </a:r>
             <a:r>
               <a:rPr lang="ru-RU" baseline="0" dirty="0" smtClean="0"/>
@@ -2217,31 +2225,7 @@
                 <a:ea typeface="+mn-ea"/>
                 <a:cs typeface="+mn-cs"/>
               </a:rPr>
-              <a:t>Для </a:t>
-            </a:r>
-            <a:r>
-              <a:rPr lang="ru-RU" sz="1200" kern="1200" baseline="0" dirty="0" smtClean="0">
-                <a:solidFill>
-                  <a:schemeClr val="tx1"/>
-                </a:solidFill>
-                <a:effectLst/>
-                <a:latin typeface="+mn-lt"/>
-                <a:ea typeface="+mn-ea"/>
-                <a:cs typeface="+mn-cs"/>
-              </a:rPr>
-              <a:t>разрабатываемой системы </a:t>
-            </a:r>
-            <a:r>
-              <a:rPr lang="ru-RU" sz="1200" kern="1200" baseline="0" dirty="0" smtClean="0">
-                <a:solidFill>
-                  <a:schemeClr val="tx1"/>
-                </a:solidFill>
-                <a:effectLst/>
-                <a:latin typeface="+mn-lt"/>
-                <a:ea typeface="+mn-ea"/>
-                <a:cs typeface="+mn-cs"/>
-              </a:rPr>
-              <a:t>был выбран блокчейн </a:t>
+              <a:t>Для разрабатываемой системы был выбран блокчейн </a:t>
             </a:r>
             <a:r>
               <a:rPr lang="ru-RU" sz="1200" kern="1200" baseline="0" dirty="0" err="1" smtClean="0">
@@ -3580,7 +3564,7 @@
           <a:p>
             <a:fld id="{9D1E7A46-1A4E-41C3-B23B-1269BF8B1FAC}" type="datetimeFigureOut">
               <a:rPr lang="ru-RU" smtClean="0"/>
-              <a:t>30.05.2023</a:t>
+              <a:t>02.06.2023</a:t>
             </a:fld>
             <a:endParaRPr lang="ru-RU"/>
           </a:p>
@@ -3750,7 +3734,7 @@
           <a:p>
             <a:fld id="{9D1E7A46-1A4E-41C3-B23B-1269BF8B1FAC}" type="datetimeFigureOut">
               <a:rPr lang="ru-RU" smtClean="0"/>
-              <a:t>30.05.2023</a:t>
+              <a:t>02.06.2023</a:t>
             </a:fld>
             <a:endParaRPr lang="ru-RU"/>
           </a:p>
@@ -3930,7 +3914,7 @@
           <a:p>
             <a:fld id="{9D1E7A46-1A4E-41C3-B23B-1269BF8B1FAC}" type="datetimeFigureOut">
               <a:rPr lang="ru-RU" smtClean="0"/>
-              <a:t>30.05.2023</a:t>
+              <a:t>02.06.2023</a:t>
             </a:fld>
             <a:endParaRPr lang="ru-RU"/>
           </a:p>
@@ -4100,7 +4084,7 @@
           <a:p>
             <a:fld id="{9D1E7A46-1A4E-41C3-B23B-1269BF8B1FAC}" type="datetimeFigureOut">
               <a:rPr lang="ru-RU" smtClean="0"/>
-              <a:t>30.05.2023</a:t>
+              <a:t>02.06.2023</a:t>
             </a:fld>
             <a:endParaRPr lang="ru-RU"/>
           </a:p>
@@ -4344,7 +4328,7 @@
           <a:p>
             <a:fld id="{9D1E7A46-1A4E-41C3-B23B-1269BF8B1FAC}" type="datetimeFigureOut">
               <a:rPr lang="ru-RU" smtClean="0"/>
-              <a:t>30.05.2023</a:t>
+              <a:t>02.06.2023</a:t>
             </a:fld>
             <a:endParaRPr lang="ru-RU"/>
           </a:p>
@@ -4576,7 +4560,7 @@
           <a:p>
             <a:fld id="{9D1E7A46-1A4E-41C3-B23B-1269BF8B1FAC}" type="datetimeFigureOut">
               <a:rPr lang="ru-RU" smtClean="0"/>
-              <a:t>30.05.2023</a:t>
+              <a:t>02.06.2023</a:t>
             </a:fld>
             <a:endParaRPr lang="ru-RU"/>
           </a:p>
@@ -4943,7 +4927,7 @@
           <a:p>
             <a:fld id="{9D1E7A46-1A4E-41C3-B23B-1269BF8B1FAC}" type="datetimeFigureOut">
               <a:rPr lang="ru-RU" smtClean="0"/>
-              <a:t>30.05.2023</a:t>
+              <a:t>02.06.2023</a:t>
             </a:fld>
             <a:endParaRPr lang="ru-RU"/>
           </a:p>
@@ -5061,7 +5045,7 @@
           <a:p>
             <a:fld id="{9D1E7A46-1A4E-41C3-B23B-1269BF8B1FAC}" type="datetimeFigureOut">
               <a:rPr lang="ru-RU" smtClean="0"/>
-              <a:t>30.05.2023</a:t>
+              <a:t>02.06.2023</a:t>
             </a:fld>
             <a:endParaRPr lang="ru-RU"/>
           </a:p>
@@ -5156,7 +5140,7 @@
           <a:p>
             <a:fld id="{9D1E7A46-1A4E-41C3-B23B-1269BF8B1FAC}" type="datetimeFigureOut">
               <a:rPr lang="ru-RU" smtClean="0"/>
-              <a:t>30.05.2023</a:t>
+              <a:t>02.06.2023</a:t>
             </a:fld>
             <a:endParaRPr lang="ru-RU"/>
           </a:p>
@@ -5433,7 +5417,7 @@
           <a:p>
             <a:fld id="{9D1E7A46-1A4E-41C3-B23B-1269BF8B1FAC}" type="datetimeFigureOut">
               <a:rPr lang="ru-RU" smtClean="0"/>
-              <a:t>30.05.2023</a:t>
+              <a:t>02.06.2023</a:t>
             </a:fld>
             <a:endParaRPr lang="ru-RU"/>
           </a:p>
@@ -5690,7 +5674,7 @@
           <a:p>
             <a:fld id="{9D1E7A46-1A4E-41C3-B23B-1269BF8B1FAC}" type="datetimeFigureOut">
               <a:rPr lang="ru-RU" smtClean="0"/>
-              <a:t>30.05.2023</a:t>
+              <a:t>02.06.2023</a:t>
             </a:fld>
             <a:endParaRPr lang="ru-RU"/>
           </a:p>
@@ -5903,7 +5887,7 @@
           <a:p>
             <a:fld id="{9D1E7A46-1A4E-41C3-B23B-1269BF8B1FAC}" type="datetimeFigureOut">
               <a:rPr lang="ru-RU" smtClean="0"/>
-              <a:t>30.05.2023</a:t>
+              <a:t>02.06.2023</a:t>
             </a:fld>
             <a:endParaRPr lang="ru-RU"/>
           </a:p>
@@ -6752,7 +6736,7 @@
           <p:cNvPr id="4" name="TextBox 5">
             <a:extLst>
               <a:ext uri="{FF2B5EF4-FFF2-40B4-BE49-F238E27FC236}">
-                <a16:creationId xmlns:lc="http://schemas.openxmlformats.org/drawingml/2006/lockedCanvas" xmlns="" xmlns:a16="http://schemas.microsoft.com/office/drawing/2014/main" id="{F7043567-4147-88C3-F094-05513D23DB95}"/>
+                <a16:creationId xmlns:a16="http://schemas.microsoft.com/office/drawing/2014/main" xmlns="" xmlns:lc="http://schemas.openxmlformats.org/drawingml/2006/lockedCanvas" id="{F7043567-4147-88C3-F094-05513D23DB95}"/>
               </a:ext>
             </a:extLst>
           </p:cNvPr>
@@ -7053,7 +7037,7 @@
           <p:cNvPr id="4" name="TextBox 5">
             <a:extLst>
               <a:ext uri="{FF2B5EF4-FFF2-40B4-BE49-F238E27FC236}">
-                <a16:creationId xmlns:lc="http://schemas.openxmlformats.org/drawingml/2006/lockedCanvas" xmlns="" xmlns:a16="http://schemas.microsoft.com/office/drawing/2014/main" id="{F7043567-4147-88C3-F094-05513D23DB95}"/>
+                <a16:creationId xmlns:a16="http://schemas.microsoft.com/office/drawing/2014/main" xmlns="" xmlns:lc="http://schemas.openxmlformats.org/drawingml/2006/lockedCanvas" id="{F7043567-4147-88C3-F094-05513D23DB95}"/>
               </a:ext>
             </a:extLst>
           </p:cNvPr>
@@ -7799,7 +7783,7 @@
           <p:cNvPr id="5" name="TextBox 5">
             <a:extLst>
               <a:ext uri="{FF2B5EF4-FFF2-40B4-BE49-F238E27FC236}">
-                <a16:creationId xmlns:lc="http://schemas.openxmlformats.org/drawingml/2006/lockedCanvas" xmlns="" xmlns:a16="http://schemas.microsoft.com/office/drawing/2014/main" id="{F7043567-4147-88C3-F094-05513D23DB95}"/>
+                <a16:creationId xmlns:a16="http://schemas.microsoft.com/office/drawing/2014/main" xmlns="" xmlns:lc="http://schemas.openxmlformats.org/drawingml/2006/lockedCanvas" id="{F7043567-4147-88C3-F094-05513D23DB95}"/>
               </a:ext>
             </a:extLst>
           </p:cNvPr>
@@ -8074,7 +8058,7 @@
           <p:cNvPr id="5" name="TextBox 5">
             <a:extLst>
               <a:ext uri="{FF2B5EF4-FFF2-40B4-BE49-F238E27FC236}">
-                <a16:creationId xmlns:lc="http://schemas.openxmlformats.org/drawingml/2006/lockedCanvas" xmlns="" xmlns:a16="http://schemas.microsoft.com/office/drawing/2014/main" id="{F7043567-4147-88C3-F094-05513D23DB95}"/>
+                <a16:creationId xmlns:a16="http://schemas.microsoft.com/office/drawing/2014/main" xmlns="" xmlns:lc="http://schemas.openxmlformats.org/drawingml/2006/lockedCanvas" id="{F7043567-4147-88C3-F094-05513D23DB95}"/>
               </a:ext>
             </a:extLst>
           </p:cNvPr>
@@ -8443,7 +8427,7 @@
           <p:cNvPr id="7" name="TextBox 5">
             <a:extLst>
               <a:ext uri="{FF2B5EF4-FFF2-40B4-BE49-F238E27FC236}">
-                <a16:creationId xmlns:lc="http://schemas.openxmlformats.org/drawingml/2006/lockedCanvas" xmlns="" xmlns:a16="http://schemas.microsoft.com/office/drawing/2014/main" id="{F7043567-4147-88C3-F094-05513D23DB95}"/>
+                <a16:creationId xmlns:a16="http://schemas.microsoft.com/office/drawing/2014/main" xmlns="" xmlns:lc="http://schemas.openxmlformats.org/drawingml/2006/lockedCanvas" id="{F7043567-4147-88C3-F094-05513D23DB95}"/>
               </a:ext>
             </a:extLst>
           </p:cNvPr>
@@ -8738,7 +8722,7 @@
           <p:cNvPr id="4" name="TextBox 5">
             <a:extLst>
               <a:ext uri="{FF2B5EF4-FFF2-40B4-BE49-F238E27FC236}">
-                <a16:creationId xmlns:lc="http://schemas.openxmlformats.org/drawingml/2006/lockedCanvas" xmlns="" xmlns:a16="http://schemas.microsoft.com/office/drawing/2014/main" id="{F7043567-4147-88C3-F094-05513D23DB95}"/>
+                <a16:creationId xmlns:a16="http://schemas.microsoft.com/office/drawing/2014/main" xmlns="" xmlns:lc="http://schemas.openxmlformats.org/drawingml/2006/lockedCanvas" id="{F7043567-4147-88C3-F094-05513D23DB95}"/>
               </a:ext>
             </a:extLst>
           </p:cNvPr>
@@ -9033,7 +9017,7 @@
           <p:cNvPr id="4" name="TextBox 5">
             <a:extLst>
               <a:ext uri="{FF2B5EF4-FFF2-40B4-BE49-F238E27FC236}">
-                <a16:creationId xmlns:lc="http://schemas.openxmlformats.org/drawingml/2006/lockedCanvas" xmlns="" xmlns:a16="http://schemas.microsoft.com/office/drawing/2014/main" id="{F7043567-4147-88C3-F094-05513D23DB95}"/>
+                <a16:creationId xmlns:a16="http://schemas.microsoft.com/office/drawing/2014/main" xmlns="" xmlns:lc="http://schemas.openxmlformats.org/drawingml/2006/lockedCanvas" id="{F7043567-4147-88C3-F094-05513D23DB95}"/>
               </a:ext>
             </a:extLst>
           </p:cNvPr>
@@ -9427,7 +9411,7 @@
           <p:cNvPr id="4" name="TextBox 5">
             <a:extLst>
               <a:ext uri="{FF2B5EF4-FFF2-40B4-BE49-F238E27FC236}">
-                <a16:creationId xmlns:lc="http://schemas.openxmlformats.org/drawingml/2006/lockedCanvas" xmlns="" xmlns:a16="http://schemas.microsoft.com/office/drawing/2014/main" id="{F7043567-4147-88C3-F094-05513D23DB95}"/>
+                <a16:creationId xmlns:a16="http://schemas.microsoft.com/office/drawing/2014/main" xmlns="" xmlns:lc="http://schemas.openxmlformats.org/drawingml/2006/lockedCanvas" id="{F7043567-4147-88C3-F094-05513D23DB95}"/>
               </a:ext>
             </a:extLst>
           </p:cNvPr>
@@ -9832,7 +9816,7 @@
           <p:cNvPr id="4" name="TextBox 5">
             <a:extLst>
               <a:ext uri="{FF2B5EF4-FFF2-40B4-BE49-F238E27FC236}">
-                <a16:creationId xmlns:lc="http://schemas.openxmlformats.org/drawingml/2006/lockedCanvas" xmlns="" xmlns:a16="http://schemas.microsoft.com/office/drawing/2014/main" id="{F7043567-4147-88C3-F094-05513D23DB95}"/>
+                <a16:creationId xmlns:a16="http://schemas.microsoft.com/office/drawing/2014/main" xmlns="" xmlns:lc="http://schemas.openxmlformats.org/drawingml/2006/lockedCanvas" id="{F7043567-4147-88C3-F094-05513D23DB95}"/>
               </a:ext>
             </a:extLst>
           </p:cNvPr>
@@ -10209,7 +10193,7 @@
           <p:cNvPr id="5" name="TextBox 5">
             <a:extLst>
               <a:ext uri="{FF2B5EF4-FFF2-40B4-BE49-F238E27FC236}">
-                <a16:creationId xmlns:lc="http://schemas.openxmlformats.org/drawingml/2006/lockedCanvas" xmlns="" xmlns:a16="http://schemas.microsoft.com/office/drawing/2014/main" id="{F7043567-4147-88C3-F094-05513D23DB95}"/>
+                <a16:creationId xmlns:a16="http://schemas.microsoft.com/office/drawing/2014/main" xmlns="" xmlns:lc="http://schemas.openxmlformats.org/drawingml/2006/lockedCanvas" id="{F7043567-4147-88C3-F094-05513D23DB95}"/>
               </a:ext>
             </a:extLst>
           </p:cNvPr>
@@ -10768,7 +10752,7 @@
           <p:cNvPr id="4" name="TextBox 5">
             <a:extLst>
               <a:ext uri="{FF2B5EF4-FFF2-40B4-BE49-F238E27FC236}">
-                <a16:creationId xmlns:lc="http://schemas.openxmlformats.org/drawingml/2006/lockedCanvas" xmlns="" xmlns:a16="http://schemas.microsoft.com/office/drawing/2014/main" id="{F7043567-4147-88C3-F094-05513D23DB95}"/>
+                <a16:creationId xmlns:a16="http://schemas.microsoft.com/office/drawing/2014/main" xmlns="" xmlns:lc="http://schemas.openxmlformats.org/drawingml/2006/lockedCanvas" id="{F7043567-4147-88C3-F094-05513D23DB95}"/>
               </a:ext>
             </a:extLst>
           </p:cNvPr>
@@ -11027,9 +11011,203 @@
           </a:p>
         </p:txBody>
       </p:sp>
+      <p:sp>
+        <p:nvSpPr>
+          <p:cNvPr id="8" name="TextBox 5">
+            <a:extLst>
+              <a:ext uri="{FF2B5EF4-FFF2-40B4-BE49-F238E27FC236}">
+                <a16:creationId xmlns:a16="http://schemas.microsoft.com/office/drawing/2014/main" xmlns="" xmlns:lc="http://schemas.openxmlformats.org/drawingml/2006/lockedCanvas" id="{F7043567-4147-88C3-F094-05513D23DB95}"/>
+              </a:ext>
+            </a:extLst>
+          </p:cNvPr>
+          <p:cNvSpPr txBox="1"/>
+          <p:nvPr/>
+        </p:nvSpPr>
+        <p:spPr>
+          <a:xfrm>
+            <a:off x="8115753" y="6334780"/>
+            <a:ext cx="903557" cy="430887"/>
+          </a:xfrm>
+          <a:prstGeom prst="rect">
+            <a:avLst/>
+          </a:prstGeom>
+          <a:noFill/>
+        </p:spPr>
+        <p:txBody>
+          <a:bodyPr wrap="square" rtlCol="0">
+            <a:spAutoFit/>
+          </a:bodyPr>
+          <a:lstStyle>
+            <a:defPPr>
+              <a:defRPr lang="ru-RU"/>
+            </a:defPPr>
+            <a:lvl1pPr marL="0" algn="l" defTabSz="914400" rtl="0" eaLnBrk="1" latinLnBrk="0" hangingPunct="1">
+              <a:defRPr sz="1800" kern="1200">
+                <a:solidFill>
+                  <a:schemeClr val="tx1"/>
+                </a:solidFill>
+                <a:latin typeface="+mn-lt"/>
+                <a:ea typeface="+mn-ea"/>
+                <a:cs typeface="+mn-cs"/>
+              </a:defRPr>
+            </a:lvl1pPr>
+            <a:lvl2pPr marL="457200" algn="l" defTabSz="914400" rtl="0" eaLnBrk="1" latinLnBrk="0" hangingPunct="1">
+              <a:defRPr sz="1800" kern="1200">
+                <a:solidFill>
+                  <a:schemeClr val="tx1"/>
+                </a:solidFill>
+                <a:latin typeface="+mn-lt"/>
+                <a:ea typeface="+mn-ea"/>
+                <a:cs typeface="+mn-cs"/>
+              </a:defRPr>
+            </a:lvl2pPr>
+            <a:lvl3pPr marL="914400" algn="l" defTabSz="914400" rtl="0" eaLnBrk="1" latinLnBrk="0" hangingPunct="1">
+              <a:defRPr sz="1800" kern="1200">
+                <a:solidFill>
+                  <a:schemeClr val="tx1"/>
+                </a:solidFill>
+                <a:latin typeface="+mn-lt"/>
+                <a:ea typeface="+mn-ea"/>
+                <a:cs typeface="+mn-cs"/>
+              </a:defRPr>
+            </a:lvl3pPr>
+            <a:lvl4pPr marL="1371600" algn="l" defTabSz="914400" rtl="0" eaLnBrk="1" latinLnBrk="0" hangingPunct="1">
+              <a:defRPr sz="1800" kern="1200">
+                <a:solidFill>
+                  <a:schemeClr val="tx1"/>
+                </a:solidFill>
+                <a:latin typeface="+mn-lt"/>
+                <a:ea typeface="+mn-ea"/>
+                <a:cs typeface="+mn-cs"/>
+              </a:defRPr>
+            </a:lvl4pPr>
+            <a:lvl5pPr marL="1828800" algn="l" defTabSz="914400" rtl="0" eaLnBrk="1" latinLnBrk="0" hangingPunct="1">
+              <a:defRPr sz="1800" kern="1200">
+                <a:solidFill>
+                  <a:schemeClr val="tx1"/>
+                </a:solidFill>
+                <a:latin typeface="+mn-lt"/>
+                <a:ea typeface="+mn-ea"/>
+                <a:cs typeface="+mn-cs"/>
+              </a:defRPr>
+            </a:lvl5pPr>
+            <a:lvl6pPr marL="2286000" algn="l" defTabSz="914400" rtl="0" eaLnBrk="1" latinLnBrk="0" hangingPunct="1">
+              <a:defRPr sz="1800" kern="1200">
+                <a:solidFill>
+                  <a:schemeClr val="tx1"/>
+                </a:solidFill>
+                <a:latin typeface="+mn-lt"/>
+                <a:ea typeface="+mn-ea"/>
+                <a:cs typeface="+mn-cs"/>
+              </a:defRPr>
+            </a:lvl6pPr>
+            <a:lvl7pPr marL="2743200" algn="l" defTabSz="914400" rtl="0" eaLnBrk="1" latinLnBrk="0" hangingPunct="1">
+              <a:defRPr sz="1800" kern="1200">
+                <a:solidFill>
+                  <a:schemeClr val="tx1"/>
+                </a:solidFill>
+                <a:latin typeface="+mn-lt"/>
+                <a:ea typeface="+mn-ea"/>
+                <a:cs typeface="+mn-cs"/>
+              </a:defRPr>
+            </a:lvl7pPr>
+            <a:lvl8pPr marL="3200400" algn="l" defTabSz="914400" rtl="0" eaLnBrk="1" latinLnBrk="0" hangingPunct="1">
+              <a:defRPr sz="1800" kern="1200">
+                <a:solidFill>
+                  <a:schemeClr val="tx1"/>
+                </a:solidFill>
+                <a:latin typeface="+mn-lt"/>
+                <a:ea typeface="+mn-ea"/>
+                <a:cs typeface="+mn-cs"/>
+              </a:defRPr>
+            </a:lvl8pPr>
+            <a:lvl9pPr marL="3657600" algn="l" defTabSz="914400" rtl="0" eaLnBrk="1" latinLnBrk="0" hangingPunct="1">
+              <a:defRPr sz="1800" kern="1200">
+                <a:solidFill>
+                  <a:schemeClr val="tx1"/>
+                </a:solidFill>
+                <a:latin typeface="+mn-lt"/>
+                <a:ea typeface="+mn-ea"/>
+                <a:cs typeface="+mn-cs"/>
+              </a:defRPr>
+            </a:lvl9pPr>
+          </a:lstStyle>
+          <a:p>
+            <a:r>
+              <a:rPr lang="ru-RU" sz="2200" dirty="0">
+                <a:latin typeface="Times New Roman" panose="02020603050405020304" pitchFamily="18" charset="0"/>
+                <a:cs typeface="Times New Roman" panose="02020603050405020304" pitchFamily="18" charset="0"/>
+              </a:rPr>
+              <a:t>4/18</a:t>
+            </a:r>
+          </a:p>
+        </p:txBody>
+      </p:sp>
+      <p:sp>
+        <p:nvSpPr>
+          <p:cNvPr id="6" name="Прямоугольник 5"/>
+          <p:cNvSpPr/>
+          <p:nvPr/>
+        </p:nvSpPr>
+        <p:spPr>
+          <a:xfrm>
+            <a:off x="0" y="5981495"/>
+            <a:ext cx="2826415" cy="400110"/>
+          </a:xfrm>
+          <a:prstGeom prst="rect">
+            <a:avLst/>
+          </a:prstGeom>
+        </p:spPr>
+        <p:txBody>
+          <a:bodyPr wrap="none">
+            <a:spAutoFit/>
+          </a:bodyPr>
+          <a:lstStyle/>
+          <a:p>
+            <a:r>
+              <a:rPr lang="ru-RU" sz="2000" dirty="0">
+                <a:latin typeface="Times New Roman" panose="02020603050405020304" pitchFamily="18" charset="0"/>
+                <a:cs typeface="Times New Roman" panose="02020603050405020304" pitchFamily="18" charset="0"/>
+              </a:rPr>
+              <a:t>http://veronijo.beget.tech/</a:t>
+            </a:r>
+          </a:p>
+        </p:txBody>
+      </p:sp>
+      <p:sp>
+        <p:nvSpPr>
+          <p:cNvPr id="9" name="Прямоугольник 8"/>
+          <p:cNvSpPr/>
+          <p:nvPr/>
+        </p:nvSpPr>
+        <p:spPr>
+          <a:xfrm>
+            <a:off x="0" y="6362992"/>
+            <a:ext cx="4410759" cy="400110"/>
+          </a:xfrm>
+          <a:prstGeom prst="rect">
+            <a:avLst/>
+          </a:prstGeom>
+        </p:spPr>
+        <p:txBody>
+          <a:bodyPr wrap="none">
+            <a:spAutoFit/>
+          </a:bodyPr>
+          <a:lstStyle/>
+          <a:p>
+            <a:r>
+              <a:rPr lang="ru-RU" sz="2000" dirty="0">
+                <a:latin typeface="Times New Roman" panose="02020603050405020304" pitchFamily="18" charset="0"/>
+                <a:cs typeface="Times New Roman" panose="02020603050405020304" pitchFamily="18" charset="0"/>
+              </a:rPr>
+              <a:t>https://github.com/wbogatyrewa/EVoting</a:t>
+            </a:r>
+          </a:p>
+        </p:txBody>
+      </p:sp>
       <p:pic>
         <p:nvPicPr>
-          <p:cNvPr id="7" name="Объект 6"/>
+          <p:cNvPr id="4" name="Объект 3"/>
           <p:cNvPicPr>
             <a:picLocks noGrp="1" noChangeAspect="1"/>
           </p:cNvPicPr>
@@ -11051,205 +11229,11 @@
         </p:blipFill>
         <p:spPr>
           <a:xfrm>
-            <a:off x="1979792" y="1420589"/>
-            <a:ext cx="5184415" cy="4123665"/>
+            <a:off x="1869053" y="1300172"/>
+            <a:ext cx="5405891" cy="4299826"/>
           </a:xfrm>
         </p:spPr>
       </p:pic>
-      <p:sp>
-        <p:nvSpPr>
-          <p:cNvPr id="8" name="TextBox 5">
-            <a:extLst>
-              <a:ext uri="{FF2B5EF4-FFF2-40B4-BE49-F238E27FC236}">
-                <a16:creationId xmlns:lc="http://schemas.openxmlformats.org/drawingml/2006/lockedCanvas" xmlns="" xmlns:a16="http://schemas.microsoft.com/office/drawing/2014/main" id="{F7043567-4147-88C3-F094-05513D23DB95}"/>
-              </a:ext>
-            </a:extLst>
-          </p:cNvPr>
-          <p:cNvSpPr txBox="1"/>
-          <p:nvPr/>
-        </p:nvSpPr>
-        <p:spPr>
-          <a:xfrm>
-            <a:off x="8115753" y="6334780"/>
-            <a:ext cx="903557" cy="430887"/>
-          </a:xfrm>
-          <a:prstGeom prst="rect">
-            <a:avLst/>
-          </a:prstGeom>
-          <a:noFill/>
-        </p:spPr>
-        <p:txBody>
-          <a:bodyPr wrap="square" rtlCol="0">
-            <a:spAutoFit/>
-          </a:bodyPr>
-          <a:lstStyle>
-            <a:defPPr>
-              <a:defRPr lang="ru-RU"/>
-            </a:defPPr>
-            <a:lvl1pPr marL="0" algn="l" defTabSz="914400" rtl="0" eaLnBrk="1" latinLnBrk="0" hangingPunct="1">
-              <a:defRPr sz="1800" kern="1200">
-                <a:solidFill>
-                  <a:schemeClr val="tx1"/>
-                </a:solidFill>
-                <a:latin typeface="+mn-lt"/>
-                <a:ea typeface="+mn-ea"/>
-                <a:cs typeface="+mn-cs"/>
-              </a:defRPr>
-            </a:lvl1pPr>
-            <a:lvl2pPr marL="457200" algn="l" defTabSz="914400" rtl="0" eaLnBrk="1" latinLnBrk="0" hangingPunct="1">
-              <a:defRPr sz="1800" kern="1200">
-                <a:solidFill>
-                  <a:schemeClr val="tx1"/>
-                </a:solidFill>
-                <a:latin typeface="+mn-lt"/>
-                <a:ea typeface="+mn-ea"/>
-                <a:cs typeface="+mn-cs"/>
-              </a:defRPr>
-            </a:lvl2pPr>
-            <a:lvl3pPr marL="914400" algn="l" defTabSz="914400" rtl="0" eaLnBrk="1" latinLnBrk="0" hangingPunct="1">
-              <a:defRPr sz="1800" kern="1200">
-                <a:solidFill>
-                  <a:schemeClr val="tx1"/>
-                </a:solidFill>
-                <a:latin typeface="+mn-lt"/>
-                <a:ea typeface="+mn-ea"/>
-                <a:cs typeface="+mn-cs"/>
-              </a:defRPr>
-            </a:lvl3pPr>
-            <a:lvl4pPr marL="1371600" algn="l" defTabSz="914400" rtl="0" eaLnBrk="1" latinLnBrk="0" hangingPunct="1">
-              <a:defRPr sz="1800" kern="1200">
-                <a:solidFill>
-                  <a:schemeClr val="tx1"/>
-                </a:solidFill>
-                <a:latin typeface="+mn-lt"/>
-                <a:ea typeface="+mn-ea"/>
-                <a:cs typeface="+mn-cs"/>
-              </a:defRPr>
-            </a:lvl4pPr>
-            <a:lvl5pPr marL="1828800" algn="l" defTabSz="914400" rtl="0" eaLnBrk="1" latinLnBrk="0" hangingPunct="1">
-              <a:defRPr sz="1800" kern="1200">
-                <a:solidFill>
-                  <a:schemeClr val="tx1"/>
-                </a:solidFill>
-                <a:latin typeface="+mn-lt"/>
-                <a:ea typeface="+mn-ea"/>
-                <a:cs typeface="+mn-cs"/>
-              </a:defRPr>
-            </a:lvl5pPr>
-            <a:lvl6pPr marL="2286000" algn="l" defTabSz="914400" rtl="0" eaLnBrk="1" latinLnBrk="0" hangingPunct="1">
-              <a:defRPr sz="1800" kern="1200">
-                <a:solidFill>
-                  <a:schemeClr val="tx1"/>
-                </a:solidFill>
-                <a:latin typeface="+mn-lt"/>
-                <a:ea typeface="+mn-ea"/>
-                <a:cs typeface="+mn-cs"/>
-              </a:defRPr>
-            </a:lvl6pPr>
-            <a:lvl7pPr marL="2743200" algn="l" defTabSz="914400" rtl="0" eaLnBrk="1" latinLnBrk="0" hangingPunct="1">
-              <a:defRPr sz="1800" kern="1200">
-                <a:solidFill>
-                  <a:schemeClr val="tx1"/>
-                </a:solidFill>
-                <a:latin typeface="+mn-lt"/>
-                <a:ea typeface="+mn-ea"/>
-                <a:cs typeface="+mn-cs"/>
-              </a:defRPr>
-            </a:lvl7pPr>
-            <a:lvl8pPr marL="3200400" algn="l" defTabSz="914400" rtl="0" eaLnBrk="1" latinLnBrk="0" hangingPunct="1">
-              <a:defRPr sz="1800" kern="1200">
-                <a:solidFill>
-                  <a:schemeClr val="tx1"/>
-                </a:solidFill>
-                <a:latin typeface="+mn-lt"/>
-                <a:ea typeface="+mn-ea"/>
-                <a:cs typeface="+mn-cs"/>
-              </a:defRPr>
-            </a:lvl8pPr>
-            <a:lvl9pPr marL="3657600" algn="l" defTabSz="914400" rtl="0" eaLnBrk="1" latinLnBrk="0" hangingPunct="1">
-              <a:defRPr sz="1800" kern="1200">
-                <a:solidFill>
-                  <a:schemeClr val="tx1"/>
-                </a:solidFill>
-                <a:latin typeface="+mn-lt"/>
-                <a:ea typeface="+mn-ea"/>
-                <a:cs typeface="+mn-cs"/>
-              </a:defRPr>
-            </a:lvl9pPr>
-          </a:lstStyle>
-          <a:p>
-            <a:r>
-              <a:rPr lang="ru-RU" sz="2200" dirty="0">
-                <a:latin typeface="Times New Roman" panose="02020603050405020304" pitchFamily="18" charset="0"/>
-                <a:cs typeface="Times New Roman" panose="02020603050405020304" pitchFamily="18" charset="0"/>
-              </a:rPr>
-              <a:t>4/18</a:t>
-            </a:r>
-          </a:p>
-        </p:txBody>
-      </p:sp>
-      <p:sp>
-        <p:nvSpPr>
-          <p:cNvPr id="6" name="Прямоугольник 5"/>
-          <p:cNvSpPr/>
-          <p:nvPr/>
-        </p:nvSpPr>
-        <p:spPr>
-          <a:xfrm>
-            <a:off x="0" y="5981495"/>
-            <a:ext cx="2826415" cy="400110"/>
-          </a:xfrm>
-          <a:prstGeom prst="rect">
-            <a:avLst/>
-          </a:prstGeom>
-        </p:spPr>
-        <p:txBody>
-          <a:bodyPr wrap="none">
-            <a:spAutoFit/>
-          </a:bodyPr>
-          <a:lstStyle/>
-          <a:p>
-            <a:r>
-              <a:rPr lang="ru-RU" sz="2000" dirty="0">
-                <a:latin typeface="Times New Roman" panose="02020603050405020304" pitchFamily="18" charset="0"/>
-                <a:cs typeface="Times New Roman" panose="02020603050405020304" pitchFamily="18" charset="0"/>
-              </a:rPr>
-              <a:t>http://veronijo.beget.tech/</a:t>
-            </a:r>
-          </a:p>
-        </p:txBody>
-      </p:sp>
-      <p:sp>
-        <p:nvSpPr>
-          <p:cNvPr id="9" name="Прямоугольник 8"/>
-          <p:cNvSpPr/>
-          <p:nvPr/>
-        </p:nvSpPr>
-        <p:spPr>
-          <a:xfrm>
-            <a:off x="0" y="6362992"/>
-            <a:ext cx="4410759" cy="400110"/>
-          </a:xfrm>
-          <a:prstGeom prst="rect">
-            <a:avLst/>
-          </a:prstGeom>
-        </p:spPr>
-        <p:txBody>
-          <a:bodyPr wrap="none">
-            <a:spAutoFit/>
-          </a:bodyPr>
-          <a:lstStyle/>
-          <a:p>
-            <a:r>
-              <a:rPr lang="ru-RU" sz="2000" dirty="0">
-                <a:latin typeface="Times New Roman" panose="02020603050405020304" pitchFamily="18" charset="0"/>
-                <a:cs typeface="Times New Roman" panose="02020603050405020304" pitchFamily="18" charset="0"/>
-              </a:rPr>
-              <a:t>https://github.com/wbogatyrewa/EVoting</a:t>
-            </a:r>
-          </a:p>
-        </p:txBody>
-      </p:sp>
     </p:spTree>
     <p:extLst>
       <p:ext uri="{BB962C8B-B14F-4D97-AF65-F5344CB8AC3E}">
@@ -11356,7 +11340,7 @@
           <p:cNvPr id="6" name="TextBox 5">
             <a:extLst>
               <a:ext uri="{FF2B5EF4-FFF2-40B4-BE49-F238E27FC236}">
-                <a16:creationId xmlns:lc="http://schemas.openxmlformats.org/drawingml/2006/lockedCanvas" xmlns="" xmlns:a16="http://schemas.microsoft.com/office/drawing/2014/main" id="{F7043567-4147-88C3-F094-05513D23DB95}"/>
+                <a16:creationId xmlns:a16="http://schemas.microsoft.com/office/drawing/2014/main" xmlns="" xmlns:lc="http://schemas.openxmlformats.org/drawingml/2006/lockedCanvas" id="{F7043567-4147-88C3-F094-05513D23DB95}"/>
               </a:ext>
             </a:extLst>
           </p:cNvPr>
@@ -11659,7 +11643,7 @@
           <p:cNvPr id="6" name="TextBox 5">
             <a:extLst>
               <a:ext uri="{FF2B5EF4-FFF2-40B4-BE49-F238E27FC236}">
-                <a16:creationId xmlns:lc="http://schemas.openxmlformats.org/drawingml/2006/lockedCanvas" xmlns="" xmlns:a16="http://schemas.microsoft.com/office/drawing/2014/main" id="{F7043567-4147-88C3-F094-05513D23DB95}"/>
+                <a16:creationId xmlns:a16="http://schemas.microsoft.com/office/drawing/2014/main" xmlns="" xmlns:lc="http://schemas.openxmlformats.org/drawingml/2006/lockedCanvas" id="{F7043567-4147-88C3-F094-05513D23DB95}"/>
               </a:ext>
             </a:extLst>
           </p:cNvPr>
@@ -11960,7 +11944,7 @@
           <p:cNvPr id="5" name="TextBox 5">
             <a:extLst>
               <a:ext uri="{FF2B5EF4-FFF2-40B4-BE49-F238E27FC236}">
-                <a16:creationId xmlns:lc="http://schemas.openxmlformats.org/drawingml/2006/lockedCanvas" xmlns="" xmlns:a16="http://schemas.microsoft.com/office/drawing/2014/main" id="{F7043567-4147-88C3-F094-05513D23DB95}"/>
+                <a16:creationId xmlns:a16="http://schemas.microsoft.com/office/drawing/2014/main" xmlns="" xmlns:lc="http://schemas.openxmlformats.org/drawingml/2006/lockedCanvas" id="{F7043567-4147-88C3-F094-05513D23DB95}"/>
               </a:ext>
             </a:extLst>
           </p:cNvPr>
@@ -12261,7 +12245,7 @@
           <p:cNvPr id="4" name="TextBox 5">
             <a:extLst>
               <a:ext uri="{FF2B5EF4-FFF2-40B4-BE49-F238E27FC236}">
-                <a16:creationId xmlns:lc="http://schemas.openxmlformats.org/drawingml/2006/lockedCanvas" xmlns="" xmlns:a16="http://schemas.microsoft.com/office/drawing/2014/main" id="{F7043567-4147-88C3-F094-05513D23DB95}"/>
+                <a16:creationId xmlns:a16="http://schemas.microsoft.com/office/drawing/2014/main" xmlns="" xmlns:lc="http://schemas.openxmlformats.org/drawingml/2006/lockedCanvas" id="{F7043567-4147-88C3-F094-05513D23DB95}"/>
               </a:ext>
             </a:extLst>
           </p:cNvPr>
@@ -12562,7 +12546,7 @@
           <p:cNvPr id="4" name="TextBox 5">
             <a:extLst>
               <a:ext uri="{FF2B5EF4-FFF2-40B4-BE49-F238E27FC236}">
-                <a16:creationId xmlns:lc="http://schemas.openxmlformats.org/drawingml/2006/lockedCanvas" xmlns="" xmlns:a16="http://schemas.microsoft.com/office/drawing/2014/main" id="{F7043567-4147-88C3-F094-05513D23DB95}"/>
+                <a16:creationId xmlns:a16="http://schemas.microsoft.com/office/drawing/2014/main" xmlns="" xmlns:lc="http://schemas.openxmlformats.org/drawingml/2006/lockedCanvas" id="{F7043567-4147-88C3-F094-05513D23DB95}"/>
               </a:ext>
             </a:extLst>
           </p:cNvPr>

--- a/reports/2023_403_БогатыреваВО_slides.pptx
+++ b/reports/2023_403_БогатыреваВО_slides.pptx
@@ -5,7 +5,7 @@
     <p:sldMasterId id="2147483660" r:id="rId1"/>
   </p:sldMasterIdLst>
   <p:notesMasterIdLst>
-    <p:notesMasterId r:id="rId20"/>
+    <p:notesMasterId r:id="rId22"/>
   </p:notesMasterIdLst>
   <p:sldIdLst>
     <p:sldId id="256" r:id="rId2"/>
@@ -24,8 +24,10 @@
     <p:sldId id="269" r:id="rId15"/>
     <p:sldId id="270" r:id="rId16"/>
     <p:sldId id="271" r:id="rId17"/>
-    <p:sldId id="272" r:id="rId18"/>
-    <p:sldId id="273" r:id="rId19"/>
+    <p:sldId id="279" r:id="rId18"/>
+    <p:sldId id="275" r:id="rId19"/>
+    <p:sldId id="277" r:id="rId20"/>
+    <p:sldId id="273" r:id="rId21"/>
   </p:sldIdLst>
   <p:sldSz cx="9144000" cy="6858000" type="screen4x3"/>
   <p:notesSz cx="6858000" cy="9144000"/>
@@ -214,7 +216,7 @@
           <a:p>
             <a:fld id="{7DEDA2BB-1C5C-4526-95E5-77A988EF9EA2}" type="datetimeFigureOut">
               <a:rPr lang="ru-RU" smtClean="0"/>
-              <a:t>02.06.2023</a:t>
+              <a:t>06.06.2023</a:t>
             </a:fld>
             <a:endParaRPr lang="ru-RU"/>
           </a:p>
@@ -528,11 +530,7 @@
           <a:p>
             <a:r>
               <a:rPr lang="ru-RU" dirty="0" smtClean="0"/>
-              <a:t>Здравствуйте, уважаемая комиссия! </a:t>
-            </a:r>
-            <a:r>
-              <a:rPr lang="ru-RU" dirty="0" smtClean="0"/>
-              <a:t>Тема</a:t>
+              <a:t>Здравствуйте, уважаемая комиссия! Тема</a:t>
             </a:r>
             <a:r>
               <a:rPr lang="ru-RU" baseline="0" dirty="0" smtClean="0"/>
@@ -540,11 +538,7 @@
             </a:r>
             <a:r>
               <a:rPr lang="ru-RU" dirty="0" smtClean="0"/>
-              <a:t>: </a:t>
-            </a:r>
-            <a:r>
-              <a:rPr lang="ru-RU" dirty="0" smtClean="0"/>
-              <a:t>Разработка системы</a:t>
+              <a:t>: Разработка системы</a:t>
             </a:r>
             <a:r>
               <a:rPr lang="ru-RU" baseline="0" dirty="0" smtClean="0"/>
@@ -1634,7 +1628,7 @@
     </p:spTree>
     <p:extLst>
       <p:ext uri="{BB962C8B-B14F-4D97-AF65-F5344CB8AC3E}">
-        <p14:creationId xmlns:p14="http://schemas.microsoft.com/office/powerpoint/2010/main" val="3984722938"/>
+        <p14:creationId xmlns:p14="http://schemas.microsoft.com/office/powerpoint/2010/main" val="2563988492"/>
       </p:ext>
     </p:extLst>
   </p:cSld>
@@ -1688,113 +1682,31 @@
           <a:bodyPr/>
           <a:lstStyle/>
           <a:p>
-            <a:pPr marL="0" indent="0">
+            <a:pPr marL="0" marR="0" lvl="0" indent="0" algn="l" defTabSz="914400" rtl="0" eaLnBrk="1" fontAlgn="auto" latinLnBrk="0" hangingPunct="1">
               <a:lnSpc>
-                <a:spcPct val="120000"/>
+                <a:spcPct val="100000"/>
               </a:lnSpc>
-              <a:buFont typeface="+mj-lt"/>
+              <a:spcBef>
+                <a:spcPts val="0"/>
+              </a:spcBef>
+              <a:spcAft>
+                <a:spcPts val="0"/>
+              </a:spcAft>
+              <a:buClrTx/>
+              <a:buSzTx/>
+              <a:buFontTx/>
               <a:buNone/>
+              <a:tabLst/>
+              <a:defRPr/>
             </a:pPr>
             <a:r>
               <a:rPr lang="ru-RU" dirty="0" smtClean="0"/>
-              <a:t>В результате данной работы был </a:t>
-            </a:r>
-          </a:p>
-          <a:p>
-            <a:pPr marL="0" indent="0">
-              <a:lnSpc>
-                <a:spcPct val="120000"/>
-              </a:lnSpc>
-              <a:buFont typeface="+mj-lt"/>
-              <a:buNone/>
-            </a:pPr>
-            <a:r>
-              <a:rPr lang="ru-RU" smtClean="0">
-                <a:latin typeface="+mn-lt"/>
-                <a:cs typeface="+mn-cs"/>
-              </a:rPr>
-              <a:t>В</a:t>
-            </a:r>
-            <a:r>
-              <a:rPr lang="ru-RU" smtClean="0">
-                <a:latin typeface="Times New Roman" panose="02020603050405020304" pitchFamily="18" charset="0"/>
-                <a:cs typeface="Times New Roman" panose="02020603050405020304" pitchFamily="18" charset="0"/>
-              </a:rPr>
-              <a:t>ыполнен </a:t>
-            </a:r>
-            <a:r>
-              <a:rPr lang="ru-RU" dirty="0" smtClean="0">
-                <a:latin typeface="Times New Roman" panose="02020603050405020304" pitchFamily="18" charset="0"/>
-                <a:cs typeface="Times New Roman" panose="02020603050405020304" pitchFamily="18" charset="0"/>
-              </a:rPr>
-              <a:t>обзор литературы и существующих аналогов</a:t>
-            </a:r>
-          </a:p>
-          <a:p>
-            <a:pPr marL="0" indent="0">
-              <a:lnSpc>
-                <a:spcPct val="120000"/>
-              </a:lnSpc>
-              <a:buFont typeface="+mj-lt"/>
-              <a:buNone/>
-            </a:pPr>
-            <a:r>
-              <a:rPr lang="ru-RU" dirty="0" smtClean="0">
-                <a:latin typeface="Times New Roman" panose="02020603050405020304" pitchFamily="18" charset="0"/>
-                <a:cs typeface="Times New Roman" panose="02020603050405020304" pitchFamily="18" charset="0"/>
-              </a:rPr>
-              <a:t>Спроектированы смарт-контракты для электронного голосования на основе технологии блокчейн</a:t>
-            </a:r>
-          </a:p>
-          <a:p>
-            <a:pPr marL="0" indent="0">
-              <a:lnSpc>
-                <a:spcPct val="120000"/>
-              </a:lnSpc>
-              <a:buFont typeface="+mj-lt"/>
-              <a:buNone/>
-            </a:pPr>
-            <a:r>
-              <a:rPr lang="ru-RU" dirty="0" smtClean="0">
-                <a:latin typeface="Times New Roman" panose="02020603050405020304" pitchFamily="18" charset="0"/>
-                <a:cs typeface="Times New Roman" panose="02020603050405020304" pitchFamily="18" charset="0"/>
-              </a:rPr>
-              <a:t>Спроектировано веб-приложение для электронного голосования на основе технологии блокчейн</a:t>
-            </a:r>
-          </a:p>
-          <a:p>
-            <a:pPr marL="0" indent="0">
-              <a:lnSpc>
-                <a:spcPct val="120000"/>
-              </a:lnSpc>
-              <a:buFont typeface="+mj-lt"/>
-              <a:buNone/>
-            </a:pPr>
-            <a:r>
-              <a:rPr lang="ru-RU" dirty="0" smtClean="0">
-                <a:latin typeface="Times New Roman" panose="02020603050405020304" pitchFamily="18" charset="0"/>
-                <a:cs typeface="Times New Roman" panose="02020603050405020304" pitchFamily="18" charset="0"/>
-              </a:rPr>
-              <a:t>Реализованы смарт-контракты и веб-приложение</a:t>
-            </a:r>
-          </a:p>
-          <a:p>
-            <a:pPr marL="0" indent="0">
-              <a:lnSpc>
-                <a:spcPct val="120000"/>
-              </a:lnSpc>
-              <a:buFont typeface="+mj-lt"/>
-              <a:buNone/>
-            </a:pPr>
-            <a:r>
-              <a:rPr lang="ru-RU" dirty="0" smtClean="0">
-                <a:latin typeface="Times New Roman" panose="02020603050405020304" pitchFamily="18" charset="0"/>
-                <a:cs typeface="Times New Roman" panose="02020603050405020304" pitchFamily="18" charset="0"/>
-              </a:rPr>
-              <a:t>Проведено тестирование работы приложения</a:t>
-            </a:r>
-          </a:p>
-          <a:p>
+              <a:t>Было проведено функциональное тестирование.</a:t>
+            </a:r>
+            <a:r>
+              <a:rPr lang="ru-RU" baseline="0" dirty="0" smtClean="0"/>
+              <a:t> Оно состояло из 17 тестов. Все тесты пройдены успешно.</a:t>
+            </a:r>
             <a:endParaRPr lang="ru-RU" dirty="0" smtClean="0"/>
           </a:p>
           <a:p>
@@ -1828,7 +1740,91 @@
     </p:spTree>
     <p:extLst>
       <p:ext uri="{BB962C8B-B14F-4D97-AF65-F5344CB8AC3E}">
-        <p14:creationId xmlns:p14="http://schemas.microsoft.com/office/powerpoint/2010/main" val="1611155878"/>
+        <p14:creationId xmlns:p14="http://schemas.microsoft.com/office/powerpoint/2010/main" val="1936768208"/>
+      </p:ext>
+    </p:extLst>
+  </p:cSld>
+  <p:clrMapOvr>
+    <a:masterClrMapping/>
+  </p:clrMapOvr>
+</p:notes>
+</file>
+
+<file path=ppt/notesSlides/notesSlide19.xml><?xml version="1.0" encoding="utf-8"?>
+<p:notes xmlns:a="http://schemas.openxmlformats.org/drawingml/2006/main" xmlns:r="http://schemas.openxmlformats.org/officeDocument/2006/relationships" xmlns:p="http://schemas.openxmlformats.org/presentationml/2006/main">
+  <p:cSld>
+    <p:spTree>
+      <p:nvGrpSpPr>
+        <p:cNvPr id="1" name=""/>
+        <p:cNvGrpSpPr/>
+        <p:nvPr/>
+      </p:nvGrpSpPr>
+      <p:grpSpPr>
+        <a:xfrm>
+          <a:off x="0" y="0"/>
+          <a:ext cx="0" cy="0"/>
+          <a:chOff x="0" y="0"/>
+          <a:chExt cx="0" cy="0"/>
+        </a:xfrm>
+      </p:grpSpPr>
+      <p:sp>
+        <p:nvSpPr>
+          <p:cNvPr id="2" name="Образ слайда 1"/>
+          <p:cNvSpPr>
+            <a:spLocks noGrp="1" noRot="1" noChangeAspect="1"/>
+          </p:cNvSpPr>
+          <p:nvPr>
+            <p:ph type="sldImg"/>
+          </p:nvPr>
+        </p:nvSpPr>
+        <p:spPr/>
+      </p:sp>
+      <p:sp>
+        <p:nvSpPr>
+          <p:cNvPr id="3" name="Заметки 2"/>
+          <p:cNvSpPr>
+            <a:spLocks noGrp="1"/>
+          </p:cNvSpPr>
+          <p:nvPr>
+            <p:ph type="body" idx="1"/>
+          </p:nvPr>
+        </p:nvSpPr>
+        <p:spPr/>
+        <p:txBody>
+          <a:bodyPr/>
+          <a:lstStyle/>
+          <a:p>
+            <a:endParaRPr lang="ru-RU" dirty="0"/>
+          </a:p>
+        </p:txBody>
+      </p:sp>
+      <p:sp>
+        <p:nvSpPr>
+          <p:cNvPr id="4" name="Номер слайда 3"/>
+          <p:cNvSpPr>
+            <a:spLocks noGrp="1"/>
+          </p:cNvSpPr>
+          <p:nvPr>
+            <p:ph type="sldNum" sz="quarter" idx="10"/>
+          </p:nvPr>
+        </p:nvSpPr>
+        <p:spPr/>
+        <p:txBody>
+          <a:bodyPr/>
+          <a:lstStyle/>
+          <a:p>
+            <a:fld id="{BEC7A95C-97CA-431A-AE49-B22A2B1CD0AD}" type="slidenum">
+              <a:rPr lang="ru-RU" smtClean="0"/>
+              <a:t>19</a:t>
+            </a:fld>
+            <a:endParaRPr lang="ru-RU"/>
+          </a:p>
+        </p:txBody>
+      </p:sp>
+    </p:spTree>
+    <p:extLst>
+      <p:ext uri="{BB962C8B-B14F-4D97-AF65-F5344CB8AC3E}">
+        <p14:creationId xmlns:p14="http://schemas.microsoft.com/office/powerpoint/2010/main" val="2662458204"/>
       </p:ext>
     </p:extLst>
   </p:cSld>
@@ -1917,6 +1913,193 @@
     <p:extLst>
       <p:ext uri="{BB962C8B-B14F-4D97-AF65-F5344CB8AC3E}">
         <p14:creationId xmlns:p14="http://schemas.microsoft.com/office/powerpoint/2010/main" val="3923826091"/>
+      </p:ext>
+    </p:extLst>
+  </p:cSld>
+  <p:clrMapOvr>
+    <a:masterClrMapping/>
+  </p:clrMapOvr>
+</p:notes>
+</file>
+
+<file path=ppt/notesSlides/notesSlide20.xml><?xml version="1.0" encoding="utf-8"?>
+<p:notes xmlns:a="http://schemas.openxmlformats.org/drawingml/2006/main" xmlns:r="http://schemas.openxmlformats.org/officeDocument/2006/relationships" xmlns:p="http://schemas.openxmlformats.org/presentationml/2006/main">
+  <p:cSld>
+    <p:spTree>
+      <p:nvGrpSpPr>
+        <p:cNvPr id="1" name=""/>
+        <p:cNvGrpSpPr/>
+        <p:nvPr/>
+      </p:nvGrpSpPr>
+      <p:grpSpPr>
+        <a:xfrm>
+          <a:off x="0" y="0"/>
+          <a:ext cx="0" cy="0"/>
+          <a:chOff x="0" y="0"/>
+          <a:chExt cx="0" cy="0"/>
+        </a:xfrm>
+      </p:grpSpPr>
+      <p:sp>
+        <p:nvSpPr>
+          <p:cNvPr id="2" name="Образ слайда 1"/>
+          <p:cNvSpPr>
+            <a:spLocks noGrp="1" noRot="1" noChangeAspect="1"/>
+          </p:cNvSpPr>
+          <p:nvPr>
+            <p:ph type="sldImg"/>
+          </p:nvPr>
+        </p:nvSpPr>
+        <p:spPr/>
+      </p:sp>
+      <p:sp>
+        <p:nvSpPr>
+          <p:cNvPr id="3" name="Заметки 2"/>
+          <p:cNvSpPr>
+            <a:spLocks noGrp="1"/>
+          </p:cNvSpPr>
+          <p:nvPr>
+            <p:ph type="body" idx="1"/>
+          </p:nvPr>
+        </p:nvSpPr>
+        <p:spPr/>
+        <p:txBody>
+          <a:bodyPr/>
+          <a:lstStyle/>
+          <a:p>
+            <a:pPr marL="0" indent="0">
+              <a:lnSpc>
+                <a:spcPct val="120000"/>
+              </a:lnSpc>
+              <a:buFont typeface="+mj-lt"/>
+              <a:buNone/>
+            </a:pPr>
+            <a:r>
+              <a:rPr lang="ru-RU" dirty="0" smtClean="0"/>
+              <a:t>В результате данной работы был </a:t>
+            </a:r>
+          </a:p>
+          <a:p>
+            <a:pPr marL="0" indent="0">
+              <a:lnSpc>
+                <a:spcPct val="120000"/>
+              </a:lnSpc>
+              <a:buFont typeface="+mj-lt"/>
+              <a:buNone/>
+            </a:pPr>
+            <a:r>
+              <a:rPr lang="ru-RU" dirty="0" smtClean="0">
+                <a:latin typeface="+mn-lt"/>
+                <a:cs typeface="+mn-cs"/>
+              </a:rPr>
+              <a:t>В</a:t>
+            </a:r>
+            <a:r>
+              <a:rPr lang="ru-RU" dirty="0" smtClean="0">
+                <a:latin typeface="Times New Roman" panose="02020603050405020304" pitchFamily="18" charset="0"/>
+                <a:cs typeface="Times New Roman" panose="02020603050405020304" pitchFamily="18" charset="0"/>
+              </a:rPr>
+              <a:t>ыполнен обзор литературы и существующих аналогов</a:t>
+            </a:r>
+          </a:p>
+          <a:p>
+            <a:pPr marL="0" indent="0">
+              <a:lnSpc>
+                <a:spcPct val="120000"/>
+              </a:lnSpc>
+              <a:buFont typeface="+mj-lt"/>
+              <a:buNone/>
+            </a:pPr>
+            <a:r>
+              <a:rPr lang="ru-RU" dirty="0" smtClean="0">
+                <a:latin typeface="Times New Roman" panose="02020603050405020304" pitchFamily="18" charset="0"/>
+                <a:cs typeface="Times New Roman" panose="02020603050405020304" pitchFamily="18" charset="0"/>
+              </a:rPr>
+              <a:t>Спроектированы смарт-контракты для электронного голосования на основе технологии блокчейн</a:t>
+            </a:r>
+          </a:p>
+          <a:p>
+            <a:pPr marL="0" indent="0">
+              <a:lnSpc>
+                <a:spcPct val="120000"/>
+              </a:lnSpc>
+              <a:buFont typeface="+mj-lt"/>
+              <a:buNone/>
+            </a:pPr>
+            <a:r>
+              <a:rPr lang="ru-RU" dirty="0" smtClean="0">
+                <a:latin typeface="Times New Roman" panose="02020603050405020304" pitchFamily="18" charset="0"/>
+                <a:cs typeface="Times New Roman" panose="02020603050405020304" pitchFamily="18" charset="0"/>
+              </a:rPr>
+              <a:t>Спроектировано веб-приложение для электронного голосования на основе технологии блокчейн</a:t>
+            </a:r>
+          </a:p>
+          <a:p>
+            <a:pPr marL="0" indent="0">
+              <a:lnSpc>
+                <a:spcPct val="120000"/>
+              </a:lnSpc>
+              <a:buFont typeface="+mj-lt"/>
+              <a:buNone/>
+            </a:pPr>
+            <a:r>
+              <a:rPr lang="ru-RU" dirty="0" smtClean="0">
+                <a:latin typeface="Times New Roman" panose="02020603050405020304" pitchFamily="18" charset="0"/>
+                <a:cs typeface="Times New Roman" panose="02020603050405020304" pitchFamily="18" charset="0"/>
+              </a:rPr>
+              <a:t>Реализованы смарт-контракты и веб-приложение</a:t>
+            </a:r>
+          </a:p>
+          <a:p>
+            <a:pPr marL="0" indent="0">
+              <a:lnSpc>
+                <a:spcPct val="120000"/>
+              </a:lnSpc>
+              <a:buFont typeface="+mj-lt"/>
+              <a:buNone/>
+            </a:pPr>
+            <a:r>
+              <a:rPr lang="ru-RU" dirty="0" smtClean="0">
+                <a:latin typeface="Times New Roman" panose="02020603050405020304" pitchFamily="18" charset="0"/>
+                <a:cs typeface="Times New Roman" panose="02020603050405020304" pitchFamily="18" charset="0"/>
+              </a:rPr>
+              <a:t>Проведено тестирование работы приложения</a:t>
+            </a:r>
+          </a:p>
+          <a:p>
+            <a:endParaRPr lang="ru-RU" dirty="0" smtClean="0"/>
+          </a:p>
+          <a:p>
+            <a:endParaRPr lang="ru-RU" dirty="0"/>
+          </a:p>
+        </p:txBody>
+      </p:sp>
+      <p:sp>
+        <p:nvSpPr>
+          <p:cNvPr id="4" name="Номер слайда 3"/>
+          <p:cNvSpPr>
+            <a:spLocks noGrp="1"/>
+          </p:cNvSpPr>
+          <p:nvPr>
+            <p:ph type="sldNum" sz="quarter" idx="10"/>
+          </p:nvPr>
+        </p:nvSpPr>
+        <p:spPr/>
+        <p:txBody>
+          <a:bodyPr/>
+          <a:lstStyle/>
+          <a:p>
+            <a:fld id="{BEC7A95C-97CA-431A-AE49-B22A2B1CD0AD}" type="slidenum">
+              <a:rPr lang="ru-RU" smtClean="0"/>
+              <a:t>20</a:t>
+            </a:fld>
+            <a:endParaRPr lang="ru-RU"/>
+          </a:p>
+        </p:txBody>
+      </p:sp>
+    </p:spTree>
+    <p:extLst>
+      <p:ext uri="{BB962C8B-B14F-4D97-AF65-F5344CB8AC3E}">
+        <p14:creationId xmlns:p14="http://schemas.microsoft.com/office/powerpoint/2010/main" val="1611155878"/>
       </p:ext>
     </p:extLst>
   </p:cSld>
@@ -3564,7 +3747,7 @@
           <a:p>
             <a:fld id="{9D1E7A46-1A4E-41C3-B23B-1269BF8B1FAC}" type="datetimeFigureOut">
               <a:rPr lang="ru-RU" smtClean="0"/>
-              <a:t>02.06.2023</a:t>
+              <a:t>06.06.2023</a:t>
             </a:fld>
             <a:endParaRPr lang="ru-RU"/>
           </a:p>
@@ -3734,7 +3917,7 @@
           <a:p>
             <a:fld id="{9D1E7A46-1A4E-41C3-B23B-1269BF8B1FAC}" type="datetimeFigureOut">
               <a:rPr lang="ru-RU" smtClean="0"/>
-              <a:t>02.06.2023</a:t>
+              <a:t>06.06.2023</a:t>
             </a:fld>
             <a:endParaRPr lang="ru-RU"/>
           </a:p>
@@ -3914,7 +4097,7 @@
           <a:p>
             <a:fld id="{9D1E7A46-1A4E-41C3-B23B-1269BF8B1FAC}" type="datetimeFigureOut">
               <a:rPr lang="ru-RU" smtClean="0"/>
-              <a:t>02.06.2023</a:t>
+              <a:t>06.06.2023</a:t>
             </a:fld>
             <a:endParaRPr lang="ru-RU"/>
           </a:p>
@@ -4084,7 +4267,7 @@
           <a:p>
             <a:fld id="{9D1E7A46-1A4E-41C3-B23B-1269BF8B1FAC}" type="datetimeFigureOut">
               <a:rPr lang="ru-RU" smtClean="0"/>
-              <a:t>02.06.2023</a:t>
+              <a:t>06.06.2023</a:t>
             </a:fld>
             <a:endParaRPr lang="ru-RU"/>
           </a:p>
@@ -4328,7 +4511,7 @@
           <a:p>
             <a:fld id="{9D1E7A46-1A4E-41C3-B23B-1269BF8B1FAC}" type="datetimeFigureOut">
               <a:rPr lang="ru-RU" smtClean="0"/>
-              <a:t>02.06.2023</a:t>
+              <a:t>06.06.2023</a:t>
             </a:fld>
             <a:endParaRPr lang="ru-RU"/>
           </a:p>
@@ -4560,7 +4743,7 @@
           <a:p>
             <a:fld id="{9D1E7A46-1A4E-41C3-B23B-1269BF8B1FAC}" type="datetimeFigureOut">
               <a:rPr lang="ru-RU" smtClean="0"/>
-              <a:t>02.06.2023</a:t>
+              <a:t>06.06.2023</a:t>
             </a:fld>
             <a:endParaRPr lang="ru-RU"/>
           </a:p>
@@ -4927,7 +5110,7 @@
           <a:p>
             <a:fld id="{9D1E7A46-1A4E-41C3-B23B-1269BF8B1FAC}" type="datetimeFigureOut">
               <a:rPr lang="ru-RU" smtClean="0"/>
-              <a:t>02.06.2023</a:t>
+              <a:t>06.06.2023</a:t>
             </a:fld>
             <a:endParaRPr lang="ru-RU"/>
           </a:p>
@@ -5045,7 +5228,7 @@
           <a:p>
             <a:fld id="{9D1E7A46-1A4E-41C3-B23B-1269BF8B1FAC}" type="datetimeFigureOut">
               <a:rPr lang="ru-RU" smtClean="0"/>
-              <a:t>02.06.2023</a:t>
+              <a:t>06.06.2023</a:t>
             </a:fld>
             <a:endParaRPr lang="ru-RU"/>
           </a:p>
@@ -5140,7 +5323,7 @@
           <a:p>
             <a:fld id="{9D1E7A46-1A4E-41C3-B23B-1269BF8B1FAC}" type="datetimeFigureOut">
               <a:rPr lang="ru-RU" smtClean="0"/>
-              <a:t>02.06.2023</a:t>
+              <a:t>06.06.2023</a:t>
             </a:fld>
             <a:endParaRPr lang="ru-RU"/>
           </a:p>
@@ -5417,7 +5600,7 @@
           <a:p>
             <a:fld id="{9D1E7A46-1A4E-41C3-B23B-1269BF8B1FAC}" type="datetimeFigureOut">
               <a:rPr lang="ru-RU" smtClean="0"/>
-              <a:t>02.06.2023</a:t>
+              <a:t>06.06.2023</a:t>
             </a:fld>
             <a:endParaRPr lang="ru-RU"/>
           </a:p>
@@ -5674,7 +5857,7 @@
           <a:p>
             <a:fld id="{9D1E7A46-1A4E-41C3-B23B-1269BF8B1FAC}" type="datetimeFigureOut">
               <a:rPr lang="ru-RU" smtClean="0"/>
-              <a:t>02.06.2023</a:t>
+              <a:t>06.06.2023</a:t>
             </a:fld>
             <a:endParaRPr lang="ru-RU"/>
           </a:p>
@@ -5887,7 +6070,7 @@
           <a:p>
             <a:fld id="{9D1E7A46-1A4E-41C3-B23B-1269BF8B1FAC}" type="datetimeFigureOut">
               <a:rPr lang="ru-RU" smtClean="0"/>
-              <a:t>02.06.2023</a:t>
+              <a:t>06.06.2023</a:t>
             </a:fld>
             <a:endParaRPr lang="ru-RU"/>
           </a:p>
@@ -6649,7 +6832,7 @@
         </p:nvSpPr>
         <p:spPr>
           <a:xfrm>
-            <a:off x="0" y="221674"/>
+            <a:off x="-1" y="60288"/>
             <a:ext cx="9144000" cy="895639"/>
           </a:xfrm>
         </p:spPr>
@@ -6661,25 +6844,19 @@
           <a:p>
             <a:pPr algn="ctr"/>
             <a:r>
+              <a:rPr lang="ru-RU" sz="3000" b="1" dirty="0" smtClean="0">
+                <a:latin typeface="Times New Roman" panose="02020603050405020304" pitchFamily="18" charset="0"/>
+                <a:cs typeface="Times New Roman" panose="02020603050405020304" pitchFamily="18" charset="0"/>
+              </a:rPr>
+              <a:t>КОМПОНЕНТЫ</a:t>
+            </a:r>
+            <a:r>
               <a:rPr lang="ru-RU" sz="3000" b="1" dirty="0">
                 <a:latin typeface="Times New Roman" panose="02020603050405020304" pitchFamily="18" charset="0"/>
                 <a:cs typeface="Times New Roman" panose="02020603050405020304" pitchFamily="18" charset="0"/>
               </a:rPr>
-              <a:t>ДИАГРАММА КОМПОНЕНТОВ </a:t>
-            </a:r>
-            <a:r>
-              <a:rPr lang="ru-RU" sz="3000" b="1" dirty="0" smtClean="0">
-                <a:latin typeface="Times New Roman" panose="02020603050405020304" pitchFamily="18" charset="0"/>
-                <a:cs typeface="Times New Roman" panose="02020603050405020304" pitchFamily="18" charset="0"/>
-              </a:rPr>
-              <a:t/>
-            </a:r>
-            <a:br>
-              <a:rPr lang="ru-RU" sz="3000" b="1" dirty="0" smtClean="0">
-                <a:latin typeface="Times New Roman" panose="02020603050405020304" pitchFamily="18" charset="0"/>
-                <a:cs typeface="Times New Roman" panose="02020603050405020304" pitchFamily="18" charset="0"/>
-              </a:rPr>
-            </a:br>
+              <a:t> </a:t>
+            </a:r>
             <a:r>
               <a:rPr lang="ru-RU" sz="3000" b="1" dirty="0" smtClean="0">
                 <a:latin typeface="Times New Roman" panose="02020603050405020304" pitchFamily="18" charset="0"/>
@@ -6694,46 +6871,9 @@
           </a:p>
         </p:txBody>
       </p:sp>
-      <p:pic>
-        <p:nvPicPr>
-          <p:cNvPr id="5" name="Объект 4" descr="C:\Users\veron\OneDrive\Рабочий стол\susu\4 курс\диплом\диаграммы\SmartContract-Компоненты веб приложения.jpg"/>
-          <p:cNvPicPr>
-            <a:picLocks noGrp="1"/>
-          </p:cNvPicPr>
-          <p:nvPr>
-            <p:ph idx="1"/>
-          </p:nvPr>
-        </p:nvPicPr>
-        <p:blipFill>
-          <a:blip r:embed="rId3">
-            <a:extLst>
-              <a:ext uri="{28A0092B-C50C-407E-A947-70E740481C1C}">
-                <a14:useLocalDpi xmlns:a14="http://schemas.microsoft.com/office/drawing/2010/main" val="0"/>
-              </a:ext>
-            </a:extLst>
-          </a:blip>
-          <a:srcRect/>
-          <a:stretch>
-            <a:fillRect/>
-          </a:stretch>
-        </p:blipFill>
-        <p:spPr bwMode="auto">
-          <a:xfrm>
-            <a:off x="1057382" y="1881081"/>
-            <a:ext cx="7029235" cy="3689931"/>
-          </a:xfrm>
-          <a:prstGeom prst="rect">
-            <a:avLst/>
-          </a:prstGeom>
-          <a:noFill/>
-          <a:ln>
-            <a:noFill/>
-          </a:ln>
-        </p:spPr>
-      </p:pic>
-      <p:sp>
-        <p:nvSpPr>
-          <p:cNvPr id="4" name="TextBox 5">
+      <p:sp>
+        <p:nvSpPr>
+          <p:cNvPr id="7" name="TextBox 5">
             <a:extLst>
               <a:ext uri="{FF2B5EF4-FFF2-40B4-BE49-F238E27FC236}">
                 <a16:creationId xmlns:a16="http://schemas.microsoft.com/office/drawing/2014/main" xmlns="" xmlns:lc="http://schemas.openxmlformats.org/drawingml/2006/lockedCanvas" id="{F7043567-4147-88C3-F094-05513D23DB95}"/>
@@ -6745,8 +6885,8 @@
         </p:nvSpPr>
         <p:spPr>
           <a:xfrm>
-            <a:off x="7883236" y="6334781"/>
-            <a:ext cx="1080656" cy="430887"/>
+            <a:off x="8240443" y="6426366"/>
+            <a:ext cx="903557" cy="400110"/>
           </a:xfrm>
           <a:prstGeom prst="rect">
             <a:avLst/>
@@ -6854,25 +6994,36 @@
           </a:lstStyle>
           <a:p>
             <a:r>
-              <a:rPr lang="ru-RU" sz="2200" dirty="0">
-                <a:latin typeface="Times New Roman" panose="02020603050405020304" pitchFamily="18" charset="0"/>
-                <a:cs typeface="Times New Roman" panose="02020603050405020304" pitchFamily="18" charset="0"/>
-              </a:rPr>
-              <a:t>10/18</a:t>
-            </a:r>
-          </a:p>
-        </p:txBody>
-      </p:sp>
-      <p:sp>
-        <p:nvSpPr>
-          <p:cNvPr id="6" name="Прямоугольник 5"/>
+              <a:rPr lang="ru-RU" sz="2000" dirty="0" smtClean="0">
+                <a:latin typeface="Times New Roman" panose="02020603050405020304" pitchFamily="18" charset="0"/>
+                <a:cs typeface="Times New Roman" panose="02020603050405020304" pitchFamily="18" charset="0"/>
+              </a:rPr>
+              <a:t>10/</a:t>
+            </a:r>
+            <a:r>
+              <a:rPr lang="en-US" sz="2000" dirty="0" smtClean="0">
+                <a:latin typeface="Times New Roman" panose="02020603050405020304" pitchFamily="18" charset="0"/>
+                <a:cs typeface="Times New Roman" panose="02020603050405020304" pitchFamily="18" charset="0"/>
+              </a:rPr>
+              <a:t>20</a:t>
+            </a:r>
+            <a:endParaRPr lang="ru-RU" sz="2200" dirty="0">
+              <a:latin typeface="Times New Roman" panose="02020603050405020304" pitchFamily="18" charset="0"/>
+              <a:cs typeface="Times New Roman" panose="02020603050405020304" pitchFamily="18" charset="0"/>
+            </a:endParaRPr>
+          </a:p>
+        </p:txBody>
+      </p:sp>
+      <p:sp>
+        <p:nvSpPr>
+          <p:cNvPr id="9" name="Прямоугольник 8"/>
           <p:cNvSpPr/>
           <p:nvPr/>
         </p:nvSpPr>
         <p:spPr>
           <a:xfrm>
-            <a:off x="0" y="5981495"/>
-            <a:ext cx="2826415" cy="400110"/>
+            <a:off x="0" y="6087812"/>
+            <a:ext cx="2569934" cy="369332"/>
           </a:xfrm>
           <a:prstGeom prst="rect">
             <a:avLst/>
@@ -6885,7 +7036,7 @@
           <a:lstStyle/>
           <a:p>
             <a:r>
-              <a:rPr lang="ru-RU" sz="2000" dirty="0">
+              <a:rPr lang="ru-RU" dirty="0">
                 <a:latin typeface="Times New Roman" panose="02020603050405020304" pitchFamily="18" charset="0"/>
                 <a:cs typeface="Times New Roman" panose="02020603050405020304" pitchFamily="18" charset="0"/>
               </a:rPr>
@@ -6896,14 +7047,14 @@
       </p:sp>
       <p:sp>
         <p:nvSpPr>
-          <p:cNvPr id="8" name="Прямоугольник 7"/>
+          <p:cNvPr id="10" name="Прямоугольник 9"/>
           <p:cNvSpPr/>
           <p:nvPr/>
         </p:nvSpPr>
         <p:spPr>
           <a:xfrm>
-            <a:off x="0" y="6362992"/>
-            <a:ext cx="4410759" cy="400110"/>
+            <a:off x="0" y="6457144"/>
+            <a:ext cx="3995709" cy="369332"/>
           </a:xfrm>
           <a:prstGeom prst="rect">
             <a:avLst/>
@@ -6916,7 +7067,7 @@
           <a:lstStyle/>
           <a:p>
             <a:r>
-              <a:rPr lang="ru-RU" sz="2000" dirty="0">
+              <a:rPr lang="ru-RU" dirty="0">
                 <a:latin typeface="Times New Roman" panose="02020603050405020304" pitchFamily="18" charset="0"/>
                 <a:cs typeface="Times New Roman" panose="02020603050405020304" pitchFamily="18" charset="0"/>
               </a:rPr>
@@ -6925,6 +7076,30 @@
           </a:p>
         </p:txBody>
       </p:sp>
+      <p:pic>
+        <p:nvPicPr>
+          <p:cNvPr id="3" name="Рисунок 2"/>
+          <p:cNvPicPr>
+            <a:picLocks noChangeAspect="1"/>
+          </p:cNvPicPr>
+          <p:nvPr/>
+        </p:nvPicPr>
+        <p:blipFill>
+          <a:blip r:embed="rId3"/>
+          <a:stretch>
+            <a:fillRect/>
+          </a:stretch>
+        </p:blipFill>
+        <p:spPr>
+          <a:xfrm>
+            <a:off x="932703" y="1325259"/>
+            <a:ext cx="7278591" cy="3829545"/>
+          </a:xfrm>
+          <a:prstGeom prst="rect">
+            <a:avLst/>
+          </a:prstGeom>
+        </p:spPr>
+      </p:pic>
     </p:spTree>
     <p:extLst>
       <p:ext uri="{BB962C8B-B14F-4D97-AF65-F5344CB8AC3E}">
@@ -6974,7 +7149,7 @@
         </p:nvSpPr>
         <p:spPr>
           <a:xfrm>
-            <a:off x="0" y="22078"/>
+            <a:off x="0" y="60288"/>
             <a:ext cx="9144000" cy="895639"/>
           </a:xfrm>
         </p:spPr>
@@ -6986,7 +7161,7 @@
           <a:p>
             <a:pPr algn="ctr"/>
             <a:r>
-              <a:rPr lang="ru-RU" sz="3600" b="1" dirty="0">
+              <a:rPr lang="ru-RU" sz="3000" b="1" dirty="0">
                 <a:latin typeface="Times New Roman" panose="02020603050405020304" pitchFamily="18" charset="0"/>
                 <a:cs typeface="Times New Roman" panose="02020603050405020304" pitchFamily="18" charset="0"/>
               </a:rPr>
@@ -7020,7 +7195,7 @@
         </p:blipFill>
         <p:spPr bwMode="auto">
           <a:xfrm>
-            <a:off x="165316" y="917717"/>
+            <a:off x="165316" y="947862"/>
             <a:ext cx="8813367" cy="4900752"/>
           </a:xfrm>
           <a:prstGeom prst="rect">
@@ -7034,7 +7209,7 @@
       </p:pic>
       <p:sp>
         <p:nvSpPr>
-          <p:cNvPr id="4" name="TextBox 5">
+          <p:cNvPr id="9" name="TextBox 5">
             <a:extLst>
               <a:ext uri="{FF2B5EF4-FFF2-40B4-BE49-F238E27FC236}">
                 <a16:creationId xmlns:a16="http://schemas.microsoft.com/office/drawing/2014/main" xmlns="" xmlns:lc="http://schemas.openxmlformats.org/drawingml/2006/lockedCanvas" id="{F7043567-4147-88C3-F094-05513D23DB95}"/>
@@ -7046,8 +7221,8 @@
         </p:nvSpPr>
         <p:spPr>
           <a:xfrm>
-            <a:off x="8063344" y="6351098"/>
-            <a:ext cx="1080656" cy="430887"/>
+            <a:off x="8240443" y="6426366"/>
+            <a:ext cx="903557" cy="400110"/>
           </a:xfrm>
           <a:prstGeom prst="rect">
             <a:avLst/>
@@ -7155,25 +7330,36 @@
           </a:lstStyle>
           <a:p>
             <a:r>
-              <a:rPr lang="ru-RU" sz="2200" dirty="0">
-                <a:latin typeface="Times New Roman" panose="02020603050405020304" pitchFamily="18" charset="0"/>
-                <a:cs typeface="Times New Roman" panose="02020603050405020304" pitchFamily="18" charset="0"/>
-              </a:rPr>
-              <a:t>11/18</a:t>
-            </a:r>
-          </a:p>
-        </p:txBody>
-      </p:sp>
-      <p:sp>
-        <p:nvSpPr>
-          <p:cNvPr id="7" name="Прямоугольник 6"/>
+              <a:rPr lang="ru-RU" sz="2000" dirty="0" smtClean="0">
+                <a:latin typeface="Times New Roman" panose="02020603050405020304" pitchFamily="18" charset="0"/>
+                <a:cs typeface="Times New Roman" panose="02020603050405020304" pitchFamily="18" charset="0"/>
+              </a:rPr>
+              <a:t>11/</a:t>
+            </a:r>
+            <a:r>
+              <a:rPr lang="en-US" sz="2000" dirty="0" smtClean="0">
+                <a:latin typeface="Times New Roman" panose="02020603050405020304" pitchFamily="18" charset="0"/>
+                <a:cs typeface="Times New Roman" panose="02020603050405020304" pitchFamily="18" charset="0"/>
+              </a:rPr>
+              <a:t>20</a:t>
+            </a:r>
+            <a:endParaRPr lang="ru-RU" sz="2200" dirty="0">
+              <a:latin typeface="Times New Roman" panose="02020603050405020304" pitchFamily="18" charset="0"/>
+              <a:cs typeface="Times New Roman" panose="02020603050405020304" pitchFamily="18" charset="0"/>
+            </a:endParaRPr>
+          </a:p>
+        </p:txBody>
+      </p:sp>
+      <p:sp>
+        <p:nvSpPr>
+          <p:cNvPr id="10" name="Прямоугольник 9"/>
           <p:cNvSpPr/>
           <p:nvPr/>
         </p:nvSpPr>
         <p:spPr>
           <a:xfrm>
-            <a:off x="0" y="5981495"/>
-            <a:ext cx="2826415" cy="400110"/>
+            <a:off x="0" y="6087812"/>
+            <a:ext cx="2569934" cy="369332"/>
           </a:xfrm>
           <a:prstGeom prst="rect">
             <a:avLst/>
@@ -7186,7 +7372,7 @@
           <a:lstStyle/>
           <a:p>
             <a:r>
-              <a:rPr lang="ru-RU" sz="2000" dirty="0">
+              <a:rPr lang="ru-RU" dirty="0">
                 <a:latin typeface="Times New Roman" panose="02020603050405020304" pitchFamily="18" charset="0"/>
                 <a:cs typeface="Times New Roman" panose="02020603050405020304" pitchFamily="18" charset="0"/>
               </a:rPr>
@@ -7197,14 +7383,14 @@
       </p:sp>
       <p:sp>
         <p:nvSpPr>
-          <p:cNvPr id="8" name="Прямоугольник 7"/>
+          <p:cNvPr id="11" name="Прямоугольник 10"/>
           <p:cNvSpPr/>
           <p:nvPr/>
         </p:nvSpPr>
         <p:spPr>
           <a:xfrm>
-            <a:off x="0" y="6362992"/>
-            <a:ext cx="4410759" cy="400110"/>
+            <a:off x="0" y="6457144"/>
+            <a:ext cx="3995709" cy="369332"/>
           </a:xfrm>
           <a:prstGeom prst="rect">
             <a:avLst/>
@@ -7217,7 +7403,7 @@
           <a:lstStyle/>
           <a:p>
             <a:r>
-              <a:rPr lang="ru-RU" sz="2000" dirty="0">
+              <a:rPr lang="ru-RU" dirty="0">
                 <a:latin typeface="Times New Roman" panose="02020603050405020304" pitchFamily="18" charset="0"/>
                 <a:cs typeface="Times New Roman" panose="02020603050405020304" pitchFamily="18" charset="0"/>
               </a:rPr>
@@ -7275,7 +7461,7 @@
         </p:nvSpPr>
         <p:spPr>
           <a:xfrm>
-            <a:off x="0" y="1"/>
+            <a:off x="0" y="60288"/>
             <a:ext cx="9144000" cy="895639"/>
           </a:xfrm>
         </p:spPr>
@@ -7287,7 +7473,7 @@
           <a:p>
             <a:pPr algn="ctr"/>
             <a:r>
-              <a:rPr lang="ru-RU" sz="3600" b="1" dirty="0">
+              <a:rPr lang="ru-RU" sz="3000" b="1" dirty="0">
                 <a:latin typeface="Times New Roman" panose="02020603050405020304" pitchFamily="18" charset="0"/>
                 <a:cs typeface="Times New Roman" panose="02020603050405020304" pitchFamily="18" charset="0"/>
               </a:rPr>
@@ -7308,13 +7494,13 @@
         </p:nvSpPr>
         <p:spPr>
           <a:xfrm>
-            <a:off x="332508" y="721096"/>
-            <a:ext cx="8215747" cy="5611092"/>
+            <a:off x="332508" y="1115367"/>
+            <a:ext cx="8215747" cy="4853354"/>
           </a:xfrm>
         </p:spPr>
         <p:txBody>
           <a:bodyPr>
-            <a:normAutofit fontScale="62500" lnSpcReduction="20000"/>
+            <a:normAutofit/>
           </a:bodyPr>
           <a:lstStyle/>
           <a:p>
@@ -7325,7 +7511,7 @@
               <a:buNone/>
             </a:pPr>
             <a:r>
-              <a:rPr lang="ru-RU" b="1" dirty="0" smtClean="0">
+              <a:rPr lang="ru-RU" sz="2400" b="1" dirty="0" smtClean="0">
                 <a:latin typeface="Times New Roman" panose="02020603050405020304" pitchFamily="18" charset="0"/>
                 <a:cs typeface="Times New Roman" panose="02020603050405020304" pitchFamily="18" charset="0"/>
               </a:rPr>
@@ -7335,27 +7521,48 @@
           <a:p>
             <a:pPr algn="just"/>
             <a:r>
-              <a:rPr lang="ru-RU" dirty="0">
-                <a:latin typeface="Times New Roman" panose="02020603050405020304" pitchFamily="18" charset="0"/>
-                <a:cs typeface="Times New Roman" panose="02020603050405020304" pitchFamily="18" charset="0"/>
-              </a:rPr>
-              <a:t>Язык </a:t>
-            </a:r>
-            <a:r>
-              <a:rPr lang="ru-RU" dirty="0" smtClean="0">
-                <a:latin typeface="Times New Roman" panose="02020603050405020304" pitchFamily="18" charset="0"/>
-                <a:cs typeface="Times New Roman" panose="02020603050405020304" pitchFamily="18" charset="0"/>
-              </a:rPr>
-              <a:t>программирования </a:t>
-            </a:r>
-            <a:r>
-              <a:rPr lang="en-GB" dirty="0">
-                <a:latin typeface="Times New Roman" panose="02020603050405020304" pitchFamily="18" charset="0"/>
-                <a:cs typeface="Times New Roman" panose="02020603050405020304" pitchFamily="18" charset="0"/>
-              </a:rPr>
-              <a:t>Solidity </a:t>
-            </a:r>
-            <a:endParaRPr lang="ru-RU" dirty="0" smtClean="0">
+              <a:rPr lang="en-GB" sz="2400" dirty="0" smtClean="0">
+                <a:latin typeface="Times New Roman" panose="02020603050405020304" pitchFamily="18" charset="0"/>
+                <a:cs typeface="Times New Roman" panose="02020603050405020304" pitchFamily="18" charset="0"/>
+              </a:rPr>
+              <a:t>Solidity</a:t>
+            </a:r>
+            <a:r>
+              <a:rPr lang="ru-RU" sz="2400" dirty="0" smtClean="0">
+                <a:latin typeface="Times New Roman" panose="02020603050405020304" pitchFamily="18" charset="0"/>
+                <a:cs typeface="Times New Roman" panose="02020603050405020304" pitchFamily="18" charset="0"/>
+              </a:rPr>
+              <a:t>, </a:t>
+            </a:r>
+            <a:r>
+              <a:rPr lang="en-GB" sz="2400" dirty="0" err="1" smtClean="0">
+                <a:latin typeface="Times New Roman" panose="02020603050405020304" pitchFamily="18" charset="0"/>
+                <a:cs typeface="Times New Roman" panose="02020603050405020304" pitchFamily="18" charset="0"/>
+              </a:rPr>
+              <a:t>OpenZeppelin</a:t>
+            </a:r>
+            <a:r>
+              <a:rPr lang="ru-RU" sz="2400" dirty="0" smtClean="0">
+                <a:latin typeface="Times New Roman" panose="02020603050405020304" pitchFamily="18" charset="0"/>
+                <a:cs typeface="Times New Roman" panose="02020603050405020304" pitchFamily="18" charset="0"/>
+              </a:rPr>
+              <a:t>, </a:t>
+            </a:r>
+            <a:r>
+              <a:rPr lang="en-GB" sz="2400" dirty="0" err="1" smtClean="0">
+                <a:latin typeface="Times New Roman" panose="02020603050405020304" pitchFamily="18" charset="0"/>
+                <a:cs typeface="Times New Roman" panose="02020603050405020304" pitchFamily="18" charset="0"/>
+              </a:rPr>
+              <a:t>Etherscan</a:t>
+            </a:r>
+            <a:r>
+              <a:rPr lang="en-GB" sz="2400" dirty="0" smtClean="0">
+                <a:latin typeface="Times New Roman" panose="02020603050405020304" pitchFamily="18" charset="0"/>
+                <a:cs typeface="Times New Roman" panose="02020603050405020304" pitchFamily="18" charset="0"/>
+              </a:rPr>
+              <a:t> </a:t>
+            </a:r>
+            <a:endParaRPr lang="en-GB" sz="2400" dirty="0">
               <a:latin typeface="Times New Roman" panose="02020603050405020304" pitchFamily="18" charset="0"/>
               <a:cs typeface="Times New Roman" panose="02020603050405020304" pitchFamily="18" charset="0"/>
             </a:endParaRPr>
@@ -7363,77 +7570,21 @@
           <a:p>
             <a:pPr algn="just"/>
             <a:r>
-              <a:rPr lang="ru-RU" dirty="0" smtClean="0">
-                <a:latin typeface="Times New Roman" panose="02020603050405020304" pitchFamily="18" charset="0"/>
-                <a:cs typeface="Times New Roman" panose="02020603050405020304" pitchFamily="18" charset="0"/>
-              </a:rPr>
-              <a:t>Библиотека </a:t>
-            </a:r>
-            <a:r>
-              <a:rPr lang="en-GB" dirty="0" err="1">
-                <a:latin typeface="Times New Roman" panose="02020603050405020304" pitchFamily="18" charset="0"/>
-                <a:cs typeface="Times New Roman" panose="02020603050405020304" pitchFamily="18" charset="0"/>
-              </a:rPr>
-              <a:t>OpenZeppelin</a:t>
-            </a:r>
-            <a:r>
-              <a:rPr lang="en-GB" dirty="0">
-                <a:latin typeface="Times New Roman" panose="02020603050405020304" pitchFamily="18" charset="0"/>
-                <a:cs typeface="Times New Roman" panose="02020603050405020304" pitchFamily="18" charset="0"/>
-              </a:rPr>
-              <a:t> </a:t>
-            </a:r>
-            <a:endParaRPr lang="ru-RU" dirty="0" smtClean="0">
-              <a:latin typeface="Times New Roman" panose="02020603050405020304" pitchFamily="18" charset="0"/>
-              <a:cs typeface="Times New Roman" panose="02020603050405020304" pitchFamily="18" charset="0"/>
-            </a:endParaRPr>
-          </a:p>
-          <a:p>
-            <a:pPr algn="just"/>
-            <a:r>
-              <a:rPr lang="ru-RU" dirty="0" smtClean="0">
-                <a:latin typeface="Times New Roman" panose="02020603050405020304" pitchFamily="18" charset="0"/>
-                <a:cs typeface="Times New Roman" panose="02020603050405020304" pitchFamily="18" charset="0"/>
-              </a:rPr>
-              <a:t>Обозреватель </a:t>
-            </a:r>
-            <a:r>
-              <a:rPr lang="ru-RU" dirty="0">
-                <a:latin typeface="Times New Roman" panose="02020603050405020304" pitchFamily="18" charset="0"/>
-                <a:cs typeface="Times New Roman" panose="02020603050405020304" pitchFamily="18" charset="0"/>
-              </a:rPr>
-              <a:t>блоков </a:t>
-            </a:r>
-            <a:r>
-              <a:rPr lang="en-GB" dirty="0" smtClean="0">
-                <a:latin typeface="Times New Roman" panose="02020603050405020304" pitchFamily="18" charset="0"/>
-                <a:cs typeface="Times New Roman" panose="02020603050405020304" pitchFamily="18" charset="0"/>
-              </a:rPr>
-              <a:t>Etherscan </a:t>
-            </a:r>
-            <a:endParaRPr lang="en-GB" dirty="0">
-              <a:latin typeface="Times New Roman" panose="02020603050405020304" pitchFamily="18" charset="0"/>
-              <a:cs typeface="Times New Roman" panose="02020603050405020304" pitchFamily="18" charset="0"/>
-            </a:endParaRPr>
-          </a:p>
-          <a:p>
-            <a:pPr algn="just"/>
-            <a:r>
-              <a:rPr lang="ru-RU" dirty="0">
+              <a:rPr lang="ru-RU" sz="2400" dirty="0">
                 <a:latin typeface="Times New Roman" panose="02020603050405020304" pitchFamily="18" charset="0"/>
                 <a:cs typeface="Times New Roman" panose="02020603050405020304" pitchFamily="18" charset="0"/>
               </a:rPr>
               <a:t>Среда </a:t>
             </a:r>
             <a:r>
-              <a:rPr lang="ru-RU" dirty="0" smtClean="0">
+              <a:rPr lang="ru-RU" sz="2400" dirty="0" smtClean="0">
                 <a:latin typeface="Times New Roman" panose="02020603050405020304" pitchFamily="18" charset="0"/>
                 <a:cs typeface="Times New Roman" panose="02020603050405020304" pitchFamily="18" charset="0"/>
               </a:rPr>
               <a:t>разработки </a:t>
             </a:r>
             <a:r>
-              <a:rPr lang="en-GB" dirty="0">
+              <a:rPr lang="en-GB" sz="2400" dirty="0">
                 <a:latin typeface="Times New Roman" panose="02020603050405020304" pitchFamily="18" charset="0"/>
                 <a:cs typeface="Times New Roman" panose="02020603050405020304" pitchFamily="18" charset="0"/>
               </a:rPr>
@@ -7448,13 +7599,13 @@
               <a:buNone/>
             </a:pPr>
             <a:r>
-              <a:rPr lang="ru-RU" b="1" dirty="0" smtClean="0">
+              <a:rPr lang="ru-RU" sz="2400" b="1" dirty="0" smtClean="0">
                 <a:latin typeface="Times New Roman" panose="02020603050405020304" pitchFamily="18" charset="0"/>
                 <a:cs typeface="Times New Roman" panose="02020603050405020304" pitchFamily="18" charset="0"/>
               </a:rPr>
               <a:t>Серверная часть:</a:t>
             </a:r>
-            <a:endParaRPr lang="ru-RU" b="1" dirty="0">
+            <a:endParaRPr lang="ru-RU" sz="2400" b="1" dirty="0">
               <a:latin typeface="Times New Roman" panose="02020603050405020304" pitchFamily="18" charset="0"/>
               <a:cs typeface="Times New Roman" panose="02020603050405020304" pitchFamily="18" charset="0"/>
             </a:endParaRPr>
@@ -7466,122 +7617,69 @@
               </a:lnSpc>
             </a:pPr>
             <a:r>
-              <a:rPr lang="en-US" dirty="0" smtClean="0">
+              <a:rPr lang="en-US" sz="2400" dirty="0" smtClean="0">
                 <a:latin typeface="Times New Roman" panose="02020603050405020304" pitchFamily="18" charset="0"/>
                 <a:cs typeface="Times New Roman" panose="02020603050405020304" pitchFamily="18" charset="0"/>
               </a:rPr>
               <a:t>Node</a:t>
             </a:r>
             <a:r>
-              <a:rPr lang="ru-RU" dirty="0">
+              <a:rPr lang="ru-RU" sz="2400" dirty="0">
                 <a:latin typeface="Times New Roman" panose="02020603050405020304" pitchFamily="18" charset="0"/>
                 <a:cs typeface="Times New Roman" panose="02020603050405020304" pitchFamily="18" charset="0"/>
               </a:rPr>
               <a:t>.</a:t>
             </a:r>
             <a:r>
-              <a:rPr lang="en-US" dirty="0" err="1" smtClean="0">
+              <a:rPr lang="en-US" sz="2400" dirty="0" err="1" smtClean="0">
                 <a:latin typeface="Times New Roman" panose="02020603050405020304" pitchFamily="18" charset="0"/>
                 <a:cs typeface="Times New Roman" panose="02020603050405020304" pitchFamily="18" charset="0"/>
               </a:rPr>
               <a:t>js</a:t>
             </a:r>
             <a:r>
-              <a:rPr lang="ru-RU" dirty="0" smtClean="0">
+              <a:rPr lang="ru-RU" sz="2400" dirty="0" smtClean="0">
                 <a:latin typeface="Times New Roman" panose="02020603050405020304" pitchFamily="18" charset="0"/>
                 <a:cs typeface="Times New Roman" panose="02020603050405020304" pitchFamily="18" charset="0"/>
               </a:rPr>
               <a:t>, </a:t>
             </a:r>
             <a:r>
-              <a:rPr lang="en-US" dirty="0" smtClean="0">
+              <a:rPr lang="en-US" sz="2400" dirty="0" smtClean="0">
                 <a:latin typeface="Times New Roman" panose="02020603050405020304" pitchFamily="18" charset="0"/>
                 <a:cs typeface="Times New Roman" panose="02020603050405020304" pitchFamily="18" charset="0"/>
               </a:rPr>
               <a:t>Express</a:t>
             </a:r>
             <a:r>
-              <a:rPr lang="ru-RU" dirty="0">
+              <a:rPr lang="ru-RU" sz="2400" dirty="0">
                 <a:latin typeface="Times New Roman" panose="02020603050405020304" pitchFamily="18" charset="0"/>
                 <a:cs typeface="Times New Roman" panose="02020603050405020304" pitchFamily="18" charset="0"/>
               </a:rPr>
               <a:t>.</a:t>
             </a:r>
             <a:r>
-              <a:rPr lang="en-US" dirty="0" err="1" smtClean="0">
+              <a:rPr lang="en-US" sz="2400" dirty="0" err="1" smtClean="0">
                 <a:latin typeface="Times New Roman" panose="02020603050405020304" pitchFamily="18" charset="0"/>
                 <a:cs typeface="Times New Roman" panose="02020603050405020304" pitchFamily="18" charset="0"/>
               </a:rPr>
               <a:t>js</a:t>
             </a:r>
-            <a:endParaRPr lang="ru-RU" dirty="0" smtClean="0">
-              <a:latin typeface="Times New Roman" panose="02020603050405020304" pitchFamily="18" charset="0"/>
-              <a:cs typeface="Times New Roman" panose="02020603050405020304" pitchFamily="18" charset="0"/>
-            </a:endParaRPr>
-          </a:p>
-          <a:p>
-            <a:pPr>
-              <a:lnSpc>
-                <a:spcPct val="120000"/>
-              </a:lnSpc>
-            </a:pPr>
-            <a:r>
-              <a:rPr lang="en-US" dirty="0">
-                <a:latin typeface="Times New Roman" panose="02020603050405020304" pitchFamily="18" charset="0"/>
-                <a:cs typeface="Times New Roman" panose="02020603050405020304" pitchFamily="18" charset="0"/>
-              </a:rPr>
-              <a:t>Ethers</a:t>
-            </a:r>
-            <a:r>
-              <a:rPr lang="ru-RU" dirty="0">
-                <a:latin typeface="Times New Roman" panose="02020603050405020304" pitchFamily="18" charset="0"/>
-                <a:cs typeface="Times New Roman" panose="02020603050405020304" pitchFamily="18" charset="0"/>
-              </a:rPr>
-              <a:t>.</a:t>
-            </a:r>
-            <a:r>
-              <a:rPr lang="en-US" dirty="0" err="1">
-                <a:latin typeface="Times New Roman" panose="02020603050405020304" pitchFamily="18" charset="0"/>
-                <a:cs typeface="Times New Roman" panose="02020603050405020304" pitchFamily="18" charset="0"/>
-              </a:rPr>
-              <a:t>js</a:t>
-            </a:r>
-            <a:r>
-              <a:rPr lang="en-US" dirty="0">
-                <a:latin typeface="Times New Roman" panose="02020603050405020304" pitchFamily="18" charset="0"/>
-                <a:cs typeface="Times New Roman" panose="02020603050405020304" pitchFamily="18" charset="0"/>
-              </a:rPr>
-              <a:t> </a:t>
-            </a:r>
-            <a:r>
-              <a:rPr lang="ru-RU" dirty="0">
-                <a:latin typeface="Times New Roman" panose="02020603050405020304" pitchFamily="18" charset="0"/>
-                <a:cs typeface="Times New Roman" panose="02020603050405020304" pitchFamily="18" charset="0"/>
-              </a:rPr>
-              <a:t>и </a:t>
-            </a:r>
-            <a:r>
-              <a:rPr lang="en-US" dirty="0">
-                <a:latin typeface="Times New Roman" panose="02020603050405020304" pitchFamily="18" charset="0"/>
-                <a:cs typeface="Times New Roman" panose="02020603050405020304" pitchFamily="18" charset="0"/>
-              </a:rPr>
-              <a:t>Alchemy API </a:t>
-            </a:r>
-            <a:r>
-              <a:rPr lang="ru-RU" dirty="0">
-                <a:latin typeface="Times New Roman" panose="02020603050405020304" pitchFamily="18" charset="0"/>
-                <a:cs typeface="Times New Roman" panose="02020603050405020304" pitchFamily="18" charset="0"/>
-              </a:rPr>
-              <a:t>для взаимодействия с блокчейном </a:t>
-            </a:r>
-            <a:r>
-              <a:rPr lang="en-GB" dirty="0" smtClean="0">
-                <a:latin typeface="Times New Roman" panose="02020603050405020304" pitchFamily="18" charset="0"/>
-                <a:cs typeface="Times New Roman" panose="02020603050405020304" pitchFamily="18" charset="0"/>
-              </a:rPr>
-              <a:t>Ethereum</a:t>
-            </a:r>
-            <a:endParaRPr lang="ru-RU" dirty="0">
+            <a:r>
+              <a:rPr lang="ru-RU" sz="2400" dirty="0" smtClean="0">
+                <a:latin typeface="Times New Roman" panose="02020603050405020304" pitchFamily="18" charset="0"/>
+                <a:cs typeface="Times New Roman" panose="02020603050405020304" pitchFamily="18" charset="0"/>
+              </a:rPr>
+              <a:t>, </a:t>
+            </a:r>
+            <a:r>
+              <a:rPr lang="en-US" sz="2400" dirty="0" smtClean="0">
+                <a:latin typeface="Times New Roman" panose="02020603050405020304" pitchFamily="18" charset="0"/>
+                <a:cs typeface="Times New Roman" panose="02020603050405020304" pitchFamily="18" charset="0"/>
+              </a:rPr>
+              <a:t>Alchemy API</a:t>
+            </a:r>
+            <a:endParaRPr lang="ru-RU" sz="2400" dirty="0">
               <a:latin typeface="Times New Roman" panose="02020603050405020304" pitchFamily="18" charset="0"/>
               <a:cs typeface="Times New Roman" panose="02020603050405020304" pitchFamily="18" charset="0"/>
             </a:endParaRPr>
@@ -7594,7 +7692,7 @@
               <a:buNone/>
             </a:pPr>
             <a:r>
-              <a:rPr lang="ru-RU" b="1" dirty="0" smtClean="0">
+              <a:rPr lang="ru-RU" sz="2400" b="1" dirty="0" smtClean="0">
                 <a:latin typeface="Times New Roman" panose="02020603050405020304" pitchFamily="18" charset="0"/>
                 <a:cs typeface="Times New Roman" panose="02020603050405020304" pitchFamily="18" charset="0"/>
               </a:rPr>
@@ -7608,41 +7706,83 @@
               </a:lnSpc>
             </a:pPr>
             <a:r>
-              <a:rPr lang="en-US" dirty="0" smtClean="0">
+              <a:rPr lang="en-US" sz="2400" dirty="0" smtClean="0">
                 <a:latin typeface="Times New Roman" panose="02020603050405020304" pitchFamily="18" charset="0"/>
                 <a:cs typeface="Times New Roman" panose="02020603050405020304" pitchFamily="18" charset="0"/>
               </a:rPr>
               <a:t>JavaScript</a:t>
             </a:r>
             <a:r>
-              <a:rPr lang="ru-RU" dirty="0" smtClean="0">
+              <a:rPr lang="ru-RU" sz="2400" dirty="0" smtClean="0">
                 <a:latin typeface="Times New Roman" panose="02020603050405020304" pitchFamily="18" charset="0"/>
                 <a:cs typeface="Times New Roman" panose="02020603050405020304" pitchFamily="18" charset="0"/>
               </a:rPr>
               <a:t>, </a:t>
             </a:r>
             <a:r>
-              <a:rPr lang="en-US" dirty="0" smtClean="0">
+              <a:rPr lang="en-US" sz="2400" dirty="0" smtClean="0">
                 <a:latin typeface="Times New Roman" panose="02020603050405020304" pitchFamily="18" charset="0"/>
                 <a:cs typeface="Times New Roman" panose="02020603050405020304" pitchFamily="18" charset="0"/>
               </a:rPr>
               <a:t>React</a:t>
             </a:r>
             <a:r>
-              <a:rPr lang="ru-RU" dirty="0" smtClean="0">
+              <a:rPr lang="ru-RU" sz="2400" dirty="0" smtClean="0">
                 <a:latin typeface="Times New Roman" panose="02020603050405020304" pitchFamily="18" charset="0"/>
                 <a:cs typeface="Times New Roman" panose="02020603050405020304" pitchFamily="18" charset="0"/>
               </a:rPr>
               <a:t>, </a:t>
             </a:r>
             <a:r>
-              <a:rPr lang="en-US" dirty="0" smtClean="0">
-                <a:latin typeface="Times New Roman" panose="02020603050405020304" pitchFamily="18" charset="0"/>
-                <a:cs typeface="Times New Roman" panose="02020603050405020304" pitchFamily="18" charset="0"/>
-              </a:rPr>
-              <a:t>Redux </a:t>
-            </a:r>
-            <a:endParaRPr lang="ru-RU" dirty="0" smtClean="0">
+              <a:rPr lang="en-US" sz="2400" dirty="0" err="1" smtClean="0">
+                <a:latin typeface="Times New Roman" panose="02020603050405020304" pitchFamily="18" charset="0"/>
+                <a:cs typeface="Times New Roman" panose="02020603050405020304" pitchFamily="18" charset="0"/>
+              </a:rPr>
+              <a:t>Redux</a:t>
+            </a:r>
+            <a:r>
+              <a:rPr lang="ru-RU" sz="2400" dirty="0" smtClean="0">
+                <a:latin typeface="Times New Roman" panose="02020603050405020304" pitchFamily="18" charset="0"/>
+                <a:cs typeface="Times New Roman" panose="02020603050405020304" pitchFamily="18" charset="0"/>
+              </a:rPr>
+              <a:t>, </a:t>
+            </a:r>
+            <a:r>
+              <a:rPr lang="en-GB" sz="2400" dirty="0" err="1" smtClean="0">
+                <a:latin typeface="Times New Roman" panose="02020603050405020304" pitchFamily="18" charset="0"/>
+                <a:cs typeface="Times New Roman" panose="02020603050405020304" pitchFamily="18" charset="0"/>
+              </a:rPr>
+              <a:t>MetaMask</a:t>
+            </a:r>
+            <a:r>
+              <a:rPr lang="ru-RU" sz="2400" dirty="0" smtClean="0">
+                <a:latin typeface="Times New Roman" panose="02020603050405020304" pitchFamily="18" charset="0"/>
+                <a:cs typeface="Times New Roman" panose="02020603050405020304" pitchFamily="18" charset="0"/>
+              </a:rPr>
+              <a:t>, </a:t>
+            </a:r>
+            <a:r>
+              <a:rPr lang="en-US" sz="2400" dirty="0">
+                <a:latin typeface="Times New Roman" panose="02020603050405020304" pitchFamily="18" charset="0"/>
+                <a:cs typeface="Times New Roman" panose="02020603050405020304" pitchFamily="18" charset="0"/>
+              </a:rPr>
+              <a:t>web</a:t>
+            </a:r>
+            <a:r>
+              <a:rPr lang="ru-RU" sz="2400" dirty="0">
+                <a:latin typeface="Times New Roman" panose="02020603050405020304" pitchFamily="18" charset="0"/>
+                <a:cs typeface="Times New Roman" panose="02020603050405020304" pitchFamily="18" charset="0"/>
+              </a:rPr>
+              <a:t>3.</a:t>
+            </a:r>
+            <a:r>
+              <a:rPr lang="en-US" sz="2400" dirty="0" err="1" smtClean="0">
+                <a:latin typeface="Times New Roman" panose="02020603050405020304" pitchFamily="18" charset="0"/>
+                <a:cs typeface="Times New Roman" panose="02020603050405020304" pitchFamily="18" charset="0"/>
+              </a:rPr>
+              <a:t>js</a:t>
+            </a:r>
+            <a:endParaRPr lang="ru-RU" sz="2400" dirty="0" smtClean="0">
               <a:latin typeface="Times New Roman" panose="02020603050405020304" pitchFamily="18" charset="0"/>
               <a:cs typeface="Times New Roman" panose="02020603050405020304" pitchFamily="18" charset="0"/>
             </a:endParaRPr>
@@ -7654,27 +7794,20 @@
               </a:lnSpc>
             </a:pPr>
             <a:r>
-              <a:rPr lang="ru-RU" dirty="0">
-                <a:latin typeface="Times New Roman" panose="02020603050405020304" pitchFamily="18" charset="0"/>
-                <a:cs typeface="Times New Roman" panose="02020603050405020304" pitchFamily="18" charset="0"/>
-              </a:rPr>
-              <a:t>Б</a:t>
-            </a:r>
-            <a:r>
-              <a:rPr lang="ru-RU" dirty="0" smtClean="0">
-                <a:latin typeface="Times New Roman" panose="02020603050405020304" pitchFamily="18" charset="0"/>
-                <a:cs typeface="Times New Roman" panose="02020603050405020304" pitchFamily="18" charset="0"/>
-              </a:rPr>
-              <a:t>иблиотека </a:t>
-            </a:r>
-            <a:r>
-              <a:rPr lang="en-US" dirty="0" smtClean="0">
-                <a:latin typeface="Times New Roman" panose="02020603050405020304" pitchFamily="18" charset="0"/>
-                <a:cs typeface="Times New Roman" panose="02020603050405020304" pitchFamily="18" charset="0"/>
-              </a:rPr>
-              <a:t>MUI</a:t>
-            </a:r>
-            <a:endParaRPr lang="ru-RU" dirty="0" smtClean="0">
+              <a:rPr lang="ru-RU" sz="2400" dirty="0" smtClean="0">
+                <a:latin typeface="Times New Roman" panose="02020603050405020304" pitchFamily="18" charset="0"/>
+                <a:cs typeface="Times New Roman" panose="02020603050405020304" pitchFamily="18" charset="0"/>
+              </a:rPr>
+              <a:t>Редактор исходного кода </a:t>
+            </a:r>
+            <a:r>
+              <a:rPr lang="en-US" sz="2400" dirty="0">
+                <a:latin typeface="Times New Roman" panose="02020603050405020304" pitchFamily="18" charset="0"/>
+                <a:cs typeface="Times New Roman" panose="02020603050405020304" pitchFamily="18" charset="0"/>
+              </a:rPr>
+              <a:t>Visual Studio Code </a:t>
+            </a:r>
+            <a:endParaRPr lang="ru-RU" sz="2400" dirty="0">
               <a:latin typeface="Times New Roman" panose="02020603050405020304" pitchFamily="18" charset="0"/>
               <a:cs typeface="Times New Roman" panose="02020603050405020304" pitchFamily="18" charset="0"/>
             </a:endParaRPr>
@@ -7685,102 +7818,16 @@
                 <a:spcPct val="120000"/>
               </a:lnSpc>
             </a:pPr>
-            <a:r>
-              <a:rPr lang="ru-RU" dirty="0">
-                <a:latin typeface="Times New Roman" panose="02020603050405020304" pitchFamily="18" charset="0"/>
-                <a:cs typeface="Times New Roman" panose="02020603050405020304" pitchFamily="18" charset="0"/>
-              </a:rPr>
-              <a:t>Взаимодействие с блокчейном происходит через </a:t>
-            </a:r>
-            <a:r>
-              <a:rPr lang="en-GB" dirty="0">
-                <a:latin typeface="Times New Roman" panose="02020603050405020304" pitchFamily="18" charset="0"/>
-                <a:cs typeface="Times New Roman" panose="02020603050405020304" pitchFamily="18" charset="0"/>
-              </a:rPr>
-              <a:t>MetaMask</a:t>
-            </a:r>
-            <a:r>
-              <a:rPr lang="ru-RU" dirty="0">
-                <a:latin typeface="Times New Roman" panose="02020603050405020304" pitchFamily="18" charset="0"/>
-                <a:cs typeface="Times New Roman" panose="02020603050405020304" pitchFamily="18" charset="0"/>
-              </a:rPr>
-              <a:t> и библиотеку </a:t>
-            </a:r>
-            <a:r>
-              <a:rPr lang="en-US" dirty="0">
-                <a:latin typeface="Times New Roman" panose="02020603050405020304" pitchFamily="18" charset="0"/>
-                <a:cs typeface="Times New Roman" panose="02020603050405020304" pitchFamily="18" charset="0"/>
-              </a:rPr>
-              <a:t>web</a:t>
-            </a:r>
-            <a:r>
-              <a:rPr lang="ru-RU" dirty="0">
-                <a:latin typeface="Times New Roman" panose="02020603050405020304" pitchFamily="18" charset="0"/>
-                <a:cs typeface="Times New Roman" panose="02020603050405020304" pitchFamily="18" charset="0"/>
-              </a:rPr>
-              <a:t>3.</a:t>
-            </a:r>
-            <a:r>
-              <a:rPr lang="en-US" dirty="0" err="1" smtClean="0">
-                <a:latin typeface="Times New Roman" panose="02020603050405020304" pitchFamily="18" charset="0"/>
-                <a:cs typeface="Times New Roman" panose="02020603050405020304" pitchFamily="18" charset="0"/>
-              </a:rPr>
-              <a:t>js</a:t>
-            </a:r>
-            <a:endParaRPr lang="ru-RU" dirty="0">
+            <a:endParaRPr lang="ru-RU" sz="2400" dirty="0">
               <a:latin typeface="Times New Roman" panose="02020603050405020304" pitchFamily="18" charset="0"/>
               <a:cs typeface="Times New Roman" panose="02020603050405020304" pitchFamily="18" charset="0"/>
             </a:endParaRPr>
           </a:p>
-          <a:p>
-            <a:pPr marL="0" indent="0">
-              <a:lnSpc>
-                <a:spcPct val="120000"/>
-              </a:lnSpc>
-              <a:buNone/>
-            </a:pPr>
-            <a:r>
-              <a:rPr lang="ru-RU" dirty="0" smtClean="0">
-                <a:latin typeface="Times New Roman" panose="02020603050405020304" pitchFamily="18" charset="0"/>
-                <a:cs typeface="Times New Roman" panose="02020603050405020304" pitchFamily="18" charset="0"/>
-              </a:rPr>
-              <a:t>Разработка </a:t>
-            </a:r>
-            <a:r>
-              <a:rPr lang="ru-RU" dirty="0">
-                <a:latin typeface="Times New Roman" panose="02020603050405020304" pitchFamily="18" charset="0"/>
-                <a:cs typeface="Times New Roman" panose="02020603050405020304" pitchFamily="18" charset="0"/>
-              </a:rPr>
-              <a:t>серверной и клиентской части приложения велась в редакторе исходного кода </a:t>
-            </a:r>
-            <a:r>
-              <a:rPr lang="en-US" dirty="0">
-                <a:latin typeface="Times New Roman" panose="02020603050405020304" pitchFamily="18" charset="0"/>
-                <a:cs typeface="Times New Roman" panose="02020603050405020304" pitchFamily="18" charset="0"/>
-              </a:rPr>
-              <a:t>Visual Studio Code </a:t>
-            </a:r>
-            <a:endParaRPr lang="ru-RU" dirty="0">
-              <a:latin typeface="Times New Roman" panose="02020603050405020304" pitchFamily="18" charset="0"/>
-              <a:cs typeface="Times New Roman" panose="02020603050405020304" pitchFamily="18" charset="0"/>
-            </a:endParaRPr>
-          </a:p>
-          <a:p>
-            <a:pPr>
-              <a:lnSpc>
-                <a:spcPct val="120000"/>
-              </a:lnSpc>
-            </a:pPr>
-            <a:endParaRPr lang="ru-RU" dirty="0">
-              <a:latin typeface="Times New Roman" panose="02020603050405020304" pitchFamily="18" charset="0"/>
-              <a:cs typeface="Times New Roman" panose="02020603050405020304" pitchFamily="18" charset="0"/>
-            </a:endParaRPr>
-          </a:p>
-        </p:txBody>
-      </p:sp>
-      <p:sp>
-        <p:nvSpPr>
-          <p:cNvPr id="5" name="TextBox 5">
+        </p:txBody>
+      </p:sp>
+      <p:sp>
+        <p:nvSpPr>
+          <p:cNvPr id="12" name="TextBox 5">
             <a:extLst>
               <a:ext uri="{FF2B5EF4-FFF2-40B4-BE49-F238E27FC236}">
                 <a16:creationId xmlns:a16="http://schemas.microsoft.com/office/drawing/2014/main" xmlns="" xmlns:lc="http://schemas.openxmlformats.org/drawingml/2006/lockedCanvas" id="{F7043567-4147-88C3-F094-05513D23DB95}"/>
@@ -7792,8 +7839,8 @@
         </p:nvSpPr>
         <p:spPr>
           <a:xfrm>
-            <a:off x="8063344" y="6427113"/>
-            <a:ext cx="1080656" cy="430887"/>
+            <a:off x="8240443" y="6426366"/>
+            <a:ext cx="903557" cy="400110"/>
           </a:xfrm>
           <a:prstGeom prst="rect">
             <a:avLst/>
@@ -7901,24 +7948,35 @@
           </a:lstStyle>
           <a:p>
             <a:r>
-              <a:rPr lang="ru-RU" sz="2200" dirty="0">
-                <a:latin typeface="Times New Roman" panose="02020603050405020304" pitchFamily="18" charset="0"/>
-                <a:cs typeface="Times New Roman" panose="02020603050405020304" pitchFamily="18" charset="0"/>
-              </a:rPr>
-              <a:t>12/18</a:t>
-            </a:r>
-          </a:p>
-        </p:txBody>
-      </p:sp>
-      <p:sp>
-        <p:nvSpPr>
-          <p:cNvPr id="7" name="Прямоугольник 6"/>
+              <a:rPr lang="ru-RU" sz="2000" dirty="0" smtClean="0">
+                <a:latin typeface="Times New Roman" panose="02020603050405020304" pitchFamily="18" charset="0"/>
+                <a:cs typeface="Times New Roman" panose="02020603050405020304" pitchFamily="18" charset="0"/>
+              </a:rPr>
+              <a:t>12/</a:t>
+            </a:r>
+            <a:r>
+              <a:rPr lang="en-US" sz="2000" dirty="0" smtClean="0">
+                <a:latin typeface="Times New Roman" panose="02020603050405020304" pitchFamily="18" charset="0"/>
+                <a:cs typeface="Times New Roman" panose="02020603050405020304" pitchFamily="18" charset="0"/>
+              </a:rPr>
+              <a:t>20</a:t>
+            </a:r>
+            <a:endParaRPr lang="ru-RU" sz="2200" dirty="0">
+              <a:latin typeface="Times New Roman" panose="02020603050405020304" pitchFamily="18" charset="0"/>
+              <a:cs typeface="Times New Roman" panose="02020603050405020304" pitchFamily="18" charset="0"/>
+            </a:endParaRPr>
+          </a:p>
+        </p:txBody>
+      </p:sp>
+      <p:sp>
+        <p:nvSpPr>
+          <p:cNvPr id="13" name="Прямоугольник 12"/>
           <p:cNvSpPr/>
           <p:nvPr/>
         </p:nvSpPr>
         <p:spPr>
           <a:xfrm>
-            <a:off x="0" y="6194985"/>
+            <a:off x="0" y="6087812"/>
             <a:ext cx="2569934" cy="369332"/>
           </a:xfrm>
           <a:prstGeom prst="rect">
@@ -7943,14 +8001,14 @@
       </p:sp>
       <p:sp>
         <p:nvSpPr>
-          <p:cNvPr id="8" name="Прямоугольник 7"/>
+          <p:cNvPr id="14" name="Прямоугольник 13"/>
           <p:cNvSpPr/>
           <p:nvPr/>
         </p:nvSpPr>
         <p:spPr>
           <a:xfrm>
-            <a:off x="0" y="6513630"/>
-            <a:ext cx="4063035" cy="400110"/>
+            <a:off x="0" y="6457144"/>
+            <a:ext cx="3995709" cy="369332"/>
           </a:xfrm>
           <a:prstGeom prst="rect">
             <a:avLst/>
@@ -7963,23 +8021,12 @@
           <a:lstStyle/>
           <a:p>
             <a:r>
-              <a:rPr lang="ru-RU" sz="2000" dirty="0">
-                <a:latin typeface="Times New Roman" panose="02020603050405020304" pitchFamily="18" charset="0"/>
-                <a:cs typeface="Times New Roman" panose="02020603050405020304" pitchFamily="18" charset="0"/>
-              </a:rPr>
-              <a:t>https://</a:t>
-            </a:r>
-            <a:r>
               <a:rPr lang="ru-RU" dirty="0">
                 <a:latin typeface="Times New Roman" panose="02020603050405020304" pitchFamily="18" charset="0"/>
                 <a:cs typeface="Times New Roman" panose="02020603050405020304" pitchFamily="18" charset="0"/>
               </a:rPr>
-              <a:t>github.com/wbogatyrewa/EVoting</a:t>
-            </a:r>
-            <a:endParaRPr lang="ru-RU" sz="2000" dirty="0">
-              <a:latin typeface="Times New Roman" panose="02020603050405020304" pitchFamily="18" charset="0"/>
-              <a:cs typeface="Times New Roman" panose="02020603050405020304" pitchFamily="18" charset="0"/>
-            </a:endParaRPr>
+              <a:t>https://github.com/wbogatyrewa/EVoting</a:t>
+            </a:r>
           </a:p>
         </p:txBody>
       </p:sp>
@@ -8032,7 +8079,7 @@
         </p:nvSpPr>
         <p:spPr>
           <a:xfrm>
-            <a:off x="-529" y="140222"/>
+            <a:off x="-529" y="60288"/>
             <a:ext cx="9144000" cy="895639"/>
           </a:xfrm>
         </p:spPr>
@@ -8044,7 +8091,7 @@
           <a:p>
             <a:pPr algn="ctr"/>
             <a:r>
-              <a:rPr lang="ru-RU" sz="3600" b="1" dirty="0">
+              <a:rPr lang="ru-RU" sz="3000" b="1" dirty="0">
                 <a:latin typeface="Times New Roman" panose="02020603050405020304" pitchFamily="18" charset="0"/>
                 <a:cs typeface="Times New Roman" panose="02020603050405020304" pitchFamily="18" charset="0"/>
               </a:rPr>
@@ -8055,7 +8102,7 @@
       </p:sp>
       <p:sp>
         <p:nvSpPr>
-          <p:cNvPr id="5" name="TextBox 5">
+          <p:cNvPr id="10" name="TextBox 5">
             <a:extLst>
               <a:ext uri="{FF2B5EF4-FFF2-40B4-BE49-F238E27FC236}">
                 <a16:creationId xmlns:a16="http://schemas.microsoft.com/office/drawing/2014/main" xmlns="" xmlns:lc="http://schemas.openxmlformats.org/drawingml/2006/lockedCanvas" id="{F7043567-4147-88C3-F094-05513D23DB95}"/>
@@ -8067,8 +8114,8 @@
         </p:nvSpPr>
         <p:spPr>
           <a:xfrm>
-            <a:off x="7924799" y="6334781"/>
-            <a:ext cx="1080656" cy="430887"/>
+            <a:off x="8240443" y="6426366"/>
+            <a:ext cx="903557" cy="400110"/>
           </a:xfrm>
           <a:prstGeom prst="rect">
             <a:avLst/>
@@ -8176,25 +8223,36 @@
           </a:lstStyle>
           <a:p>
             <a:r>
-              <a:rPr lang="ru-RU" sz="2200" dirty="0">
-                <a:latin typeface="Times New Roman" panose="02020603050405020304" pitchFamily="18" charset="0"/>
-                <a:cs typeface="Times New Roman" panose="02020603050405020304" pitchFamily="18" charset="0"/>
-              </a:rPr>
-              <a:t>13/18</a:t>
-            </a:r>
-          </a:p>
-        </p:txBody>
-      </p:sp>
-      <p:sp>
-        <p:nvSpPr>
-          <p:cNvPr id="7" name="Прямоугольник 6"/>
+              <a:rPr lang="ru-RU" sz="2000" dirty="0" smtClean="0">
+                <a:latin typeface="Times New Roman" panose="02020603050405020304" pitchFamily="18" charset="0"/>
+                <a:cs typeface="Times New Roman" panose="02020603050405020304" pitchFamily="18" charset="0"/>
+              </a:rPr>
+              <a:t>13/</a:t>
+            </a:r>
+            <a:r>
+              <a:rPr lang="en-US" sz="2000" dirty="0" smtClean="0">
+                <a:latin typeface="Times New Roman" panose="02020603050405020304" pitchFamily="18" charset="0"/>
+                <a:cs typeface="Times New Roman" panose="02020603050405020304" pitchFamily="18" charset="0"/>
+              </a:rPr>
+              <a:t>20</a:t>
+            </a:r>
+            <a:endParaRPr lang="ru-RU" sz="2200" dirty="0">
+              <a:latin typeface="Times New Roman" panose="02020603050405020304" pitchFamily="18" charset="0"/>
+              <a:cs typeface="Times New Roman" panose="02020603050405020304" pitchFamily="18" charset="0"/>
+            </a:endParaRPr>
+          </a:p>
+        </p:txBody>
+      </p:sp>
+      <p:sp>
+        <p:nvSpPr>
+          <p:cNvPr id="11" name="Прямоугольник 10"/>
           <p:cNvSpPr/>
           <p:nvPr/>
         </p:nvSpPr>
         <p:spPr>
           <a:xfrm>
-            <a:off x="0" y="5981495"/>
-            <a:ext cx="2826415" cy="400110"/>
+            <a:off x="0" y="6087812"/>
+            <a:ext cx="2569934" cy="369332"/>
           </a:xfrm>
           <a:prstGeom prst="rect">
             <a:avLst/>
@@ -8207,7 +8265,7 @@
           <a:lstStyle/>
           <a:p>
             <a:r>
-              <a:rPr lang="ru-RU" sz="2000" dirty="0">
+              <a:rPr lang="ru-RU" dirty="0">
                 <a:latin typeface="Times New Roman" panose="02020603050405020304" pitchFamily="18" charset="0"/>
                 <a:cs typeface="Times New Roman" panose="02020603050405020304" pitchFamily="18" charset="0"/>
               </a:rPr>
@@ -8218,14 +8276,14 @@
       </p:sp>
       <p:sp>
         <p:nvSpPr>
-          <p:cNvPr id="8" name="Прямоугольник 7"/>
+          <p:cNvPr id="12" name="Прямоугольник 11"/>
           <p:cNvSpPr/>
           <p:nvPr/>
         </p:nvSpPr>
         <p:spPr>
           <a:xfrm>
-            <a:off x="0" y="6362992"/>
-            <a:ext cx="4410759" cy="400110"/>
+            <a:off x="0" y="6457144"/>
+            <a:ext cx="3995709" cy="369332"/>
           </a:xfrm>
           <a:prstGeom prst="rect">
             <a:avLst/>
@@ -8238,7 +8296,7 @@
           <a:lstStyle/>
           <a:p>
             <a:r>
-              <a:rPr lang="ru-RU" sz="2000" dirty="0">
+              <a:rPr lang="ru-RU" dirty="0">
                 <a:latin typeface="Times New Roman" panose="02020603050405020304" pitchFamily="18" charset="0"/>
                 <a:cs typeface="Times New Roman" panose="02020603050405020304" pitchFamily="18" charset="0"/>
               </a:rPr>
@@ -8249,13 +8307,11 @@
       </p:sp>
       <p:pic>
         <p:nvPicPr>
-          <p:cNvPr id="9" name="Объект 8"/>
+          <p:cNvPr id="6" name="Рисунок 5"/>
           <p:cNvPicPr>
-            <a:picLocks noGrp="1" noChangeAspect="1"/>
+            <a:picLocks noChangeAspect="1"/>
           </p:cNvPicPr>
-          <p:nvPr>
-            <p:ph idx="1"/>
-          </p:nvPr>
+          <p:nvPr/>
         </p:nvPicPr>
         <p:blipFill>
           <a:blip r:embed="rId3"/>
@@ -8265,8 +8321,8 @@
         </p:blipFill>
         <p:spPr>
           <a:xfrm>
-            <a:off x="296140" y="1277137"/>
-            <a:ext cx="8550663" cy="4221806"/>
+            <a:off x="760961" y="955927"/>
+            <a:ext cx="7621019" cy="5004086"/>
           </a:xfrm>
           <a:prstGeom prst="rect">
             <a:avLst/>
@@ -8327,7 +8383,7 @@
         </p:nvSpPr>
         <p:spPr>
           <a:xfrm>
-            <a:off x="-1" y="1"/>
+            <a:off x="-1" y="60289"/>
             <a:ext cx="9144001" cy="895639"/>
           </a:xfrm>
         </p:spPr>
@@ -8339,7 +8395,7 @@
           <a:p>
             <a:pPr algn="ctr"/>
             <a:r>
-              <a:rPr lang="ru-RU" sz="3600" b="1" dirty="0">
+              <a:rPr lang="ru-RU" sz="3000" b="1" dirty="0">
                 <a:latin typeface="Times New Roman" panose="02020603050405020304" pitchFamily="18" charset="0"/>
                 <a:cs typeface="Times New Roman" panose="02020603050405020304" pitchFamily="18" charset="0"/>
               </a:rPr>
@@ -8348,38 +8404,233 @@
           </a:p>
         </p:txBody>
       </p:sp>
-      <p:pic>
-        <p:nvPicPr>
-          <p:cNvPr id="5" name="Объект 4" descr="C:\Users\veron\OneDrive\Рабочий стол\susu\4 курс\диплом\image 1.png"/>
-          <p:cNvPicPr>
-            <a:picLocks noGrp="1"/>
-          </p:cNvPicPr>
-          <p:nvPr>
-            <p:ph idx="1"/>
-          </p:nvPr>
-        </p:nvPicPr>
-        <p:blipFill>
-          <a:blip r:embed="rId3">
+      <p:sp>
+        <p:nvSpPr>
+          <p:cNvPr id="8" name="TextBox 5">
             <a:extLst>
-              <a:ext uri="{28A0092B-C50C-407E-A947-70E740481C1C}">
-                <a14:useLocalDpi xmlns:a14="http://schemas.microsoft.com/office/drawing/2010/main" val="0"/>
+              <a:ext uri="{FF2B5EF4-FFF2-40B4-BE49-F238E27FC236}">
+                <a16:creationId xmlns:a16="http://schemas.microsoft.com/office/drawing/2014/main" xmlns="" xmlns:lc="http://schemas.openxmlformats.org/drawingml/2006/lockedCanvas" id="{F7043567-4147-88C3-F094-05513D23DB95}"/>
               </a:ext>
             </a:extLst>
-          </a:blip>
-          <a:srcRect/>
-          <a:stretch>
-            <a:fillRect/>
-          </a:stretch>
-        </p:blipFill>
-        <p:spPr bwMode="auto">
+          </p:cNvPr>
+          <p:cNvSpPr txBox="1"/>
+          <p:nvPr/>
+        </p:nvSpPr>
+        <p:spPr>
           <a:xfrm>
-            <a:off x="669431" y="1096842"/>
-            <a:ext cx="3888715" cy="4539481"/>
+            <a:off x="8240443" y="6426366"/>
+            <a:ext cx="903557" cy="400110"/>
           </a:xfrm>
           <a:prstGeom prst="rect">
             <a:avLst/>
           </a:prstGeom>
           <a:noFill/>
+        </p:spPr>
+        <p:txBody>
+          <a:bodyPr wrap="square" rtlCol="0">
+            <a:spAutoFit/>
+          </a:bodyPr>
+          <a:lstStyle>
+            <a:defPPr>
+              <a:defRPr lang="ru-RU"/>
+            </a:defPPr>
+            <a:lvl1pPr marL="0" algn="l" defTabSz="914400" rtl="0" eaLnBrk="1" latinLnBrk="0" hangingPunct="1">
+              <a:defRPr sz="1800" kern="1200">
+                <a:solidFill>
+                  <a:schemeClr val="tx1"/>
+                </a:solidFill>
+                <a:latin typeface="+mn-lt"/>
+                <a:ea typeface="+mn-ea"/>
+                <a:cs typeface="+mn-cs"/>
+              </a:defRPr>
+            </a:lvl1pPr>
+            <a:lvl2pPr marL="457200" algn="l" defTabSz="914400" rtl="0" eaLnBrk="1" latinLnBrk="0" hangingPunct="1">
+              <a:defRPr sz="1800" kern="1200">
+                <a:solidFill>
+                  <a:schemeClr val="tx1"/>
+                </a:solidFill>
+                <a:latin typeface="+mn-lt"/>
+                <a:ea typeface="+mn-ea"/>
+                <a:cs typeface="+mn-cs"/>
+              </a:defRPr>
+            </a:lvl2pPr>
+            <a:lvl3pPr marL="914400" algn="l" defTabSz="914400" rtl="0" eaLnBrk="1" latinLnBrk="0" hangingPunct="1">
+              <a:defRPr sz="1800" kern="1200">
+                <a:solidFill>
+                  <a:schemeClr val="tx1"/>
+                </a:solidFill>
+                <a:latin typeface="+mn-lt"/>
+                <a:ea typeface="+mn-ea"/>
+                <a:cs typeface="+mn-cs"/>
+              </a:defRPr>
+            </a:lvl3pPr>
+            <a:lvl4pPr marL="1371600" algn="l" defTabSz="914400" rtl="0" eaLnBrk="1" latinLnBrk="0" hangingPunct="1">
+              <a:defRPr sz="1800" kern="1200">
+                <a:solidFill>
+                  <a:schemeClr val="tx1"/>
+                </a:solidFill>
+                <a:latin typeface="+mn-lt"/>
+                <a:ea typeface="+mn-ea"/>
+                <a:cs typeface="+mn-cs"/>
+              </a:defRPr>
+            </a:lvl4pPr>
+            <a:lvl5pPr marL="1828800" algn="l" defTabSz="914400" rtl="0" eaLnBrk="1" latinLnBrk="0" hangingPunct="1">
+              <a:defRPr sz="1800" kern="1200">
+                <a:solidFill>
+                  <a:schemeClr val="tx1"/>
+                </a:solidFill>
+                <a:latin typeface="+mn-lt"/>
+                <a:ea typeface="+mn-ea"/>
+                <a:cs typeface="+mn-cs"/>
+              </a:defRPr>
+            </a:lvl5pPr>
+            <a:lvl6pPr marL="2286000" algn="l" defTabSz="914400" rtl="0" eaLnBrk="1" latinLnBrk="0" hangingPunct="1">
+              <a:defRPr sz="1800" kern="1200">
+                <a:solidFill>
+                  <a:schemeClr val="tx1"/>
+                </a:solidFill>
+                <a:latin typeface="+mn-lt"/>
+                <a:ea typeface="+mn-ea"/>
+                <a:cs typeface="+mn-cs"/>
+              </a:defRPr>
+            </a:lvl6pPr>
+            <a:lvl7pPr marL="2743200" algn="l" defTabSz="914400" rtl="0" eaLnBrk="1" latinLnBrk="0" hangingPunct="1">
+              <a:defRPr sz="1800" kern="1200">
+                <a:solidFill>
+                  <a:schemeClr val="tx1"/>
+                </a:solidFill>
+                <a:latin typeface="+mn-lt"/>
+                <a:ea typeface="+mn-ea"/>
+                <a:cs typeface="+mn-cs"/>
+              </a:defRPr>
+            </a:lvl7pPr>
+            <a:lvl8pPr marL="3200400" algn="l" defTabSz="914400" rtl="0" eaLnBrk="1" latinLnBrk="0" hangingPunct="1">
+              <a:defRPr sz="1800" kern="1200">
+                <a:solidFill>
+                  <a:schemeClr val="tx1"/>
+                </a:solidFill>
+                <a:latin typeface="+mn-lt"/>
+                <a:ea typeface="+mn-ea"/>
+                <a:cs typeface="+mn-cs"/>
+              </a:defRPr>
+            </a:lvl8pPr>
+            <a:lvl9pPr marL="3657600" algn="l" defTabSz="914400" rtl="0" eaLnBrk="1" latinLnBrk="0" hangingPunct="1">
+              <a:defRPr sz="1800" kern="1200">
+                <a:solidFill>
+                  <a:schemeClr val="tx1"/>
+                </a:solidFill>
+                <a:latin typeface="+mn-lt"/>
+                <a:ea typeface="+mn-ea"/>
+                <a:cs typeface="+mn-cs"/>
+              </a:defRPr>
+            </a:lvl9pPr>
+          </a:lstStyle>
+          <a:p>
+            <a:r>
+              <a:rPr lang="ru-RU" sz="2000" dirty="0" smtClean="0">
+                <a:latin typeface="Times New Roman" panose="02020603050405020304" pitchFamily="18" charset="0"/>
+                <a:cs typeface="Times New Roman" panose="02020603050405020304" pitchFamily="18" charset="0"/>
+              </a:rPr>
+              <a:t>14/</a:t>
+            </a:r>
+            <a:r>
+              <a:rPr lang="en-US" sz="2000" dirty="0" smtClean="0">
+                <a:latin typeface="Times New Roman" panose="02020603050405020304" pitchFamily="18" charset="0"/>
+                <a:cs typeface="Times New Roman" panose="02020603050405020304" pitchFamily="18" charset="0"/>
+              </a:rPr>
+              <a:t>20</a:t>
+            </a:r>
+            <a:endParaRPr lang="ru-RU" sz="2200" dirty="0">
+              <a:latin typeface="Times New Roman" panose="02020603050405020304" pitchFamily="18" charset="0"/>
+              <a:cs typeface="Times New Roman" panose="02020603050405020304" pitchFamily="18" charset="0"/>
+            </a:endParaRPr>
+          </a:p>
+        </p:txBody>
+      </p:sp>
+      <p:sp>
+        <p:nvSpPr>
+          <p:cNvPr id="11" name="Прямоугольник 10"/>
+          <p:cNvSpPr/>
+          <p:nvPr/>
+        </p:nvSpPr>
+        <p:spPr>
+          <a:xfrm>
+            <a:off x="0" y="6087812"/>
+            <a:ext cx="2569934" cy="369332"/>
+          </a:xfrm>
+          <a:prstGeom prst="rect">
+            <a:avLst/>
+          </a:prstGeom>
+        </p:spPr>
+        <p:txBody>
+          <a:bodyPr wrap="none">
+            <a:spAutoFit/>
+          </a:bodyPr>
+          <a:lstStyle/>
+          <a:p>
+            <a:r>
+              <a:rPr lang="ru-RU" dirty="0">
+                <a:latin typeface="Times New Roman" panose="02020603050405020304" pitchFamily="18" charset="0"/>
+                <a:cs typeface="Times New Roman" panose="02020603050405020304" pitchFamily="18" charset="0"/>
+              </a:rPr>
+              <a:t>http://veronijo.beget.tech/</a:t>
+            </a:r>
+          </a:p>
+        </p:txBody>
+      </p:sp>
+      <p:sp>
+        <p:nvSpPr>
+          <p:cNvPr id="12" name="Прямоугольник 11"/>
+          <p:cNvSpPr/>
+          <p:nvPr/>
+        </p:nvSpPr>
+        <p:spPr>
+          <a:xfrm>
+            <a:off x="0" y="6457144"/>
+            <a:ext cx="3995709" cy="369332"/>
+          </a:xfrm>
+          <a:prstGeom prst="rect">
+            <a:avLst/>
+          </a:prstGeom>
+        </p:spPr>
+        <p:txBody>
+          <a:bodyPr wrap="none">
+            <a:spAutoFit/>
+          </a:bodyPr>
+          <a:lstStyle/>
+          <a:p>
+            <a:r>
+              <a:rPr lang="ru-RU" dirty="0">
+                <a:latin typeface="Times New Roman" panose="02020603050405020304" pitchFamily="18" charset="0"/>
+                <a:cs typeface="Times New Roman" panose="02020603050405020304" pitchFamily="18" charset="0"/>
+              </a:rPr>
+              <a:t>https://github.com/wbogatyrewa/EVoting</a:t>
+            </a:r>
+          </a:p>
+        </p:txBody>
+      </p:sp>
+      <p:pic>
+        <p:nvPicPr>
+          <p:cNvPr id="4" name="Рисунок 3"/>
+          <p:cNvPicPr>
+            <a:picLocks noChangeAspect="1"/>
+          </p:cNvPicPr>
+          <p:nvPr/>
+        </p:nvPicPr>
+        <p:blipFill>
+          <a:blip r:embed="rId3"/>
+          <a:stretch>
+            <a:fillRect/>
+          </a:stretch>
+        </p:blipFill>
+        <p:spPr>
+          <a:xfrm>
+            <a:off x="567886" y="955928"/>
+            <a:ext cx="4004096" cy="4984164"/>
+          </a:xfrm>
+          <a:prstGeom prst="rect">
+            <a:avLst/>
+          </a:prstGeom>
           <a:ln>
             <a:solidFill>
               <a:schemeClr val="tx1"/>
@@ -8389,32 +8640,25 @@
       </p:pic>
       <p:pic>
         <p:nvPicPr>
-          <p:cNvPr id="6" name="Рисунок 5" descr="C:\Users\veron\OneDrive\Рабочий стол\susu\4 курс\диплом\image 2.png"/>
-          <p:cNvPicPr/>
+          <p:cNvPr id="7" name="Рисунок 6"/>
+          <p:cNvPicPr>
+            <a:picLocks noChangeAspect="1"/>
+          </p:cNvPicPr>
           <p:nvPr/>
         </p:nvPicPr>
-        <p:blipFill>
-          <a:blip r:embed="rId4">
-            <a:extLst>
-              <a:ext uri="{28A0092B-C50C-407E-A947-70E740481C1C}">
-                <a14:useLocalDpi xmlns:a14="http://schemas.microsoft.com/office/drawing/2010/main" val="0"/>
-              </a:ext>
-            </a:extLst>
-          </a:blip>
-          <a:srcRect/>
-          <a:stretch>
-            <a:fillRect/>
-          </a:stretch>
+        <p:blipFill rotWithShape="1">
+          <a:blip r:embed="rId4"/>
+          <a:srcRect b="1016"/>
+          <a:stretch/>
         </p:blipFill>
-        <p:spPr bwMode="auto">
+        <p:spPr>
           <a:xfrm>
-            <a:off x="4782631" y="1094508"/>
-            <a:ext cx="3947159" cy="4541815"/>
+            <a:off x="4782876" y="955928"/>
+            <a:ext cx="4007436" cy="4984164"/>
           </a:xfrm>
           <a:prstGeom prst="rect">
             <a:avLst/>
           </a:prstGeom>
-          <a:noFill/>
           <a:ln>
             <a:solidFill>
               <a:schemeClr val="tx1"/>
@@ -8422,200 +8666,6 @@
           </a:ln>
         </p:spPr>
       </p:pic>
-      <p:sp>
-        <p:nvSpPr>
-          <p:cNvPr id="7" name="TextBox 5">
-            <a:extLst>
-              <a:ext uri="{FF2B5EF4-FFF2-40B4-BE49-F238E27FC236}">
-                <a16:creationId xmlns:a16="http://schemas.microsoft.com/office/drawing/2014/main" xmlns="" xmlns:lc="http://schemas.openxmlformats.org/drawingml/2006/lockedCanvas" id="{F7043567-4147-88C3-F094-05513D23DB95}"/>
-              </a:ext>
-            </a:extLst>
-          </p:cNvPr>
-          <p:cNvSpPr txBox="1"/>
-          <p:nvPr/>
-        </p:nvSpPr>
-        <p:spPr>
-          <a:xfrm>
-            <a:off x="7938654" y="6334781"/>
-            <a:ext cx="1080656" cy="430887"/>
-          </a:xfrm>
-          <a:prstGeom prst="rect">
-            <a:avLst/>
-          </a:prstGeom>
-          <a:noFill/>
-        </p:spPr>
-        <p:txBody>
-          <a:bodyPr wrap="square" rtlCol="0">
-            <a:spAutoFit/>
-          </a:bodyPr>
-          <a:lstStyle>
-            <a:defPPr>
-              <a:defRPr lang="ru-RU"/>
-            </a:defPPr>
-            <a:lvl1pPr marL="0" algn="l" defTabSz="914400" rtl="0" eaLnBrk="1" latinLnBrk="0" hangingPunct="1">
-              <a:defRPr sz="1800" kern="1200">
-                <a:solidFill>
-                  <a:schemeClr val="tx1"/>
-                </a:solidFill>
-                <a:latin typeface="+mn-lt"/>
-                <a:ea typeface="+mn-ea"/>
-                <a:cs typeface="+mn-cs"/>
-              </a:defRPr>
-            </a:lvl1pPr>
-            <a:lvl2pPr marL="457200" algn="l" defTabSz="914400" rtl="0" eaLnBrk="1" latinLnBrk="0" hangingPunct="1">
-              <a:defRPr sz="1800" kern="1200">
-                <a:solidFill>
-                  <a:schemeClr val="tx1"/>
-                </a:solidFill>
-                <a:latin typeface="+mn-lt"/>
-                <a:ea typeface="+mn-ea"/>
-                <a:cs typeface="+mn-cs"/>
-              </a:defRPr>
-            </a:lvl2pPr>
-            <a:lvl3pPr marL="914400" algn="l" defTabSz="914400" rtl="0" eaLnBrk="1" latinLnBrk="0" hangingPunct="1">
-              <a:defRPr sz="1800" kern="1200">
-                <a:solidFill>
-                  <a:schemeClr val="tx1"/>
-                </a:solidFill>
-                <a:latin typeface="+mn-lt"/>
-                <a:ea typeface="+mn-ea"/>
-                <a:cs typeface="+mn-cs"/>
-              </a:defRPr>
-            </a:lvl3pPr>
-            <a:lvl4pPr marL="1371600" algn="l" defTabSz="914400" rtl="0" eaLnBrk="1" latinLnBrk="0" hangingPunct="1">
-              <a:defRPr sz="1800" kern="1200">
-                <a:solidFill>
-                  <a:schemeClr val="tx1"/>
-                </a:solidFill>
-                <a:latin typeface="+mn-lt"/>
-                <a:ea typeface="+mn-ea"/>
-                <a:cs typeface="+mn-cs"/>
-              </a:defRPr>
-            </a:lvl4pPr>
-            <a:lvl5pPr marL="1828800" algn="l" defTabSz="914400" rtl="0" eaLnBrk="1" latinLnBrk="0" hangingPunct="1">
-              <a:defRPr sz="1800" kern="1200">
-                <a:solidFill>
-                  <a:schemeClr val="tx1"/>
-                </a:solidFill>
-                <a:latin typeface="+mn-lt"/>
-                <a:ea typeface="+mn-ea"/>
-                <a:cs typeface="+mn-cs"/>
-              </a:defRPr>
-            </a:lvl5pPr>
-            <a:lvl6pPr marL="2286000" algn="l" defTabSz="914400" rtl="0" eaLnBrk="1" latinLnBrk="0" hangingPunct="1">
-              <a:defRPr sz="1800" kern="1200">
-                <a:solidFill>
-                  <a:schemeClr val="tx1"/>
-                </a:solidFill>
-                <a:latin typeface="+mn-lt"/>
-                <a:ea typeface="+mn-ea"/>
-                <a:cs typeface="+mn-cs"/>
-              </a:defRPr>
-            </a:lvl6pPr>
-            <a:lvl7pPr marL="2743200" algn="l" defTabSz="914400" rtl="0" eaLnBrk="1" latinLnBrk="0" hangingPunct="1">
-              <a:defRPr sz="1800" kern="1200">
-                <a:solidFill>
-                  <a:schemeClr val="tx1"/>
-                </a:solidFill>
-                <a:latin typeface="+mn-lt"/>
-                <a:ea typeface="+mn-ea"/>
-                <a:cs typeface="+mn-cs"/>
-              </a:defRPr>
-            </a:lvl7pPr>
-            <a:lvl8pPr marL="3200400" algn="l" defTabSz="914400" rtl="0" eaLnBrk="1" latinLnBrk="0" hangingPunct="1">
-              <a:defRPr sz="1800" kern="1200">
-                <a:solidFill>
-                  <a:schemeClr val="tx1"/>
-                </a:solidFill>
-                <a:latin typeface="+mn-lt"/>
-                <a:ea typeface="+mn-ea"/>
-                <a:cs typeface="+mn-cs"/>
-              </a:defRPr>
-            </a:lvl8pPr>
-            <a:lvl9pPr marL="3657600" algn="l" defTabSz="914400" rtl="0" eaLnBrk="1" latinLnBrk="0" hangingPunct="1">
-              <a:defRPr sz="1800" kern="1200">
-                <a:solidFill>
-                  <a:schemeClr val="tx1"/>
-                </a:solidFill>
-                <a:latin typeface="+mn-lt"/>
-                <a:ea typeface="+mn-ea"/>
-                <a:cs typeface="+mn-cs"/>
-              </a:defRPr>
-            </a:lvl9pPr>
-          </a:lstStyle>
-          <a:p>
-            <a:r>
-              <a:rPr lang="ru-RU" sz="2200" dirty="0">
-                <a:latin typeface="Times New Roman" panose="02020603050405020304" pitchFamily="18" charset="0"/>
-                <a:cs typeface="Times New Roman" panose="02020603050405020304" pitchFamily="18" charset="0"/>
-              </a:rPr>
-              <a:t>14/18</a:t>
-            </a:r>
-          </a:p>
-        </p:txBody>
-      </p:sp>
-      <p:sp>
-        <p:nvSpPr>
-          <p:cNvPr id="9" name="Прямоугольник 8"/>
-          <p:cNvSpPr/>
-          <p:nvPr/>
-        </p:nvSpPr>
-        <p:spPr>
-          <a:xfrm>
-            <a:off x="0" y="5981495"/>
-            <a:ext cx="2826415" cy="400110"/>
-          </a:xfrm>
-          <a:prstGeom prst="rect">
-            <a:avLst/>
-          </a:prstGeom>
-        </p:spPr>
-        <p:txBody>
-          <a:bodyPr wrap="none">
-            <a:spAutoFit/>
-          </a:bodyPr>
-          <a:lstStyle/>
-          <a:p>
-            <a:r>
-              <a:rPr lang="ru-RU" sz="2000" dirty="0">
-                <a:latin typeface="Times New Roman" panose="02020603050405020304" pitchFamily="18" charset="0"/>
-                <a:cs typeface="Times New Roman" panose="02020603050405020304" pitchFamily="18" charset="0"/>
-              </a:rPr>
-              <a:t>http://veronijo.beget.tech/</a:t>
-            </a:r>
-          </a:p>
-        </p:txBody>
-      </p:sp>
-      <p:sp>
-        <p:nvSpPr>
-          <p:cNvPr id="10" name="Прямоугольник 9"/>
-          <p:cNvSpPr/>
-          <p:nvPr/>
-        </p:nvSpPr>
-        <p:spPr>
-          <a:xfrm>
-            <a:off x="0" y="6362992"/>
-            <a:ext cx="4410759" cy="400110"/>
-          </a:xfrm>
-          <a:prstGeom prst="rect">
-            <a:avLst/>
-          </a:prstGeom>
-        </p:spPr>
-        <p:txBody>
-          <a:bodyPr wrap="none">
-            <a:spAutoFit/>
-          </a:bodyPr>
-          <a:lstStyle/>
-          <a:p>
-            <a:r>
-              <a:rPr lang="ru-RU" sz="2000" dirty="0">
-                <a:latin typeface="Times New Roman" panose="02020603050405020304" pitchFamily="18" charset="0"/>
-                <a:cs typeface="Times New Roman" panose="02020603050405020304" pitchFamily="18" charset="0"/>
-              </a:rPr>
-              <a:t>https://github.com/wbogatyrewa/EVoting</a:t>
-            </a:r>
-          </a:p>
-        </p:txBody>
-      </p:sp>
     </p:spTree>
     <p:extLst>
       <p:ext uri="{BB962C8B-B14F-4D97-AF65-F5344CB8AC3E}">
@@ -8665,36 +8715,239 @@
         </p:nvSpPr>
         <p:spPr>
           <a:xfrm>
-            <a:off x="-1" y="1"/>
+            <a:off x="-1" y="60289"/>
             <a:ext cx="9144001" cy="895639"/>
           </a:xfrm>
         </p:spPr>
         <p:txBody>
           <a:bodyPr>
-            <a:normAutofit fontScale="90000"/>
+            <a:normAutofit/>
           </a:bodyPr>
           <a:lstStyle/>
           <a:p>
             <a:pPr algn="ctr"/>
             <a:r>
-              <a:rPr lang="ru-RU" sz="3600" b="1" dirty="0">
+              <a:rPr lang="ru-RU" sz="3000" b="1" dirty="0">
                 <a:latin typeface="Times New Roman" panose="02020603050405020304" pitchFamily="18" charset="0"/>
                 <a:cs typeface="Times New Roman" panose="02020603050405020304" pitchFamily="18" charset="0"/>
               </a:rPr>
               <a:t>СТРАНИЦА СОЗДАНИЯ ГОЛОСОВАНИЯ</a:t>
+            </a:r>
+          </a:p>
+        </p:txBody>
+      </p:sp>
+      <p:sp>
+        <p:nvSpPr>
+          <p:cNvPr id="9" name="TextBox 5">
+            <a:extLst>
+              <a:ext uri="{FF2B5EF4-FFF2-40B4-BE49-F238E27FC236}">
+                <a16:creationId xmlns:a16="http://schemas.microsoft.com/office/drawing/2014/main" xmlns="" xmlns:lc="http://schemas.openxmlformats.org/drawingml/2006/lockedCanvas" id="{F7043567-4147-88C3-F094-05513D23DB95}"/>
+              </a:ext>
+            </a:extLst>
+          </p:cNvPr>
+          <p:cNvSpPr txBox="1"/>
+          <p:nvPr/>
+        </p:nvSpPr>
+        <p:spPr>
+          <a:xfrm>
+            <a:off x="8240443" y="6426366"/>
+            <a:ext cx="903557" cy="400110"/>
+          </a:xfrm>
+          <a:prstGeom prst="rect">
+            <a:avLst/>
+          </a:prstGeom>
+          <a:noFill/>
+        </p:spPr>
+        <p:txBody>
+          <a:bodyPr wrap="square" rtlCol="0">
+            <a:spAutoFit/>
+          </a:bodyPr>
+          <a:lstStyle>
+            <a:defPPr>
+              <a:defRPr lang="ru-RU"/>
+            </a:defPPr>
+            <a:lvl1pPr marL="0" algn="l" defTabSz="914400" rtl="0" eaLnBrk="1" latinLnBrk="0" hangingPunct="1">
+              <a:defRPr sz="1800" kern="1200">
+                <a:solidFill>
+                  <a:schemeClr val="tx1"/>
+                </a:solidFill>
+                <a:latin typeface="+mn-lt"/>
+                <a:ea typeface="+mn-ea"/>
+                <a:cs typeface="+mn-cs"/>
+              </a:defRPr>
+            </a:lvl1pPr>
+            <a:lvl2pPr marL="457200" algn="l" defTabSz="914400" rtl="0" eaLnBrk="1" latinLnBrk="0" hangingPunct="1">
+              <a:defRPr sz="1800" kern="1200">
+                <a:solidFill>
+                  <a:schemeClr val="tx1"/>
+                </a:solidFill>
+                <a:latin typeface="+mn-lt"/>
+                <a:ea typeface="+mn-ea"/>
+                <a:cs typeface="+mn-cs"/>
+              </a:defRPr>
+            </a:lvl2pPr>
+            <a:lvl3pPr marL="914400" algn="l" defTabSz="914400" rtl="0" eaLnBrk="1" latinLnBrk="0" hangingPunct="1">
+              <a:defRPr sz="1800" kern="1200">
+                <a:solidFill>
+                  <a:schemeClr val="tx1"/>
+                </a:solidFill>
+                <a:latin typeface="+mn-lt"/>
+                <a:ea typeface="+mn-ea"/>
+                <a:cs typeface="+mn-cs"/>
+              </a:defRPr>
+            </a:lvl3pPr>
+            <a:lvl4pPr marL="1371600" algn="l" defTabSz="914400" rtl="0" eaLnBrk="1" latinLnBrk="0" hangingPunct="1">
+              <a:defRPr sz="1800" kern="1200">
+                <a:solidFill>
+                  <a:schemeClr val="tx1"/>
+                </a:solidFill>
+                <a:latin typeface="+mn-lt"/>
+                <a:ea typeface="+mn-ea"/>
+                <a:cs typeface="+mn-cs"/>
+              </a:defRPr>
+            </a:lvl4pPr>
+            <a:lvl5pPr marL="1828800" algn="l" defTabSz="914400" rtl="0" eaLnBrk="1" latinLnBrk="0" hangingPunct="1">
+              <a:defRPr sz="1800" kern="1200">
+                <a:solidFill>
+                  <a:schemeClr val="tx1"/>
+                </a:solidFill>
+                <a:latin typeface="+mn-lt"/>
+                <a:ea typeface="+mn-ea"/>
+                <a:cs typeface="+mn-cs"/>
+              </a:defRPr>
+            </a:lvl5pPr>
+            <a:lvl6pPr marL="2286000" algn="l" defTabSz="914400" rtl="0" eaLnBrk="1" latinLnBrk="0" hangingPunct="1">
+              <a:defRPr sz="1800" kern="1200">
+                <a:solidFill>
+                  <a:schemeClr val="tx1"/>
+                </a:solidFill>
+                <a:latin typeface="+mn-lt"/>
+                <a:ea typeface="+mn-ea"/>
+                <a:cs typeface="+mn-cs"/>
+              </a:defRPr>
+            </a:lvl6pPr>
+            <a:lvl7pPr marL="2743200" algn="l" defTabSz="914400" rtl="0" eaLnBrk="1" latinLnBrk="0" hangingPunct="1">
+              <a:defRPr sz="1800" kern="1200">
+                <a:solidFill>
+                  <a:schemeClr val="tx1"/>
+                </a:solidFill>
+                <a:latin typeface="+mn-lt"/>
+                <a:ea typeface="+mn-ea"/>
+                <a:cs typeface="+mn-cs"/>
+              </a:defRPr>
+            </a:lvl7pPr>
+            <a:lvl8pPr marL="3200400" algn="l" defTabSz="914400" rtl="0" eaLnBrk="1" latinLnBrk="0" hangingPunct="1">
+              <a:defRPr sz="1800" kern="1200">
+                <a:solidFill>
+                  <a:schemeClr val="tx1"/>
+                </a:solidFill>
+                <a:latin typeface="+mn-lt"/>
+                <a:ea typeface="+mn-ea"/>
+                <a:cs typeface="+mn-cs"/>
+              </a:defRPr>
+            </a:lvl8pPr>
+            <a:lvl9pPr marL="3657600" algn="l" defTabSz="914400" rtl="0" eaLnBrk="1" latinLnBrk="0" hangingPunct="1">
+              <a:defRPr sz="1800" kern="1200">
+                <a:solidFill>
+                  <a:schemeClr val="tx1"/>
+                </a:solidFill>
+                <a:latin typeface="+mn-lt"/>
+                <a:ea typeface="+mn-ea"/>
+                <a:cs typeface="+mn-cs"/>
+              </a:defRPr>
+            </a:lvl9pPr>
+          </a:lstStyle>
+          <a:p>
+            <a:r>
+              <a:rPr lang="ru-RU" sz="2000" dirty="0" smtClean="0">
+                <a:latin typeface="Times New Roman" panose="02020603050405020304" pitchFamily="18" charset="0"/>
+                <a:cs typeface="Times New Roman" panose="02020603050405020304" pitchFamily="18" charset="0"/>
+              </a:rPr>
+              <a:t>15/</a:t>
+            </a:r>
+            <a:r>
+              <a:rPr lang="en-US" sz="2000" dirty="0" smtClean="0">
+                <a:latin typeface="Times New Roman" panose="02020603050405020304" pitchFamily="18" charset="0"/>
+                <a:cs typeface="Times New Roman" panose="02020603050405020304" pitchFamily="18" charset="0"/>
+              </a:rPr>
+              <a:t>20</a:t>
+            </a:r>
+            <a:endParaRPr lang="ru-RU" sz="2200" dirty="0">
+              <a:latin typeface="Times New Roman" panose="02020603050405020304" pitchFamily="18" charset="0"/>
+              <a:cs typeface="Times New Roman" panose="02020603050405020304" pitchFamily="18" charset="0"/>
+            </a:endParaRPr>
+          </a:p>
+        </p:txBody>
+      </p:sp>
+      <p:sp>
+        <p:nvSpPr>
+          <p:cNvPr id="10" name="Прямоугольник 9"/>
+          <p:cNvSpPr/>
+          <p:nvPr/>
+        </p:nvSpPr>
+        <p:spPr>
+          <a:xfrm>
+            <a:off x="0" y="6087812"/>
+            <a:ext cx="2569934" cy="369332"/>
+          </a:xfrm>
+          <a:prstGeom prst="rect">
+            <a:avLst/>
+          </a:prstGeom>
+        </p:spPr>
+        <p:txBody>
+          <a:bodyPr wrap="none">
+            <a:spAutoFit/>
+          </a:bodyPr>
+          <a:lstStyle/>
+          <a:p>
+            <a:r>
+              <a:rPr lang="ru-RU" dirty="0">
+                <a:latin typeface="Times New Roman" panose="02020603050405020304" pitchFamily="18" charset="0"/>
+                <a:cs typeface="Times New Roman" panose="02020603050405020304" pitchFamily="18" charset="0"/>
+              </a:rPr>
+              <a:t>http://veronijo.beget.tech/</a:t>
+            </a:r>
+          </a:p>
+        </p:txBody>
+      </p:sp>
+      <p:sp>
+        <p:nvSpPr>
+          <p:cNvPr id="11" name="Прямоугольник 10"/>
+          <p:cNvSpPr/>
+          <p:nvPr/>
+        </p:nvSpPr>
+        <p:spPr>
+          <a:xfrm>
+            <a:off x="0" y="6457144"/>
+            <a:ext cx="3995709" cy="369332"/>
+          </a:xfrm>
+          <a:prstGeom prst="rect">
+            <a:avLst/>
+          </a:prstGeom>
+        </p:spPr>
+        <p:txBody>
+          <a:bodyPr wrap="none">
+            <a:spAutoFit/>
+          </a:bodyPr>
+          <a:lstStyle/>
+          <a:p>
+            <a:r>
+              <a:rPr lang="ru-RU" dirty="0">
+                <a:latin typeface="Times New Roman" panose="02020603050405020304" pitchFamily="18" charset="0"/>
+                <a:cs typeface="Times New Roman" panose="02020603050405020304" pitchFamily="18" charset="0"/>
+              </a:rPr>
+              <a:t>https://github.com/wbogatyrewa/EVoting</a:t>
             </a:r>
           </a:p>
         </p:txBody>
       </p:sp>
       <p:pic>
         <p:nvPicPr>
-          <p:cNvPr id="7" name="Объект 6"/>
+          <p:cNvPr id="5" name="Рисунок 4"/>
           <p:cNvPicPr>
-            <a:picLocks noGrp="1"/>
+            <a:picLocks noChangeAspect="1"/>
           </p:cNvPicPr>
-          <p:nvPr>
-            <p:ph idx="1"/>
-          </p:nvPr>
+          <p:nvPr/>
         </p:nvPicPr>
         <p:blipFill>
           <a:blip r:embed="rId3"/>
@@ -8704,8 +8957,8 @@
         </p:blipFill>
         <p:spPr>
           <a:xfrm>
-            <a:off x="152399" y="1184366"/>
-            <a:ext cx="8839200" cy="4482143"/>
+            <a:off x="1130112" y="1059613"/>
+            <a:ext cx="6883774" cy="5028199"/>
           </a:xfrm>
           <a:prstGeom prst="rect">
             <a:avLst/>
@@ -8717,200 +8970,6 @@
           </a:ln>
         </p:spPr>
       </p:pic>
-      <p:sp>
-        <p:nvSpPr>
-          <p:cNvPr id="4" name="TextBox 5">
-            <a:extLst>
-              <a:ext uri="{FF2B5EF4-FFF2-40B4-BE49-F238E27FC236}">
-                <a16:creationId xmlns:a16="http://schemas.microsoft.com/office/drawing/2014/main" xmlns="" xmlns:lc="http://schemas.openxmlformats.org/drawingml/2006/lockedCanvas" id="{F7043567-4147-88C3-F094-05513D23DB95}"/>
-              </a:ext>
-            </a:extLst>
-          </p:cNvPr>
-          <p:cNvSpPr txBox="1"/>
-          <p:nvPr/>
-        </p:nvSpPr>
-        <p:spPr>
-          <a:xfrm>
-            <a:off x="7910943" y="6334781"/>
-            <a:ext cx="1080656" cy="430887"/>
-          </a:xfrm>
-          <a:prstGeom prst="rect">
-            <a:avLst/>
-          </a:prstGeom>
-          <a:noFill/>
-        </p:spPr>
-        <p:txBody>
-          <a:bodyPr wrap="square" rtlCol="0">
-            <a:spAutoFit/>
-          </a:bodyPr>
-          <a:lstStyle>
-            <a:defPPr>
-              <a:defRPr lang="ru-RU"/>
-            </a:defPPr>
-            <a:lvl1pPr marL="0" algn="l" defTabSz="914400" rtl="0" eaLnBrk="1" latinLnBrk="0" hangingPunct="1">
-              <a:defRPr sz="1800" kern="1200">
-                <a:solidFill>
-                  <a:schemeClr val="tx1"/>
-                </a:solidFill>
-                <a:latin typeface="+mn-lt"/>
-                <a:ea typeface="+mn-ea"/>
-                <a:cs typeface="+mn-cs"/>
-              </a:defRPr>
-            </a:lvl1pPr>
-            <a:lvl2pPr marL="457200" algn="l" defTabSz="914400" rtl="0" eaLnBrk="1" latinLnBrk="0" hangingPunct="1">
-              <a:defRPr sz="1800" kern="1200">
-                <a:solidFill>
-                  <a:schemeClr val="tx1"/>
-                </a:solidFill>
-                <a:latin typeface="+mn-lt"/>
-                <a:ea typeface="+mn-ea"/>
-                <a:cs typeface="+mn-cs"/>
-              </a:defRPr>
-            </a:lvl2pPr>
-            <a:lvl3pPr marL="914400" algn="l" defTabSz="914400" rtl="0" eaLnBrk="1" latinLnBrk="0" hangingPunct="1">
-              <a:defRPr sz="1800" kern="1200">
-                <a:solidFill>
-                  <a:schemeClr val="tx1"/>
-                </a:solidFill>
-                <a:latin typeface="+mn-lt"/>
-                <a:ea typeface="+mn-ea"/>
-                <a:cs typeface="+mn-cs"/>
-              </a:defRPr>
-            </a:lvl3pPr>
-            <a:lvl4pPr marL="1371600" algn="l" defTabSz="914400" rtl="0" eaLnBrk="1" latinLnBrk="0" hangingPunct="1">
-              <a:defRPr sz="1800" kern="1200">
-                <a:solidFill>
-                  <a:schemeClr val="tx1"/>
-                </a:solidFill>
-                <a:latin typeface="+mn-lt"/>
-                <a:ea typeface="+mn-ea"/>
-                <a:cs typeface="+mn-cs"/>
-              </a:defRPr>
-            </a:lvl4pPr>
-            <a:lvl5pPr marL="1828800" algn="l" defTabSz="914400" rtl="0" eaLnBrk="1" latinLnBrk="0" hangingPunct="1">
-              <a:defRPr sz="1800" kern="1200">
-                <a:solidFill>
-                  <a:schemeClr val="tx1"/>
-                </a:solidFill>
-                <a:latin typeface="+mn-lt"/>
-                <a:ea typeface="+mn-ea"/>
-                <a:cs typeface="+mn-cs"/>
-              </a:defRPr>
-            </a:lvl5pPr>
-            <a:lvl6pPr marL="2286000" algn="l" defTabSz="914400" rtl="0" eaLnBrk="1" latinLnBrk="0" hangingPunct="1">
-              <a:defRPr sz="1800" kern="1200">
-                <a:solidFill>
-                  <a:schemeClr val="tx1"/>
-                </a:solidFill>
-                <a:latin typeface="+mn-lt"/>
-                <a:ea typeface="+mn-ea"/>
-                <a:cs typeface="+mn-cs"/>
-              </a:defRPr>
-            </a:lvl6pPr>
-            <a:lvl7pPr marL="2743200" algn="l" defTabSz="914400" rtl="0" eaLnBrk="1" latinLnBrk="0" hangingPunct="1">
-              <a:defRPr sz="1800" kern="1200">
-                <a:solidFill>
-                  <a:schemeClr val="tx1"/>
-                </a:solidFill>
-                <a:latin typeface="+mn-lt"/>
-                <a:ea typeface="+mn-ea"/>
-                <a:cs typeface="+mn-cs"/>
-              </a:defRPr>
-            </a:lvl7pPr>
-            <a:lvl8pPr marL="3200400" algn="l" defTabSz="914400" rtl="0" eaLnBrk="1" latinLnBrk="0" hangingPunct="1">
-              <a:defRPr sz="1800" kern="1200">
-                <a:solidFill>
-                  <a:schemeClr val="tx1"/>
-                </a:solidFill>
-                <a:latin typeface="+mn-lt"/>
-                <a:ea typeface="+mn-ea"/>
-                <a:cs typeface="+mn-cs"/>
-              </a:defRPr>
-            </a:lvl8pPr>
-            <a:lvl9pPr marL="3657600" algn="l" defTabSz="914400" rtl="0" eaLnBrk="1" latinLnBrk="0" hangingPunct="1">
-              <a:defRPr sz="1800" kern="1200">
-                <a:solidFill>
-                  <a:schemeClr val="tx1"/>
-                </a:solidFill>
-                <a:latin typeface="+mn-lt"/>
-                <a:ea typeface="+mn-ea"/>
-                <a:cs typeface="+mn-cs"/>
-              </a:defRPr>
-            </a:lvl9pPr>
-          </a:lstStyle>
-          <a:p>
-            <a:r>
-              <a:rPr lang="ru-RU" sz="2200" dirty="0">
-                <a:latin typeface="Times New Roman" panose="02020603050405020304" pitchFamily="18" charset="0"/>
-                <a:cs typeface="Times New Roman" panose="02020603050405020304" pitchFamily="18" charset="0"/>
-              </a:rPr>
-              <a:t>15/18</a:t>
-            </a:r>
-          </a:p>
-        </p:txBody>
-      </p:sp>
-      <p:sp>
-        <p:nvSpPr>
-          <p:cNvPr id="6" name="Прямоугольник 5"/>
-          <p:cNvSpPr/>
-          <p:nvPr/>
-        </p:nvSpPr>
-        <p:spPr>
-          <a:xfrm>
-            <a:off x="0" y="5981495"/>
-            <a:ext cx="2826415" cy="400110"/>
-          </a:xfrm>
-          <a:prstGeom prst="rect">
-            <a:avLst/>
-          </a:prstGeom>
-        </p:spPr>
-        <p:txBody>
-          <a:bodyPr wrap="none">
-            <a:spAutoFit/>
-          </a:bodyPr>
-          <a:lstStyle/>
-          <a:p>
-            <a:r>
-              <a:rPr lang="ru-RU" sz="2000" dirty="0">
-                <a:latin typeface="Times New Roman" panose="02020603050405020304" pitchFamily="18" charset="0"/>
-                <a:cs typeface="Times New Roman" panose="02020603050405020304" pitchFamily="18" charset="0"/>
-              </a:rPr>
-              <a:t>http://veronijo.beget.tech/</a:t>
-            </a:r>
-          </a:p>
-        </p:txBody>
-      </p:sp>
-      <p:sp>
-        <p:nvSpPr>
-          <p:cNvPr id="8" name="Прямоугольник 7"/>
-          <p:cNvSpPr/>
-          <p:nvPr/>
-        </p:nvSpPr>
-        <p:spPr>
-          <a:xfrm>
-            <a:off x="0" y="6362992"/>
-            <a:ext cx="4410759" cy="400110"/>
-          </a:xfrm>
-          <a:prstGeom prst="rect">
-            <a:avLst/>
-          </a:prstGeom>
-        </p:spPr>
-        <p:txBody>
-          <a:bodyPr wrap="none">
-            <a:spAutoFit/>
-          </a:bodyPr>
-          <a:lstStyle/>
-          <a:p>
-            <a:r>
-              <a:rPr lang="ru-RU" sz="2000" dirty="0">
-                <a:latin typeface="Times New Roman" panose="02020603050405020304" pitchFamily="18" charset="0"/>
-                <a:cs typeface="Times New Roman" panose="02020603050405020304" pitchFamily="18" charset="0"/>
-              </a:rPr>
-              <a:t>https://github.com/wbogatyrewa/EVoting</a:t>
-            </a:r>
-          </a:p>
-        </p:txBody>
-      </p:sp>
     </p:spTree>
     <p:extLst>
       <p:ext uri="{BB962C8B-B14F-4D97-AF65-F5344CB8AC3E}">
@@ -8972,24 +9031,227 @@
           <a:p>
             <a:pPr algn="ctr"/>
             <a:r>
-              <a:rPr lang="ru-RU" sz="3600" b="1" dirty="0">
+              <a:rPr lang="ru-RU" sz="3000" b="1" dirty="0">
                 <a:latin typeface="Times New Roman" panose="02020603050405020304" pitchFamily="18" charset="0"/>
                 <a:cs typeface="Times New Roman" panose="02020603050405020304" pitchFamily="18" charset="0"/>
               </a:rPr>
               <a:t>СТРАНИЦА ГОЛОСОВАНИЯ</a:t>
+            </a:r>
+          </a:p>
+        </p:txBody>
+      </p:sp>
+      <p:sp>
+        <p:nvSpPr>
+          <p:cNvPr id="9" name="TextBox 5">
+            <a:extLst>
+              <a:ext uri="{FF2B5EF4-FFF2-40B4-BE49-F238E27FC236}">
+                <a16:creationId xmlns:a16="http://schemas.microsoft.com/office/drawing/2014/main" xmlns="" xmlns:lc="http://schemas.openxmlformats.org/drawingml/2006/lockedCanvas" id="{F7043567-4147-88C3-F094-05513D23DB95}"/>
+              </a:ext>
+            </a:extLst>
+          </p:cNvPr>
+          <p:cNvSpPr txBox="1"/>
+          <p:nvPr/>
+        </p:nvSpPr>
+        <p:spPr>
+          <a:xfrm>
+            <a:off x="8240443" y="6426366"/>
+            <a:ext cx="903557" cy="400110"/>
+          </a:xfrm>
+          <a:prstGeom prst="rect">
+            <a:avLst/>
+          </a:prstGeom>
+          <a:noFill/>
+        </p:spPr>
+        <p:txBody>
+          <a:bodyPr wrap="square" rtlCol="0">
+            <a:spAutoFit/>
+          </a:bodyPr>
+          <a:lstStyle>
+            <a:defPPr>
+              <a:defRPr lang="ru-RU"/>
+            </a:defPPr>
+            <a:lvl1pPr marL="0" algn="l" defTabSz="914400" rtl="0" eaLnBrk="1" latinLnBrk="0" hangingPunct="1">
+              <a:defRPr sz="1800" kern="1200">
+                <a:solidFill>
+                  <a:schemeClr val="tx1"/>
+                </a:solidFill>
+                <a:latin typeface="+mn-lt"/>
+                <a:ea typeface="+mn-ea"/>
+                <a:cs typeface="+mn-cs"/>
+              </a:defRPr>
+            </a:lvl1pPr>
+            <a:lvl2pPr marL="457200" algn="l" defTabSz="914400" rtl="0" eaLnBrk="1" latinLnBrk="0" hangingPunct="1">
+              <a:defRPr sz="1800" kern="1200">
+                <a:solidFill>
+                  <a:schemeClr val="tx1"/>
+                </a:solidFill>
+                <a:latin typeface="+mn-lt"/>
+                <a:ea typeface="+mn-ea"/>
+                <a:cs typeface="+mn-cs"/>
+              </a:defRPr>
+            </a:lvl2pPr>
+            <a:lvl3pPr marL="914400" algn="l" defTabSz="914400" rtl="0" eaLnBrk="1" latinLnBrk="0" hangingPunct="1">
+              <a:defRPr sz="1800" kern="1200">
+                <a:solidFill>
+                  <a:schemeClr val="tx1"/>
+                </a:solidFill>
+                <a:latin typeface="+mn-lt"/>
+                <a:ea typeface="+mn-ea"/>
+                <a:cs typeface="+mn-cs"/>
+              </a:defRPr>
+            </a:lvl3pPr>
+            <a:lvl4pPr marL="1371600" algn="l" defTabSz="914400" rtl="0" eaLnBrk="1" latinLnBrk="0" hangingPunct="1">
+              <a:defRPr sz="1800" kern="1200">
+                <a:solidFill>
+                  <a:schemeClr val="tx1"/>
+                </a:solidFill>
+                <a:latin typeface="+mn-lt"/>
+                <a:ea typeface="+mn-ea"/>
+                <a:cs typeface="+mn-cs"/>
+              </a:defRPr>
+            </a:lvl4pPr>
+            <a:lvl5pPr marL="1828800" algn="l" defTabSz="914400" rtl="0" eaLnBrk="1" latinLnBrk="0" hangingPunct="1">
+              <a:defRPr sz="1800" kern="1200">
+                <a:solidFill>
+                  <a:schemeClr val="tx1"/>
+                </a:solidFill>
+                <a:latin typeface="+mn-lt"/>
+                <a:ea typeface="+mn-ea"/>
+                <a:cs typeface="+mn-cs"/>
+              </a:defRPr>
+            </a:lvl5pPr>
+            <a:lvl6pPr marL="2286000" algn="l" defTabSz="914400" rtl="0" eaLnBrk="1" latinLnBrk="0" hangingPunct="1">
+              <a:defRPr sz="1800" kern="1200">
+                <a:solidFill>
+                  <a:schemeClr val="tx1"/>
+                </a:solidFill>
+                <a:latin typeface="+mn-lt"/>
+                <a:ea typeface="+mn-ea"/>
+                <a:cs typeface="+mn-cs"/>
+              </a:defRPr>
+            </a:lvl6pPr>
+            <a:lvl7pPr marL="2743200" algn="l" defTabSz="914400" rtl="0" eaLnBrk="1" latinLnBrk="0" hangingPunct="1">
+              <a:defRPr sz="1800" kern="1200">
+                <a:solidFill>
+                  <a:schemeClr val="tx1"/>
+                </a:solidFill>
+                <a:latin typeface="+mn-lt"/>
+                <a:ea typeface="+mn-ea"/>
+                <a:cs typeface="+mn-cs"/>
+              </a:defRPr>
+            </a:lvl7pPr>
+            <a:lvl8pPr marL="3200400" algn="l" defTabSz="914400" rtl="0" eaLnBrk="1" latinLnBrk="0" hangingPunct="1">
+              <a:defRPr sz="1800" kern="1200">
+                <a:solidFill>
+                  <a:schemeClr val="tx1"/>
+                </a:solidFill>
+                <a:latin typeface="+mn-lt"/>
+                <a:ea typeface="+mn-ea"/>
+                <a:cs typeface="+mn-cs"/>
+              </a:defRPr>
+            </a:lvl8pPr>
+            <a:lvl9pPr marL="3657600" algn="l" defTabSz="914400" rtl="0" eaLnBrk="1" latinLnBrk="0" hangingPunct="1">
+              <a:defRPr sz="1800" kern="1200">
+                <a:solidFill>
+                  <a:schemeClr val="tx1"/>
+                </a:solidFill>
+                <a:latin typeface="+mn-lt"/>
+                <a:ea typeface="+mn-ea"/>
+                <a:cs typeface="+mn-cs"/>
+              </a:defRPr>
+            </a:lvl9pPr>
+          </a:lstStyle>
+          <a:p>
+            <a:r>
+              <a:rPr lang="ru-RU" sz="2000" dirty="0" smtClean="0">
+                <a:latin typeface="Times New Roman" panose="02020603050405020304" pitchFamily="18" charset="0"/>
+                <a:cs typeface="Times New Roman" panose="02020603050405020304" pitchFamily="18" charset="0"/>
+              </a:rPr>
+              <a:t>16/</a:t>
+            </a:r>
+            <a:r>
+              <a:rPr lang="en-US" sz="2000" dirty="0" smtClean="0">
+                <a:latin typeface="Times New Roman" panose="02020603050405020304" pitchFamily="18" charset="0"/>
+                <a:cs typeface="Times New Roman" panose="02020603050405020304" pitchFamily="18" charset="0"/>
+              </a:rPr>
+              <a:t>20</a:t>
+            </a:r>
+            <a:endParaRPr lang="ru-RU" sz="2200" dirty="0">
+              <a:latin typeface="Times New Roman" panose="02020603050405020304" pitchFamily="18" charset="0"/>
+              <a:cs typeface="Times New Roman" panose="02020603050405020304" pitchFamily="18" charset="0"/>
+            </a:endParaRPr>
+          </a:p>
+        </p:txBody>
+      </p:sp>
+      <p:sp>
+        <p:nvSpPr>
+          <p:cNvPr id="10" name="Прямоугольник 9"/>
+          <p:cNvSpPr/>
+          <p:nvPr/>
+        </p:nvSpPr>
+        <p:spPr>
+          <a:xfrm>
+            <a:off x="0" y="6087812"/>
+            <a:ext cx="2569934" cy="369332"/>
+          </a:xfrm>
+          <a:prstGeom prst="rect">
+            <a:avLst/>
+          </a:prstGeom>
+        </p:spPr>
+        <p:txBody>
+          <a:bodyPr wrap="none">
+            <a:spAutoFit/>
+          </a:bodyPr>
+          <a:lstStyle/>
+          <a:p>
+            <a:r>
+              <a:rPr lang="ru-RU" dirty="0">
+                <a:latin typeface="Times New Roman" panose="02020603050405020304" pitchFamily="18" charset="0"/>
+                <a:cs typeface="Times New Roman" panose="02020603050405020304" pitchFamily="18" charset="0"/>
+              </a:rPr>
+              <a:t>http://veronijo.beget.tech/</a:t>
+            </a:r>
+          </a:p>
+        </p:txBody>
+      </p:sp>
+      <p:sp>
+        <p:nvSpPr>
+          <p:cNvPr id="11" name="Прямоугольник 10"/>
+          <p:cNvSpPr/>
+          <p:nvPr/>
+        </p:nvSpPr>
+        <p:spPr>
+          <a:xfrm>
+            <a:off x="0" y="6457144"/>
+            <a:ext cx="3995709" cy="369332"/>
+          </a:xfrm>
+          <a:prstGeom prst="rect">
+            <a:avLst/>
+          </a:prstGeom>
+        </p:spPr>
+        <p:txBody>
+          <a:bodyPr wrap="none">
+            <a:spAutoFit/>
+          </a:bodyPr>
+          <a:lstStyle/>
+          <a:p>
+            <a:r>
+              <a:rPr lang="ru-RU" dirty="0">
+                <a:latin typeface="Times New Roman" panose="02020603050405020304" pitchFamily="18" charset="0"/>
+                <a:cs typeface="Times New Roman" panose="02020603050405020304" pitchFamily="18" charset="0"/>
+              </a:rPr>
+              <a:t>https://github.com/wbogatyrewa/EVoting</a:t>
             </a:r>
           </a:p>
         </p:txBody>
       </p:sp>
       <p:pic>
         <p:nvPicPr>
-          <p:cNvPr id="6" name="Объект 5"/>
+          <p:cNvPr id="3" name="Рисунок 2"/>
           <p:cNvPicPr>
-            <a:picLocks noGrp="1"/>
+            <a:picLocks noChangeAspect="1"/>
           </p:cNvPicPr>
-          <p:nvPr>
-            <p:ph idx="1"/>
-          </p:nvPr>
+          <p:nvPr/>
         </p:nvPicPr>
         <p:blipFill>
           <a:blip r:embed="rId3"/>
@@ -8999,8 +9261,8 @@
         </p:blipFill>
         <p:spPr>
           <a:xfrm>
-            <a:off x="256309" y="1210107"/>
-            <a:ext cx="8631382" cy="4315691"/>
+            <a:off x="277758" y="1092739"/>
+            <a:ext cx="8588484" cy="4625741"/>
           </a:xfrm>
           <a:prstGeom prst="rect">
             <a:avLst/>
@@ -9012,200 +9274,6 @@
           </a:ln>
         </p:spPr>
       </p:pic>
-      <p:sp>
-        <p:nvSpPr>
-          <p:cNvPr id="4" name="TextBox 5">
-            <a:extLst>
-              <a:ext uri="{FF2B5EF4-FFF2-40B4-BE49-F238E27FC236}">
-                <a16:creationId xmlns:a16="http://schemas.microsoft.com/office/drawing/2014/main" xmlns="" xmlns:lc="http://schemas.openxmlformats.org/drawingml/2006/lockedCanvas" id="{F7043567-4147-88C3-F094-05513D23DB95}"/>
-              </a:ext>
-            </a:extLst>
-          </p:cNvPr>
-          <p:cNvSpPr txBox="1"/>
-          <p:nvPr/>
-        </p:nvSpPr>
-        <p:spPr>
-          <a:xfrm>
-            <a:off x="7807035" y="6334781"/>
-            <a:ext cx="1080656" cy="430887"/>
-          </a:xfrm>
-          <a:prstGeom prst="rect">
-            <a:avLst/>
-          </a:prstGeom>
-          <a:noFill/>
-        </p:spPr>
-        <p:txBody>
-          <a:bodyPr wrap="square" rtlCol="0">
-            <a:spAutoFit/>
-          </a:bodyPr>
-          <a:lstStyle>
-            <a:defPPr>
-              <a:defRPr lang="ru-RU"/>
-            </a:defPPr>
-            <a:lvl1pPr marL="0" algn="l" defTabSz="914400" rtl="0" eaLnBrk="1" latinLnBrk="0" hangingPunct="1">
-              <a:defRPr sz="1800" kern="1200">
-                <a:solidFill>
-                  <a:schemeClr val="tx1"/>
-                </a:solidFill>
-                <a:latin typeface="+mn-lt"/>
-                <a:ea typeface="+mn-ea"/>
-                <a:cs typeface="+mn-cs"/>
-              </a:defRPr>
-            </a:lvl1pPr>
-            <a:lvl2pPr marL="457200" algn="l" defTabSz="914400" rtl="0" eaLnBrk="1" latinLnBrk="0" hangingPunct="1">
-              <a:defRPr sz="1800" kern="1200">
-                <a:solidFill>
-                  <a:schemeClr val="tx1"/>
-                </a:solidFill>
-                <a:latin typeface="+mn-lt"/>
-                <a:ea typeface="+mn-ea"/>
-                <a:cs typeface="+mn-cs"/>
-              </a:defRPr>
-            </a:lvl2pPr>
-            <a:lvl3pPr marL="914400" algn="l" defTabSz="914400" rtl="0" eaLnBrk="1" latinLnBrk="0" hangingPunct="1">
-              <a:defRPr sz="1800" kern="1200">
-                <a:solidFill>
-                  <a:schemeClr val="tx1"/>
-                </a:solidFill>
-                <a:latin typeface="+mn-lt"/>
-                <a:ea typeface="+mn-ea"/>
-                <a:cs typeface="+mn-cs"/>
-              </a:defRPr>
-            </a:lvl3pPr>
-            <a:lvl4pPr marL="1371600" algn="l" defTabSz="914400" rtl="0" eaLnBrk="1" latinLnBrk="0" hangingPunct="1">
-              <a:defRPr sz="1800" kern="1200">
-                <a:solidFill>
-                  <a:schemeClr val="tx1"/>
-                </a:solidFill>
-                <a:latin typeface="+mn-lt"/>
-                <a:ea typeface="+mn-ea"/>
-                <a:cs typeface="+mn-cs"/>
-              </a:defRPr>
-            </a:lvl4pPr>
-            <a:lvl5pPr marL="1828800" algn="l" defTabSz="914400" rtl="0" eaLnBrk="1" latinLnBrk="0" hangingPunct="1">
-              <a:defRPr sz="1800" kern="1200">
-                <a:solidFill>
-                  <a:schemeClr val="tx1"/>
-                </a:solidFill>
-                <a:latin typeface="+mn-lt"/>
-                <a:ea typeface="+mn-ea"/>
-                <a:cs typeface="+mn-cs"/>
-              </a:defRPr>
-            </a:lvl5pPr>
-            <a:lvl6pPr marL="2286000" algn="l" defTabSz="914400" rtl="0" eaLnBrk="1" latinLnBrk="0" hangingPunct="1">
-              <a:defRPr sz="1800" kern="1200">
-                <a:solidFill>
-                  <a:schemeClr val="tx1"/>
-                </a:solidFill>
-                <a:latin typeface="+mn-lt"/>
-                <a:ea typeface="+mn-ea"/>
-                <a:cs typeface="+mn-cs"/>
-              </a:defRPr>
-            </a:lvl6pPr>
-            <a:lvl7pPr marL="2743200" algn="l" defTabSz="914400" rtl="0" eaLnBrk="1" latinLnBrk="0" hangingPunct="1">
-              <a:defRPr sz="1800" kern="1200">
-                <a:solidFill>
-                  <a:schemeClr val="tx1"/>
-                </a:solidFill>
-                <a:latin typeface="+mn-lt"/>
-                <a:ea typeface="+mn-ea"/>
-                <a:cs typeface="+mn-cs"/>
-              </a:defRPr>
-            </a:lvl7pPr>
-            <a:lvl8pPr marL="3200400" algn="l" defTabSz="914400" rtl="0" eaLnBrk="1" latinLnBrk="0" hangingPunct="1">
-              <a:defRPr sz="1800" kern="1200">
-                <a:solidFill>
-                  <a:schemeClr val="tx1"/>
-                </a:solidFill>
-                <a:latin typeface="+mn-lt"/>
-                <a:ea typeface="+mn-ea"/>
-                <a:cs typeface="+mn-cs"/>
-              </a:defRPr>
-            </a:lvl8pPr>
-            <a:lvl9pPr marL="3657600" algn="l" defTabSz="914400" rtl="0" eaLnBrk="1" latinLnBrk="0" hangingPunct="1">
-              <a:defRPr sz="1800" kern="1200">
-                <a:solidFill>
-                  <a:schemeClr val="tx1"/>
-                </a:solidFill>
-                <a:latin typeface="+mn-lt"/>
-                <a:ea typeface="+mn-ea"/>
-                <a:cs typeface="+mn-cs"/>
-              </a:defRPr>
-            </a:lvl9pPr>
-          </a:lstStyle>
-          <a:p>
-            <a:r>
-              <a:rPr lang="ru-RU" sz="2200" dirty="0">
-                <a:latin typeface="Times New Roman" panose="02020603050405020304" pitchFamily="18" charset="0"/>
-                <a:cs typeface="Times New Roman" panose="02020603050405020304" pitchFamily="18" charset="0"/>
-              </a:rPr>
-              <a:t>16/18</a:t>
-            </a:r>
-          </a:p>
-        </p:txBody>
-      </p:sp>
-      <p:sp>
-        <p:nvSpPr>
-          <p:cNvPr id="7" name="Прямоугольник 6"/>
-          <p:cNvSpPr/>
-          <p:nvPr/>
-        </p:nvSpPr>
-        <p:spPr>
-          <a:xfrm>
-            <a:off x="0" y="5981495"/>
-            <a:ext cx="2826415" cy="400110"/>
-          </a:xfrm>
-          <a:prstGeom prst="rect">
-            <a:avLst/>
-          </a:prstGeom>
-        </p:spPr>
-        <p:txBody>
-          <a:bodyPr wrap="none">
-            <a:spAutoFit/>
-          </a:bodyPr>
-          <a:lstStyle/>
-          <a:p>
-            <a:r>
-              <a:rPr lang="ru-RU" sz="2000" dirty="0">
-                <a:latin typeface="Times New Roman" panose="02020603050405020304" pitchFamily="18" charset="0"/>
-                <a:cs typeface="Times New Roman" panose="02020603050405020304" pitchFamily="18" charset="0"/>
-              </a:rPr>
-              <a:t>http://veronijo.beget.tech/</a:t>
-            </a:r>
-          </a:p>
-        </p:txBody>
-      </p:sp>
-      <p:sp>
-        <p:nvSpPr>
-          <p:cNvPr id="8" name="Прямоугольник 7"/>
-          <p:cNvSpPr/>
-          <p:nvPr/>
-        </p:nvSpPr>
-        <p:spPr>
-          <a:xfrm>
-            <a:off x="0" y="6362992"/>
-            <a:ext cx="4410759" cy="400110"/>
-          </a:xfrm>
-          <a:prstGeom prst="rect">
-            <a:avLst/>
-          </a:prstGeom>
-        </p:spPr>
-        <p:txBody>
-          <a:bodyPr wrap="none">
-            <a:spAutoFit/>
-          </a:bodyPr>
-          <a:lstStyle/>
-          <a:p>
-            <a:r>
-              <a:rPr lang="ru-RU" sz="2000" dirty="0">
-                <a:latin typeface="Times New Roman" panose="02020603050405020304" pitchFamily="18" charset="0"/>
-                <a:cs typeface="Times New Roman" panose="02020603050405020304" pitchFamily="18" charset="0"/>
-              </a:rPr>
-              <a:t>https://github.com/wbogatyrewa/EVoting</a:t>
-            </a:r>
-          </a:p>
-        </p:txBody>
-      </p:sp>
     </p:spTree>
     <p:extLst>
       <p:ext uri="{BB962C8B-B14F-4D97-AF65-F5344CB8AC3E}">
@@ -9255,7 +9323,7 @@
         </p:nvSpPr>
         <p:spPr>
           <a:xfrm>
-            <a:off x="0" y="365126"/>
+            <a:off x="0" y="60288"/>
             <a:ext cx="9144000" cy="895639"/>
           </a:xfrm>
         </p:spPr>
@@ -9267,12 +9335,16 @@
           <a:p>
             <a:pPr algn="ctr"/>
             <a:r>
-              <a:rPr lang="ru-RU" sz="3600" b="1" dirty="0">
-                <a:latin typeface="Times New Roman" panose="02020603050405020304" pitchFamily="18" charset="0"/>
-                <a:cs typeface="Times New Roman" panose="02020603050405020304" pitchFamily="18" charset="0"/>
-              </a:rPr>
-              <a:t>ТЕСТИРОВАНИЕ</a:t>
-            </a:r>
+              <a:rPr lang="ru-RU" sz="3000" b="1" dirty="0" smtClean="0">
+                <a:latin typeface="Times New Roman" panose="02020603050405020304" pitchFamily="18" charset="0"/>
+                <a:cs typeface="Times New Roman" panose="02020603050405020304" pitchFamily="18" charset="0"/>
+              </a:rPr>
+              <a:t>ТЕСТИРОВАНИЕ СМАРТ-КОНТРАКТОВ</a:t>
+            </a:r>
+            <a:endParaRPr lang="ru-RU" sz="3000" b="1" dirty="0">
+              <a:latin typeface="Times New Roman" panose="02020603050405020304" pitchFamily="18" charset="0"/>
+              <a:cs typeface="Times New Roman" panose="02020603050405020304" pitchFamily="18" charset="0"/>
+            </a:endParaRPr>
           </a:p>
         </p:txBody>
       </p:sp>
@@ -9288,127 +9360,201 @@
         </p:nvSpPr>
         <p:spPr>
           <a:xfrm>
-            <a:off x="581891" y="1423843"/>
+            <a:off x="457200" y="1062103"/>
             <a:ext cx="8229600" cy="4351338"/>
           </a:xfrm>
         </p:spPr>
         <p:txBody>
-          <a:bodyPr/>
+          <a:bodyPr>
+            <a:normAutofit/>
+          </a:bodyPr>
           <a:lstStyle/>
           <a:p>
             <a:pPr marL="0" indent="0">
               <a:buNone/>
             </a:pPr>
             <a:r>
-              <a:rPr lang="ru-RU" b="1" dirty="0">
-                <a:latin typeface="Times New Roman" panose="02020603050405020304" pitchFamily="18" charset="0"/>
-                <a:cs typeface="Times New Roman" panose="02020603050405020304" pitchFamily="18" charset="0"/>
-              </a:rPr>
-              <a:t>Функциональное т</a:t>
-            </a:r>
-            <a:r>
-              <a:rPr lang="ru-RU" b="1" dirty="0" smtClean="0">
-                <a:latin typeface="Times New Roman" panose="02020603050405020304" pitchFamily="18" charset="0"/>
-                <a:cs typeface="Times New Roman" panose="02020603050405020304" pitchFamily="18" charset="0"/>
-              </a:rPr>
-              <a:t>естирование смарт-контрактов:</a:t>
-            </a:r>
-          </a:p>
-          <a:p>
-            <a:r>
-              <a:rPr lang="ru-RU" dirty="0" smtClean="0">
-                <a:latin typeface="Times New Roman" panose="02020603050405020304" pitchFamily="18" charset="0"/>
-                <a:cs typeface="Times New Roman" panose="02020603050405020304" pitchFamily="18" charset="0"/>
-              </a:rPr>
-              <a:t>Разработано 10 тестов</a:t>
-            </a:r>
-          </a:p>
-          <a:p>
-            <a:r>
-              <a:rPr lang="ru-RU" dirty="0">
-                <a:latin typeface="Times New Roman" panose="02020603050405020304" pitchFamily="18" charset="0"/>
-                <a:cs typeface="Times New Roman" panose="02020603050405020304" pitchFamily="18" charset="0"/>
-              </a:rPr>
-              <a:t>В</a:t>
-            </a:r>
-            <a:r>
-              <a:rPr lang="ru-RU" dirty="0" smtClean="0">
-                <a:latin typeface="Times New Roman" panose="02020603050405020304" pitchFamily="18" charset="0"/>
-                <a:cs typeface="Times New Roman" panose="02020603050405020304" pitchFamily="18" charset="0"/>
-              </a:rPr>
-              <a:t>се </a:t>
-            </a:r>
-            <a:r>
-              <a:rPr lang="ru-RU" dirty="0">
-                <a:latin typeface="Times New Roman" panose="02020603050405020304" pitchFamily="18" charset="0"/>
-                <a:cs typeface="Times New Roman" panose="02020603050405020304" pitchFamily="18" charset="0"/>
-              </a:rPr>
-              <a:t>тесты были пройдены </a:t>
-            </a:r>
-            <a:r>
-              <a:rPr lang="ru-RU" dirty="0" smtClean="0">
-                <a:latin typeface="Times New Roman" panose="02020603050405020304" pitchFamily="18" charset="0"/>
-                <a:cs typeface="Times New Roman" panose="02020603050405020304" pitchFamily="18" charset="0"/>
-              </a:rPr>
-              <a:t>успешно</a:t>
-            </a:r>
-          </a:p>
-          <a:p>
-            <a:endParaRPr lang="ru-RU" dirty="0" smtClean="0">
+              <a:rPr lang="ru-RU" sz="2400" dirty="0">
+                <a:latin typeface="Times New Roman" panose="02020603050405020304" pitchFamily="18" charset="0"/>
+                <a:cs typeface="Times New Roman" panose="02020603050405020304" pitchFamily="18" charset="0"/>
+              </a:rPr>
+              <a:t>Функциональное </a:t>
+            </a:r>
+            <a:r>
+              <a:rPr lang="ru-RU" sz="2400" dirty="0" smtClean="0">
+                <a:latin typeface="Times New Roman" panose="02020603050405020304" pitchFamily="18" charset="0"/>
+                <a:cs typeface="Times New Roman" panose="02020603050405020304" pitchFamily="18" charset="0"/>
+              </a:rPr>
+              <a:t>тестирование:</a:t>
+            </a:r>
+          </a:p>
+          <a:p>
+            <a:pPr marL="457200" indent="-457200">
+              <a:buFont typeface="+mj-lt"/>
+              <a:buAutoNum type="arabicPeriod"/>
+            </a:pPr>
+            <a:r>
+              <a:rPr lang="ru-RU" sz="2400" dirty="0" smtClean="0">
+                <a:latin typeface="Times New Roman" panose="02020603050405020304" pitchFamily="18" charset="0"/>
+                <a:cs typeface="Times New Roman" panose="02020603050405020304" pitchFamily="18" charset="0"/>
+              </a:rPr>
+              <a:t>Добавление избирателей</a:t>
+            </a:r>
+          </a:p>
+          <a:p>
+            <a:pPr marL="457200" indent="-457200">
+              <a:buFont typeface="+mj-lt"/>
+              <a:buAutoNum type="arabicPeriod"/>
+            </a:pPr>
+            <a:r>
+              <a:rPr lang="ru-RU" sz="2400" dirty="0" smtClean="0">
+                <a:latin typeface="Times New Roman" panose="02020603050405020304" pitchFamily="18" charset="0"/>
+                <a:cs typeface="Times New Roman" panose="02020603050405020304" pitchFamily="18" charset="0"/>
+              </a:rPr>
+              <a:t>Добавление вариантов ответов</a:t>
+            </a:r>
+          </a:p>
+          <a:p>
+            <a:pPr marL="457200" indent="-457200">
+              <a:buFont typeface="+mj-lt"/>
+              <a:buAutoNum type="arabicPeriod"/>
+            </a:pPr>
+            <a:r>
+              <a:rPr lang="ru-RU" sz="2400" dirty="0" smtClean="0">
+                <a:latin typeface="Times New Roman" panose="02020603050405020304" pitchFamily="18" charset="0"/>
+                <a:cs typeface="Times New Roman" panose="02020603050405020304" pitchFamily="18" charset="0"/>
+              </a:rPr>
+              <a:t>Начисление </a:t>
+            </a:r>
+            <a:r>
+              <a:rPr lang="ru-RU" sz="2400" dirty="0" err="1" smtClean="0">
+                <a:latin typeface="Times New Roman" panose="02020603050405020304" pitchFamily="18" charset="0"/>
+                <a:cs typeface="Times New Roman" panose="02020603050405020304" pitchFamily="18" charset="0"/>
+              </a:rPr>
+              <a:t>токена</a:t>
+            </a:r>
+            <a:r>
+              <a:rPr lang="ru-RU" sz="2400" dirty="0" smtClean="0">
+                <a:latin typeface="Times New Roman" panose="02020603050405020304" pitchFamily="18" charset="0"/>
+                <a:cs typeface="Times New Roman" panose="02020603050405020304" pitchFamily="18" charset="0"/>
+              </a:rPr>
+              <a:t> («голоса») избирателям</a:t>
+            </a:r>
+          </a:p>
+          <a:p>
+            <a:pPr marL="457200" indent="-457200">
+              <a:buFont typeface="+mj-lt"/>
+              <a:buAutoNum type="arabicPeriod"/>
+            </a:pPr>
+            <a:r>
+              <a:rPr lang="ru-RU" sz="2400" dirty="0" smtClean="0">
+                <a:latin typeface="Times New Roman" panose="02020603050405020304" pitchFamily="18" charset="0"/>
+                <a:cs typeface="Times New Roman" panose="02020603050405020304" pitchFamily="18" charset="0"/>
+              </a:rPr>
+              <a:t>Проверка наличия публичного идентификатора избирателя в смарт-контракте голосования</a:t>
+            </a:r>
+          </a:p>
+          <a:p>
+            <a:pPr marL="457200" indent="-457200">
+              <a:buFont typeface="+mj-lt"/>
+              <a:buAutoNum type="arabicPeriod"/>
+            </a:pPr>
+            <a:r>
+              <a:rPr lang="ru-RU" sz="2400" dirty="0" smtClean="0">
+                <a:latin typeface="Times New Roman" panose="02020603050405020304" pitchFamily="18" charset="0"/>
+                <a:cs typeface="Times New Roman" panose="02020603050405020304" pitchFamily="18" charset="0"/>
+              </a:rPr>
+              <a:t>Перевод </a:t>
+            </a:r>
+            <a:r>
+              <a:rPr lang="ru-RU" sz="2400" dirty="0" err="1" smtClean="0">
+                <a:latin typeface="Times New Roman" panose="02020603050405020304" pitchFamily="18" charset="0"/>
+                <a:cs typeface="Times New Roman" panose="02020603050405020304" pitchFamily="18" charset="0"/>
+              </a:rPr>
+              <a:t>токена</a:t>
+            </a:r>
+            <a:r>
+              <a:rPr lang="ru-RU" sz="2400" dirty="0" smtClean="0">
+                <a:latin typeface="Times New Roman" panose="02020603050405020304" pitchFamily="18" charset="0"/>
+                <a:cs typeface="Times New Roman" panose="02020603050405020304" pitchFamily="18" charset="0"/>
+              </a:rPr>
+              <a:t> («голоса») кандидатам</a:t>
+            </a:r>
+          </a:p>
+          <a:p>
+            <a:pPr marL="457200" indent="-457200">
+              <a:buFont typeface="+mj-lt"/>
+              <a:buAutoNum type="arabicPeriod"/>
+            </a:pPr>
+            <a:r>
+              <a:rPr lang="ru-RU" sz="2400" dirty="0">
+                <a:latin typeface="Times New Roman" panose="02020603050405020304" pitchFamily="18" charset="0"/>
+                <a:cs typeface="Times New Roman" panose="02020603050405020304" pitchFamily="18" charset="0"/>
+              </a:rPr>
+              <a:t>Получение списка голосований</a:t>
+            </a:r>
+          </a:p>
+          <a:p>
+            <a:pPr marL="457200" indent="-457200">
+              <a:buFont typeface="+mj-lt"/>
+              <a:buAutoNum type="arabicPeriod"/>
+            </a:pPr>
+            <a:endParaRPr lang="ru-RU" sz="2400" dirty="0" smtClean="0">
               <a:latin typeface="Times New Roman" panose="02020603050405020304" pitchFamily="18" charset="0"/>
               <a:cs typeface="Times New Roman" panose="02020603050405020304" pitchFamily="18" charset="0"/>
             </a:endParaRPr>
           </a:p>
           <a:p>
-            <a:pPr marL="0" indent="0">
-              <a:buNone/>
+            <a:pPr marL="457200" indent="-457200">
+              <a:buFont typeface="+mj-lt"/>
+              <a:buAutoNum type="arabicPeriod"/>
             </a:pPr>
-            <a:r>
-              <a:rPr lang="ru-RU" b="1" dirty="0" smtClean="0">
-                <a:latin typeface="Times New Roman" panose="02020603050405020304" pitchFamily="18" charset="0"/>
-                <a:cs typeface="Times New Roman" panose="02020603050405020304" pitchFamily="18" charset="0"/>
-              </a:rPr>
-              <a:t>Функциональное тестирование веб-приложения:</a:t>
-            </a:r>
-            <a:endParaRPr lang="ru-RU" b="1" dirty="0">
+            <a:endParaRPr lang="ru-RU" sz="2400" dirty="0" smtClean="0">
               <a:latin typeface="Times New Roman" panose="02020603050405020304" pitchFamily="18" charset="0"/>
               <a:cs typeface="Times New Roman" panose="02020603050405020304" pitchFamily="18" charset="0"/>
             </a:endParaRPr>
           </a:p>
           <a:p>
-            <a:r>
-              <a:rPr lang="ru-RU" dirty="0">
-                <a:latin typeface="Times New Roman" panose="02020603050405020304" pitchFamily="18" charset="0"/>
-                <a:cs typeface="Times New Roman" panose="02020603050405020304" pitchFamily="18" charset="0"/>
-              </a:rPr>
-              <a:t>Разработано </a:t>
-            </a:r>
-            <a:r>
-              <a:rPr lang="ru-RU" dirty="0" smtClean="0">
-                <a:latin typeface="Times New Roman" panose="02020603050405020304" pitchFamily="18" charset="0"/>
-                <a:cs typeface="Times New Roman" panose="02020603050405020304" pitchFamily="18" charset="0"/>
-              </a:rPr>
-              <a:t>7 тестов</a:t>
-            </a:r>
-            <a:endParaRPr lang="ru-RU" dirty="0">
+            <a:pPr marL="457200" indent="-457200">
+              <a:buFont typeface="+mj-lt"/>
+              <a:buAutoNum type="arabicPeriod"/>
+            </a:pPr>
+            <a:endParaRPr lang="ru-RU" sz="2400" dirty="0" smtClean="0">
               <a:latin typeface="Times New Roman" panose="02020603050405020304" pitchFamily="18" charset="0"/>
               <a:cs typeface="Times New Roman" panose="02020603050405020304" pitchFamily="18" charset="0"/>
             </a:endParaRPr>
           </a:p>
           <a:p>
-            <a:r>
-              <a:rPr lang="ru-RU" dirty="0">
-                <a:latin typeface="Times New Roman" panose="02020603050405020304" pitchFamily="18" charset="0"/>
-                <a:cs typeface="Times New Roman" panose="02020603050405020304" pitchFamily="18" charset="0"/>
-              </a:rPr>
-              <a:t>Все полученные результаты соответствуют ожидаемым</a:t>
-            </a:r>
-          </a:p>
-        </p:txBody>
-      </p:sp>
-      <p:sp>
-        <p:nvSpPr>
-          <p:cNvPr id="4" name="TextBox 5">
+            <a:pPr marL="457200" indent="-457200">
+              <a:buFont typeface="+mj-lt"/>
+              <a:buAutoNum type="arabicPeriod"/>
+            </a:pPr>
+            <a:endParaRPr lang="ru-RU" sz="2400" dirty="0" smtClean="0">
+              <a:latin typeface="Times New Roman" panose="02020603050405020304" pitchFamily="18" charset="0"/>
+              <a:cs typeface="Times New Roman" panose="02020603050405020304" pitchFamily="18" charset="0"/>
+            </a:endParaRPr>
+          </a:p>
+          <a:p>
+            <a:pPr marL="457200" indent="-457200">
+              <a:buFont typeface="+mj-lt"/>
+              <a:buAutoNum type="arabicPeriod"/>
+            </a:pPr>
+            <a:endParaRPr lang="en-US" sz="2400" dirty="0" smtClean="0">
+              <a:latin typeface="Times New Roman" panose="02020603050405020304" pitchFamily="18" charset="0"/>
+              <a:cs typeface="Times New Roman" panose="02020603050405020304" pitchFamily="18" charset="0"/>
+            </a:endParaRPr>
+          </a:p>
+          <a:p>
+            <a:endParaRPr lang="ru-RU" sz="2400" dirty="0" smtClean="0">
+              <a:latin typeface="Times New Roman" panose="02020603050405020304" pitchFamily="18" charset="0"/>
+              <a:cs typeface="Times New Roman" panose="02020603050405020304" pitchFamily="18" charset="0"/>
+            </a:endParaRPr>
+          </a:p>
+        </p:txBody>
+      </p:sp>
+      <p:sp>
+        <p:nvSpPr>
+          <p:cNvPr id="8" name="TextBox 5">
             <a:extLst>
               <a:ext uri="{FF2B5EF4-FFF2-40B4-BE49-F238E27FC236}">
                 <a16:creationId xmlns:a16="http://schemas.microsoft.com/office/drawing/2014/main" xmlns="" xmlns:lc="http://schemas.openxmlformats.org/drawingml/2006/lockedCanvas" id="{F7043567-4147-88C3-F094-05513D23DB95}"/>
@@ -9420,8 +9566,8 @@
         </p:nvSpPr>
         <p:spPr>
           <a:xfrm>
-            <a:off x="7910946" y="6334781"/>
-            <a:ext cx="1080656" cy="430887"/>
+            <a:off x="8240443" y="6426366"/>
+            <a:ext cx="903557" cy="400110"/>
           </a:xfrm>
           <a:prstGeom prst="rect">
             <a:avLst/>
@@ -9529,25 +9675,29 @@
           </a:lstStyle>
           <a:p>
             <a:r>
-              <a:rPr lang="ru-RU" sz="2200" dirty="0">
+              <a:rPr lang="ru-RU" sz="2000" dirty="0" smtClean="0">
                 <a:latin typeface="Times New Roman" panose="02020603050405020304" pitchFamily="18" charset="0"/>
                 <a:cs typeface="Times New Roman" panose="02020603050405020304" pitchFamily="18" charset="0"/>
               </a:rPr>
               <a:t>17/18</a:t>
             </a:r>
-          </a:p>
-        </p:txBody>
-      </p:sp>
-      <p:sp>
-        <p:nvSpPr>
-          <p:cNvPr id="6" name="Прямоугольник 5"/>
+            <a:endParaRPr lang="ru-RU" sz="2200" dirty="0">
+              <a:latin typeface="Times New Roman" panose="02020603050405020304" pitchFamily="18" charset="0"/>
+              <a:cs typeface="Times New Roman" panose="02020603050405020304" pitchFamily="18" charset="0"/>
+            </a:endParaRPr>
+          </a:p>
+        </p:txBody>
+      </p:sp>
+      <p:sp>
+        <p:nvSpPr>
+          <p:cNvPr id="9" name="Прямоугольник 8"/>
           <p:cNvSpPr/>
           <p:nvPr/>
         </p:nvSpPr>
         <p:spPr>
           <a:xfrm>
-            <a:off x="0" y="5981495"/>
-            <a:ext cx="2826415" cy="400110"/>
+            <a:off x="0" y="6087812"/>
+            <a:ext cx="2569934" cy="369332"/>
           </a:xfrm>
           <a:prstGeom prst="rect">
             <a:avLst/>
@@ -9560,7 +9710,7 @@
           <a:lstStyle/>
           <a:p>
             <a:r>
-              <a:rPr lang="ru-RU" sz="2000" dirty="0">
+              <a:rPr lang="ru-RU" dirty="0">
                 <a:latin typeface="Times New Roman" panose="02020603050405020304" pitchFamily="18" charset="0"/>
                 <a:cs typeface="Times New Roman" panose="02020603050405020304" pitchFamily="18" charset="0"/>
               </a:rPr>
@@ -9571,14 +9721,14 @@
       </p:sp>
       <p:sp>
         <p:nvSpPr>
-          <p:cNvPr id="7" name="Прямоугольник 6"/>
+          <p:cNvPr id="10" name="Прямоугольник 9"/>
           <p:cNvSpPr/>
           <p:nvPr/>
         </p:nvSpPr>
         <p:spPr>
           <a:xfrm>
-            <a:off x="0" y="6362992"/>
-            <a:ext cx="4410759" cy="400110"/>
+            <a:off x="0" y="6457144"/>
+            <a:ext cx="3995709" cy="369332"/>
           </a:xfrm>
           <a:prstGeom prst="rect">
             <a:avLst/>
@@ -9591,7 +9741,7 @@
           <a:lstStyle/>
           <a:p>
             <a:r>
-              <a:rPr lang="ru-RU" sz="2000" dirty="0">
+              <a:rPr lang="ru-RU" dirty="0">
                 <a:latin typeface="Times New Roman" panose="02020603050405020304" pitchFamily="18" charset="0"/>
                 <a:cs typeface="Times New Roman" panose="02020603050405020304" pitchFamily="18" charset="0"/>
               </a:rPr>
@@ -9603,7 +9753,7 @@
     </p:spTree>
     <p:extLst>
       <p:ext uri="{BB962C8B-B14F-4D97-AF65-F5344CB8AC3E}">
-        <p14:creationId xmlns:p14="http://schemas.microsoft.com/office/powerpoint/2010/main" val="1612943815"/>
+        <p14:creationId xmlns:p14="http://schemas.microsoft.com/office/powerpoint/2010/main" val="26125519"/>
       </p:ext>
     </p:extLst>
   </p:cSld>
@@ -9649,7 +9799,7 @@
         </p:nvSpPr>
         <p:spPr>
           <a:xfrm>
-            <a:off x="0" y="365126"/>
+            <a:off x="0" y="60288"/>
             <a:ext cx="9144000" cy="895639"/>
           </a:xfrm>
         </p:spPr>
@@ -9661,12 +9811,16 @@
           <a:p>
             <a:pPr algn="ctr"/>
             <a:r>
-              <a:rPr lang="ru-RU" sz="3600" b="1" dirty="0">
-                <a:latin typeface="Times New Roman" panose="02020603050405020304" pitchFamily="18" charset="0"/>
-                <a:cs typeface="Times New Roman" panose="02020603050405020304" pitchFamily="18" charset="0"/>
-              </a:rPr>
-              <a:t>ОСНОВНЫЕ РЕЗУЛЬТАТЫ</a:t>
-            </a:r>
+              <a:rPr lang="ru-RU" sz="3000" b="1" dirty="0" smtClean="0">
+                <a:latin typeface="Times New Roman" panose="02020603050405020304" pitchFamily="18" charset="0"/>
+                <a:cs typeface="Times New Roman" panose="02020603050405020304" pitchFamily="18" charset="0"/>
+              </a:rPr>
+              <a:t>ТЕСТИРОВАНИЕ ВЕБ-ПРИЛОЖЕНИЯ</a:t>
+            </a:r>
+            <a:endParaRPr lang="ru-RU" sz="3000" b="1" dirty="0">
+              <a:latin typeface="Times New Roman" panose="02020603050405020304" pitchFamily="18" charset="0"/>
+              <a:cs typeface="Times New Roman" panose="02020603050405020304" pitchFamily="18" charset="0"/>
+            </a:endParaRPr>
           </a:p>
         </p:txBody>
       </p:sp>
@@ -9682,138 +9836,135 @@
         </p:nvSpPr>
         <p:spPr>
           <a:xfrm>
-            <a:off x="304800" y="1493116"/>
-            <a:ext cx="8534400" cy="4351338"/>
+            <a:off x="457200" y="1062103"/>
+            <a:ext cx="8229600" cy="4351338"/>
           </a:xfrm>
         </p:spPr>
         <p:txBody>
           <a:bodyPr>
-            <a:normAutofit fontScale="92500" lnSpcReduction="10000"/>
+            <a:normAutofit/>
           </a:bodyPr>
           <a:lstStyle/>
           <a:p>
-            <a:pPr marL="514350" indent="-514350">
-              <a:lnSpc>
-                <a:spcPct val="120000"/>
-              </a:lnSpc>
+            <a:pPr marL="0" indent="0">
+              <a:buNone/>
+            </a:pPr>
+            <a:r>
+              <a:rPr lang="ru-RU" sz="2400" dirty="0" smtClean="0">
+                <a:latin typeface="Times New Roman" panose="02020603050405020304" pitchFamily="18" charset="0"/>
+                <a:cs typeface="Times New Roman" panose="02020603050405020304" pitchFamily="18" charset="0"/>
+              </a:rPr>
+              <a:t>Функциональное тестирование:</a:t>
+            </a:r>
+          </a:p>
+          <a:p>
+            <a:pPr marL="457200" indent="-457200">
               <a:buFont typeface="+mj-lt"/>
               <a:buAutoNum type="arabicPeriod"/>
             </a:pPr>
             <a:r>
-              <a:rPr lang="ru-RU" dirty="0" smtClean="0">
-                <a:latin typeface="Times New Roman" panose="02020603050405020304" pitchFamily="18" charset="0"/>
-                <a:cs typeface="Times New Roman" panose="02020603050405020304" pitchFamily="18" charset="0"/>
-              </a:rPr>
-              <a:t>Выполнен </a:t>
-            </a:r>
-            <a:r>
-              <a:rPr lang="ru-RU" dirty="0">
-                <a:latin typeface="Times New Roman" panose="02020603050405020304" pitchFamily="18" charset="0"/>
-                <a:cs typeface="Times New Roman" panose="02020603050405020304" pitchFamily="18" charset="0"/>
-              </a:rPr>
-              <a:t>обзор литературы и существующих аналогов</a:t>
-            </a:r>
-          </a:p>
-          <a:p>
-            <a:pPr marL="514350" indent="-514350">
-              <a:lnSpc>
-                <a:spcPct val="120000"/>
-              </a:lnSpc>
+              <a:rPr lang="ru-RU" sz="2400" dirty="0" smtClean="0">
+                <a:latin typeface="Times New Roman" panose="02020603050405020304" pitchFamily="18" charset="0"/>
+                <a:cs typeface="Times New Roman" panose="02020603050405020304" pitchFamily="18" charset="0"/>
+              </a:rPr>
+              <a:t>Авторизация с помощью </a:t>
+            </a:r>
+            <a:r>
+              <a:rPr lang="en-US" sz="2400" dirty="0" err="1" smtClean="0">
+                <a:latin typeface="Times New Roman" panose="02020603050405020304" pitchFamily="18" charset="0"/>
+                <a:cs typeface="Times New Roman" panose="02020603050405020304" pitchFamily="18" charset="0"/>
+              </a:rPr>
+              <a:t>MetaMask</a:t>
+            </a:r>
+            <a:endParaRPr lang="en-US" sz="2400" dirty="0" smtClean="0">
+              <a:latin typeface="Times New Roman" panose="02020603050405020304" pitchFamily="18" charset="0"/>
+              <a:cs typeface="Times New Roman" panose="02020603050405020304" pitchFamily="18" charset="0"/>
+            </a:endParaRPr>
+          </a:p>
+          <a:p>
+            <a:pPr marL="457200" indent="-457200">
               <a:buFont typeface="+mj-lt"/>
               <a:buAutoNum type="arabicPeriod"/>
             </a:pPr>
             <a:r>
-              <a:rPr lang="ru-RU" dirty="0" smtClean="0">
-                <a:latin typeface="Times New Roman" panose="02020603050405020304" pitchFamily="18" charset="0"/>
-                <a:cs typeface="Times New Roman" panose="02020603050405020304" pitchFamily="18" charset="0"/>
-              </a:rPr>
-              <a:t>Спроектированы смарт-контракты </a:t>
-            </a:r>
-            <a:r>
-              <a:rPr lang="ru-RU" dirty="0">
-                <a:latin typeface="Times New Roman" panose="02020603050405020304" pitchFamily="18" charset="0"/>
-                <a:cs typeface="Times New Roman" panose="02020603050405020304" pitchFamily="18" charset="0"/>
-              </a:rPr>
-              <a:t>для электронного голосования на основе технологии блокчейн</a:t>
-            </a:r>
-          </a:p>
-          <a:p>
-            <a:pPr marL="514350" indent="-514350">
-              <a:lnSpc>
-                <a:spcPct val="120000"/>
-              </a:lnSpc>
+              <a:rPr lang="ru-RU" sz="2400" dirty="0" smtClean="0">
+                <a:latin typeface="Times New Roman" panose="02020603050405020304" pitchFamily="18" charset="0"/>
+                <a:cs typeface="Times New Roman" panose="02020603050405020304" pitchFamily="18" charset="0"/>
+              </a:rPr>
+              <a:t>Просмотр всех голосований</a:t>
+            </a:r>
+          </a:p>
+          <a:p>
+            <a:pPr marL="457200" indent="-457200">
               <a:buFont typeface="+mj-lt"/>
               <a:buAutoNum type="arabicPeriod"/>
             </a:pPr>
             <a:r>
-              <a:rPr lang="ru-RU" dirty="0" smtClean="0">
-                <a:latin typeface="Times New Roman" panose="02020603050405020304" pitchFamily="18" charset="0"/>
-                <a:cs typeface="Times New Roman" panose="02020603050405020304" pitchFamily="18" charset="0"/>
-              </a:rPr>
-              <a:t>Спроектировано </a:t>
-            </a:r>
-            <a:r>
-              <a:rPr lang="ru-RU" dirty="0">
-                <a:latin typeface="Times New Roman" panose="02020603050405020304" pitchFamily="18" charset="0"/>
-                <a:cs typeface="Times New Roman" panose="02020603050405020304" pitchFamily="18" charset="0"/>
-              </a:rPr>
-              <a:t>веб-приложение для электронного голосования на основе технологии блокчейн</a:t>
-            </a:r>
-          </a:p>
-          <a:p>
-            <a:pPr marL="514350" indent="-514350">
-              <a:lnSpc>
-                <a:spcPct val="120000"/>
-              </a:lnSpc>
+              <a:rPr lang="ru-RU" sz="2400" dirty="0" smtClean="0">
+                <a:latin typeface="Times New Roman" panose="02020603050405020304" pitchFamily="18" charset="0"/>
+                <a:cs typeface="Times New Roman" panose="02020603050405020304" pitchFamily="18" charset="0"/>
+              </a:rPr>
+              <a:t>Просмотр подробных данных о каждом голосовании</a:t>
+            </a:r>
+          </a:p>
+          <a:p>
+            <a:pPr marL="457200" indent="-457200">
               <a:buFont typeface="+mj-lt"/>
               <a:buAutoNum type="arabicPeriod"/>
             </a:pPr>
             <a:r>
-              <a:rPr lang="ru-RU" dirty="0" smtClean="0">
-                <a:latin typeface="Times New Roman" panose="02020603050405020304" pitchFamily="18" charset="0"/>
-                <a:cs typeface="Times New Roman" panose="02020603050405020304" pitchFamily="18" charset="0"/>
-              </a:rPr>
-              <a:t>Реализованы смарт-контракты </a:t>
-            </a:r>
-            <a:r>
-              <a:rPr lang="ru-RU" dirty="0">
-                <a:latin typeface="Times New Roman" panose="02020603050405020304" pitchFamily="18" charset="0"/>
-                <a:cs typeface="Times New Roman" panose="02020603050405020304" pitchFamily="18" charset="0"/>
-              </a:rPr>
-              <a:t>и веб-приложение</a:t>
-            </a:r>
-          </a:p>
-          <a:p>
-            <a:pPr marL="514350" indent="-514350">
-              <a:lnSpc>
-                <a:spcPct val="120000"/>
-              </a:lnSpc>
+              <a:rPr lang="ru-RU" sz="2400" dirty="0" smtClean="0">
+                <a:latin typeface="Times New Roman" panose="02020603050405020304" pitchFamily="18" charset="0"/>
+                <a:cs typeface="Times New Roman" panose="02020603050405020304" pitchFamily="18" charset="0"/>
+              </a:rPr>
+              <a:t>Поиск голосования по названию и статусу</a:t>
+            </a:r>
+          </a:p>
+          <a:p>
+            <a:pPr marL="457200" indent="-457200">
               <a:buFont typeface="+mj-lt"/>
               <a:buAutoNum type="arabicPeriod"/>
             </a:pPr>
             <a:r>
-              <a:rPr lang="ru-RU" dirty="0" smtClean="0">
-                <a:latin typeface="Times New Roman" panose="02020603050405020304" pitchFamily="18" charset="0"/>
-                <a:cs typeface="Times New Roman" panose="02020603050405020304" pitchFamily="18" charset="0"/>
-              </a:rPr>
-              <a:t>Проведено </a:t>
-            </a:r>
-            <a:r>
-              <a:rPr lang="ru-RU" dirty="0">
-                <a:latin typeface="Times New Roman" panose="02020603050405020304" pitchFamily="18" charset="0"/>
-                <a:cs typeface="Times New Roman" panose="02020603050405020304" pitchFamily="18" charset="0"/>
-              </a:rPr>
-              <a:t>тестирование работы приложения</a:t>
-            </a:r>
-          </a:p>
-          <a:p>
-            <a:endParaRPr lang="ru-RU" dirty="0"/>
-          </a:p>
-        </p:txBody>
-      </p:sp>
-      <p:sp>
-        <p:nvSpPr>
-          <p:cNvPr id="4" name="TextBox 5">
+              <a:rPr lang="ru-RU" sz="2400" dirty="0" smtClean="0">
+                <a:latin typeface="Times New Roman" panose="02020603050405020304" pitchFamily="18" charset="0"/>
+                <a:cs typeface="Times New Roman" panose="02020603050405020304" pitchFamily="18" charset="0"/>
+              </a:rPr>
+              <a:t>Создание голосования</a:t>
+            </a:r>
+          </a:p>
+          <a:p>
+            <a:pPr marL="457200" indent="-457200">
+              <a:buFont typeface="+mj-lt"/>
+              <a:buAutoNum type="arabicPeriod"/>
+            </a:pPr>
+            <a:r>
+              <a:rPr lang="ru-RU" sz="2400" dirty="0" smtClean="0">
+                <a:latin typeface="Times New Roman" panose="02020603050405020304" pitchFamily="18" charset="0"/>
+                <a:cs typeface="Times New Roman" panose="02020603050405020304" pitchFamily="18" charset="0"/>
+              </a:rPr>
+              <a:t>Возможность проголосовать и просмотреть транзакцию в </a:t>
+            </a:r>
+            <a:r>
+              <a:rPr lang="ru-RU" sz="2400" dirty="0" err="1" smtClean="0">
+                <a:latin typeface="Times New Roman" panose="02020603050405020304" pitchFamily="18" charset="0"/>
+                <a:cs typeface="Times New Roman" panose="02020603050405020304" pitchFamily="18" charset="0"/>
+              </a:rPr>
+              <a:t>блокчейн</a:t>
+            </a:r>
+            <a:r>
+              <a:rPr lang="ru-RU" sz="2400" dirty="0" smtClean="0">
+                <a:latin typeface="Times New Roman" panose="02020603050405020304" pitchFamily="18" charset="0"/>
+                <a:cs typeface="Times New Roman" panose="02020603050405020304" pitchFamily="18" charset="0"/>
+              </a:rPr>
+              <a:t>-обозревателе</a:t>
+            </a:r>
+          </a:p>
+        </p:txBody>
+      </p:sp>
+      <p:sp>
+        <p:nvSpPr>
+          <p:cNvPr id="8" name="TextBox 5">
             <a:extLst>
               <a:ext uri="{FF2B5EF4-FFF2-40B4-BE49-F238E27FC236}">
                 <a16:creationId xmlns:a16="http://schemas.microsoft.com/office/drawing/2014/main" xmlns="" xmlns:lc="http://schemas.openxmlformats.org/drawingml/2006/lockedCanvas" id="{F7043567-4147-88C3-F094-05513D23DB95}"/>
@@ -9825,8 +9976,8 @@
         </p:nvSpPr>
         <p:spPr>
           <a:xfrm>
-            <a:off x="7952508" y="6334780"/>
-            <a:ext cx="1080656" cy="430887"/>
+            <a:off x="8240443" y="6426366"/>
+            <a:ext cx="903557" cy="400110"/>
           </a:xfrm>
           <a:prstGeom prst="rect">
             <a:avLst/>
@@ -9934,25 +10085,50 @@
           </a:lstStyle>
           <a:p>
             <a:r>
-              <a:rPr lang="ru-RU" sz="2200" dirty="0">
-                <a:latin typeface="Times New Roman" panose="02020603050405020304" pitchFamily="18" charset="0"/>
-                <a:cs typeface="Times New Roman" panose="02020603050405020304" pitchFamily="18" charset="0"/>
-              </a:rPr>
-              <a:t>18/18</a:t>
-            </a:r>
-          </a:p>
-        </p:txBody>
-      </p:sp>
-      <p:sp>
-        <p:nvSpPr>
-          <p:cNvPr id="6" name="Прямоугольник 5"/>
+              <a:rPr lang="ru-RU" sz="2000" dirty="0" smtClean="0">
+                <a:latin typeface="Times New Roman" panose="02020603050405020304" pitchFamily="18" charset="0"/>
+                <a:cs typeface="Times New Roman" panose="02020603050405020304" pitchFamily="18" charset="0"/>
+              </a:rPr>
+              <a:t>1</a:t>
+            </a:r>
+            <a:r>
+              <a:rPr lang="en-US" sz="2000" dirty="0" smtClean="0">
+                <a:latin typeface="Times New Roman" panose="02020603050405020304" pitchFamily="18" charset="0"/>
+                <a:cs typeface="Times New Roman" panose="02020603050405020304" pitchFamily="18" charset="0"/>
+              </a:rPr>
+              <a:t>8</a:t>
+            </a:r>
+            <a:r>
+              <a:rPr lang="ru-RU" sz="2000" dirty="0" smtClean="0">
+                <a:latin typeface="Times New Roman" panose="02020603050405020304" pitchFamily="18" charset="0"/>
+                <a:cs typeface="Times New Roman" panose="02020603050405020304" pitchFamily="18" charset="0"/>
+              </a:rPr>
+              <a:t>/</a:t>
+            </a:r>
+            <a:r>
+              <a:rPr lang="en-US" sz="2000" dirty="0" smtClean="0">
+                <a:latin typeface="Times New Roman" panose="02020603050405020304" pitchFamily="18" charset="0"/>
+                <a:cs typeface="Times New Roman" panose="02020603050405020304" pitchFamily="18" charset="0"/>
+              </a:rPr>
+              <a:t>20</a:t>
+            </a:r>
+            <a:endParaRPr lang="ru-RU" sz="2200" dirty="0">
+              <a:latin typeface="Times New Roman" panose="02020603050405020304" pitchFamily="18" charset="0"/>
+              <a:cs typeface="Times New Roman" panose="02020603050405020304" pitchFamily="18" charset="0"/>
+            </a:endParaRPr>
+          </a:p>
+        </p:txBody>
+      </p:sp>
+      <p:sp>
+        <p:nvSpPr>
+          <p:cNvPr id="9" name="Прямоугольник 8"/>
           <p:cNvSpPr/>
           <p:nvPr/>
         </p:nvSpPr>
         <p:spPr>
           <a:xfrm>
-            <a:off x="0" y="5981495"/>
-            <a:ext cx="2826415" cy="400110"/>
+            <a:off x="0" y="6087812"/>
+            <a:ext cx="2569934" cy="369332"/>
           </a:xfrm>
           <a:prstGeom prst="rect">
             <a:avLst/>
@@ -9965,7 +10141,7 @@
           <a:lstStyle/>
           <a:p>
             <a:r>
-              <a:rPr lang="ru-RU" sz="2000" dirty="0">
+              <a:rPr lang="ru-RU" dirty="0">
                 <a:latin typeface="Times New Roman" panose="02020603050405020304" pitchFamily="18" charset="0"/>
                 <a:cs typeface="Times New Roman" panose="02020603050405020304" pitchFamily="18" charset="0"/>
               </a:rPr>
@@ -9976,14 +10152,14 @@
       </p:sp>
       <p:sp>
         <p:nvSpPr>
-          <p:cNvPr id="7" name="Прямоугольник 6"/>
+          <p:cNvPr id="10" name="Прямоугольник 9"/>
           <p:cNvSpPr/>
           <p:nvPr/>
         </p:nvSpPr>
         <p:spPr>
           <a:xfrm>
-            <a:off x="0" y="6362992"/>
-            <a:ext cx="4410759" cy="400110"/>
+            <a:off x="0" y="6457144"/>
+            <a:ext cx="3995709" cy="369332"/>
           </a:xfrm>
           <a:prstGeom prst="rect">
             <a:avLst/>
@@ -9996,7 +10172,7 @@
           <a:lstStyle/>
           <a:p>
             <a:r>
-              <a:rPr lang="ru-RU" sz="2000" dirty="0">
+              <a:rPr lang="ru-RU" dirty="0">
                 <a:latin typeface="Times New Roman" panose="02020603050405020304" pitchFamily="18" charset="0"/>
                 <a:cs typeface="Times New Roman" panose="02020603050405020304" pitchFamily="18" charset="0"/>
               </a:rPr>
@@ -10008,7 +10184,389 @@
     </p:spTree>
     <p:extLst>
       <p:ext uri="{BB962C8B-B14F-4D97-AF65-F5344CB8AC3E}">
-        <p14:creationId xmlns:p14="http://schemas.microsoft.com/office/powerpoint/2010/main" val="3951920414"/>
+        <p14:creationId xmlns:p14="http://schemas.microsoft.com/office/powerpoint/2010/main" val="1800677171"/>
+      </p:ext>
+    </p:extLst>
+  </p:cSld>
+  <p:clrMapOvr>
+    <a:masterClrMapping/>
+  </p:clrMapOvr>
+  <p:timing>
+    <p:tnLst>
+      <p:par>
+        <p:cTn id="1" dur="indefinite" restart="never" nodeType="tmRoot"/>
+      </p:par>
+    </p:tnLst>
+  </p:timing>
+</p:sld>
+</file>
+
+<file path=ppt/slides/slide19.xml><?xml version="1.0" encoding="utf-8"?>
+<p:sld xmlns:a="http://schemas.openxmlformats.org/drawingml/2006/main" xmlns:r="http://schemas.openxmlformats.org/officeDocument/2006/relationships" xmlns:p="http://schemas.openxmlformats.org/presentationml/2006/main">
+  <p:cSld>
+    <p:spTree>
+      <p:nvGrpSpPr>
+        <p:cNvPr id="1" name=""/>
+        <p:cNvGrpSpPr/>
+        <p:nvPr/>
+      </p:nvGrpSpPr>
+      <p:grpSpPr>
+        <a:xfrm>
+          <a:off x="0" y="0"/>
+          <a:ext cx="0" cy="0"/>
+          <a:chOff x="0" y="0"/>
+          <a:chExt cx="0" cy="0"/>
+        </a:xfrm>
+      </p:grpSpPr>
+      <p:sp>
+        <p:nvSpPr>
+          <p:cNvPr id="2" name="Заголовок 1"/>
+          <p:cNvSpPr>
+            <a:spLocks noGrp="1"/>
+          </p:cNvSpPr>
+          <p:nvPr>
+            <p:ph type="title"/>
+          </p:nvPr>
+        </p:nvSpPr>
+        <p:spPr>
+          <a:xfrm>
+            <a:off x="0" y="60288"/>
+            <a:ext cx="9144000" cy="895639"/>
+          </a:xfrm>
+        </p:spPr>
+        <p:txBody>
+          <a:bodyPr>
+            <a:normAutofit/>
+          </a:bodyPr>
+          <a:lstStyle/>
+          <a:p>
+            <a:pPr algn="ctr"/>
+            <a:r>
+              <a:rPr lang="ru-RU" sz="3000" b="1" dirty="0" smtClean="0">
+                <a:latin typeface="Times New Roman" panose="02020603050405020304" pitchFamily="18" charset="0"/>
+                <a:cs typeface="Times New Roman" panose="02020603050405020304" pitchFamily="18" charset="0"/>
+              </a:rPr>
+              <a:t>НАПРАВЛЕНИЯ ДАЛЬНЕЙШЕЙ РАБОТЫ</a:t>
+            </a:r>
+            <a:endParaRPr lang="ru-RU" sz="3000" b="1" dirty="0">
+              <a:latin typeface="Times New Roman" panose="02020603050405020304" pitchFamily="18" charset="0"/>
+              <a:cs typeface="Times New Roman" panose="02020603050405020304" pitchFamily="18" charset="0"/>
+            </a:endParaRPr>
+          </a:p>
+        </p:txBody>
+      </p:sp>
+      <p:sp>
+        <p:nvSpPr>
+          <p:cNvPr id="8" name="TextBox 5">
+            <a:extLst>
+              <a:ext uri="{FF2B5EF4-FFF2-40B4-BE49-F238E27FC236}">
+                <a16:creationId xmlns:a16="http://schemas.microsoft.com/office/drawing/2014/main" xmlns="" xmlns:lc="http://schemas.openxmlformats.org/drawingml/2006/lockedCanvas" id="{F7043567-4147-88C3-F094-05513D23DB95}"/>
+              </a:ext>
+            </a:extLst>
+          </p:cNvPr>
+          <p:cNvSpPr txBox="1"/>
+          <p:nvPr/>
+        </p:nvSpPr>
+        <p:spPr>
+          <a:xfrm>
+            <a:off x="8240443" y="6426366"/>
+            <a:ext cx="903557" cy="400110"/>
+          </a:xfrm>
+          <a:prstGeom prst="rect">
+            <a:avLst/>
+          </a:prstGeom>
+          <a:noFill/>
+        </p:spPr>
+        <p:txBody>
+          <a:bodyPr wrap="square" rtlCol="0">
+            <a:spAutoFit/>
+          </a:bodyPr>
+          <a:lstStyle>
+            <a:defPPr>
+              <a:defRPr lang="ru-RU"/>
+            </a:defPPr>
+            <a:lvl1pPr marL="0" algn="l" defTabSz="914400" rtl="0" eaLnBrk="1" latinLnBrk="0" hangingPunct="1">
+              <a:defRPr sz="1800" kern="1200">
+                <a:solidFill>
+                  <a:schemeClr val="tx1"/>
+                </a:solidFill>
+                <a:latin typeface="+mn-lt"/>
+                <a:ea typeface="+mn-ea"/>
+                <a:cs typeface="+mn-cs"/>
+              </a:defRPr>
+            </a:lvl1pPr>
+            <a:lvl2pPr marL="457200" algn="l" defTabSz="914400" rtl="0" eaLnBrk="1" latinLnBrk="0" hangingPunct="1">
+              <a:defRPr sz="1800" kern="1200">
+                <a:solidFill>
+                  <a:schemeClr val="tx1"/>
+                </a:solidFill>
+                <a:latin typeface="+mn-lt"/>
+                <a:ea typeface="+mn-ea"/>
+                <a:cs typeface="+mn-cs"/>
+              </a:defRPr>
+            </a:lvl2pPr>
+            <a:lvl3pPr marL="914400" algn="l" defTabSz="914400" rtl="0" eaLnBrk="1" latinLnBrk="0" hangingPunct="1">
+              <a:defRPr sz="1800" kern="1200">
+                <a:solidFill>
+                  <a:schemeClr val="tx1"/>
+                </a:solidFill>
+                <a:latin typeface="+mn-lt"/>
+                <a:ea typeface="+mn-ea"/>
+                <a:cs typeface="+mn-cs"/>
+              </a:defRPr>
+            </a:lvl3pPr>
+            <a:lvl4pPr marL="1371600" algn="l" defTabSz="914400" rtl="0" eaLnBrk="1" latinLnBrk="0" hangingPunct="1">
+              <a:defRPr sz="1800" kern="1200">
+                <a:solidFill>
+                  <a:schemeClr val="tx1"/>
+                </a:solidFill>
+                <a:latin typeface="+mn-lt"/>
+                <a:ea typeface="+mn-ea"/>
+                <a:cs typeface="+mn-cs"/>
+              </a:defRPr>
+            </a:lvl4pPr>
+            <a:lvl5pPr marL="1828800" algn="l" defTabSz="914400" rtl="0" eaLnBrk="1" latinLnBrk="0" hangingPunct="1">
+              <a:defRPr sz="1800" kern="1200">
+                <a:solidFill>
+                  <a:schemeClr val="tx1"/>
+                </a:solidFill>
+                <a:latin typeface="+mn-lt"/>
+                <a:ea typeface="+mn-ea"/>
+                <a:cs typeface="+mn-cs"/>
+              </a:defRPr>
+            </a:lvl5pPr>
+            <a:lvl6pPr marL="2286000" algn="l" defTabSz="914400" rtl="0" eaLnBrk="1" latinLnBrk="0" hangingPunct="1">
+              <a:defRPr sz="1800" kern="1200">
+                <a:solidFill>
+                  <a:schemeClr val="tx1"/>
+                </a:solidFill>
+                <a:latin typeface="+mn-lt"/>
+                <a:ea typeface="+mn-ea"/>
+                <a:cs typeface="+mn-cs"/>
+              </a:defRPr>
+            </a:lvl6pPr>
+            <a:lvl7pPr marL="2743200" algn="l" defTabSz="914400" rtl="0" eaLnBrk="1" latinLnBrk="0" hangingPunct="1">
+              <a:defRPr sz="1800" kern="1200">
+                <a:solidFill>
+                  <a:schemeClr val="tx1"/>
+                </a:solidFill>
+                <a:latin typeface="+mn-lt"/>
+                <a:ea typeface="+mn-ea"/>
+                <a:cs typeface="+mn-cs"/>
+              </a:defRPr>
+            </a:lvl7pPr>
+            <a:lvl8pPr marL="3200400" algn="l" defTabSz="914400" rtl="0" eaLnBrk="1" latinLnBrk="0" hangingPunct="1">
+              <a:defRPr sz="1800" kern="1200">
+                <a:solidFill>
+                  <a:schemeClr val="tx1"/>
+                </a:solidFill>
+                <a:latin typeface="+mn-lt"/>
+                <a:ea typeface="+mn-ea"/>
+                <a:cs typeface="+mn-cs"/>
+              </a:defRPr>
+            </a:lvl8pPr>
+            <a:lvl9pPr marL="3657600" algn="l" defTabSz="914400" rtl="0" eaLnBrk="1" latinLnBrk="0" hangingPunct="1">
+              <a:defRPr sz="1800" kern="1200">
+                <a:solidFill>
+                  <a:schemeClr val="tx1"/>
+                </a:solidFill>
+                <a:latin typeface="+mn-lt"/>
+                <a:ea typeface="+mn-ea"/>
+                <a:cs typeface="+mn-cs"/>
+              </a:defRPr>
+            </a:lvl9pPr>
+          </a:lstStyle>
+          <a:p>
+            <a:r>
+              <a:rPr lang="ru-RU" sz="2000" dirty="0" smtClean="0">
+                <a:latin typeface="Times New Roman" panose="02020603050405020304" pitchFamily="18" charset="0"/>
+                <a:cs typeface="Times New Roman" panose="02020603050405020304" pitchFamily="18" charset="0"/>
+              </a:rPr>
+              <a:t>1</a:t>
+            </a:r>
+            <a:r>
+              <a:rPr lang="en-US" sz="2000" dirty="0" smtClean="0">
+                <a:latin typeface="Times New Roman" panose="02020603050405020304" pitchFamily="18" charset="0"/>
+                <a:cs typeface="Times New Roman" panose="02020603050405020304" pitchFamily="18" charset="0"/>
+              </a:rPr>
+              <a:t>9</a:t>
+            </a:r>
+            <a:r>
+              <a:rPr lang="ru-RU" sz="2000" dirty="0" smtClean="0">
+                <a:latin typeface="Times New Roman" panose="02020603050405020304" pitchFamily="18" charset="0"/>
+                <a:cs typeface="Times New Roman" panose="02020603050405020304" pitchFamily="18" charset="0"/>
+              </a:rPr>
+              <a:t>/</a:t>
+            </a:r>
+            <a:r>
+              <a:rPr lang="en-US" sz="2000" dirty="0" smtClean="0">
+                <a:latin typeface="Times New Roman" panose="02020603050405020304" pitchFamily="18" charset="0"/>
+                <a:cs typeface="Times New Roman" panose="02020603050405020304" pitchFamily="18" charset="0"/>
+              </a:rPr>
+              <a:t>20</a:t>
+            </a:r>
+            <a:endParaRPr lang="ru-RU" sz="2200" dirty="0">
+              <a:latin typeface="Times New Roman" panose="02020603050405020304" pitchFamily="18" charset="0"/>
+              <a:cs typeface="Times New Roman" panose="02020603050405020304" pitchFamily="18" charset="0"/>
+            </a:endParaRPr>
+          </a:p>
+        </p:txBody>
+      </p:sp>
+      <p:sp>
+        <p:nvSpPr>
+          <p:cNvPr id="9" name="Прямоугольник 8"/>
+          <p:cNvSpPr/>
+          <p:nvPr/>
+        </p:nvSpPr>
+        <p:spPr>
+          <a:xfrm>
+            <a:off x="0" y="6087812"/>
+            <a:ext cx="2569934" cy="369332"/>
+          </a:xfrm>
+          <a:prstGeom prst="rect">
+            <a:avLst/>
+          </a:prstGeom>
+        </p:spPr>
+        <p:txBody>
+          <a:bodyPr wrap="none">
+            <a:spAutoFit/>
+          </a:bodyPr>
+          <a:lstStyle/>
+          <a:p>
+            <a:r>
+              <a:rPr lang="ru-RU" dirty="0">
+                <a:latin typeface="Times New Roman" panose="02020603050405020304" pitchFamily="18" charset="0"/>
+                <a:cs typeface="Times New Roman" panose="02020603050405020304" pitchFamily="18" charset="0"/>
+              </a:rPr>
+              <a:t>http://veronijo.beget.tech/</a:t>
+            </a:r>
+          </a:p>
+        </p:txBody>
+      </p:sp>
+      <p:sp>
+        <p:nvSpPr>
+          <p:cNvPr id="10" name="Прямоугольник 9"/>
+          <p:cNvSpPr/>
+          <p:nvPr/>
+        </p:nvSpPr>
+        <p:spPr>
+          <a:xfrm>
+            <a:off x="0" y="6457144"/>
+            <a:ext cx="3995709" cy="369332"/>
+          </a:xfrm>
+          <a:prstGeom prst="rect">
+            <a:avLst/>
+          </a:prstGeom>
+        </p:spPr>
+        <p:txBody>
+          <a:bodyPr wrap="none">
+            <a:spAutoFit/>
+          </a:bodyPr>
+          <a:lstStyle/>
+          <a:p>
+            <a:r>
+              <a:rPr lang="ru-RU" dirty="0">
+                <a:latin typeface="Times New Roman" panose="02020603050405020304" pitchFamily="18" charset="0"/>
+                <a:cs typeface="Times New Roman" panose="02020603050405020304" pitchFamily="18" charset="0"/>
+              </a:rPr>
+              <a:t>https://github.com/wbogatyrewa/EVoting</a:t>
+            </a:r>
+          </a:p>
+        </p:txBody>
+      </p:sp>
+      <p:sp>
+        <p:nvSpPr>
+          <p:cNvPr id="11" name="Объект 2"/>
+          <p:cNvSpPr>
+            <a:spLocks noGrp="1"/>
+          </p:cNvSpPr>
+          <p:nvPr>
+            <p:ph idx="1"/>
+          </p:nvPr>
+        </p:nvSpPr>
+        <p:spPr>
+          <a:xfrm>
+            <a:off x="457200" y="1062103"/>
+            <a:ext cx="8229600" cy="4351338"/>
+          </a:xfrm>
+        </p:spPr>
+        <p:txBody>
+          <a:bodyPr>
+            <a:normAutofit/>
+          </a:bodyPr>
+          <a:lstStyle/>
+          <a:p>
+            <a:pPr marL="457200" indent="-457200">
+              <a:buFont typeface="+mj-lt"/>
+              <a:buAutoNum type="arabicPeriod"/>
+            </a:pPr>
+            <a:r>
+              <a:rPr lang="ru-RU" sz="2400" dirty="0" smtClean="0">
+                <a:latin typeface="Times New Roman" panose="02020603050405020304" pitchFamily="18" charset="0"/>
+                <a:cs typeface="Times New Roman" panose="02020603050405020304" pitchFamily="18" charset="0"/>
+              </a:rPr>
+              <a:t>Добавление возможности проведения весового голосования</a:t>
+            </a:r>
+          </a:p>
+          <a:p>
+            <a:pPr marL="457200" indent="-457200">
+              <a:buFont typeface="+mj-lt"/>
+              <a:buAutoNum type="arabicPeriod"/>
+            </a:pPr>
+            <a:r>
+              <a:rPr lang="ru-RU" sz="2400" dirty="0" smtClean="0">
+                <a:latin typeface="Times New Roman" panose="02020603050405020304" pitchFamily="18" charset="0"/>
+                <a:cs typeface="Times New Roman" panose="02020603050405020304" pitchFamily="18" charset="0"/>
+              </a:rPr>
+              <a:t>Отправление уведомлений избирателям на почту о </a:t>
+            </a:r>
+            <a:r>
+              <a:rPr lang="ru-RU" sz="2400" smtClean="0">
+                <a:latin typeface="Times New Roman" panose="02020603050405020304" pitchFamily="18" charset="0"/>
+                <a:cs typeface="Times New Roman" panose="02020603050405020304" pitchFamily="18" charset="0"/>
+              </a:rPr>
+              <a:t>проведении голосования</a:t>
+            </a:r>
+            <a:endParaRPr lang="ru-RU" sz="2400" dirty="0" smtClean="0">
+              <a:latin typeface="Times New Roman" panose="02020603050405020304" pitchFamily="18" charset="0"/>
+              <a:cs typeface="Times New Roman" panose="02020603050405020304" pitchFamily="18" charset="0"/>
+            </a:endParaRPr>
+          </a:p>
+          <a:p>
+            <a:pPr marL="457200" indent="-457200">
+              <a:buFont typeface="+mj-lt"/>
+              <a:buAutoNum type="arabicPeriod"/>
+            </a:pPr>
+            <a:r>
+              <a:rPr lang="ru-RU" sz="2400" dirty="0" smtClean="0">
+                <a:latin typeface="Times New Roman" panose="02020603050405020304" pitchFamily="18" charset="0"/>
+                <a:cs typeface="Times New Roman" panose="02020603050405020304" pitchFamily="18" charset="0"/>
+              </a:rPr>
+              <a:t>Получение подробных результатов голосования в формате </a:t>
+            </a:r>
+            <a:r>
+              <a:rPr lang="en-US" sz="2400" dirty="0" smtClean="0">
+                <a:latin typeface="Times New Roman" panose="02020603050405020304" pitchFamily="18" charset="0"/>
+                <a:cs typeface="Times New Roman" panose="02020603050405020304" pitchFamily="18" charset="0"/>
+              </a:rPr>
+              <a:t>PDF</a:t>
+            </a:r>
+          </a:p>
+          <a:p>
+            <a:pPr marL="0" indent="0">
+              <a:buNone/>
+            </a:pPr>
+            <a:endParaRPr lang="ru-RU" sz="2400" dirty="0" smtClean="0">
+              <a:latin typeface="Times New Roman" panose="02020603050405020304" pitchFamily="18" charset="0"/>
+              <a:cs typeface="Times New Roman" panose="02020603050405020304" pitchFamily="18" charset="0"/>
+            </a:endParaRPr>
+          </a:p>
+        </p:txBody>
+      </p:sp>
+    </p:spTree>
+    <p:extLst>
+      <p:ext uri="{BB962C8B-B14F-4D97-AF65-F5344CB8AC3E}">
+        <p14:creationId xmlns:p14="http://schemas.microsoft.com/office/powerpoint/2010/main" val="544645746"/>
       </p:ext>
     </p:extLst>
   </p:cSld>
@@ -10054,7 +10612,7 @@
         </p:nvSpPr>
         <p:spPr>
           <a:xfrm>
-            <a:off x="0" y="365126"/>
+            <a:off x="0" y="78524"/>
             <a:ext cx="9144000" cy="895639"/>
           </a:xfrm>
         </p:spPr>
@@ -10066,7 +10624,7 @@
           <a:p>
             <a:pPr algn="ctr"/>
             <a:r>
-              <a:rPr lang="ru-RU" sz="3600" b="1" dirty="0">
+              <a:rPr lang="ru-RU" sz="3000" b="1" dirty="0">
                 <a:latin typeface="Times New Roman" panose="02020603050405020304" pitchFamily="18" charset="0"/>
                 <a:cs typeface="Times New Roman" panose="02020603050405020304" pitchFamily="18" charset="0"/>
               </a:rPr>
@@ -10087,12 +10645,14 @@
         </p:nvSpPr>
         <p:spPr>
           <a:xfrm>
-            <a:off x="255606" y="1645516"/>
+            <a:off x="252494" y="1343495"/>
             <a:ext cx="8639011" cy="4351338"/>
           </a:xfrm>
         </p:spPr>
         <p:txBody>
-          <a:bodyPr/>
+          <a:bodyPr>
+            <a:normAutofit/>
+          </a:bodyPr>
           <a:lstStyle/>
           <a:p>
             <a:pPr marL="742950" indent="-742950" algn="just">
@@ -10102,48 +10662,48 @@
               <a:buAutoNum type="arabicPeriod"/>
             </a:pPr>
             <a:r>
-              <a:rPr lang="ru-RU" dirty="0">
+              <a:rPr lang="ru-RU" sz="2400" dirty="0">
                 <a:latin typeface="Times New Roman" panose="02020603050405020304" pitchFamily="18" charset="0"/>
                 <a:cs typeface="Times New Roman" panose="02020603050405020304" pitchFamily="18" charset="0"/>
               </a:rPr>
               <a:t>Традиционные системы голосования часто дают </a:t>
             </a:r>
             <a:r>
-              <a:rPr lang="ru-RU" dirty="0" smtClean="0">
+              <a:rPr lang="ru-RU" sz="2400" dirty="0" smtClean="0">
                 <a:latin typeface="Times New Roman" panose="02020603050405020304" pitchFamily="18" charset="0"/>
                 <a:cs typeface="Times New Roman" panose="02020603050405020304" pitchFamily="18" charset="0"/>
               </a:rPr>
               <a:t>сбои (</a:t>
             </a:r>
             <a:r>
-              <a:rPr lang="ru-RU" dirty="0">
+              <a:rPr lang="ru-RU" sz="2400" dirty="0">
                 <a:latin typeface="Times New Roman" panose="02020603050405020304" pitchFamily="18" charset="0"/>
                 <a:cs typeface="Times New Roman" panose="02020603050405020304" pitchFamily="18" charset="0"/>
               </a:rPr>
               <a:t>манипуляции результатами голосования, </a:t>
             </a:r>
             <a:r>
-              <a:rPr lang="ru-RU" dirty="0" smtClean="0">
+              <a:rPr lang="ru-RU" sz="2400" dirty="0" smtClean="0">
                 <a:latin typeface="Times New Roman" panose="02020603050405020304" pitchFamily="18" charset="0"/>
                 <a:cs typeface="Times New Roman" panose="02020603050405020304" pitchFamily="18" charset="0"/>
               </a:rPr>
               <a:t>недостаточная </a:t>
             </a:r>
             <a:r>
-              <a:rPr lang="ru-RU" dirty="0">
+              <a:rPr lang="ru-RU" sz="2400" dirty="0">
                 <a:latin typeface="Times New Roman" panose="02020603050405020304" pitchFamily="18" charset="0"/>
                 <a:cs typeface="Times New Roman" panose="02020603050405020304" pitchFamily="18" charset="0"/>
               </a:rPr>
               <a:t>прозрачность и </a:t>
             </a:r>
             <a:r>
-              <a:rPr lang="ru-RU" dirty="0" smtClean="0">
+              <a:rPr lang="ru-RU" sz="2400" dirty="0" smtClean="0">
                 <a:latin typeface="Times New Roman" panose="02020603050405020304" pitchFamily="18" charset="0"/>
                 <a:cs typeface="Times New Roman" panose="02020603050405020304" pitchFamily="18" charset="0"/>
               </a:rPr>
               <a:t>безопасность)</a:t>
             </a:r>
-            <a:endParaRPr lang="ru-RU" dirty="0">
+            <a:endParaRPr lang="ru-RU" sz="2400" dirty="0">
               <a:latin typeface="Times New Roman" panose="02020603050405020304" pitchFamily="18" charset="0"/>
               <a:cs typeface="Times New Roman" panose="02020603050405020304" pitchFamily="18" charset="0"/>
             </a:endParaRPr>
@@ -10156,7 +10716,7 @@
               <a:buAutoNum type="arabicPeriod"/>
             </a:pPr>
             <a:r>
-              <a:rPr lang="ru-RU" dirty="0">
+              <a:rPr lang="ru-RU" sz="2400" dirty="0">
                 <a:latin typeface="Times New Roman" panose="02020603050405020304" pitchFamily="18" charset="0"/>
                 <a:cs typeface="Times New Roman" panose="02020603050405020304" pitchFamily="18" charset="0"/>
               </a:rPr>
@@ -10171,7 +10731,7 @@
               <a:buAutoNum type="arabicPeriod"/>
             </a:pPr>
             <a:r>
-              <a:rPr lang="ru-RU" dirty="0">
+              <a:rPr lang="ru-RU" sz="2400" dirty="0">
                 <a:latin typeface="Times New Roman" panose="02020603050405020304" pitchFamily="18" charset="0"/>
                 <a:cs typeface="Times New Roman" panose="02020603050405020304" pitchFamily="18" charset="0"/>
               </a:rPr>
@@ -10184,7 +10744,7 @@
                 <a:spcPct val="100000"/>
               </a:lnSpc>
             </a:pPr>
-            <a:endParaRPr lang="ru-RU" dirty="0"/>
+            <a:endParaRPr lang="ru-RU" sz="2400" dirty="0"/>
           </a:p>
         </p:txBody>
       </p:sp>
@@ -10202,8 +10762,8 @@
         </p:nvSpPr>
         <p:spPr>
           <a:xfrm>
-            <a:off x="8129607" y="6334781"/>
-            <a:ext cx="903557" cy="430887"/>
+            <a:off x="8240443" y="6426366"/>
+            <a:ext cx="903557" cy="400110"/>
           </a:xfrm>
           <a:prstGeom prst="rect">
             <a:avLst/>
@@ -10311,12 +10871,23 @@
           </a:lstStyle>
           <a:p>
             <a:r>
-              <a:rPr lang="ru-RU" sz="2200" dirty="0">
-                <a:latin typeface="Times New Roman" panose="02020603050405020304" pitchFamily="18" charset="0"/>
-                <a:cs typeface="Times New Roman" panose="02020603050405020304" pitchFamily="18" charset="0"/>
-              </a:rPr>
-              <a:t>2/18</a:t>
-            </a:r>
+              <a:rPr lang="ru-RU" sz="2000" dirty="0" smtClean="0">
+                <a:latin typeface="Times New Roman" panose="02020603050405020304" pitchFamily="18" charset="0"/>
+                <a:cs typeface="Times New Roman" panose="02020603050405020304" pitchFamily="18" charset="0"/>
+              </a:rPr>
+              <a:t>2/</a:t>
+            </a:r>
+            <a:r>
+              <a:rPr lang="en-US" sz="2000" dirty="0" smtClean="0">
+                <a:latin typeface="Times New Roman" panose="02020603050405020304" pitchFamily="18" charset="0"/>
+                <a:cs typeface="Times New Roman" panose="02020603050405020304" pitchFamily="18" charset="0"/>
+              </a:rPr>
+              <a:t>20</a:t>
+            </a:r>
+            <a:endParaRPr lang="ru-RU" sz="2200" dirty="0">
+              <a:latin typeface="Times New Roman" panose="02020603050405020304" pitchFamily="18" charset="0"/>
+              <a:cs typeface="Times New Roman" panose="02020603050405020304" pitchFamily="18" charset="0"/>
+            </a:endParaRPr>
           </a:p>
         </p:txBody>
       </p:sp>
@@ -10328,8 +10899,8 @@
         </p:nvSpPr>
         <p:spPr>
           <a:xfrm>
-            <a:off x="0" y="5981495"/>
-            <a:ext cx="2826415" cy="400110"/>
+            <a:off x="0" y="6087812"/>
+            <a:ext cx="2569934" cy="369332"/>
           </a:xfrm>
           <a:prstGeom prst="rect">
             <a:avLst/>
@@ -10342,7 +10913,7 @@
           <a:lstStyle/>
           <a:p>
             <a:r>
-              <a:rPr lang="ru-RU" sz="2000" dirty="0">
+              <a:rPr lang="ru-RU" dirty="0">
                 <a:latin typeface="Times New Roman" panose="02020603050405020304" pitchFamily="18" charset="0"/>
                 <a:cs typeface="Times New Roman" panose="02020603050405020304" pitchFamily="18" charset="0"/>
               </a:rPr>
@@ -10359,8 +10930,8 @@
         </p:nvSpPr>
         <p:spPr>
           <a:xfrm>
-            <a:off x="0" y="6362992"/>
-            <a:ext cx="4410759" cy="400110"/>
+            <a:off x="0" y="6457144"/>
+            <a:ext cx="3995709" cy="369332"/>
           </a:xfrm>
           <a:prstGeom prst="rect">
             <a:avLst/>
@@ -10373,7 +10944,7 @@
           <a:lstStyle/>
           <a:p>
             <a:r>
-              <a:rPr lang="ru-RU" sz="2000" dirty="0">
+              <a:rPr lang="ru-RU" dirty="0">
                 <a:latin typeface="Times New Roman" panose="02020603050405020304" pitchFamily="18" charset="0"/>
                 <a:cs typeface="Times New Roman" panose="02020603050405020304" pitchFamily="18" charset="0"/>
               </a:rPr>
@@ -10386,6 +10957,429 @@
     <p:extLst>
       <p:ext uri="{BB962C8B-B14F-4D97-AF65-F5344CB8AC3E}">
         <p14:creationId xmlns:p14="http://schemas.microsoft.com/office/powerpoint/2010/main" val="870707326"/>
+      </p:ext>
+    </p:extLst>
+  </p:cSld>
+  <p:clrMapOvr>
+    <a:masterClrMapping/>
+  </p:clrMapOvr>
+  <p:timing>
+    <p:tnLst>
+      <p:par>
+        <p:cTn id="1" dur="indefinite" restart="never" nodeType="tmRoot"/>
+      </p:par>
+    </p:tnLst>
+  </p:timing>
+</p:sld>
+</file>
+
+<file path=ppt/slides/slide20.xml><?xml version="1.0" encoding="utf-8"?>
+<p:sld xmlns:a="http://schemas.openxmlformats.org/drawingml/2006/main" xmlns:r="http://schemas.openxmlformats.org/officeDocument/2006/relationships" xmlns:p="http://schemas.openxmlformats.org/presentationml/2006/main">
+  <p:cSld>
+    <p:spTree>
+      <p:nvGrpSpPr>
+        <p:cNvPr id="1" name=""/>
+        <p:cNvGrpSpPr/>
+        <p:nvPr/>
+      </p:nvGrpSpPr>
+      <p:grpSpPr>
+        <a:xfrm>
+          <a:off x="0" y="0"/>
+          <a:ext cx="0" cy="0"/>
+          <a:chOff x="0" y="0"/>
+          <a:chExt cx="0" cy="0"/>
+        </a:xfrm>
+      </p:grpSpPr>
+      <p:sp>
+        <p:nvSpPr>
+          <p:cNvPr id="2" name="Заголовок 1"/>
+          <p:cNvSpPr>
+            <a:spLocks noGrp="1"/>
+          </p:cNvSpPr>
+          <p:nvPr>
+            <p:ph type="title"/>
+          </p:nvPr>
+        </p:nvSpPr>
+        <p:spPr>
+          <a:xfrm>
+            <a:off x="0" y="60288"/>
+            <a:ext cx="9144000" cy="895639"/>
+          </a:xfrm>
+        </p:spPr>
+        <p:txBody>
+          <a:bodyPr>
+            <a:normAutofit/>
+          </a:bodyPr>
+          <a:lstStyle/>
+          <a:p>
+            <a:pPr algn="ctr"/>
+            <a:r>
+              <a:rPr lang="ru-RU" sz="3000" b="1" dirty="0">
+                <a:latin typeface="Times New Roman" panose="02020603050405020304" pitchFamily="18" charset="0"/>
+                <a:cs typeface="Times New Roman" panose="02020603050405020304" pitchFamily="18" charset="0"/>
+              </a:rPr>
+              <a:t>ОСНОВНЫЕ РЕЗУЛЬТАТЫ</a:t>
+            </a:r>
+          </a:p>
+        </p:txBody>
+      </p:sp>
+      <p:sp>
+        <p:nvSpPr>
+          <p:cNvPr id="3" name="Объект 2"/>
+          <p:cNvSpPr>
+            <a:spLocks noGrp="1"/>
+          </p:cNvSpPr>
+          <p:nvPr>
+            <p:ph idx="1"/>
+          </p:nvPr>
+        </p:nvSpPr>
+        <p:spPr>
+          <a:xfrm>
+            <a:off x="304800" y="1176924"/>
+            <a:ext cx="8534400" cy="4351338"/>
+          </a:xfrm>
+        </p:spPr>
+        <p:txBody>
+          <a:bodyPr>
+            <a:normAutofit/>
+          </a:bodyPr>
+          <a:lstStyle/>
+          <a:p>
+            <a:pPr marL="514350" indent="-514350">
+              <a:lnSpc>
+                <a:spcPct val="120000"/>
+              </a:lnSpc>
+              <a:buFont typeface="+mj-lt"/>
+              <a:buAutoNum type="arabicPeriod"/>
+            </a:pPr>
+            <a:r>
+              <a:rPr lang="ru-RU" sz="2400" dirty="0" smtClean="0">
+                <a:latin typeface="Times New Roman" panose="02020603050405020304" pitchFamily="18" charset="0"/>
+                <a:cs typeface="Times New Roman" panose="02020603050405020304" pitchFamily="18" charset="0"/>
+              </a:rPr>
+              <a:t>Выполнен </a:t>
+            </a:r>
+            <a:r>
+              <a:rPr lang="ru-RU" sz="2400" dirty="0">
+                <a:latin typeface="Times New Roman" panose="02020603050405020304" pitchFamily="18" charset="0"/>
+                <a:cs typeface="Times New Roman" panose="02020603050405020304" pitchFamily="18" charset="0"/>
+              </a:rPr>
+              <a:t>обзор литературы и существующих аналогов</a:t>
+            </a:r>
+          </a:p>
+          <a:p>
+            <a:pPr marL="514350" indent="-514350">
+              <a:lnSpc>
+                <a:spcPct val="120000"/>
+              </a:lnSpc>
+              <a:buFont typeface="+mj-lt"/>
+              <a:buAutoNum type="arabicPeriod"/>
+            </a:pPr>
+            <a:r>
+              <a:rPr lang="ru-RU" sz="2400" dirty="0" smtClean="0">
+                <a:latin typeface="Times New Roman" panose="02020603050405020304" pitchFamily="18" charset="0"/>
+                <a:cs typeface="Times New Roman" panose="02020603050405020304" pitchFamily="18" charset="0"/>
+              </a:rPr>
+              <a:t>Спроектированы смарт-контракты </a:t>
+            </a:r>
+            <a:r>
+              <a:rPr lang="ru-RU" sz="2400" dirty="0">
+                <a:latin typeface="Times New Roman" panose="02020603050405020304" pitchFamily="18" charset="0"/>
+                <a:cs typeface="Times New Roman" panose="02020603050405020304" pitchFamily="18" charset="0"/>
+              </a:rPr>
+              <a:t>для электронного голосования на основе технологии блокчейн</a:t>
+            </a:r>
+          </a:p>
+          <a:p>
+            <a:pPr marL="514350" indent="-514350">
+              <a:lnSpc>
+                <a:spcPct val="120000"/>
+              </a:lnSpc>
+              <a:buFont typeface="+mj-lt"/>
+              <a:buAutoNum type="arabicPeriod"/>
+            </a:pPr>
+            <a:r>
+              <a:rPr lang="ru-RU" sz="2400" dirty="0" smtClean="0">
+                <a:latin typeface="Times New Roman" panose="02020603050405020304" pitchFamily="18" charset="0"/>
+                <a:cs typeface="Times New Roman" panose="02020603050405020304" pitchFamily="18" charset="0"/>
+              </a:rPr>
+              <a:t>Спроектировано </a:t>
+            </a:r>
+            <a:r>
+              <a:rPr lang="ru-RU" sz="2400" dirty="0">
+                <a:latin typeface="Times New Roman" panose="02020603050405020304" pitchFamily="18" charset="0"/>
+                <a:cs typeface="Times New Roman" panose="02020603050405020304" pitchFamily="18" charset="0"/>
+              </a:rPr>
+              <a:t>веб-приложение для электронного голосования на основе технологии блокчейн</a:t>
+            </a:r>
+          </a:p>
+          <a:p>
+            <a:pPr marL="514350" indent="-514350">
+              <a:lnSpc>
+                <a:spcPct val="120000"/>
+              </a:lnSpc>
+              <a:buFont typeface="+mj-lt"/>
+              <a:buAutoNum type="arabicPeriod"/>
+            </a:pPr>
+            <a:r>
+              <a:rPr lang="ru-RU" sz="2400" dirty="0" smtClean="0">
+                <a:latin typeface="Times New Roman" panose="02020603050405020304" pitchFamily="18" charset="0"/>
+                <a:cs typeface="Times New Roman" panose="02020603050405020304" pitchFamily="18" charset="0"/>
+              </a:rPr>
+              <a:t>Реализованы смарт-контракты </a:t>
+            </a:r>
+            <a:r>
+              <a:rPr lang="ru-RU" sz="2400" dirty="0">
+                <a:latin typeface="Times New Roman" panose="02020603050405020304" pitchFamily="18" charset="0"/>
+                <a:cs typeface="Times New Roman" panose="02020603050405020304" pitchFamily="18" charset="0"/>
+              </a:rPr>
+              <a:t>и веб-приложение</a:t>
+            </a:r>
+          </a:p>
+          <a:p>
+            <a:pPr marL="514350" indent="-514350">
+              <a:lnSpc>
+                <a:spcPct val="120000"/>
+              </a:lnSpc>
+              <a:buFont typeface="+mj-lt"/>
+              <a:buAutoNum type="arabicPeriod"/>
+            </a:pPr>
+            <a:r>
+              <a:rPr lang="ru-RU" sz="2400" dirty="0" smtClean="0">
+                <a:latin typeface="Times New Roman" panose="02020603050405020304" pitchFamily="18" charset="0"/>
+                <a:cs typeface="Times New Roman" panose="02020603050405020304" pitchFamily="18" charset="0"/>
+              </a:rPr>
+              <a:t>Проведено </a:t>
+            </a:r>
+            <a:r>
+              <a:rPr lang="ru-RU" sz="2400" dirty="0">
+                <a:latin typeface="Times New Roman" panose="02020603050405020304" pitchFamily="18" charset="0"/>
+                <a:cs typeface="Times New Roman" panose="02020603050405020304" pitchFamily="18" charset="0"/>
+              </a:rPr>
+              <a:t>тестирование работы приложения</a:t>
+            </a:r>
+          </a:p>
+          <a:p>
+            <a:endParaRPr lang="ru-RU" sz="2400" dirty="0"/>
+          </a:p>
+        </p:txBody>
+      </p:sp>
+      <p:sp>
+        <p:nvSpPr>
+          <p:cNvPr id="8" name="TextBox 5">
+            <a:extLst>
+              <a:ext uri="{FF2B5EF4-FFF2-40B4-BE49-F238E27FC236}">
+                <a16:creationId xmlns:a16="http://schemas.microsoft.com/office/drawing/2014/main" xmlns="" xmlns:lc="http://schemas.openxmlformats.org/drawingml/2006/lockedCanvas" id="{F7043567-4147-88C3-F094-05513D23DB95}"/>
+              </a:ext>
+            </a:extLst>
+          </p:cNvPr>
+          <p:cNvSpPr txBox="1"/>
+          <p:nvPr/>
+        </p:nvSpPr>
+        <p:spPr>
+          <a:xfrm>
+            <a:off x="8240443" y="6426366"/>
+            <a:ext cx="903557" cy="400110"/>
+          </a:xfrm>
+          <a:prstGeom prst="rect">
+            <a:avLst/>
+          </a:prstGeom>
+          <a:noFill/>
+        </p:spPr>
+        <p:txBody>
+          <a:bodyPr wrap="square" rtlCol="0">
+            <a:spAutoFit/>
+          </a:bodyPr>
+          <a:lstStyle>
+            <a:defPPr>
+              <a:defRPr lang="ru-RU"/>
+            </a:defPPr>
+            <a:lvl1pPr marL="0" algn="l" defTabSz="914400" rtl="0" eaLnBrk="1" latinLnBrk="0" hangingPunct="1">
+              <a:defRPr sz="1800" kern="1200">
+                <a:solidFill>
+                  <a:schemeClr val="tx1"/>
+                </a:solidFill>
+                <a:latin typeface="+mn-lt"/>
+                <a:ea typeface="+mn-ea"/>
+                <a:cs typeface="+mn-cs"/>
+              </a:defRPr>
+            </a:lvl1pPr>
+            <a:lvl2pPr marL="457200" algn="l" defTabSz="914400" rtl="0" eaLnBrk="1" latinLnBrk="0" hangingPunct="1">
+              <a:defRPr sz="1800" kern="1200">
+                <a:solidFill>
+                  <a:schemeClr val="tx1"/>
+                </a:solidFill>
+                <a:latin typeface="+mn-lt"/>
+                <a:ea typeface="+mn-ea"/>
+                <a:cs typeface="+mn-cs"/>
+              </a:defRPr>
+            </a:lvl2pPr>
+            <a:lvl3pPr marL="914400" algn="l" defTabSz="914400" rtl="0" eaLnBrk="1" latinLnBrk="0" hangingPunct="1">
+              <a:defRPr sz="1800" kern="1200">
+                <a:solidFill>
+                  <a:schemeClr val="tx1"/>
+                </a:solidFill>
+                <a:latin typeface="+mn-lt"/>
+                <a:ea typeface="+mn-ea"/>
+                <a:cs typeface="+mn-cs"/>
+              </a:defRPr>
+            </a:lvl3pPr>
+            <a:lvl4pPr marL="1371600" algn="l" defTabSz="914400" rtl="0" eaLnBrk="1" latinLnBrk="0" hangingPunct="1">
+              <a:defRPr sz="1800" kern="1200">
+                <a:solidFill>
+                  <a:schemeClr val="tx1"/>
+                </a:solidFill>
+                <a:latin typeface="+mn-lt"/>
+                <a:ea typeface="+mn-ea"/>
+                <a:cs typeface="+mn-cs"/>
+              </a:defRPr>
+            </a:lvl4pPr>
+            <a:lvl5pPr marL="1828800" algn="l" defTabSz="914400" rtl="0" eaLnBrk="1" latinLnBrk="0" hangingPunct="1">
+              <a:defRPr sz="1800" kern="1200">
+                <a:solidFill>
+                  <a:schemeClr val="tx1"/>
+                </a:solidFill>
+                <a:latin typeface="+mn-lt"/>
+                <a:ea typeface="+mn-ea"/>
+                <a:cs typeface="+mn-cs"/>
+              </a:defRPr>
+            </a:lvl5pPr>
+            <a:lvl6pPr marL="2286000" algn="l" defTabSz="914400" rtl="0" eaLnBrk="1" latinLnBrk="0" hangingPunct="1">
+              <a:defRPr sz="1800" kern="1200">
+                <a:solidFill>
+                  <a:schemeClr val="tx1"/>
+                </a:solidFill>
+                <a:latin typeface="+mn-lt"/>
+                <a:ea typeface="+mn-ea"/>
+                <a:cs typeface="+mn-cs"/>
+              </a:defRPr>
+            </a:lvl6pPr>
+            <a:lvl7pPr marL="2743200" algn="l" defTabSz="914400" rtl="0" eaLnBrk="1" latinLnBrk="0" hangingPunct="1">
+              <a:defRPr sz="1800" kern="1200">
+                <a:solidFill>
+                  <a:schemeClr val="tx1"/>
+                </a:solidFill>
+                <a:latin typeface="+mn-lt"/>
+                <a:ea typeface="+mn-ea"/>
+                <a:cs typeface="+mn-cs"/>
+              </a:defRPr>
+            </a:lvl7pPr>
+            <a:lvl8pPr marL="3200400" algn="l" defTabSz="914400" rtl="0" eaLnBrk="1" latinLnBrk="0" hangingPunct="1">
+              <a:defRPr sz="1800" kern="1200">
+                <a:solidFill>
+                  <a:schemeClr val="tx1"/>
+                </a:solidFill>
+                <a:latin typeface="+mn-lt"/>
+                <a:ea typeface="+mn-ea"/>
+                <a:cs typeface="+mn-cs"/>
+              </a:defRPr>
+            </a:lvl8pPr>
+            <a:lvl9pPr marL="3657600" algn="l" defTabSz="914400" rtl="0" eaLnBrk="1" latinLnBrk="0" hangingPunct="1">
+              <a:defRPr sz="1800" kern="1200">
+                <a:solidFill>
+                  <a:schemeClr val="tx1"/>
+                </a:solidFill>
+                <a:latin typeface="+mn-lt"/>
+                <a:ea typeface="+mn-ea"/>
+                <a:cs typeface="+mn-cs"/>
+              </a:defRPr>
+            </a:lvl9pPr>
+          </a:lstStyle>
+          <a:p>
+            <a:r>
+              <a:rPr lang="en-US" sz="2000" dirty="0" smtClean="0">
+                <a:latin typeface="Times New Roman" panose="02020603050405020304" pitchFamily="18" charset="0"/>
+                <a:cs typeface="Times New Roman" panose="02020603050405020304" pitchFamily="18" charset="0"/>
+              </a:rPr>
+              <a:t>20</a:t>
+            </a:r>
+            <a:r>
+              <a:rPr lang="ru-RU" sz="2000" dirty="0" smtClean="0">
+                <a:latin typeface="Times New Roman" panose="02020603050405020304" pitchFamily="18" charset="0"/>
+                <a:cs typeface="Times New Roman" panose="02020603050405020304" pitchFamily="18" charset="0"/>
+              </a:rPr>
+              <a:t>/</a:t>
+            </a:r>
+            <a:r>
+              <a:rPr lang="en-US" sz="2000" dirty="0" smtClean="0">
+                <a:latin typeface="Times New Roman" panose="02020603050405020304" pitchFamily="18" charset="0"/>
+                <a:cs typeface="Times New Roman" panose="02020603050405020304" pitchFamily="18" charset="0"/>
+              </a:rPr>
+              <a:t>20</a:t>
+            </a:r>
+            <a:endParaRPr lang="ru-RU" sz="2200" dirty="0">
+              <a:latin typeface="Times New Roman" panose="02020603050405020304" pitchFamily="18" charset="0"/>
+              <a:cs typeface="Times New Roman" panose="02020603050405020304" pitchFamily="18" charset="0"/>
+            </a:endParaRPr>
+          </a:p>
+        </p:txBody>
+      </p:sp>
+      <p:sp>
+        <p:nvSpPr>
+          <p:cNvPr id="9" name="Прямоугольник 8"/>
+          <p:cNvSpPr/>
+          <p:nvPr/>
+        </p:nvSpPr>
+        <p:spPr>
+          <a:xfrm>
+            <a:off x="0" y="6087812"/>
+            <a:ext cx="2569934" cy="369332"/>
+          </a:xfrm>
+          <a:prstGeom prst="rect">
+            <a:avLst/>
+          </a:prstGeom>
+        </p:spPr>
+        <p:txBody>
+          <a:bodyPr wrap="none">
+            <a:spAutoFit/>
+          </a:bodyPr>
+          <a:lstStyle/>
+          <a:p>
+            <a:r>
+              <a:rPr lang="ru-RU" dirty="0">
+                <a:latin typeface="Times New Roman" panose="02020603050405020304" pitchFamily="18" charset="0"/>
+                <a:cs typeface="Times New Roman" panose="02020603050405020304" pitchFamily="18" charset="0"/>
+              </a:rPr>
+              <a:t>http://veronijo.beget.tech/</a:t>
+            </a:r>
+          </a:p>
+        </p:txBody>
+      </p:sp>
+      <p:sp>
+        <p:nvSpPr>
+          <p:cNvPr id="10" name="Прямоугольник 9"/>
+          <p:cNvSpPr/>
+          <p:nvPr/>
+        </p:nvSpPr>
+        <p:spPr>
+          <a:xfrm>
+            <a:off x="0" y="6457144"/>
+            <a:ext cx="3995709" cy="369332"/>
+          </a:xfrm>
+          <a:prstGeom prst="rect">
+            <a:avLst/>
+          </a:prstGeom>
+        </p:spPr>
+        <p:txBody>
+          <a:bodyPr wrap="none">
+            <a:spAutoFit/>
+          </a:bodyPr>
+          <a:lstStyle/>
+          <a:p>
+            <a:r>
+              <a:rPr lang="ru-RU" dirty="0">
+                <a:latin typeface="Times New Roman" panose="02020603050405020304" pitchFamily="18" charset="0"/>
+                <a:cs typeface="Times New Roman" panose="02020603050405020304" pitchFamily="18" charset="0"/>
+              </a:rPr>
+              <a:t>https://github.com/wbogatyrewa/EVoting</a:t>
+            </a:r>
+          </a:p>
+        </p:txBody>
+      </p:sp>
+    </p:spTree>
+    <p:extLst>
+      <p:ext uri="{BB962C8B-B14F-4D97-AF65-F5344CB8AC3E}">
+        <p14:creationId xmlns:p14="http://schemas.microsoft.com/office/powerpoint/2010/main" val="3951920414"/>
       </p:ext>
     </p:extLst>
   </p:cSld>
@@ -10431,7 +11425,7 @@
         </p:nvSpPr>
         <p:spPr>
           <a:xfrm>
-            <a:off x="0" y="169656"/>
+            <a:off x="0" y="60776"/>
             <a:ext cx="9144000" cy="895639"/>
           </a:xfrm>
         </p:spPr>
@@ -10443,7 +11437,7 @@
           <a:p>
             <a:pPr algn="ctr"/>
             <a:r>
-              <a:rPr lang="ru-RU" sz="3600" b="1" dirty="0">
+              <a:rPr lang="ru-RU" sz="3000" b="1" dirty="0">
                 <a:latin typeface="Times New Roman" panose="02020603050405020304" pitchFamily="18" charset="0"/>
                 <a:cs typeface="Times New Roman" panose="02020603050405020304" pitchFamily="18" charset="0"/>
               </a:rPr>
@@ -10464,7 +11458,7 @@
         </p:nvSpPr>
         <p:spPr>
           <a:xfrm>
-            <a:off x="159327" y="1061952"/>
+            <a:off x="159327" y="956415"/>
             <a:ext cx="8825346" cy="4916199"/>
           </a:xfrm>
         </p:spPr>
@@ -10749,7 +11743,7 @@
       </p:sp>
       <p:sp>
         <p:nvSpPr>
-          <p:cNvPr id="4" name="TextBox 5">
+          <p:cNvPr id="9" name="TextBox 5">
             <a:extLst>
               <a:ext uri="{FF2B5EF4-FFF2-40B4-BE49-F238E27FC236}">
                 <a16:creationId xmlns:a16="http://schemas.microsoft.com/office/drawing/2014/main" xmlns="" xmlns:lc="http://schemas.openxmlformats.org/drawingml/2006/lockedCanvas" id="{F7043567-4147-88C3-F094-05513D23DB95}"/>
@@ -10761,8 +11755,8 @@
         </p:nvSpPr>
         <p:spPr>
           <a:xfrm>
-            <a:off x="8240443" y="6338034"/>
-            <a:ext cx="903557" cy="430887"/>
+            <a:off x="8240443" y="6426366"/>
+            <a:ext cx="903557" cy="400110"/>
           </a:xfrm>
           <a:prstGeom prst="rect">
             <a:avLst/>
@@ -10870,25 +11864,36 @@
           </a:lstStyle>
           <a:p>
             <a:r>
-              <a:rPr lang="ru-RU" sz="2200" dirty="0">
-                <a:latin typeface="Times New Roman" panose="02020603050405020304" pitchFamily="18" charset="0"/>
-                <a:cs typeface="Times New Roman" panose="02020603050405020304" pitchFamily="18" charset="0"/>
-              </a:rPr>
-              <a:t>3/18</a:t>
-            </a:r>
-          </a:p>
-        </p:txBody>
-      </p:sp>
-      <p:sp>
-        <p:nvSpPr>
-          <p:cNvPr id="7" name="Прямоугольник 6"/>
+              <a:rPr lang="ru-RU" sz="2000" dirty="0" smtClean="0">
+                <a:latin typeface="Times New Roman" panose="02020603050405020304" pitchFamily="18" charset="0"/>
+                <a:cs typeface="Times New Roman" panose="02020603050405020304" pitchFamily="18" charset="0"/>
+              </a:rPr>
+              <a:t>3/</a:t>
+            </a:r>
+            <a:r>
+              <a:rPr lang="en-US" sz="2000" dirty="0" smtClean="0">
+                <a:latin typeface="Times New Roman" panose="02020603050405020304" pitchFamily="18" charset="0"/>
+                <a:cs typeface="Times New Roman" panose="02020603050405020304" pitchFamily="18" charset="0"/>
+              </a:rPr>
+              <a:t>20</a:t>
+            </a:r>
+            <a:endParaRPr lang="ru-RU" sz="2200" dirty="0">
+              <a:latin typeface="Times New Roman" panose="02020603050405020304" pitchFamily="18" charset="0"/>
+              <a:cs typeface="Times New Roman" panose="02020603050405020304" pitchFamily="18" charset="0"/>
+            </a:endParaRPr>
+          </a:p>
+        </p:txBody>
+      </p:sp>
+      <p:sp>
+        <p:nvSpPr>
+          <p:cNvPr id="10" name="Прямоугольник 9"/>
           <p:cNvSpPr/>
           <p:nvPr/>
         </p:nvSpPr>
         <p:spPr>
           <a:xfrm>
-            <a:off x="0" y="5981495"/>
-            <a:ext cx="2826415" cy="400110"/>
+            <a:off x="0" y="6087812"/>
+            <a:ext cx="2569934" cy="369332"/>
           </a:xfrm>
           <a:prstGeom prst="rect">
             <a:avLst/>
@@ -10901,7 +11906,7 @@
           <a:lstStyle/>
           <a:p>
             <a:r>
-              <a:rPr lang="ru-RU" sz="2000" dirty="0">
+              <a:rPr lang="ru-RU" dirty="0">
                 <a:latin typeface="Times New Roman" panose="02020603050405020304" pitchFamily="18" charset="0"/>
                 <a:cs typeface="Times New Roman" panose="02020603050405020304" pitchFamily="18" charset="0"/>
               </a:rPr>
@@ -10912,14 +11917,14 @@
       </p:sp>
       <p:sp>
         <p:nvSpPr>
-          <p:cNvPr id="8" name="Прямоугольник 7"/>
+          <p:cNvPr id="11" name="Прямоугольник 10"/>
           <p:cNvSpPr/>
           <p:nvPr/>
         </p:nvSpPr>
         <p:spPr>
           <a:xfrm>
-            <a:off x="0" y="6362992"/>
-            <a:ext cx="4410759" cy="400110"/>
+            <a:off x="0" y="6457144"/>
+            <a:ext cx="3995709" cy="369332"/>
           </a:xfrm>
           <a:prstGeom prst="rect">
             <a:avLst/>
@@ -10932,7 +11937,7 @@
           <a:lstStyle/>
           <a:p>
             <a:r>
-              <a:rPr lang="ru-RU" sz="2000" dirty="0">
+              <a:rPr lang="ru-RU" dirty="0">
                 <a:latin typeface="Times New Roman" panose="02020603050405020304" pitchFamily="18" charset="0"/>
                 <a:cs typeface="Times New Roman" panose="02020603050405020304" pitchFamily="18" charset="0"/>
               </a:rPr>
@@ -10990,7 +11995,7 @@
         </p:nvSpPr>
         <p:spPr>
           <a:xfrm>
-            <a:off x="-1" y="143453"/>
+            <a:off x="-1" y="62173"/>
             <a:ext cx="9144001" cy="895639"/>
           </a:xfrm>
         </p:spPr>
@@ -11002,7 +12007,7 @@
           <a:p>
             <a:pPr algn="ctr"/>
             <a:r>
-              <a:rPr lang="ru-RU" sz="3600" b="1" dirty="0">
+              <a:rPr lang="ru-RU" sz="3000" b="1" dirty="0">
                 <a:latin typeface="Times New Roman" panose="02020603050405020304" pitchFamily="18" charset="0"/>
                 <a:cs typeface="Times New Roman" panose="02020603050405020304" pitchFamily="18" charset="0"/>
               </a:rPr>
@@ -11011,9 +12016,33 @@
           </a:p>
         </p:txBody>
       </p:sp>
-      <p:sp>
-        <p:nvSpPr>
-          <p:cNvPr id="8" name="TextBox 5">
+      <p:pic>
+        <p:nvPicPr>
+          <p:cNvPr id="5" name="Рисунок 4"/>
+          <p:cNvPicPr>
+            <a:picLocks noChangeAspect="1"/>
+          </p:cNvPicPr>
+          <p:nvPr/>
+        </p:nvPicPr>
+        <p:blipFill>
+          <a:blip r:embed="rId3"/>
+          <a:stretch>
+            <a:fillRect/>
+          </a:stretch>
+        </p:blipFill>
+        <p:spPr>
+          <a:xfrm>
+            <a:off x="1807760" y="1206432"/>
+            <a:ext cx="5528477" cy="4393566"/>
+          </a:xfrm>
+          <a:prstGeom prst="rect">
+            <a:avLst/>
+          </a:prstGeom>
+        </p:spPr>
+      </p:pic>
+      <p:sp>
+        <p:nvSpPr>
+          <p:cNvPr id="10" name="TextBox 5">
             <a:extLst>
               <a:ext uri="{FF2B5EF4-FFF2-40B4-BE49-F238E27FC236}">
                 <a16:creationId xmlns:a16="http://schemas.microsoft.com/office/drawing/2014/main" xmlns="" xmlns:lc="http://schemas.openxmlformats.org/drawingml/2006/lockedCanvas" id="{F7043567-4147-88C3-F094-05513D23DB95}"/>
@@ -11025,8 +12054,8 @@
         </p:nvSpPr>
         <p:spPr>
           <a:xfrm>
-            <a:off x="8115753" y="6334780"/>
-            <a:ext cx="903557" cy="430887"/>
+            <a:off x="8240443" y="6426366"/>
+            <a:ext cx="903557" cy="400110"/>
           </a:xfrm>
           <a:prstGeom prst="rect">
             <a:avLst/>
@@ -11134,25 +12163,36 @@
           </a:lstStyle>
           <a:p>
             <a:r>
-              <a:rPr lang="ru-RU" sz="2200" dirty="0">
-                <a:latin typeface="Times New Roman" panose="02020603050405020304" pitchFamily="18" charset="0"/>
-                <a:cs typeface="Times New Roman" panose="02020603050405020304" pitchFamily="18" charset="0"/>
-              </a:rPr>
-              <a:t>4/18</a:t>
-            </a:r>
-          </a:p>
-        </p:txBody>
-      </p:sp>
-      <p:sp>
-        <p:nvSpPr>
-          <p:cNvPr id="6" name="Прямоугольник 5"/>
+              <a:rPr lang="ru-RU" sz="2000" dirty="0" smtClean="0">
+                <a:latin typeface="Times New Roman" panose="02020603050405020304" pitchFamily="18" charset="0"/>
+                <a:cs typeface="Times New Roman" panose="02020603050405020304" pitchFamily="18" charset="0"/>
+              </a:rPr>
+              <a:t>4/</a:t>
+            </a:r>
+            <a:r>
+              <a:rPr lang="en-US" sz="2000" dirty="0" smtClean="0">
+                <a:latin typeface="Times New Roman" panose="02020603050405020304" pitchFamily="18" charset="0"/>
+                <a:cs typeface="Times New Roman" panose="02020603050405020304" pitchFamily="18" charset="0"/>
+              </a:rPr>
+              <a:t>20</a:t>
+            </a:r>
+            <a:endParaRPr lang="ru-RU" sz="2200" dirty="0">
+              <a:latin typeface="Times New Roman" panose="02020603050405020304" pitchFamily="18" charset="0"/>
+              <a:cs typeface="Times New Roman" panose="02020603050405020304" pitchFamily="18" charset="0"/>
+            </a:endParaRPr>
+          </a:p>
+        </p:txBody>
+      </p:sp>
+      <p:sp>
+        <p:nvSpPr>
+          <p:cNvPr id="11" name="Прямоугольник 10"/>
           <p:cNvSpPr/>
           <p:nvPr/>
         </p:nvSpPr>
         <p:spPr>
           <a:xfrm>
-            <a:off x="0" y="5981495"/>
-            <a:ext cx="2826415" cy="400110"/>
+            <a:off x="0" y="6087812"/>
+            <a:ext cx="2569934" cy="369332"/>
           </a:xfrm>
           <a:prstGeom prst="rect">
             <a:avLst/>
@@ -11165,7 +12205,7 @@
           <a:lstStyle/>
           <a:p>
             <a:r>
-              <a:rPr lang="ru-RU" sz="2000" dirty="0">
+              <a:rPr lang="ru-RU" dirty="0">
                 <a:latin typeface="Times New Roman" panose="02020603050405020304" pitchFamily="18" charset="0"/>
                 <a:cs typeface="Times New Roman" panose="02020603050405020304" pitchFamily="18" charset="0"/>
               </a:rPr>
@@ -11176,14 +12216,14 @@
       </p:sp>
       <p:sp>
         <p:nvSpPr>
-          <p:cNvPr id="9" name="Прямоугольник 8"/>
+          <p:cNvPr id="12" name="Прямоугольник 11"/>
           <p:cNvSpPr/>
           <p:nvPr/>
         </p:nvSpPr>
         <p:spPr>
           <a:xfrm>
-            <a:off x="0" y="6362992"/>
-            <a:ext cx="4410759" cy="400110"/>
+            <a:off x="0" y="6457144"/>
+            <a:ext cx="3995709" cy="369332"/>
           </a:xfrm>
           <a:prstGeom prst="rect">
             <a:avLst/>
@@ -11196,7 +12236,7 @@
           <a:lstStyle/>
           <a:p>
             <a:r>
-              <a:rPr lang="ru-RU" sz="2000" dirty="0">
+              <a:rPr lang="ru-RU" dirty="0">
                 <a:latin typeface="Times New Roman" panose="02020603050405020304" pitchFamily="18" charset="0"/>
                 <a:cs typeface="Times New Roman" panose="02020603050405020304" pitchFamily="18" charset="0"/>
               </a:rPr>
@@ -11205,35 +12245,6 @@
           </a:p>
         </p:txBody>
       </p:sp>
-      <p:pic>
-        <p:nvPicPr>
-          <p:cNvPr id="4" name="Объект 3"/>
-          <p:cNvPicPr>
-            <a:picLocks noGrp="1" noChangeAspect="1"/>
-          </p:cNvPicPr>
-          <p:nvPr>
-            <p:ph idx="1"/>
-          </p:nvPr>
-        </p:nvPicPr>
-        <p:blipFill>
-          <a:blip r:embed="rId3">
-            <a:extLst>
-              <a:ext uri="{28A0092B-C50C-407E-A947-70E740481C1C}">
-                <a14:useLocalDpi xmlns:a14="http://schemas.microsoft.com/office/drawing/2010/main" val="0"/>
-              </a:ext>
-            </a:extLst>
-          </a:blip>
-          <a:stretch>
-            <a:fillRect/>
-          </a:stretch>
-        </p:blipFill>
-        <p:spPr>
-          <a:xfrm>
-            <a:off x="1869053" y="1300172"/>
-            <a:ext cx="5405891" cy="4299826"/>
-          </a:xfrm>
-        </p:spPr>
-      </p:pic>
     </p:spTree>
     <p:extLst>
       <p:ext uri="{BB962C8B-B14F-4D97-AF65-F5344CB8AC3E}">
@@ -11283,7 +12294,7 @@
         </p:nvSpPr>
         <p:spPr>
           <a:xfrm>
-            <a:off x="-1" y="1"/>
+            <a:off x="0" y="60960"/>
             <a:ext cx="9144001" cy="895639"/>
           </a:xfrm>
         </p:spPr>
@@ -11295,12 +12306,16 @@
           <a:p>
             <a:pPr algn="ctr"/>
             <a:r>
-              <a:rPr lang="ru-RU" sz="3600" b="1" dirty="0">
+              <a:rPr lang="ru-RU" sz="3000" b="1" dirty="0" smtClean="0">
                 <a:latin typeface="Times New Roman" panose="02020603050405020304" pitchFamily="18" charset="0"/>
                 <a:cs typeface="Times New Roman" panose="02020603050405020304" pitchFamily="18" charset="0"/>
               </a:rPr>
               <a:t>ОБЗОР АНАЛОГОВ</a:t>
             </a:r>
+            <a:endParaRPr lang="ru-RU" sz="3000" b="1" dirty="0">
+              <a:latin typeface="Times New Roman" panose="02020603050405020304" pitchFamily="18" charset="0"/>
+              <a:cs typeface="Times New Roman" panose="02020603050405020304" pitchFamily="18" charset="0"/>
+            </a:endParaRPr>
           </a:p>
         </p:txBody>
       </p:sp>
@@ -11322,7 +12337,7 @@
         </p:blipFill>
         <p:spPr>
           <a:xfrm>
-            <a:off x="290944" y="1277137"/>
+            <a:off x="290944" y="1317777"/>
             <a:ext cx="8562112" cy="4024068"/>
           </a:xfrm>
           <a:prstGeom prst="rect">
@@ -11337,7 +12352,7 @@
       </p:pic>
       <p:sp>
         <p:nvSpPr>
-          <p:cNvPr id="6" name="TextBox 5">
+          <p:cNvPr id="9" name="TextBox 5">
             <a:extLst>
               <a:ext uri="{FF2B5EF4-FFF2-40B4-BE49-F238E27FC236}">
                 <a16:creationId xmlns:a16="http://schemas.microsoft.com/office/drawing/2014/main" xmlns="" xmlns:lc="http://schemas.openxmlformats.org/drawingml/2006/lockedCanvas" id="{F7043567-4147-88C3-F094-05513D23DB95}"/>
@@ -11349,8 +12364,8 @@
         </p:nvSpPr>
         <p:spPr>
           <a:xfrm>
-            <a:off x="8101899" y="6334781"/>
-            <a:ext cx="903557" cy="430887"/>
+            <a:off x="8240443" y="6426366"/>
+            <a:ext cx="903557" cy="400110"/>
           </a:xfrm>
           <a:prstGeom prst="rect">
             <a:avLst/>
@@ -11458,25 +12473,36 @@
           </a:lstStyle>
           <a:p>
             <a:r>
-              <a:rPr lang="ru-RU" sz="2200" dirty="0">
-                <a:latin typeface="Times New Roman" panose="02020603050405020304" pitchFamily="18" charset="0"/>
-                <a:cs typeface="Times New Roman" panose="02020603050405020304" pitchFamily="18" charset="0"/>
-              </a:rPr>
-              <a:t>5/18</a:t>
-            </a:r>
-          </a:p>
-        </p:txBody>
-      </p:sp>
-      <p:sp>
-        <p:nvSpPr>
-          <p:cNvPr id="7" name="Прямоугольник 6"/>
+              <a:rPr lang="ru-RU" sz="2000" dirty="0" smtClean="0">
+                <a:latin typeface="Times New Roman" panose="02020603050405020304" pitchFamily="18" charset="0"/>
+                <a:cs typeface="Times New Roman" panose="02020603050405020304" pitchFamily="18" charset="0"/>
+              </a:rPr>
+              <a:t>5/</a:t>
+            </a:r>
+            <a:r>
+              <a:rPr lang="en-US" sz="2000" dirty="0" smtClean="0">
+                <a:latin typeface="Times New Roman" panose="02020603050405020304" pitchFamily="18" charset="0"/>
+                <a:cs typeface="Times New Roman" panose="02020603050405020304" pitchFamily="18" charset="0"/>
+              </a:rPr>
+              <a:t>20</a:t>
+            </a:r>
+            <a:endParaRPr lang="ru-RU" sz="2200" dirty="0">
+              <a:latin typeface="Times New Roman" panose="02020603050405020304" pitchFamily="18" charset="0"/>
+              <a:cs typeface="Times New Roman" panose="02020603050405020304" pitchFamily="18" charset="0"/>
+            </a:endParaRPr>
+          </a:p>
+        </p:txBody>
+      </p:sp>
+      <p:sp>
+        <p:nvSpPr>
+          <p:cNvPr id="10" name="Прямоугольник 9"/>
           <p:cNvSpPr/>
           <p:nvPr/>
         </p:nvSpPr>
         <p:spPr>
           <a:xfrm>
-            <a:off x="0" y="5981495"/>
-            <a:ext cx="2826415" cy="400110"/>
+            <a:off x="0" y="6087812"/>
+            <a:ext cx="2569934" cy="369332"/>
           </a:xfrm>
           <a:prstGeom prst="rect">
             <a:avLst/>
@@ -11489,7 +12515,7 @@
           <a:lstStyle/>
           <a:p>
             <a:r>
-              <a:rPr lang="ru-RU" sz="2000" dirty="0">
+              <a:rPr lang="ru-RU" dirty="0">
                 <a:latin typeface="Times New Roman" panose="02020603050405020304" pitchFamily="18" charset="0"/>
                 <a:cs typeface="Times New Roman" panose="02020603050405020304" pitchFamily="18" charset="0"/>
               </a:rPr>
@@ -11500,14 +12526,14 @@
       </p:sp>
       <p:sp>
         <p:nvSpPr>
-          <p:cNvPr id="8" name="Прямоугольник 7"/>
+          <p:cNvPr id="11" name="Прямоугольник 10"/>
           <p:cNvSpPr/>
           <p:nvPr/>
         </p:nvSpPr>
         <p:spPr>
           <a:xfrm>
-            <a:off x="0" y="6362992"/>
-            <a:ext cx="4410759" cy="400110"/>
+            <a:off x="0" y="6457144"/>
+            <a:ext cx="3995709" cy="369332"/>
           </a:xfrm>
           <a:prstGeom prst="rect">
             <a:avLst/>
@@ -11520,7 +12546,7 @@
           <a:lstStyle/>
           <a:p>
             <a:r>
-              <a:rPr lang="ru-RU" sz="2000" dirty="0">
+              <a:rPr lang="ru-RU" dirty="0">
                 <a:latin typeface="Times New Roman" panose="02020603050405020304" pitchFamily="18" charset="0"/>
                 <a:cs typeface="Times New Roman" panose="02020603050405020304" pitchFamily="18" charset="0"/>
               </a:rPr>
@@ -11578,8 +12604,8 @@
         </p:nvSpPr>
         <p:spPr>
           <a:xfrm>
-            <a:off x="152671" y="14752"/>
-            <a:ext cx="8838659" cy="895639"/>
+            <a:off x="0" y="59364"/>
+            <a:ext cx="9144000" cy="895639"/>
           </a:xfrm>
         </p:spPr>
         <p:txBody>
@@ -11590,12 +12616,16 @@
           <a:p>
             <a:pPr algn="ctr"/>
             <a:r>
-              <a:rPr lang="ru-RU" sz="3600" b="1" dirty="0">
+              <a:rPr lang="ru-RU" sz="3000" b="1" dirty="0" smtClean="0">
                 <a:latin typeface="Times New Roman" panose="02020603050405020304" pitchFamily="18" charset="0"/>
                 <a:cs typeface="Times New Roman" panose="02020603050405020304" pitchFamily="18" charset="0"/>
               </a:rPr>
               <a:t>ОБЗОР АНАЛОГОВ</a:t>
             </a:r>
+            <a:endParaRPr lang="ru-RU" sz="3000" b="1" dirty="0">
+              <a:latin typeface="Times New Roman" panose="02020603050405020304" pitchFamily="18" charset="0"/>
+              <a:cs typeface="Times New Roman" panose="02020603050405020304" pitchFamily="18" charset="0"/>
+            </a:endParaRPr>
           </a:p>
         </p:txBody>
       </p:sp>
@@ -11624,7 +12654,7 @@
         </p:blipFill>
         <p:spPr bwMode="auto">
           <a:xfrm>
-            <a:off x="518039" y="910391"/>
+            <a:off x="561244" y="1043231"/>
             <a:ext cx="8021512" cy="4938264"/>
           </a:xfrm>
           <a:prstGeom prst="rect">
@@ -11640,7 +12670,7 @@
       </p:pic>
       <p:sp>
         <p:nvSpPr>
-          <p:cNvPr id="6" name="TextBox 5">
+          <p:cNvPr id="7" name="TextBox 5">
             <a:extLst>
               <a:ext uri="{FF2B5EF4-FFF2-40B4-BE49-F238E27FC236}">
                 <a16:creationId xmlns:a16="http://schemas.microsoft.com/office/drawing/2014/main" xmlns="" xmlns:lc="http://schemas.openxmlformats.org/drawingml/2006/lockedCanvas" id="{F7043567-4147-88C3-F094-05513D23DB95}"/>
@@ -11652,8 +12682,8 @@
         </p:nvSpPr>
         <p:spPr>
           <a:xfrm>
-            <a:off x="8087773" y="6393452"/>
-            <a:ext cx="903557" cy="430887"/>
+            <a:off x="8240443" y="6426366"/>
+            <a:ext cx="903557" cy="400110"/>
           </a:xfrm>
           <a:prstGeom prst="rect">
             <a:avLst/>
@@ -11761,25 +12791,36 @@
           </a:lstStyle>
           <a:p>
             <a:r>
-              <a:rPr lang="ru-RU" sz="2200" dirty="0">
-                <a:latin typeface="Times New Roman" panose="02020603050405020304" pitchFamily="18" charset="0"/>
-                <a:cs typeface="Times New Roman" panose="02020603050405020304" pitchFamily="18" charset="0"/>
-              </a:rPr>
-              <a:t>6/18</a:t>
-            </a:r>
-          </a:p>
-        </p:txBody>
-      </p:sp>
-      <p:sp>
-        <p:nvSpPr>
-          <p:cNvPr id="8" name="Прямоугольник 7"/>
+              <a:rPr lang="ru-RU" sz="2000" dirty="0" smtClean="0">
+                <a:latin typeface="Times New Roman" panose="02020603050405020304" pitchFamily="18" charset="0"/>
+                <a:cs typeface="Times New Roman" panose="02020603050405020304" pitchFamily="18" charset="0"/>
+              </a:rPr>
+              <a:t>6/</a:t>
+            </a:r>
+            <a:r>
+              <a:rPr lang="en-US" sz="2000" dirty="0" smtClean="0">
+                <a:latin typeface="Times New Roman" panose="02020603050405020304" pitchFamily="18" charset="0"/>
+                <a:cs typeface="Times New Roman" panose="02020603050405020304" pitchFamily="18" charset="0"/>
+              </a:rPr>
+              <a:t>20</a:t>
+            </a:r>
+            <a:endParaRPr lang="ru-RU" sz="2200" dirty="0">
+              <a:latin typeface="Times New Roman" panose="02020603050405020304" pitchFamily="18" charset="0"/>
+              <a:cs typeface="Times New Roman" panose="02020603050405020304" pitchFamily="18" charset="0"/>
+            </a:endParaRPr>
+          </a:p>
+        </p:txBody>
+      </p:sp>
+      <p:sp>
+        <p:nvSpPr>
+          <p:cNvPr id="10" name="Прямоугольник 9"/>
           <p:cNvSpPr/>
           <p:nvPr/>
         </p:nvSpPr>
         <p:spPr>
           <a:xfrm>
-            <a:off x="0" y="5981495"/>
-            <a:ext cx="2826415" cy="400110"/>
+            <a:off x="0" y="6087812"/>
+            <a:ext cx="2569934" cy="369332"/>
           </a:xfrm>
           <a:prstGeom prst="rect">
             <a:avLst/>
@@ -11792,7 +12833,7 @@
           <a:lstStyle/>
           <a:p>
             <a:r>
-              <a:rPr lang="ru-RU" sz="2000" dirty="0">
+              <a:rPr lang="ru-RU" dirty="0">
                 <a:latin typeface="Times New Roman" panose="02020603050405020304" pitchFamily="18" charset="0"/>
                 <a:cs typeface="Times New Roman" panose="02020603050405020304" pitchFamily="18" charset="0"/>
               </a:rPr>
@@ -11803,14 +12844,14 @@
       </p:sp>
       <p:sp>
         <p:nvSpPr>
-          <p:cNvPr id="9" name="Прямоугольник 8"/>
+          <p:cNvPr id="11" name="Прямоугольник 10"/>
           <p:cNvSpPr/>
           <p:nvPr/>
         </p:nvSpPr>
         <p:spPr>
           <a:xfrm>
-            <a:off x="0" y="6362992"/>
-            <a:ext cx="4410759" cy="400110"/>
+            <a:off x="0" y="6457144"/>
+            <a:ext cx="3995709" cy="369332"/>
           </a:xfrm>
           <a:prstGeom prst="rect">
             <a:avLst/>
@@ -11823,7 +12864,7 @@
           <a:lstStyle/>
           <a:p>
             <a:r>
-              <a:rPr lang="ru-RU" sz="2000" dirty="0">
+              <a:rPr lang="ru-RU" dirty="0">
                 <a:latin typeface="Times New Roman" panose="02020603050405020304" pitchFamily="18" charset="0"/>
                 <a:cs typeface="Times New Roman" panose="02020603050405020304" pitchFamily="18" charset="0"/>
               </a:rPr>
@@ -11881,67 +12922,58 @@
         </p:nvSpPr>
         <p:spPr>
           <a:xfrm>
-            <a:off x="96981" y="1"/>
+            <a:off x="96981" y="60961"/>
             <a:ext cx="9047019" cy="895639"/>
           </a:xfrm>
         </p:spPr>
         <p:txBody>
           <a:bodyPr>
-            <a:normAutofit/>
+            <a:noAutofit/>
           </a:bodyPr>
           <a:lstStyle/>
           <a:p>
             <a:pPr algn="ctr"/>
             <a:r>
-              <a:rPr lang="ru-RU" sz="3000" b="1" dirty="0">
+              <a:rPr lang="ru-RU" sz="3000" b="1" dirty="0" smtClean="0">
                 <a:latin typeface="Times New Roman" panose="02020603050405020304" pitchFamily="18" charset="0"/>
                 <a:cs typeface="Times New Roman" panose="02020603050405020304" pitchFamily="18" charset="0"/>
               </a:rPr>
               <a:t>ДИАГРАММА ВАРИАНТОВ ИСПОЛЬЗОВАНИЯ</a:t>
             </a:r>
+            <a:endParaRPr lang="ru-RU" sz="3000" b="1" dirty="0">
+              <a:latin typeface="Times New Roman" panose="02020603050405020304" pitchFamily="18" charset="0"/>
+              <a:cs typeface="Times New Roman" panose="02020603050405020304" pitchFamily="18" charset="0"/>
+            </a:endParaRPr>
           </a:p>
         </p:txBody>
       </p:sp>
       <p:pic>
         <p:nvPicPr>
-          <p:cNvPr id="4" name="Объект 3" descr="C:\Users\veron\OneDrive\Рабочий стол\susu\4 курс\практика\диаграммы\SmartContract-UseCases.jpg"/>
+          <p:cNvPr id="15" name="Рисунок 14"/>
           <p:cNvPicPr>
-            <a:picLocks noGrp="1"/>
+            <a:picLocks noChangeAspect="1"/>
           </p:cNvPicPr>
-          <p:nvPr>
-            <p:ph idx="1"/>
-          </p:nvPr>
+          <p:nvPr/>
         </p:nvPicPr>
         <p:blipFill>
-          <a:blip r:embed="rId3">
-            <a:extLst>
-              <a:ext uri="{28A0092B-C50C-407E-A947-70E740481C1C}">
-                <a14:useLocalDpi xmlns:a14="http://schemas.microsoft.com/office/drawing/2010/main" val="0"/>
-              </a:ext>
-            </a:extLst>
-          </a:blip>
-          <a:srcRect/>
+          <a:blip r:embed="rId3"/>
           <a:stretch>
             <a:fillRect/>
           </a:stretch>
         </p:blipFill>
-        <p:spPr bwMode="auto">
+        <p:spPr>
           <a:xfrm>
-            <a:off x="1747156" y="721669"/>
-            <a:ext cx="5746668" cy="5259826"/>
+            <a:off x="1569922" y="956600"/>
+            <a:ext cx="5458041" cy="5145006"/>
           </a:xfrm>
           <a:prstGeom prst="rect">
             <a:avLst/>
           </a:prstGeom>
-          <a:noFill/>
-          <a:ln>
-            <a:noFill/>
-          </a:ln>
         </p:spPr>
       </p:pic>
       <p:sp>
         <p:nvSpPr>
-          <p:cNvPr id="5" name="TextBox 5">
+          <p:cNvPr id="9" name="TextBox 5">
             <a:extLst>
               <a:ext uri="{FF2B5EF4-FFF2-40B4-BE49-F238E27FC236}">
                 <a16:creationId xmlns:a16="http://schemas.microsoft.com/office/drawing/2014/main" xmlns="" xmlns:lc="http://schemas.openxmlformats.org/drawingml/2006/lockedCanvas" id="{F7043567-4147-88C3-F094-05513D23DB95}"/>
@@ -11953,8 +12985,8 @@
         </p:nvSpPr>
         <p:spPr>
           <a:xfrm>
-            <a:off x="8143461" y="6427638"/>
-            <a:ext cx="903557" cy="430887"/>
+            <a:off x="8240443" y="6426366"/>
+            <a:ext cx="903557" cy="400110"/>
           </a:xfrm>
           <a:prstGeom prst="rect">
             <a:avLst/>
@@ -12062,25 +13094,36 @@
           </a:lstStyle>
           <a:p>
             <a:r>
-              <a:rPr lang="ru-RU" sz="2200" dirty="0">
-                <a:latin typeface="Times New Roman" panose="02020603050405020304" pitchFamily="18" charset="0"/>
-                <a:cs typeface="Times New Roman" panose="02020603050405020304" pitchFamily="18" charset="0"/>
-              </a:rPr>
-              <a:t>7/18</a:t>
-            </a:r>
-          </a:p>
-        </p:txBody>
-      </p:sp>
-      <p:sp>
-        <p:nvSpPr>
-          <p:cNvPr id="7" name="Прямоугольник 6"/>
+              <a:rPr lang="ru-RU" sz="2000" dirty="0" smtClean="0">
+                <a:latin typeface="Times New Roman" panose="02020603050405020304" pitchFamily="18" charset="0"/>
+                <a:cs typeface="Times New Roman" panose="02020603050405020304" pitchFamily="18" charset="0"/>
+              </a:rPr>
+              <a:t>7/</a:t>
+            </a:r>
+            <a:r>
+              <a:rPr lang="en-US" sz="2000" dirty="0" smtClean="0">
+                <a:latin typeface="Times New Roman" panose="02020603050405020304" pitchFamily="18" charset="0"/>
+                <a:cs typeface="Times New Roman" panose="02020603050405020304" pitchFamily="18" charset="0"/>
+              </a:rPr>
+              <a:t>20</a:t>
+            </a:r>
+            <a:endParaRPr lang="ru-RU" sz="2200" dirty="0">
+              <a:latin typeface="Times New Roman" panose="02020603050405020304" pitchFamily="18" charset="0"/>
+              <a:cs typeface="Times New Roman" panose="02020603050405020304" pitchFamily="18" charset="0"/>
+            </a:endParaRPr>
+          </a:p>
+        </p:txBody>
+      </p:sp>
+      <p:sp>
+        <p:nvSpPr>
+          <p:cNvPr id="10" name="Прямоугольник 9"/>
           <p:cNvSpPr/>
           <p:nvPr/>
         </p:nvSpPr>
         <p:spPr>
           <a:xfrm>
-            <a:off x="0" y="5981495"/>
-            <a:ext cx="2826415" cy="400110"/>
+            <a:off x="0" y="6087812"/>
+            <a:ext cx="2569934" cy="369332"/>
           </a:xfrm>
           <a:prstGeom prst="rect">
             <a:avLst/>
@@ -12093,7 +13136,7 @@
           <a:lstStyle/>
           <a:p>
             <a:r>
-              <a:rPr lang="ru-RU" sz="2000" dirty="0">
+              <a:rPr lang="ru-RU" dirty="0">
                 <a:latin typeface="Times New Roman" panose="02020603050405020304" pitchFamily="18" charset="0"/>
                 <a:cs typeface="Times New Roman" panose="02020603050405020304" pitchFamily="18" charset="0"/>
               </a:rPr>
@@ -12104,14 +13147,14 @@
       </p:sp>
       <p:sp>
         <p:nvSpPr>
-          <p:cNvPr id="8" name="Прямоугольник 7"/>
+          <p:cNvPr id="11" name="Прямоугольник 10"/>
           <p:cNvSpPr/>
           <p:nvPr/>
         </p:nvSpPr>
         <p:spPr>
           <a:xfrm>
-            <a:off x="0" y="6362992"/>
-            <a:ext cx="4410759" cy="400110"/>
+            <a:off x="0" y="6457144"/>
+            <a:ext cx="3995709" cy="369332"/>
           </a:xfrm>
           <a:prstGeom prst="rect">
             <a:avLst/>
@@ -12124,7 +13167,7 @@
           <a:lstStyle/>
           <a:p>
             <a:r>
-              <a:rPr lang="ru-RU" sz="2000" dirty="0">
+              <a:rPr lang="ru-RU" dirty="0">
                 <a:latin typeface="Times New Roman" panose="02020603050405020304" pitchFamily="18" charset="0"/>
                 <a:cs typeface="Times New Roman" panose="02020603050405020304" pitchFamily="18" charset="0"/>
               </a:rPr>
@@ -12182,7 +13225,7 @@
         </p:nvSpPr>
         <p:spPr>
           <a:xfrm>
-            <a:off x="0" y="221674"/>
+            <a:off x="0" y="60960"/>
             <a:ext cx="9144000" cy="895639"/>
           </a:xfrm>
         </p:spPr>
@@ -12194,55 +13237,36 @@
           <a:p>
             <a:pPr algn="ctr"/>
             <a:r>
-              <a:rPr lang="ru-RU" sz="3600" b="1" dirty="0">
-                <a:latin typeface="Times New Roman" panose="02020603050405020304" pitchFamily="18" charset="0"/>
-                <a:cs typeface="Times New Roman" panose="02020603050405020304" pitchFamily="18" charset="0"/>
-              </a:rPr>
-              <a:t>ДИАГРАММА КОМПОНЕНТОВ</a:t>
-            </a:r>
-          </a:p>
-        </p:txBody>
-      </p:sp>
-      <p:pic>
-        <p:nvPicPr>
-          <p:cNvPr id="5" name="Объект 4" descr="C:\Users\veron\OneDrive\Рабочий стол\susu\4 курс\диплом\диаграммы\SmartContract-структура веб3 (вертикальная).jpg"/>
-          <p:cNvPicPr>
-            <a:picLocks noGrp="1"/>
-          </p:cNvPicPr>
-          <p:nvPr>
-            <p:ph idx="1"/>
-          </p:nvPr>
-        </p:nvPicPr>
-        <p:blipFill>
-          <a:blip r:embed="rId3">
-            <a:extLst>
-              <a:ext uri="{28A0092B-C50C-407E-A947-70E740481C1C}">
-                <a14:useLocalDpi xmlns:a14="http://schemas.microsoft.com/office/drawing/2010/main" val="0"/>
-              </a:ext>
-            </a:extLst>
-          </a:blip>
-          <a:srcRect/>
-          <a:stretch>
-            <a:fillRect/>
-          </a:stretch>
-        </p:blipFill>
-        <p:spPr bwMode="auto">
-          <a:xfrm>
-            <a:off x="657912" y="1387711"/>
-            <a:ext cx="7828171" cy="4057125"/>
-          </a:xfrm>
-          <a:prstGeom prst="rect">
-            <a:avLst/>
-          </a:prstGeom>
-          <a:noFill/>
-          <a:ln>
-            <a:noFill/>
-          </a:ln>
-        </p:spPr>
-      </p:pic>
-      <p:sp>
-        <p:nvSpPr>
-          <p:cNvPr id="4" name="TextBox 5">
+              <a:rPr lang="ru-RU" sz="3000" b="1" dirty="0" smtClean="0">
+                <a:latin typeface="Times New Roman" panose="02020603050405020304" pitchFamily="18" charset="0"/>
+                <a:cs typeface="Times New Roman" panose="02020603050405020304" pitchFamily="18" charset="0"/>
+              </a:rPr>
+              <a:t>АРХИТЕКТУРА</a:t>
+            </a:r>
+            <a:r>
+              <a:rPr lang="ru-RU" sz="3600" b="1" dirty="0" smtClean="0">
+                <a:latin typeface="Times New Roman" panose="02020603050405020304" pitchFamily="18" charset="0"/>
+                <a:cs typeface="Times New Roman" panose="02020603050405020304" pitchFamily="18" charset="0"/>
+              </a:rPr>
+              <a:t> </a:t>
+            </a:r>
+            <a:r>
+              <a:rPr lang="ru-RU" sz="3000" b="1" dirty="0" smtClean="0">
+                <a:latin typeface="Times New Roman" panose="02020603050405020304" pitchFamily="18" charset="0"/>
+                <a:cs typeface="Times New Roman" panose="02020603050405020304" pitchFamily="18" charset="0"/>
+              </a:rPr>
+              <a:t>СИСТЕМЫ</a:t>
+            </a:r>
+            <a:endParaRPr lang="ru-RU" sz="3000" b="1" dirty="0">
+              <a:latin typeface="Times New Roman" panose="02020603050405020304" pitchFamily="18" charset="0"/>
+              <a:cs typeface="Times New Roman" panose="02020603050405020304" pitchFamily="18" charset="0"/>
+            </a:endParaRPr>
+          </a:p>
+        </p:txBody>
+      </p:sp>
+      <p:sp>
+        <p:nvSpPr>
+          <p:cNvPr id="9" name="TextBox 5">
             <a:extLst>
               <a:ext uri="{FF2B5EF4-FFF2-40B4-BE49-F238E27FC236}">
                 <a16:creationId xmlns:a16="http://schemas.microsoft.com/office/drawing/2014/main" xmlns="" xmlns:lc="http://schemas.openxmlformats.org/drawingml/2006/lockedCanvas" id="{F7043567-4147-88C3-F094-05513D23DB95}"/>
@@ -12254,8 +13278,8 @@
         </p:nvSpPr>
         <p:spPr>
           <a:xfrm>
-            <a:off x="8034304" y="6334781"/>
-            <a:ext cx="903557" cy="430887"/>
+            <a:off x="8240443" y="6426366"/>
+            <a:ext cx="903557" cy="400110"/>
           </a:xfrm>
           <a:prstGeom prst="rect">
             <a:avLst/>
@@ -12363,25 +13387,36 @@
           </a:lstStyle>
           <a:p>
             <a:r>
-              <a:rPr lang="ru-RU" sz="2200" dirty="0">
-                <a:latin typeface="Times New Roman" panose="02020603050405020304" pitchFamily="18" charset="0"/>
-                <a:cs typeface="Times New Roman" panose="02020603050405020304" pitchFamily="18" charset="0"/>
-              </a:rPr>
-              <a:t>8/18</a:t>
-            </a:r>
-          </a:p>
-        </p:txBody>
-      </p:sp>
-      <p:sp>
-        <p:nvSpPr>
-          <p:cNvPr id="7" name="Прямоугольник 6"/>
+              <a:rPr lang="ru-RU" sz="2000" dirty="0" smtClean="0">
+                <a:latin typeface="Times New Roman" panose="02020603050405020304" pitchFamily="18" charset="0"/>
+                <a:cs typeface="Times New Roman" panose="02020603050405020304" pitchFamily="18" charset="0"/>
+              </a:rPr>
+              <a:t>8/</a:t>
+            </a:r>
+            <a:r>
+              <a:rPr lang="en-US" sz="2000" dirty="0" smtClean="0">
+                <a:latin typeface="Times New Roman" panose="02020603050405020304" pitchFamily="18" charset="0"/>
+                <a:cs typeface="Times New Roman" panose="02020603050405020304" pitchFamily="18" charset="0"/>
+              </a:rPr>
+              <a:t>20</a:t>
+            </a:r>
+            <a:endParaRPr lang="ru-RU" sz="2200" dirty="0">
+              <a:latin typeface="Times New Roman" panose="02020603050405020304" pitchFamily="18" charset="0"/>
+              <a:cs typeface="Times New Roman" panose="02020603050405020304" pitchFamily="18" charset="0"/>
+            </a:endParaRPr>
+          </a:p>
+        </p:txBody>
+      </p:sp>
+      <p:sp>
+        <p:nvSpPr>
+          <p:cNvPr id="10" name="Прямоугольник 9"/>
           <p:cNvSpPr/>
           <p:nvPr/>
         </p:nvSpPr>
         <p:spPr>
           <a:xfrm>
-            <a:off x="0" y="5981495"/>
-            <a:ext cx="2826415" cy="400110"/>
+            <a:off x="0" y="6087812"/>
+            <a:ext cx="2569934" cy="369332"/>
           </a:xfrm>
           <a:prstGeom prst="rect">
             <a:avLst/>
@@ -12394,7 +13429,7 @@
           <a:lstStyle/>
           <a:p>
             <a:r>
-              <a:rPr lang="ru-RU" sz="2000" dirty="0">
+              <a:rPr lang="ru-RU" dirty="0">
                 <a:latin typeface="Times New Roman" panose="02020603050405020304" pitchFamily="18" charset="0"/>
                 <a:cs typeface="Times New Roman" panose="02020603050405020304" pitchFamily="18" charset="0"/>
               </a:rPr>
@@ -12405,14 +13440,14 @@
       </p:sp>
       <p:sp>
         <p:nvSpPr>
-          <p:cNvPr id="8" name="Прямоугольник 7"/>
+          <p:cNvPr id="11" name="Прямоугольник 10"/>
           <p:cNvSpPr/>
           <p:nvPr/>
         </p:nvSpPr>
         <p:spPr>
           <a:xfrm>
-            <a:off x="0" y="6362992"/>
-            <a:ext cx="4410759" cy="400110"/>
+            <a:off x="0" y="6457144"/>
+            <a:ext cx="3995709" cy="369332"/>
           </a:xfrm>
           <a:prstGeom prst="rect">
             <a:avLst/>
@@ -12425,7 +13460,7 @@
           <a:lstStyle/>
           <a:p>
             <a:r>
-              <a:rPr lang="ru-RU" sz="2000" dirty="0">
+              <a:rPr lang="ru-RU" dirty="0">
                 <a:latin typeface="Times New Roman" panose="02020603050405020304" pitchFamily="18" charset="0"/>
                 <a:cs typeface="Times New Roman" panose="02020603050405020304" pitchFamily="18" charset="0"/>
               </a:rPr>
@@ -12434,6 +13469,30 @@
           </a:p>
         </p:txBody>
       </p:sp>
+      <p:pic>
+        <p:nvPicPr>
+          <p:cNvPr id="12" name="Рисунок 11"/>
+          <p:cNvPicPr>
+            <a:picLocks noChangeAspect="1"/>
+          </p:cNvPicPr>
+          <p:nvPr/>
+        </p:nvPicPr>
+        <p:blipFill>
+          <a:blip r:embed="rId3"/>
+          <a:stretch>
+            <a:fillRect/>
+          </a:stretch>
+        </p:blipFill>
+        <p:spPr>
+          <a:xfrm>
+            <a:off x="895350" y="1036180"/>
+            <a:ext cx="7353300" cy="4972050"/>
+          </a:xfrm>
+          <a:prstGeom prst="rect">
+            <a:avLst/>
+          </a:prstGeom>
+        </p:spPr>
+      </p:pic>
     </p:spTree>
     <p:extLst>
       <p:ext uri="{BB962C8B-B14F-4D97-AF65-F5344CB8AC3E}">
@@ -12483,7 +13542,7 @@
         </p:nvSpPr>
         <p:spPr>
           <a:xfrm>
-            <a:off x="0" y="7594"/>
+            <a:off x="0" y="60288"/>
             <a:ext cx="9144000" cy="895639"/>
           </a:xfrm>
         </p:spPr>
@@ -12495,12 +13554,16 @@
           <a:p>
             <a:pPr algn="ctr"/>
             <a:r>
-              <a:rPr lang="ru-RU" sz="3600" b="1" dirty="0">
-                <a:latin typeface="Times New Roman" panose="02020603050405020304" pitchFamily="18" charset="0"/>
-                <a:cs typeface="Times New Roman" panose="02020603050405020304" pitchFamily="18" charset="0"/>
-              </a:rPr>
-              <a:t>ДИАГРАММА СМАРТ-КОНТРАКТОВ</a:t>
-            </a:r>
+              <a:rPr lang="ru-RU" sz="3000" b="1" dirty="0" smtClean="0">
+                <a:latin typeface="Times New Roman" panose="02020603050405020304" pitchFamily="18" charset="0"/>
+                <a:cs typeface="Times New Roman" panose="02020603050405020304" pitchFamily="18" charset="0"/>
+              </a:rPr>
+              <a:t>СТРУКТУРА СМАРТ-КОНТРАКТОВ</a:t>
+            </a:r>
+            <a:endParaRPr lang="ru-RU" sz="3000" b="1" dirty="0">
+              <a:latin typeface="Times New Roman" panose="02020603050405020304" pitchFamily="18" charset="0"/>
+              <a:cs typeface="Times New Roman" panose="02020603050405020304" pitchFamily="18" charset="0"/>
+            </a:endParaRPr>
           </a:p>
         </p:txBody>
       </p:sp>
@@ -12529,7 +13592,7 @@
         </p:blipFill>
         <p:spPr bwMode="auto">
           <a:xfrm>
-            <a:off x="892103" y="903233"/>
+            <a:off x="880649" y="1017879"/>
             <a:ext cx="7359794" cy="5007981"/>
           </a:xfrm>
           <a:prstGeom prst="rect">
@@ -12543,7 +13606,7 @@
       </p:pic>
       <p:sp>
         <p:nvSpPr>
-          <p:cNvPr id="4" name="TextBox 5">
+          <p:cNvPr id="9" name="TextBox 5">
             <a:extLst>
               <a:ext uri="{FF2B5EF4-FFF2-40B4-BE49-F238E27FC236}">
                 <a16:creationId xmlns:a16="http://schemas.microsoft.com/office/drawing/2014/main" xmlns="" xmlns:lc="http://schemas.openxmlformats.org/drawingml/2006/lockedCanvas" id="{F7043567-4147-88C3-F094-05513D23DB95}"/>
@@ -12555,8 +13618,8 @@
         </p:nvSpPr>
         <p:spPr>
           <a:xfrm>
-            <a:off x="8129607" y="6334781"/>
-            <a:ext cx="903557" cy="430887"/>
+            <a:off x="8240443" y="6426366"/>
+            <a:ext cx="903557" cy="400110"/>
           </a:xfrm>
           <a:prstGeom prst="rect">
             <a:avLst/>
@@ -12664,25 +13727,36 @@
           </a:lstStyle>
           <a:p>
             <a:r>
-              <a:rPr lang="ru-RU" sz="2200" dirty="0">
-                <a:latin typeface="Times New Roman" panose="02020603050405020304" pitchFamily="18" charset="0"/>
-                <a:cs typeface="Times New Roman" panose="02020603050405020304" pitchFamily="18" charset="0"/>
-              </a:rPr>
-              <a:t>9/18</a:t>
-            </a:r>
-          </a:p>
-        </p:txBody>
-      </p:sp>
-      <p:sp>
-        <p:nvSpPr>
-          <p:cNvPr id="7" name="Прямоугольник 6"/>
+              <a:rPr lang="ru-RU" sz="2000" dirty="0" smtClean="0">
+                <a:latin typeface="Times New Roman" panose="02020603050405020304" pitchFamily="18" charset="0"/>
+                <a:cs typeface="Times New Roman" panose="02020603050405020304" pitchFamily="18" charset="0"/>
+              </a:rPr>
+              <a:t>9/</a:t>
+            </a:r>
+            <a:r>
+              <a:rPr lang="en-US" sz="2000" dirty="0" smtClean="0">
+                <a:latin typeface="Times New Roman" panose="02020603050405020304" pitchFamily="18" charset="0"/>
+                <a:cs typeface="Times New Roman" panose="02020603050405020304" pitchFamily="18" charset="0"/>
+              </a:rPr>
+              <a:t>20</a:t>
+            </a:r>
+            <a:endParaRPr lang="ru-RU" sz="2200" dirty="0">
+              <a:latin typeface="Times New Roman" panose="02020603050405020304" pitchFamily="18" charset="0"/>
+              <a:cs typeface="Times New Roman" panose="02020603050405020304" pitchFamily="18" charset="0"/>
+            </a:endParaRPr>
+          </a:p>
+        </p:txBody>
+      </p:sp>
+      <p:sp>
+        <p:nvSpPr>
+          <p:cNvPr id="10" name="Прямоугольник 9"/>
           <p:cNvSpPr/>
           <p:nvPr/>
         </p:nvSpPr>
         <p:spPr>
           <a:xfrm>
-            <a:off x="0" y="5981495"/>
-            <a:ext cx="2826415" cy="400110"/>
+            <a:off x="0" y="6087812"/>
+            <a:ext cx="2569934" cy="369332"/>
           </a:xfrm>
           <a:prstGeom prst="rect">
             <a:avLst/>
@@ -12695,7 +13769,7 @@
           <a:lstStyle/>
           <a:p>
             <a:r>
-              <a:rPr lang="ru-RU" sz="2000" dirty="0">
+              <a:rPr lang="ru-RU" dirty="0">
                 <a:latin typeface="Times New Roman" panose="02020603050405020304" pitchFamily="18" charset="0"/>
                 <a:cs typeface="Times New Roman" panose="02020603050405020304" pitchFamily="18" charset="0"/>
               </a:rPr>
@@ -12706,14 +13780,14 @@
       </p:sp>
       <p:sp>
         <p:nvSpPr>
-          <p:cNvPr id="8" name="Прямоугольник 7"/>
+          <p:cNvPr id="11" name="Прямоугольник 10"/>
           <p:cNvSpPr/>
           <p:nvPr/>
         </p:nvSpPr>
         <p:spPr>
           <a:xfrm>
-            <a:off x="0" y="6362992"/>
-            <a:ext cx="4410759" cy="400110"/>
+            <a:off x="0" y="6457144"/>
+            <a:ext cx="3995709" cy="369332"/>
           </a:xfrm>
           <a:prstGeom prst="rect">
             <a:avLst/>
@@ -12726,7 +13800,7 @@
           <a:lstStyle/>
           <a:p>
             <a:r>
-              <a:rPr lang="ru-RU" sz="2000" dirty="0">
+              <a:rPr lang="ru-RU" dirty="0">
                 <a:latin typeface="Times New Roman" panose="02020603050405020304" pitchFamily="18" charset="0"/>
                 <a:cs typeface="Times New Roman" panose="02020603050405020304" pitchFamily="18" charset="0"/>
               </a:rPr>

--- a/reports/2023_403_БогатыреваВО_slides.pptx
+++ b/reports/2023_403_БогатыреваВО_slides.pptx
@@ -216,7 +216,7 @@
           <a:p>
             <a:fld id="{7DEDA2BB-1C5C-4526-95E5-77A988EF9EA2}" type="datetimeFigureOut">
               <a:rPr lang="ru-RU" smtClean="0"/>
-              <a:t>06.06.2023</a:t>
+              <a:t>08.06.2023</a:t>
             </a:fld>
             <a:endParaRPr lang="ru-RU"/>
           </a:p>
@@ -3747,7 +3747,7 @@
           <a:p>
             <a:fld id="{9D1E7A46-1A4E-41C3-B23B-1269BF8B1FAC}" type="datetimeFigureOut">
               <a:rPr lang="ru-RU" smtClean="0"/>
-              <a:t>06.06.2023</a:t>
+              <a:t>08.06.2023</a:t>
             </a:fld>
             <a:endParaRPr lang="ru-RU"/>
           </a:p>
@@ -3917,7 +3917,7 @@
           <a:p>
             <a:fld id="{9D1E7A46-1A4E-41C3-B23B-1269BF8B1FAC}" type="datetimeFigureOut">
               <a:rPr lang="ru-RU" smtClean="0"/>
-              <a:t>06.06.2023</a:t>
+              <a:t>08.06.2023</a:t>
             </a:fld>
             <a:endParaRPr lang="ru-RU"/>
           </a:p>
@@ -4097,7 +4097,7 @@
           <a:p>
             <a:fld id="{9D1E7A46-1A4E-41C3-B23B-1269BF8B1FAC}" type="datetimeFigureOut">
               <a:rPr lang="ru-RU" smtClean="0"/>
-              <a:t>06.06.2023</a:t>
+              <a:t>08.06.2023</a:t>
             </a:fld>
             <a:endParaRPr lang="ru-RU"/>
           </a:p>
@@ -4267,7 +4267,7 @@
           <a:p>
             <a:fld id="{9D1E7A46-1A4E-41C3-B23B-1269BF8B1FAC}" type="datetimeFigureOut">
               <a:rPr lang="ru-RU" smtClean="0"/>
-              <a:t>06.06.2023</a:t>
+              <a:t>08.06.2023</a:t>
             </a:fld>
             <a:endParaRPr lang="ru-RU"/>
           </a:p>
@@ -4511,7 +4511,7 @@
           <a:p>
             <a:fld id="{9D1E7A46-1A4E-41C3-B23B-1269BF8B1FAC}" type="datetimeFigureOut">
               <a:rPr lang="ru-RU" smtClean="0"/>
-              <a:t>06.06.2023</a:t>
+              <a:t>08.06.2023</a:t>
             </a:fld>
             <a:endParaRPr lang="ru-RU"/>
           </a:p>
@@ -4743,7 +4743,7 @@
           <a:p>
             <a:fld id="{9D1E7A46-1A4E-41C3-B23B-1269BF8B1FAC}" type="datetimeFigureOut">
               <a:rPr lang="ru-RU" smtClean="0"/>
-              <a:t>06.06.2023</a:t>
+              <a:t>08.06.2023</a:t>
             </a:fld>
             <a:endParaRPr lang="ru-RU"/>
           </a:p>
@@ -5110,7 +5110,7 @@
           <a:p>
             <a:fld id="{9D1E7A46-1A4E-41C3-B23B-1269BF8B1FAC}" type="datetimeFigureOut">
               <a:rPr lang="ru-RU" smtClean="0"/>
-              <a:t>06.06.2023</a:t>
+              <a:t>08.06.2023</a:t>
             </a:fld>
             <a:endParaRPr lang="ru-RU"/>
           </a:p>
@@ -5228,7 +5228,7 @@
           <a:p>
             <a:fld id="{9D1E7A46-1A4E-41C3-B23B-1269BF8B1FAC}" type="datetimeFigureOut">
               <a:rPr lang="ru-RU" smtClean="0"/>
-              <a:t>06.06.2023</a:t>
+              <a:t>08.06.2023</a:t>
             </a:fld>
             <a:endParaRPr lang="ru-RU"/>
           </a:p>
@@ -5323,7 +5323,7 @@
           <a:p>
             <a:fld id="{9D1E7A46-1A4E-41C3-B23B-1269BF8B1FAC}" type="datetimeFigureOut">
               <a:rPr lang="ru-RU" smtClean="0"/>
-              <a:t>06.06.2023</a:t>
+              <a:t>08.06.2023</a:t>
             </a:fld>
             <a:endParaRPr lang="ru-RU"/>
           </a:p>
@@ -5600,7 +5600,7 @@
           <a:p>
             <a:fld id="{9D1E7A46-1A4E-41C3-B23B-1269BF8B1FAC}" type="datetimeFigureOut">
               <a:rPr lang="ru-RU" smtClean="0"/>
-              <a:t>06.06.2023</a:t>
+              <a:t>08.06.2023</a:t>
             </a:fld>
             <a:endParaRPr lang="ru-RU"/>
           </a:p>
@@ -5857,7 +5857,7 @@
           <a:p>
             <a:fld id="{9D1E7A46-1A4E-41C3-B23B-1269BF8B1FAC}" type="datetimeFigureOut">
               <a:rPr lang="ru-RU" smtClean="0"/>
-              <a:t>06.06.2023</a:t>
+              <a:t>08.06.2023</a:t>
             </a:fld>
             <a:endParaRPr lang="ru-RU"/>
           </a:p>
@@ -6070,7 +6070,7 @@
           <a:p>
             <a:fld id="{9D1E7A46-1A4E-41C3-B23B-1269BF8B1FAC}" type="datetimeFigureOut">
               <a:rPr lang="ru-RU" smtClean="0"/>
-              <a:t>06.06.2023</a:t>
+              <a:t>08.06.2023</a:t>
             </a:fld>
             <a:endParaRPr lang="ru-RU"/>
           </a:p>
@@ -6876,7 +6876,7 @@
           <p:cNvPr id="7" name="TextBox 5">
             <a:extLst>
               <a:ext uri="{FF2B5EF4-FFF2-40B4-BE49-F238E27FC236}">
-                <a16:creationId xmlns:a16="http://schemas.microsoft.com/office/drawing/2014/main" xmlns="" xmlns:lc="http://schemas.openxmlformats.org/drawingml/2006/lockedCanvas" id="{F7043567-4147-88C3-F094-05513D23DB95}"/>
+                <a16:creationId xmlns:lc="http://schemas.openxmlformats.org/drawingml/2006/lockedCanvas" xmlns="" xmlns:a16="http://schemas.microsoft.com/office/drawing/2014/main" id="{F7043567-4147-88C3-F094-05513D23DB95}"/>
               </a:ext>
             </a:extLst>
           </p:cNvPr>
@@ -7212,7 +7212,7 @@
           <p:cNvPr id="9" name="TextBox 5">
             <a:extLst>
               <a:ext uri="{FF2B5EF4-FFF2-40B4-BE49-F238E27FC236}">
-                <a16:creationId xmlns:a16="http://schemas.microsoft.com/office/drawing/2014/main" xmlns="" xmlns:lc="http://schemas.openxmlformats.org/drawingml/2006/lockedCanvas" id="{F7043567-4147-88C3-F094-05513D23DB95}"/>
+                <a16:creationId xmlns:lc="http://schemas.openxmlformats.org/drawingml/2006/lockedCanvas" xmlns="" xmlns:a16="http://schemas.microsoft.com/office/drawing/2014/main" id="{F7043567-4147-88C3-F094-05513D23DB95}"/>
               </a:ext>
             </a:extLst>
           </p:cNvPr>
@@ -7830,7 +7830,7 @@
           <p:cNvPr id="12" name="TextBox 5">
             <a:extLst>
               <a:ext uri="{FF2B5EF4-FFF2-40B4-BE49-F238E27FC236}">
-                <a16:creationId xmlns:a16="http://schemas.microsoft.com/office/drawing/2014/main" xmlns="" xmlns:lc="http://schemas.openxmlformats.org/drawingml/2006/lockedCanvas" id="{F7043567-4147-88C3-F094-05513D23DB95}"/>
+                <a16:creationId xmlns:lc="http://schemas.openxmlformats.org/drawingml/2006/lockedCanvas" xmlns="" xmlns:a16="http://schemas.microsoft.com/office/drawing/2014/main" id="{F7043567-4147-88C3-F094-05513D23DB95}"/>
               </a:ext>
             </a:extLst>
           </p:cNvPr>
@@ -8105,7 +8105,7 @@
           <p:cNvPr id="10" name="TextBox 5">
             <a:extLst>
               <a:ext uri="{FF2B5EF4-FFF2-40B4-BE49-F238E27FC236}">
-                <a16:creationId xmlns:a16="http://schemas.microsoft.com/office/drawing/2014/main" xmlns="" xmlns:lc="http://schemas.openxmlformats.org/drawingml/2006/lockedCanvas" id="{F7043567-4147-88C3-F094-05513D23DB95}"/>
+                <a16:creationId xmlns:lc="http://schemas.openxmlformats.org/drawingml/2006/lockedCanvas" xmlns="" xmlns:a16="http://schemas.microsoft.com/office/drawing/2014/main" id="{F7043567-4147-88C3-F094-05513D23DB95}"/>
               </a:ext>
             </a:extLst>
           </p:cNvPr>
@@ -8409,7 +8409,7 @@
           <p:cNvPr id="8" name="TextBox 5">
             <a:extLst>
               <a:ext uri="{FF2B5EF4-FFF2-40B4-BE49-F238E27FC236}">
-                <a16:creationId xmlns:a16="http://schemas.microsoft.com/office/drawing/2014/main" xmlns="" xmlns:lc="http://schemas.openxmlformats.org/drawingml/2006/lockedCanvas" id="{F7043567-4147-88C3-F094-05513D23DB95}"/>
+                <a16:creationId xmlns:lc="http://schemas.openxmlformats.org/drawingml/2006/lockedCanvas" xmlns="" xmlns:a16="http://schemas.microsoft.com/office/drawing/2014/main" id="{F7043567-4147-88C3-F094-05513D23DB95}"/>
               </a:ext>
             </a:extLst>
           </p:cNvPr>
@@ -8741,7 +8741,7 @@
           <p:cNvPr id="9" name="TextBox 5">
             <a:extLst>
               <a:ext uri="{FF2B5EF4-FFF2-40B4-BE49-F238E27FC236}">
-                <a16:creationId xmlns:a16="http://schemas.microsoft.com/office/drawing/2014/main" xmlns="" xmlns:lc="http://schemas.openxmlformats.org/drawingml/2006/lockedCanvas" id="{F7043567-4147-88C3-F094-05513D23DB95}"/>
+                <a16:creationId xmlns:lc="http://schemas.openxmlformats.org/drawingml/2006/lockedCanvas" xmlns="" xmlns:a16="http://schemas.microsoft.com/office/drawing/2014/main" id="{F7043567-4147-88C3-F094-05513D23DB95}"/>
               </a:ext>
             </a:extLst>
           </p:cNvPr>
@@ -8965,7 +8965,7 @@
           </a:prstGeom>
           <a:ln>
             <a:solidFill>
-              <a:schemeClr val="tx1"/>
+              <a:schemeClr val="bg1"/>
             </a:solidFill>
           </a:ln>
         </p:spPr>
@@ -9045,7 +9045,7 @@
           <p:cNvPr id="9" name="TextBox 5">
             <a:extLst>
               <a:ext uri="{FF2B5EF4-FFF2-40B4-BE49-F238E27FC236}">
-                <a16:creationId xmlns:a16="http://schemas.microsoft.com/office/drawing/2014/main" xmlns="" xmlns:lc="http://schemas.openxmlformats.org/drawingml/2006/lockedCanvas" id="{F7043567-4147-88C3-F094-05513D23DB95}"/>
+                <a16:creationId xmlns:lc="http://schemas.openxmlformats.org/drawingml/2006/lockedCanvas" xmlns="" xmlns:a16="http://schemas.microsoft.com/office/drawing/2014/main" id="{F7043567-4147-88C3-F094-05513D23DB95}"/>
               </a:ext>
             </a:extLst>
           </p:cNvPr>
@@ -9557,7 +9557,7 @@
           <p:cNvPr id="8" name="TextBox 5">
             <a:extLst>
               <a:ext uri="{FF2B5EF4-FFF2-40B4-BE49-F238E27FC236}">
-                <a16:creationId xmlns:a16="http://schemas.microsoft.com/office/drawing/2014/main" xmlns="" xmlns:lc="http://schemas.openxmlformats.org/drawingml/2006/lockedCanvas" id="{F7043567-4147-88C3-F094-05513D23DB95}"/>
+                <a16:creationId xmlns:lc="http://schemas.openxmlformats.org/drawingml/2006/lockedCanvas" xmlns="" xmlns:a16="http://schemas.microsoft.com/office/drawing/2014/main" id="{F7043567-4147-88C3-F094-05513D23DB95}"/>
               </a:ext>
             </a:extLst>
           </p:cNvPr>
@@ -9967,7 +9967,7 @@
           <p:cNvPr id="8" name="TextBox 5">
             <a:extLst>
               <a:ext uri="{FF2B5EF4-FFF2-40B4-BE49-F238E27FC236}">
-                <a16:creationId xmlns:a16="http://schemas.microsoft.com/office/drawing/2014/main" xmlns="" xmlns:lc="http://schemas.openxmlformats.org/drawingml/2006/lockedCanvas" id="{F7043567-4147-88C3-F094-05513D23DB95}"/>
+                <a16:creationId xmlns:lc="http://schemas.openxmlformats.org/drawingml/2006/lockedCanvas" xmlns="" xmlns:a16="http://schemas.microsoft.com/office/drawing/2014/main" id="{F7043567-4147-88C3-F094-05513D23DB95}"/>
               </a:ext>
             </a:extLst>
           </p:cNvPr>
@@ -10260,7 +10260,7 @@
           <p:cNvPr id="8" name="TextBox 5">
             <a:extLst>
               <a:ext uri="{FF2B5EF4-FFF2-40B4-BE49-F238E27FC236}">
-                <a16:creationId xmlns:a16="http://schemas.microsoft.com/office/drawing/2014/main" xmlns="" xmlns:lc="http://schemas.openxmlformats.org/drawingml/2006/lockedCanvas" id="{F7043567-4147-88C3-F094-05513D23DB95}"/>
+                <a16:creationId xmlns:lc="http://schemas.openxmlformats.org/drawingml/2006/lockedCanvas" xmlns="" xmlns:a16="http://schemas.microsoft.com/office/drawing/2014/main" id="{F7043567-4147-88C3-F094-05513D23DB95}"/>
               </a:ext>
             </a:extLst>
           </p:cNvPr>
@@ -10753,7 +10753,7 @@
           <p:cNvPr id="5" name="TextBox 5">
             <a:extLst>
               <a:ext uri="{FF2B5EF4-FFF2-40B4-BE49-F238E27FC236}">
-                <a16:creationId xmlns:a16="http://schemas.microsoft.com/office/drawing/2014/main" xmlns="" xmlns:lc="http://schemas.openxmlformats.org/drawingml/2006/lockedCanvas" id="{F7043567-4147-88C3-F094-05513D23DB95}"/>
+                <a16:creationId xmlns:lc="http://schemas.openxmlformats.org/drawingml/2006/lockedCanvas" xmlns="" xmlns:a16="http://schemas.microsoft.com/office/drawing/2014/main" id="{F7043567-4147-88C3-F094-05513D23DB95}"/>
               </a:ext>
             </a:extLst>
           </p:cNvPr>
@@ -11169,7 +11169,7 @@
           <p:cNvPr id="8" name="TextBox 5">
             <a:extLst>
               <a:ext uri="{FF2B5EF4-FFF2-40B4-BE49-F238E27FC236}">
-                <a16:creationId xmlns:a16="http://schemas.microsoft.com/office/drawing/2014/main" xmlns="" xmlns:lc="http://schemas.openxmlformats.org/drawingml/2006/lockedCanvas" id="{F7043567-4147-88C3-F094-05513D23DB95}"/>
+                <a16:creationId xmlns:lc="http://schemas.openxmlformats.org/drawingml/2006/lockedCanvas" xmlns="" xmlns:a16="http://schemas.microsoft.com/office/drawing/2014/main" id="{F7043567-4147-88C3-F094-05513D23DB95}"/>
               </a:ext>
             </a:extLst>
           </p:cNvPr>
@@ -11746,7 +11746,7 @@
           <p:cNvPr id="9" name="TextBox 5">
             <a:extLst>
               <a:ext uri="{FF2B5EF4-FFF2-40B4-BE49-F238E27FC236}">
-                <a16:creationId xmlns:a16="http://schemas.microsoft.com/office/drawing/2014/main" xmlns="" xmlns:lc="http://schemas.openxmlformats.org/drawingml/2006/lockedCanvas" id="{F7043567-4147-88C3-F094-05513D23DB95}"/>
+                <a16:creationId xmlns:lc="http://schemas.openxmlformats.org/drawingml/2006/lockedCanvas" xmlns="" xmlns:a16="http://schemas.microsoft.com/office/drawing/2014/main" id="{F7043567-4147-88C3-F094-05513D23DB95}"/>
               </a:ext>
             </a:extLst>
           </p:cNvPr>
@@ -12045,7 +12045,7 @@
           <p:cNvPr id="10" name="TextBox 5">
             <a:extLst>
               <a:ext uri="{FF2B5EF4-FFF2-40B4-BE49-F238E27FC236}">
-                <a16:creationId xmlns:a16="http://schemas.microsoft.com/office/drawing/2014/main" xmlns="" xmlns:lc="http://schemas.openxmlformats.org/drawingml/2006/lockedCanvas" id="{F7043567-4147-88C3-F094-05513D23DB95}"/>
+                <a16:creationId xmlns:lc="http://schemas.openxmlformats.org/drawingml/2006/lockedCanvas" xmlns="" xmlns:a16="http://schemas.microsoft.com/office/drawing/2014/main" id="{F7043567-4147-88C3-F094-05513D23DB95}"/>
               </a:ext>
             </a:extLst>
           </p:cNvPr>
@@ -12355,7 +12355,7 @@
           <p:cNvPr id="9" name="TextBox 5">
             <a:extLst>
               <a:ext uri="{FF2B5EF4-FFF2-40B4-BE49-F238E27FC236}">
-                <a16:creationId xmlns:a16="http://schemas.microsoft.com/office/drawing/2014/main" xmlns="" xmlns:lc="http://schemas.openxmlformats.org/drawingml/2006/lockedCanvas" id="{F7043567-4147-88C3-F094-05513D23DB95}"/>
+                <a16:creationId xmlns:lc="http://schemas.openxmlformats.org/drawingml/2006/lockedCanvas" xmlns="" xmlns:a16="http://schemas.microsoft.com/office/drawing/2014/main" id="{F7043567-4147-88C3-F094-05513D23DB95}"/>
               </a:ext>
             </a:extLst>
           </p:cNvPr>
@@ -12673,7 +12673,7 @@
           <p:cNvPr id="7" name="TextBox 5">
             <a:extLst>
               <a:ext uri="{FF2B5EF4-FFF2-40B4-BE49-F238E27FC236}">
-                <a16:creationId xmlns:a16="http://schemas.microsoft.com/office/drawing/2014/main" xmlns="" xmlns:lc="http://schemas.openxmlformats.org/drawingml/2006/lockedCanvas" id="{F7043567-4147-88C3-F094-05513D23DB95}"/>
+                <a16:creationId xmlns:lc="http://schemas.openxmlformats.org/drawingml/2006/lockedCanvas" xmlns="" xmlns:a16="http://schemas.microsoft.com/office/drawing/2014/main" id="{F7043567-4147-88C3-F094-05513D23DB95}"/>
               </a:ext>
             </a:extLst>
           </p:cNvPr>
@@ -12976,7 +12976,7 @@
           <p:cNvPr id="9" name="TextBox 5">
             <a:extLst>
               <a:ext uri="{FF2B5EF4-FFF2-40B4-BE49-F238E27FC236}">
-                <a16:creationId xmlns:a16="http://schemas.microsoft.com/office/drawing/2014/main" xmlns="" xmlns:lc="http://schemas.openxmlformats.org/drawingml/2006/lockedCanvas" id="{F7043567-4147-88C3-F094-05513D23DB95}"/>
+                <a16:creationId xmlns:lc="http://schemas.openxmlformats.org/drawingml/2006/lockedCanvas" xmlns="" xmlns:a16="http://schemas.microsoft.com/office/drawing/2014/main" id="{F7043567-4147-88C3-F094-05513D23DB95}"/>
               </a:ext>
             </a:extLst>
           </p:cNvPr>
@@ -13269,7 +13269,7 @@
           <p:cNvPr id="9" name="TextBox 5">
             <a:extLst>
               <a:ext uri="{FF2B5EF4-FFF2-40B4-BE49-F238E27FC236}">
-                <a16:creationId xmlns:a16="http://schemas.microsoft.com/office/drawing/2014/main" xmlns="" xmlns:lc="http://schemas.openxmlformats.org/drawingml/2006/lockedCanvas" id="{F7043567-4147-88C3-F094-05513D23DB95}"/>
+                <a16:creationId xmlns:lc="http://schemas.openxmlformats.org/drawingml/2006/lockedCanvas" xmlns="" xmlns:a16="http://schemas.microsoft.com/office/drawing/2014/main" id="{F7043567-4147-88C3-F094-05513D23DB95}"/>
               </a:ext>
             </a:extLst>
           </p:cNvPr>
@@ -13609,7 +13609,7 @@
           <p:cNvPr id="9" name="TextBox 5">
             <a:extLst>
               <a:ext uri="{FF2B5EF4-FFF2-40B4-BE49-F238E27FC236}">
-                <a16:creationId xmlns:a16="http://schemas.microsoft.com/office/drawing/2014/main" xmlns="" xmlns:lc="http://schemas.openxmlformats.org/drawingml/2006/lockedCanvas" id="{F7043567-4147-88C3-F094-05513D23DB95}"/>
+                <a16:creationId xmlns:lc="http://schemas.openxmlformats.org/drawingml/2006/lockedCanvas" xmlns="" xmlns:a16="http://schemas.microsoft.com/office/drawing/2014/main" id="{F7043567-4147-88C3-F094-05513D23DB95}"/>
               </a:ext>
             </a:extLst>
           </p:cNvPr>

--- a/reports/2023_403_БогатыреваВО_slides.pptx
+++ b/reports/2023_403_БогатыреваВО_slides.pptx
@@ -216,7 +216,7 @@
           <a:p>
             <a:fld id="{7DEDA2BB-1C5C-4526-95E5-77A988EF9EA2}" type="datetimeFigureOut">
               <a:rPr lang="ru-RU" smtClean="0"/>
-              <a:t>08.06.2023</a:t>
+              <a:t>12.06.2023</a:t>
             </a:fld>
             <a:endParaRPr lang="ru-RU"/>
           </a:p>
@@ -3747,7 +3747,7 @@
           <a:p>
             <a:fld id="{9D1E7A46-1A4E-41C3-B23B-1269BF8B1FAC}" type="datetimeFigureOut">
               <a:rPr lang="ru-RU" smtClean="0"/>
-              <a:t>08.06.2023</a:t>
+              <a:t>12.06.2023</a:t>
             </a:fld>
             <a:endParaRPr lang="ru-RU"/>
           </a:p>
@@ -3917,7 +3917,7 @@
           <a:p>
             <a:fld id="{9D1E7A46-1A4E-41C3-B23B-1269BF8B1FAC}" type="datetimeFigureOut">
               <a:rPr lang="ru-RU" smtClean="0"/>
-              <a:t>08.06.2023</a:t>
+              <a:t>12.06.2023</a:t>
             </a:fld>
             <a:endParaRPr lang="ru-RU"/>
           </a:p>
@@ -4097,7 +4097,7 @@
           <a:p>
             <a:fld id="{9D1E7A46-1A4E-41C3-B23B-1269BF8B1FAC}" type="datetimeFigureOut">
               <a:rPr lang="ru-RU" smtClean="0"/>
-              <a:t>08.06.2023</a:t>
+              <a:t>12.06.2023</a:t>
             </a:fld>
             <a:endParaRPr lang="ru-RU"/>
           </a:p>
@@ -4267,7 +4267,7 @@
           <a:p>
             <a:fld id="{9D1E7A46-1A4E-41C3-B23B-1269BF8B1FAC}" type="datetimeFigureOut">
               <a:rPr lang="ru-RU" smtClean="0"/>
-              <a:t>08.06.2023</a:t>
+              <a:t>12.06.2023</a:t>
             </a:fld>
             <a:endParaRPr lang="ru-RU"/>
           </a:p>
@@ -4511,7 +4511,7 @@
           <a:p>
             <a:fld id="{9D1E7A46-1A4E-41C3-B23B-1269BF8B1FAC}" type="datetimeFigureOut">
               <a:rPr lang="ru-RU" smtClean="0"/>
-              <a:t>08.06.2023</a:t>
+              <a:t>12.06.2023</a:t>
             </a:fld>
             <a:endParaRPr lang="ru-RU"/>
           </a:p>
@@ -4743,7 +4743,7 @@
           <a:p>
             <a:fld id="{9D1E7A46-1A4E-41C3-B23B-1269BF8B1FAC}" type="datetimeFigureOut">
               <a:rPr lang="ru-RU" smtClean="0"/>
-              <a:t>08.06.2023</a:t>
+              <a:t>12.06.2023</a:t>
             </a:fld>
             <a:endParaRPr lang="ru-RU"/>
           </a:p>
@@ -5110,7 +5110,7 @@
           <a:p>
             <a:fld id="{9D1E7A46-1A4E-41C3-B23B-1269BF8B1FAC}" type="datetimeFigureOut">
               <a:rPr lang="ru-RU" smtClean="0"/>
-              <a:t>08.06.2023</a:t>
+              <a:t>12.06.2023</a:t>
             </a:fld>
             <a:endParaRPr lang="ru-RU"/>
           </a:p>
@@ -5228,7 +5228,7 @@
           <a:p>
             <a:fld id="{9D1E7A46-1A4E-41C3-B23B-1269BF8B1FAC}" type="datetimeFigureOut">
               <a:rPr lang="ru-RU" smtClean="0"/>
-              <a:t>08.06.2023</a:t>
+              <a:t>12.06.2023</a:t>
             </a:fld>
             <a:endParaRPr lang="ru-RU"/>
           </a:p>
@@ -5323,7 +5323,7 @@
           <a:p>
             <a:fld id="{9D1E7A46-1A4E-41C3-B23B-1269BF8B1FAC}" type="datetimeFigureOut">
               <a:rPr lang="ru-RU" smtClean="0"/>
-              <a:t>08.06.2023</a:t>
+              <a:t>12.06.2023</a:t>
             </a:fld>
             <a:endParaRPr lang="ru-RU"/>
           </a:p>
@@ -5600,7 +5600,7 @@
           <a:p>
             <a:fld id="{9D1E7A46-1A4E-41C3-B23B-1269BF8B1FAC}" type="datetimeFigureOut">
               <a:rPr lang="ru-RU" smtClean="0"/>
-              <a:t>08.06.2023</a:t>
+              <a:t>12.06.2023</a:t>
             </a:fld>
             <a:endParaRPr lang="ru-RU"/>
           </a:p>
@@ -5857,7 +5857,7 @@
           <a:p>
             <a:fld id="{9D1E7A46-1A4E-41C3-B23B-1269BF8B1FAC}" type="datetimeFigureOut">
               <a:rPr lang="ru-RU" smtClean="0"/>
-              <a:t>08.06.2023</a:t>
+              <a:t>12.06.2023</a:t>
             </a:fld>
             <a:endParaRPr lang="ru-RU"/>
           </a:p>
@@ -6070,7 +6070,7 @@
           <a:p>
             <a:fld id="{9D1E7A46-1A4E-41C3-B23B-1269BF8B1FAC}" type="datetimeFigureOut">
               <a:rPr lang="ru-RU" smtClean="0"/>
-              <a:t>08.06.2023</a:t>
+              <a:t>12.06.2023</a:t>
             </a:fld>
             <a:endParaRPr lang="ru-RU"/>
           </a:p>
@@ -6876,7 +6876,7 @@
           <p:cNvPr id="7" name="TextBox 5">
             <a:extLst>
               <a:ext uri="{FF2B5EF4-FFF2-40B4-BE49-F238E27FC236}">
-                <a16:creationId xmlns:lc="http://schemas.openxmlformats.org/drawingml/2006/lockedCanvas" xmlns="" xmlns:a16="http://schemas.microsoft.com/office/drawing/2014/main" id="{F7043567-4147-88C3-F094-05513D23DB95}"/>
+                <a16:creationId xmlns:a16="http://schemas.microsoft.com/office/drawing/2014/main" xmlns="" xmlns:lc="http://schemas.openxmlformats.org/drawingml/2006/lockedCanvas" id="{F7043567-4147-88C3-F094-05513D23DB95}"/>
               </a:ext>
             </a:extLst>
           </p:cNvPr>
@@ -7212,7 +7212,7 @@
           <p:cNvPr id="9" name="TextBox 5">
             <a:extLst>
               <a:ext uri="{FF2B5EF4-FFF2-40B4-BE49-F238E27FC236}">
-                <a16:creationId xmlns:lc="http://schemas.openxmlformats.org/drawingml/2006/lockedCanvas" xmlns="" xmlns:a16="http://schemas.microsoft.com/office/drawing/2014/main" id="{F7043567-4147-88C3-F094-05513D23DB95}"/>
+                <a16:creationId xmlns:a16="http://schemas.microsoft.com/office/drawing/2014/main" xmlns="" xmlns:lc="http://schemas.openxmlformats.org/drawingml/2006/lockedCanvas" id="{F7043567-4147-88C3-F094-05513D23DB95}"/>
               </a:ext>
             </a:extLst>
           </p:cNvPr>
@@ -7830,7 +7830,7 @@
           <p:cNvPr id="12" name="TextBox 5">
             <a:extLst>
               <a:ext uri="{FF2B5EF4-FFF2-40B4-BE49-F238E27FC236}">
-                <a16:creationId xmlns:lc="http://schemas.openxmlformats.org/drawingml/2006/lockedCanvas" xmlns="" xmlns:a16="http://schemas.microsoft.com/office/drawing/2014/main" id="{F7043567-4147-88C3-F094-05513D23DB95}"/>
+                <a16:creationId xmlns:a16="http://schemas.microsoft.com/office/drawing/2014/main" xmlns="" xmlns:lc="http://schemas.openxmlformats.org/drawingml/2006/lockedCanvas" id="{F7043567-4147-88C3-F094-05513D23DB95}"/>
               </a:ext>
             </a:extLst>
           </p:cNvPr>
@@ -8105,7 +8105,7 @@
           <p:cNvPr id="10" name="TextBox 5">
             <a:extLst>
               <a:ext uri="{FF2B5EF4-FFF2-40B4-BE49-F238E27FC236}">
-                <a16:creationId xmlns:lc="http://schemas.openxmlformats.org/drawingml/2006/lockedCanvas" xmlns="" xmlns:a16="http://schemas.microsoft.com/office/drawing/2014/main" id="{F7043567-4147-88C3-F094-05513D23DB95}"/>
+                <a16:creationId xmlns:a16="http://schemas.microsoft.com/office/drawing/2014/main" xmlns="" xmlns:lc="http://schemas.openxmlformats.org/drawingml/2006/lockedCanvas" id="{F7043567-4147-88C3-F094-05513D23DB95}"/>
               </a:ext>
             </a:extLst>
           </p:cNvPr>
@@ -8307,10 +8307,8 @@
       </p:sp>
       <p:pic>
         <p:nvPicPr>
-          <p:cNvPr id="6" name="Рисунок 5"/>
-          <p:cNvPicPr>
-            <a:picLocks noChangeAspect="1"/>
-          </p:cNvPicPr>
+          <p:cNvPr id="7" name="Рисунок 6"/>
+          <p:cNvPicPr/>
           <p:nvPr/>
         </p:nvPicPr>
         <p:blipFill>
@@ -8321,8 +8319,8 @@
         </p:blipFill>
         <p:spPr>
           <a:xfrm>
-            <a:off x="760961" y="955927"/>
-            <a:ext cx="7621019" cy="5004086"/>
+            <a:off x="1371595" y="891476"/>
+            <a:ext cx="6399751" cy="5196336"/>
           </a:xfrm>
           <a:prstGeom prst="rect">
             <a:avLst/>
@@ -8409,7 +8407,7 @@
           <p:cNvPr id="8" name="TextBox 5">
             <a:extLst>
               <a:ext uri="{FF2B5EF4-FFF2-40B4-BE49-F238E27FC236}">
-                <a16:creationId xmlns:lc="http://schemas.openxmlformats.org/drawingml/2006/lockedCanvas" xmlns="" xmlns:a16="http://schemas.microsoft.com/office/drawing/2014/main" id="{F7043567-4147-88C3-F094-05513D23DB95}"/>
+                <a16:creationId xmlns:a16="http://schemas.microsoft.com/office/drawing/2014/main" xmlns="" xmlns:lc="http://schemas.openxmlformats.org/drawingml/2006/lockedCanvas" id="{F7043567-4147-88C3-F094-05513D23DB95}"/>
               </a:ext>
             </a:extLst>
           </p:cNvPr>
@@ -8653,7 +8651,7 @@
         </p:blipFill>
         <p:spPr>
           <a:xfrm>
-            <a:off x="4782876" y="955928"/>
+            <a:off x="4684785" y="955928"/>
             <a:ext cx="4007436" cy="4984164"/>
           </a:xfrm>
           <a:prstGeom prst="rect">
@@ -8741,7 +8739,7 @@
           <p:cNvPr id="9" name="TextBox 5">
             <a:extLst>
               <a:ext uri="{FF2B5EF4-FFF2-40B4-BE49-F238E27FC236}">
-                <a16:creationId xmlns:lc="http://schemas.openxmlformats.org/drawingml/2006/lockedCanvas" xmlns="" xmlns:a16="http://schemas.microsoft.com/office/drawing/2014/main" id="{F7043567-4147-88C3-F094-05513D23DB95}"/>
+                <a16:creationId xmlns:a16="http://schemas.microsoft.com/office/drawing/2014/main" xmlns="" xmlns:lc="http://schemas.openxmlformats.org/drawingml/2006/lockedCanvas" id="{F7043567-4147-88C3-F094-05513D23DB95}"/>
               </a:ext>
             </a:extLst>
           </p:cNvPr>
@@ -8957,7 +8955,7 @@
         </p:blipFill>
         <p:spPr>
           <a:xfrm>
-            <a:off x="1130112" y="1059613"/>
+            <a:off x="1130112" y="955928"/>
             <a:ext cx="6883774" cy="5028199"/>
           </a:xfrm>
           <a:prstGeom prst="rect">
@@ -8965,7 +8963,7 @@
           </a:prstGeom>
           <a:ln>
             <a:solidFill>
-              <a:schemeClr val="bg1"/>
+              <a:schemeClr val="tx1"/>
             </a:solidFill>
           </a:ln>
         </p:spPr>
@@ -9045,7 +9043,7 @@
           <p:cNvPr id="9" name="TextBox 5">
             <a:extLst>
               <a:ext uri="{FF2B5EF4-FFF2-40B4-BE49-F238E27FC236}">
-                <a16:creationId xmlns:lc="http://schemas.openxmlformats.org/drawingml/2006/lockedCanvas" xmlns="" xmlns:a16="http://schemas.microsoft.com/office/drawing/2014/main" id="{F7043567-4147-88C3-F094-05513D23DB95}"/>
+                <a16:creationId xmlns:a16="http://schemas.microsoft.com/office/drawing/2014/main" xmlns="" xmlns:lc="http://schemas.openxmlformats.org/drawingml/2006/lockedCanvas" id="{F7043567-4147-88C3-F094-05513D23DB95}"/>
               </a:ext>
             </a:extLst>
           </p:cNvPr>
@@ -9247,10 +9245,8 @@
       </p:sp>
       <p:pic>
         <p:nvPicPr>
-          <p:cNvPr id="3" name="Рисунок 2"/>
-          <p:cNvPicPr>
-            <a:picLocks noChangeAspect="1"/>
-          </p:cNvPicPr>
+          <p:cNvPr id="7" name="Рисунок 6"/>
+          <p:cNvPicPr/>
           <p:nvPr/>
         </p:nvPicPr>
         <p:blipFill>
@@ -9261,8 +9257,8 @@
         </p:blipFill>
         <p:spPr>
           <a:xfrm>
-            <a:off x="277758" y="1092739"/>
-            <a:ext cx="8588484" cy="4625741"/>
+            <a:off x="579725" y="885670"/>
+            <a:ext cx="7984549" cy="4832810"/>
           </a:xfrm>
           <a:prstGeom prst="rect">
             <a:avLst/>
@@ -9557,7 +9553,7 @@
           <p:cNvPr id="8" name="TextBox 5">
             <a:extLst>
               <a:ext uri="{FF2B5EF4-FFF2-40B4-BE49-F238E27FC236}">
-                <a16:creationId xmlns:lc="http://schemas.openxmlformats.org/drawingml/2006/lockedCanvas" xmlns="" xmlns:a16="http://schemas.microsoft.com/office/drawing/2014/main" id="{F7043567-4147-88C3-F094-05513D23DB95}"/>
+                <a16:creationId xmlns:a16="http://schemas.microsoft.com/office/drawing/2014/main" xmlns="" xmlns:lc="http://schemas.openxmlformats.org/drawingml/2006/lockedCanvas" id="{F7043567-4147-88C3-F094-05513D23DB95}"/>
               </a:ext>
             </a:extLst>
           </p:cNvPr>
@@ -9967,7 +9963,7 @@
           <p:cNvPr id="8" name="TextBox 5">
             <a:extLst>
               <a:ext uri="{FF2B5EF4-FFF2-40B4-BE49-F238E27FC236}">
-                <a16:creationId xmlns:lc="http://schemas.openxmlformats.org/drawingml/2006/lockedCanvas" xmlns="" xmlns:a16="http://schemas.microsoft.com/office/drawing/2014/main" id="{F7043567-4147-88C3-F094-05513D23DB95}"/>
+                <a16:creationId xmlns:a16="http://schemas.microsoft.com/office/drawing/2014/main" xmlns="" xmlns:lc="http://schemas.openxmlformats.org/drawingml/2006/lockedCanvas" id="{F7043567-4147-88C3-F094-05513D23DB95}"/>
               </a:ext>
             </a:extLst>
           </p:cNvPr>
@@ -10260,7 +10256,7 @@
           <p:cNvPr id="8" name="TextBox 5">
             <a:extLst>
               <a:ext uri="{FF2B5EF4-FFF2-40B4-BE49-F238E27FC236}">
-                <a16:creationId xmlns:lc="http://schemas.openxmlformats.org/drawingml/2006/lockedCanvas" xmlns="" xmlns:a16="http://schemas.microsoft.com/office/drawing/2014/main" id="{F7043567-4147-88C3-F094-05513D23DB95}"/>
+                <a16:creationId xmlns:a16="http://schemas.microsoft.com/office/drawing/2014/main" xmlns="" xmlns:lc="http://schemas.openxmlformats.org/drawingml/2006/lockedCanvas" id="{F7043567-4147-88C3-F094-05513D23DB95}"/>
               </a:ext>
             </a:extLst>
           </p:cNvPr>
@@ -10753,7 +10749,7 @@
           <p:cNvPr id="5" name="TextBox 5">
             <a:extLst>
               <a:ext uri="{FF2B5EF4-FFF2-40B4-BE49-F238E27FC236}">
-                <a16:creationId xmlns:lc="http://schemas.openxmlformats.org/drawingml/2006/lockedCanvas" xmlns="" xmlns:a16="http://schemas.microsoft.com/office/drawing/2014/main" id="{F7043567-4147-88C3-F094-05513D23DB95}"/>
+                <a16:creationId xmlns:a16="http://schemas.microsoft.com/office/drawing/2014/main" xmlns="" xmlns:lc="http://schemas.openxmlformats.org/drawingml/2006/lockedCanvas" id="{F7043567-4147-88C3-F094-05513D23DB95}"/>
               </a:ext>
             </a:extLst>
           </p:cNvPr>
@@ -11169,7 +11165,7 @@
           <p:cNvPr id="8" name="TextBox 5">
             <a:extLst>
               <a:ext uri="{FF2B5EF4-FFF2-40B4-BE49-F238E27FC236}">
-                <a16:creationId xmlns:lc="http://schemas.openxmlformats.org/drawingml/2006/lockedCanvas" xmlns="" xmlns:a16="http://schemas.microsoft.com/office/drawing/2014/main" id="{F7043567-4147-88C3-F094-05513D23DB95}"/>
+                <a16:creationId xmlns:a16="http://schemas.microsoft.com/office/drawing/2014/main" xmlns="" xmlns:lc="http://schemas.openxmlformats.org/drawingml/2006/lockedCanvas" id="{F7043567-4147-88C3-F094-05513D23DB95}"/>
               </a:ext>
             </a:extLst>
           </p:cNvPr>
@@ -11746,7 +11742,7 @@
           <p:cNvPr id="9" name="TextBox 5">
             <a:extLst>
               <a:ext uri="{FF2B5EF4-FFF2-40B4-BE49-F238E27FC236}">
-                <a16:creationId xmlns:lc="http://schemas.openxmlformats.org/drawingml/2006/lockedCanvas" xmlns="" xmlns:a16="http://schemas.microsoft.com/office/drawing/2014/main" id="{F7043567-4147-88C3-F094-05513D23DB95}"/>
+                <a16:creationId xmlns:a16="http://schemas.microsoft.com/office/drawing/2014/main" xmlns="" xmlns:lc="http://schemas.openxmlformats.org/drawingml/2006/lockedCanvas" id="{F7043567-4147-88C3-F094-05513D23DB95}"/>
               </a:ext>
             </a:extLst>
           </p:cNvPr>
@@ -12045,7 +12041,7 @@
           <p:cNvPr id="10" name="TextBox 5">
             <a:extLst>
               <a:ext uri="{FF2B5EF4-FFF2-40B4-BE49-F238E27FC236}">
-                <a16:creationId xmlns:lc="http://schemas.openxmlformats.org/drawingml/2006/lockedCanvas" xmlns="" xmlns:a16="http://schemas.microsoft.com/office/drawing/2014/main" id="{F7043567-4147-88C3-F094-05513D23DB95}"/>
+                <a16:creationId xmlns:a16="http://schemas.microsoft.com/office/drawing/2014/main" xmlns="" xmlns:lc="http://schemas.openxmlformats.org/drawingml/2006/lockedCanvas" id="{F7043567-4147-88C3-F094-05513D23DB95}"/>
               </a:ext>
             </a:extLst>
           </p:cNvPr>
@@ -12355,7 +12351,7 @@
           <p:cNvPr id="9" name="TextBox 5">
             <a:extLst>
               <a:ext uri="{FF2B5EF4-FFF2-40B4-BE49-F238E27FC236}">
-                <a16:creationId xmlns:lc="http://schemas.openxmlformats.org/drawingml/2006/lockedCanvas" xmlns="" xmlns:a16="http://schemas.microsoft.com/office/drawing/2014/main" id="{F7043567-4147-88C3-F094-05513D23DB95}"/>
+                <a16:creationId xmlns:a16="http://schemas.microsoft.com/office/drawing/2014/main" xmlns="" xmlns:lc="http://schemas.openxmlformats.org/drawingml/2006/lockedCanvas" id="{F7043567-4147-88C3-F094-05513D23DB95}"/>
               </a:ext>
             </a:extLst>
           </p:cNvPr>
@@ -12673,7 +12669,7 @@
           <p:cNvPr id="7" name="TextBox 5">
             <a:extLst>
               <a:ext uri="{FF2B5EF4-FFF2-40B4-BE49-F238E27FC236}">
-                <a16:creationId xmlns:lc="http://schemas.openxmlformats.org/drawingml/2006/lockedCanvas" xmlns="" xmlns:a16="http://schemas.microsoft.com/office/drawing/2014/main" id="{F7043567-4147-88C3-F094-05513D23DB95}"/>
+                <a16:creationId xmlns:a16="http://schemas.microsoft.com/office/drawing/2014/main" xmlns="" xmlns:lc="http://schemas.openxmlformats.org/drawingml/2006/lockedCanvas" id="{F7043567-4147-88C3-F094-05513D23DB95}"/>
               </a:ext>
             </a:extLst>
           </p:cNvPr>
@@ -12976,7 +12972,7 @@
           <p:cNvPr id="9" name="TextBox 5">
             <a:extLst>
               <a:ext uri="{FF2B5EF4-FFF2-40B4-BE49-F238E27FC236}">
-                <a16:creationId xmlns:lc="http://schemas.openxmlformats.org/drawingml/2006/lockedCanvas" xmlns="" xmlns:a16="http://schemas.microsoft.com/office/drawing/2014/main" id="{F7043567-4147-88C3-F094-05513D23DB95}"/>
+                <a16:creationId xmlns:a16="http://schemas.microsoft.com/office/drawing/2014/main" xmlns="" xmlns:lc="http://schemas.openxmlformats.org/drawingml/2006/lockedCanvas" id="{F7043567-4147-88C3-F094-05513D23DB95}"/>
               </a:ext>
             </a:extLst>
           </p:cNvPr>
@@ -13269,7 +13265,7 @@
           <p:cNvPr id="9" name="TextBox 5">
             <a:extLst>
               <a:ext uri="{FF2B5EF4-FFF2-40B4-BE49-F238E27FC236}">
-                <a16:creationId xmlns:lc="http://schemas.openxmlformats.org/drawingml/2006/lockedCanvas" xmlns="" xmlns:a16="http://schemas.microsoft.com/office/drawing/2014/main" id="{F7043567-4147-88C3-F094-05513D23DB95}"/>
+                <a16:creationId xmlns:a16="http://schemas.microsoft.com/office/drawing/2014/main" xmlns="" xmlns:lc="http://schemas.openxmlformats.org/drawingml/2006/lockedCanvas" id="{F7043567-4147-88C3-F094-05513D23DB95}"/>
               </a:ext>
             </a:extLst>
           </p:cNvPr>
@@ -13609,7 +13605,7 @@
           <p:cNvPr id="9" name="TextBox 5">
             <a:extLst>
               <a:ext uri="{FF2B5EF4-FFF2-40B4-BE49-F238E27FC236}">
-                <a16:creationId xmlns:lc="http://schemas.openxmlformats.org/drawingml/2006/lockedCanvas" xmlns="" xmlns:a16="http://schemas.microsoft.com/office/drawing/2014/main" id="{F7043567-4147-88C3-F094-05513D23DB95}"/>
+                <a16:creationId xmlns:a16="http://schemas.microsoft.com/office/drawing/2014/main" xmlns="" xmlns:lc="http://schemas.openxmlformats.org/drawingml/2006/lockedCanvas" id="{F7043567-4147-88C3-F094-05513D23DB95}"/>
               </a:ext>
             </a:extLst>
           </p:cNvPr>
